--- a/livefile/livepowerpoint.pptx
+++ b/livefile/livepowerpoint.pptx
@@ -219,7 +219,7 @@
           <a:p>
             <a:fld id="{16A2333F-9A84-48D5-897E-B51363C09104}" type="datetimeFigureOut">
               <a:rPr lang="zh-CN" altLang="en-US" smtClean="0"/>
-              <a:t>2024/5/6</a:t>
+              <a:t>2024/5/7</a:t>
             </a:fld>
             <a:endParaRPr lang="zh-CN" altLang="en-US"/>
           </a:p>
@@ -1349,7 +1349,7 @@
             </a:pPr>
             <a:fld id="{8D7D9A98-2B42-4142-BB4A-011734DDEA85}" type="datetimeFigureOut">
               <a:rPr lang="zh-CN" altLang="en-US"/>
-              <a:t>2024/5/6</a:t>
+              <a:t>2024/5/7</a:t>
             </a:fld>
             <a:endParaRPr lang="zh-CN" altLang="en-US"/>
           </a:p>
@@ -1498,7 +1498,7 @@
             </a:pPr>
             <a:fld id="{12F3D532-36F8-4FDA-B03A-4B8348962AD1}" type="datetime1">
               <a:rPr lang="zh-CN" altLang="en-US"/>
-              <a:t>2024/5/6</a:t>
+              <a:t>2024/5/7</a:t>
             </a:fld>
             <a:endParaRPr lang="zh-CN" altLang="en-US"/>
           </a:p>
@@ -1607,7 +1607,7 @@
           <a:p>
             <a:fld id="{F487EE23-058C-4F57-8869-2B6561E3103C}" type="datetimeFigureOut">
               <a:rPr lang="zh-CN" altLang="en-US" smtClean="0"/>
-              <a:t>2024/5/6</a:t>
+              <a:t>2024/5/7</a:t>
             </a:fld>
             <a:endParaRPr lang="zh-CN" altLang="en-US"/>
           </a:p>
@@ -1863,7 +1863,7 @@
           <a:p>
             <a:fld id="{F487EE23-058C-4F57-8869-2B6561E3103C}" type="datetimeFigureOut">
               <a:rPr lang="zh-CN" altLang="en-US" smtClean="0"/>
-              <a:t>2024/5/6</a:t>
+              <a:t>2024/5/7</a:t>
             </a:fld>
             <a:endParaRPr lang="zh-CN" altLang="en-US"/>
           </a:p>
@@ -2085,7 +2085,7 @@
             </a:pPr>
             <a:fld id="{A293AA06-7DE4-4BE9-9894-758112E5DCC1}" type="datetime1">
               <a:rPr lang="zh-CN" altLang="en-US"/>
-              <a:t>2024/5/6</a:t>
+              <a:t>2024/5/7</a:t>
             </a:fld>
             <a:endParaRPr lang="zh-CN" altLang="en-US"/>
           </a:p>
@@ -2399,7 +2399,7 @@
           <a:p>
             <a:fld id="{F487EE23-058C-4F57-8869-2B6561E3103C}" type="datetimeFigureOut">
               <a:rPr lang="zh-CN" altLang="en-US" smtClean="0"/>
-              <a:t>2024/5/6</a:t>
+              <a:t>2024/5/7</a:t>
             </a:fld>
             <a:endParaRPr lang="zh-CN" altLang="en-US"/>
           </a:p>
@@ -2650,7 +2650,7 @@
             </a:pPr>
             <a:fld id="{BEDED714-68C8-44B6-9732-DDF7DD97772E}" type="datetime1">
               <a:rPr lang="zh-CN" altLang="en-US"/>
-              <a:t>2024/5/6</a:t>
+              <a:t>2024/5/7</a:t>
             </a:fld>
             <a:endParaRPr lang="zh-CN" altLang="en-US"/>
           </a:p>
@@ -3032,7 +3032,7 @@
             </a:pPr>
             <a:fld id="{27A77D59-FE09-433D-B821-9B2BE50A514A}" type="datetime1">
               <a:rPr lang="zh-CN" altLang="en-US"/>
-              <a:t>2024/5/6</a:t>
+              <a:t>2024/5/7</a:t>
             </a:fld>
             <a:endParaRPr lang="zh-CN" altLang="en-US"/>
           </a:p>
@@ -3341,7 +3341,7 @@
             </a:pPr>
             <a:fld id="{E11AF4AC-5AFC-4379-B912-FCE9AB7477D3}" type="datetime1">
               <a:rPr lang="zh-CN" altLang="en-US"/>
-              <a:t>2024/5/6</a:t>
+              <a:t>2024/5/7</a:t>
             </a:fld>
             <a:endParaRPr lang="zh-CN" altLang="en-US"/>
           </a:p>
@@ -4069,7 +4069,7 @@
             </a:pPr>
             <a:fld id="{D2392E56-C887-40A0-B45B-7A180C992FB2}" type="datetime1">
               <a:rPr lang="zh-CN" altLang="en-US"/>
-              <a:t>2024/5/6</a:t>
+              <a:t>2024/5/7</a:t>
             </a:fld>
             <a:endParaRPr lang="zh-CN" altLang="en-US"/>
           </a:p>
@@ -4512,7 +4512,7 @@
             </a:pPr>
             <a:fld id="{614AAE4D-FD61-4E21-A39B-A3D833986EBE}" type="datetime1">
               <a:rPr lang="zh-CN" altLang="en-US"/>
-              <a:t>2024/5/6</a:t>
+              <a:t>2024/5/7</a:t>
             </a:fld>
             <a:endParaRPr lang="zh-CN" altLang="en-US"/>
           </a:p>
@@ -4874,7 +4874,7 @@
           <a:p>
             <a:fld id="{F487EE23-058C-4F57-8869-2B6561E3103C}" type="datetimeFigureOut">
               <a:rPr lang="zh-CN" altLang="en-US" smtClean="0"/>
-              <a:t>2024/5/6</a:t>
+              <a:t>2024/5/7</a:t>
             </a:fld>
             <a:endParaRPr lang="zh-CN" altLang="en-US"/>
           </a:p>
@@ -5360,7 +5360,7 @@
           <a:p>
             <a:fld id="{F487EE23-058C-4F57-8869-2B6561E3103C}" type="datetimeFigureOut">
               <a:rPr lang="zh-CN" altLang="en-US" smtClean="0"/>
-              <a:t>2024/5/6</a:t>
+              <a:t>2024/5/7</a:t>
             </a:fld>
             <a:endParaRPr lang="zh-CN" altLang="en-US"/>
           </a:p>
@@ -5633,7 +5633,7 @@
           <a:p>
             <a:fld id="{F487EE23-058C-4F57-8869-2B6561E3103C}" type="datetimeFigureOut">
               <a:rPr lang="zh-CN" altLang="en-US" smtClean="0"/>
-              <a:t>2024/5/6</a:t>
+              <a:t>2024/5/7</a:t>
             </a:fld>
             <a:endParaRPr lang="zh-CN" altLang="en-US"/>
           </a:p>

--- a/livefile/livepowerpoint.pptx
+++ b/livefile/livepowerpoint.pptx
@@ -12220,254 +12220,70 @@
           </a:p>
         </p:txBody>
       </p:sp>
-      <p:graphicFrame>
-        <p:nvGraphicFramePr>
-          <p:cNvPr id="8" name="表格 7"/>
-          <p:cNvGraphicFramePr>
-            <a:graphicFrameLocks noGrp="1"/>
-          </p:cNvGraphicFramePr>
-          <p:nvPr/>
-        </p:nvGraphicFramePr>
-        <p:xfrm>
-          <a:off x="8040330" y="1002241"/>
-          <a:ext cx="2874075" cy="4333875"/>
-        </p:xfrm>
-        <a:graphic>
-          <a:graphicData uri="http://schemas.openxmlformats.org/drawingml/2006/table">
-            <a:tbl>
-              <a:tblPr>
-                <a:tableStyleId>{5C22544A-7EE6-4342-B048-85BDC9FD1C3A}</a:tableStyleId>
-              </a:tblPr>
-              <a:tblGrid>
-                <a:gridCol w="2874075">
-                  <a:extLst>
-                    <a:ext uri="{9D8B030D-6E8A-4147-A177-3AD203B41FA5}">
-                      <a16:colId xmlns:a16="http://schemas.microsoft.com/office/drawing/2014/main" val="20000"/>
-                    </a:ext>
-                  </a:extLst>
-                </a:gridCol>
-              </a:tblGrid>
-              <a:tr h="579774">
-                <a:tc>
-                  <a:txBody>
-                    <a:bodyPr/>
-                    <a:lstStyle/>
-                    <a:p>
-                      <a:pPr algn="l" fontAlgn="b"/>
-                      <a:r>
-                        <a:rPr lang="zh-CN" altLang="en-US" sz="4000" u="sng" strike="noStrike">
-                          <a:effectLst/>
-                          <a:hlinkClick r:id="rId13"/>
-                        </a:rPr>
-                        <a:t>第二局</a:t>
-                      </a:r>
-                      <a:endParaRPr lang="zh-CN" altLang="en-US" sz="4000" b="0" i="0" u="sng" strike="noStrike">
-                        <a:solidFill>
-                          <a:srgbClr val="0563C1"/>
-                        </a:solidFill>
-                        <a:effectLst/>
-                        <a:latin typeface="Arial" panose="020B0604020202020204" pitchFamily="34" charset="0"/>
-                      </a:endParaRPr>
-                    </a:p>
-                  </a:txBody>
-                  <a:tcPr marL="9525" marR="9525" marT="9525" marB="0" anchor="b"/>
-                </a:tc>
-                <a:extLst>
-                  <a:ext uri="{0D108BD9-81ED-4DB2-BD59-A6C34878D82A}">
-                    <a16:rowId xmlns:a16="http://schemas.microsoft.com/office/drawing/2014/main" val="10000"/>
-                  </a:ext>
-                </a:extLst>
-              </a:tr>
-              <a:tr h="579774">
-                <a:tc>
-                  <a:txBody>
-                    <a:bodyPr/>
-                    <a:lstStyle/>
-                    <a:p>
-                      <a:pPr algn="l" fontAlgn="b"/>
-                      <a:r>
-                        <a:rPr lang="zh-CN" altLang="en-US" sz="4000" u="sng" strike="noStrike">
-                          <a:effectLst/>
-                          <a:hlinkClick r:id="rId14"/>
-                        </a:rPr>
-                        <a:t>第三局</a:t>
-                      </a:r>
-                      <a:endParaRPr lang="zh-CN" altLang="en-US" sz="4000" b="0" i="0" u="sng" strike="noStrike">
-                        <a:solidFill>
-                          <a:srgbClr val="0563C1"/>
-                        </a:solidFill>
-                        <a:effectLst/>
-                        <a:latin typeface="Arial" panose="020B0604020202020204" pitchFamily="34" charset="0"/>
-                      </a:endParaRPr>
-                    </a:p>
-                  </a:txBody>
-                  <a:tcPr marL="9525" marR="9525" marT="9525" marB="0" anchor="b"/>
-                </a:tc>
-                <a:extLst>
-                  <a:ext uri="{0D108BD9-81ED-4DB2-BD59-A6C34878D82A}">
-                    <a16:rowId xmlns:a16="http://schemas.microsoft.com/office/drawing/2014/main" val="10001"/>
-                  </a:ext>
-                </a:extLst>
-              </a:tr>
-              <a:tr h="579774">
-                <a:tc>
-                  <a:txBody>
-                    <a:bodyPr/>
-                    <a:lstStyle/>
-                    <a:p>
-                      <a:pPr algn="l" fontAlgn="b"/>
-                      <a:r>
-                        <a:rPr lang="zh-CN" altLang="en-US" sz="4000" u="sng" strike="noStrike">
-                          <a:effectLst/>
-                          <a:hlinkClick r:id="rId15"/>
-                        </a:rPr>
-                        <a:t>第四局</a:t>
-                      </a:r>
-                      <a:endParaRPr lang="zh-CN" altLang="en-US" sz="4000" b="0" i="0" u="sng" strike="noStrike">
-                        <a:solidFill>
-                          <a:srgbClr val="0563C1"/>
-                        </a:solidFill>
-                        <a:effectLst/>
-                        <a:latin typeface="Arial" panose="020B0604020202020204" pitchFamily="34" charset="0"/>
-                      </a:endParaRPr>
-                    </a:p>
-                  </a:txBody>
-                  <a:tcPr marL="9525" marR="9525" marT="9525" marB="0" anchor="b"/>
-                </a:tc>
-                <a:extLst>
-                  <a:ext uri="{0D108BD9-81ED-4DB2-BD59-A6C34878D82A}">
-                    <a16:rowId xmlns:a16="http://schemas.microsoft.com/office/drawing/2014/main" val="10002"/>
-                  </a:ext>
-                </a:extLst>
-              </a:tr>
-              <a:tr h="579774">
-                <a:tc>
-                  <a:txBody>
-                    <a:bodyPr/>
-                    <a:lstStyle/>
-                    <a:p>
-                      <a:pPr algn="l" fontAlgn="b"/>
-                      <a:r>
-                        <a:rPr lang="zh-CN" altLang="en-US" sz="4000" u="sng" strike="noStrike" dirty="0">
-                          <a:effectLst/>
-                          <a:hlinkClick r:id="rId16"/>
-                        </a:rPr>
-                        <a:t>第一局</a:t>
-                      </a:r>
-                      <a:endParaRPr lang="zh-CN" altLang="en-US" sz="4000" b="0" i="0" u="sng" strike="noStrike" dirty="0">
-                        <a:solidFill>
-                          <a:srgbClr val="0563C1"/>
-                        </a:solidFill>
-                        <a:effectLst/>
-                        <a:latin typeface="Arial" panose="020B0604020202020204" pitchFamily="34" charset="0"/>
-                      </a:endParaRPr>
-                    </a:p>
-                  </a:txBody>
-                  <a:tcPr marL="9525" marR="9525" marT="9525" marB="0" anchor="b"/>
-                </a:tc>
-                <a:extLst>
-                  <a:ext uri="{0D108BD9-81ED-4DB2-BD59-A6C34878D82A}">
-                    <a16:rowId xmlns:a16="http://schemas.microsoft.com/office/drawing/2014/main" val="10003"/>
-                  </a:ext>
-                </a:extLst>
-              </a:tr>
-              <a:tr h="579774">
-                <a:tc>
-                  <a:txBody>
-                    <a:bodyPr/>
-                    <a:lstStyle/>
-                    <a:p>
-                      <a:pPr algn="l" fontAlgn="b"/>
-                      <a:r>
-                        <a:rPr lang="en-US" sz="4000" u="sng" strike="noStrike">
-                          <a:effectLst/>
-                          <a:hlinkClick r:id="rId17"/>
-                        </a:rPr>
-                        <a:t>hh1</a:t>
-                      </a:r>
-                      <a:endParaRPr lang="en-US" sz="4000" b="0" i="0" u="sng" strike="noStrike">
-                        <a:solidFill>
-                          <a:srgbClr val="0563C1"/>
-                        </a:solidFill>
-                        <a:effectLst/>
-                        <a:latin typeface="Arial" panose="020B0604020202020204" pitchFamily="34" charset="0"/>
-                      </a:endParaRPr>
-                    </a:p>
-                  </a:txBody>
-                  <a:tcPr marL="9525" marR="9525" marT="9525" marB="0" anchor="b"/>
-                </a:tc>
-                <a:extLst>
-                  <a:ext uri="{0D108BD9-81ED-4DB2-BD59-A6C34878D82A}">
-                    <a16:rowId xmlns:a16="http://schemas.microsoft.com/office/drawing/2014/main" val="10004"/>
-                  </a:ext>
-                </a:extLst>
-              </a:tr>
-              <a:tr h="579774">
-                <a:tc>
-                  <a:txBody>
-                    <a:bodyPr/>
-                    <a:lstStyle/>
-                    <a:p>
-                      <a:pPr algn="l" fontAlgn="b"/>
-                      <a:r>
-                        <a:rPr lang="en-US" sz="4000" u="sng" strike="noStrike">
-                          <a:effectLst/>
-                          <a:hlinkClick r:id="rId18"/>
-                        </a:rPr>
-                        <a:t>hh2</a:t>
-                      </a:r>
-                      <a:endParaRPr lang="en-US" sz="4000" b="0" i="0" u="sng" strike="noStrike">
-                        <a:solidFill>
-                          <a:srgbClr val="0563C1"/>
-                        </a:solidFill>
-                        <a:effectLst/>
-                        <a:latin typeface="Arial" panose="020B0604020202020204" pitchFamily="34" charset="0"/>
-                      </a:endParaRPr>
-                    </a:p>
-                  </a:txBody>
-                  <a:tcPr marL="9525" marR="9525" marT="9525" marB="0" anchor="b"/>
-                </a:tc>
-                <a:extLst>
-                  <a:ext uri="{0D108BD9-81ED-4DB2-BD59-A6C34878D82A}">
-                    <a16:rowId xmlns:a16="http://schemas.microsoft.com/office/drawing/2014/main" val="10005"/>
-                  </a:ext>
-                </a:extLst>
-              </a:tr>
-              <a:tr h="579774">
-                <a:tc>
-                  <a:txBody>
-                    <a:bodyPr/>
-                    <a:lstStyle/>
-                    <a:p>
-                      <a:pPr algn="l" fontAlgn="b"/>
-                      <a:r>
-                        <a:rPr lang="en-US" sz="4000" u="sng" strike="noStrike" dirty="0">
-                          <a:effectLst/>
-                          <a:hlinkClick r:id="rId19"/>
-                        </a:rPr>
-                        <a:t>hh3</a:t>
-                      </a:r>
-                      <a:endParaRPr lang="en-US" sz="4000" b="0" i="0" u="sng" strike="noStrike" dirty="0">
-                        <a:solidFill>
-                          <a:srgbClr val="0563C1"/>
-                        </a:solidFill>
-                        <a:effectLst/>
-                        <a:latin typeface="Arial" panose="020B0604020202020204" pitchFamily="34" charset="0"/>
-                      </a:endParaRPr>
-                    </a:p>
-                  </a:txBody>
-                  <a:tcPr marL="9525" marR="9525" marT="9525" marB="0" anchor="b"/>
-                </a:tc>
-                <a:extLst>
-                  <a:ext uri="{0D108BD9-81ED-4DB2-BD59-A6C34878D82A}">
-                    <a16:rowId xmlns:a16="http://schemas.microsoft.com/office/drawing/2014/main" val="10006"/>
-                  </a:ext>
-                </a:extLst>
-              </a:tr>
-            </a:tbl>
-          </a:graphicData>
-        </a:graphic>
-      </p:graphicFrame>
+      <p:sp>
+        <p:nvSpPr>
+          <p:cNvPr id="9" name="文本框 8">
+            <a:hlinkClick r:id="rId13"/>
+            <a:extLst>
+              <a:ext uri="{FF2B5EF4-FFF2-40B4-BE49-F238E27FC236}">
+                <a16:creationId xmlns:a16="http://schemas.microsoft.com/office/drawing/2014/main" id="{C56800EC-4641-2B3B-20C9-37205A21947B}"/>
+              </a:ext>
+            </a:extLst>
+          </p:cNvPr>
+          <p:cNvSpPr txBox="1"/>
+          <p:nvPr/>
+        </p:nvSpPr>
+        <p:spPr>
+          <a:xfrm>
+            <a:off x="4972896" y="2893507"/>
+            <a:ext cx="3477041" cy="646331"/>
+          </a:xfrm>
+          <a:prstGeom prst="rect">
+            <a:avLst/>
+          </a:prstGeom>
+          <a:noFill/>
+        </p:spPr>
+        <p:txBody>
+          <a:bodyPr wrap="square" rtlCol="0">
+            <a:spAutoFit/>
+          </a:bodyPr>
+          <a:lstStyle/>
+          <a:p>
+            <a:r>
+              <a:rPr lang="en-US" altLang="zh-CN" dirty="0"/>
+              <a:t>《</a:t>
+            </a:r>
+            <a:r>
+              <a:rPr lang="zh-CN" altLang="en-US" dirty="0"/>
+              <a:t>崩坏：星穹铁道</a:t>
+            </a:r>
+            <a:r>
+              <a:rPr lang="en-US" altLang="zh-CN" dirty="0"/>
+              <a:t>》</a:t>
+            </a:r>
+            <a:r>
+              <a:rPr lang="zh-CN" altLang="en-US" dirty="0"/>
+              <a:t>「</a:t>
+            </a:r>
+            <a:r>
+              <a:rPr lang="en-US" altLang="zh-CN" dirty="0"/>
+              <a:t>2024</a:t>
+            </a:r>
+            <a:r>
+              <a:rPr lang="zh-CN" altLang="en-US" dirty="0"/>
+              <a:t>星铁</a:t>
+            </a:r>
+            <a:r>
+              <a:rPr lang="en-US" altLang="zh-CN" dirty="0"/>
+              <a:t>LIVE</a:t>
+            </a:r>
+            <a:r>
+              <a:rPr lang="zh-CN" altLang="en-US" dirty="0"/>
+              <a:t>」演唱会官方录播完整版</a:t>
+            </a:r>
+          </a:p>
+        </p:txBody>
+      </p:sp>
     </p:spTree>
   </p:cSld>
   <p:clrMapOvr>

--- a/livefile/livepowerpoint.pptx
+++ b/livefile/livepowerpoint.pptx
@@ -5,7 +5,7 @@
     <p:sldMasterId id="2147483648" r:id="rId1"/>
   </p:sldMasterIdLst>
   <p:notesMasterIdLst>
-    <p:notesMasterId r:id="rId22"/>
+    <p:notesMasterId r:id="rId23"/>
   </p:notesMasterIdLst>
   <p:sldIdLst>
     <p:sldId id="260" r:id="rId2"/>
@@ -13,26 +13,27 @@
     <p:sldId id="278" r:id="rId4"/>
     <p:sldId id="259" r:id="rId5"/>
     <p:sldId id="263" r:id="rId6"/>
-    <p:sldId id="256" r:id="rId7"/>
-    <p:sldId id="269" r:id="rId8"/>
-    <p:sldId id="276" r:id="rId9"/>
-    <p:sldId id="272" r:id="rId10"/>
-    <p:sldId id="273" r:id="rId11"/>
-    <p:sldId id="274" r:id="rId12"/>
-    <p:sldId id="258" r:id="rId13"/>
-    <p:sldId id="271" r:id="rId14"/>
-    <p:sldId id="280" r:id="rId15"/>
-    <p:sldId id="277" r:id="rId16"/>
-    <p:sldId id="275" r:id="rId17"/>
-    <p:sldId id="281" r:id="rId18"/>
-    <p:sldId id="262" r:id="rId19"/>
-    <p:sldId id="257" r:id="rId20"/>
-    <p:sldId id="279" r:id="rId21"/>
+    <p:sldId id="282" r:id="rId7"/>
+    <p:sldId id="256" r:id="rId8"/>
+    <p:sldId id="269" r:id="rId9"/>
+    <p:sldId id="276" r:id="rId10"/>
+    <p:sldId id="272" r:id="rId11"/>
+    <p:sldId id="273" r:id="rId12"/>
+    <p:sldId id="274" r:id="rId13"/>
+    <p:sldId id="258" r:id="rId14"/>
+    <p:sldId id="271" r:id="rId15"/>
+    <p:sldId id="280" r:id="rId16"/>
+    <p:sldId id="277" r:id="rId17"/>
+    <p:sldId id="275" r:id="rId18"/>
+    <p:sldId id="281" r:id="rId19"/>
+    <p:sldId id="262" r:id="rId20"/>
+    <p:sldId id="257" r:id="rId21"/>
+    <p:sldId id="279" r:id="rId22"/>
   </p:sldIdLst>
   <p:sldSz cx="12192000" cy="6858000"/>
   <p:notesSz cx="6858000" cy="9144000"/>
   <p:custDataLst>
-    <p:tags r:id="rId23"/>
+    <p:tags r:id="rId24"/>
   </p:custDataLst>
   <p:defaultTextStyle>
     <a:defPPr>
@@ -546,7 +547,7 @@
           <a:p>
             <a:fld id="{5EF15249-D9FD-41E0-944D-0CA148925727}" type="slidenum">
               <a:rPr lang="zh-CN" altLang="en-US" smtClean="0"/>
-              <a:t>6</a:t>
+              <a:t>7</a:t>
             </a:fld>
             <a:endParaRPr lang="zh-CN" altLang="en-US"/>
           </a:p>
@@ -625,7 +626,7 @@
           <a:p>
             <a:fld id="{5EF15249-D9FD-41E0-944D-0CA148925727}" type="slidenum">
               <a:rPr lang="zh-CN" altLang="en-US" smtClean="0"/>
-              <a:t>13</a:t>
+              <a:t>14</a:t>
             </a:fld>
             <a:endParaRPr lang="zh-CN" altLang="en-US"/>
           </a:p>
@@ -704,7 +705,7 @@
           <a:p>
             <a:fld id="{5EF15249-D9FD-41E0-944D-0CA148925727}" type="slidenum">
               <a:rPr lang="zh-CN" altLang="en-US" smtClean="0"/>
-              <a:t>14</a:t>
+              <a:t>15</a:t>
             </a:fld>
             <a:endParaRPr lang="zh-CN" altLang="en-US"/>
           </a:p>
@@ -783,7 +784,7 @@
           <a:p>
             <a:fld id="{5EF15249-D9FD-41E0-944D-0CA148925727}" type="slidenum">
               <a:rPr lang="zh-CN" altLang="en-US" smtClean="0"/>
-              <a:t>15</a:t>
+              <a:t>16</a:t>
             </a:fld>
             <a:endParaRPr lang="zh-CN" altLang="en-US"/>
           </a:p>
@@ -862,7 +863,7 @@
           <a:p>
             <a:fld id="{5EF15249-D9FD-41E0-944D-0CA148925727}" type="slidenum">
               <a:rPr lang="zh-CN" altLang="en-US" smtClean="0"/>
-              <a:t>16</a:t>
+              <a:t>17</a:t>
             </a:fld>
             <a:endParaRPr lang="zh-CN" altLang="en-US"/>
           </a:p>
@@ -941,7 +942,7 @@
           <a:p>
             <a:fld id="{5EF15249-D9FD-41E0-944D-0CA148925727}" type="slidenum">
               <a:rPr lang="zh-CN" altLang="en-US" smtClean="0"/>
-              <a:t>17</a:t>
+              <a:t>18</a:t>
             </a:fld>
             <a:endParaRPr lang="zh-CN" altLang="en-US"/>
           </a:p>
@@ -1020,7 +1021,7 @@
           <a:p>
             <a:fld id="{5EF15249-D9FD-41E0-944D-0CA148925727}" type="slidenum">
               <a:rPr lang="zh-CN" altLang="en-US" smtClean="0"/>
-              <a:t>18</a:t>
+              <a:t>19</a:t>
             </a:fld>
             <a:endParaRPr lang="zh-CN" altLang="en-US"/>
           </a:p>
@@ -6489,7 +6490,81 @@
       </p:grpSpPr>
       <p:sp>
         <p:nvSpPr>
-          <p:cNvPr id="9" name="立方体 8"/>
+          <p:cNvPr id="11" name="标题 14"/>
+          <p:cNvSpPr>
+            <a:spLocks noGrp="1"/>
+          </p:cNvSpPr>
+          <p:nvPr>
+            <p:ph type="title"/>
+          </p:nvPr>
+        </p:nvSpPr>
+        <p:spPr>
+          <a:xfrm>
+            <a:off x="336600" y="204171"/>
+            <a:ext cx="1223260" cy="618490"/>
+          </a:xfrm>
+        </p:spPr>
+        <p:txBody>
+          <a:bodyPr>
+            <a:normAutofit/>
+          </a:bodyPr>
+          <a:lstStyle/>
+          <a:p>
+            <a:r>
+              <a:rPr lang="zh-CN" altLang="en-US" dirty="0"/>
+              <a:t>小说</a:t>
+            </a:r>
+          </a:p>
+        </p:txBody>
+      </p:sp>
+      <p:pic>
+        <p:nvPicPr>
+          <p:cNvPr id="13" name="图片 12">
+            <a:hlinkClick r:id="rId2"/>
+          </p:cNvPr>
+          <p:cNvPicPr>
+            <a:picLocks noChangeAspect="1"/>
+          </p:cNvPicPr>
+          <p:nvPr/>
+        </p:nvPicPr>
+        <p:blipFill>
+          <a:blip r:embed="rId3">
+            <a:extLst>
+              <a:ext uri="{28A0092B-C50C-407E-A947-70E740481C1C}">
+                <a14:useLocalDpi xmlns:a14="http://schemas.microsoft.com/office/drawing/2010/main" val="0"/>
+              </a:ext>
+            </a:extLst>
+          </a:blip>
+          <a:stretch>
+            <a:fillRect/>
+          </a:stretch>
+        </p:blipFill>
+        <p:spPr>
+          <a:xfrm>
+            <a:off x="2114421" y="1642220"/>
+            <a:ext cx="1229968" cy="1639957"/>
+          </a:xfrm>
+          <a:prstGeom prst="roundRect">
+            <a:avLst>
+              <a:gd name="adj" fmla="val 8594"/>
+            </a:avLst>
+          </a:prstGeom>
+          <a:solidFill>
+            <a:srgbClr val="FFFFFF">
+              <a:shade val="85000"/>
+            </a:srgbClr>
+          </a:solidFill>
+          <a:ln>
+            <a:noFill/>
+          </a:ln>
+          <a:effectLst>
+            <a:reflection blurRad="12700" stA="38000" endPos="28000" dist="5000" dir="5400000" sy="-100000" algn="bl" rotWithShape="0"/>
+          </a:effectLst>
+        </p:spPr>
+      </p:pic>
+      <p:sp>
+        <p:nvSpPr>
+          <p:cNvPr id="14" name="立方体 13"/>
           <p:cNvSpPr/>
           <p:nvPr/>
         </p:nvSpPr>
@@ -6539,8 +6614,8 @@
       </p:sp>
       <p:pic>
         <p:nvPicPr>
-          <p:cNvPr id="10" name="图片 9">
-            <a:hlinkClick r:id="rId2"/>
+          <p:cNvPr id="2" name="图片 1">
+            <a:hlinkClick r:id="rId4"/>
           </p:cNvPr>
           <p:cNvPicPr>
             <a:picLocks noChangeAspect="1"/>
@@ -6548,21 +6623,21 @@
           <p:nvPr/>
         </p:nvPicPr>
         <p:blipFill>
-          <a:blip r:embed="rId3">
+          <a:blip r:embed="rId5" cstate="print">
             <a:extLst>
               <a:ext uri="{28A0092B-C50C-407E-A947-70E740481C1C}">
                 <a14:useLocalDpi xmlns:a14="http://schemas.microsoft.com/office/drawing/2010/main" val="0"/>
               </a:ext>
             </a:extLst>
           </a:blip>
-          <a:srcRect t="2381" b="2381"/>
+          <a:srcRect t="2417" b="2417"/>
           <a:stretch>
             <a:fillRect/>
           </a:stretch>
         </p:blipFill>
         <p:spPr>
           <a:xfrm>
-            <a:off x="2114421" y="1642220"/>
+            <a:off x="5464800" y="1642219"/>
             <a:ext cx="1229968" cy="1639957"/>
           </a:xfrm>
           <a:prstGeom prst="roundRect">
@@ -6583,39 +6658,10 @@
           </a:effectLst>
         </p:spPr>
       </p:pic>
-      <p:sp>
-        <p:nvSpPr>
-          <p:cNvPr id="11" name="标题 14"/>
-          <p:cNvSpPr>
-            <a:spLocks noGrp="1"/>
-          </p:cNvSpPr>
-          <p:nvPr>
-            <p:ph type="title"/>
-          </p:nvPr>
-        </p:nvSpPr>
-        <p:spPr>
-          <a:xfrm>
-            <a:off x="336600" y="204171"/>
-            <a:ext cx="1223260" cy="618490"/>
-          </a:xfrm>
-        </p:spPr>
-        <p:txBody>
-          <a:bodyPr>
-            <a:normAutofit/>
-          </a:bodyPr>
-          <a:lstStyle/>
-          <a:p>
-            <a:r>
-              <a:rPr lang="zh-CN" altLang="en-US" dirty="0"/>
-              <a:t>小说</a:t>
-            </a:r>
-          </a:p>
-        </p:txBody>
-      </p:sp>
       <p:pic>
         <p:nvPicPr>
-          <p:cNvPr id="2" name="图片 1">
-            <a:hlinkClick r:id="rId4"/>
+          <p:cNvPr id="3" name="图片 2">
+            <a:hlinkClick r:id="rId6"/>
           </p:cNvPr>
           <p:cNvPicPr>
             <a:picLocks noChangeAspect="1"/>
@@ -6623,21 +6669,21 @@
           <p:nvPr/>
         </p:nvPicPr>
         <p:blipFill>
-          <a:blip r:embed="rId5">
+          <a:blip r:embed="rId7" cstate="print">
             <a:extLst>
               <a:ext uri="{28A0092B-C50C-407E-A947-70E740481C1C}">
                 <a14:useLocalDpi xmlns:a14="http://schemas.microsoft.com/office/drawing/2010/main" val="0"/>
               </a:ext>
             </a:extLst>
           </a:blip>
-          <a:srcRect/>
+          <a:srcRect t="4422" b="4422"/>
           <a:stretch>
             <a:fillRect/>
           </a:stretch>
         </p:blipFill>
         <p:spPr>
           <a:xfrm>
-            <a:off x="5464800" y="1642219"/>
+            <a:off x="8815179" y="1642218"/>
             <a:ext cx="1229968" cy="1639957"/>
           </a:xfrm>
           <a:prstGeom prst="roundRect">
@@ -6660,52 +6706,6 @@
       </p:pic>
       <p:pic>
         <p:nvPicPr>
-          <p:cNvPr id="3" name="图片 2">
-            <a:hlinkClick r:id="rId6"/>
-          </p:cNvPr>
-          <p:cNvPicPr>
-            <a:picLocks noChangeAspect="1"/>
-          </p:cNvPicPr>
-          <p:nvPr/>
-        </p:nvPicPr>
-        <p:blipFill>
-          <a:blip r:embed="rId7">
-            <a:extLst>
-              <a:ext uri="{28A0092B-C50C-407E-A947-70E740481C1C}">
-                <a14:useLocalDpi xmlns:a14="http://schemas.microsoft.com/office/drawing/2010/main" val="0"/>
-              </a:ext>
-            </a:extLst>
-          </a:blip>
-          <a:srcRect/>
-          <a:stretch>
-            <a:fillRect/>
-          </a:stretch>
-        </p:blipFill>
-        <p:spPr>
-          <a:xfrm>
-            <a:off x="8815179" y="1642219"/>
-            <a:ext cx="1229968" cy="1639957"/>
-          </a:xfrm>
-          <a:prstGeom prst="roundRect">
-            <a:avLst>
-              <a:gd name="adj" fmla="val 8594"/>
-            </a:avLst>
-          </a:prstGeom>
-          <a:solidFill>
-            <a:srgbClr val="FFFFFF">
-              <a:shade val="85000"/>
-            </a:srgbClr>
-          </a:solidFill>
-          <a:ln>
-            <a:noFill/>
-          </a:ln>
-          <a:effectLst>
-            <a:reflection blurRad="12700" stA="38000" endPos="28000" dist="5000" dir="5400000" sy="-100000" algn="bl" rotWithShape="0"/>
-          </a:effectLst>
-        </p:spPr>
-      </p:pic>
-      <p:pic>
-        <p:nvPicPr>
           <p:cNvPr id="4" name="图片 3">
             <a:hlinkClick r:id="rId8"/>
           </p:cNvPr>
@@ -6722,14 +6722,14 @@
               </a:ext>
             </a:extLst>
           </a:blip>
-          <a:srcRect/>
+          <a:srcRect l="6612" r="6612"/>
           <a:stretch>
             <a:fillRect/>
           </a:stretch>
         </p:blipFill>
         <p:spPr>
           <a:xfrm>
-            <a:off x="2114421" y="4201571"/>
+            <a:off x="2114421" y="4395801"/>
             <a:ext cx="1229968" cy="1639957"/>
           </a:xfrm>
           <a:prstGeom prst="roundRect">
@@ -6775,7 +6775,7 @@
         </p:blipFill>
         <p:spPr>
           <a:xfrm>
-            <a:off x="5481016" y="4201570"/>
+            <a:off x="5481016" y="4395801"/>
             <a:ext cx="1229968" cy="1639957"/>
           </a:xfrm>
           <a:prstGeom prst="roundRect">
@@ -6814,14 +6814,14 @@
               </a:ext>
             </a:extLst>
           </a:blip>
-          <a:srcRect t="3704" b="3704"/>
+          <a:srcRect/>
           <a:stretch>
             <a:fillRect/>
           </a:stretch>
         </p:blipFill>
         <p:spPr>
           <a:xfrm>
-            <a:off x="8862851" y="4201570"/>
+            <a:off x="8815179" y="4395801"/>
             <a:ext cx="1229968" cy="1639957"/>
           </a:xfrm>
           <a:prstGeom prst="roundRect">
@@ -6842,44 +6842,6 @@
           </a:effectLst>
         </p:spPr>
       </p:pic>
-      <p:sp>
-        <p:nvSpPr>
-          <p:cNvPr id="7" name="文本框 6">
-            <a:hlinkClick r:id="rId14"/>
-          </p:cNvPr>
-          <p:cNvSpPr txBox="1"/>
-          <p:nvPr/>
-        </p:nvSpPr>
-        <p:spPr>
-          <a:xfrm>
-            <a:off x="1375757" y="1187258"/>
-            <a:ext cx="738664" cy="2241742"/>
-          </a:xfrm>
-          <a:prstGeom prst="rect">
-            <a:avLst/>
-          </a:prstGeom>
-          <a:noFill/>
-        </p:spPr>
-        <p:txBody>
-          <a:bodyPr vert="eaVert" wrap="square" rtlCol="0">
-            <a:spAutoFit/>
-          </a:bodyPr>
-          <a:lstStyle/>
-          <a:p>
-            <a:r>
-              <a:rPr lang="zh-CN" altLang="en-US" sz="1800" kern="1200" dirty="0">
-                <a:solidFill>
-                  <a:schemeClr val="tx1"/>
-                </a:solidFill>
-                <a:latin typeface="+mn-lt"/>
-                <a:ea typeface="+mn-ea"/>
-                <a:cs typeface="+mn-cs"/>
-              </a:rPr>
-              <a:t>我在惊悚游戏里封神（可下载）</a:t>
-            </a:r>
-          </a:p>
-        </p:txBody>
-      </p:sp>
     </p:spTree>
   </p:cSld>
   <p:clrMapOvr>
@@ -6973,7 +6935,7 @@
               </a:ext>
             </a:extLst>
           </a:blip>
-          <a:srcRect l="3125" r="3125"/>
+          <a:srcRect t="2381" b="2381"/>
           <a:stretch>
             <a:fillRect/>
           </a:stretch>
@@ -7030,18 +6992,248 @@
           </a:p>
         </p:txBody>
       </p:sp>
-      <p:sp>
-        <p:nvSpPr>
-          <p:cNvPr id="2" name="文本框 1">
+      <p:pic>
+        <p:nvPicPr>
+          <p:cNvPr id="2" name="图片 1">
             <a:hlinkClick r:id="rId4"/>
           </p:cNvPr>
+          <p:cNvPicPr>
+            <a:picLocks noChangeAspect="1"/>
+          </p:cNvPicPr>
+          <p:nvPr/>
+        </p:nvPicPr>
+        <p:blipFill>
+          <a:blip r:embed="rId5">
+            <a:extLst>
+              <a:ext uri="{28A0092B-C50C-407E-A947-70E740481C1C}">
+                <a14:useLocalDpi xmlns:a14="http://schemas.microsoft.com/office/drawing/2010/main" val="0"/>
+              </a:ext>
+            </a:extLst>
+          </a:blip>
+          <a:srcRect/>
+          <a:stretch>
+            <a:fillRect/>
+          </a:stretch>
+        </p:blipFill>
+        <p:spPr>
+          <a:xfrm>
+            <a:off x="5464800" y="1642219"/>
+            <a:ext cx="1229968" cy="1639957"/>
+          </a:xfrm>
+          <a:prstGeom prst="roundRect">
+            <a:avLst>
+              <a:gd name="adj" fmla="val 8594"/>
+            </a:avLst>
+          </a:prstGeom>
+          <a:solidFill>
+            <a:srgbClr val="FFFFFF">
+              <a:shade val="85000"/>
+            </a:srgbClr>
+          </a:solidFill>
+          <a:ln>
+            <a:noFill/>
+          </a:ln>
+          <a:effectLst>
+            <a:reflection blurRad="12700" stA="38000" endPos="28000" dist="5000" dir="5400000" sy="-100000" algn="bl" rotWithShape="0"/>
+          </a:effectLst>
+        </p:spPr>
+      </p:pic>
+      <p:pic>
+        <p:nvPicPr>
+          <p:cNvPr id="3" name="图片 2">
+            <a:hlinkClick r:id="rId6"/>
+          </p:cNvPr>
+          <p:cNvPicPr>
+            <a:picLocks noChangeAspect="1"/>
+          </p:cNvPicPr>
+          <p:nvPr/>
+        </p:nvPicPr>
+        <p:blipFill>
+          <a:blip r:embed="rId7">
+            <a:extLst>
+              <a:ext uri="{28A0092B-C50C-407E-A947-70E740481C1C}">
+                <a14:useLocalDpi xmlns:a14="http://schemas.microsoft.com/office/drawing/2010/main" val="0"/>
+              </a:ext>
+            </a:extLst>
+          </a:blip>
+          <a:srcRect/>
+          <a:stretch>
+            <a:fillRect/>
+          </a:stretch>
+        </p:blipFill>
+        <p:spPr>
+          <a:xfrm>
+            <a:off x="8815179" y="1642219"/>
+            <a:ext cx="1229968" cy="1639957"/>
+          </a:xfrm>
+          <a:prstGeom prst="roundRect">
+            <a:avLst>
+              <a:gd name="adj" fmla="val 8594"/>
+            </a:avLst>
+          </a:prstGeom>
+          <a:solidFill>
+            <a:srgbClr val="FFFFFF">
+              <a:shade val="85000"/>
+            </a:srgbClr>
+          </a:solidFill>
+          <a:ln>
+            <a:noFill/>
+          </a:ln>
+          <a:effectLst>
+            <a:reflection blurRad="12700" stA="38000" endPos="28000" dist="5000" dir="5400000" sy="-100000" algn="bl" rotWithShape="0"/>
+          </a:effectLst>
+        </p:spPr>
+      </p:pic>
+      <p:pic>
+        <p:nvPicPr>
+          <p:cNvPr id="4" name="图片 3">
+            <a:hlinkClick r:id="rId8"/>
+          </p:cNvPr>
+          <p:cNvPicPr>
+            <a:picLocks noChangeAspect="1"/>
+          </p:cNvPicPr>
+          <p:nvPr/>
+        </p:nvPicPr>
+        <p:blipFill>
+          <a:blip r:embed="rId9">
+            <a:extLst>
+              <a:ext uri="{28A0092B-C50C-407E-A947-70E740481C1C}">
+                <a14:useLocalDpi xmlns:a14="http://schemas.microsoft.com/office/drawing/2010/main" val="0"/>
+              </a:ext>
+            </a:extLst>
+          </a:blip>
+          <a:srcRect/>
+          <a:stretch>
+            <a:fillRect/>
+          </a:stretch>
+        </p:blipFill>
+        <p:spPr>
+          <a:xfrm>
+            <a:off x="2114421" y="4201571"/>
+            <a:ext cx="1229968" cy="1639957"/>
+          </a:xfrm>
+          <a:prstGeom prst="roundRect">
+            <a:avLst>
+              <a:gd name="adj" fmla="val 8594"/>
+            </a:avLst>
+          </a:prstGeom>
+          <a:solidFill>
+            <a:srgbClr val="FFFFFF">
+              <a:shade val="85000"/>
+            </a:srgbClr>
+          </a:solidFill>
+          <a:ln>
+            <a:noFill/>
+          </a:ln>
+          <a:effectLst>
+            <a:reflection blurRad="12700" stA="38000" endPos="28000" dist="5000" dir="5400000" sy="-100000" algn="bl" rotWithShape="0"/>
+          </a:effectLst>
+        </p:spPr>
+      </p:pic>
+      <p:pic>
+        <p:nvPicPr>
+          <p:cNvPr id="5" name="图片 4">
+            <a:hlinkClick r:id="rId10"/>
+          </p:cNvPr>
+          <p:cNvPicPr>
+            <a:picLocks noChangeAspect="1"/>
+          </p:cNvPicPr>
+          <p:nvPr/>
+        </p:nvPicPr>
+        <p:blipFill>
+          <a:blip r:embed="rId11">
+            <a:extLst>
+              <a:ext uri="{28A0092B-C50C-407E-A947-70E740481C1C}">
+                <a14:useLocalDpi xmlns:a14="http://schemas.microsoft.com/office/drawing/2010/main" val="0"/>
+              </a:ext>
+            </a:extLst>
+          </a:blip>
+          <a:srcRect/>
+          <a:stretch>
+            <a:fillRect/>
+          </a:stretch>
+        </p:blipFill>
+        <p:spPr>
+          <a:xfrm>
+            <a:off x="5481016" y="4201570"/>
+            <a:ext cx="1229968" cy="1639957"/>
+          </a:xfrm>
+          <a:prstGeom prst="roundRect">
+            <a:avLst>
+              <a:gd name="adj" fmla="val 8594"/>
+            </a:avLst>
+          </a:prstGeom>
+          <a:solidFill>
+            <a:srgbClr val="FFFFFF">
+              <a:shade val="85000"/>
+            </a:srgbClr>
+          </a:solidFill>
+          <a:ln>
+            <a:noFill/>
+          </a:ln>
+          <a:effectLst>
+            <a:reflection blurRad="12700" stA="38000" endPos="28000" dist="5000" dir="5400000" sy="-100000" algn="bl" rotWithShape="0"/>
+          </a:effectLst>
+        </p:spPr>
+      </p:pic>
+      <p:pic>
+        <p:nvPicPr>
+          <p:cNvPr id="6" name="图片 5">
+            <a:hlinkClick r:id="rId12"/>
+          </p:cNvPr>
+          <p:cNvPicPr>
+            <a:picLocks noChangeAspect="1"/>
+          </p:cNvPicPr>
+          <p:nvPr/>
+        </p:nvPicPr>
+        <p:blipFill>
+          <a:blip r:embed="rId13">
+            <a:extLst>
+              <a:ext uri="{28A0092B-C50C-407E-A947-70E740481C1C}">
+                <a14:useLocalDpi xmlns:a14="http://schemas.microsoft.com/office/drawing/2010/main" val="0"/>
+              </a:ext>
+            </a:extLst>
+          </a:blip>
+          <a:srcRect t="3704" b="3704"/>
+          <a:stretch>
+            <a:fillRect/>
+          </a:stretch>
+        </p:blipFill>
+        <p:spPr>
+          <a:xfrm>
+            <a:off x="8862851" y="4201570"/>
+            <a:ext cx="1229968" cy="1639957"/>
+          </a:xfrm>
+          <a:prstGeom prst="roundRect">
+            <a:avLst>
+              <a:gd name="adj" fmla="val 8594"/>
+            </a:avLst>
+          </a:prstGeom>
+          <a:solidFill>
+            <a:srgbClr val="FFFFFF">
+              <a:shade val="85000"/>
+            </a:srgbClr>
+          </a:solidFill>
+          <a:ln>
+            <a:noFill/>
+          </a:ln>
+          <a:effectLst>
+            <a:reflection blurRad="12700" stA="38000" endPos="28000" dist="5000" dir="5400000" sy="-100000" algn="bl" rotWithShape="0"/>
+          </a:effectLst>
+        </p:spPr>
+      </p:pic>
+      <p:sp>
+        <p:nvSpPr>
+          <p:cNvPr id="7" name="文本框 6">
+            <a:hlinkClick r:id="rId14"/>
+          </p:cNvPr>
           <p:cNvSpPr txBox="1"/>
           <p:nvPr/>
         </p:nvSpPr>
         <p:spPr>
           <a:xfrm>
-            <a:off x="1149187" y="1642220"/>
-            <a:ext cx="738664" cy="1477328"/>
+            <a:off x="1375757" y="1187258"/>
+            <a:ext cx="738664" cy="2241742"/>
           </a:xfrm>
           <a:prstGeom prst="rect">
             <a:avLst/>
@@ -7049,28 +7241,21 @@
           <a:noFill/>
         </p:spPr>
         <p:txBody>
-          <a:bodyPr vert="eaVert" wrap="none" rtlCol="0">
+          <a:bodyPr vert="eaVert" wrap="square" rtlCol="0">
             <a:spAutoFit/>
           </a:bodyPr>
           <a:lstStyle/>
           <a:p>
             <a:r>
-              <a:rPr lang="en-US" altLang="zh-CN" dirty="0"/>
-              <a:t>《</a:t>
-            </a:r>
-            <a:r>
-              <a:rPr lang="zh-CN" altLang="en-US" dirty="0"/>
-              <a:t>惊悚乐园</a:t>
-            </a:r>
-            <a:r>
-              <a:rPr lang="en-US" altLang="zh-CN" dirty="0"/>
-              <a:t>》</a:t>
-            </a:r>
-          </a:p>
-          <a:p>
-            <a:r>
-              <a:rPr lang="zh-CN" altLang="en-US" dirty="0"/>
-              <a:t>（可下载）</a:t>
+              <a:rPr lang="zh-CN" altLang="en-US" sz="1800" kern="1200" dirty="0">
+                <a:solidFill>
+                  <a:schemeClr val="tx1"/>
+                </a:solidFill>
+                <a:latin typeface="+mn-lt"/>
+                <a:ea typeface="+mn-ea"/>
+                <a:cs typeface="+mn-cs"/>
+              </a:rPr>
+              <a:t>我在惊悚游戏里封神（可下载）</a:t>
             </a:r>
           </a:p>
         </p:txBody>
@@ -7084,6 +7269,201 @@
 </file>
 
 <file path=ppt/slides/slide12.xml><?xml version="1.0" encoding="utf-8"?>
+<p:sld xmlns:a="http://schemas.openxmlformats.org/drawingml/2006/main" xmlns:r="http://schemas.openxmlformats.org/officeDocument/2006/relationships" xmlns:p="http://schemas.openxmlformats.org/presentationml/2006/main">
+  <p:cSld>
+    <p:spTree>
+      <p:nvGrpSpPr>
+        <p:cNvPr id="1" name=""/>
+        <p:cNvGrpSpPr/>
+        <p:nvPr/>
+      </p:nvGrpSpPr>
+      <p:grpSpPr>
+        <a:xfrm>
+          <a:off x="0" y="0"/>
+          <a:ext cx="0" cy="0"/>
+          <a:chOff x="0" y="0"/>
+          <a:chExt cx="0" cy="0"/>
+        </a:xfrm>
+      </p:grpSpPr>
+      <p:sp>
+        <p:nvSpPr>
+          <p:cNvPr id="9" name="立方体 8"/>
+          <p:cNvSpPr/>
+          <p:nvPr/>
+        </p:nvSpPr>
+        <p:spPr>
+          <a:xfrm>
+            <a:off x="948230" y="3536068"/>
+            <a:ext cx="10263109" cy="280559"/>
+          </a:xfrm>
+          <a:prstGeom prst="cube">
+            <a:avLst/>
+          </a:prstGeom>
+          <a:solidFill>
+            <a:srgbClr val="894E29"/>
+          </a:solidFill>
+          <a:effectLst>
+            <a:outerShdw blurRad="50800" dist="38100" dir="2700000" algn="tl" rotWithShape="0">
+              <a:prstClr val="black">
+                <a:alpha val="40000"/>
+              </a:prstClr>
+            </a:outerShdw>
+          </a:effectLst>
+        </p:spPr>
+        <p:style>
+          <a:lnRef idx="2">
+            <a:schemeClr val="accent1">
+              <a:shade val="15000"/>
+            </a:schemeClr>
+          </a:lnRef>
+          <a:fillRef idx="1">
+            <a:schemeClr val="accent1"/>
+          </a:fillRef>
+          <a:effectRef idx="0">
+            <a:schemeClr val="accent1"/>
+          </a:effectRef>
+          <a:fontRef idx="minor">
+            <a:schemeClr val="lt1"/>
+          </a:fontRef>
+        </p:style>
+        <p:txBody>
+          <a:bodyPr rtlCol="0" anchor="ctr"/>
+          <a:lstStyle/>
+          <a:p>
+            <a:pPr algn="ctr"/>
+            <a:endParaRPr lang="zh-CN" altLang="en-US"/>
+          </a:p>
+        </p:txBody>
+      </p:sp>
+      <p:pic>
+        <p:nvPicPr>
+          <p:cNvPr id="10" name="图片 9">
+            <a:hlinkClick r:id="rId2"/>
+          </p:cNvPr>
+          <p:cNvPicPr>
+            <a:picLocks noChangeAspect="1"/>
+          </p:cNvPicPr>
+          <p:nvPr/>
+        </p:nvPicPr>
+        <p:blipFill>
+          <a:blip r:embed="rId3">
+            <a:extLst>
+              <a:ext uri="{28A0092B-C50C-407E-A947-70E740481C1C}">
+                <a14:useLocalDpi xmlns:a14="http://schemas.microsoft.com/office/drawing/2010/main" val="0"/>
+              </a:ext>
+            </a:extLst>
+          </a:blip>
+          <a:srcRect l="3125" r="3125"/>
+          <a:stretch>
+            <a:fillRect/>
+          </a:stretch>
+        </p:blipFill>
+        <p:spPr>
+          <a:xfrm>
+            <a:off x="2114421" y="1642220"/>
+            <a:ext cx="1229968" cy="1639957"/>
+          </a:xfrm>
+          <a:prstGeom prst="roundRect">
+            <a:avLst>
+              <a:gd name="adj" fmla="val 8594"/>
+            </a:avLst>
+          </a:prstGeom>
+          <a:solidFill>
+            <a:srgbClr val="FFFFFF">
+              <a:shade val="85000"/>
+            </a:srgbClr>
+          </a:solidFill>
+          <a:ln>
+            <a:noFill/>
+          </a:ln>
+          <a:effectLst>
+            <a:reflection blurRad="12700" stA="38000" endPos="28000" dist="5000" dir="5400000" sy="-100000" algn="bl" rotWithShape="0"/>
+          </a:effectLst>
+        </p:spPr>
+      </p:pic>
+      <p:sp>
+        <p:nvSpPr>
+          <p:cNvPr id="11" name="标题 14"/>
+          <p:cNvSpPr>
+            <a:spLocks noGrp="1"/>
+          </p:cNvSpPr>
+          <p:nvPr>
+            <p:ph type="title"/>
+          </p:nvPr>
+        </p:nvSpPr>
+        <p:spPr>
+          <a:xfrm>
+            <a:off x="336600" y="204171"/>
+            <a:ext cx="1223260" cy="618490"/>
+          </a:xfrm>
+        </p:spPr>
+        <p:txBody>
+          <a:bodyPr>
+            <a:normAutofit/>
+          </a:bodyPr>
+          <a:lstStyle/>
+          <a:p>
+            <a:r>
+              <a:rPr lang="zh-CN" altLang="en-US" dirty="0"/>
+              <a:t>小说</a:t>
+            </a:r>
+          </a:p>
+        </p:txBody>
+      </p:sp>
+      <p:sp>
+        <p:nvSpPr>
+          <p:cNvPr id="2" name="文本框 1">
+            <a:hlinkClick r:id="rId4"/>
+          </p:cNvPr>
+          <p:cNvSpPr txBox="1"/>
+          <p:nvPr/>
+        </p:nvSpPr>
+        <p:spPr>
+          <a:xfrm>
+            <a:off x="1149187" y="1642220"/>
+            <a:ext cx="738664" cy="1477328"/>
+          </a:xfrm>
+          <a:prstGeom prst="rect">
+            <a:avLst/>
+          </a:prstGeom>
+          <a:noFill/>
+        </p:spPr>
+        <p:txBody>
+          <a:bodyPr vert="eaVert" wrap="none" rtlCol="0">
+            <a:spAutoFit/>
+          </a:bodyPr>
+          <a:lstStyle/>
+          <a:p>
+            <a:r>
+              <a:rPr lang="en-US" altLang="zh-CN" dirty="0"/>
+              <a:t>《</a:t>
+            </a:r>
+            <a:r>
+              <a:rPr lang="zh-CN" altLang="en-US" dirty="0"/>
+              <a:t>惊悚乐园</a:t>
+            </a:r>
+            <a:r>
+              <a:rPr lang="en-US" altLang="zh-CN" dirty="0"/>
+              <a:t>》</a:t>
+            </a:r>
+          </a:p>
+          <a:p>
+            <a:r>
+              <a:rPr lang="zh-CN" altLang="en-US" dirty="0"/>
+              <a:t>（可下载）</a:t>
+            </a:r>
+          </a:p>
+        </p:txBody>
+      </p:sp>
+    </p:spTree>
+  </p:cSld>
+  <p:clrMapOvr>
+    <a:masterClrMapping/>
+  </p:clrMapOvr>
+</p:sld>
+</file>
+
+<file path=ppt/slides/slide13.xml><?xml version="1.0" encoding="utf-8"?>
 <p:sld xmlns:a="http://schemas.openxmlformats.org/drawingml/2006/main" xmlns:r="http://schemas.openxmlformats.org/officeDocument/2006/relationships" xmlns:p="http://schemas.openxmlformats.org/presentationml/2006/main">
   <p:cSld>
     <p:spTree>
@@ -8534,7 +8914,7 @@
 </p:sld>
 </file>
 
-<file path=ppt/slides/slide13.xml><?xml version="1.0" encoding="utf-8"?>
+<file path=ppt/slides/slide14.xml><?xml version="1.0" encoding="utf-8"?>
 <p:sld xmlns:a="http://schemas.openxmlformats.org/drawingml/2006/main" xmlns:r="http://schemas.openxmlformats.org/officeDocument/2006/relationships" xmlns:p="http://schemas.openxmlformats.org/presentationml/2006/main">
   <p:cSld>
     <p:spTree>
@@ -9899,7 +10279,7 @@
 </p:sld>
 </file>
 
-<file path=ppt/slides/slide14.xml><?xml version="1.0" encoding="utf-8"?>
+<file path=ppt/slides/slide15.xml><?xml version="1.0" encoding="utf-8"?>
 <p:sld xmlns:a="http://schemas.openxmlformats.org/drawingml/2006/main" xmlns:r="http://schemas.openxmlformats.org/officeDocument/2006/relationships" xmlns:p="http://schemas.openxmlformats.org/presentationml/2006/main">
   <p:cSld>
     <p:spTree>
@@ -11103,746 +11483,6 @@
 </p:sld>
 </file>
 
-<file path=ppt/slides/slide15.xml><?xml version="1.0" encoding="utf-8"?>
-<p:sld xmlns:a="http://schemas.openxmlformats.org/drawingml/2006/main" xmlns:r="http://schemas.openxmlformats.org/officeDocument/2006/relationships" xmlns:p="http://schemas.openxmlformats.org/presentationml/2006/main">
-  <p:cSld>
-    <p:spTree>
-      <p:nvGrpSpPr>
-        <p:cNvPr id="1" name=""/>
-        <p:cNvGrpSpPr/>
-        <p:nvPr/>
-      </p:nvGrpSpPr>
-      <p:grpSpPr>
-        <a:xfrm>
-          <a:off x="0" y="0"/>
-          <a:ext cx="0" cy="0"/>
-          <a:chOff x="0" y="0"/>
-          <a:chExt cx="0" cy="0"/>
-        </a:xfrm>
-      </p:grpSpPr>
-      <p:sp>
-        <p:nvSpPr>
-          <p:cNvPr id="4" name="标题 3"/>
-          <p:cNvSpPr>
-            <a:spLocks noGrp="1"/>
-          </p:cNvSpPr>
-          <p:nvPr>
-            <p:ph type="title"/>
-          </p:nvPr>
-        </p:nvSpPr>
-        <p:spPr>
-          <a:xfrm>
-            <a:off x="458882" y="315715"/>
-            <a:ext cx="2259119" cy="368301"/>
-          </a:xfrm>
-        </p:spPr>
-        <p:txBody>
-          <a:bodyPr>
-            <a:normAutofit fontScale="90000"/>
-          </a:bodyPr>
-          <a:lstStyle/>
-          <a:p>
-            <a:r>
-              <a:rPr lang="zh-CN" altLang="en-US" dirty="0"/>
-              <a:t>音乐</a:t>
-            </a:r>
-            <a:r>
-              <a:rPr lang="en-US" altLang="zh-CN" dirty="0"/>
-              <a:t>&amp;</a:t>
-            </a:r>
-            <a:r>
-              <a:rPr lang="zh-CN" altLang="en-US" dirty="0"/>
-              <a:t>视频</a:t>
-            </a:r>
-          </a:p>
-        </p:txBody>
-      </p:sp>
-      <p:sp>
-        <p:nvSpPr>
-          <p:cNvPr id="6" name="文本框 5">
-            <a:hlinkClick r:id="rId3"/>
-          </p:cNvPr>
-          <p:cNvSpPr txBox="1"/>
-          <p:nvPr/>
-        </p:nvSpPr>
-        <p:spPr>
-          <a:xfrm>
-            <a:off x="1312564" y="1417123"/>
-            <a:ext cx="415498" cy="369332"/>
-          </a:xfrm>
-          <a:prstGeom prst="rect">
-            <a:avLst/>
-          </a:prstGeom>
-          <a:noFill/>
-        </p:spPr>
-        <p:txBody>
-          <a:bodyPr wrap="none" rtlCol="0">
-            <a:spAutoFit/>
-          </a:bodyPr>
-          <a:lstStyle/>
-          <a:p>
-            <a:r>
-              <a:rPr lang="zh-CN" altLang="en-US" dirty="0"/>
-              <a:t>雷</a:t>
-            </a:r>
-          </a:p>
-        </p:txBody>
-      </p:sp>
-      <p:sp>
-        <p:nvSpPr>
-          <p:cNvPr id="7" name="文本框 6">
-            <a:hlinkClick r:id="rId4"/>
-          </p:cNvPr>
-          <p:cNvSpPr txBox="1"/>
-          <p:nvPr/>
-        </p:nvSpPr>
-        <p:spPr>
-          <a:xfrm>
-            <a:off x="1312564" y="1900009"/>
-            <a:ext cx="633507" cy="369332"/>
-          </a:xfrm>
-          <a:prstGeom prst="rect">
-            <a:avLst/>
-          </a:prstGeom>
-          <a:noFill/>
-        </p:spPr>
-        <p:txBody>
-          <a:bodyPr wrap="square" rtlCol="0">
-            <a:spAutoFit/>
-          </a:bodyPr>
-          <a:lstStyle/>
-          <a:p>
-            <a:r>
-              <a:rPr lang="zh-CN" altLang="en-US" dirty="0"/>
-              <a:t>雷</a:t>
-            </a:r>
-            <a:r>
-              <a:rPr lang="en-US" altLang="zh-CN" dirty="0"/>
-              <a:t>1</a:t>
-            </a:r>
-            <a:endParaRPr lang="zh-CN" altLang="en-US" dirty="0"/>
-          </a:p>
-        </p:txBody>
-      </p:sp>
-      <p:sp>
-        <p:nvSpPr>
-          <p:cNvPr id="2" name="文本框 1">
-            <a:hlinkClick r:id="rId5"/>
-          </p:cNvPr>
-          <p:cNvSpPr txBox="1"/>
-          <p:nvPr/>
-        </p:nvSpPr>
-        <p:spPr>
-          <a:xfrm>
-            <a:off x="1312564" y="2382895"/>
-            <a:ext cx="633507" cy="369332"/>
-          </a:xfrm>
-          <a:prstGeom prst="rect">
-            <a:avLst/>
-          </a:prstGeom>
-          <a:noFill/>
-        </p:spPr>
-        <p:txBody>
-          <a:bodyPr wrap="square" rtlCol="0">
-            <a:spAutoFit/>
-          </a:bodyPr>
-          <a:lstStyle/>
-          <a:p>
-            <a:r>
-              <a:rPr lang="en-US" altLang="zh-CN" dirty="0"/>
-              <a:t>Bs5</a:t>
-            </a:r>
-          </a:p>
-        </p:txBody>
-      </p:sp>
-      <p:sp>
-        <p:nvSpPr>
-          <p:cNvPr id="3" name="文本框 2">
-            <a:hlinkClick r:id="rId6"/>
-          </p:cNvPr>
-          <p:cNvSpPr txBox="1"/>
-          <p:nvPr/>
-        </p:nvSpPr>
-        <p:spPr>
-          <a:xfrm>
-            <a:off x="1312564" y="2874018"/>
-            <a:ext cx="633507" cy="369332"/>
-          </a:xfrm>
-          <a:prstGeom prst="rect">
-            <a:avLst/>
-          </a:prstGeom>
-          <a:noFill/>
-        </p:spPr>
-        <p:txBody>
-          <a:bodyPr wrap="square" rtlCol="0">
-            <a:spAutoFit/>
-          </a:bodyPr>
-          <a:lstStyle/>
-          <a:p>
-            <a:r>
-              <a:rPr lang="en-US" altLang="zh-CN" dirty="0"/>
-              <a:t>bs6</a:t>
-            </a:r>
-          </a:p>
-        </p:txBody>
-      </p:sp>
-      <p:sp>
-        <p:nvSpPr>
-          <p:cNvPr id="5" name="文本框 4">
-            <a:hlinkClick r:id="rId7"/>
-          </p:cNvPr>
-          <p:cNvSpPr txBox="1"/>
-          <p:nvPr/>
-        </p:nvSpPr>
-        <p:spPr>
-          <a:xfrm>
-            <a:off x="1312564" y="3386603"/>
-            <a:ext cx="1182158" cy="369332"/>
-          </a:xfrm>
-          <a:prstGeom prst="rect">
-            <a:avLst/>
-          </a:prstGeom>
-          <a:noFill/>
-        </p:spPr>
-        <p:txBody>
-          <a:bodyPr wrap="square" rtlCol="0">
-            <a:spAutoFit/>
-          </a:bodyPr>
-          <a:lstStyle/>
-          <a:p>
-            <a:r>
-              <a:rPr lang="zh-CN" altLang="en-US" dirty="0"/>
-              <a:t>伊雪亦梦</a:t>
-            </a:r>
-            <a:endParaRPr lang="en-US" altLang="zh-CN" dirty="0"/>
-          </a:p>
-        </p:txBody>
-      </p:sp>
-      <p:sp>
-        <p:nvSpPr>
-          <p:cNvPr id="8" name="文本框 7">
-            <a:hlinkClick r:id="rId8"/>
-          </p:cNvPr>
-          <p:cNvSpPr txBox="1"/>
-          <p:nvPr/>
-        </p:nvSpPr>
-        <p:spPr>
-          <a:xfrm>
-            <a:off x="1312564" y="3899188"/>
-            <a:ext cx="1321994" cy="369332"/>
-          </a:xfrm>
-          <a:prstGeom prst="rect">
-            <a:avLst/>
-          </a:prstGeom>
-          <a:noFill/>
-        </p:spPr>
-        <p:txBody>
-          <a:bodyPr wrap="square" rtlCol="0">
-            <a:spAutoFit/>
-          </a:bodyPr>
-          <a:lstStyle/>
-          <a:p>
-            <a:r>
-              <a:rPr lang="zh-CN" altLang="en-US" dirty="0"/>
-              <a:t>伊雪亦梦</a:t>
-            </a:r>
-            <a:r>
-              <a:rPr lang="en-US" altLang="zh-CN" dirty="0"/>
-              <a:t>1</a:t>
-            </a:r>
-          </a:p>
-        </p:txBody>
-      </p:sp>
-      <p:sp>
-        <p:nvSpPr>
-          <p:cNvPr id="9" name="文本框 8">
-            <a:hlinkClick r:id="rId9"/>
-          </p:cNvPr>
-          <p:cNvSpPr txBox="1"/>
-          <p:nvPr/>
-        </p:nvSpPr>
-        <p:spPr>
-          <a:xfrm>
-            <a:off x="1312564" y="4451483"/>
-            <a:ext cx="1321994" cy="369332"/>
-          </a:xfrm>
-          <a:prstGeom prst="rect">
-            <a:avLst/>
-          </a:prstGeom>
-          <a:noFill/>
-        </p:spPr>
-        <p:txBody>
-          <a:bodyPr wrap="square" rtlCol="0">
-            <a:spAutoFit/>
-          </a:bodyPr>
-          <a:lstStyle/>
-          <a:p>
-            <a:r>
-              <a:rPr lang="en-US" altLang="zh-CN" dirty="0"/>
-              <a:t>og</a:t>
-            </a:r>
-          </a:p>
-        </p:txBody>
-      </p:sp>
-      <p:sp>
-        <p:nvSpPr>
-          <p:cNvPr id="10" name="文本框 9">
-            <a:hlinkClick r:id="rId10"/>
-          </p:cNvPr>
-          <p:cNvSpPr txBox="1"/>
-          <p:nvPr/>
-        </p:nvSpPr>
-        <p:spPr>
-          <a:xfrm>
-            <a:off x="1312564" y="5001627"/>
-            <a:ext cx="1321994" cy="369332"/>
-          </a:xfrm>
-          <a:prstGeom prst="rect">
-            <a:avLst/>
-          </a:prstGeom>
-          <a:noFill/>
-        </p:spPr>
-        <p:txBody>
-          <a:bodyPr wrap="square" rtlCol="0">
-            <a:spAutoFit/>
-          </a:bodyPr>
-          <a:lstStyle/>
-          <a:p>
-            <a:r>
-              <a:rPr lang="zh-CN" altLang="en-US" dirty="0"/>
-              <a:t>皮皮</a:t>
-            </a:r>
-            <a:r>
-              <a:rPr lang="en-US" altLang="zh-CN" dirty="0"/>
-              <a:t>7</a:t>
-            </a:r>
-          </a:p>
-        </p:txBody>
-      </p:sp>
-      <p:sp>
-        <p:nvSpPr>
-          <p:cNvPr id="11" name="文本框 10">
-            <a:hlinkClick r:id="rId11" action="ppaction://hlinkfile"/>
-          </p:cNvPr>
-          <p:cNvSpPr txBox="1"/>
-          <p:nvPr/>
-        </p:nvSpPr>
-        <p:spPr>
-          <a:xfrm>
-            <a:off x="3430399" y="1433525"/>
-            <a:ext cx="633507" cy="368300"/>
-          </a:xfrm>
-          <a:prstGeom prst="rect">
-            <a:avLst/>
-          </a:prstGeom>
-          <a:noFill/>
-        </p:spPr>
-        <p:txBody>
-          <a:bodyPr wrap="square" rtlCol="0">
-            <a:spAutoFit/>
-          </a:bodyPr>
-          <a:lstStyle/>
-          <a:p>
-            <a:r>
-              <a:rPr lang="en-US" altLang="zh-CN" dirty="0"/>
-              <a:t>ll1</a:t>
-            </a:r>
-          </a:p>
-        </p:txBody>
-      </p:sp>
-      <p:sp>
-        <p:nvSpPr>
-          <p:cNvPr id="12" name="文本框 11">
-            <a:hlinkClick r:id="rId12" action="ppaction://hlinkfile"/>
-          </p:cNvPr>
-          <p:cNvSpPr txBox="1"/>
-          <p:nvPr/>
-        </p:nvSpPr>
-        <p:spPr>
-          <a:xfrm>
-            <a:off x="3430399" y="1917028"/>
-            <a:ext cx="633507" cy="368300"/>
-          </a:xfrm>
-          <a:prstGeom prst="rect">
-            <a:avLst/>
-          </a:prstGeom>
-          <a:noFill/>
-        </p:spPr>
-        <p:txBody>
-          <a:bodyPr wrap="square" rtlCol="0">
-            <a:spAutoFit/>
-          </a:bodyPr>
-          <a:lstStyle/>
-          <a:p>
-            <a:r>
-              <a:rPr lang="en-US" altLang="zh-CN" dirty="0"/>
-              <a:t>ll2</a:t>
-            </a:r>
-          </a:p>
-        </p:txBody>
-      </p:sp>
-      <p:sp>
-        <p:nvSpPr>
-          <p:cNvPr id="13" name="文本框 12">
-            <a:hlinkClick r:id="rId13"/>
-          </p:cNvPr>
-          <p:cNvSpPr txBox="1"/>
-          <p:nvPr/>
-        </p:nvSpPr>
-        <p:spPr>
-          <a:xfrm>
-            <a:off x="3430399" y="2466140"/>
-            <a:ext cx="633507" cy="368300"/>
-          </a:xfrm>
-          <a:prstGeom prst="rect">
-            <a:avLst/>
-          </a:prstGeom>
-          <a:noFill/>
-        </p:spPr>
-        <p:txBody>
-          <a:bodyPr wrap="square" rtlCol="0">
-            <a:spAutoFit/>
-          </a:bodyPr>
-          <a:lstStyle/>
-          <a:p>
-            <a:r>
-              <a:rPr lang="en-US" altLang="zh-CN" dirty="0"/>
-              <a:t>xt1</a:t>
-            </a:r>
-          </a:p>
-        </p:txBody>
-      </p:sp>
-      <p:sp>
-        <p:nvSpPr>
-          <p:cNvPr id="14" name="文本框 13">
-            <a:hlinkClick r:id="rId14"/>
-          </p:cNvPr>
-          <p:cNvSpPr txBox="1"/>
-          <p:nvPr/>
-        </p:nvSpPr>
-        <p:spPr>
-          <a:xfrm>
-            <a:off x="3430399" y="2892150"/>
-            <a:ext cx="633507" cy="368300"/>
-          </a:xfrm>
-          <a:prstGeom prst="rect">
-            <a:avLst/>
-          </a:prstGeom>
-          <a:noFill/>
-        </p:spPr>
-        <p:txBody>
-          <a:bodyPr wrap="square" rtlCol="0">
-            <a:spAutoFit/>
-          </a:bodyPr>
-          <a:lstStyle/>
-          <a:p>
-            <a:r>
-              <a:rPr lang="en-US" altLang="zh-CN" dirty="0"/>
-              <a:t>yf1</a:t>
-            </a:r>
-          </a:p>
-        </p:txBody>
-      </p:sp>
-      <p:sp>
-        <p:nvSpPr>
-          <p:cNvPr id="15" name="文本框 14">
-            <a:hlinkClick r:id="rId15"/>
-          </p:cNvPr>
-          <p:cNvSpPr txBox="1"/>
-          <p:nvPr/>
-        </p:nvSpPr>
-        <p:spPr>
-          <a:xfrm>
-            <a:off x="3429688" y="3429000"/>
-            <a:ext cx="633507" cy="368300"/>
-          </a:xfrm>
-          <a:prstGeom prst="rect">
-            <a:avLst/>
-          </a:prstGeom>
-          <a:noFill/>
-        </p:spPr>
-        <p:txBody>
-          <a:bodyPr wrap="square" rtlCol="0">
-            <a:spAutoFit/>
-          </a:bodyPr>
-          <a:lstStyle/>
-          <a:p>
-            <a:r>
-              <a:rPr lang="en-US" altLang="zh-CN" dirty="0"/>
-              <a:t>yf2</a:t>
-            </a:r>
-          </a:p>
-        </p:txBody>
-      </p:sp>
-      <p:sp>
-        <p:nvSpPr>
-          <p:cNvPr id="16" name="文本框 15">
-            <a:hlinkClick r:id="rId16"/>
-          </p:cNvPr>
-          <p:cNvSpPr txBox="1"/>
-          <p:nvPr/>
-        </p:nvSpPr>
-        <p:spPr>
-          <a:xfrm>
-            <a:off x="3429688" y="3912503"/>
-            <a:ext cx="633507" cy="368300"/>
-          </a:xfrm>
-          <a:prstGeom prst="rect">
-            <a:avLst/>
-          </a:prstGeom>
-          <a:noFill/>
-        </p:spPr>
-        <p:txBody>
-          <a:bodyPr wrap="square" rtlCol="0">
-            <a:spAutoFit/>
-          </a:bodyPr>
-          <a:lstStyle/>
-          <a:p>
-            <a:r>
-              <a:rPr lang="en-US" altLang="zh-CN" dirty="0"/>
-              <a:t>wj1</a:t>
-            </a:r>
-          </a:p>
-        </p:txBody>
-      </p:sp>
-      <p:sp>
-        <p:nvSpPr>
-          <p:cNvPr id="18" name="文本框 17">
-            <a:hlinkClick r:id="rId17"/>
-          </p:cNvPr>
-          <p:cNvSpPr txBox="1"/>
-          <p:nvPr/>
-        </p:nvSpPr>
-        <p:spPr>
-          <a:xfrm>
-            <a:off x="3429688" y="4391860"/>
-            <a:ext cx="633507" cy="368300"/>
-          </a:xfrm>
-          <a:prstGeom prst="rect">
-            <a:avLst/>
-          </a:prstGeom>
-          <a:noFill/>
-        </p:spPr>
-        <p:txBody>
-          <a:bodyPr wrap="square" rtlCol="0">
-            <a:spAutoFit/>
-          </a:bodyPr>
-          <a:lstStyle/>
-          <a:p>
-            <a:r>
-              <a:rPr lang="en-US" altLang="zh-CN" dirty="0"/>
-              <a:t>wj2</a:t>
-            </a:r>
-          </a:p>
-        </p:txBody>
-      </p:sp>
-      <p:sp>
-        <p:nvSpPr>
-          <p:cNvPr id="17" name="文本框 16">
-            <a:hlinkClick r:id="rId18"/>
-          </p:cNvPr>
-          <p:cNvSpPr txBox="1"/>
-          <p:nvPr/>
-        </p:nvSpPr>
-        <p:spPr>
-          <a:xfrm>
-            <a:off x="3429688" y="4950966"/>
-            <a:ext cx="885458" cy="369332"/>
-          </a:xfrm>
-          <a:prstGeom prst="rect">
-            <a:avLst/>
-          </a:prstGeom>
-          <a:noFill/>
-        </p:spPr>
-        <p:txBody>
-          <a:bodyPr wrap="square" rtlCol="0">
-            <a:spAutoFit/>
-          </a:bodyPr>
-          <a:lstStyle/>
-          <a:p>
-            <a:r>
-              <a:rPr lang="zh-CN" altLang="en-US" dirty="0"/>
-              <a:t>皮皮</a:t>
-            </a:r>
-            <a:r>
-              <a:rPr lang="en-US" altLang="zh-CN" dirty="0"/>
-              <a:t>8</a:t>
-            </a:r>
-          </a:p>
-        </p:txBody>
-      </p:sp>
-      <p:sp>
-        <p:nvSpPr>
-          <p:cNvPr id="19" name="文本框 18">
-            <a:hlinkClick r:id="rId19"/>
-          </p:cNvPr>
-          <p:cNvSpPr txBox="1"/>
-          <p:nvPr/>
-        </p:nvSpPr>
-        <p:spPr>
-          <a:xfrm>
-            <a:off x="5210542" y="4946229"/>
-            <a:ext cx="885458" cy="369332"/>
-          </a:xfrm>
-          <a:prstGeom prst="rect">
-            <a:avLst/>
-          </a:prstGeom>
-          <a:noFill/>
-        </p:spPr>
-        <p:txBody>
-          <a:bodyPr wrap="square" rtlCol="0">
-            <a:spAutoFit/>
-          </a:bodyPr>
-          <a:lstStyle/>
-          <a:p>
-            <a:r>
-              <a:rPr lang="en-US" altLang="zh-CN" dirty="0" err="1"/>
-              <a:t>Xc</a:t>
-            </a:r>
-            <a:r>
-              <a:rPr lang="zh-CN" altLang="en-US" dirty="0"/>
-              <a:t>？</a:t>
-            </a:r>
-            <a:endParaRPr lang="en-US" altLang="zh-CN" dirty="0"/>
-          </a:p>
-        </p:txBody>
-      </p:sp>
-      <p:sp>
-        <p:nvSpPr>
-          <p:cNvPr id="20" name="文本框 19">
-            <a:hlinkClick r:id="rId20"/>
-          </p:cNvPr>
-          <p:cNvSpPr txBox="1"/>
-          <p:nvPr/>
-        </p:nvSpPr>
-        <p:spPr>
-          <a:xfrm>
-            <a:off x="5210542" y="4433356"/>
-            <a:ext cx="885458" cy="369332"/>
-          </a:xfrm>
-          <a:prstGeom prst="rect">
-            <a:avLst/>
-          </a:prstGeom>
-          <a:noFill/>
-        </p:spPr>
-        <p:txBody>
-          <a:bodyPr wrap="square" rtlCol="0">
-            <a:spAutoFit/>
-          </a:bodyPr>
-          <a:lstStyle/>
-          <a:p>
-            <a:r>
-              <a:rPr lang="en-US" altLang="zh-CN" dirty="0" err="1"/>
-              <a:t>Xc&amp;hy</a:t>
-            </a:r>
-            <a:endParaRPr lang="en-US" altLang="zh-CN" dirty="0"/>
-          </a:p>
-        </p:txBody>
-      </p:sp>
-      <p:sp>
-        <p:nvSpPr>
-          <p:cNvPr id="21" name="文本框 20">
-            <a:hlinkClick r:id="rId21"/>
-          </p:cNvPr>
-          <p:cNvSpPr txBox="1"/>
-          <p:nvPr/>
-        </p:nvSpPr>
-        <p:spPr>
-          <a:xfrm>
-            <a:off x="5231480" y="1357773"/>
-            <a:ext cx="633507" cy="369332"/>
-          </a:xfrm>
-          <a:prstGeom prst="rect">
-            <a:avLst/>
-          </a:prstGeom>
-          <a:noFill/>
-        </p:spPr>
-        <p:txBody>
-          <a:bodyPr wrap="square" rtlCol="0">
-            <a:spAutoFit/>
-          </a:bodyPr>
-          <a:lstStyle/>
-          <a:p>
-            <a:r>
-              <a:rPr lang="en-US" altLang="zh-CN" dirty="0"/>
-              <a:t>123</a:t>
-            </a:r>
-            <a:endParaRPr lang="zh-CN" altLang="en-US" dirty="0"/>
-          </a:p>
-        </p:txBody>
-      </p:sp>
-      <p:sp>
-        <p:nvSpPr>
-          <p:cNvPr id="22" name="文本框 21">
-            <a:hlinkClick r:id="rId22"/>
-          </p:cNvPr>
-          <p:cNvSpPr txBox="1"/>
-          <p:nvPr/>
-        </p:nvSpPr>
-        <p:spPr>
-          <a:xfrm>
-            <a:off x="5210542" y="1950429"/>
-            <a:ext cx="633507" cy="369332"/>
-          </a:xfrm>
-          <a:prstGeom prst="rect">
-            <a:avLst/>
-          </a:prstGeom>
-          <a:noFill/>
-        </p:spPr>
-        <p:txBody>
-          <a:bodyPr wrap="square" rtlCol="0">
-            <a:spAutoFit/>
-          </a:bodyPr>
-          <a:lstStyle/>
-          <a:p>
-            <a:r>
-              <a:rPr lang="en-US" altLang="zh-CN" dirty="0"/>
-              <a:t>123</a:t>
-            </a:r>
-            <a:endParaRPr lang="zh-CN" altLang="en-US" dirty="0"/>
-          </a:p>
-        </p:txBody>
-      </p:sp>
-      <p:sp>
-        <p:nvSpPr>
-          <p:cNvPr id="23" name="文本框 22">
-            <a:hlinkClick r:id="rId22"/>
-          </p:cNvPr>
-          <p:cNvSpPr txBox="1"/>
-          <p:nvPr/>
-        </p:nvSpPr>
-        <p:spPr>
-          <a:xfrm>
-            <a:off x="5210542" y="2452486"/>
-            <a:ext cx="633507" cy="369332"/>
-          </a:xfrm>
-          <a:prstGeom prst="rect">
-            <a:avLst/>
-          </a:prstGeom>
-          <a:noFill/>
-        </p:spPr>
-        <p:txBody>
-          <a:bodyPr wrap="square" rtlCol="0">
-            <a:spAutoFit/>
-          </a:bodyPr>
-          <a:lstStyle/>
-          <a:p>
-            <a:r>
-              <a:rPr lang="en-US" altLang="zh-CN" dirty="0"/>
-              <a:t>123</a:t>
-            </a:r>
-            <a:endParaRPr lang="zh-CN" altLang="en-US" dirty="0"/>
-          </a:p>
-        </p:txBody>
-      </p:sp>
-    </p:spTree>
-  </p:cSld>
-  <p:clrMapOvr>
-    <a:masterClrMapping/>
-  </p:clrMapOvr>
-</p:sld>
-</file>
-
 <file path=ppt/slides/slide16.xml><?xml version="1.0" encoding="utf-8"?>
 <p:sld xmlns:a="http://schemas.openxmlformats.org/drawingml/2006/main" xmlns:r="http://schemas.openxmlformats.org/officeDocument/2006/relationships" xmlns:p="http://schemas.openxmlformats.org/presentationml/2006/main">
   <p:cSld>
@@ -11899,7 +11539,7 @@
       </p:sp>
       <p:sp>
         <p:nvSpPr>
-          <p:cNvPr id="18" name="文本框 17">
+          <p:cNvPr id="6" name="文本框 5">
             <a:hlinkClick r:id="rId3"/>
           </p:cNvPr>
           <p:cNvSpPr txBox="1"/>
@@ -11907,8 +11547,8 @@
         </p:nvSpPr>
         <p:spPr>
           <a:xfrm>
-            <a:off x="853388" y="1353632"/>
-            <a:ext cx="1338828" cy="369332"/>
+            <a:off x="1312564" y="1417123"/>
+            <a:ext cx="415498" cy="369332"/>
           </a:xfrm>
           <a:prstGeom prst="rect">
             <a:avLst/>
@@ -11923,14 +11563,14 @@
           <a:p>
             <a:r>
               <a:rPr lang="zh-CN" altLang="en-US" dirty="0"/>
-              <a:t>苏州音乐会</a:t>
-            </a:r>
-          </a:p>
-        </p:txBody>
-      </p:sp>
-      <p:sp>
-        <p:nvSpPr>
-          <p:cNvPr id="27" name="文本框 26">
+              <a:t>雷</a:t>
+            </a:r>
+          </a:p>
+        </p:txBody>
+      </p:sp>
+      <p:sp>
+        <p:nvSpPr>
+          <p:cNvPr id="7" name="文本框 6">
             <a:hlinkClick r:id="rId4"/>
           </p:cNvPr>
           <p:cNvSpPr txBox="1"/>
@@ -11938,8 +11578,8 @@
         </p:nvSpPr>
         <p:spPr>
           <a:xfrm>
-            <a:off x="853388" y="2626569"/>
-            <a:ext cx="889987" cy="368935"/>
+            <a:off x="1312564" y="1900009"/>
+            <a:ext cx="633507" cy="369332"/>
           </a:xfrm>
           <a:prstGeom prst="rect">
             <a:avLst/>
@@ -11947,14 +11587,18 @@
           <a:noFill/>
         </p:spPr>
         <p:txBody>
-          <a:bodyPr wrap="none" rtlCol="0">
+          <a:bodyPr wrap="square" rtlCol="0">
             <a:spAutoFit/>
           </a:bodyPr>
           <a:lstStyle/>
           <a:p>
             <a:r>
+              <a:rPr lang="zh-CN" altLang="en-US" dirty="0"/>
+              <a:t>雷</a:t>
+            </a:r>
+            <a:r>
               <a:rPr lang="en-US" altLang="zh-CN" dirty="0"/>
-              <a:t>Bukehi</a:t>
+              <a:t>1</a:t>
             </a:r>
             <a:endParaRPr lang="zh-CN" altLang="en-US" dirty="0"/>
           </a:p>
@@ -11962,7 +11606,7 @@
       </p:sp>
       <p:sp>
         <p:nvSpPr>
-          <p:cNvPr id="28" name="文本框 27">
+          <p:cNvPr id="2" name="文本框 1">
             <a:hlinkClick r:id="rId5"/>
           </p:cNvPr>
           <p:cNvSpPr txBox="1"/>
@@ -11970,8 +11614,8 @@
         </p:nvSpPr>
         <p:spPr>
           <a:xfrm>
-            <a:off x="853388" y="1990299"/>
-            <a:ext cx="992579" cy="368935"/>
+            <a:off x="1312564" y="2382895"/>
+            <a:ext cx="633507" cy="369332"/>
           </a:xfrm>
           <a:prstGeom prst="rect">
             <a:avLst/>
@@ -11979,26 +11623,21 @@
           <a:noFill/>
         </p:spPr>
         <p:txBody>
-          <a:bodyPr wrap="none" rtlCol="0">
+          <a:bodyPr wrap="square" rtlCol="0">
             <a:spAutoFit/>
           </a:bodyPr>
           <a:lstStyle/>
           <a:p>
             <a:r>
-              <a:rPr lang="zh-CN" altLang="en-US" dirty="0"/>
-              <a:t>迟迟</a:t>
-            </a:r>
-            <a:r>
               <a:rPr lang="en-US" altLang="zh-CN" dirty="0"/>
-              <a:t>MV</a:t>
-            </a:r>
-            <a:endParaRPr lang="zh-CN" altLang="en-US" dirty="0"/>
-          </a:p>
-        </p:txBody>
-      </p:sp>
-      <p:sp>
-        <p:nvSpPr>
-          <p:cNvPr id="29" name="文本框 28">
+              <a:t>Bs5</a:t>
+            </a:r>
+          </a:p>
+        </p:txBody>
+      </p:sp>
+      <p:sp>
+        <p:nvSpPr>
+          <p:cNvPr id="3" name="文本框 2">
             <a:hlinkClick r:id="rId6"/>
           </p:cNvPr>
           <p:cNvSpPr txBox="1"/>
@@ -12006,8 +11645,8 @@
         </p:nvSpPr>
         <p:spPr>
           <a:xfrm>
-            <a:off x="853388" y="3262839"/>
-            <a:ext cx="1864613" cy="368935"/>
+            <a:off x="1312564" y="2874018"/>
+            <a:ext cx="633507" cy="369332"/>
           </a:xfrm>
           <a:prstGeom prst="rect">
             <a:avLst/>
@@ -12015,21 +11654,21 @@
           <a:noFill/>
         </p:spPr>
         <p:txBody>
-          <a:bodyPr wrap="none" rtlCol="0">
+          <a:bodyPr wrap="square" rtlCol="0">
             <a:spAutoFit/>
           </a:bodyPr>
           <a:lstStyle/>
           <a:p>
             <a:r>
-              <a:rPr lang="zh-CN" altLang="en-US" dirty="0"/>
-              <a:t>天外来物音乐会</a:t>
-            </a:r>
-          </a:p>
-        </p:txBody>
-      </p:sp>
-      <p:sp>
-        <p:nvSpPr>
-          <p:cNvPr id="30" name="文本框 29">
+              <a:rPr lang="en-US" altLang="zh-CN" dirty="0"/>
+              <a:t>bs6</a:t>
+            </a:r>
+          </a:p>
+        </p:txBody>
+      </p:sp>
+      <p:sp>
+        <p:nvSpPr>
+          <p:cNvPr id="5" name="文本框 4">
             <a:hlinkClick r:id="rId7"/>
           </p:cNvPr>
           <p:cNvSpPr txBox="1"/>
@@ -12037,8 +11676,8 @@
         </p:nvSpPr>
         <p:spPr>
           <a:xfrm>
-            <a:off x="814468" y="3899109"/>
-            <a:ext cx="1928733" cy="368935"/>
+            <a:off x="1312564" y="3386603"/>
+            <a:ext cx="1182158" cy="369332"/>
           </a:xfrm>
           <a:prstGeom prst="rect">
             <a:avLst/>
@@ -12046,26 +11685,22 @@
           <a:noFill/>
         </p:spPr>
         <p:txBody>
-          <a:bodyPr wrap="none" rtlCol="0">
+          <a:bodyPr wrap="square" rtlCol="0">
             <a:spAutoFit/>
           </a:bodyPr>
           <a:lstStyle/>
           <a:p>
             <a:r>
               <a:rPr lang="zh-CN" altLang="en-US" dirty="0"/>
-              <a:t>天外来物音乐会</a:t>
-            </a:r>
-            <a:r>
-              <a:rPr lang="en-US" altLang="zh-CN" dirty="0"/>
-              <a:t>2</a:t>
-            </a:r>
-            <a:endParaRPr lang="zh-CN" altLang="en-US" dirty="0"/>
-          </a:p>
-        </p:txBody>
-      </p:sp>
-      <p:sp>
-        <p:nvSpPr>
-          <p:cNvPr id="2" name="文本框 1">
+              <a:t>伊雪亦梦</a:t>
+            </a:r>
+            <a:endParaRPr lang="en-US" altLang="zh-CN" dirty="0"/>
+          </a:p>
+        </p:txBody>
+      </p:sp>
+      <p:sp>
+        <p:nvSpPr>
+          <p:cNvPr id="8" name="文本框 7">
             <a:hlinkClick r:id="rId8"/>
           </p:cNvPr>
           <p:cNvSpPr txBox="1"/>
@@ -12073,8 +11708,8 @@
         </p:nvSpPr>
         <p:spPr>
           <a:xfrm>
-            <a:off x="853388" y="4535379"/>
-            <a:ext cx="2262158" cy="369332"/>
+            <a:off x="1312564" y="3899188"/>
+            <a:ext cx="1321994" cy="369332"/>
           </a:xfrm>
           <a:prstGeom prst="rect">
             <a:avLst/>
@@ -12082,21 +11717,25 @@
           <a:noFill/>
         </p:spPr>
         <p:txBody>
-          <a:bodyPr wrap="none" rtlCol="0">
+          <a:bodyPr wrap="square" rtlCol="0">
             <a:spAutoFit/>
           </a:bodyPr>
           <a:lstStyle/>
           <a:p>
             <a:r>
               <a:rPr lang="zh-CN" altLang="en-US" dirty="0"/>
-              <a:t>两界为火，赤夜将熄</a:t>
-            </a:r>
-          </a:p>
-        </p:txBody>
-      </p:sp>
-      <p:sp>
-        <p:nvSpPr>
-          <p:cNvPr id="3" name="文本框 2">
+              <a:t>伊雪亦梦</a:t>
+            </a:r>
+            <a:r>
+              <a:rPr lang="en-US" altLang="zh-CN" dirty="0"/>
+              <a:t>1</a:t>
+            </a:r>
+          </a:p>
+        </p:txBody>
+      </p:sp>
+      <p:sp>
+        <p:nvSpPr>
+          <p:cNvPr id="9" name="文本框 8">
             <a:hlinkClick r:id="rId9"/>
           </p:cNvPr>
           <p:cNvSpPr txBox="1"/>
@@ -12104,8 +11743,8 @@
         </p:nvSpPr>
         <p:spPr>
           <a:xfrm>
-            <a:off x="816813" y="5171649"/>
-            <a:ext cx="1159292" cy="369332"/>
+            <a:off x="1312564" y="4451483"/>
+            <a:ext cx="1321994" cy="369332"/>
           </a:xfrm>
           <a:prstGeom prst="rect">
             <a:avLst/>
@@ -12113,22 +11752,21 @@
           <a:noFill/>
         </p:spPr>
         <p:txBody>
-          <a:bodyPr wrap="none" rtlCol="0">
+          <a:bodyPr wrap="square" rtlCol="0">
             <a:spAutoFit/>
           </a:bodyPr>
           <a:lstStyle/>
           <a:p>
             <a:r>
               <a:rPr lang="en-US" altLang="zh-CN" dirty="0"/>
-              <a:t>evermore</a:t>
-            </a:r>
-            <a:endParaRPr lang="zh-CN" altLang="en-US" dirty="0"/>
-          </a:p>
-        </p:txBody>
-      </p:sp>
-      <p:sp>
-        <p:nvSpPr>
-          <p:cNvPr id="5" name="文本框 4">
+              <a:t>og</a:t>
+            </a:r>
+          </a:p>
+        </p:txBody>
+      </p:sp>
+      <p:sp>
+        <p:nvSpPr>
+          <p:cNvPr id="10" name="文本框 9">
             <a:hlinkClick r:id="rId10"/>
           </p:cNvPr>
           <p:cNvSpPr txBox="1"/>
@@ -12136,107 +11774,8 @@
         </p:nvSpPr>
         <p:spPr>
           <a:xfrm>
-            <a:off x="816813" y="5807919"/>
-            <a:ext cx="2262158" cy="369332"/>
-          </a:xfrm>
-          <a:prstGeom prst="rect">
-            <a:avLst/>
-          </a:prstGeom>
-          <a:noFill/>
-        </p:spPr>
-        <p:txBody>
-          <a:bodyPr wrap="none" rtlCol="0">
-            <a:spAutoFit/>
-          </a:bodyPr>
-          <a:lstStyle/>
-          <a:p>
-            <a:r>
-              <a:rPr lang="zh-CN" altLang="en-US" dirty="0"/>
-              <a:t>地狱客栈第一期配音</a:t>
-            </a:r>
-          </a:p>
-        </p:txBody>
-      </p:sp>
-      <p:sp>
-        <p:nvSpPr>
-          <p:cNvPr id="6" name="文本框 5">
-            <a:hlinkClick r:id="rId11"/>
-          </p:cNvPr>
-          <p:cNvSpPr txBox="1"/>
-          <p:nvPr/>
-        </p:nvSpPr>
-        <p:spPr>
-          <a:xfrm>
-            <a:off x="4964921" y="1353632"/>
-            <a:ext cx="646331" cy="369332"/>
-          </a:xfrm>
-          <a:prstGeom prst="rect">
-            <a:avLst/>
-          </a:prstGeom>
-          <a:noFill/>
-        </p:spPr>
-        <p:txBody>
-          <a:bodyPr wrap="none" rtlCol="0">
-            <a:spAutoFit/>
-          </a:bodyPr>
-          <a:lstStyle/>
-          <a:p>
-            <a:r>
-              <a:rPr lang="zh-CN" altLang="en-US" dirty="0"/>
-              <a:t>银行</a:t>
-            </a:r>
-          </a:p>
-        </p:txBody>
-      </p:sp>
-      <p:sp>
-        <p:nvSpPr>
-          <p:cNvPr id="7" name="文本框 6">
-            <a:hlinkClick r:id="rId12"/>
-          </p:cNvPr>
-          <p:cNvSpPr txBox="1"/>
-          <p:nvPr/>
-        </p:nvSpPr>
-        <p:spPr>
-          <a:xfrm>
-            <a:off x="4964920" y="2097210"/>
-            <a:ext cx="364202" cy="369332"/>
-          </a:xfrm>
-          <a:prstGeom prst="rect">
-            <a:avLst/>
-          </a:prstGeom>
-          <a:noFill/>
-        </p:spPr>
-        <p:txBody>
-          <a:bodyPr wrap="none" rtlCol="0">
-            <a:spAutoFit/>
-          </a:bodyPr>
-          <a:lstStyle/>
-          <a:p>
-            <a:r>
-              <a:rPr lang="en-US" altLang="zh-CN" dirty="0"/>
-              <a:t>yf</a:t>
-            </a:r>
-            <a:endParaRPr lang="zh-CN" altLang="en-US" dirty="0"/>
-          </a:p>
-        </p:txBody>
-      </p:sp>
-      <p:sp>
-        <p:nvSpPr>
-          <p:cNvPr id="9" name="文本框 8">
-            <a:hlinkClick r:id="rId13"/>
-            <a:extLst>
-              <a:ext uri="{FF2B5EF4-FFF2-40B4-BE49-F238E27FC236}">
-                <a16:creationId xmlns:a16="http://schemas.microsoft.com/office/drawing/2014/main" id="{C56800EC-4641-2B3B-20C9-37205A21947B}"/>
-              </a:ext>
-            </a:extLst>
-          </p:cNvPr>
-          <p:cNvSpPr txBox="1"/>
-          <p:nvPr/>
-        </p:nvSpPr>
-        <p:spPr>
-          <a:xfrm>
-            <a:off x="4972896" y="2893507"/>
-            <a:ext cx="3477041" cy="646331"/>
+            <a:off x="1312564" y="5001627"/>
+            <a:ext cx="1321994" cy="369332"/>
           </a:xfrm>
           <a:prstGeom prst="rect">
             <a:avLst/>
@@ -12250,37 +11789,429 @@
           <a:lstStyle/>
           <a:p>
             <a:r>
+              <a:rPr lang="zh-CN" altLang="en-US" dirty="0"/>
+              <a:t>皮皮</a:t>
+            </a:r>
+            <a:r>
               <a:rPr lang="en-US" altLang="zh-CN" dirty="0"/>
-              <a:t>《</a:t>
-            </a:r>
+              <a:t>7</a:t>
+            </a:r>
+          </a:p>
+        </p:txBody>
+      </p:sp>
+      <p:sp>
+        <p:nvSpPr>
+          <p:cNvPr id="11" name="文本框 10">
+            <a:hlinkClick r:id="rId11" action="ppaction://hlinkfile"/>
+          </p:cNvPr>
+          <p:cNvSpPr txBox="1"/>
+          <p:nvPr/>
+        </p:nvSpPr>
+        <p:spPr>
+          <a:xfrm>
+            <a:off x="3430399" y="1433525"/>
+            <a:ext cx="633507" cy="368300"/>
+          </a:xfrm>
+          <a:prstGeom prst="rect">
+            <a:avLst/>
+          </a:prstGeom>
+          <a:noFill/>
+        </p:spPr>
+        <p:txBody>
+          <a:bodyPr wrap="square" rtlCol="0">
+            <a:spAutoFit/>
+          </a:bodyPr>
+          <a:lstStyle/>
+          <a:p>
+            <a:r>
+              <a:rPr lang="en-US" altLang="zh-CN" dirty="0"/>
+              <a:t>ll1</a:t>
+            </a:r>
+          </a:p>
+        </p:txBody>
+      </p:sp>
+      <p:sp>
+        <p:nvSpPr>
+          <p:cNvPr id="12" name="文本框 11">
+            <a:hlinkClick r:id="rId12" action="ppaction://hlinkfile"/>
+          </p:cNvPr>
+          <p:cNvSpPr txBox="1"/>
+          <p:nvPr/>
+        </p:nvSpPr>
+        <p:spPr>
+          <a:xfrm>
+            <a:off x="3430399" y="1917028"/>
+            <a:ext cx="633507" cy="368300"/>
+          </a:xfrm>
+          <a:prstGeom prst="rect">
+            <a:avLst/>
+          </a:prstGeom>
+          <a:noFill/>
+        </p:spPr>
+        <p:txBody>
+          <a:bodyPr wrap="square" rtlCol="0">
+            <a:spAutoFit/>
+          </a:bodyPr>
+          <a:lstStyle/>
+          <a:p>
+            <a:r>
+              <a:rPr lang="en-US" altLang="zh-CN" dirty="0"/>
+              <a:t>ll2</a:t>
+            </a:r>
+          </a:p>
+        </p:txBody>
+      </p:sp>
+      <p:sp>
+        <p:nvSpPr>
+          <p:cNvPr id="13" name="文本框 12">
+            <a:hlinkClick r:id="rId13"/>
+          </p:cNvPr>
+          <p:cNvSpPr txBox="1"/>
+          <p:nvPr/>
+        </p:nvSpPr>
+        <p:spPr>
+          <a:xfrm>
+            <a:off x="3430399" y="2466140"/>
+            <a:ext cx="633507" cy="368300"/>
+          </a:xfrm>
+          <a:prstGeom prst="rect">
+            <a:avLst/>
+          </a:prstGeom>
+          <a:noFill/>
+        </p:spPr>
+        <p:txBody>
+          <a:bodyPr wrap="square" rtlCol="0">
+            <a:spAutoFit/>
+          </a:bodyPr>
+          <a:lstStyle/>
+          <a:p>
+            <a:r>
+              <a:rPr lang="en-US" altLang="zh-CN" dirty="0"/>
+              <a:t>xt1</a:t>
+            </a:r>
+          </a:p>
+        </p:txBody>
+      </p:sp>
+      <p:sp>
+        <p:nvSpPr>
+          <p:cNvPr id="14" name="文本框 13">
+            <a:hlinkClick r:id="rId14"/>
+          </p:cNvPr>
+          <p:cNvSpPr txBox="1"/>
+          <p:nvPr/>
+        </p:nvSpPr>
+        <p:spPr>
+          <a:xfrm>
+            <a:off x="3430399" y="2892150"/>
+            <a:ext cx="633507" cy="368300"/>
+          </a:xfrm>
+          <a:prstGeom prst="rect">
+            <a:avLst/>
+          </a:prstGeom>
+          <a:noFill/>
+        </p:spPr>
+        <p:txBody>
+          <a:bodyPr wrap="square" rtlCol="0">
+            <a:spAutoFit/>
+          </a:bodyPr>
+          <a:lstStyle/>
+          <a:p>
+            <a:r>
+              <a:rPr lang="en-US" altLang="zh-CN" dirty="0"/>
+              <a:t>yf1</a:t>
+            </a:r>
+          </a:p>
+        </p:txBody>
+      </p:sp>
+      <p:sp>
+        <p:nvSpPr>
+          <p:cNvPr id="15" name="文本框 14">
+            <a:hlinkClick r:id="rId15"/>
+          </p:cNvPr>
+          <p:cNvSpPr txBox="1"/>
+          <p:nvPr/>
+        </p:nvSpPr>
+        <p:spPr>
+          <a:xfrm>
+            <a:off x="3429688" y="3429000"/>
+            <a:ext cx="633507" cy="368300"/>
+          </a:xfrm>
+          <a:prstGeom prst="rect">
+            <a:avLst/>
+          </a:prstGeom>
+          <a:noFill/>
+        </p:spPr>
+        <p:txBody>
+          <a:bodyPr wrap="square" rtlCol="0">
+            <a:spAutoFit/>
+          </a:bodyPr>
+          <a:lstStyle/>
+          <a:p>
+            <a:r>
+              <a:rPr lang="en-US" altLang="zh-CN" dirty="0"/>
+              <a:t>yf2</a:t>
+            </a:r>
+          </a:p>
+        </p:txBody>
+      </p:sp>
+      <p:sp>
+        <p:nvSpPr>
+          <p:cNvPr id="16" name="文本框 15">
+            <a:hlinkClick r:id="rId16"/>
+          </p:cNvPr>
+          <p:cNvSpPr txBox="1"/>
+          <p:nvPr/>
+        </p:nvSpPr>
+        <p:spPr>
+          <a:xfrm>
+            <a:off x="3429688" y="3912503"/>
+            <a:ext cx="633507" cy="368300"/>
+          </a:xfrm>
+          <a:prstGeom prst="rect">
+            <a:avLst/>
+          </a:prstGeom>
+          <a:noFill/>
+        </p:spPr>
+        <p:txBody>
+          <a:bodyPr wrap="square" rtlCol="0">
+            <a:spAutoFit/>
+          </a:bodyPr>
+          <a:lstStyle/>
+          <a:p>
+            <a:r>
+              <a:rPr lang="en-US" altLang="zh-CN" dirty="0"/>
+              <a:t>wj1</a:t>
+            </a:r>
+          </a:p>
+        </p:txBody>
+      </p:sp>
+      <p:sp>
+        <p:nvSpPr>
+          <p:cNvPr id="18" name="文本框 17">
+            <a:hlinkClick r:id="rId17"/>
+          </p:cNvPr>
+          <p:cNvSpPr txBox="1"/>
+          <p:nvPr/>
+        </p:nvSpPr>
+        <p:spPr>
+          <a:xfrm>
+            <a:off x="3429688" y="4391860"/>
+            <a:ext cx="633507" cy="368300"/>
+          </a:xfrm>
+          <a:prstGeom prst="rect">
+            <a:avLst/>
+          </a:prstGeom>
+          <a:noFill/>
+        </p:spPr>
+        <p:txBody>
+          <a:bodyPr wrap="square" rtlCol="0">
+            <a:spAutoFit/>
+          </a:bodyPr>
+          <a:lstStyle/>
+          <a:p>
+            <a:r>
+              <a:rPr lang="en-US" altLang="zh-CN" dirty="0"/>
+              <a:t>wj2</a:t>
+            </a:r>
+          </a:p>
+        </p:txBody>
+      </p:sp>
+      <p:sp>
+        <p:nvSpPr>
+          <p:cNvPr id="17" name="文本框 16">
+            <a:hlinkClick r:id="rId18"/>
+          </p:cNvPr>
+          <p:cNvSpPr txBox="1"/>
+          <p:nvPr/>
+        </p:nvSpPr>
+        <p:spPr>
+          <a:xfrm>
+            <a:off x="3429688" y="4950966"/>
+            <a:ext cx="885458" cy="369332"/>
+          </a:xfrm>
+          <a:prstGeom prst="rect">
+            <a:avLst/>
+          </a:prstGeom>
+          <a:noFill/>
+        </p:spPr>
+        <p:txBody>
+          <a:bodyPr wrap="square" rtlCol="0">
+            <a:spAutoFit/>
+          </a:bodyPr>
+          <a:lstStyle/>
+          <a:p>
             <a:r>
               <a:rPr lang="zh-CN" altLang="en-US" dirty="0"/>
-              <a:t>崩坏：星穹铁道</a:t>
+              <a:t>皮皮</a:t>
             </a:r>
             <a:r>
               <a:rPr lang="en-US" altLang="zh-CN" dirty="0"/>
-              <a:t>》</a:t>
+              <a:t>8</a:t>
+            </a:r>
+          </a:p>
+        </p:txBody>
+      </p:sp>
+      <p:sp>
+        <p:nvSpPr>
+          <p:cNvPr id="19" name="文本框 18">
+            <a:hlinkClick r:id="rId19"/>
+          </p:cNvPr>
+          <p:cNvSpPr txBox="1"/>
+          <p:nvPr/>
+        </p:nvSpPr>
+        <p:spPr>
+          <a:xfrm>
+            <a:off x="5210542" y="4946229"/>
+            <a:ext cx="885458" cy="369332"/>
+          </a:xfrm>
+          <a:prstGeom prst="rect">
+            <a:avLst/>
+          </a:prstGeom>
+          <a:noFill/>
+        </p:spPr>
+        <p:txBody>
+          <a:bodyPr wrap="square" rtlCol="0">
+            <a:spAutoFit/>
+          </a:bodyPr>
+          <a:lstStyle/>
+          <a:p>
+            <a:r>
+              <a:rPr lang="en-US" altLang="zh-CN" dirty="0" err="1"/>
+              <a:t>Xc</a:t>
             </a:r>
             <a:r>
               <a:rPr lang="zh-CN" altLang="en-US" dirty="0"/>
-              <a:t>「</a:t>
-            </a:r>
+              <a:t>？</a:t>
+            </a:r>
+            <a:endParaRPr lang="en-US" altLang="zh-CN" dirty="0"/>
+          </a:p>
+        </p:txBody>
+      </p:sp>
+      <p:sp>
+        <p:nvSpPr>
+          <p:cNvPr id="20" name="文本框 19">
+            <a:hlinkClick r:id="rId20"/>
+          </p:cNvPr>
+          <p:cNvSpPr txBox="1"/>
+          <p:nvPr/>
+        </p:nvSpPr>
+        <p:spPr>
+          <a:xfrm>
+            <a:off x="5210542" y="4433356"/>
+            <a:ext cx="885458" cy="369332"/>
+          </a:xfrm>
+          <a:prstGeom prst="rect">
+            <a:avLst/>
+          </a:prstGeom>
+          <a:noFill/>
+        </p:spPr>
+        <p:txBody>
+          <a:bodyPr wrap="square" rtlCol="0">
+            <a:spAutoFit/>
+          </a:bodyPr>
+          <a:lstStyle/>
+          <a:p>
+            <a:r>
+              <a:rPr lang="en-US" altLang="zh-CN" dirty="0" err="1"/>
+              <a:t>Xc&amp;hy</a:t>
+            </a:r>
+            <a:endParaRPr lang="en-US" altLang="zh-CN" dirty="0"/>
+          </a:p>
+        </p:txBody>
+      </p:sp>
+      <p:sp>
+        <p:nvSpPr>
+          <p:cNvPr id="21" name="文本框 20">
+            <a:hlinkClick r:id="rId21"/>
+          </p:cNvPr>
+          <p:cNvSpPr txBox="1"/>
+          <p:nvPr/>
+        </p:nvSpPr>
+        <p:spPr>
+          <a:xfrm>
+            <a:off x="5231480" y="1357773"/>
+            <a:ext cx="633507" cy="369332"/>
+          </a:xfrm>
+          <a:prstGeom prst="rect">
+            <a:avLst/>
+          </a:prstGeom>
+          <a:noFill/>
+        </p:spPr>
+        <p:txBody>
+          <a:bodyPr wrap="square" rtlCol="0">
+            <a:spAutoFit/>
+          </a:bodyPr>
+          <a:lstStyle/>
+          <a:p>
             <a:r>
               <a:rPr lang="en-US" altLang="zh-CN" dirty="0"/>
-              <a:t>2024</a:t>
-            </a:r>
-            <a:r>
-              <a:rPr lang="zh-CN" altLang="en-US" dirty="0"/>
-              <a:t>星铁</a:t>
-            </a:r>
+              <a:t>123</a:t>
+            </a:r>
+            <a:endParaRPr lang="zh-CN" altLang="en-US" dirty="0"/>
+          </a:p>
+        </p:txBody>
+      </p:sp>
+      <p:sp>
+        <p:nvSpPr>
+          <p:cNvPr id="22" name="文本框 21">
+            <a:hlinkClick r:id="rId22"/>
+          </p:cNvPr>
+          <p:cNvSpPr txBox="1"/>
+          <p:nvPr/>
+        </p:nvSpPr>
+        <p:spPr>
+          <a:xfrm>
+            <a:off x="5210542" y="1950429"/>
+            <a:ext cx="633507" cy="369332"/>
+          </a:xfrm>
+          <a:prstGeom prst="rect">
+            <a:avLst/>
+          </a:prstGeom>
+          <a:noFill/>
+        </p:spPr>
+        <p:txBody>
+          <a:bodyPr wrap="square" rtlCol="0">
+            <a:spAutoFit/>
+          </a:bodyPr>
+          <a:lstStyle/>
+          <a:p>
             <a:r>
               <a:rPr lang="en-US" altLang="zh-CN" dirty="0"/>
-              <a:t>LIVE</a:t>
-            </a:r>
-            <a:r>
-              <a:rPr lang="zh-CN" altLang="en-US" dirty="0"/>
-              <a:t>」演唱会官方录播完整版</a:t>
-            </a:r>
+              <a:t>123</a:t>
+            </a:r>
+            <a:endParaRPr lang="zh-CN" altLang="en-US" dirty="0"/>
+          </a:p>
+        </p:txBody>
+      </p:sp>
+      <p:sp>
+        <p:nvSpPr>
+          <p:cNvPr id="23" name="文本框 22">
+            <a:hlinkClick r:id="rId22"/>
+          </p:cNvPr>
+          <p:cNvSpPr txBox="1"/>
+          <p:nvPr/>
+        </p:nvSpPr>
+        <p:spPr>
+          <a:xfrm>
+            <a:off x="5210542" y="2452486"/>
+            <a:ext cx="633507" cy="369332"/>
+          </a:xfrm>
+          <a:prstGeom prst="rect">
+            <a:avLst/>
+          </a:prstGeom>
+          <a:noFill/>
+        </p:spPr>
+        <p:txBody>
+          <a:bodyPr wrap="square" rtlCol="0">
+            <a:spAutoFit/>
+          </a:bodyPr>
+          <a:lstStyle/>
+          <a:p>
+            <a:r>
+              <a:rPr lang="en-US" altLang="zh-CN" dirty="0"/>
+              <a:t>123</a:t>
+            </a:r>
+            <a:endParaRPr lang="zh-CN" altLang="en-US" dirty="0"/>
           </a:p>
         </p:txBody>
       </p:sp>
@@ -12348,7 +12279,7 @@
       </p:sp>
       <p:sp>
         <p:nvSpPr>
-          <p:cNvPr id="8" name="文本框 7">
+          <p:cNvPr id="18" name="文本框 17">
             <a:hlinkClick r:id="rId3"/>
           </p:cNvPr>
           <p:cNvSpPr txBox="1"/>
@@ -12356,8 +12287,8 @@
         </p:nvSpPr>
         <p:spPr>
           <a:xfrm>
-            <a:off x="3929039" y="2115497"/>
-            <a:ext cx="877163" cy="369332"/>
+            <a:off x="853388" y="1353632"/>
+            <a:ext cx="1338828" cy="369332"/>
           </a:xfrm>
           <a:prstGeom prst="rect">
             <a:avLst/>
@@ -12372,14 +12303,14 @@
           <a:p>
             <a:r>
               <a:rPr lang="zh-CN" altLang="en-US" dirty="0"/>
-              <a:t>转庭悟</a:t>
-            </a:r>
-          </a:p>
-        </p:txBody>
-      </p:sp>
-      <p:sp>
-        <p:nvSpPr>
-          <p:cNvPr id="9" name="文本框 8">
+              <a:t>苏州音乐会</a:t>
+            </a:r>
+          </a:p>
+        </p:txBody>
+      </p:sp>
+      <p:sp>
+        <p:nvSpPr>
+          <p:cNvPr id="27" name="文本框 26">
             <a:hlinkClick r:id="rId4"/>
           </p:cNvPr>
           <p:cNvSpPr txBox="1"/>
@@ -12387,8 +12318,8 @@
         </p:nvSpPr>
         <p:spPr>
           <a:xfrm>
-            <a:off x="5218836" y="1399664"/>
-            <a:ext cx="1107996" cy="369332"/>
+            <a:off x="853388" y="2626569"/>
+            <a:ext cx="889987" cy="368935"/>
           </a:xfrm>
           <a:prstGeom prst="rect">
             <a:avLst/>
@@ -12402,15 +12333,16 @@
           <a:lstStyle/>
           <a:p>
             <a:r>
-              <a:rPr lang="zh-CN" altLang="en-US" dirty="0"/>
-              <a:t>白首太玄</a:t>
-            </a:r>
-          </a:p>
-        </p:txBody>
-      </p:sp>
-      <p:sp>
-        <p:nvSpPr>
-          <p:cNvPr id="10" name="文本框 9">
+              <a:rPr lang="en-US" altLang="zh-CN" dirty="0"/>
+              <a:t>Bukehi</a:t>
+            </a:r>
+            <a:endParaRPr lang="zh-CN" altLang="en-US" dirty="0"/>
+          </a:p>
+        </p:txBody>
+      </p:sp>
+      <p:sp>
+        <p:nvSpPr>
+          <p:cNvPr id="28" name="文本框 27">
             <a:hlinkClick r:id="rId5"/>
           </p:cNvPr>
           <p:cNvSpPr txBox="1"/>
@@ -12418,8 +12350,8 @@
         </p:nvSpPr>
         <p:spPr>
           <a:xfrm>
-            <a:off x="3929039" y="1399664"/>
-            <a:ext cx="1107996" cy="369332"/>
+            <a:off x="853388" y="1990299"/>
+            <a:ext cx="992579" cy="368935"/>
           </a:xfrm>
           <a:prstGeom prst="rect">
             <a:avLst/>
@@ -12434,14 +12366,19 @@
           <a:p>
             <a:r>
               <a:rPr lang="zh-CN" altLang="en-US" dirty="0"/>
-              <a:t>五岳为轻</a:t>
-            </a:r>
-          </a:p>
-        </p:txBody>
-      </p:sp>
-      <p:sp>
-        <p:nvSpPr>
-          <p:cNvPr id="11" name="文本框 10">
+              <a:t>迟迟</a:t>
+            </a:r>
+            <a:r>
+              <a:rPr lang="en-US" altLang="zh-CN" dirty="0"/>
+              <a:t>MV</a:t>
+            </a:r>
+            <a:endParaRPr lang="zh-CN" altLang="en-US" dirty="0"/>
+          </a:p>
+        </p:txBody>
+      </p:sp>
+      <p:sp>
+        <p:nvSpPr>
+          <p:cNvPr id="29" name="文本框 28">
             <a:hlinkClick r:id="rId6"/>
           </p:cNvPr>
           <p:cNvSpPr txBox="1"/>
@@ -12449,8 +12386,8 @@
         </p:nvSpPr>
         <p:spPr>
           <a:xfrm>
-            <a:off x="825065" y="1415827"/>
-            <a:ext cx="1107996" cy="369332"/>
+            <a:off x="853388" y="3262839"/>
+            <a:ext cx="1864613" cy="368935"/>
           </a:xfrm>
           <a:prstGeom prst="rect">
             <a:avLst/>
@@ -12465,14 +12402,14 @@
           <a:p>
             <a:r>
               <a:rPr lang="zh-CN" altLang="en-US" dirty="0"/>
-              <a:t>煊赫大梁</a:t>
-            </a:r>
-          </a:p>
-        </p:txBody>
-      </p:sp>
-      <p:sp>
-        <p:nvSpPr>
-          <p:cNvPr id="12" name="文本框 11">
+              <a:t>天外来物音乐会</a:t>
+            </a:r>
+          </a:p>
+        </p:txBody>
+      </p:sp>
+      <p:sp>
+        <p:nvSpPr>
+          <p:cNvPr id="30" name="文本框 29">
             <a:hlinkClick r:id="rId7"/>
           </p:cNvPr>
           <p:cNvSpPr txBox="1"/>
@@ -12480,8 +12417,8 @@
         </p:nvSpPr>
         <p:spPr>
           <a:xfrm>
-            <a:off x="2371752" y="2115497"/>
-            <a:ext cx="1107996" cy="369332"/>
+            <a:off x="814468" y="3899109"/>
+            <a:ext cx="1928733" cy="368935"/>
           </a:xfrm>
           <a:prstGeom prst="rect">
             <a:avLst/>
@@ -12496,14 +12433,19 @@
           <a:p>
             <a:r>
               <a:rPr lang="zh-CN" altLang="en-US" dirty="0"/>
-              <a:t>白云苍狗</a:t>
-            </a:r>
-          </a:p>
-        </p:txBody>
-      </p:sp>
-      <p:sp>
-        <p:nvSpPr>
-          <p:cNvPr id="13" name="文本框 12">
+              <a:t>天外来物音乐会</a:t>
+            </a:r>
+            <a:r>
+              <a:rPr lang="en-US" altLang="zh-CN" dirty="0"/>
+              <a:t>2</a:t>
+            </a:r>
+            <a:endParaRPr lang="zh-CN" altLang="en-US" dirty="0"/>
+          </a:p>
+        </p:txBody>
+      </p:sp>
+      <p:sp>
+        <p:nvSpPr>
+          <p:cNvPr id="2" name="文本框 1">
             <a:hlinkClick r:id="rId8"/>
           </p:cNvPr>
           <p:cNvSpPr txBox="1"/>
@@ -12511,8 +12453,8 @@
         </p:nvSpPr>
         <p:spPr>
           <a:xfrm>
-            <a:off x="814465" y="2094570"/>
-            <a:ext cx="1107996" cy="369332"/>
+            <a:off x="853388" y="4535379"/>
+            <a:ext cx="2262158" cy="369332"/>
           </a:xfrm>
           <a:prstGeom prst="rect">
             <a:avLst/>
@@ -12527,14 +12469,14 @@
           <a:p>
             <a:r>
               <a:rPr lang="zh-CN" altLang="en-US" dirty="0"/>
-              <a:t>流刃若火</a:t>
-            </a:r>
-          </a:p>
-        </p:txBody>
-      </p:sp>
-      <p:sp>
-        <p:nvSpPr>
-          <p:cNvPr id="14" name="文本框 13">
+              <a:t>两界为火，赤夜将熄</a:t>
+            </a:r>
+          </a:p>
+        </p:txBody>
+      </p:sp>
+      <p:sp>
+        <p:nvSpPr>
+          <p:cNvPr id="3" name="文本框 2">
             <a:hlinkClick r:id="rId9"/>
           </p:cNvPr>
           <p:cNvSpPr txBox="1"/>
@@ -12542,8 +12484,8 @@
         </p:nvSpPr>
         <p:spPr>
           <a:xfrm>
-            <a:off x="814465" y="2799847"/>
-            <a:ext cx="1107996" cy="369332"/>
+            <a:off x="816813" y="5171649"/>
+            <a:ext cx="1159292" cy="369332"/>
           </a:xfrm>
           <a:prstGeom prst="rect">
             <a:avLst/>
@@ -12557,15 +12499,16 @@
           <a:lstStyle/>
           <a:p>
             <a:r>
-              <a:rPr lang="zh-CN" altLang="en-US" dirty="0"/>
-              <a:t>晨钟萦耳</a:t>
-            </a:r>
-          </a:p>
-        </p:txBody>
-      </p:sp>
-      <p:sp>
-        <p:nvSpPr>
-          <p:cNvPr id="15" name="文本框 14">
+              <a:rPr lang="en-US" altLang="zh-CN" dirty="0"/>
+              <a:t>evermore</a:t>
+            </a:r>
+            <a:endParaRPr lang="zh-CN" altLang="en-US" dirty="0"/>
+          </a:p>
+        </p:txBody>
+      </p:sp>
+      <p:sp>
+        <p:nvSpPr>
+          <p:cNvPr id="5" name="文本框 4">
             <a:hlinkClick r:id="rId10"/>
           </p:cNvPr>
           <p:cNvSpPr txBox="1"/>
@@ -12573,8 +12516,8 @@
         </p:nvSpPr>
         <p:spPr>
           <a:xfrm>
-            <a:off x="2397965" y="1399664"/>
-            <a:ext cx="1107996" cy="369332"/>
+            <a:off x="816813" y="5807919"/>
+            <a:ext cx="2262158" cy="369332"/>
           </a:xfrm>
           <a:prstGeom prst="rect">
             <a:avLst/>
@@ -12589,14 +12532,14 @@
           <a:p>
             <a:r>
               <a:rPr lang="zh-CN" altLang="en-US" dirty="0"/>
-              <a:t>飒沓流星</a:t>
-            </a:r>
-          </a:p>
-        </p:txBody>
-      </p:sp>
-      <p:sp>
-        <p:nvSpPr>
-          <p:cNvPr id="16" name="文本框 15">
+              <a:t>地狱客栈第一期配音</a:t>
+            </a:r>
+          </a:p>
+        </p:txBody>
+      </p:sp>
+      <p:sp>
+        <p:nvSpPr>
+          <p:cNvPr id="6" name="文本框 5">
             <a:hlinkClick r:id="rId11"/>
           </p:cNvPr>
           <p:cNvSpPr txBox="1"/>
@@ -12604,7 +12547,7 @@
         </p:nvSpPr>
         <p:spPr>
           <a:xfrm>
-            <a:off x="5449669" y="2115497"/>
+            <a:off x="4964921" y="1353632"/>
             <a:ext cx="646331" cy="369332"/>
           </a:xfrm>
           <a:prstGeom prst="rect">
@@ -12620,7 +12563,103 @@
           <a:p>
             <a:r>
               <a:rPr lang="zh-CN" altLang="en-US" dirty="0"/>
-              <a:t>留仙</a:t>
+              <a:t>银行</a:t>
+            </a:r>
+          </a:p>
+        </p:txBody>
+      </p:sp>
+      <p:sp>
+        <p:nvSpPr>
+          <p:cNvPr id="7" name="文本框 6">
+            <a:hlinkClick r:id="rId12"/>
+          </p:cNvPr>
+          <p:cNvSpPr txBox="1"/>
+          <p:nvPr/>
+        </p:nvSpPr>
+        <p:spPr>
+          <a:xfrm>
+            <a:off x="4964920" y="2097210"/>
+            <a:ext cx="364202" cy="369332"/>
+          </a:xfrm>
+          <a:prstGeom prst="rect">
+            <a:avLst/>
+          </a:prstGeom>
+          <a:noFill/>
+        </p:spPr>
+        <p:txBody>
+          <a:bodyPr wrap="none" rtlCol="0">
+            <a:spAutoFit/>
+          </a:bodyPr>
+          <a:lstStyle/>
+          <a:p>
+            <a:r>
+              <a:rPr lang="en-US" altLang="zh-CN" dirty="0"/>
+              <a:t>yf</a:t>
+            </a:r>
+            <a:endParaRPr lang="zh-CN" altLang="en-US" dirty="0"/>
+          </a:p>
+        </p:txBody>
+      </p:sp>
+      <p:sp>
+        <p:nvSpPr>
+          <p:cNvPr id="9" name="文本框 8">
+            <a:hlinkClick r:id="rId13"/>
+            <a:extLst>
+              <a:ext uri="{FF2B5EF4-FFF2-40B4-BE49-F238E27FC236}">
+                <a16:creationId xmlns:a16="http://schemas.microsoft.com/office/drawing/2014/main" id="{C56800EC-4641-2B3B-20C9-37205A21947B}"/>
+              </a:ext>
+            </a:extLst>
+          </p:cNvPr>
+          <p:cNvSpPr txBox="1"/>
+          <p:nvPr/>
+        </p:nvSpPr>
+        <p:spPr>
+          <a:xfrm>
+            <a:off x="4972896" y="2893507"/>
+            <a:ext cx="3477041" cy="646331"/>
+          </a:xfrm>
+          <a:prstGeom prst="rect">
+            <a:avLst/>
+          </a:prstGeom>
+          <a:noFill/>
+        </p:spPr>
+        <p:txBody>
+          <a:bodyPr wrap="square" rtlCol="0">
+            <a:spAutoFit/>
+          </a:bodyPr>
+          <a:lstStyle/>
+          <a:p>
+            <a:r>
+              <a:rPr lang="en-US" altLang="zh-CN" dirty="0"/>
+              <a:t>《</a:t>
+            </a:r>
+            <a:r>
+              <a:rPr lang="zh-CN" altLang="en-US" dirty="0"/>
+              <a:t>崩坏：星穹铁道</a:t>
+            </a:r>
+            <a:r>
+              <a:rPr lang="en-US" altLang="zh-CN" dirty="0"/>
+              <a:t>》</a:t>
+            </a:r>
+            <a:r>
+              <a:rPr lang="zh-CN" altLang="en-US" dirty="0"/>
+              <a:t>「</a:t>
+            </a:r>
+            <a:r>
+              <a:rPr lang="en-US" altLang="zh-CN" dirty="0"/>
+              <a:t>2024</a:t>
+            </a:r>
+            <a:r>
+              <a:rPr lang="zh-CN" altLang="en-US" dirty="0"/>
+              <a:t>星铁</a:t>
+            </a:r>
+            <a:r>
+              <a:rPr lang="en-US" altLang="zh-CN" dirty="0"/>
+              <a:t>LIVE</a:t>
+            </a:r>
+            <a:r>
+              <a:rPr lang="zh-CN" altLang="en-US" dirty="0"/>
+              <a:t>」演唱会官方录播完整版</a:t>
             </a:r>
           </a:p>
         </p:txBody>
@@ -12634,6 +12673,347 @@
 </file>
 
 <file path=ppt/slides/slide18.xml><?xml version="1.0" encoding="utf-8"?>
+<p:sld xmlns:a="http://schemas.openxmlformats.org/drawingml/2006/main" xmlns:r="http://schemas.openxmlformats.org/officeDocument/2006/relationships" xmlns:p="http://schemas.openxmlformats.org/presentationml/2006/main">
+  <p:cSld>
+    <p:spTree>
+      <p:nvGrpSpPr>
+        <p:cNvPr id="1" name=""/>
+        <p:cNvGrpSpPr/>
+        <p:nvPr/>
+      </p:nvGrpSpPr>
+      <p:grpSpPr>
+        <a:xfrm>
+          <a:off x="0" y="0"/>
+          <a:ext cx="0" cy="0"/>
+          <a:chOff x="0" y="0"/>
+          <a:chExt cx="0" cy="0"/>
+        </a:xfrm>
+      </p:grpSpPr>
+      <p:sp>
+        <p:nvSpPr>
+          <p:cNvPr id="4" name="标题 3"/>
+          <p:cNvSpPr>
+            <a:spLocks noGrp="1"/>
+          </p:cNvSpPr>
+          <p:nvPr>
+            <p:ph type="title"/>
+          </p:nvPr>
+        </p:nvSpPr>
+        <p:spPr>
+          <a:xfrm>
+            <a:off x="458882" y="315715"/>
+            <a:ext cx="2259119" cy="368301"/>
+          </a:xfrm>
+        </p:spPr>
+        <p:txBody>
+          <a:bodyPr>
+            <a:normAutofit fontScale="90000"/>
+          </a:bodyPr>
+          <a:lstStyle/>
+          <a:p>
+            <a:r>
+              <a:rPr lang="zh-CN" altLang="en-US" dirty="0"/>
+              <a:t>音乐</a:t>
+            </a:r>
+            <a:r>
+              <a:rPr lang="en-US" altLang="zh-CN" dirty="0"/>
+              <a:t>&amp;</a:t>
+            </a:r>
+            <a:r>
+              <a:rPr lang="zh-CN" altLang="en-US" dirty="0"/>
+              <a:t>视频</a:t>
+            </a:r>
+          </a:p>
+        </p:txBody>
+      </p:sp>
+      <p:sp>
+        <p:nvSpPr>
+          <p:cNvPr id="8" name="文本框 7">
+            <a:hlinkClick r:id="rId3"/>
+          </p:cNvPr>
+          <p:cNvSpPr txBox="1"/>
+          <p:nvPr/>
+        </p:nvSpPr>
+        <p:spPr>
+          <a:xfrm>
+            <a:off x="3929039" y="2115497"/>
+            <a:ext cx="877163" cy="369332"/>
+          </a:xfrm>
+          <a:prstGeom prst="rect">
+            <a:avLst/>
+          </a:prstGeom>
+          <a:noFill/>
+        </p:spPr>
+        <p:txBody>
+          <a:bodyPr wrap="none" rtlCol="0">
+            <a:spAutoFit/>
+          </a:bodyPr>
+          <a:lstStyle/>
+          <a:p>
+            <a:r>
+              <a:rPr lang="zh-CN" altLang="en-US" dirty="0"/>
+              <a:t>转庭悟</a:t>
+            </a:r>
+          </a:p>
+        </p:txBody>
+      </p:sp>
+      <p:sp>
+        <p:nvSpPr>
+          <p:cNvPr id="9" name="文本框 8">
+            <a:hlinkClick r:id="rId4"/>
+          </p:cNvPr>
+          <p:cNvSpPr txBox="1"/>
+          <p:nvPr/>
+        </p:nvSpPr>
+        <p:spPr>
+          <a:xfrm>
+            <a:off x="5218836" y="1399664"/>
+            <a:ext cx="1107996" cy="369332"/>
+          </a:xfrm>
+          <a:prstGeom prst="rect">
+            <a:avLst/>
+          </a:prstGeom>
+          <a:noFill/>
+        </p:spPr>
+        <p:txBody>
+          <a:bodyPr wrap="none" rtlCol="0">
+            <a:spAutoFit/>
+          </a:bodyPr>
+          <a:lstStyle/>
+          <a:p>
+            <a:r>
+              <a:rPr lang="zh-CN" altLang="en-US" dirty="0"/>
+              <a:t>白首太玄</a:t>
+            </a:r>
+          </a:p>
+        </p:txBody>
+      </p:sp>
+      <p:sp>
+        <p:nvSpPr>
+          <p:cNvPr id="10" name="文本框 9">
+            <a:hlinkClick r:id="rId5"/>
+          </p:cNvPr>
+          <p:cNvSpPr txBox="1"/>
+          <p:nvPr/>
+        </p:nvSpPr>
+        <p:spPr>
+          <a:xfrm>
+            <a:off x="3929039" y="1399664"/>
+            <a:ext cx="1107996" cy="369332"/>
+          </a:xfrm>
+          <a:prstGeom prst="rect">
+            <a:avLst/>
+          </a:prstGeom>
+          <a:noFill/>
+        </p:spPr>
+        <p:txBody>
+          <a:bodyPr wrap="none" rtlCol="0">
+            <a:spAutoFit/>
+          </a:bodyPr>
+          <a:lstStyle/>
+          <a:p>
+            <a:r>
+              <a:rPr lang="zh-CN" altLang="en-US" dirty="0"/>
+              <a:t>五岳为轻</a:t>
+            </a:r>
+          </a:p>
+        </p:txBody>
+      </p:sp>
+      <p:sp>
+        <p:nvSpPr>
+          <p:cNvPr id="11" name="文本框 10">
+            <a:hlinkClick r:id="rId6"/>
+          </p:cNvPr>
+          <p:cNvSpPr txBox="1"/>
+          <p:nvPr/>
+        </p:nvSpPr>
+        <p:spPr>
+          <a:xfrm>
+            <a:off x="825065" y="1415827"/>
+            <a:ext cx="1107996" cy="369332"/>
+          </a:xfrm>
+          <a:prstGeom prst="rect">
+            <a:avLst/>
+          </a:prstGeom>
+          <a:noFill/>
+        </p:spPr>
+        <p:txBody>
+          <a:bodyPr wrap="none" rtlCol="0">
+            <a:spAutoFit/>
+          </a:bodyPr>
+          <a:lstStyle/>
+          <a:p>
+            <a:r>
+              <a:rPr lang="zh-CN" altLang="en-US" dirty="0"/>
+              <a:t>煊赫大梁</a:t>
+            </a:r>
+          </a:p>
+        </p:txBody>
+      </p:sp>
+      <p:sp>
+        <p:nvSpPr>
+          <p:cNvPr id="12" name="文本框 11">
+            <a:hlinkClick r:id="rId7"/>
+          </p:cNvPr>
+          <p:cNvSpPr txBox="1"/>
+          <p:nvPr/>
+        </p:nvSpPr>
+        <p:spPr>
+          <a:xfrm>
+            <a:off x="2371752" y="2115497"/>
+            <a:ext cx="1107996" cy="369332"/>
+          </a:xfrm>
+          <a:prstGeom prst="rect">
+            <a:avLst/>
+          </a:prstGeom>
+          <a:noFill/>
+        </p:spPr>
+        <p:txBody>
+          <a:bodyPr wrap="none" rtlCol="0">
+            <a:spAutoFit/>
+          </a:bodyPr>
+          <a:lstStyle/>
+          <a:p>
+            <a:r>
+              <a:rPr lang="zh-CN" altLang="en-US" dirty="0"/>
+              <a:t>白云苍狗</a:t>
+            </a:r>
+          </a:p>
+        </p:txBody>
+      </p:sp>
+      <p:sp>
+        <p:nvSpPr>
+          <p:cNvPr id="13" name="文本框 12">
+            <a:hlinkClick r:id="rId8"/>
+          </p:cNvPr>
+          <p:cNvSpPr txBox="1"/>
+          <p:nvPr/>
+        </p:nvSpPr>
+        <p:spPr>
+          <a:xfrm>
+            <a:off x="814465" y="2094570"/>
+            <a:ext cx="1107996" cy="369332"/>
+          </a:xfrm>
+          <a:prstGeom prst="rect">
+            <a:avLst/>
+          </a:prstGeom>
+          <a:noFill/>
+        </p:spPr>
+        <p:txBody>
+          <a:bodyPr wrap="none" rtlCol="0">
+            <a:spAutoFit/>
+          </a:bodyPr>
+          <a:lstStyle/>
+          <a:p>
+            <a:r>
+              <a:rPr lang="zh-CN" altLang="en-US" dirty="0"/>
+              <a:t>流刃若火</a:t>
+            </a:r>
+          </a:p>
+        </p:txBody>
+      </p:sp>
+      <p:sp>
+        <p:nvSpPr>
+          <p:cNvPr id="14" name="文本框 13">
+            <a:hlinkClick r:id="rId9"/>
+          </p:cNvPr>
+          <p:cNvSpPr txBox="1"/>
+          <p:nvPr/>
+        </p:nvSpPr>
+        <p:spPr>
+          <a:xfrm>
+            <a:off x="814465" y="2799847"/>
+            <a:ext cx="1107996" cy="369332"/>
+          </a:xfrm>
+          <a:prstGeom prst="rect">
+            <a:avLst/>
+          </a:prstGeom>
+          <a:noFill/>
+        </p:spPr>
+        <p:txBody>
+          <a:bodyPr wrap="none" rtlCol="0">
+            <a:spAutoFit/>
+          </a:bodyPr>
+          <a:lstStyle/>
+          <a:p>
+            <a:r>
+              <a:rPr lang="zh-CN" altLang="en-US" dirty="0"/>
+              <a:t>晨钟萦耳</a:t>
+            </a:r>
+          </a:p>
+        </p:txBody>
+      </p:sp>
+      <p:sp>
+        <p:nvSpPr>
+          <p:cNvPr id="15" name="文本框 14">
+            <a:hlinkClick r:id="rId10"/>
+          </p:cNvPr>
+          <p:cNvSpPr txBox="1"/>
+          <p:nvPr/>
+        </p:nvSpPr>
+        <p:spPr>
+          <a:xfrm>
+            <a:off x="2397965" y="1399664"/>
+            <a:ext cx="1107996" cy="369332"/>
+          </a:xfrm>
+          <a:prstGeom prst="rect">
+            <a:avLst/>
+          </a:prstGeom>
+          <a:noFill/>
+        </p:spPr>
+        <p:txBody>
+          <a:bodyPr wrap="none" rtlCol="0">
+            <a:spAutoFit/>
+          </a:bodyPr>
+          <a:lstStyle/>
+          <a:p>
+            <a:r>
+              <a:rPr lang="zh-CN" altLang="en-US" dirty="0"/>
+              <a:t>飒沓流星</a:t>
+            </a:r>
+          </a:p>
+        </p:txBody>
+      </p:sp>
+      <p:sp>
+        <p:nvSpPr>
+          <p:cNvPr id="16" name="文本框 15">
+            <a:hlinkClick r:id="rId11"/>
+          </p:cNvPr>
+          <p:cNvSpPr txBox="1"/>
+          <p:nvPr/>
+        </p:nvSpPr>
+        <p:spPr>
+          <a:xfrm>
+            <a:off x="5449669" y="2115497"/>
+            <a:ext cx="646331" cy="369332"/>
+          </a:xfrm>
+          <a:prstGeom prst="rect">
+            <a:avLst/>
+          </a:prstGeom>
+          <a:noFill/>
+        </p:spPr>
+        <p:txBody>
+          <a:bodyPr wrap="none" rtlCol="0">
+            <a:spAutoFit/>
+          </a:bodyPr>
+          <a:lstStyle/>
+          <a:p>
+            <a:r>
+              <a:rPr lang="zh-CN" altLang="en-US" dirty="0"/>
+              <a:t>留仙</a:t>
+            </a:r>
+          </a:p>
+        </p:txBody>
+      </p:sp>
+    </p:spTree>
+  </p:cSld>
+  <p:clrMapOvr>
+    <a:masterClrMapping/>
+  </p:clrMapOvr>
+</p:sld>
+</file>
+
+<file path=ppt/slides/slide19.xml><?xml version="1.0" encoding="utf-8"?>
 <p:sld xmlns:a="http://schemas.openxmlformats.org/drawingml/2006/main" xmlns:r="http://schemas.openxmlformats.org/officeDocument/2006/relationships" xmlns:p="http://schemas.openxmlformats.org/presentationml/2006/main">
   <p:cSld>
     <p:spTree>
@@ -13866,7 +14246,569 @@
 </p:sld>
 </file>
 
-<file path=ppt/slides/slide19.xml><?xml version="1.0" encoding="utf-8"?>
+<file path=ppt/slides/slide2.xml><?xml version="1.0" encoding="utf-8"?>
+<p:sld xmlns:a="http://schemas.openxmlformats.org/drawingml/2006/main" xmlns:r="http://schemas.openxmlformats.org/officeDocument/2006/relationships" xmlns:p="http://schemas.openxmlformats.org/presentationml/2006/main">
+  <p:cSld>
+    <p:spTree>
+      <p:nvGrpSpPr>
+        <p:cNvPr id="1" name=""/>
+        <p:cNvGrpSpPr/>
+        <p:nvPr/>
+      </p:nvGrpSpPr>
+      <p:grpSpPr>
+        <a:xfrm>
+          <a:off x="0" y="0"/>
+          <a:ext cx="0" cy="0"/>
+          <a:chOff x="0" y="0"/>
+          <a:chExt cx="0" cy="0"/>
+        </a:xfrm>
+      </p:grpSpPr>
+      <p:pic>
+        <p:nvPicPr>
+          <p:cNvPr id="6" name="图片 5" descr="图标">
+            <a:hlinkClick r:id="rId2"/>
+          </p:cNvPr>
+          <p:cNvPicPr>
+            <a:picLocks noChangeAspect="1"/>
+          </p:cNvPicPr>
+          <p:nvPr/>
+        </p:nvPicPr>
+        <p:blipFill>
+          <a:blip r:embed="rId3" cstate="print">
+            <a:extLst>
+              <a:ext uri="{28A0092B-C50C-407E-A947-70E740481C1C}">
+                <a14:useLocalDpi xmlns:a14="http://schemas.microsoft.com/office/drawing/2010/main" val="0"/>
+              </a:ext>
+            </a:extLst>
+          </a:blip>
+          <a:stretch>
+            <a:fillRect/>
+          </a:stretch>
+        </p:blipFill>
+        <p:spPr>
+          <a:xfrm>
+            <a:off x="796450" y="4484445"/>
+            <a:ext cx="914400" cy="916186"/>
+          </a:xfrm>
+          <a:prstGeom prst="rect">
+            <a:avLst/>
+          </a:prstGeom>
+        </p:spPr>
+      </p:pic>
+      <p:pic>
+        <p:nvPicPr>
+          <p:cNvPr id="8" name="图形 7" descr="音符 纯色填充">
+            <a:hlinkClick r:id="rId4" action="ppaction://hlinksldjump"/>
+          </p:cNvPr>
+          <p:cNvPicPr>
+            <a:picLocks noChangeAspect="1"/>
+          </p:cNvPicPr>
+          <p:nvPr/>
+        </p:nvPicPr>
+        <p:blipFill>
+          <a:blip r:embed="rId5">
+            <a:extLst>
+              <a:ext uri="{28A0092B-C50C-407E-A947-70E740481C1C}">
+                <a14:useLocalDpi xmlns:a14="http://schemas.microsoft.com/office/drawing/2010/main" val="0"/>
+              </a:ext>
+              <a:ext uri="{96DAC541-7B7A-43D3-8B79-37D633B846F1}">
+                <asvg:svgBlip xmlns:asvg="http://schemas.microsoft.com/office/drawing/2016/SVG/main" r:embed="rId6"/>
+              </a:ext>
+            </a:extLst>
+          </a:blip>
+          <a:stretch>
+            <a:fillRect/>
+          </a:stretch>
+        </p:blipFill>
+        <p:spPr>
+          <a:xfrm>
+            <a:off x="796450" y="2855714"/>
+            <a:ext cx="914400" cy="914400"/>
+          </a:xfrm>
+          <a:prstGeom prst="rect">
+            <a:avLst/>
+          </a:prstGeom>
+        </p:spPr>
+      </p:pic>
+      <p:pic>
+        <p:nvPicPr>
+          <p:cNvPr id="11" name="图形 10" descr="报纸 纯色填充">
+            <a:hlinkClick r:id="rId7"/>
+          </p:cNvPr>
+          <p:cNvPicPr>
+            <a:picLocks noChangeAspect="1"/>
+          </p:cNvPicPr>
+          <p:nvPr/>
+        </p:nvPicPr>
+        <p:blipFill>
+          <a:blip r:embed="rId8">
+            <a:extLst>
+              <a:ext uri="{28A0092B-C50C-407E-A947-70E740481C1C}">
+                <a14:useLocalDpi xmlns:a14="http://schemas.microsoft.com/office/drawing/2010/main" val="0"/>
+              </a:ext>
+              <a:ext uri="{96DAC541-7B7A-43D3-8B79-37D633B846F1}">
+                <asvg:svgBlip xmlns:asvg="http://schemas.microsoft.com/office/drawing/2016/SVG/main" r:embed="rId9"/>
+              </a:ext>
+            </a:extLst>
+          </a:blip>
+          <a:stretch>
+            <a:fillRect/>
+          </a:stretch>
+        </p:blipFill>
+        <p:spPr>
+          <a:xfrm>
+            <a:off x="796450" y="1457369"/>
+            <a:ext cx="914400" cy="914400"/>
+          </a:xfrm>
+          <a:prstGeom prst="rect">
+            <a:avLst/>
+          </a:prstGeom>
+        </p:spPr>
+      </p:pic>
+      <p:pic>
+        <p:nvPicPr>
+          <p:cNvPr id="5" name="图形 4" descr="合同 纯色填充">
+            <a:hlinkClick r:id="rId10"/>
+          </p:cNvPr>
+          <p:cNvPicPr>
+            <a:picLocks noChangeAspect="1"/>
+          </p:cNvPicPr>
+          <p:nvPr/>
+        </p:nvPicPr>
+        <p:blipFill>
+          <a:blip r:embed="rId11">
+            <a:extLst>
+              <a:ext uri="{28A0092B-C50C-407E-A947-70E740481C1C}">
+                <a14:useLocalDpi xmlns:a14="http://schemas.microsoft.com/office/drawing/2010/main" val="0"/>
+              </a:ext>
+              <a:ext uri="{96DAC541-7B7A-43D3-8B79-37D633B846F1}">
+                <asvg:svgBlip xmlns:asvg="http://schemas.microsoft.com/office/drawing/2016/SVG/main" r:embed="rId12"/>
+              </a:ext>
+            </a:extLst>
+          </a:blip>
+          <a:stretch>
+            <a:fillRect/>
+          </a:stretch>
+        </p:blipFill>
+        <p:spPr>
+          <a:xfrm>
+            <a:off x="3838575" y="1457369"/>
+            <a:ext cx="914400" cy="914400"/>
+          </a:xfrm>
+          <a:prstGeom prst="rect">
+            <a:avLst/>
+          </a:prstGeom>
+        </p:spPr>
+      </p:pic>
+      <p:pic>
+        <p:nvPicPr>
+          <p:cNvPr id="3" name="图形 2" descr="书籍 纯色填充">
+            <a:hlinkClick r:id="rId13" action="ppaction://hlinksldjump"/>
+          </p:cNvPr>
+          <p:cNvPicPr>
+            <a:picLocks noChangeAspect="1"/>
+          </p:cNvPicPr>
+          <p:nvPr/>
+        </p:nvPicPr>
+        <p:blipFill>
+          <a:blip r:embed="rId14">
+            <a:extLst>
+              <a:ext uri="{28A0092B-C50C-407E-A947-70E740481C1C}">
+                <a14:useLocalDpi xmlns:a14="http://schemas.microsoft.com/office/drawing/2010/main" val="0"/>
+              </a:ext>
+              <a:ext uri="{96DAC541-7B7A-43D3-8B79-37D633B846F1}">
+                <asvg:svgBlip xmlns:asvg="http://schemas.microsoft.com/office/drawing/2016/SVG/main" r:embed="rId15"/>
+              </a:ext>
+            </a:extLst>
+          </a:blip>
+          <a:stretch>
+            <a:fillRect/>
+          </a:stretch>
+        </p:blipFill>
+        <p:spPr>
+          <a:xfrm>
+            <a:off x="3905250" y="2971800"/>
+            <a:ext cx="914400" cy="914400"/>
+          </a:xfrm>
+          <a:prstGeom prst="rect">
+            <a:avLst/>
+          </a:prstGeom>
+        </p:spPr>
+      </p:pic>
+      <p:sp>
+        <p:nvSpPr>
+          <p:cNvPr id="7" name="标题 6"/>
+          <p:cNvSpPr>
+            <a:spLocks noGrp="1"/>
+          </p:cNvSpPr>
+          <p:nvPr>
+            <p:ph type="title"/>
+          </p:nvPr>
+        </p:nvSpPr>
+        <p:spPr>
+          <a:xfrm>
+            <a:off x="255916" y="208605"/>
+            <a:ext cx="1454934" cy="596906"/>
+          </a:xfrm>
+        </p:spPr>
+        <p:txBody>
+          <a:bodyPr>
+            <a:normAutofit/>
+          </a:bodyPr>
+          <a:lstStyle/>
+          <a:p>
+            <a:r>
+              <a:rPr lang="zh-CN" altLang="en-US" dirty="0"/>
+              <a:t>首页</a:t>
+            </a:r>
+          </a:p>
+        </p:txBody>
+      </p:sp>
+      <p:sp>
+        <p:nvSpPr>
+          <p:cNvPr id="2" name="文本框 1"/>
+          <p:cNvSpPr txBox="1"/>
+          <p:nvPr/>
+        </p:nvSpPr>
+        <p:spPr>
+          <a:xfrm>
+            <a:off x="983383" y="2371769"/>
+            <a:ext cx="646331" cy="369332"/>
+          </a:xfrm>
+          <a:prstGeom prst="rect">
+            <a:avLst/>
+          </a:prstGeom>
+          <a:noFill/>
+        </p:spPr>
+        <p:txBody>
+          <a:bodyPr wrap="none" rtlCol="0">
+            <a:spAutoFit/>
+          </a:bodyPr>
+          <a:lstStyle/>
+          <a:p>
+            <a:r>
+              <a:rPr lang="zh-CN" altLang="en-US" dirty="0"/>
+              <a:t>热搜</a:t>
+            </a:r>
+          </a:p>
+        </p:txBody>
+      </p:sp>
+      <p:sp>
+        <p:nvSpPr>
+          <p:cNvPr id="4" name="文本框 3"/>
+          <p:cNvSpPr txBox="1"/>
+          <p:nvPr/>
+        </p:nvSpPr>
+        <p:spPr>
+          <a:xfrm>
+            <a:off x="983382" y="3770115"/>
+            <a:ext cx="646331" cy="369332"/>
+          </a:xfrm>
+          <a:prstGeom prst="rect">
+            <a:avLst/>
+          </a:prstGeom>
+          <a:noFill/>
+        </p:spPr>
+        <p:txBody>
+          <a:bodyPr wrap="none" rtlCol="0">
+            <a:spAutoFit/>
+          </a:bodyPr>
+          <a:lstStyle/>
+          <a:p>
+            <a:r>
+              <a:rPr lang="zh-CN" altLang="en-US" dirty="0"/>
+              <a:t>音乐</a:t>
+            </a:r>
+          </a:p>
+        </p:txBody>
+      </p:sp>
+      <p:sp>
+        <p:nvSpPr>
+          <p:cNvPr id="9" name="文本框 8"/>
+          <p:cNvSpPr txBox="1"/>
+          <p:nvPr/>
+        </p:nvSpPr>
+        <p:spPr>
+          <a:xfrm>
+            <a:off x="952170" y="5400631"/>
+            <a:ext cx="569387" cy="369332"/>
+          </a:xfrm>
+          <a:prstGeom prst="rect">
+            <a:avLst/>
+          </a:prstGeom>
+          <a:noFill/>
+        </p:spPr>
+        <p:txBody>
+          <a:bodyPr wrap="none" rtlCol="0">
+            <a:spAutoFit/>
+          </a:bodyPr>
+          <a:lstStyle/>
+          <a:p>
+            <a:r>
+              <a:rPr lang="en-US" altLang="zh-CN" dirty="0"/>
+              <a:t>101</a:t>
+            </a:r>
+            <a:endParaRPr lang="zh-CN" altLang="en-US" dirty="0"/>
+          </a:p>
+        </p:txBody>
+      </p:sp>
+      <p:sp>
+        <p:nvSpPr>
+          <p:cNvPr id="10" name="文本框 9"/>
+          <p:cNvSpPr txBox="1"/>
+          <p:nvPr/>
+        </p:nvSpPr>
+        <p:spPr>
+          <a:xfrm>
+            <a:off x="3972609" y="2302452"/>
+            <a:ext cx="646331" cy="369332"/>
+          </a:xfrm>
+          <a:prstGeom prst="rect">
+            <a:avLst/>
+          </a:prstGeom>
+          <a:noFill/>
+        </p:spPr>
+        <p:txBody>
+          <a:bodyPr wrap="none" rtlCol="0">
+            <a:spAutoFit/>
+          </a:bodyPr>
+          <a:lstStyle/>
+          <a:p>
+            <a:r>
+              <a:rPr lang="zh-CN" altLang="en-US" dirty="0"/>
+              <a:t>答案</a:t>
+            </a:r>
+          </a:p>
+        </p:txBody>
+      </p:sp>
+      <p:sp>
+        <p:nvSpPr>
+          <p:cNvPr id="12" name="文本框 11"/>
+          <p:cNvSpPr txBox="1"/>
+          <p:nvPr/>
+        </p:nvSpPr>
+        <p:spPr>
+          <a:xfrm>
+            <a:off x="3972609" y="3816884"/>
+            <a:ext cx="646331" cy="369332"/>
+          </a:xfrm>
+          <a:prstGeom prst="rect">
+            <a:avLst/>
+          </a:prstGeom>
+          <a:noFill/>
+        </p:spPr>
+        <p:txBody>
+          <a:bodyPr wrap="none" rtlCol="0">
+            <a:spAutoFit/>
+          </a:bodyPr>
+          <a:lstStyle/>
+          <a:p>
+            <a:r>
+              <a:rPr lang="zh-CN" altLang="en-US" dirty="0"/>
+              <a:t>小说</a:t>
+            </a:r>
+          </a:p>
+        </p:txBody>
+      </p:sp>
+      <p:pic>
+        <p:nvPicPr>
+          <p:cNvPr id="14" name="图片 13">
+            <a:hlinkClick r:id="rId16"/>
+          </p:cNvPr>
+          <p:cNvPicPr>
+            <a:picLocks noChangeAspect="1"/>
+          </p:cNvPicPr>
+          <p:nvPr/>
+        </p:nvPicPr>
+        <p:blipFill>
+          <a:blip r:embed="rId17" cstate="print">
+            <a:extLst>
+              <a:ext uri="{28A0092B-C50C-407E-A947-70E740481C1C}">
+                <a14:useLocalDpi xmlns:a14="http://schemas.microsoft.com/office/drawing/2010/main" val="0"/>
+              </a:ext>
+            </a:extLst>
+          </a:blip>
+          <a:stretch>
+            <a:fillRect/>
+          </a:stretch>
+        </p:blipFill>
+        <p:spPr>
+          <a:xfrm>
+            <a:off x="3901650" y="4484445"/>
+            <a:ext cx="918000" cy="918000"/>
+          </a:xfrm>
+          <a:prstGeom prst="rect">
+            <a:avLst/>
+          </a:prstGeom>
+        </p:spPr>
+      </p:pic>
+      <p:sp>
+        <p:nvSpPr>
+          <p:cNvPr id="16" name="文本框 15"/>
+          <p:cNvSpPr txBox="1"/>
+          <p:nvPr/>
+        </p:nvSpPr>
+        <p:spPr>
+          <a:xfrm>
+            <a:off x="3838575" y="5400631"/>
+            <a:ext cx="1144242" cy="369332"/>
+          </a:xfrm>
+          <a:prstGeom prst="rect">
+            <a:avLst/>
+          </a:prstGeom>
+          <a:noFill/>
+        </p:spPr>
+        <p:txBody>
+          <a:bodyPr wrap="square" rtlCol="0">
+            <a:spAutoFit/>
+          </a:bodyPr>
+          <a:lstStyle/>
+          <a:p>
+            <a:r>
+              <a:rPr lang="zh-CN" altLang="en-US" dirty="0"/>
+              <a:t>人民日报</a:t>
+            </a:r>
+          </a:p>
+        </p:txBody>
+      </p:sp>
+      <p:pic>
+        <p:nvPicPr>
+          <p:cNvPr id="15" name="图形 14" descr="合同 纯色填充">
+            <a:hlinkClick r:id="rId18"/>
+          </p:cNvPr>
+          <p:cNvPicPr>
+            <a:picLocks noChangeAspect="1"/>
+          </p:cNvPicPr>
+          <p:nvPr/>
+        </p:nvPicPr>
+        <p:blipFill>
+          <a:blip r:embed="rId11">
+            <a:extLst>
+              <a:ext uri="{28A0092B-C50C-407E-A947-70E740481C1C}">
+                <a14:useLocalDpi xmlns:a14="http://schemas.microsoft.com/office/drawing/2010/main" val="0"/>
+              </a:ext>
+              <a:ext uri="{96DAC541-7B7A-43D3-8B79-37D633B846F1}">
+                <asvg:svgBlip xmlns:asvg="http://schemas.microsoft.com/office/drawing/2016/SVG/main" r:embed="rId12"/>
+              </a:ext>
+            </a:extLst>
+          </a:blip>
+          <a:stretch>
+            <a:fillRect/>
+          </a:stretch>
+        </p:blipFill>
+        <p:spPr>
+          <a:xfrm>
+            <a:off x="6746665" y="1457369"/>
+            <a:ext cx="914400" cy="914400"/>
+          </a:xfrm>
+          <a:prstGeom prst="rect">
+            <a:avLst/>
+          </a:prstGeom>
+        </p:spPr>
+      </p:pic>
+      <p:sp>
+        <p:nvSpPr>
+          <p:cNvPr id="17" name="文本框 16"/>
+          <p:cNvSpPr txBox="1"/>
+          <p:nvPr/>
+        </p:nvSpPr>
+        <p:spPr>
+          <a:xfrm>
+            <a:off x="6880699" y="2302452"/>
+            <a:ext cx="646331" cy="369332"/>
+          </a:xfrm>
+          <a:prstGeom prst="rect">
+            <a:avLst/>
+          </a:prstGeom>
+          <a:noFill/>
+        </p:spPr>
+        <p:txBody>
+          <a:bodyPr wrap="none" rtlCol="0">
+            <a:spAutoFit/>
+          </a:bodyPr>
+          <a:lstStyle/>
+          <a:p>
+            <a:r>
+              <a:rPr lang="zh-CN" altLang="en-US" dirty="0"/>
+              <a:t>答案</a:t>
+            </a:r>
+          </a:p>
+        </p:txBody>
+      </p:sp>
+      <p:pic>
+        <p:nvPicPr>
+          <p:cNvPr id="18" name="图片 17" descr="男子的脸部特写黑白照&#10;&#10;中度可信度描述已自动生成"/>
+          <p:cNvPicPr>
+            <a:picLocks noChangeAspect="1"/>
+          </p:cNvPicPr>
+          <p:nvPr/>
+        </p:nvPicPr>
+        <p:blipFill>
+          <a:blip r:embed="rId19">
+            <a:extLst>
+              <a:ext uri="{28A0092B-C50C-407E-A947-70E740481C1C}">
+                <a14:useLocalDpi xmlns:a14="http://schemas.microsoft.com/office/drawing/2010/main" val="0"/>
+              </a:ext>
+            </a:extLst>
+          </a:blip>
+          <a:stretch>
+            <a:fillRect/>
+          </a:stretch>
+        </p:blipFill>
+        <p:spPr>
+          <a:xfrm>
+            <a:off x="9875305" y="0"/>
+            <a:ext cx="1580438" cy="1457369"/>
+          </a:xfrm>
+          <a:prstGeom prst="rect">
+            <a:avLst/>
+          </a:prstGeom>
+        </p:spPr>
+      </p:pic>
+      <p:pic>
+        <p:nvPicPr>
+          <p:cNvPr id="19" name="图形 18" descr="场记板 纯色填充">
+            <a:hlinkClick r:id="rId20"/>
+          </p:cNvPr>
+          <p:cNvPicPr>
+            <a:picLocks noChangeAspect="1"/>
+          </p:cNvPicPr>
+          <p:nvPr/>
+        </p:nvPicPr>
+        <p:blipFill>
+          <a:blip r:embed="rId21">
+            <a:extLst>
+              <a:ext uri="{28A0092B-C50C-407E-A947-70E740481C1C}">
+                <a14:useLocalDpi xmlns:a14="http://schemas.microsoft.com/office/drawing/2010/main" val="0"/>
+              </a:ext>
+              <a:ext uri="{96DAC541-7B7A-43D3-8B79-37D633B846F1}">
+                <asvg:svgBlip xmlns:asvg="http://schemas.microsoft.com/office/drawing/2016/SVG/main" r:embed="rId22"/>
+              </a:ext>
+            </a:extLst>
+          </a:blip>
+          <a:stretch>
+            <a:fillRect/>
+          </a:stretch>
+        </p:blipFill>
+        <p:spPr>
+          <a:xfrm>
+            <a:off x="6769862" y="2855714"/>
+            <a:ext cx="914400" cy="914400"/>
+          </a:xfrm>
+          <a:prstGeom prst="rect">
+            <a:avLst/>
+          </a:prstGeom>
+        </p:spPr>
+      </p:pic>
+    </p:spTree>
+  </p:cSld>
+  <p:clrMapOvr>
+    <a:masterClrMapping/>
+  </p:clrMapOvr>
+</p:sld>
+</file>
+
+<file path=ppt/slides/slide20.xml><?xml version="1.0" encoding="utf-8"?>
 <p:sld xmlns:a="http://schemas.openxmlformats.org/drawingml/2006/main" xmlns:r="http://schemas.openxmlformats.org/officeDocument/2006/relationships" xmlns:p="http://schemas.openxmlformats.org/presentationml/2006/main">
   <p:cSld>
     <p:spTree>
@@ -14477,569 +15419,7 @@
 </p:sld>
 </file>
 
-<file path=ppt/slides/slide2.xml><?xml version="1.0" encoding="utf-8"?>
-<p:sld xmlns:a="http://schemas.openxmlformats.org/drawingml/2006/main" xmlns:r="http://schemas.openxmlformats.org/officeDocument/2006/relationships" xmlns:p="http://schemas.openxmlformats.org/presentationml/2006/main">
-  <p:cSld>
-    <p:spTree>
-      <p:nvGrpSpPr>
-        <p:cNvPr id="1" name=""/>
-        <p:cNvGrpSpPr/>
-        <p:nvPr/>
-      </p:nvGrpSpPr>
-      <p:grpSpPr>
-        <a:xfrm>
-          <a:off x="0" y="0"/>
-          <a:ext cx="0" cy="0"/>
-          <a:chOff x="0" y="0"/>
-          <a:chExt cx="0" cy="0"/>
-        </a:xfrm>
-      </p:grpSpPr>
-      <p:pic>
-        <p:nvPicPr>
-          <p:cNvPr id="6" name="图片 5" descr="图标">
-            <a:hlinkClick r:id="rId2"/>
-          </p:cNvPr>
-          <p:cNvPicPr>
-            <a:picLocks noChangeAspect="1"/>
-          </p:cNvPicPr>
-          <p:nvPr/>
-        </p:nvPicPr>
-        <p:blipFill>
-          <a:blip r:embed="rId3" cstate="print">
-            <a:extLst>
-              <a:ext uri="{28A0092B-C50C-407E-A947-70E740481C1C}">
-                <a14:useLocalDpi xmlns:a14="http://schemas.microsoft.com/office/drawing/2010/main" val="0"/>
-              </a:ext>
-            </a:extLst>
-          </a:blip>
-          <a:stretch>
-            <a:fillRect/>
-          </a:stretch>
-        </p:blipFill>
-        <p:spPr>
-          <a:xfrm>
-            <a:off x="796450" y="4484445"/>
-            <a:ext cx="914400" cy="916186"/>
-          </a:xfrm>
-          <a:prstGeom prst="rect">
-            <a:avLst/>
-          </a:prstGeom>
-        </p:spPr>
-      </p:pic>
-      <p:pic>
-        <p:nvPicPr>
-          <p:cNvPr id="8" name="图形 7" descr="音符 纯色填充">
-            <a:hlinkClick r:id="rId4" action="ppaction://hlinksldjump"/>
-          </p:cNvPr>
-          <p:cNvPicPr>
-            <a:picLocks noChangeAspect="1"/>
-          </p:cNvPicPr>
-          <p:nvPr/>
-        </p:nvPicPr>
-        <p:blipFill>
-          <a:blip r:embed="rId5">
-            <a:extLst>
-              <a:ext uri="{28A0092B-C50C-407E-A947-70E740481C1C}">
-                <a14:useLocalDpi xmlns:a14="http://schemas.microsoft.com/office/drawing/2010/main" val="0"/>
-              </a:ext>
-              <a:ext uri="{96DAC541-7B7A-43D3-8B79-37D633B846F1}">
-                <asvg:svgBlip xmlns:asvg="http://schemas.microsoft.com/office/drawing/2016/SVG/main" r:embed="rId6"/>
-              </a:ext>
-            </a:extLst>
-          </a:blip>
-          <a:stretch>
-            <a:fillRect/>
-          </a:stretch>
-        </p:blipFill>
-        <p:spPr>
-          <a:xfrm>
-            <a:off x="796450" y="2855714"/>
-            <a:ext cx="914400" cy="914400"/>
-          </a:xfrm>
-          <a:prstGeom prst="rect">
-            <a:avLst/>
-          </a:prstGeom>
-        </p:spPr>
-      </p:pic>
-      <p:pic>
-        <p:nvPicPr>
-          <p:cNvPr id="11" name="图形 10" descr="报纸 纯色填充">
-            <a:hlinkClick r:id="rId7"/>
-          </p:cNvPr>
-          <p:cNvPicPr>
-            <a:picLocks noChangeAspect="1"/>
-          </p:cNvPicPr>
-          <p:nvPr/>
-        </p:nvPicPr>
-        <p:blipFill>
-          <a:blip r:embed="rId8">
-            <a:extLst>
-              <a:ext uri="{28A0092B-C50C-407E-A947-70E740481C1C}">
-                <a14:useLocalDpi xmlns:a14="http://schemas.microsoft.com/office/drawing/2010/main" val="0"/>
-              </a:ext>
-              <a:ext uri="{96DAC541-7B7A-43D3-8B79-37D633B846F1}">
-                <asvg:svgBlip xmlns:asvg="http://schemas.microsoft.com/office/drawing/2016/SVG/main" r:embed="rId9"/>
-              </a:ext>
-            </a:extLst>
-          </a:blip>
-          <a:stretch>
-            <a:fillRect/>
-          </a:stretch>
-        </p:blipFill>
-        <p:spPr>
-          <a:xfrm>
-            <a:off x="796450" y="1457369"/>
-            <a:ext cx="914400" cy="914400"/>
-          </a:xfrm>
-          <a:prstGeom prst="rect">
-            <a:avLst/>
-          </a:prstGeom>
-        </p:spPr>
-      </p:pic>
-      <p:pic>
-        <p:nvPicPr>
-          <p:cNvPr id="5" name="图形 4" descr="合同 纯色填充">
-            <a:hlinkClick r:id="rId10"/>
-          </p:cNvPr>
-          <p:cNvPicPr>
-            <a:picLocks noChangeAspect="1"/>
-          </p:cNvPicPr>
-          <p:nvPr/>
-        </p:nvPicPr>
-        <p:blipFill>
-          <a:blip r:embed="rId11">
-            <a:extLst>
-              <a:ext uri="{28A0092B-C50C-407E-A947-70E740481C1C}">
-                <a14:useLocalDpi xmlns:a14="http://schemas.microsoft.com/office/drawing/2010/main" val="0"/>
-              </a:ext>
-              <a:ext uri="{96DAC541-7B7A-43D3-8B79-37D633B846F1}">
-                <asvg:svgBlip xmlns:asvg="http://schemas.microsoft.com/office/drawing/2016/SVG/main" r:embed="rId12"/>
-              </a:ext>
-            </a:extLst>
-          </a:blip>
-          <a:stretch>
-            <a:fillRect/>
-          </a:stretch>
-        </p:blipFill>
-        <p:spPr>
-          <a:xfrm>
-            <a:off x="3838575" y="1457369"/>
-            <a:ext cx="914400" cy="914400"/>
-          </a:xfrm>
-          <a:prstGeom prst="rect">
-            <a:avLst/>
-          </a:prstGeom>
-        </p:spPr>
-      </p:pic>
-      <p:pic>
-        <p:nvPicPr>
-          <p:cNvPr id="3" name="图形 2" descr="书籍 纯色填充">
-            <a:hlinkClick r:id="rId13" action="ppaction://hlinksldjump"/>
-          </p:cNvPr>
-          <p:cNvPicPr>
-            <a:picLocks noChangeAspect="1"/>
-          </p:cNvPicPr>
-          <p:nvPr/>
-        </p:nvPicPr>
-        <p:blipFill>
-          <a:blip r:embed="rId14">
-            <a:extLst>
-              <a:ext uri="{28A0092B-C50C-407E-A947-70E740481C1C}">
-                <a14:useLocalDpi xmlns:a14="http://schemas.microsoft.com/office/drawing/2010/main" val="0"/>
-              </a:ext>
-              <a:ext uri="{96DAC541-7B7A-43D3-8B79-37D633B846F1}">
-                <asvg:svgBlip xmlns:asvg="http://schemas.microsoft.com/office/drawing/2016/SVG/main" r:embed="rId15"/>
-              </a:ext>
-            </a:extLst>
-          </a:blip>
-          <a:stretch>
-            <a:fillRect/>
-          </a:stretch>
-        </p:blipFill>
-        <p:spPr>
-          <a:xfrm>
-            <a:off x="3905250" y="2971800"/>
-            <a:ext cx="914400" cy="914400"/>
-          </a:xfrm>
-          <a:prstGeom prst="rect">
-            <a:avLst/>
-          </a:prstGeom>
-        </p:spPr>
-      </p:pic>
-      <p:sp>
-        <p:nvSpPr>
-          <p:cNvPr id="7" name="标题 6"/>
-          <p:cNvSpPr>
-            <a:spLocks noGrp="1"/>
-          </p:cNvSpPr>
-          <p:nvPr>
-            <p:ph type="title"/>
-          </p:nvPr>
-        </p:nvSpPr>
-        <p:spPr>
-          <a:xfrm>
-            <a:off x="255916" y="208605"/>
-            <a:ext cx="1454934" cy="596906"/>
-          </a:xfrm>
-        </p:spPr>
-        <p:txBody>
-          <a:bodyPr>
-            <a:normAutofit/>
-          </a:bodyPr>
-          <a:lstStyle/>
-          <a:p>
-            <a:r>
-              <a:rPr lang="zh-CN" altLang="en-US" dirty="0"/>
-              <a:t>首页</a:t>
-            </a:r>
-          </a:p>
-        </p:txBody>
-      </p:sp>
-      <p:sp>
-        <p:nvSpPr>
-          <p:cNvPr id="2" name="文本框 1"/>
-          <p:cNvSpPr txBox="1"/>
-          <p:nvPr/>
-        </p:nvSpPr>
-        <p:spPr>
-          <a:xfrm>
-            <a:off x="983383" y="2371769"/>
-            <a:ext cx="646331" cy="369332"/>
-          </a:xfrm>
-          <a:prstGeom prst="rect">
-            <a:avLst/>
-          </a:prstGeom>
-          <a:noFill/>
-        </p:spPr>
-        <p:txBody>
-          <a:bodyPr wrap="none" rtlCol="0">
-            <a:spAutoFit/>
-          </a:bodyPr>
-          <a:lstStyle/>
-          <a:p>
-            <a:r>
-              <a:rPr lang="zh-CN" altLang="en-US" dirty="0"/>
-              <a:t>热搜</a:t>
-            </a:r>
-          </a:p>
-        </p:txBody>
-      </p:sp>
-      <p:sp>
-        <p:nvSpPr>
-          <p:cNvPr id="4" name="文本框 3"/>
-          <p:cNvSpPr txBox="1"/>
-          <p:nvPr/>
-        </p:nvSpPr>
-        <p:spPr>
-          <a:xfrm>
-            <a:off x="983382" y="3770115"/>
-            <a:ext cx="646331" cy="369332"/>
-          </a:xfrm>
-          <a:prstGeom prst="rect">
-            <a:avLst/>
-          </a:prstGeom>
-          <a:noFill/>
-        </p:spPr>
-        <p:txBody>
-          <a:bodyPr wrap="none" rtlCol="0">
-            <a:spAutoFit/>
-          </a:bodyPr>
-          <a:lstStyle/>
-          <a:p>
-            <a:r>
-              <a:rPr lang="zh-CN" altLang="en-US" dirty="0"/>
-              <a:t>音乐</a:t>
-            </a:r>
-          </a:p>
-        </p:txBody>
-      </p:sp>
-      <p:sp>
-        <p:nvSpPr>
-          <p:cNvPr id="9" name="文本框 8"/>
-          <p:cNvSpPr txBox="1"/>
-          <p:nvPr/>
-        </p:nvSpPr>
-        <p:spPr>
-          <a:xfrm>
-            <a:off x="952170" y="5400631"/>
-            <a:ext cx="569387" cy="369332"/>
-          </a:xfrm>
-          <a:prstGeom prst="rect">
-            <a:avLst/>
-          </a:prstGeom>
-          <a:noFill/>
-        </p:spPr>
-        <p:txBody>
-          <a:bodyPr wrap="none" rtlCol="0">
-            <a:spAutoFit/>
-          </a:bodyPr>
-          <a:lstStyle/>
-          <a:p>
-            <a:r>
-              <a:rPr lang="en-US" altLang="zh-CN" dirty="0"/>
-              <a:t>101</a:t>
-            </a:r>
-            <a:endParaRPr lang="zh-CN" altLang="en-US" dirty="0"/>
-          </a:p>
-        </p:txBody>
-      </p:sp>
-      <p:sp>
-        <p:nvSpPr>
-          <p:cNvPr id="10" name="文本框 9"/>
-          <p:cNvSpPr txBox="1"/>
-          <p:nvPr/>
-        </p:nvSpPr>
-        <p:spPr>
-          <a:xfrm>
-            <a:off x="3972609" y="2302452"/>
-            <a:ext cx="646331" cy="369332"/>
-          </a:xfrm>
-          <a:prstGeom prst="rect">
-            <a:avLst/>
-          </a:prstGeom>
-          <a:noFill/>
-        </p:spPr>
-        <p:txBody>
-          <a:bodyPr wrap="none" rtlCol="0">
-            <a:spAutoFit/>
-          </a:bodyPr>
-          <a:lstStyle/>
-          <a:p>
-            <a:r>
-              <a:rPr lang="zh-CN" altLang="en-US" dirty="0"/>
-              <a:t>答案</a:t>
-            </a:r>
-          </a:p>
-        </p:txBody>
-      </p:sp>
-      <p:sp>
-        <p:nvSpPr>
-          <p:cNvPr id="12" name="文本框 11"/>
-          <p:cNvSpPr txBox="1"/>
-          <p:nvPr/>
-        </p:nvSpPr>
-        <p:spPr>
-          <a:xfrm>
-            <a:off x="3972609" y="3816884"/>
-            <a:ext cx="646331" cy="369332"/>
-          </a:xfrm>
-          <a:prstGeom prst="rect">
-            <a:avLst/>
-          </a:prstGeom>
-          <a:noFill/>
-        </p:spPr>
-        <p:txBody>
-          <a:bodyPr wrap="none" rtlCol="0">
-            <a:spAutoFit/>
-          </a:bodyPr>
-          <a:lstStyle/>
-          <a:p>
-            <a:r>
-              <a:rPr lang="zh-CN" altLang="en-US" dirty="0"/>
-              <a:t>小说</a:t>
-            </a:r>
-          </a:p>
-        </p:txBody>
-      </p:sp>
-      <p:pic>
-        <p:nvPicPr>
-          <p:cNvPr id="14" name="图片 13">
-            <a:hlinkClick r:id="rId16"/>
-          </p:cNvPr>
-          <p:cNvPicPr>
-            <a:picLocks noChangeAspect="1"/>
-          </p:cNvPicPr>
-          <p:nvPr/>
-        </p:nvPicPr>
-        <p:blipFill>
-          <a:blip r:embed="rId17" cstate="print">
-            <a:extLst>
-              <a:ext uri="{28A0092B-C50C-407E-A947-70E740481C1C}">
-                <a14:useLocalDpi xmlns:a14="http://schemas.microsoft.com/office/drawing/2010/main" val="0"/>
-              </a:ext>
-            </a:extLst>
-          </a:blip>
-          <a:stretch>
-            <a:fillRect/>
-          </a:stretch>
-        </p:blipFill>
-        <p:spPr>
-          <a:xfrm>
-            <a:off x="3901650" y="4484445"/>
-            <a:ext cx="918000" cy="918000"/>
-          </a:xfrm>
-          <a:prstGeom prst="rect">
-            <a:avLst/>
-          </a:prstGeom>
-        </p:spPr>
-      </p:pic>
-      <p:sp>
-        <p:nvSpPr>
-          <p:cNvPr id="16" name="文本框 15"/>
-          <p:cNvSpPr txBox="1"/>
-          <p:nvPr/>
-        </p:nvSpPr>
-        <p:spPr>
-          <a:xfrm>
-            <a:off x="3838575" y="5400631"/>
-            <a:ext cx="1144242" cy="369332"/>
-          </a:xfrm>
-          <a:prstGeom prst="rect">
-            <a:avLst/>
-          </a:prstGeom>
-          <a:noFill/>
-        </p:spPr>
-        <p:txBody>
-          <a:bodyPr wrap="square" rtlCol="0">
-            <a:spAutoFit/>
-          </a:bodyPr>
-          <a:lstStyle/>
-          <a:p>
-            <a:r>
-              <a:rPr lang="zh-CN" altLang="en-US" dirty="0"/>
-              <a:t>人民日报</a:t>
-            </a:r>
-          </a:p>
-        </p:txBody>
-      </p:sp>
-      <p:pic>
-        <p:nvPicPr>
-          <p:cNvPr id="15" name="图形 14" descr="合同 纯色填充">
-            <a:hlinkClick r:id="rId18"/>
-          </p:cNvPr>
-          <p:cNvPicPr>
-            <a:picLocks noChangeAspect="1"/>
-          </p:cNvPicPr>
-          <p:nvPr/>
-        </p:nvPicPr>
-        <p:blipFill>
-          <a:blip r:embed="rId11">
-            <a:extLst>
-              <a:ext uri="{28A0092B-C50C-407E-A947-70E740481C1C}">
-                <a14:useLocalDpi xmlns:a14="http://schemas.microsoft.com/office/drawing/2010/main" val="0"/>
-              </a:ext>
-              <a:ext uri="{96DAC541-7B7A-43D3-8B79-37D633B846F1}">
-                <asvg:svgBlip xmlns:asvg="http://schemas.microsoft.com/office/drawing/2016/SVG/main" r:embed="rId12"/>
-              </a:ext>
-            </a:extLst>
-          </a:blip>
-          <a:stretch>
-            <a:fillRect/>
-          </a:stretch>
-        </p:blipFill>
-        <p:spPr>
-          <a:xfrm>
-            <a:off x="6746665" y="1457369"/>
-            <a:ext cx="914400" cy="914400"/>
-          </a:xfrm>
-          <a:prstGeom prst="rect">
-            <a:avLst/>
-          </a:prstGeom>
-        </p:spPr>
-      </p:pic>
-      <p:sp>
-        <p:nvSpPr>
-          <p:cNvPr id="17" name="文本框 16"/>
-          <p:cNvSpPr txBox="1"/>
-          <p:nvPr/>
-        </p:nvSpPr>
-        <p:spPr>
-          <a:xfrm>
-            <a:off x="6880699" y="2302452"/>
-            <a:ext cx="646331" cy="369332"/>
-          </a:xfrm>
-          <a:prstGeom prst="rect">
-            <a:avLst/>
-          </a:prstGeom>
-          <a:noFill/>
-        </p:spPr>
-        <p:txBody>
-          <a:bodyPr wrap="none" rtlCol="0">
-            <a:spAutoFit/>
-          </a:bodyPr>
-          <a:lstStyle/>
-          <a:p>
-            <a:r>
-              <a:rPr lang="zh-CN" altLang="en-US" dirty="0"/>
-              <a:t>答案</a:t>
-            </a:r>
-          </a:p>
-        </p:txBody>
-      </p:sp>
-      <p:pic>
-        <p:nvPicPr>
-          <p:cNvPr id="18" name="图片 17" descr="男子的脸部特写黑白照&#10;&#10;中度可信度描述已自动生成"/>
-          <p:cNvPicPr>
-            <a:picLocks noChangeAspect="1"/>
-          </p:cNvPicPr>
-          <p:nvPr/>
-        </p:nvPicPr>
-        <p:blipFill>
-          <a:blip r:embed="rId19">
-            <a:extLst>
-              <a:ext uri="{28A0092B-C50C-407E-A947-70E740481C1C}">
-                <a14:useLocalDpi xmlns:a14="http://schemas.microsoft.com/office/drawing/2010/main" val="0"/>
-              </a:ext>
-            </a:extLst>
-          </a:blip>
-          <a:stretch>
-            <a:fillRect/>
-          </a:stretch>
-        </p:blipFill>
-        <p:spPr>
-          <a:xfrm>
-            <a:off x="9875305" y="0"/>
-            <a:ext cx="1580438" cy="1457369"/>
-          </a:xfrm>
-          <a:prstGeom prst="rect">
-            <a:avLst/>
-          </a:prstGeom>
-        </p:spPr>
-      </p:pic>
-      <p:pic>
-        <p:nvPicPr>
-          <p:cNvPr id="19" name="图形 18" descr="场记板 纯色填充">
-            <a:hlinkClick r:id="rId20"/>
-          </p:cNvPr>
-          <p:cNvPicPr>
-            <a:picLocks noChangeAspect="1"/>
-          </p:cNvPicPr>
-          <p:nvPr/>
-        </p:nvPicPr>
-        <p:blipFill>
-          <a:blip r:embed="rId21">
-            <a:extLst>
-              <a:ext uri="{28A0092B-C50C-407E-A947-70E740481C1C}">
-                <a14:useLocalDpi xmlns:a14="http://schemas.microsoft.com/office/drawing/2010/main" val="0"/>
-              </a:ext>
-              <a:ext uri="{96DAC541-7B7A-43D3-8B79-37D633B846F1}">
-                <asvg:svgBlip xmlns:asvg="http://schemas.microsoft.com/office/drawing/2016/SVG/main" r:embed="rId22"/>
-              </a:ext>
-            </a:extLst>
-          </a:blip>
-          <a:stretch>
-            <a:fillRect/>
-          </a:stretch>
-        </p:blipFill>
-        <p:spPr>
-          <a:xfrm>
-            <a:off x="6769862" y="2855714"/>
-            <a:ext cx="914400" cy="914400"/>
-          </a:xfrm>
-          <a:prstGeom prst="rect">
-            <a:avLst/>
-          </a:prstGeom>
-        </p:spPr>
-      </p:pic>
-    </p:spTree>
-  </p:cSld>
-  <p:clrMapOvr>
-    <a:masterClrMapping/>
-  </p:clrMapOvr>
-</p:sld>
-</file>
-
-<file path=ppt/slides/slide20.xml><?xml version="1.0" encoding="utf-8"?>
+<file path=ppt/slides/slide21.xml><?xml version="1.0" encoding="utf-8"?>
 <p:sld xmlns:a="http://schemas.openxmlformats.org/drawingml/2006/main" xmlns:r="http://schemas.openxmlformats.org/officeDocument/2006/relationships" xmlns:p="http://schemas.openxmlformats.org/presentationml/2006/main">
   <p:cSld>
     <p:spTree>
@@ -16827,212 +17207,15 @@
       <p:sp>
         <p:nvSpPr>
           <p:cNvPr id="5" name="文本框 4">
-            <a:hlinkClick r:id="rId3"/>
+            <a:hlinkClick r:id="rId2"/>
           </p:cNvPr>
           <p:cNvSpPr txBox="1"/>
           <p:nvPr/>
         </p:nvSpPr>
         <p:spPr>
           <a:xfrm>
-            <a:off x="1278255" y="1377315"/>
-            <a:ext cx="2352675" cy="368300"/>
-          </a:xfrm>
-          <a:prstGeom prst="rect">
-            <a:avLst/>
-          </a:prstGeom>
-          <a:noFill/>
-        </p:spPr>
-        <p:txBody>
-          <a:bodyPr wrap="square" rtlCol="0">
-            <a:spAutoFit/>
-          </a:bodyPr>
-          <a:lstStyle/>
-          <a:p>
-            <a:r>
-              <a:rPr lang="en-US" altLang="zh-CN" dirty="0"/>
-              <a:t>《</a:t>
-            </a:r>
-            <a:r>
-              <a:rPr lang="zh-CN" altLang="en-US" dirty="0"/>
-              <a:t>万相之王</a:t>
-            </a:r>
-            <a:r>
-              <a:rPr lang="en-US" altLang="zh-CN" dirty="0"/>
-              <a:t>》</a:t>
-            </a:r>
-          </a:p>
-        </p:txBody>
-      </p:sp>
-      <p:sp>
-        <p:nvSpPr>
-          <p:cNvPr id="12" name="文本框 11">
-            <a:hlinkClick r:id="rId4"/>
-          </p:cNvPr>
-          <p:cNvSpPr txBox="1"/>
-          <p:nvPr/>
-        </p:nvSpPr>
-        <p:spPr>
-          <a:xfrm>
-            <a:off x="1278255" y="2064385"/>
-            <a:ext cx="3928745" cy="368300"/>
-          </a:xfrm>
-          <a:prstGeom prst="rect">
-            <a:avLst/>
-          </a:prstGeom>
-          <a:noFill/>
-        </p:spPr>
-        <p:txBody>
-          <a:bodyPr wrap="square">
-            <a:spAutoFit/>
-          </a:bodyPr>
-          <a:lstStyle/>
-          <a:p>
-            <a:r>
-              <a:rPr lang="en-US" altLang="zh-CN" dirty="0"/>
-              <a:t>《</a:t>
-            </a:r>
-            <a:r>
-              <a:rPr lang="zh-CN" altLang="en-US" dirty="0"/>
-              <a:t>轮盘世界</a:t>
-            </a:r>
-            <a:r>
-              <a:rPr lang="en-US" altLang="zh-CN" dirty="0"/>
-              <a:t>》</a:t>
-            </a:r>
-          </a:p>
-        </p:txBody>
-      </p:sp>
-      <p:sp>
-        <p:nvSpPr>
-          <p:cNvPr id="14" name="文本框 13">
-            <a:hlinkClick r:id="rId5"/>
-          </p:cNvPr>
-          <p:cNvSpPr txBox="1"/>
-          <p:nvPr/>
-        </p:nvSpPr>
-        <p:spPr>
-          <a:xfrm>
-            <a:off x="1278255" y="2751455"/>
-            <a:ext cx="3928745" cy="368300"/>
-          </a:xfrm>
-          <a:prstGeom prst="rect">
-            <a:avLst/>
-          </a:prstGeom>
-          <a:noFill/>
-        </p:spPr>
-        <p:txBody>
-          <a:bodyPr wrap="square">
-            <a:spAutoFit/>
-          </a:bodyPr>
-          <a:lstStyle/>
-          <a:p>
-            <a:r>
-              <a:rPr lang="en-US" altLang="zh-CN" dirty="0"/>
-              <a:t>《</a:t>
-            </a:r>
-            <a:r>
-              <a:rPr lang="zh-CN" altLang="en-US" dirty="0"/>
-              <a:t>末世超级小卖部</a:t>
-            </a:r>
-            <a:r>
-              <a:rPr lang="en-US" altLang="zh-CN" dirty="0"/>
-              <a:t>》</a:t>
-            </a:r>
-          </a:p>
-        </p:txBody>
-      </p:sp>
-      <p:sp>
-        <p:nvSpPr>
-          <p:cNvPr id="18" name="文本框 17">
-            <a:hlinkClick r:id="rId6"/>
-          </p:cNvPr>
-          <p:cNvSpPr txBox="1"/>
-          <p:nvPr/>
-        </p:nvSpPr>
-        <p:spPr>
-          <a:xfrm>
-            <a:off x="1278255" y="3438525"/>
-            <a:ext cx="3928745" cy="368300"/>
-          </a:xfrm>
-          <a:prstGeom prst="rect">
-            <a:avLst/>
-          </a:prstGeom>
-          <a:noFill/>
-        </p:spPr>
-        <p:txBody>
-          <a:bodyPr wrap="square">
-            <a:spAutoFit/>
-          </a:bodyPr>
-          <a:lstStyle/>
-          <a:p>
-            <a:r>
-              <a:rPr lang="en-US" altLang="zh-CN" dirty="0"/>
-              <a:t>《</a:t>
-            </a:r>
-            <a:r>
-              <a:rPr lang="zh-CN" altLang="en-US" dirty="0"/>
-              <a:t>末世：我的关键词比别人多一个</a:t>
-            </a:r>
-            <a:r>
-              <a:rPr lang="en-US" altLang="zh-CN" dirty="0"/>
-              <a:t>》</a:t>
-            </a:r>
-            <a:endParaRPr lang="zh-CN" altLang="en-US" dirty="0"/>
-          </a:p>
-        </p:txBody>
-      </p:sp>
-      <p:sp>
-        <p:nvSpPr>
-          <p:cNvPr id="20" name="文本框 19">
-            <a:hlinkClick r:id="rId7"/>
-          </p:cNvPr>
-          <p:cNvSpPr txBox="1"/>
-          <p:nvPr/>
-        </p:nvSpPr>
-        <p:spPr>
-          <a:xfrm>
-            <a:off x="1278255" y="4125595"/>
-            <a:ext cx="3928745" cy="368300"/>
-          </a:xfrm>
-          <a:prstGeom prst="rect">
-            <a:avLst/>
-          </a:prstGeom>
-          <a:noFill/>
-        </p:spPr>
-        <p:txBody>
-          <a:bodyPr wrap="square">
-            <a:spAutoFit/>
-          </a:bodyPr>
-          <a:lstStyle/>
-          <a:p>
-            <a:r>
-              <a:rPr lang="en-US" altLang="zh-CN" dirty="0"/>
-              <a:t>《</a:t>
-            </a:r>
-            <a:r>
-              <a:rPr lang="zh-CN" altLang="en-US" dirty="0"/>
-              <a:t>全球废土：避难所无限升级</a:t>
-            </a:r>
-            <a:r>
-              <a:rPr lang="en-US" altLang="zh-CN" dirty="0"/>
-              <a:t>》</a:t>
-            </a:r>
-            <a:endParaRPr lang="zh-CN" altLang="en-US" dirty="0"/>
-          </a:p>
-        </p:txBody>
-      </p:sp>
-      <p:sp>
-        <p:nvSpPr>
-          <p:cNvPr id="2" name="文本框 1">
-            <a:hlinkClick r:id="rId8" action="ppaction://hlinkfile"/>
-          </p:cNvPr>
-          <p:cNvSpPr txBox="1"/>
-          <p:nvPr/>
-        </p:nvSpPr>
-        <p:spPr>
-          <a:xfrm>
-            <a:off x="1278255" y="4812665"/>
-            <a:ext cx="1571625" cy="314960"/>
+            <a:off x="1200150" y="1981517"/>
+            <a:ext cx="840486" cy="437515"/>
           </a:xfrm>
           <a:prstGeom prst="rect">
             <a:avLst/>
@@ -17046,325 +17229,15 @@
           <a:lstStyle/>
           <a:p>
             <a:r>
-              <a:rPr lang="zh-CN" altLang="en-US" dirty="0"/>
-              <a:t>《蛊真人》</a:t>
-            </a:r>
-          </a:p>
-        </p:txBody>
-      </p:sp>
-      <p:sp>
-        <p:nvSpPr>
-          <p:cNvPr id="3" name="文本框 2">
-            <a:hlinkClick r:id="rId9" action="ppaction://hlinkfile"/>
-          </p:cNvPr>
-          <p:cNvSpPr txBox="1"/>
-          <p:nvPr/>
-        </p:nvSpPr>
-        <p:spPr>
-          <a:xfrm>
-            <a:off x="1278255" y="5446395"/>
-            <a:ext cx="3928745" cy="368300"/>
-          </a:xfrm>
-          <a:prstGeom prst="rect">
-            <a:avLst/>
-          </a:prstGeom>
-          <a:noFill/>
-        </p:spPr>
-        <p:txBody>
-          <a:bodyPr wrap="square">
-            <a:spAutoFit/>
-          </a:bodyPr>
-          <a:lstStyle/>
-          <a:p>
-            <a:r>
-              <a:rPr lang="zh-CN" altLang="en-US" dirty="0"/>
-              <a:t>《斗罗大陆II绝世唐门》</a:t>
-            </a:r>
-          </a:p>
-        </p:txBody>
-      </p:sp>
-      <p:sp>
-        <p:nvSpPr>
-          <p:cNvPr id="6" name="文本框 5">
-            <a:hlinkClick r:id="rId10"/>
-          </p:cNvPr>
-          <p:cNvSpPr txBox="1"/>
-          <p:nvPr/>
-        </p:nvSpPr>
-        <p:spPr>
-          <a:xfrm>
-            <a:off x="6733125" y="1377315"/>
-            <a:ext cx="1827948" cy="368300"/>
-          </a:xfrm>
-          <a:prstGeom prst="rect">
-            <a:avLst/>
-          </a:prstGeom>
-          <a:noFill/>
-        </p:spPr>
-        <p:txBody>
-          <a:bodyPr wrap="square">
-            <a:spAutoFit/>
-          </a:bodyPr>
-          <a:lstStyle/>
-          <a:p>
-            <a:r>
               <a:rPr lang="en-US" altLang="zh-CN" dirty="0"/>
-              <a:t>《</a:t>
-            </a:r>
-            <a:r>
-              <a:rPr lang="zh-CN" altLang="en-US" dirty="0"/>
-              <a:t>后真相时代</a:t>
-            </a:r>
-            <a:r>
-              <a:rPr lang="en-US" altLang="zh-CN" dirty="0"/>
-              <a:t>》</a:t>
-            </a:r>
-          </a:p>
-        </p:txBody>
-      </p:sp>
-      <p:sp>
-        <p:nvSpPr>
-          <p:cNvPr id="9" name="文本框 8">
-            <a:hlinkClick r:id="rId11"/>
-          </p:cNvPr>
-          <p:cNvSpPr txBox="1"/>
-          <p:nvPr/>
-        </p:nvSpPr>
-        <p:spPr>
-          <a:xfrm>
-            <a:off x="6733124" y="2064385"/>
-            <a:ext cx="3157109" cy="369332"/>
-          </a:xfrm>
-          <a:prstGeom prst="rect">
-            <a:avLst/>
-          </a:prstGeom>
-          <a:noFill/>
-        </p:spPr>
-        <p:txBody>
-          <a:bodyPr wrap="square">
-            <a:spAutoFit/>
-          </a:bodyPr>
-          <a:lstStyle/>
-          <a:p>
-            <a:r>
-              <a:rPr lang="en-US" altLang="zh-CN" dirty="0"/>
-              <a:t>《</a:t>
-            </a:r>
-            <a:r>
-              <a:rPr lang="zh-CN" altLang="en-US" dirty="0"/>
-              <a:t>全球游戏：开局百亿灵能币</a:t>
-            </a:r>
-            <a:r>
-              <a:rPr lang="en-US" altLang="zh-CN" dirty="0"/>
-              <a:t>》</a:t>
-            </a:r>
-            <a:endParaRPr lang="zh-CN" altLang="en-US" dirty="0"/>
-          </a:p>
-        </p:txBody>
-      </p:sp>
-      <p:sp>
-        <p:nvSpPr>
-          <p:cNvPr id="7" name="文本框 6">
-            <a:hlinkClick r:id="rId12"/>
-          </p:cNvPr>
-          <p:cNvSpPr txBox="1"/>
-          <p:nvPr/>
-        </p:nvSpPr>
-        <p:spPr>
-          <a:xfrm>
-            <a:off x="6733123" y="2750423"/>
-            <a:ext cx="3157109" cy="369332"/>
-          </a:xfrm>
-          <a:prstGeom prst="rect">
-            <a:avLst/>
-          </a:prstGeom>
-          <a:noFill/>
-        </p:spPr>
-        <p:txBody>
-          <a:bodyPr wrap="square">
-            <a:spAutoFit/>
-          </a:bodyPr>
-          <a:lstStyle/>
-          <a:p>
-            <a:r>
-              <a:rPr lang="en-US" altLang="zh-CN" dirty="0"/>
-              <a:t>《</a:t>
-            </a:r>
-            <a:r>
-              <a:rPr lang="zh-CN" altLang="en-US" dirty="0"/>
-              <a:t>穿成巴比伦暴君的剑</a:t>
-            </a:r>
-            <a:r>
-              <a:rPr lang="en-US" altLang="zh-CN" dirty="0"/>
-              <a:t>》</a:t>
-            </a:r>
-            <a:endParaRPr lang="zh-CN" altLang="en-US" dirty="0"/>
-          </a:p>
-        </p:txBody>
-      </p:sp>
-      <p:sp>
-        <p:nvSpPr>
-          <p:cNvPr id="8" name="文本框 7">
-            <a:hlinkClick r:id="rId13"/>
-          </p:cNvPr>
-          <p:cNvSpPr txBox="1"/>
-          <p:nvPr/>
-        </p:nvSpPr>
-        <p:spPr>
-          <a:xfrm>
-            <a:off x="6733123" y="3436461"/>
-            <a:ext cx="3157109" cy="369332"/>
-          </a:xfrm>
-          <a:prstGeom prst="rect">
-            <a:avLst/>
-          </a:prstGeom>
-          <a:noFill/>
-        </p:spPr>
-        <p:txBody>
-          <a:bodyPr wrap="square">
-            <a:spAutoFit/>
-          </a:bodyPr>
-          <a:lstStyle/>
-          <a:p>
-            <a:r>
-              <a:rPr lang="en-US" altLang="zh-CN" dirty="0"/>
-              <a:t>《</a:t>
-            </a:r>
-            <a:r>
-              <a:rPr lang="zh-CN" altLang="en-US" dirty="0"/>
-              <a:t>夫人，你马甲又掉了</a:t>
-            </a:r>
-            <a:r>
-              <a:rPr lang="en-US" altLang="zh-CN" dirty="0"/>
-              <a:t>》</a:t>
-            </a:r>
-            <a:endParaRPr lang="zh-CN" altLang="en-US" dirty="0"/>
-          </a:p>
-        </p:txBody>
-      </p:sp>
-      <p:sp>
-        <p:nvSpPr>
-          <p:cNvPr id="10" name="文本框 9">
-            <a:hlinkClick r:id="rId14"/>
-          </p:cNvPr>
-          <p:cNvSpPr txBox="1"/>
-          <p:nvPr/>
-        </p:nvSpPr>
-        <p:spPr>
-          <a:xfrm>
-            <a:off x="6733123" y="4122499"/>
-            <a:ext cx="3157109" cy="369332"/>
-          </a:xfrm>
-          <a:prstGeom prst="rect">
-            <a:avLst/>
-          </a:prstGeom>
-          <a:noFill/>
-        </p:spPr>
-        <p:txBody>
-          <a:bodyPr wrap="square">
-            <a:spAutoFit/>
-          </a:bodyPr>
-          <a:lstStyle/>
-          <a:p>
-            <a:r>
-              <a:rPr lang="en-US" altLang="zh-CN" dirty="0"/>
-              <a:t>《</a:t>
-            </a:r>
-            <a:r>
-              <a:rPr lang="zh-CN" altLang="en-US" dirty="0"/>
-              <a:t>法老王的猫瘾症</a:t>
-            </a:r>
-            <a:r>
-              <a:rPr lang="en-US" altLang="zh-CN" dirty="0"/>
-              <a:t>》</a:t>
-            </a:r>
-            <a:endParaRPr lang="zh-CN" altLang="en-US" dirty="0"/>
-          </a:p>
-        </p:txBody>
-      </p:sp>
-      <p:sp>
-        <p:nvSpPr>
-          <p:cNvPr id="11" name="文本框 10">
-            <a:hlinkClick r:id="rId15"/>
-          </p:cNvPr>
-          <p:cNvSpPr txBox="1"/>
-          <p:nvPr/>
-        </p:nvSpPr>
-        <p:spPr>
-          <a:xfrm>
-            <a:off x="6733122" y="4758293"/>
-            <a:ext cx="3157109" cy="369332"/>
-          </a:xfrm>
-          <a:prstGeom prst="rect">
-            <a:avLst/>
-          </a:prstGeom>
-          <a:noFill/>
-        </p:spPr>
-        <p:txBody>
-          <a:bodyPr wrap="square">
-            <a:spAutoFit/>
-          </a:bodyPr>
-          <a:lstStyle/>
-          <a:p>
-            <a:r>
-              <a:rPr lang="en-US" altLang="zh-CN" dirty="0"/>
-              <a:t>《</a:t>
-            </a:r>
-            <a:r>
-              <a:rPr lang="zh-CN" altLang="en-US" dirty="0"/>
-              <a:t>原神之永恒者</a:t>
-            </a:r>
-            <a:r>
-              <a:rPr lang="en-US" altLang="zh-CN" dirty="0"/>
-              <a:t>》</a:t>
-            </a:r>
-            <a:endParaRPr lang="zh-CN" altLang="en-US" dirty="0"/>
-          </a:p>
-        </p:txBody>
-      </p:sp>
-      <p:sp>
-        <p:nvSpPr>
-          <p:cNvPr id="13" name="文本框 12">
-            <a:hlinkClick r:id="rId16"/>
-          </p:cNvPr>
-          <p:cNvSpPr txBox="1"/>
-          <p:nvPr/>
-        </p:nvSpPr>
-        <p:spPr>
-          <a:xfrm>
-            <a:off x="6733122" y="5394088"/>
-            <a:ext cx="3582453" cy="369332"/>
-          </a:xfrm>
-          <a:prstGeom prst="rect">
-            <a:avLst/>
-          </a:prstGeom>
-          <a:noFill/>
-        </p:spPr>
-        <p:txBody>
-          <a:bodyPr wrap="square">
-            <a:spAutoFit/>
-          </a:bodyPr>
-          <a:lstStyle/>
-          <a:p>
-            <a:r>
-              <a:rPr lang="en-US" altLang="zh-CN" dirty="0"/>
-              <a:t>《</a:t>
-            </a:r>
-            <a:r>
-              <a:rPr lang="zh-CN" altLang="en-US" dirty="0"/>
-              <a:t>穿越恶龙：开局国王献祭公主</a:t>
-            </a:r>
-            <a:r>
-              <a:rPr lang="en-US" altLang="zh-CN" dirty="0"/>
-              <a:t>》</a:t>
-            </a:r>
-            <a:endParaRPr lang="zh-CN" altLang="en-US" dirty="0"/>
-          </a:p>
-        </p:txBody>
-      </p:sp>
-      <p:sp>
-        <p:nvSpPr>
-          <p:cNvPr id="15" name="标题 14"/>
+              <a:t>pdf1</a:t>
+            </a:r>
+          </a:p>
+        </p:txBody>
+      </p:sp>
+      <p:sp>
+        <p:nvSpPr>
+          <p:cNvPr id="12" name="标题 11"/>
           <p:cNvSpPr>
             <a:spLocks noGrp="1"/>
           </p:cNvSpPr>
@@ -17374,24 +17247,49 @@
         </p:nvSpPr>
         <p:spPr>
           <a:xfrm>
-            <a:off x="336600" y="204171"/>
-            <a:ext cx="1223260" cy="618490"/>
+            <a:off x="287754" y="390419"/>
+            <a:ext cx="2696605" cy="437515"/>
           </a:xfrm>
         </p:spPr>
         <p:txBody>
           <a:bodyPr>
-            <a:normAutofit/>
+            <a:normAutofit fontScale="90000"/>
           </a:bodyPr>
           <a:lstStyle/>
           <a:p>
             <a:r>
               <a:rPr lang="zh-CN" altLang="en-US" dirty="0"/>
-              <a:t>小说</a:t>
+              <a:t>P</a:t>
+            </a:r>
+            <a:r>
+              <a:rPr lang="en-US" altLang="zh-CN" dirty="0"/>
+              <a:t>DF</a:t>
+            </a:r>
+            <a:r>
+              <a:rPr lang="zh-CN" altLang="en-US" dirty="0"/>
+              <a:t>（</a:t>
+            </a:r>
+            <a:r>
+              <a:rPr lang="zh-CN" altLang="en-US" dirty="0">
+                <a:solidFill>
+                  <a:srgbClr val="FF0000"/>
+                </a:solidFill>
+              </a:rPr>
+              <a:t>服务器</a:t>
+            </a:r>
+            <a:r>
+              <a:rPr lang="zh-CN" altLang="en-US" dirty="0"/>
+              <a:t>）</a:t>
             </a:r>
           </a:p>
         </p:txBody>
       </p:sp>
     </p:spTree>
+    <p:extLst>
+      <p:ext uri="{BB962C8B-B14F-4D97-AF65-F5344CB8AC3E}">
+        <p14:creationId xmlns:p14="http://schemas.microsoft.com/office/powerpoint/2010/main" val="579663028"/>
+      </p:ext>
+    </p:extLst>
   </p:cSld>
   <p:clrMapOvr>
     <a:masterClrMapping/>
@@ -17418,7 +17316,545 @@
       </p:grpSpPr>
       <p:sp>
         <p:nvSpPr>
-          <p:cNvPr id="9" name="标题 14"/>
+          <p:cNvPr id="5" name="文本框 4">
+            <a:hlinkClick r:id="rId3"/>
+          </p:cNvPr>
+          <p:cNvSpPr txBox="1"/>
+          <p:nvPr/>
+        </p:nvSpPr>
+        <p:spPr>
+          <a:xfrm>
+            <a:off x="1278255" y="1377315"/>
+            <a:ext cx="2352675" cy="368300"/>
+          </a:xfrm>
+          <a:prstGeom prst="rect">
+            <a:avLst/>
+          </a:prstGeom>
+          <a:noFill/>
+        </p:spPr>
+        <p:txBody>
+          <a:bodyPr wrap="square" rtlCol="0">
+            <a:spAutoFit/>
+          </a:bodyPr>
+          <a:lstStyle/>
+          <a:p>
+            <a:r>
+              <a:rPr lang="en-US" altLang="zh-CN" dirty="0"/>
+              <a:t>《</a:t>
+            </a:r>
+            <a:r>
+              <a:rPr lang="zh-CN" altLang="en-US" dirty="0"/>
+              <a:t>万相之王</a:t>
+            </a:r>
+            <a:r>
+              <a:rPr lang="en-US" altLang="zh-CN" dirty="0"/>
+              <a:t>》</a:t>
+            </a:r>
+          </a:p>
+        </p:txBody>
+      </p:sp>
+      <p:sp>
+        <p:nvSpPr>
+          <p:cNvPr id="12" name="文本框 11">
+            <a:hlinkClick r:id="rId4"/>
+          </p:cNvPr>
+          <p:cNvSpPr txBox="1"/>
+          <p:nvPr/>
+        </p:nvSpPr>
+        <p:spPr>
+          <a:xfrm>
+            <a:off x="1278255" y="2064385"/>
+            <a:ext cx="3928745" cy="368300"/>
+          </a:xfrm>
+          <a:prstGeom prst="rect">
+            <a:avLst/>
+          </a:prstGeom>
+          <a:noFill/>
+        </p:spPr>
+        <p:txBody>
+          <a:bodyPr wrap="square">
+            <a:spAutoFit/>
+          </a:bodyPr>
+          <a:lstStyle/>
+          <a:p>
+            <a:r>
+              <a:rPr lang="en-US" altLang="zh-CN" dirty="0"/>
+              <a:t>《</a:t>
+            </a:r>
+            <a:r>
+              <a:rPr lang="zh-CN" altLang="en-US" dirty="0"/>
+              <a:t>轮盘世界</a:t>
+            </a:r>
+            <a:r>
+              <a:rPr lang="en-US" altLang="zh-CN" dirty="0"/>
+              <a:t>》</a:t>
+            </a:r>
+          </a:p>
+        </p:txBody>
+      </p:sp>
+      <p:sp>
+        <p:nvSpPr>
+          <p:cNvPr id="14" name="文本框 13">
+            <a:hlinkClick r:id="rId5"/>
+          </p:cNvPr>
+          <p:cNvSpPr txBox="1"/>
+          <p:nvPr/>
+        </p:nvSpPr>
+        <p:spPr>
+          <a:xfrm>
+            <a:off x="1278255" y="2751455"/>
+            <a:ext cx="3928745" cy="368300"/>
+          </a:xfrm>
+          <a:prstGeom prst="rect">
+            <a:avLst/>
+          </a:prstGeom>
+          <a:noFill/>
+        </p:spPr>
+        <p:txBody>
+          <a:bodyPr wrap="square">
+            <a:spAutoFit/>
+          </a:bodyPr>
+          <a:lstStyle/>
+          <a:p>
+            <a:r>
+              <a:rPr lang="en-US" altLang="zh-CN" dirty="0"/>
+              <a:t>《</a:t>
+            </a:r>
+            <a:r>
+              <a:rPr lang="zh-CN" altLang="en-US" dirty="0"/>
+              <a:t>末世超级小卖部</a:t>
+            </a:r>
+            <a:r>
+              <a:rPr lang="en-US" altLang="zh-CN" dirty="0"/>
+              <a:t>》</a:t>
+            </a:r>
+          </a:p>
+        </p:txBody>
+      </p:sp>
+      <p:sp>
+        <p:nvSpPr>
+          <p:cNvPr id="18" name="文本框 17">
+            <a:hlinkClick r:id="rId6"/>
+          </p:cNvPr>
+          <p:cNvSpPr txBox="1"/>
+          <p:nvPr/>
+        </p:nvSpPr>
+        <p:spPr>
+          <a:xfrm>
+            <a:off x="1278255" y="3438525"/>
+            <a:ext cx="3928745" cy="368300"/>
+          </a:xfrm>
+          <a:prstGeom prst="rect">
+            <a:avLst/>
+          </a:prstGeom>
+          <a:noFill/>
+        </p:spPr>
+        <p:txBody>
+          <a:bodyPr wrap="square">
+            <a:spAutoFit/>
+          </a:bodyPr>
+          <a:lstStyle/>
+          <a:p>
+            <a:r>
+              <a:rPr lang="en-US" altLang="zh-CN" dirty="0"/>
+              <a:t>《</a:t>
+            </a:r>
+            <a:r>
+              <a:rPr lang="zh-CN" altLang="en-US" dirty="0"/>
+              <a:t>末世：我的关键词比别人多一个</a:t>
+            </a:r>
+            <a:r>
+              <a:rPr lang="en-US" altLang="zh-CN" dirty="0"/>
+              <a:t>》</a:t>
+            </a:r>
+            <a:endParaRPr lang="zh-CN" altLang="en-US" dirty="0"/>
+          </a:p>
+        </p:txBody>
+      </p:sp>
+      <p:sp>
+        <p:nvSpPr>
+          <p:cNvPr id="20" name="文本框 19">
+            <a:hlinkClick r:id="rId7"/>
+          </p:cNvPr>
+          <p:cNvSpPr txBox="1"/>
+          <p:nvPr/>
+        </p:nvSpPr>
+        <p:spPr>
+          <a:xfrm>
+            <a:off x="1278255" y="4125595"/>
+            <a:ext cx="3928745" cy="368300"/>
+          </a:xfrm>
+          <a:prstGeom prst="rect">
+            <a:avLst/>
+          </a:prstGeom>
+          <a:noFill/>
+        </p:spPr>
+        <p:txBody>
+          <a:bodyPr wrap="square">
+            <a:spAutoFit/>
+          </a:bodyPr>
+          <a:lstStyle/>
+          <a:p>
+            <a:r>
+              <a:rPr lang="en-US" altLang="zh-CN" dirty="0"/>
+              <a:t>《</a:t>
+            </a:r>
+            <a:r>
+              <a:rPr lang="zh-CN" altLang="en-US" dirty="0"/>
+              <a:t>全球废土：避难所无限升级</a:t>
+            </a:r>
+            <a:r>
+              <a:rPr lang="en-US" altLang="zh-CN" dirty="0"/>
+              <a:t>》</a:t>
+            </a:r>
+            <a:endParaRPr lang="zh-CN" altLang="en-US" dirty="0"/>
+          </a:p>
+        </p:txBody>
+      </p:sp>
+      <p:sp>
+        <p:nvSpPr>
+          <p:cNvPr id="2" name="文本框 1">
+            <a:hlinkClick r:id="rId8" action="ppaction://hlinkfile"/>
+          </p:cNvPr>
+          <p:cNvSpPr txBox="1"/>
+          <p:nvPr/>
+        </p:nvSpPr>
+        <p:spPr>
+          <a:xfrm>
+            <a:off x="1278255" y="4812665"/>
+            <a:ext cx="1571625" cy="314960"/>
+          </a:xfrm>
+          <a:prstGeom prst="rect">
+            <a:avLst/>
+          </a:prstGeom>
+          <a:noFill/>
+        </p:spPr>
+        <p:txBody>
+          <a:bodyPr wrap="square" rtlCol="0">
+            <a:noAutofit/>
+          </a:bodyPr>
+          <a:lstStyle/>
+          <a:p>
+            <a:r>
+              <a:rPr lang="zh-CN" altLang="en-US" dirty="0"/>
+              <a:t>《蛊真人》</a:t>
+            </a:r>
+          </a:p>
+        </p:txBody>
+      </p:sp>
+      <p:sp>
+        <p:nvSpPr>
+          <p:cNvPr id="3" name="文本框 2">
+            <a:hlinkClick r:id="rId9" action="ppaction://hlinkfile"/>
+          </p:cNvPr>
+          <p:cNvSpPr txBox="1"/>
+          <p:nvPr/>
+        </p:nvSpPr>
+        <p:spPr>
+          <a:xfrm>
+            <a:off x="1278255" y="5446395"/>
+            <a:ext cx="3928745" cy="368300"/>
+          </a:xfrm>
+          <a:prstGeom prst="rect">
+            <a:avLst/>
+          </a:prstGeom>
+          <a:noFill/>
+        </p:spPr>
+        <p:txBody>
+          <a:bodyPr wrap="square">
+            <a:spAutoFit/>
+          </a:bodyPr>
+          <a:lstStyle/>
+          <a:p>
+            <a:r>
+              <a:rPr lang="zh-CN" altLang="en-US" dirty="0"/>
+              <a:t>《斗罗大陆II绝世唐门》</a:t>
+            </a:r>
+          </a:p>
+        </p:txBody>
+      </p:sp>
+      <p:sp>
+        <p:nvSpPr>
+          <p:cNvPr id="6" name="文本框 5">
+            <a:hlinkClick r:id="rId10"/>
+          </p:cNvPr>
+          <p:cNvSpPr txBox="1"/>
+          <p:nvPr/>
+        </p:nvSpPr>
+        <p:spPr>
+          <a:xfrm>
+            <a:off x="6733125" y="1377315"/>
+            <a:ext cx="1827948" cy="368300"/>
+          </a:xfrm>
+          <a:prstGeom prst="rect">
+            <a:avLst/>
+          </a:prstGeom>
+          <a:noFill/>
+        </p:spPr>
+        <p:txBody>
+          <a:bodyPr wrap="square">
+            <a:spAutoFit/>
+          </a:bodyPr>
+          <a:lstStyle/>
+          <a:p>
+            <a:r>
+              <a:rPr lang="en-US" altLang="zh-CN" dirty="0"/>
+              <a:t>《</a:t>
+            </a:r>
+            <a:r>
+              <a:rPr lang="zh-CN" altLang="en-US" dirty="0"/>
+              <a:t>后真相时代</a:t>
+            </a:r>
+            <a:r>
+              <a:rPr lang="en-US" altLang="zh-CN" dirty="0"/>
+              <a:t>》</a:t>
+            </a:r>
+          </a:p>
+        </p:txBody>
+      </p:sp>
+      <p:sp>
+        <p:nvSpPr>
+          <p:cNvPr id="9" name="文本框 8">
+            <a:hlinkClick r:id="rId11"/>
+          </p:cNvPr>
+          <p:cNvSpPr txBox="1"/>
+          <p:nvPr/>
+        </p:nvSpPr>
+        <p:spPr>
+          <a:xfrm>
+            <a:off x="6733124" y="2064385"/>
+            <a:ext cx="3157109" cy="369332"/>
+          </a:xfrm>
+          <a:prstGeom prst="rect">
+            <a:avLst/>
+          </a:prstGeom>
+          <a:noFill/>
+        </p:spPr>
+        <p:txBody>
+          <a:bodyPr wrap="square">
+            <a:spAutoFit/>
+          </a:bodyPr>
+          <a:lstStyle/>
+          <a:p>
+            <a:r>
+              <a:rPr lang="en-US" altLang="zh-CN" dirty="0"/>
+              <a:t>《</a:t>
+            </a:r>
+            <a:r>
+              <a:rPr lang="zh-CN" altLang="en-US" dirty="0"/>
+              <a:t>全球游戏：开局百亿灵能币</a:t>
+            </a:r>
+            <a:r>
+              <a:rPr lang="en-US" altLang="zh-CN" dirty="0"/>
+              <a:t>》</a:t>
+            </a:r>
+            <a:endParaRPr lang="zh-CN" altLang="en-US" dirty="0"/>
+          </a:p>
+        </p:txBody>
+      </p:sp>
+      <p:sp>
+        <p:nvSpPr>
+          <p:cNvPr id="7" name="文本框 6">
+            <a:hlinkClick r:id="rId12"/>
+          </p:cNvPr>
+          <p:cNvSpPr txBox="1"/>
+          <p:nvPr/>
+        </p:nvSpPr>
+        <p:spPr>
+          <a:xfrm>
+            <a:off x="6733123" y="2750423"/>
+            <a:ext cx="3157109" cy="369332"/>
+          </a:xfrm>
+          <a:prstGeom prst="rect">
+            <a:avLst/>
+          </a:prstGeom>
+          <a:noFill/>
+        </p:spPr>
+        <p:txBody>
+          <a:bodyPr wrap="square">
+            <a:spAutoFit/>
+          </a:bodyPr>
+          <a:lstStyle/>
+          <a:p>
+            <a:r>
+              <a:rPr lang="en-US" altLang="zh-CN" dirty="0"/>
+              <a:t>《</a:t>
+            </a:r>
+            <a:r>
+              <a:rPr lang="zh-CN" altLang="en-US" dirty="0"/>
+              <a:t>穿成巴比伦暴君的剑</a:t>
+            </a:r>
+            <a:r>
+              <a:rPr lang="en-US" altLang="zh-CN" dirty="0"/>
+              <a:t>》</a:t>
+            </a:r>
+            <a:endParaRPr lang="zh-CN" altLang="en-US" dirty="0"/>
+          </a:p>
+        </p:txBody>
+      </p:sp>
+      <p:sp>
+        <p:nvSpPr>
+          <p:cNvPr id="8" name="文本框 7">
+            <a:hlinkClick r:id="rId13"/>
+          </p:cNvPr>
+          <p:cNvSpPr txBox="1"/>
+          <p:nvPr/>
+        </p:nvSpPr>
+        <p:spPr>
+          <a:xfrm>
+            <a:off x="6733123" y="3436461"/>
+            <a:ext cx="3157109" cy="369332"/>
+          </a:xfrm>
+          <a:prstGeom prst="rect">
+            <a:avLst/>
+          </a:prstGeom>
+          <a:noFill/>
+        </p:spPr>
+        <p:txBody>
+          <a:bodyPr wrap="square">
+            <a:spAutoFit/>
+          </a:bodyPr>
+          <a:lstStyle/>
+          <a:p>
+            <a:r>
+              <a:rPr lang="en-US" altLang="zh-CN" dirty="0"/>
+              <a:t>《</a:t>
+            </a:r>
+            <a:r>
+              <a:rPr lang="zh-CN" altLang="en-US" dirty="0"/>
+              <a:t>夫人，你马甲又掉了</a:t>
+            </a:r>
+            <a:r>
+              <a:rPr lang="en-US" altLang="zh-CN" dirty="0"/>
+              <a:t>》</a:t>
+            </a:r>
+            <a:endParaRPr lang="zh-CN" altLang="en-US" dirty="0"/>
+          </a:p>
+        </p:txBody>
+      </p:sp>
+      <p:sp>
+        <p:nvSpPr>
+          <p:cNvPr id="10" name="文本框 9">
+            <a:hlinkClick r:id="rId14"/>
+          </p:cNvPr>
+          <p:cNvSpPr txBox="1"/>
+          <p:nvPr/>
+        </p:nvSpPr>
+        <p:spPr>
+          <a:xfrm>
+            <a:off x="6733123" y="4122499"/>
+            <a:ext cx="3157109" cy="369332"/>
+          </a:xfrm>
+          <a:prstGeom prst="rect">
+            <a:avLst/>
+          </a:prstGeom>
+          <a:noFill/>
+        </p:spPr>
+        <p:txBody>
+          <a:bodyPr wrap="square">
+            <a:spAutoFit/>
+          </a:bodyPr>
+          <a:lstStyle/>
+          <a:p>
+            <a:r>
+              <a:rPr lang="en-US" altLang="zh-CN" dirty="0"/>
+              <a:t>《</a:t>
+            </a:r>
+            <a:r>
+              <a:rPr lang="zh-CN" altLang="en-US" dirty="0"/>
+              <a:t>法老王的猫瘾症</a:t>
+            </a:r>
+            <a:r>
+              <a:rPr lang="en-US" altLang="zh-CN" dirty="0"/>
+              <a:t>》</a:t>
+            </a:r>
+            <a:endParaRPr lang="zh-CN" altLang="en-US" dirty="0"/>
+          </a:p>
+        </p:txBody>
+      </p:sp>
+      <p:sp>
+        <p:nvSpPr>
+          <p:cNvPr id="11" name="文本框 10">
+            <a:hlinkClick r:id="rId15"/>
+          </p:cNvPr>
+          <p:cNvSpPr txBox="1"/>
+          <p:nvPr/>
+        </p:nvSpPr>
+        <p:spPr>
+          <a:xfrm>
+            <a:off x="6733122" y="4758293"/>
+            <a:ext cx="3157109" cy="369332"/>
+          </a:xfrm>
+          <a:prstGeom prst="rect">
+            <a:avLst/>
+          </a:prstGeom>
+          <a:noFill/>
+        </p:spPr>
+        <p:txBody>
+          <a:bodyPr wrap="square">
+            <a:spAutoFit/>
+          </a:bodyPr>
+          <a:lstStyle/>
+          <a:p>
+            <a:r>
+              <a:rPr lang="en-US" altLang="zh-CN" dirty="0"/>
+              <a:t>《</a:t>
+            </a:r>
+            <a:r>
+              <a:rPr lang="zh-CN" altLang="en-US" dirty="0"/>
+              <a:t>原神之永恒者</a:t>
+            </a:r>
+            <a:r>
+              <a:rPr lang="en-US" altLang="zh-CN" dirty="0"/>
+              <a:t>》</a:t>
+            </a:r>
+            <a:endParaRPr lang="zh-CN" altLang="en-US" dirty="0"/>
+          </a:p>
+        </p:txBody>
+      </p:sp>
+      <p:sp>
+        <p:nvSpPr>
+          <p:cNvPr id="13" name="文本框 12">
+            <a:hlinkClick r:id="rId16"/>
+          </p:cNvPr>
+          <p:cNvSpPr txBox="1"/>
+          <p:nvPr/>
+        </p:nvSpPr>
+        <p:spPr>
+          <a:xfrm>
+            <a:off x="6733122" y="5394088"/>
+            <a:ext cx="3582453" cy="369332"/>
+          </a:xfrm>
+          <a:prstGeom prst="rect">
+            <a:avLst/>
+          </a:prstGeom>
+          <a:noFill/>
+        </p:spPr>
+        <p:txBody>
+          <a:bodyPr wrap="square">
+            <a:spAutoFit/>
+          </a:bodyPr>
+          <a:lstStyle/>
+          <a:p>
+            <a:r>
+              <a:rPr lang="en-US" altLang="zh-CN" dirty="0"/>
+              <a:t>《</a:t>
+            </a:r>
+            <a:r>
+              <a:rPr lang="zh-CN" altLang="en-US" dirty="0"/>
+              <a:t>穿越恶龙：开局国王献祭公主</a:t>
+            </a:r>
+            <a:r>
+              <a:rPr lang="en-US" altLang="zh-CN" dirty="0"/>
+              <a:t>》</a:t>
+            </a:r>
+            <a:endParaRPr lang="zh-CN" altLang="en-US" dirty="0"/>
+          </a:p>
+        </p:txBody>
+      </p:sp>
+      <p:sp>
+        <p:nvSpPr>
+          <p:cNvPr id="15" name="标题 14"/>
           <p:cNvSpPr>
             <a:spLocks noGrp="1"/>
           </p:cNvSpPr>
@@ -17441,787 +17877,6 @@
             <a:r>
               <a:rPr lang="zh-CN" altLang="en-US" dirty="0"/>
               <a:t>小说</a:t>
-            </a:r>
-          </a:p>
-        </p:txBody>
-      </p:sp>
-      <p:sp>
-        <p:nvSpPr>
-          <p:cNvPr id="10" name="文本框 9">
-            <a:hlinkClick r:id="rId2"/>
-          </p:cNvPr>
-          <p:cNvSpPr txBox="1"/>
-          <p:nvPr/>
-        </p:nvSpPr>
-        <p:spPr>
-          <a:xfrm>
-            <a:off x="1278255" y="1377315"/>
-            <a:ext cx="2890333" cy="369332"/>
-          </a:xfrm>
-          <a:prstGeom prst="rect">
-            <a:avLst/>
-          </a:prstGeom>
-          <a:noFill/>
-        </p:spPr>
-        <p:txBody>
-          <a:bodyPr wrap="square" rtlCol="0">
-            <a:spAutoFit/>
-          </a:bodyPr>
-          <a:lstStyle/>
-          <a:p>
-            <a:r>
-              <a:rPr lang="en-US" altLang="zh-CN" dirty="0"/>
-              <a:t>《</a:t>
-            </a:r>
-            <a:r>
-              <a:rPr lang="zh-CN" altLang="en-US" dirty="0"/>
-              <a:t>规则怪谈：我即怪谈</a:t>
-            </a:r>
-            <a:r>
-              <a:rPr lang="en-US" altLang="zh-CN" dirty="0"/>
-              <a:t>》</a:t>
-            </a:r>
-          </a:p>
-        </p:txBody>
-      </p:sp>
-      <p:sp>
-        <p:nvSpPr>
-          <p:cNvPr id="2" name="文本框 1">
-            <a:hlinkClick r:id="rId3"/>
-          </p:cNvPr>
-          <p:cNvSpPr txBox="1"/>
-          <p:nvPr/>
-        </p:nvSpPr>
-        <p:spPr>
-          <a:xfrm>
-            <a:off x="1278255" y="2116635"/>
-            <a:ext cx="2890333" cy="369332"/>
-          </a:xfrm>
-          <a:prstGeom prst="rect">
-            <a:avLst/>
-          </a:prstGeom>
-          <a:noFill/>
-        </p:spPr>
-        <p:txBody>
-          <a:bodyPr wrap="square" rtlCol="0">
-            <a:spAutoFit/>
-          </a:bodyPr>
-          <a:lstStyle/>
-          <a:p>
-            <a:r>
-              <a:rPr lang="en-US" altLang="zh-CN" dirty="0"/>
-              <a:t>《</a:t>
-            </a:r>
-            <a:r>
-              <a:rPr lang="zh-CN" altLang="en-US" dirty="0"/>
-              <a:t>重生之我真没想当渣男</a:t>
-            </a:r>
-            <a:r>
-              <a:rPr lang="en-US" altLang="zh-CN" dirty="0"/>
-              <a:t>》</a:t>
-            </a:r>
-          </a:p>
-        </p:txBody>
-      </p:sp>
-      <p:sp>
-        <p:nvSpPr>
-          <p:cNvPr id="3" name="文本框 2">
-            <a:hlinkClick r:id="rId4"/>
-          </p:cNvPr>
-          <p:cNvSpPr txBox="1"/>
-          <p:nvPr/>
-        </p:nvSpPr>
-        <p:spPr>
-          <a:xfrm>
-            <a:off x="1278255" y="2855955"/>
-            <a:ext cx="1574673" cy="369332"/>
-          </a:xfrm>
-          <a:prstGeom prst="rect">
-            <a:avLst/>
-          </a:prstGeom>
-          <a:noFill/>
-        </p:spPr>
-        <p:txBody>
-          <a:bodyPr wrap="square" rtlCol="0">
-            <a:spAutoFit/>
-          </a:bodyPr>
-          <a:lstStyle/>
-          <a:p>
-            <a:r>
-              <a:rPr lang="en-US" altLang="zh-CN" dirty="0"/>
-              <a:t>《</a:t>
-            </a:r>
-            <a:r>
-              <a:rPr lang="zh-CN" altLang="en-US" dirty="0"/>
-              <a:t>白鹿原</a:t>
-            </a:r>
-            <a:r>
-              <a:rPr lang="en-US" altLang="zh-CN" dirty="0"/>
-              <a:t>》</a:t>
-            </a:r>
-          </a:p>
-        </p:txBody>
-      </p:sp>
-      <p:sp>
-        <p:nvSpPr>
-          <p:cNvPr id="4" name="文本框 3">
-            <a:hlinkClick r:id="rId5"/>
-          </p:cNvPr>
-          <p:cNvSpPr txBox="1"/>
-          <p:nvPr/>
-        </p:nvSpPr>
-        <p:spPr>
-          <a:xfrm>
-            <a:off x="2884502" y="3613994"/>
-            <a:ext cx="1660764" cy="646331"/>
-          </a:xfrm>
-          <a:prstGeom prst="rect">
-            <a:avLst/>
-          </a:prstGeom>
-          <a:noFill/>
-        </p:spPr>
-        <p:txBody>
-          <a:bodyPr wrap="square" rtlCol="0">
-            <a:spAutoFit/>
-          </a:bodyPr>
-          <a:lstStyle/>
-          <a:p>
-            <a:r>
-              <a:rPr lang="en-US" altLang="zh-CN" dirty="0"/>
-              <a:t>《</a:t>
-            </a:r>
-            <a:r>
-              <a:rPr lang="zh-CN" altLang="en-US" dirty="0"/>
-              <a:t>从红月开始（下）</a:t>
-            </a:r>
-            <a:r>
-              <a:rPr lang="en-US" altLang="zh-CN" dirty="0"/>
-              <a:t>》</a:t>
-            </a:r>
-          </a:p>
-        </p:txBody>
-      </p:sp>
-      <p:sp>
-        <p:nvSpPr>
-          <p:cNvPr id="5" name="文本框 4">
-            <a:hlinkClick r:id="rId6"/>
-          </p:cNvPr>
-          <p:cNvSpPr txBox="1"/>
-          <p:nvPr/>
-        </p:nvSpPr>
-        <p:spPr>
-          <a:xfrm>
-            <a:off x="1278255" y="4372034"/>
-            <a:ext cx="2890332" cy="369333"/>
-          </a:xfrm>
-          <a:prstGeom prst="rect">
-            <a:avLst/>
-          </a:prstGeom>
-          <a:noFill/>
-        </p:spPr>
-        <p:txBody>
-          <a:bodyPr wrap="square" rtlCol="0">
-            <a:spAutoFit/>
-          </a:bodyPr>
-          <a:lstStyle/>
-          <a:p>
-            <a:r>
-              <a:rPr lang="en-US" altLang="zh-CN" dirty="0"/>
-              <a:t>《</a:t>
-            </a:r>
-            <a:r>
-              <a:rPr lang="zh-CN" altLang="en-US" dirty="0"/>
-              <a:t>穿成摄政王的侍爱逃妻</a:t>
-            </a:r>
-            <a:r>
-              <a:rPr lang="en-US" altLang="zh-CN" dirty="0"/>
-              <a:t>》</a:t>
-            </a:r>
-          </a:p>
-        </p:txBody>
-      </p:sp>
-      <p:sp>
-        <p:nvSpPr>
-          <p:cNvPr id="6" name="文本框 5">
-            <a:hlinkClick r:id="rId7"/>
-          </p:cNvPr>
-          <p:cNvSpPr txBox="1"/>
-          <p:nvPr/>
-        </p:nvSpPr>
-        <p:spPr>
-          <a:xfrm>
-            <a:off x="1278255" y="5111354"/>
-            <a:ext cx="2890332" cy="369333"/>
-          </a:xfrm>
-          <a:prstGeom prst="rect">
-            <a:avLst/>
-          </a:prstGeom>
-          <a:noFill/>
-        </p:spPr>
-        <p:txBody>
-          <a:bodyPr wrap="square" rtlCol="0">
-            <a:spAutoFit/>
-          </a:bodyPr>
-          <a:lstStyle/>
-          <a:p>
-            <a:r>
-              <a:rPr lang="en-US" altLang="zh-CN" dirty="0"/>
-              <a:t>《</a:t>
-            </a:r>
-            <a:r>
-              <a:rPr lang="zh-CN" altLang="en-US" dirty="0"/>
-              <a:t>听说我很穷</a:t>
-            </a:r>
-            <a:r>
-              <a:rPr lang="en-US" altLang="zh-CN" dirty="0"/>
-              <a:t>[</a:t>
-            </a:r>
-            <a:r>
-              <a:rPr lang="zh-CN" altLang="en-US" dirty="0"/>
-              <a:t>娱乐圈</a:t>
-            </a:r>
-            <a:r>
-              <a:rPr lang="en-US" altLang="zh-CN" dirty="0"/>
-              <a:t>]》</a:t>
-            </a:r>
-          </a:p>
-        </p:txBody>
-      </p:sp>
-      <p:sp>
-        <p:nvSpPr>
-          <p:cNvPr id="7" name="文本框 6">
-            <a:hlinkClick r:id="rId8"/>
-          </p:cNvPr>
-          <p:cNvSpPr txBox="1"/>
-          <p:nvPr/>
-        </p:nvSpPr>
-        <p:spPr>
-          <a:xfrm>
-            <a:off x="4650834" y="1377315"/>
-            <a:ext cx="2890332" cy="369333"/>
-          </a:xfrm>
-          <a:prstGeom prst="rect">
-            <a:avLst/>
-          </a:prstGeom>
-          <a:noFill/>
-        </p:spPr>
-        <p:txBody>
-          <a:bodyPr wrap="square" rtlCol="0">
-            <a:spAutoFit/>
-          </a:bodyPr>
-          <a:lstStyle/>
-          <a:p>
-            <a:r>
-              <a:rPr lang="zh-CN" altLang="en-US" dirty="0"/>
-              <a:t>小说残篇</a:t>
-            </a:r>
-            <a:endParaRPr lang="en-US" altLang="zh-CN" dirty="0"/>
-          </a:p>
-        </p:txBody>
-      </p:sp>
-      <p:sp>
-        <p:nvSpPr>
-          <p:cNvPr id="8" name="文本框 7">
-            <a:hlinkClick r:id="rId9"/>
-          </p:cNvPr>
-          <p:cNvSpPr txBox="1"/>
-          <p:nvPr/>
-        </p:nvSpPr>
-        <p:spPr>
-          <a:xfrm>
-            <a:off x="4650834" y="2116635"/>
-            <a:ext cx="3372580" cy="369332"/>
-          </a:xfrm>
-          <a:prstGeom prst="rect">
-            <a:avLst/>
-          </a:prstGeom>
-          <a:noFill/>
-        </p:spPr>
-        <p:txBody>
-          <a:bodyPr wrap="square" rtlCol="0">
-            <a:spAutoFit/>
-          </a:bodyPr>
-          <a:lstStyle/>
-          <a:p>
-            <a:r>
-              <a:rPr lang="en-US" altLang="zh-CN" dirty="0"/>
-              <a:t>《</a:t>
-            </a:r>
-            <a:r>
-              <a:rPr lang="zh-CN" altLang="en-US" dirty="0"/>
-              <a:t>谁说老二次元不能结婚！</a:t>
-            </a:r>
-            <a:r>
-              <a:rPr lang="en-US" altLang="zh-CN" dirty="0"/>
-              <a:t>》</a:t>
-            </a:r>
-          </a:p>
-        </p:txBody>
-      </p:sp>
-      <p:sp>
-        <p:nvSpPr>
-          <p:cNvPr id="11" name="文本框 10">
-            <a:hlinkClick r:id="rId10"/>
-          </p:cNvPr>
-          <p:cNvSpPr txBox="1"/>
-          <p:nvPr/>
-        </p:nvSpPr>
-        <p:spPr>
-          <a:xfrm>
-            <a:off x="4650834" y="3040621"/>
-            <a:ext cx="3372580" cy="369332"/>
-          </a:xfrm>
-          <a:prstGeom prst="rect">
-            <a:avLst/>
-          </a:prstGeom>
-          <a:noFill/>
-        </p:spPr>
-        <p:txBody>
-          <a:bodyPr wrap="square" rtlCol="0">
-            <a:spAutoFit/>
-          </a:bodyPr>
-          <a:lstStyle/>
-          <a:p>
-            <a:r>
-              <a:rPr lang="en-US" altLang="zh-CN" dirty="0"/>
-              <a:t>《</a:t>
-            </a:r>
-            <a:r>
-              <a:rPr lang="zh-CN" altLang="en-US" dirty="0"/>
-              <a:t>十日终焉</a:t>
-            </a:r>
-            <a:r>
-              <a:rPr lang="en-US" altLang="zh-CN" dirty="0"/>
-              <a:t>》</a:t>
-            </a:r>
-          </a:p>
-        </p:txBody>
-      </p:sp>
-      <p:sp>
-        <p:nvSpPr>
-          <p:cNvPr id="12" name="文本框 11">
-            <a:hlinkClick r:id="rId11"/>
-          </p:cNvPr>
-          <p:cNvSpPr txBox="1"/>
-          <p:nvPr/>
-        </p:nvSpPr>
-        <p:spPr>
-          <a:xfrm>
-            <a:off x="4650834" y="3632714"/>
-            <a:ext cx="3372580" cy="369332"/>
-          </a:xfrm>
-          <a:prstGeom prst="rect">
-            <a:avLst/>
-          </a:prstGeom>
-          <a:noFill/>
-        </p:spPr>
-        <p:txBody>
-          <a:bodyPr wrap="square" rtlCol="0">
-            <a:spAutoFit/>
-          </a:bodyPr>
-          <a:lstStyle/>
-          <a:p>
-            <a:r>
-              <a:rPr lang="en-US" altLang="zh-CN" dirty="0"/>
-              <a:t>《</a:t>
-            </a:r>
-            <a:r>
-              <a:rPr lang="zh-CN" altLang="en-US" dirty="0"/>
-              <a:t>我的女儿实在太厉害了</a:t>
-            </a:r>
-            <a:r>
-              <a:rPr lang="en-US" altLang="zh-CN" dirty="0"/>
-              <a:t>》</a:t>
-            </a:r>
-          </a:p>
-        </p:txBody>
-      </p:sp>
-      <p:sp>
-        <p:nvSpPr>
-          <p:cNvPr id="13" name="文本框 12">
-            <a:hlinkClick r:id="rId12"/>
-          </p:cNvPr>
-          <p:cNvSpPr txBox="1"/>
-          <p:nvPr/>
-        </p:nvSpPr>
-        <p:spPr>
-          <a:xfrm>
-            <a:off x="4650834" y="4372035"/>
-            <a:ext cx="3372580" cy="369332"/>
-          </a:xfrm>
-          <a:prstGeom prst="rect">
-            <a:avLst/>
-          </a:prstGeom>
-          <a:noFill/>
-        </p:spPr>
-        <p:txBody>
-          <a:bodyPr wrap="square" rtlCol="0">
-            <a:spAutoFit/>
-          </a:bodyPr>
-          <a:lstStyle/>
-          <a:p>
-            <a:r>
-              <a:rPr lang="en-US" altLang="zh-CN" dirty="0"/>
-              <a:t>《</a:t>
-            </a:r>
-            <a:r>
-              <a:rPr lang="zh-CN" altLang="en-US" dirty="0"/>
-              <a:t>电磁暴君</a:t>
-            </a:r>
-            <a:r>
-              <a:rPr lang="en-US" altLang="zh-CN" dirty="0"/>
-              <a:t>》</a:t>
-            </a:r>
-          </a:p>
-        </p:txBody>
-      </p:sp>
-      <p:sp>
-        <p:nvSpPr>
-          <p:cNvPr id="14" name="文本框 13">
-            <a:hlinkClick r:id="rId13"/>
-          </p:cNvPr>
-          <p:cNvSpPr txBox="1"/>
-          <p:nvPr/>
-        </p:nvSpPr>
-        <p:spPr>
-          <a:xfrm>
-            <a:off x="8991501" y="1377316"/>
-            <a:ext cx="1445166" cy="369331"/>
-          </a:xfrm>
-          <a:prstGeom prst="rect">
-            <a:avLst/>
-          </a:prstGeom>
-          <a:noFill/>
-        </p:spPr>
-        <p:txBody>
-          <a:bodyPr wrap="square" rtlCol="0">
-            <a:spAutoFit/>
-          </a:bodyPr>
-          <a:lstStyle/>
-          <a:p>
-            <a:r>
-              <a:rPr lang="en-US" altLang="zh-CN" dirty="0"/>
-              <a:t>《</a:t>
-            </a:r>
-            <a:r>
-              <a:rPr lang="zh-CN" altLang="en-US" dirty="0"/>
-              <a:t>三国演义</a:t>
-            </a:r>
-            <a:r>
-              <a:rPr lang="en-US" altLang="zh-CN" dirty="0"/>
-              <a:t>》</a:t>
-            </a:r>
-          </a:p>
-        </p:txBody>
-      </p:sp>
-      <p:sp>
-        <p:nvSpPr>
-          <p:cNvPr id="15" name="文本框 14">
-            <a:hlinkClick r:id="rId14"/>
-          </p:cNvPr>
-          <p:cNvSpPr txBox="1"/>
-          <p:nvPr/>
-        </p:nvSpPr>
-        <p:spPr>
-          <a:xfrm>
-            <a:off x="8991501" y="2124123"/>
-            <a:ext cx="1445166" cy="369331"/>
-          </a:xfrm>
-          <a:prstGeom prst="rect">
-            <a:avLst/>
-          </a:prstGeom>
-          <a:noFill/>
-        </p:spPr>
-        <p:txBody>
-          <a:bodyPr wrap="square" rtlCol="0">
-            <a:spAutoFit/>
-          </a:bodyPr>
-          <a:lstStyle/>
-          <a:p>
-            <a:r>
-              <a:rPr lang="en-US" altLang="zh-CN" dirty="0"/>
-              <a:t>《</a:t>
-            </a:r>
-            <a:r>
-              <a:rPr lang="zh-CN" altLang="en-US" dirty="0"/>
-              <a:t>恃靓行凶</a:t>
-            </a:r>
-            <a:r>
-              <a:rPr lang="en-US" altLang="zh-CN" dirty="0"/>
-              <a:t>》</a:t>
-            </a:r>
-          </a:p>
-        </p:txBody>
-      </p:sp>
-      <p:sp>
-        <p:nvSpPr>
-          <p:cNvPr id="16" name="文本框 15">
-            <a:hlinkClick r:id="rId15"/>
-          </p:cNvPr>
-          <p:cNvSpPr txBox="1"/>
-          <p:nvPr/>
-        </p:nvSpPr>
-        <p:spPr>
-          <a:xfrm>
-            <a:off x="8991501" y="2870930"/>
-            <a:ext cx="1308059" cy="369331"/>
-          </a:xfrm>
-          <a:prstGeom prst="rect">
-            <a:avLst/>
-          </a:prstGeom>
-          <a:noFill/>
-        </p:spPr>
-        <p:txBody>
-          <a:bodyPr wrap="square" rtlCol="0">
-            <a:spAutoFit/>
-          </a:bodyPr>
-          <a:lstStyle/>
-          <a:p>
-            <a:r>
-              <a:rPr lang="en-US" altLang="zh-CN" dirty="0"/>
-              <a:t>《</a:t>
-            </a:r>
-            <a:r>
-              <a:rPr lang="zh-CN" altLang="en-US" dirty="0"/>
-              <a:t>韩非子</a:t>
-            </a:r>
-            <a:r>
-              <a:rPr lang="en-US" altLang="zh-CN" dirty="0"/>
-              <a:t>》</a:t>
-            </a:r>
-          </a:p>
-        </p:txBody>
-      </p:sp>
-      <p:sp>
-        <p:nvSpPr>
-          <p:cNvPr id="17" name="文本框 16">
-            <a:hlinkClick r:id="rId16"/>
-          </p:cNvPr>
-          <p:cNvSpPr txBox="1"/>
-          <p:nvPr/>
-        </p:nvSpPr>
-        <p:spPr>
-          <a:xfrm>
-            <a:off x="8991501" y="3617737"/>
-            <a:ext cx="1445166" cy="369332"/>
-          </a:xfrm>
-          <a:prstGeom prst="rect">
-            <a:avLst/>
-          </a:prstGeom>
-          <a:noFill/>
-        </p:spPr>
-        <p:txBody>
-          <a:bodyPr wrap="square" rtlCol="0">
-            <a:spAutoFit/>
-          </a:bodyPr>
-          <a:lstStyle/>
-          <a:p>
-            <a:r>
-              <a:rPr lang="en-US" altLang="zh-CN" dirty="0"/>
-              <a:t>《</a:t>
-            </a:r>
-            <a:r>
-              <a:rPr lang="zh-CN" altLang="en-US" dirty="0"/>
-              <a:t>花夜前行</a:t>
-            </a:r>
-            <a:r>
-              <a:rPr lang="en-US" altLang="zh-CN" dirty="0"/>
-              <a:t>》</a:t>
-            </a:r>
-          </a:p>
-        </p:txBody>
-      </p:sp>
-      <p:sp>
-        <p:nvSpPr>
-          <p:cNvPr id="18" name="文本框 17">
-            <a:hlinkClick r:id="rId17"/>
-          </p:cNvPr>
-          <p:cNvSpPr txBox="1"/>
-          <p:nvPr/>
-        </p:nvSpPr>
-        <p:spPr>
-          <a:xfrm>
-            <a:off x="8991501" y="4364545"/>
-            <a:ext cx="1445166" cy="369332"/>
-          </a:xfrm>
-          <a:prstGeom prst="rect">
-            <a:avLst/>
-          </a:prstGeom>
-          <a:noFill/>
-        </p:spPr>
-        <p:txBody>
-          <a:bodyPr wrap="square" rtlCol="0">
-            <a:spAutoFit/>
-          </a:bodyPr>
-          <a:lstStyle/>
-          <a:p>
-            <a:r>
-              <a:rPr lang="en-US" altLang="zh-CN" dirty="0"/>
-              <a:t>《</a:t>
-            </a:r>
-            <a:r>
-              <a:rPr lang="zh-CN" altLang="en-US" dirty="0"/>
-              <a:t>花宴</a:t>
-            </a:r>
-            <a:r>
-              <a:rPr lang="en-US" altLang="zh-CN" dirty="0"/>
-              <a:t>》</a:t>
-            </a:r>
-          </a:p>
-        </p:txBody>
-      </p:sp>
-      <p:sp>
-        <p:nvSpPr>
-          <p:cNvPr id="19" name="文本框 18">
-            <a:hlinkClick r:id="rId18"/>
-          </p:cNvPr>
-          <p:cNvSpPr txBox="1"/>
-          <p:nvPr/>
-        </p:nvSpPr>
-        <p:spPr>
-          <a:xfrm>
-            <a:off x="8922947" y="5111354"/>
-            <a:ext cx="1445166" cy="369332"/>
-          </a:xfrm>
-          <a:prstGeom prst="rect">
-            <a:avLst/>
-          </a:prstGeom>
-          <a:noFill/>
-        </p:spPr>
-        <p:txBody>
-          <a:bodyPr wrap="square" rtlCol="0">
-            <a:spAutoFit/>
-          </a:bodyPr>
-          <a:lstStyle/>
-          <a:p>
-            <a:r>
-              <a:rPr lang="en-US" altLang="zh-CN" dirty="0"/>
-              <a:t>《</a:t>
-            </a:r>
-            <a:r>
-              <a:rPr lang="zh-CN" altLang="en-US" dirty="0"/>
-              <a:t>画地为牢</a:t>
-            </a:r>
-            <a:r>
-              <a:rPr lang="en-US" altLang="zh-CN" dirty="0"/>
-              <a:t>》</a:t>
-            </a:r>
-          </a:p>
-        </p:txBody>
-      </p:sp>
-      <p:sp>
-        <p:nvSpPr>
-          <p:cNvPr id="20" name="文本框 19">
-            <a:hlinkClick r:id="rId19"/>
-          </p:cNvPr>
-          <p:cNvSpPr txBox="1"/>
-          <p:nvPr/>
-        </p:nvSpPr>
-        <p:spPr>
-          <a:xfrm>
-            <a:off x="4650834" y="5210791"/>
-            <a:ext cx="1445166" cy="369332"/>
-          </a:xfrm>
-          <a:prstGeom prst="rect">
-            <a:avLst/>
-          </a:prstGeom>
-          <a:noFill/>
-        </p:spPr>
-        <p:txBody>
-          <a:bodyPr wrap="square" rtlCol="0">
-            <a:spAutoFit/>
-          </a:bodyPr>
-          <a:lstStyle/>
-          <a:p>
-            <a:r>
-              <a:rPr lang="en-US" altLang="zh-CN" dirty="0"/>
-              <a:t>《</a:t>
-            </a:r>
-            <a:r>
-              <a:rPr lang="zh-CN" altLang="en-US" dirty="0"/>
-              <a:t>日落大道</a:t>
-            </a:r>
-            <a:r>
-              <a:rPr lang="en-US" altLang="zh-CN" dirty="0"/>
-              <a:t>》</a:t>
-            </a:r>
-          </a:p>
-        </p:txBody>
-      </p:sp>
-      <p:sp>
-        <p:nvSpPr>
-          <p:cNvPr id="21" name="文本框 20">
-            <a:hlinkClick r:id="rId20"/>
-          </p:cNvPr>
-          <p:cNvSpPr txBox="1"/>
-          <p:nvPr/>
-        </p:nvSpPr>
-        <p:spPr>
-          <a:xfrm>
-            <a:off x="1276522" y="3595274"/>
-            <a:ext cx="1660764" cy="646331"/>
-          </a:xfrm>
-          <a:prstGeom prst="rect">
-            <a:avLst/>
-          </a:prstGeom>
-          <a:noFill/>
-        </p:spPr>
-        <p:txBody>
-          <a:bodyPr wrap="square" rtlCol="0">
-            <a:spAutoFit/>
-          </a:bodyPr>
-          <a:lstStyle/>
-          <a:p>
-            <a:r>
-              <a:rPr lang="en-US" altLang="zh-CN" dirty="0"/>
-              <a:t>《</a:t>
-            </a:r>
-            <a:r>
-              <a:rPr lang="zh-CN" altLang="en-US" dirty="0"/>
-              <a:t>从红月开始（上）</a:t>
-            </a:r>
-            <a:r>
-              <a:rPr lang="en-US" altLang="zh-CN" dirty="0"/>
-              <a:t>》</a:t>
-            </a:r>
-          </a:p>
-        </p:txBody>
-      </p:sp>
-      <p:sp>
-        <p:nvSpPr>
-          <p:cNvPr id="23" name="文本框 22">
-            <a:hlinkClick r:id="rId21"/>
-          </p:cNvPr>
-          <p:cNvSpPr txBox="1"/>
-          <p:nvPr/>
-        </p:nvSpPr>
-        <p:spPr>
-          <a:xfrm>
-            <a:off x="4650834" y="5864881"/>
-            <a:ext cx="2593571" cy="369332"/>
-          </a:xfrm>
-          <a:prstGeom prst="rect">
-            <a:avLst/>
-          </a:prstGeom>
-          <a:noFill/>
-        </p:spPr>
-        <p:txBody>
-          <a:bodyPr wrap="square" rtlCol="0">
-            <a:spAutoFit/>
-          </a:bodyPr>
-          <a:lstStyle/>
-          <a:p>
-            <a:r>
-              <a:rPr lang="en-US" altLang="zh-CN" dirty="0"/>
-              <a:t>《</a:t>
-            </a:r>
-            <a:r>
-              <a:rPr lang="zh-CN" altLang="en-US" dirty="0"/>
-              <a:t>降水概率百分百</a:t>
-            </a:r>
-            <a:r>
-              <a:rPr lang="en-US" altLang="zh-CN" dirty="0"/>
-              <a:t>》</a:t>
             </a:r>
           </a:p>
         </p:txBody>
@@ -18291,7 +17946,7 @@
         <p:spPr>
           <a:xfrm>
             <a:off x="1278255" y="1377315"/>
-            <a:ext cx="1464945" cy="369332"/>
+            <a:ext cx="2890333" cy="369332"/>
           </a:xfrm>
           <a:prstGeom prst="rect">
             <a:avLst/>
@@ -18310,7 +17965,7 @@
             </a:r>
             <a:r>
               <a:rPr lang="zh-CN" altLang="en-US" dirty="0"/>
-              <a:t>雪心赋</a:t>
+              <a:t>规则怪谈：我即怪谈</a:t>
             </a:r>
             <a:r>
               <a:rPr lang="en-US" altLang="zh-CN" dirty="0"/>
@@ -18330,7 +17985,7 @@
         <p:spPr>
           <a:xfrm>
             <a:off x="1278255" y="2116635"/>
-            <a:ext cx="3206659" cy="369332"/>
+            <a:ext cx="2890333" cy="369332"/>
           </a:xfrm>
           <a:prstGeom prst="rect">
             <a:avLst/>
@@ -18349,25 +18004,12 @@
             </a:r>
             <a:r>
               <a:rPr lang="zh-CN" altLang="en-US" dirty="0"/>
-              <a:t>斗罗大陆</a:t>
-            </a:r>
-            <a:r>
-              <a:rPr lang="en-US" altLang="zh-CN" dirty="0"/>
-              <a:t>3</a:t>
-            </a:r>
-            <a:r>
-              <a:rPr lang="zh-CN" altLang="en-US" dirty="0"/>
-              <a:t>龙王传说</a:t>
+              <a:t>重生之我真没想当渣男</a:t>
             </a:r>
             <a:r>
               <a:rPr lang="en-US" altLang="zh-CN" dirty="0"/>
               <a:t>》</a:t>
             </a:r>
-            <a:r>
-              <a:rPr lang="zh-CN" altLang="en-US" dirty="0"/>
-              <a:t>（上）</a:t>
-            </a:r>
-            <a:endParaRPr lang="en-US" altLang="zh-CN" dirty="0"/>
           </a:p>
         </p:txBody>
       </p:sp>
@@ -18381,8 +18023,8 @@
         </p:nvSpPr>
         <p:spPr>
           <a:xfrm>
-            <a:off x="1278254" y="3635198"/>
-            <a:ext cx="1282065" cy="369331"/>
+            <a:off x="1278255" y="2855955"/>
+            <a:ext cx="1574673" cy="369332"/>
           </a:xfrm>
           <a:prstGeom prst="rect">
             <a:avLst/>
@@ -18401,7 +18043,7 @@
             </a:r>
             <a:r>
               <a:rPr lang="zh-CN" altLang="en-US" dirty="0"/>
-              <a:t>杀青</a:t>
+              <a:t>白鹿原</a:t>
             </a:r>
             <a:r>
               <a:rPr lang="en-US" altLang="zh-CN" dirty="0"/>
@@ -18420,8 +18062,8 @@
         </p:nvSpPr>
         <p:spPr>
           <a:xfrm>
-            <a:off x="1278254" y="4411957"/>
-            <a:ext cx="2053421" cy="369332"/>
+            <a:off x="2884502" y="3613994"/>
+            <a:ext cx="1660764" cy="646331"/>
           </a:xfrm>
           <a:prstGeom prst="rect">
             <a:avLst/>
@@ -18440,17 +18082,12 @@
             </a:r>
             <a:r>
               <a:rPr lang="zh-CN" altLang="en-US" dirty="0"/>
-              <a:t>大医凌然</a:t>
+              <a:t>从红月开始（下）</a:t>
             </a:r>
             <a:r>
               <a:rPr lang="en-US" altLang="zh-CN" dirty="0"/>
               <a:t>》</a:t>
             </a:r>
-            <a:r>
-              <a:rPr lang="zh-CN" altLang="en-US" dirty="0"/>
-              <a:t>（上）</a:t>
-            </a:r>
-            <a:endParaRPr lang="en-US" altLang="zh-CN" dirty="0"/>
           </a:p>
         </p:txBody>
       </p:sp>
@@ -18464,8 +18101,8 @@
         </p:nvSpPr>
         <p:spPr>
           <a:xfrm>
-            <a:off x="1278254" y="2875916"/>
-            <a:ext cx="3206660" cy="369332"/>
+            <a:off x="1278255" y="4372034"/>
+            <a:ext cx="2890332" cy="369333"/>
           </a:xfrm>
           <a:prstGeom prst="rect">
             <a:avLst/>
@@ -18484,25 +18121,12 @@
             </a:r>
             <a:r>
               <a:rPr lang="zh-CN" altLang="en-US" dirty="0"/>
-              <a:t>斗罗大陆</a:t>
-            </a:r>
-            <a:r>
-              <a:rPr lang="en-US" altLang="zh-CN" dirty="0"/>
-              <a:t>3</a:t>
-            </a:r>
-            <a:r>
-              <a:rPr lang="zh-CN" altLang="en-US" dirty="0"/>
-              <a:t>龙王传说</a:t>
+              <a:t>穿成摄政王的侍爱逃妻</a:t>
             </a:r>
             <a:r>
               <a:rPr lang="en-US" altLang="zh-CN" dirty="0"/>
               <a:t>》</a:t>
             </a:r>
-            <a:r>
-              <a:rPr lang="zh-CN" altLang="en-US" dirty="0"/>
-              <a:t>（下）</a:t>
-            </a:r>
-            <a:endParaRPr lang="en-US" altLang="zh-CN" dirty="0"/>
           </a:p>
         </p:txBody>
       </p:sp>
@@ -18516,8 +18140,8 @@
         </p:nvSpPr>
         <p:spPr>
           <a:xfrm>
-            <a:off x="1278254" y="5171238"/>
-            <a:ext cx="2053421" cy="369332"/>
+            <a:off x="1278255" y="5111354"/>
+            <a:ext cx="2890332" cy="369333"/>
           </a:xfrm>
           <a:prstGeom prst="rect">
             <a:avLst/>
@@ -18536,17 +18160,20 @@
             </a:r>
             <a:r>
               <a:rPr lang="zh-CN" altLang="en-US" dirty="0"/>
-              <a:t>大医凌然</a:t>
+              <a:t>听说我很穷</a:t>
             </a:r>
             <a:r>
               <a:rPr lang="en-US" altLang="zh-CN" dirty="0"/>
-              <a:t>》</a:t>
+              <a:t>[</a:t>
             </a:r>
             <a:r>
               <a:rPr lang="zh-CN" altLang="en-US" dirty="0"/>
-              <a:t>（下）</a:t>
-            </a:r>
-            <a:endParaRPr lang="en-US" altLang="zh-CN" dirty="0"/>
+              <a:t>娱乐圈</a:t>
+            </a:r>
+            <a:r>
+              <a:rPr lang="en-US" altLang="zh-CN" dirty="0"/>
+              <a:t>]》</a:t>
+            </a:r>
           </a:p>
         </p:txBody>
       </p:sp>
@@ -18560,8 +18187,8 @@
         </p:nvSpPr>
         <p:spPr>
           <a:xfrm>
-            <a:off x="1278254" y="5881210"/>
-            <a:ext cx="4023211" cy="369332"/>
+            <a:off x="4650834" y="1377315"/>
+            <a:ext cx="2890332" cy="369333"/>
           </a:xfrm>
           <a:prstGeom prst="rect">
             <a:avLst/>
@@ -18575,46 +18202,10 @@
           <a:lstStyle/>
           <a:p>
             <a:r>
-              <a:rPr lang="en-US" altLang="zh-CN" dirty="0"/>
-              <a:t>《</a:t>
-            </a:r>
-            <a:r>
-              <a:rPr lang="zh-CN" altLang="en-US" b="1" i="0" u="none" strike="noStrike" dirty="0">
-                <a:solidFill>
-                  <a:srgbClr val="555555"/>
-                </a:solidFill>
-                <a:effectLst/>
-                <a:latin typeface="黑体" panose="02010609060101010101" charset="-122"/>
-                <a:ea typeface="黑体" panose="02010609060101010101" charset="-122"/>
-              </a:rPr>
-              <a:t>穿成魔王</a:t>
-            </a:r>
-            <a:r>
-              <a:rPr lang="en-US" altLang="zh-CN" b="1" i="0" u="none" strike="noStrike" dirty="0">
-                <a:solidFill>
-                  <a:srgbClr val="555555"/>
-                </a:solidFill>
-                <a:effectLst/>
-                <a:latin typeface="黑体" panose="02010609060101010101" charset="-122"/>
-                <a:ea typeface="黑体" panose="02010609060101010101" charset="-122"/>
-              </a:rPr>
-              <a:t>,</a:t>
-            </a:r>
-            <a:r>
-              <a:rPr lang="zh-CN" altLang="en-US" b="1" i="0" u="none" strike="noStrike" dirty="0">
-                <a:solidFill>
-                  <a:srgbClr val="555555"/>
-                </a:solidFill>
-                <a:effectLst/>
-                <a:latin typeface="黑体" panose="02010609060101010101" charset="-122"/>
-                <a:ea typeface="黑体" panose="02010609060101010101" charset="-122"/>
-              </a:rPr>
-              <a:t>给异世界来点整活震撼</a:t>
-            </a:r>
-            <a:r>
-              <a:rPr lang="en-US" altLang="zh-CN" dirty="0"/>
-              <a:t>》</a:t>
-            </a:r>
+              <a:rPr lang="zh-CN" altLang="en-US" dirty="0"/>
+              <a:t>小说残篇</a:t>
+            </a:r>
+            <a:endParaRPr lang="en-US" altLang="zh-CN" dirty="0"/>
           </a:p>
         </p:txBody>
       </p:sp>
@@ -18628,8 +18219,8 @@
         </p:nvSpPr>
         <p:spPr>
           <a:xfrm>
-            <a:off x="6459855" y="1267675"/>
-            <a:ext cx="2036445" cy="369332"/>
+            <a:off x="4650834" y="2116635"/>
+            <a:ext cx="3372580" cy="369332"/>
           </a:xfrm>
           <a:prstGeom prst="rect">
             <a:avLst/>
@@ -18643,10 +18234,17 @@
           <a:lstStyle/>
           <a:p>
             <a:r>
+              <a:rPr lang="en-US" altLang="zh-CN" dirty="0"/>
+              <a:t>《</a:t>
+            </a:r>
+            <a:r>
               <a:rPr lang="zh-CN" altLang="en-US" dirty="0"/>
-              <a:t>衡水一本通化学</a:t>
-            </a:r>
-            <a:endParaRPr lang="en-US" altLang="zh-CN" dirty="0"/>
+              <a:t>谁说老二次元不能结婚！</a:t>
+            </a:r>
+            <a:r>
+              <a:rPr lang="en-US" altLang="zh-CN" dirty="0"/>
+              <a:t>》</a:t>
+            </a:r>
           </a:p>
         </p:txBody>
       </p:sp>
@@ -18660,8 +18258,8 @@
         </p:nvSpPr>
         <p:spPr>
           <a:xfrm>
-            <a:off x="6459855" y="2029940"/>
-            <a:ext cx="3206660" cy="369332"/>
+            <a:off x="4650834" y="3040621"/>
+            <a:ext cx="3372580" cy="369332"/>
           </a:xfrm>
           <a:prstGeom prst="rect">
             <a:avLst/>
@@ -18680,25 +18278,441 @@
             </a:r>
             <a:r>
               <a:rPr lang="zh-CN" altLang="en-US" dirty="0"/>
-              <a:t>斗罗大陆</a:t>
-            </a:r>
-            <a:r>
-              <a:rPr lang="en-US" altLang="zh-CN" dirty="0"/>
-              <a:t>3</a:t>
-            </a:r>
-            <a:r>
-              <a:rPr lang="zh-CN" altLang="en-US" dirty="0"/>
-              <a:t>龙王传说</a:t>
+              <a:t>十日终焉</a:t>
             </a:r>
             <a:r>
               <a:rPr lang="en-US" altLang="zh-CN" dirty="0"/>
               <a:t>》</a:t>
             </a:r>
+          </a:p>
+        </p:txBody>
+      </p:sp>
+      <p:sp>
+        <p:nvSpPr>
+          <p:cNvPr id="12" name="文本框 11">
+            <a:hlinkClick r:id="rId11"/>
+          </p:cNvPr>
+          <p:cNvSpPr txBox="1"/>
+          <p:nvPr/>
+        </p:nvSpPr>
+        <p:spPr>
+          <a:xfrm>
+            <a:off x="4650834" y="3632714"/>
+            <a:ext cx="3372580" cy="369332"/>
+          </a:xfrm>
+          <a:prstGeom prst="rect">
+            <a:avLst/>
+          </a:prstGeom>
+          <a:noFill/>
+        </p:spPr>
+        <p:txBody>
+          <a:bodyPr wrap="square" rtlCol="0">
+            <a:spAutoFit/>
+          </a:bodyPr>
+          <a:lstStyle/>
+          <a:p>
+            <a:r>
+              <a:rPr lang="en-US" altLang="zh-CN" dirty="0"/>
+              <a:t>《</a:t>
+            </a:r>
             <a:r>
               <a:rPr lang="zh-CN" altLang="en-US" dirty="0"/>
-              <a:t>（下）</a:t>
-            </a:r>
-            <a:endParaRPr lang="en-US" altLang="zh-CN" dirty="0"/>
+              <a:t>我的女儿实在太厉害了</a:t>
+            </a:r>
+            <a:r>
+              <a:rPr lang="en-US" altLang="zh-CN" dirty="0"/>
+              <a:t>》</a:t>
+            </a:r>
+          </a:p>
+        </p:txBody>
+      </p:sp>
+      <p:sp>
+        <p:nvSpPr>
+          <p:cNvPr id="13" name="文本框 12">
+            <a:hlinkClick r:id="rId12"/>
+          </p:cNvPr>
+          <p:cNvSpPr txBox="1"/>
+          <p:nvPr/>
+        </p:nvSpPr>
+        <p:spPr>
+          <a:xfrm>
+            <a:off x="4650834" y="4372035"/>
+            <a:ext cx="3372580" cy="369332"/>
+          </a:xfrm>
+          <a:prstGeom prst="rect">
+            <a:avLst/>
+          </a:prstGeom>
+          <a:noFill/>
+        </p:spPr>
+        <p:txBody>
+          <a:bodyPr wrap="square" rtlCol="0">
+            <a:spAutoFit/>
+          </a:bodyPr>
+          <a:lstStyle/>
+          <a:p>
+            <a:r>
+              <a:rPr lang="en-US" altLang="zh-CN" dirty="0"/>
+              <a:t>《</a:t>
+            </a:r>
+            <a:r>
+              <a:rPr lang="zh-CN" altLang="en-US" dirty="0"/>
+              <a:t>电磁暴君</a:t>
+            </a:r>
+            <a:r>
+              <a:rPr lang="en-US" altLang="zh-CN" dirty="0"/>
+              <a:t>》</a:t>
+            </a:r>
+          </a:p>
+        </p:txBody>
+      </p:sp>
+      <p:sp>
+        <p:nvSpPr>
+          <p:cNvPr id="14" name="文本框 13">
+            <a:hlinkClick r:id="rId13"/>
+          </p:cNvPr>
+          <p:cNvSpPr txBox="1"/>
+          <p:nvPr/>
+        </p:nvSpPr>
+        <p:spPr>
+          <a:xfrm>
+            <a:off x="8991501" y="1377316"/>
+            <a:ext cx="1445166" cy="369331"/>
+          </a:xfrm>
+          <a:prstGeom prst="rect">
+            <a:avLst/>
+          </a:prstGeom>
+          <a:noFill/>
+        </p:spPr>
+        <p:txBody>
+          <a:bodyPr wrap="square" rtlCol="0">
+            <a:spAutoFit/>
+          </a:bodyPr>
+          <a:lstStyle/>
+          <a:p>
+            <a:r>
+              <a:rPr lang="en-US" altLang="zh-CN" dirty="0"/>
+              <a:t>《</a:t>
+            </a:r>
+            <a:r>
+              <a:rPr lang="zh-CN" altLang="en-US" dirty="0"/>
+              <a:t>三国演义</a:t>
+            </a:r>
+            <a:r>
+              <a:rPr lang="en-US" altLang="zh-CN" dirty="0"/>
+              <a:t>》</a:t>
+            </a:r>
+          </a:p>
+        </p:txBody>
+      </p:sp>
+      <p:sp>
+        <p:nvSpPr>
+          <p:cNvPr id="15" name="文本框 14">
+            <a:hlinkClick r:id="rId14"/>
+          </p:cNvPr>
+          <p:cNvSpPr txBox="1"/>
+          <p:nvPr/>
+        </p:nvSpPr>
+        <p:spPr>
+          <a:xfrm>
+            <a:off x="8991501" y="2124123"/>
+            <a:ext cx="1445166" cy="369331"/>
+          </a:xfrm>
+          <a:prstGeom prst="rect">
+            <a:avLst/>
+          </a:prstGeom>
+          <a:noFill/>
+        </p:spPr>
+        <p:txBody>
+          <a:bodyPr wrap="square" rtlCol="0">
+            <a:spAutoFit/>
+          </a:bodyPr>
+          <a:lstStyle/>
+          <a:p>
+            <a:r>
+              <a:rPr lang="en-US" altLang="zh-CN" dirty="0"/>
+              <a:t>《</a:t>
+            </a:r>
+            <a:r>
+              <a:rPr lang="zh-CN" altLang="en-US" dirty="0"/>
+              <a:t>恃靓行凶</a:t>
+            </a:r>
+            <a:r>
+              <a:rPr lang="en-US" altLang="zh-CN" dirty="0"/>
+              <a:t>》</a:t>
+            </a:r>
+          </a:p>
+        </p:txBody>
+      </p:sp>
+      <p:sp>
+        <p:nvSpPr>
+          <p:cNvPr id="16" name="文本框 15">
+            <a:hlinkClick r:id="rId15"/>
+          </p:cNvPr>
+          <p:cNvSpPr txBox="1"/>
+          <p:nvPr/>
+        </p:nvSpPr>
+        <p:spPr>
+          <a:xfrm>
+            <a:off x="8991501" y="2870930"/>
+            <a:ext cx="1308059" cy="369331"/>
+          </a:xfrm>
+          <a:prstGeom prst="rect">
+            <a:avLst/>
+          </a:prstGeom>
+          <a:noFill/>
+        </p:spPr>
+        <p:txBody>
+          <a:bodyPr wrap="square" rtlCol="0">
+            <a:spAutoFit/>
+          </a:bodyPr>
+          <a:lstStyle/>
+          <a:p>
+            <a:r>
+              <a:rPr lang="en-US" altLang="zh-CN" dirty="0"/>
+              <a:t>《</a:t>
+            </a:r>
+            <a:r>
+              <a:rPr lang="zh-CN" altLang="en-US" dirty="0"/>
+              <a:t>韩非子</a:t>
+            </a:r>
+            <a:r>
+              <a:rPr lang="en-US" altLang="zh-CN" dirty="0"/>
+              <a:t>》</a:t>
+            </a:r>
+          </a:p>
+        </p:txBody>
+      </p:sp>
+      <p:sp>
+        <p:nvSpPr>
+          <p:cNvPr id="17" name="文本框 16">
+            <a:hlinkClick r:id="rId16"/>
+          </p:cNvPr>
+          <p:cNvSpPr txBox="1"/>
+          <p:nvPr/>
+        </p:nvSpPr>
+        <p:spPr>
+          <a:xfrm>
+            <a:off x="8991501" y="3617737"/>
+            <a:ext cx="1445166" cy="369332"/>
+          </a:xfrm>
+          <a:prstGeom prst="rect">
+            <a:avLst/>
+          </a:prstGeom>
+          <a:noFill/>
+        </p:spPr>
+        <p:txBody>
+          <a:bodyPr wrap="square" rtlCol="0">
+            <a:spAutoFit/>
+          </a:bodyPr>
+          <a:lstStyle/>
+          <a:p>
+            <a:r>
+              <a:rPr lang="en-US" altLang="zh-CN" dirty="0"/>
+              <a:t>《</a:t>
+            </a:r>
+            <a:r>
+              <a:rPr lang="zh-CN" altLang="en-US" dirty="0"/>
+              <a:t>花夜前行</a:t>
+            </a:r>
+            <a:r>
+              <a:rPr lang="en-US" altLang="zh-CN" dirty="0"/>
+              <a:t>》</a:t>
+            </a:r>
+          </a:p>
+        </p:txBody>
+      </p:sp>
+      <p:sp>
+        <p:nvSpPr>
+          <p:cNvPr id="18" name="文本框 17">
+            <a:hlinkClick r:id="rId17"/>
+          </p:cNvPr>
+          <p:cNvSpPr txBox="1"/>
+          <p:nvPr/>
+        </p:nvSpPr>
+        <p:spPr>
+          <a:xfrm>
+            <a:off x="8991501" y="4364545"/>
+            <a:ext cx="1445166" cy="369332"/>
+          </a:xfrm>
+          <a:prstGeom prst="rect">
+            <a:avLst/>
+          </a:prstGeom>
+          <a:noFill/>
+        </p:spPr>
+        <p:txBody>
+          <a:bodyPr wrap="square" rtlCol="0">
+            <a:spAutoFit/>
+          </a:bodyPr>
+          <a:lstStyle/>
+          <a:p>
+            <a:r>
+              <a:rPr lang="en-US" altLang="zh-CN" dirty="0"/>
+              <a:t>《</a:t>
+            </a:r>
+            <a:r>
+              <a:rPr lang="zh-CN" altLang="en-US" dirty="0"/>
+              <a:t>花宴</a:t>
+            </a:r>
+            <a:r>
+              <a:rPr lang="en-US" altLang="zh-CN" dirty="0"/>
+              <a:t>》</a:t>
+            </a:r>
+          </a:p>
+        </p:txBody>
+      </p:sp>
+      <p:sp>
+        <p:nvSpPr>
+          <p:cNvPr id="19" name="文本框 18">
+            <a:hlinkClick r:id="rId18"/>
+          </p:cNvPr>
+          <p:cNvSpPr txBox="1"/>
+          <p:nvPr/>
+        </p:nvSpPr>
+        <p:spPr>
+          <a:xfrm>
+            <a:off x="8922947" y="5111354"/>
+            <a:ext cx="1445166" cy="369332"/>
+          </a:xfrm>
+          <a:prstGeom prst="rect">
+            <a:avLst/>
+          </a:prstGeom>
+          <a:noFill/>
+        </p:spPr>
+        <p:txBody>
+          <a:bodyPr wrap="square" rtlCol="0">
+            <a:spAutoFit/>
+          </a:bodyPr>
+          <a:lstStyle/>
+          <a:p>
+            <a:r>
+              <a:rPr lang="en-US" altLang="zh-CN" dirty="0"/>
+              <a:t>《</a:t>
+            </a:r>
+            <a:r>
+              <a:rPr lang="zh-CN" altLang="en-US" dirty="0"/>
+              <a:t>画地为牢</a:t>
+            </a:r>
+            <a:r>
+              <a:rPr lang="en-US" altLang="zh-CN" dirty="0"/>
+              <a:t>》</a:t>
+            </a:r>
+          </a:p>
+        </p:txBody>
+      </p:sp>
+      <p:sp>
+        <p:nvSpPr>
+          <p:cNvPr id="20" name="文本框 19">
+            <a:hlinkClick r:id="rId19"/>
+          </p:cNvPr>
+          <p:cNvSpPr txBox="1"/>
+          <p:nvPr/>
+        </p:nvSpPr>
+        <p:spPr>
+          <a:xfrm>
+            <a:off x="4650834" y="5210791"/>
+            <a:ext cx="1445166" cy="369332"/>
+          </a:xfrm>
+          <a:prstGeom prst="rect">
+            <a:avLst/>
+          </a:prstGeom>
+          <a:noFill/>
+        </p:spPr>
+        <p:txBody>
+          <a:bodyPr wrap="square" rtlCol="0">
+            <a:spAutoFit/>
+          </a:bodyPr>
+          <a:lstStyle/>
+          <a:p>
+            <a:r>
+              <a:rPr lang="en-US" altLang="zh-CN" dirty="0"/>
+              <a:t>《</a:t>
+            </a:r>
+            <a:r>
+              <a:rPr lang="zh-CN" altLang="en-US" dirty="0"/>
+              <a:t>日落大道</a:t>
+            </a:r>
+            <a:r>
+              <a:rPr lang="en-US" altLang="zh-CN" dirty="0"/>
+              <a:t>》</a:t>
+            </a:r>
+          </a:p>
+        </p:txBody>
+      </p:sp>
+      <p:sp>
+        <p:nvSpPr>
+          <p:cNvPr id="21" name="文本框 20">
+            <a:hlinkClick r:id="rId20"/>
+          </p:cNvPr>
+          <p:cNvSpPr txBox="1"/>
+          <p:nvPr/>
+        </p:nvSpPr>
+        <p:spPr>
+          <a:xfrm>
+            <a:off x="1276522" y="3595274"/>
+            <a:ext cx="1660764" cy="646331"/>
+          </a:xfrm>
+          <a:prstGeom prst="rect">
+            <a:avLst/>
+          </a:prstGeom>
+          <a:noFill/>
+        </p:spPr>
+        <p:txBody>
+          <a:bodyPr wrap="square" rtlCol="0">
+            <a:spAutoFit/>
+          </a:bodyPr>
+          <a:lstStyle/>
+          <a:p>
+            <a:r>
+              <a:rPr lang="en-US" altLang="zh-CN" dirty="0"/>
+              <a:t>《</a:t>
+            </a:r>
+            <a:r>
+              <a:rPr lang="zh-CN" altLang="en-US" dirty="0"/>
+              <a:t>从红月开始（上）</a:t>
+            </a:r>
+            <a:r>
+              <a:rPr lang="en-US" altLang="zh-CN" dirty="0"/>
+              <a:t>》</a:t>
+            </a:r>
+          </a:p>
+        </p:txBody>
+      </p:sp>
+      <p:sp>
+        <p:nvSpPr>
+          <p:cNvPr id="23" name="文本框 22">
+            <a:hlinkClick r:id="rId21"/>
+          </p:cNvPr>
+          <p:cNvSpPr txBox="1"/>
+          <p:nvPr/>
+        </p:nvSpPr>
+        <p:spPr>
+          <a:xfrm>
+            <a:off x="4650834" y="5864881"/>
+            <a:ext cx="2593571" cy="369332"/>
+          </a:xfrm>
+          <a:prstGeom prst="rect">
+            <a:avLst/>
+          </a:prstGeom>
+          <a:noFill/>
+        </p:spPr>
+        <p:txBody>
+          <a:bodyPr wrap="square" rtlCol="0">
+            <a:spAutoFit/>
+          </a:bodyPr>
+          <a:lstStyle/>
+          <a:p>
+            <a:r>
+              <a:rPr lang="en-US" altLang="zh-CN" dirty="0"/>
+              <a:t>《</a:t>
+            </a:r>
+            <a:r>
+              <a:rPr lang="zh-CN" altLang="en-US" dirty="0"/>
+              <a:t>降水概率百分百</a:t>
+            </a:r>
+            <a:r>
+              <a:rPr lang="en-US" altLang="zh-CN" dirty="0"/>
+              <a:t>》</a:t>
+            </a:r>
           </a:p>
         </p:txBody>
       </p:sp>
@@ -18729,7 +18743,7 @@
       </p:grpSpPr>
       <p:sp>
         <p:nvSpPr>
-          <p:cNvPr id="11" name="标题 14"/>
+          <p:cNvPr id="9" name="标题 14"/>
           <p:cNvSpPr>
             <a:spLocks noGrp="1"/>
           </p:cNvSpPr>
@@ -18756,331 +18770,428 @@
           </a:p>
         </p:txBody>
       </p:sp>
-      <p:pic>
-        <p:nvPicPr>
-          <p:cNvPr id="13" name="图片 12">
+      <p:sp>
+        <p:nvSpPr>
+          <p:cNvPr id="10" name="文本框 9">
             <a:hlinkClick r:id="rId2"/>
           </p:cNvPr>
-          <p:cNvPicPr>
-            <a:picLocks noChangeAspect="1"/>
-          </p:cNvPicPr>
-          <p:nvPr/>
-        </p:nvPicPr>
-        <p:blipFill>
-          <a:blip r:embed="rId3">
-            <a:extLst>
-              <a:ext uri="{28A0092B-C50C-407E-A947-70E740481C1C}">
-                <a14:useLocalDpi xmlns:a14="http://schemas.microsoft.com/office/drawing/2010/main" val="0"/>
-              </a:ext>
-            </a:extLst>
-          </a:blip>
-          <a:stretch>
-            <a:fillRect/>
-          </a:stretch>
-        </p:blipFill>
-        <p:spPr>
-          <a:xfrm>
-            <a:off x="2114421" y="1642220"/>
-            <a:ext cx="1229968" cy="1639957"/>
-          </a:xfrm>
-          <a:prstGeom prst="roundRect">
-            <a:avLst>
-              <a:gd name="adj" fmla="val 8594"/>
-            </a:avLst>
-          </a:prstGeom>
-          <a:solidFill>
-            <a:srgbClr val="FFFFFF">
-              <a:shade val="85000"/>
-            </a:srgbClr>
-          </a:solidFill>
-          <a:ln>
-            <a:noFill/>
-          </a:ln>
-          <a:effectLst>
-            <a:reflection blurRad="12700" stA="38000" endPos="28000" dist="5000" dir="5400000" sy="-100000" algn="bl" rotWithShape="0"/>
-          </a:effectLst>
-        </p:spPr>
-      </p:pic>
-      <p:sp>
-        <p:nvSpPr>
-          <p:cNvPr id="14" name="立方体 13"/>
-          <p:cNvSpPr/>
-          <p:nvPr/>
-        </p:nvSpPr>
-        <p:spPr>
-          <a:xfrm>
-            <a:off x="948230" y="3536068"/>
-            <a:ext cx="10263109" cy="280559"/>
-          </a:xfrm>
-          <a:prstGeom prst="cube">
+          <p:cNvSpPr txBox="1"/>
+          <p:nvPr/>
+        </p:nvSpPr>
+        <p:spPr>
+          <a:xfrm>
+            <a:off x="1278255" y="1377315"/>
+            <a:ext cx="1464945" cy="369332"/>
+          </a:xfrm>
+          <a:prstGeom prst="rect">
             <a:avLst/>
           </a:prstGeom>
-          <a:solidFill>
-            <a:srgbClr val="894E29"/>
-          </a:solidFill>
-          <a:effectLst>
-            <a:outerShdw blurRad="50800" dist="38100" dir="2700000" algn="tl" rotWithShape="0">
-              <a:prstClr val="black">
-                <a:alpha val="40000"/>
-              </a:prstClr>
-            </a:outerShdw>
-          </a:effectLst>
-        </p:spPr>
-        <p:style>
-          <a:lnRef idx="2">
-            <a:schemeClr val="accent1">
-              <a:shade val="15000"/>
-            </a:schemeClr>
-          </a:lnRef>
-          <a:fillRef idx="1">
-            <a:schemeClr val="accent1"/>
-          </a:fillRef>
-          <a:effectRef idx="0">
-            <a:schemeClr val="accent1"/>
-          </a:effectRef>
-          <a:fontRef idx="minor">
-            <a:schemeClr val="lt1"/>
-          </a:fontRef>
-        </p:style>
-        <p:txBody>
-          <a:bodyPr rtlCol="0" anchor="ctr"/>
-          <a:lstStyle/>
-          <a:p>
-            <a:pPr algn="ctr"/>
-            <a:endParaRPr lang="zh-CN" altLang="en-US"/>
-          </a:p>
-        </p:txBody>
-      </p:sp>
-      <p:pic>
-        <p:nvPicPr>
-          <p:cNvPr id="2" name="图片 1">
+          <a:noFill/>
+        </p:spPr>
+        <p:txBody>
+          <a:bodyPr wrap="square" rtlCol="0">
+            <a:spAutoFit/>
+          </a:bodyPr>
+          <a:lstStyle/>
+          <a:p>
+            <a:r>
+              <a:rPr lang="en-US" altLang="zh-CN" dirty="0"/>
+              <a:t>《</a:t>
+            </a:r>
+            <a:r>
+              <a:rPr lang="zh-CN" altLang="en-US" dirty="0"/>
+              <a:t>雪心赋</a:t>
+            </a:r>
+            <a:r>
+              <a:rPr lang="en-US" altLang="zh-CN" dirty="0"/>
+              <a:t>》</a:t>
+            </a:r>
+          </a:p>
+        </p:txBody>
+      </p:sp>
+      <p:sp>
+        <p:nvSpPr>
+          <p:cNvPr id="2" name="文本框 1">
+            <a:hlinkClick r:id="rId3"/>
+          </p:cNvPr>
+          <p:cNvSpPr txBox="1"/>
+          <p:nvPr/>
+        </p:nvSpPr>
+        <p:spPr>
+          <a:xfrm>
+            <a:off x="1278255" y="2116635"/>
+            <a:ext cx="3206659" cy="369332"/>
+          </a:xfrm>
+          <a:prstGeom prst="rect">
+            <a:avLst/>
+          </a:prstGeom>
+          <a:noFill/>
+        </p:spPr>
+        <p:txBody>
+          <a:bodyPr wrap="square" rtlCol="0">
+            <a:spAutoFit/>
+          </a:bodyPr>
+          <a:lstStyle/>
+          <a:p>
+            <a:r>
+              <a:rPr lang="en-US" altLang="zh-CN" dirty="0"/>
+              <a:t>《</a:t>
+            </a:r>
+            <a:r>
+              <a:rPr lang="zh-CN" altLang="en-US" dirty="0"/>
+              <a:t>斗罗大陆</a:t>
+            </a:r>
+            <a:r>
+              <a:rPr lang="en-US" altLang="zh-CN" dirty="0"/>
+              <a:t>3</a:t>
+            </a:r>
+            <a:r>
+              <a:rPr lang="zh-CN" altLang="en-US" dirty="0"/>
+              <a:t>龙王传说</a:t>
+            </a:r>
+            <a:r>
+              <a:rPr lang="en-US" altLang="zh-CN" dirty="0"/>
+              <a:t>》</a:t>
+            </a:r>
+            <a:r>
+              <a:rPr lang="zh-CN" altLang="en-US" dirty="0"/>
+              <a:t>（上）</a:t>
+            </a:r>
+            <a:endParaRPr lang="en-US" altLang="zh-CN" dirty="0"/>
+          </a:p>
+        </p:txBody>
+      </p:sp>
+      <p:sp>
+        <p:nvSpPr>
+          <p:cNvPr id="3" name="文本框 2">
             <a:hlinkClick r:id="rId4"/>
           </p:cNvPr>
-          <p:cNvPicPr>
-            <a:picLocks noChangeAspect="1"/>
-          </p:cNvPicPr>
-          <p:nvPr/>
-        </p:nvPicPr>
-        <p:blipFill>
-          <a:blip r:embed="rId5" cstate="print">
-            <a:extLst>
-              <a:ext uri="{28A0092B-C50C-407E-A947-70E740481C1C}">
-                <a14:useLocalDpi xmlns:a14="http://schemas.microsoft.com/office/drawing/2010/main" val="0"/>
-              </a:ext>
-            </a:extLst>
-          </a:blip>
-          <a:srcRect t="2417" b="2417"/>
-          <a:stretch>
-            <a:fillRect/>
-          </a:stretch>
-        </p:blipFill>
-        <p:spPr>
-          <a:xfrm>
-            <a:off x="5464800" y="1642219"/>
-            <a:ext cx="1229968" cy="1639957"/>
-          </a:xfrm>
-          <a:prstGeom prst="roundRect">
-            <a:avLst>
-              <a:gd name="adj" fmla="val 8594"/>
-            </a:avLst>
-          </a:prstGeom>
-          <a:solidFill>
-            <a:srgbClr val="FFFFFF">
-              <a:shade val="85000"/>
-            </a:srgbClr>
-          </a:solidFill>
-          <a:ln>
-            <a:noFill/>
-          </a:ln>
-          <a:effectLst>
-            <a:reflection blurRad="12700" stA="38000" endPos="28000" dist="5000" dir="5400000" sy="-100000" algn="bl" rotWithShape="0"/>
-          </a:effectLst>
-        </p:spPr>
-      </p:pic>
-      <p:pic>
-        <p:nvPicPr>
-          <p:cNvPr id="3" name="图片 2">
+          <p:cNvSpPr txBox="1"/>
+          <p:nvPr/>
+        </p:nvSpPr>
+        <p:spPr>
+          <a:xfrm>
+            <a:off x="1278254" y="3635198"/>
+            <a:ext cx="1282065" cy="369331"/>
+          </a:xfrm>
+          <a:prstGeom prst="rect">
+            <a:avLst/>
+          </a:prstGeom>
+          <a:noFill/>
+        </p:spPr>
+        <p:txBody>
+          <a:bodyPr wrap="square" rtlCol="0">
+            <a:spAutoFit/>
+          </a:bodyPr>
+          <a:lstStyle/>
+          <a:p>
+            <a:r>
+              <a:rPr lang="en-US" altLang="zh-CN" dirty="0"/>
+              <a:t>《</a:t>
+            </a:r>
+            <a:r>
+              <a:rPr lang="zh-CN" altLang="en-US" dirty="0"/>
+              <a:t>杀青</a:t>
+            </a:r>
+            <a:r>
+              <a:rPr lang="en-US" altLang="zh-CN" dirty="0"/>
+              <a:t>》</a:t>
+            </a:r>
+          </a:p>
+        </p:txBody>
+      </p:sp>
+      <p:sp>
+        <p:nvSpPr>
+          <p:cNvPr id="4" name="文本框 3">
+            <a:hlinkClick r:id="rId5"/>
+          </p:cNvPr>
+          <p:cNvSpPr txBox="1"/>
+          <p:nvPr/>
+        </p:nvSpPr>
+        <p:spPr>
+          <a:xfrm>
+            <a:off x="1278254" y="4411957"/>
+            <a:ext cx="2053421" cy="369332"/>
+          </a:xfrm>
+          <a:prstGeom prst="rect">
+            <a:avLst/>
+          </a:prstGeom>
+          <a:noFill/>
+        </p:spPr>
+        <p:txBody>
+          <a:bodyPr wrap="square" rtlCol="0">
+            <a:spAutoFit/>
+          </a:bodyPr>
+          <a:lstStyle/>
+          <a:p>
+            <a:r>
+              <a:rPr lang="en-US" altLang="zh-CN" dirty="0"/>
+              <a:t>《</a:t>
+            </a:r>
+            <a:r>
+              <a:rPr lang="zh-CN" altLang="en-US" dirty="0"/>
+              <a:t>大医凌然</a:t>
+            </a:r>
+            <a:r>
+              <a:rPr lang="en-US" altLang="zh-CN" dirty="0"/>
+              <a:t>》</a:t>
+            </a:r>
+            <a:r>
+              <a:rPr lang="zh-CN" altLang="en-US" dirty="0"/>
+              <a:t>（上）</a:t>
+            </a:r>
+            <a:endParaRPr lang="en-US" altLang="zh-CN" dirty="0"/>
+          </a:p>
+        </p:txBody>
+      </p:sp>
+      <p:sp>
+        <p:nvSpPr>
+          <p:cNvPr id="5" name="文本框 4">
             <a:hlinkClick r:id="rId6"/>
           </p:cNvPr>
-          <p:cNvPicPr>
-            <a:picLocks noChangeAspect="1"/>
-          </p:cNvPicPr>
-          <p:nvPr/>
-        </p:nvPicPr>
-        <p:blipFill>
-          <a:blip r:embed="rId7" cstate="print">
-            <a:extLst>
-              <a:ext uri="{28A0092B-C50C-407E-A947-70E740481C1C}">
-                <a14:useLocalDpi xmlns:a14="http://schemas.microsoft.com/office/drawing/2010/main" val="0"/>
-              </a:ext>
-            </a:extLst>
-          </a:blip>
-          <a:srcRect t="4422" b="4422"/>
-          <a:stretch>
-            <a:fillRect/>
-          </a:stretch>
-        </p:blipFill>
-        <p:spPr>
-          <a:xfrm>
-            <a:off x="8815179" y="1642218"/>
-            <a:ext cx="1229968" cy="1639957"/>
-          </a:xfrm>
-          <a:prstGeom prst="roundRect">
-            <a:avLst>
-              <a:gd name="adj" fmla="val 8594"/>
-            </a:avLst>
-          </a:prstGeom>
-          <a:solidFill>
-            <a:srgbClr val="FFFFFF">
-              <a:shade val="85000"/>
-            </a:srgbClr>
-          </a:solidFill>
-          <a:ln>
-            <a:noFill/>
-          </a:ln>
-          <a:effectLst>
-            <a:reflection blurRad="12700" stA="38000" endPos="28000" dist="5000" dir="5400000" sy="-100000" algn="bl" rotWithShape="0"/>
-          </a:effectLst>
-        </p:spPr>
-      </p:pic>
-      <p:pic>
-        <p:nvPicPr>
-          <p:cNvPr id="4" name="图片 3">
+          <p:cNvSpPr txBox="1"/>
+          <p:nvPr/>
+        </p:nvSpPr>
+        <p:spPr>
+          <a:xfrm>
+            <a:off x="1278254" y="2875916"/>
+            <a:ext cx="3206660" cy="369332"/>
+          </a:xfrm>
+          <a:prstGeom prst="rect">
+            <a:avLst/>
+          </a:prstGeom>
+          <a:noFill/>
+        </p:spPr>
+        <p:txBody>
+          <a:bodyPr wrap="square" rtlCol="0">
+            <a:spAutoFit/>
+          </a:bodyPr>
+          <a:lstStyle/>
+          <a:p>
+            <a:r>
+              <a:rPr lang="en-US" altLang="zh-CN" dirty="0"/>
+              <a:t>《</a:t>
+            </a:r>
+            <a:r>
+              <a:rPr lang="zh-CN" altLang="en-US" dirty="0"/>
+              <a:t>斗罗大陆</a:t>
+            </a:r>
+            <a:r>
+              <a:rPr lang="en-US" altLang="zh-CN" dirty="0"/>
+              <a:t>3</a:t>
+            </a:r>
+            <a:r>
+              <a:rPr lang="zh-CN" altLang="en-US" dirty="0"/>
+              <a:t>龙王传说</a:t>
+            </a:r>
+            <a:r>
+              <a:rPr lang="en-US" altLang="zh-CN" dirty="0"/>
+              <a:t>》</a:t>
+            </a:r>
+            <a:r>
+              <a:rPr lang="zh-CN" altLang="en-US" dirty="0"/>
+              <a:t>（下）</a:t>
+            </a:r>
+            <a:endParaRPr lang="en-US" altLang="zh-CN" dirty="0"/>
+          </a:p>
+        </p:txBody>
+      </p:sp>
+      <p:sp>
+        <p:nvSpPr>
+          <p:cNvPr id="6" name="文本框 5">
+            <a:hlinkClick r:id="rId7"/>
+          </p:cNvPr>
+          <p:cNvSpPr txBox="1"/>
+          <p:nvPr/>
+        </p:nvSpPr>
+        <p:spPr>
+          <a:xfrm>
+            <a:off x="1278254" y="5171238"/>
+            <a:ext cx="2053421" cy="369332"/>
+          </a:xfrm>
+          <a:prstGeom prst="rect">
+            <a:avLst/>
+          </a:prstGeom>
+          <a:noFill/>
+        </p:spPr>
+        <p:txBody>
+          <a:bodyPr wrap="square" rtlCol="0">
+            <a:spAutoFit/>
+          </a:bodyPr>
+          <a:lstStyle/>
+          <a:p>
+            <a:r>
+              <a:rPr lang="en-US" altLang="zh-CN" dirty="0"/>
+              <a:t>《</a:t>
+            </a:r>
+            <a:r>
+              <a:rPr lang="zh-CN" altLang="en-US" dirty="0"/>
+              <a:t>大医凌然</a:t>
+            </a:r>
+            <a:r>
+              <a:rPr lang="en-US" altLang="zh-CN" dirty="0"/>
+              <a:t>》</a:t>
+            </a:r>
+            <a:r>
+              <a:rPr lang="zh-CN" altLang="en-US" dirty="0"/>
+              <a:t>（下）</a:t>
+            </a:r>
+            <a:endParaRPr lang="en-US" altLang="zh-CN" dirty="0"/>
+          </a:p>
+        </p:txBody>
+      </p:sp>
+      <p:sp>
+        <p:nvSpPr>
+          <p:cNvPr id="7" name="文本框 6">
             <a:hlinkClick r:id="rId8"/>
           </p:cNvPr>
-          <p:cNvPicPr>
-            <a:picLocks noChangeAspect="1"/>
-          </p:cNvPicPr>
-          <p:nvPr/>
-        </p:nvPicPr>
-        <p:blipFill>
-          <a:blip r:embed="rId9">
-            <a:extLst>
-              <a:ext uri="{28A0092B-C50C-407E-A947-70E740481C1C}">
-                <a14:useLocalDpi xmlns:a14="http://schemas.microsoft.com/office/drawing/2010/main" val="0"/>
-              </a:ext>
-            </a:extLst>
-          </a:blip>
-          <a:srcRect l="6612" r="6612"/>
-          <a:stretch>
-            <a:fillRect/>
-          </a:stretch>
-        </p:blipFill>
-        <p:spPr>
-          <a:xfrm>
-            <a:off x="2114421" y="4395801"/>
-            <a:ext cx="1229968" cy="1639957"/>
-          </a:xfrm>
-          <a:prstGeom prst="roundRect">
-            <a:avLst>
-              <a:gd name="adj" fmla="val 8594"/>
-            </a:avLst>
-          </a:prstGeom>
-          <a:solidFill>
-            <a:srgbClr val="FFFFFF">
-              <a:shade val="85000"/>
-            </a:srgbClr>
-          </a:solidFill>
-          <a:ln>
-            <a:noFill/>
-          </a:ln>
-          <a:effectLst>
-            <a:reflection blurRad="12700" stA="38000" endPos="28000" dist="5000" dir="5400000" sy="-100000" algn="bl" rotWithShape="0"/>
-          </a:effectLst>
-        </p:spPr>
-      </p:pic>
-      <p:pic>
-        <p:nvPicPr>
-          <p:cNvPr id="5" name="图片 4">
+          <p:cNvSpPr txBox="1"/>
+          <p:nvPr/>
+        </p:nvSpPr>
+        <p:spPr>
+          <a:xfrm>
+            <a:off x="1278254" y="5881210"/>
+            <a:ext cx="4023211" cy="369332"/>
+          </a:xfrm>
+          <a:prstGeom prst="rect">
+            <a:avLst/>
+          </a:prstGeom>
+          <a:noFill/>
+        </p:spPr>
+        <p:txBody>
+          <a:bodyPr wrap="square" rtlCol="0">
+            <a:spAutoFit/>
+          </a:bodyPr>
+          <a:lstStyle/>
+          <a:p>
+            <a:r>
+              <a:rPr lang="en-US" altLang="zh-CN" dirty="0"/>
+              <a:t>《</a:t>
+            </a:r>
+            <a:r>
+              <a:rPr lang="zh-CN" altLang="en-US" b="1" i="0" u="none" strike="noStrike" dirty="0">
+                <a:solidFill>
+                  <a:srgbClr val="555555"/>
+                </a:solidFill>
+                <a:effectLst/>
+                <a:latin typeface="黑体" panose="02010609060101010101" charset="-122"/>
+                <a:ea typeface="黑体" panose="02010609060101010101" charset="-122"/>
+              </a:rPr>
+              <a:t>穿成魔王</a:t>
+            </a:r>
+            <a:r>
+              <a:rPr lang="en-US" altLang="zh-CN" b="1" i="0" u="none" strike="noStrike" dirty="0">
+                <a:solidFill>
+                  <a:srgbClr val="555555"/>
+                </a:solidFill>
+                <a:effectLst/>
+                <a:latin typeface="黑体" panose="02010609060101010101" charset="-122"/>
+                <a:ea typeface="黑体" panose="02010609060101010101" charset="-122"/>
+              </a:rPr>
+              <a:t>,</a:t>
+            </a:r>
+            <a:r>
+              <a:rPr lang="zh-CN" altLang="en-US" b="1" i="0" u="none" strike="noStrike" dirty="0">
+                <a:solidFill>
+                  <a:srgbClr val="555555"/>
+                </a:solidFill>
+                <a:effectLst/>
+                <a:latin typeface="黑体" panose="02010609060101010101" charset="-122"/>
+                <a:ea typeface="黑体" panose="02010609060101010101" charset="-122"/>
+              </a:rPr>
+              <a:t>给异世界来点整活震撼</a:t>
+            </a:r>
+            <a:r>
+              <a:rPr lang="en-US" altLang="zh-CN" dirty="0"/>
+              <a:t>》</a:t>
+            </a:r>
+          </a:p>
+        </p:txBody>
+      </p:sp>
+      <p:sp>
+        <p:nvSpPr>
+          <p:cNvPr id="8" name="文本框 7">
+            <a:hlinkClick r:id="rId9"/>
+          </p:cNvPr>
+          <p:cNvSpPr txBox="1"/>
+          <p:nvPr/>
+        </p:nvSpPr>
+        <p:spPr>
+          <a:xfrm>
+            <a:off x="6459855" y="1267675"/>
+            <a:ext cx="2036445" cy="369332"/>
+          </a:xfrm>
+          <a:prstGeom prst="rect">
+            <a:avLst/>
+          </a:prstGeom>
+          <a:noFill/>
+        </p:spPr>
+        <p:txBody>
+          <a:bodyPr wrap="square" rtlCol="0">
+            <a:spAutoFit/>
+          </a:bodyPr>
+          <a:lstStyle/>
+          <a:p>
+            <a:r>
+              <a:rPr lang="zh-CN" altLang="en-US" dirty="0"/>
+              <a:t>衡水一本通化学</a:t>
+            </a:r>
+            <a:endParaRPr lang="en-US" altLang="zh-CN" dirty="0"/>
+          </a:p>
+        </p:txBody>
+      </p:sp>
+      <p:sp>
+        <p:nvSpPr>
+          <p:cNvPr id="11" name="文本框 10">
             <a:hlinkClick r:id="rId10"/>
           </p:cNvPr>
-          <p:cNvPicPr>
-            <a:picLocks noChangeAspect="1"/>
-          </p:cNvPicPr>
-          <p:nvPr/>
-        </p:nvPicPr>
-        <p:blipFill>
-          <a:blip r:embed="rId11">
-            <a:extLst>
-              <a:ext uri="{28A0092B-C50C-407E-A947-70E740481C1C}">
-                <a14:useLocalDpi xmlns:a14="http://schemas.microsoft.com/office/drawing/2010/main" val="0"/>
-              </a:ext>
-            </a:extLst>
-          </a:blip>
-          <a:srcRect/>
-          <a:stretch>
-            <a:fillRect/>
-          </a:stretch>
-        </p:blipFill>
-        <p:spPr>
-          <a:xfrm>
-            <a:off x="5481016" y="4395801"/>
-            <a:ext cx="1229968" cy="1639957"/>
-          </a:xfrm>
-          <a:prstGeom prst="roundRect">
-            <a:avLst>
-              <a:gd name="adj" fmla="val 8594"/>
-            </a:avLst>
-          </a:prstGeom>
-          <a:solidFill>
-            <a:srgbClr val="FFFFFF">
-              <a:shade val="85000"/>
-            </a:srgbClr>
-          </a:solidFill>
-          <a:ln>
-            <a:noFill/>
-          </a:ln>
-          <a:effectLst>
-            <a:reflection blurRad="12700" stA="38000" endPos="28000" dist="5000" dir="5400000" sy="-100000" algn="bl" rotWithShape="0"/>
-          </a:effectLst>
-        </p:spPr>
-      </p:pic>
-      <p:pic>
-        <p:nvPicPr>
-          <p:cNvPr id="6" name="图片 5">
-            <a:hlinkClick r:id="rId12"/>
-          </p:cNvPr>
-          <p:cNvPicPr>
-            <a:picLocks noChangeAspect="1"/>
-          </p:cNvPicPr>
-          <p:nvPr/>
-        </p:nvPicPr>
-        <p:blipFill>
-          <a:blip r:embed="rId13">
-            <a:extLst>
-              <a:ext uri="{28A0092B-C50C-407E-A947-70E740481C1C}">
-                <a14:useLocalDpi xmlns:a14="http://schemas.microsoft.com/office/drawing/2010/main" val="0"/>
-              </a:ext>
-            </a:extLst>
-          </a:blip>
-          <a:srcRect/>
-          <a:stretch>
-            <a:fillRect/>
-          </a:stretch>
-        </p:blipFill>
-        <p:spPr>
-          <a:xfrm>
-            <a:off x="8815179" y="4395801"/>
-            <a:ext cx="1229968" cy="1639957"/>
-          </a:xfrm>
-          <a:prstGeom prst="roundRect">
-            <a:avLst>
-              <a:gd name="adj" fmla="val 8594"/>
-            </a:avLst>
-          </a:prstGeom>
-          <a:solidFill>
-            <a:srgbClr val="FFFFFF">
-              <a:shade val="85000"/>
-            </a:srgbClr>
-          </a:solidFill>
-          <a:ln>
-            <a:noFill/>
-          </a:ln>
-          <a:effectLst>
-            <a:reflection blurRad="12700" stA="38000" endPos="28000" dist="5000" dir="5400000" sy="-100000" algn="bl" rotWithShape="0"/>
-          </a:effectLst>
-        </p:spPr>
-      </p:pic>
+          <p:cNvSpPr txBox="1"/>
+          <p:nvPr/>
+        </p:nvSpPr>
+        <p:spPr>
+          <a:xfrm>
+            <a:off x="6459855" y="2029940"/>
+            <a:ext cx="3206660" cy="369332"/>
+          </a:xfrm>
+          <a:prstGeom prst="rect">
+            <a:avLst/>
+          </a:prstGeom>
+          <a:noFill/>
+        </p:spPr>
+        <p:txBody>
+          <a:bodyPr wrap="square" rtlCol="0">
+            <a:spAutoFit/>
+          </a:bodyPr>
+          <a:lstStyle/>
+          <a:p>
+            <a:r>
+              <a:rPr lang="en-US" altLang="zh-CN" dirty="0"/>
+              <a:t>《</a:t>
+            </a:r>
+            <a:r>
+              <a:rPr lang="zh-CN" altLang="en-US" dirty="0"/>
+              <a:t>斗罗大陆</a:t>
+            </a:r>
+            <a:r>
+              <a:rPr lang="en-US" altLang="zh-CN" dirty="0"/>
+              <a:t>3</a:t>
+            </a:r>
+            <a:r>
+              <a:rPr lang="zh-CN" altLang="en-US" dirty="0"/>
+              <a:t>龙王传说</a:t>
+            </a:r>
+            <a:r>
+              <a:rPr lang="en-US" altLang="zh-CN" dirty="0"/>
+              <a:t>》</a:t>
+            </a:r>
+            <a:r>
+              <a:rPr lang="zh-CN" altLang="en-US" dirty="0"/>
+              <a:t>（下）</a:t>
+            </a:r>
+            <a:endParaRPr lang="en-US" altLang="zh-CN" dirty="0"/>
+          </a:p>
+        </p:txBody>
+      </p:sp>
     </p:spTree>
   </p:cSld>
   <p:clrMapOvr>

--- a/livefile/livepowerpoint.pptx
+++ b/livefile/livepowerpoint.pptx
@@ -7593,7 +7593,7 @@
         <p:sp>
           <p:nvSpPr>
             <p:cNvPr id="8" name="文本框 7">
-              <a:hlinkClick r:id="rId5" action="ppaction://hlinkfile"/>
+              <a:hlinkClick r:id="rId5"/>
             </p:cNvPr>
             <p:cNvSpPr txBox="1"/>
             <p:nvPr/>

--- a/livefile/livepowerpoint.pptx
+++ b/livefile/livepowerpoint.pptx
@@ -17281,6 +17281,80 @@
               <a:rPr lang="zh-CN" altLang="en-US" dirty="0"/>
               <a:t>）</a:t>
             </a:r>
+          </a:p>
+        </p:txBody>
+      </p:sp>
+      <p:sp>
+        <p:nvSpPr>
+          <p:cNvPr id="22" name="文本框 21">
+            <a:hlinkClick r:id="rId3"/>
+            <a:extLst>
+              <a:ext uri="{FF2B5EF4-FFF2-40B4-BE49-F238E27FC236}">
+                <a16:creationId xmlns:a16="http://schemas.microsoft.com/office/drawing/2014/main" id="{9CEF797B-CF02-A4CB-3985-1FD804288403}"/>
+              </a:ext>
+            </a:extLst>
+          </p:cNvPr>
+          <p:cNvSpPr txBox="1"/>
+          <p:nvPr/>
+        </p:nvSpPr>
+        <p:spPr>
+          <a:xfrm>
+            <a:off x="1200150" y="2786211"/>
+            <a:ext cx="1018227" cy="369332"/>
+          </a:xfrm>
+          <a:prstGeom prst="rect">
+            <a:avLst/>
+          </a:prstGeom>
+          <a:noFill/>
+        </p:spPr>
+        <p:txBody>
+          <a:bodyPr wrap="none" rtlCol="0">
+            <a:spAutoFit/>
+          </a:bodyPr>
+          <a:lstStyle/>
+          <a:p>
+            <a:r>
+              <a:rPr lang="en-US" altLang="zh-CN" dirty="0"/>
+              <a:t>14tgggg</a:t>
+            </a:r>
+            <a:endParaRPr lang="zh-CN" altLang="en-US" dirty="0"/>
+          </a:p>
+        </p:txBody>
+      </p:sp>
+      <p:sp>
+        <p:nvSpPr>
+          <p:cNvPr id="23" name="文本框 22">
+            <a:hlinkClick r:id="rId3"/>
+            <a:extLst>
+              <a:ext uri="{FF2B5EF4-FFF2-40B4-BE49-F238E27FC236}">
+                <a16:creationId xmlns:a16="http://schemas.microsoft.com/office/drawing/2014/main" id="{7A5C3E6F-E7D1-EA60-609B-997669AD9D5A}"/>
+              </a:ext>
+            </a:extLst>
+          </p:cNvPr>
+          <p:cNvSpPr txBox="1"/>
+          <p:nvPr/>
+        </p:nvSpPr>
+        <p:spPr>
+          <a:xfrm>
+            <a:off x="1273222" y="3355683"/>
+            <a:ext cx="1492716" cy="369332"/>
+          </a:xfrm>
+          <a:prstGeom prst="rect">
+            <a:avLst/>
+          </a:prstGeom>
+          <a:noFill/>
+        </p:spPr>
+        <p:txBody>
+          <a:bodyPr wrap="none" rtlCol="0">
+            <a:spAutoFit/>
+          </a:bodyPr>
+          <a:lstStyle/>
+          <a:p>
+            <a:r>
+              <a:rPr lang="en-US" altLang="zh-CN" dirty="0" err="1"/>
+              <a:t>ddcgbvghjuu</a:t>
+            </a:r>
+            <a:endParaRPr lang="zh-CN" altLang="en-US" dirty="0"/>
           </a:p>
         </p:txBody>
       </p:sp>

--- a/livefile/livepowerpoint.pptx
+++ b/livefile/livepowerpoint.pptx
@@ -220,7 +220,7 @@
           <a:p>
             <a:fld id="{16A2333F-9A84-48D5-897E-B51363C09104}" type="datetimeFigureOut">
               <a:rPr lang="zh-CN" altLang="en-US" smtClean="0"/>
-              <a:t>2024/5/7</a:t>
+              <a:t>2024/5/8</a:t>
             </a:fld>
             <a:endParaRPr lang="zh-CN" altLang="en-US"/>
           </a:p>
@@ -1350,7 +1350,7 @@
             </a:pPr>
             <a:fld id="{8D7D9A98-2B42-4142-BB4A-011734DDEA85}" type="datetimeFigureOut">
               <a:rPr lang="zh-CN" altLang="en-US"/>
-              <a:t>2024/5/7</a:t>
+              <a:t>2024/5/8</a:t>
             </a:fld>
             <a:endParaRPr lang="zh-CN" altLang="en-US"/>
           </a:p>
@@ -1499,7 +1499,7 @@
             </a:pPr>
             <a:fld id="{12F3D532-36F8-4FDA-B03A-4B8348962AD1}" type="datetime1">
               <a:rPr lang="zh-CN" altLang="en-US"/>
-              <a:t>2024/5/7</a:t>
+              <a:t>2024/5/8</a:t>
             </a:fld>
             <a:endParaRPr lang="zh-CN" altLang="en-US"/>
           </a:p>
@@ -1608,7 +1608,7 @@
           <a:p>
             <a:fld id="{F487EE23-058C-4F57-8869-2B6561E3103C}" type="datetimeFigureOut">
               <a:rPr lang="zh-CN" altLang="en-US" smtClean="0"/>
-              <a:t>2024/5/7</a:t>
+              <a:t>2024/5/8</a:t>
             </a:fld>
             <a:endParaRPr lang="zh-CN" altLang="en-US"/>
           </a:p>
@@ -1864,7 +1864,7 @@
           <a:p>
             <a:fld id="{F487EE23-058C-4F57-8869-2B6561E3103C}" type="datetimeFigureOut">
               <a:rPr lang="zh-CN" altLang="en-US" smtClean="0"/>
-              <a:t>2024/5/7</a:t>
+              <a:t>2024/5/8</a:t>
             </a:fld>
             <a:endParaRPr lang="zh-CN" altLang="en-US"/>
           </a:p>
@@ -2086,7 +2086,7 @@
             </a:pPr>
             <a:fld id="{A293AA06-7DE4-4BE9-9894-758112E5DCC1}" type="datetime1">
               <a:rPr lang="zh-CN" altLang="en-US"/>
-              <a:t>2024/5/7</a:t>
+              <a:t>2024/5/8</a:t>
             </a:fld>
             <a:endParaRPr lang="zh-CN" altLang="en-US"/>
           </a:p>
@@ -2400,7 +2400,7 @@
           <a:p>
             <a:fld id="{F487EE23-058C-4F57-8869-2B6561E3103C}" type="datetimeFigureOut">
               <a:rPr lang="zh-CN" altLang="en-US" smtClean="0"/>
-              <a:t>2024/5/7</a:t>
+              <a:t>2024/5/8</a:t>
             </a:fld>
             <a:endParaRPr lang="zh-CN" altLang="en-US"/>
           </a:p>
@@ -2651,7 +2651,7 @@
             </a:pPr>
             <a:fld id="{BEDED714-68C8-44B6-9732-DDF7DD97772E}" type="datetime1">
               <a:rPr lang="zh-CN" altLang="en-US"/>
-              <a:t>2024/5/7</a:t>
+              <a:t>2024/5/8</a:t>
             </a:fld>
             <a:endParaRPr lang="zh-CN" altLang="en-US"/>
           </a:p>
@@ -3033,7 +3033,7 @@
             </a:pPr>
             <a:fld id="{27A77D59-FE09-433D-B821-9B2BE50A514A}" type="datetime1">
               <a:rPr lang="zh-CN" altLang="en-US"/>
-              <a:t>2024/5/7</a:t>
+              <a:t>2024/5/8</a:t>
             </a:fld>
             <a:endParaRPr lang="zh-CN" altLang="en-US"/>
           </a:p>
@@ -3342,7 +3342,7 @@
             </a:pPr>
             <a:fld id="{E11AF4AC-5AFC-4379-B912-FCE9AB7477D3}" type="datetime1">
               <a:rPr lang="zh-CN" altLang="en-US"/>
-              <a:t>2024/5/7</a:t>
+              <a:t>2024/5/8</a:t>
             </a:fld>
             <a:endParaRPr lang="zh-CN" altLang="en-US"/>
           </a:p>
@@ -4070,7 +4070,7 @@
             </a:pPr>
             <a:fld id="{D2392E56-C887-40A0-B45B-7A180C992FB2}" type="datetime1">
               <a:rPr lang="zh-CN" altLang="en-US"/>
-              <a:t>2024/5/7</a:t>
+              <a:t>2024/5/8</a:t>
             </a:fld>
             <a:endParaRPr lang="zh-CN" altLang="en-US"/>
           </a:p>
@@ -4513,7 +4513,7 @@
             </a:pPr>
             <a:fld id="{614AAE4D-FD61-4E21-A39B-A3D833986EBE}" type="datetime1">
               <a:rPr lang="zh-CN" altLang="en-US"/>
-              <a:t>2024/5/7</a:t>
+              <a:t>2024/5/8</a:t>
             </a:fld>
             <a:endParaRPr lang="zh-CN" altLang="en-US"/>
           </a:p>
@@ -4875,7 +4875,7 @@
           <a:p>
             <a:fld id="{F487EE23-058C-4F57-8869-2B6561E3103C}" type="datetimeFigureOut">
               <a:rPr lang="zh-CN" altLang="en-US" smtClean="0"/>
-              <a:t>2024/5/7</a:t>
+              <a:t>2024/5/8</a:t>
             </a:fld>
             <a:endParaRPr lang="zh-CN" altLang="en-US"/>
           </a:p>
@@ -5361,7 +5361,7 @@
           <a:p>
             <a:fld id="{F487EE23-058C-4F57-8869-2B6561E3103C}" type="datetimeFigureOut">
               <a:rPr lang="zh-CN" altLang="en-US" smtClean="0"/>
-              <a:t>2024/5/7</a:t>
+              <a:t>2024/5/8</a:t>
             </a:fld>
             <a:endParaRPr lang="zh-CN" altLang="en-US"/>
           </a:p>
@@ -5634,7 +5634,7 @@
           <a:p>
             <a:fld id="{F487EE23-058C-4F57-8869-2B6561E3103C}" type="datetimeFigureOut">
               <a:rPr lang="zh-CN" altLang="en-US" smtClean="0"/>
-              <a:t>2024/5/7</a:t>
+              <a:t>2024/5/8</a:t>
             </a:fld>
             <a:endParaRPr lang="zh-CN" altLang="en-US"/>
           </a:p>
@@ -17286,43 +17286,6 @@
       </p:sp>
       <p:sp>
         <p:nvSpPr>
-          <p:cNvPr id="22" name="文本框 21">
-            <a:hlinkClick r:id="rId3"/>
-            <a:extLst>
-              <a:ext uri="{FF2B5EF4-FFF2-40B4-BE49-F238E27FC236}">
-                <a16:creationId xmlns:a16="http://schemas.microsoft.com/office/drawing/2014/main" id="{9CEF797B-CF02-A4CB-3985-1FD804288403}"/>
-              </a:ext>
-            </a:extLst>
-          </p:cNvPr>
-          <p:cNvSpPr txBox="1"/>
-          <p:nvPr/>
-        </p:nvSpPr>
-        <p:spPr>
-          <a:xfrm>
-            <a:off x="1200150" y="2786211"/>
-            <a:ext cx="1018227" cy="369332"/>
-          </a:xfrm>
-          <a:prstGeom prst="rect">
-            <a:avLst/>
-          </a:prstGeom>
-          <a:noFill/>
-        </p:spPr>
-        <p:txBody>
-          <a:bodyPr wrap="none" rtlCol="0">
-            <a:spAutoFit/>
-          </a:bodyPr>
-          <a:lstStyle/>
-          <a:p>
-            <a:r>
-              <a:rPr lang="en-US" altLang="zh-CN" dirty="0"/>
-              <a:t>14tgggg</a:t>
-            </a:r>
-            <a:endParaRPr lang="zh-CN" altLang="en-US" dirty="0"/>
-          </a:p>
-        </p:txBody>
-      </p:sp>
-      <p:sp>
-        <p:nvSpPr>
           <p:cNvPr id="23" name="文本框 22">
             <a:hlinkClick r:id="rId3"/>
             <a:extLst>
@@ -17336,7 +17299,7 @@
         </p:nvSpPr>
         <p:spPr>
           <a:xfrm>
-            <a:off x="1273222" y="3355683"/>
+            <a:off x="4968922" y="1981517"/>
             <a:ext cx="1492716" cy="369332"/>
           </a:xfrm>
           <a:prstGeom prst="rect">
@@ -17355,6 +17318,114 @@
               <a:t>ddcgbvghjuu</a:t>
             </a:r>
             <a:endParaRPr lang="zh-CN" altLang="en-US" dirty="0"/>
+          </a:p>
+        </p:txBody>
+      </p:sp>
+      <p:sp>
+        <p:nvSpPr>
+          <p:cNvPr id="2" name="文本框 1">
+            <a:hlinkClick r:id="rId4"/>
+            <a:extLst>
+              <a:ext uri="{FF2B5EF4-FFF2-40B4-BE49-F238E27FC236}">
+                <a16:creationId xmlns:a16="http://schemas.microsoft.com/office/drawing/2014/main" id="{E11E8C72-2483-F3C1-38F0-0BD755F91FA5}"/>
+              </a:ext>
+            </a:extLst>
+          </p:cNvPr>
+          <p:cNvSpPr txBox="1"/>
+          <p:nvPr/>
+        </p:nvSpPr>
+        <p:spPr>
+          <a:xfrm>
+            <a:off x="1200150" y="2419032"/>
+            <a:ext cx="840486" cy="437515"/>
+          </a:xfrm>
+          <a:prstGeom prst="rect">
+            <a:avLst/>
+          </a:prstGeom>
+          <a:noFill/>
+        </p:spPr>
+        <p:txBody>
+          <a:bodyPr wrap="square" rtlCol="0">
+            <a:noAutofit/>
+          </a:bodyPr>
+          <a:lstStyle/>
+          <a:p>
+            <a:r>
+              <a:rPr lang="en-US" altLang="zh-CN" dirty="0"/>
+              <a:t>pdf2</a:t>
+            </a:r>
+          </a:p>
+        </p:txBody>
+      </p:sp>
+      <p:sp>
+        <p:nvSpPr>
+          <p:cNvPr id="3" name="文本框 2">
+            <a:hlinkClick r:id="rId5"/>
+            <a:extLst>
+              <a:ext uri="{FF2B5EF4-FFF2-40B4-BE49-F238E27FC236}">
+                <a16:creationId xmlns:a16="http://schemas.microsoft.com/office/drawing/2014/main" id="{98B6C157-1557-4658-81AC-49791E67D091}"/>
+              </a:ext>
+            </a:extLst>
+          </p:cNvPr>
+          <p:cNvSpPr txBox="1"/>
+          <p:nvPr/>
+        </p:nvSpPr>
+        <p:spPr>
+          <a:xfrm>
+            <a:off x="1200150" y="2856547"/>
+            <a:ext cx="840486" cy="437515"/>
+          </a:xfrm>
+          <a:prstGeom prst="rect">
+            <a:avLst/>
+          </a:prstGeom>
+          <a:noFill/>
+        </p:spPr>
+        <p:txBody>
+          <a:bodyPr wrap="square" rtlCol="0">
+            <a:noAutofit/>
+          </a:bodyPr>
+          <a:lstStyle/>
+          <a:p>
+            <a:r>
+              <a:rPr lang="en-US" altLang="zh-CN" dirty="0"/>
+              <a:t>pdf3</a:t>
+            </a:r>
+          </a:p>
+        </p:txBody>
+      </p:sp>
+      <p:sp>
+        <p:nvSpPr>
+          <p:cNvPr id="4" name="文本框 3">
+            <a:hlinkClick r:id="rId6"/>
+            <a:extLst>
+              <a:ext uri="{FF2B5EF4-FFF2-40B4-BE49-F238E27FC236}">
+                <a16:creationId xmlns:a16="http://schemas.microsoft.com/office/drawing/2014/main" id="{AEE4E078-93C9-BD9F-0524-6D6D1ACE7EC2}"/>
+              </a:ext>
+            </a:extLst>
+          </p:cNvPr>
+          <p:cNvSpPr txBox="1"/>
+          <p:nvPr/>
+        </p:nvSpPr>
+        <p:spPr>
+          <a:xfrm>
+            <a:off x="1215813" y="3294062"/>
+            <a:ext cx="840486" cy="437515"/>
+          </a:xfrm>
+          <a:prstGeom prst="rect">
+            <a:avLst/>
+          </a:prstGeom>
+          <a:noFill/>
+        </p:spPr>
+        <p:txBody>
+          <a:bodyPr wrap="square" rtlCol="0">
+            <a:noAutofit/>
+          </a:bodyPr>
+          <a:lstStyle/>
+          <a:p>
+            <a:r>
+              <a:rPr lang="en-US" altLang="zh-CN" dirty="0"/>
+              <a:t>pdf4</a:t>
+            </a:r>
           </a:p>
         </p:txBody>
       </p:sp>

--- a/livefile/livepowerpoint.pptx
+++ b/livefile/livepowerpoint.pptx
@@ -7625,7 +7625,7 @@
         <p:sp>
           <p:nvSpPr>
             <p:cNvPr id="9" name="文本框 8">
-              <a:hlinkClick r:id="rId6" action="ppaction://hlinkfile"/>
+              <a:hlinkClick r:id="rId6"/>
             </p:cNvPr>
             <p:cNvSpPr txBox="1"/>
             <p:nvPr/>
@@ -7657,7 +7657,7 @@
         <p:sp>
           <p:nvSpPr>
             <p:cNvPr id="10" name="文本框 9">
-              <a:hlinkClick r:id="rId7" action="ppaction://hlinkfile"/>
+              <a:hlinkClick r:id="rId7"/>
             </p:cNvPr>
             <p:cNvSpPr txBox="1"/>
             <p:nvPr/>

--- a/livefile/livepowerpoint.pptx
+++ b/livefile/livepowerpoint.pptx
@@ -17409,6 +17409,78 @@
         <p:spPr>
           <a:xfrm>
             <a:off x="1215813" y="3294062"/>
+            <a:ext cx="840486" cy="437515"/>
+          </a:xfrm>
+          <a:prstGeom prst="rect">
+            <a:avLst/>
+          </a:prstGeom>
+          <a:noFill/>
+        </p:spPr>
+        <p:txBody>
+          <a:bodyPr wrap="square" rtlCol="0">
+            <a:noAutofit/>
+          </a:bodyPr>
+          <a:lstStyle/>
+          <a:p>
+            <a:r>
+              <a:rPr lang="en-US" altLang="zh-CN" dirty="0"/>
+              <a:t>pdf4</a:t>
+            </a:r>
+          </a:p>
+        </p:txBody>
+      </p:sp>
+      <p:sp>
+        <p:nvSpPr>
+          <p:cNvPr id="6" name="文本框 5">
+            <a:hlinkClick r:id="rId7"/>
+            <a:extLst>
+              <a:ext uri="{FF2B5EF4-FFF2-40B4-BE49-F238E27FC236}">
+                <a16:creationId xmlns:a16="http://schemas.microsoft.com/office/drawing/2014/main" id="{BE22882E-E311-3F47-27F9-A838C17C946B}"/>
+              </a:ext>
+            </a:extLst>
+          </p:cNvPr>
+          <p:cNvSpPr txBox="1"/>
+          <p:nvPr/>
+        </p:nvSpPr>
+        <p:spPr>
+          <a:xfrm>
+            <a:off x="1200150" y="3769677"/>
+            <a:ext cx="840486" cy="437515"/>
+          </a:xfrm>
+          <a:prstGeom prst="rect">
+            <a:avLst/>
+          </a:prstGeom>
+          <a:noFill/>
+        </p:spPr>
+        <p:txBody>
+          <a:bodyPr wrap="square" rtlCol="0">
+            <a:noAutofit/>
+          </a:bodyPr>
+          <a:lstStyle/>
+          <a:p>
+            <a:r>
+              <a:rPr lang="en-US" altLang="zh-CN" dirty="0"/>
+              <a:t>pdf4</a:t>
+            </a:r>
+          </a:p>
+        </p:txBody>
+      </p:sp>
+      <p:sp>
+        <p:nvSpPr>
+          <p:cNvPr id="7" name="文本框 6">
+            <a:hlinkClick r:id="rId8"/>
+            <a:extLst>
+              <a:ext uri="{FF2B5EF4-FFF2-40B4-BE49-F238E27FC236}">
+                <a16:creationId xmlns:a16="http://schemas.microsoft.com/office/drawing/2014/main" id="{F18C2DCE-779F-F9E1-F8E7-1D73FBF8F71E}"/>
+              </a:ext>
+            </a:extLst>
+          </p:cNvPr>
+          <p:cNvSpPr txBox="1"/>
+          <p:nvPr/>
+        </p:nvSpPr>
+        <p:spPr>
+          <a:xfrm>
+            <a:off x="1200150" y="4207192"/>
             <a:ext cx="840486" cy="437515"/>
           </a:xfrm>
           <a:prstGeom prst="rect">

--- a/livefile/livepowerpoint.pptx
+++ b/livefile/livepowerpoint.pptx
@@ -5,7 +5,7 @@
     <p:sldMasterId id="2147483648" r:id="rId1"/>
   </p:sldMasterIdLst>
   <p:notesMasterIdLst>
-    <p:notesMasterId r:id="rId23"/>
+    <p:notesMasterId r:id="rId24"/>
   </p:notesMasterIdLst>
   <p:sldIdLst>
     <p:sldId id="260" r:id="rId2"/>
@@ -22,18 +22,19 @@
     <p:sldId id="274" r:id="rId13"/>
     <p:sldId id="258" r:id="rId14"/>
     <p:sldId id="271" r:id="rId15"/>
-    <p:sldId id="280" r:id="rId16"/>
-    <p:sldId id="277" r:id="rId17"/>
-    <p:sldId id="275" r:id="rId18"/>
-    <p:sldId id="281" r:id="rId19"/>
-    <p:sldId id="262" r:id="rId20"/>
-    <p:sldId id="257" r:id="rId21"/>
-    <p:sldId id="279" r:id="rId22"/>
+    <p:sldId id="283" r:id="rId16"/>
+    <p:sldId id="280" r:id="rId17"/>
+    <p:sldId id="277" r:id="rId18"/>
+    <p:sldId id="275" r:id="rId19"/>
+    <p:sldId id="281" r:id="rId20"/>
+    <p:sldId id="262" r:id="rId21"/>
+    <p:sldId id="257" r:id="rId22"/>
+    <p:sldId id="279" r:id="rId23"/>
   </p:sldIdLst>
   <p:sldSz cx="12192000" cy="6858000"/>
   <p:notesSz cx="6858000" cy="9144000"/>
   <p:custDataLst>
-    <p:tags r:id="rId24"/>
+    <p:tags r:id="rId25"/>
   </p:custDataLst>
   <p:defaultTextStyle>
     <a:defPPr>
@@ -712,6 +713,11 @@
         </p:txBody>
       </p:sp>
     </p:spTree>
+    <p:extLst>
+      <p:ext uri="{BB962C8B-B14F-4D97-AF65-F5344CB8AC3E}">
+        <p14:creationId xmlns:p14="http://schemas.microsoft.com/office/powerpoint/2010/main" val="3164781629"/>
+      </p:ext>
+    </p:extLst>
   </p:cSld>
   <p:clrMapOvr>
     <a:masterClrMapping/>
@@ -1022,6 +1028,85 @@
             <a:fld id="{5EF15249-D9FD-41E0-944D-0CA148925727}" type="slidenum">
               <a:rPr lang="zh-CN" altLang="en-US" smtClean="0"/>
               <a:t>19</a:t>
+            </a:fld>
+            <a:endParaRPr lang="zh-CN" altLang="en-US"/>
+          </a:p>
+        </p:txBody>
+      </p:sp>
+    </p:spTree>
+  </p:cSld>
+  <p:clrMapOvr>
+    <a:masterClrMapping/>
+  </p:clrMapOvr>
+</p:notes>
+</file>
+
+<file path=ppt/notesSlides/notesSlide8.xml><?xml version="1.0" encoding="utf-8"?>
+<p:notes xmlns:a="http://schemas.openxmlformats.org/drawingml/2006/main" xmlns:r="http://schemas.openxmlformats.org/officeDocument/2006/relationships" xmlns:p="http://schemas.openxmlformats.org/presentationml/2006/main">
+  <p:cSld>
+    <p:spTree>
+      <p:nvGrpSpPr>
+        <p:cNvPr id="1" name=""/>
+        <p:cNvGrpSpPr/>
+        <p:nvPr/>
+      </p:nvGrpSpPr>
+      <p:grpSpPr>
+        <a:xfrm>
+          <a:off x="0" y="0"/>
+          <a:ext cx="0" cy="0"/>
+          <a:chOff x="0" y="0"/>
+          <a:chExt cx="0" cy="0"/>
+        </a:xfrm>
+      </p:grpSpPr>
+      <p:sp>
+        <p:nvSpPr>
+          <p:cNvPr id="2" name="幻灯片图像占位符 1"/>
+          <p:cNvSpPr>
+            <a:spLocks noGrp="1" noRot="1" noChangeAspect="1"/>
+          </p:cNvSpPr>
+          <p:nvPr>
+            <p:ph type="sldImg"/>
+          </p:nvPr>
+        </p:nvSpPr>
+        <p:spPr/>
+      </p:sp>
+      <p:sp>
+        <p:nvSpPr>
+          <p:cNvPr id="3" name="备注占位符 2"/>
+          <p:cNvSpPr>
+            <a:spLocks noGrp="1"/>
+          </p:cNvSpPr>
+          <p:nvPr>
+            <p:ph type="body" idx="1"/>
+          </p:nvPr>
+        </p:nvSpPr>
+        <p:spPr/>
+        <p:txBody>
+          <a:bodyPr/>
+          <a:lstStyle/>
+          <a:p>
+            <a:endParaRPr lang="zh-CN" altLang="en-US" dirty="0"/>
+          </a:p>
+        </p:txBody>
+      </p:sp>
+      <p:sp>
+        <p:nvSpPr>
+          <p:cNvPr id="4" name="灯片编号占位符 3"/>
+          <p:cNvSpPr>
+            <a:spLocks noGrp="1"/>
+          </p:cNvSpPr>
+          <p:nvPr>
+            <p:ph type="sldNum" sz="quarter" idx="5"/>
+          </p:nvPr>
+        </p:nvSpPr>
+        <p:spPr/>
+        <p:txBody>
+          <a:bodyPr/>
+          <a:lstStyle/>
+          <a:p>
+            <a:fld id="{5EF15249-D9FD-41E0-944D-0CA148925727}" type="slidenum">
+              <a:rPr lang="zh-CN" altLang="en-US" smtClean="0"/>
+              <a:t>20</a:t>
             </a:fld>
             <a:endParaRPr lang="zh-CN" altLang="en-US"/>
           </a:p>
@@ -10333,6 +10418,161 @@
           </a:p>
         </p:txBody>
       </p:sp>
+      <p:sp>
+        <p:nvSpPr>
+          <p:cNvPr id="5" name="文本框 4">
+            <a:hlinkClick r:id="rId3"/>
+          </p:cNvPr>
+          <p:cNvSpPr txBox="1"/>
+          <p:nvPr/>
+        </p:nvSpPr>
+        <p:spPr>
+          <a:xfrm>
+            <a:off x="1312564" y="1417123"/>
+            <a:ext cx="184731" cy="369332"/>
+          </a:xfrm>
+          <a:prstGeom prst="rect">
+            <a:avLst/>
+          </a:prstGeom>
+          <a:noFill/>
+        </p:spPr>
+        <p:txBody>
+          <a:bodyPr wrap="none" rtlCol="0">
+            <a:spAutoFit/>
+          </a:bodyPr>
+          <a:lstStyle/>
+          <a:p>
+            <a:endParaRPr lang="zh-CN" altLang="en-US" dirty="0"/>
+          </a:p>
+        </p:txBody>
+      </p:sp>
+      <p:sp>
+        <p:nvSpPr>
+          <p:cNvPr id="46" name="文本框 45">
+            <a:hlinkClick r:id="rId4"/>
+          </p:cNvPr>
+          <p:cNvSpPr txBox="1"/>
+          <p:nvPr/>
+        </p:nvSpPr>
+        <p:spPr>
+          <a:xfrm>
+            <a:off x="1312564" y="2195117"/>
+            <a:ext cx="184731" cy="369332"/>
+          </a:xfrm>
+          <a:prstGeom prst="rect">
+            <a:avLst/>
+          </a:prstGeom>
+          <a:noFill/>
+        </p:spPr>
+        <p:txBody>
+          <a:bodyPr wrap="none" rtlCol="0">
+            <a:spAutoFit/>
+          </a:bodyPr>
+          <a:lstStyle/>
+          <a:p>
+            <a:endParaRPr lang="zh-CN" altLang="en-US" dirty="0"/>
+          </a:p>
+        </p:txBody>
+      </p:sp>
+      <p:sp>
+        <p:nvSpPr>
+          <p:cNvPr id="2" name="文本框 1">
+            <a:hlinkClick r:id="rId5"/>
+          </p:cNvPr>
+          <p:cNvSpPr txBox="1"/>
+          <p:nvPr/>
+        </p:nvSpPr>
+        <p:spPr>
+          <a:xfrm>
+            <a:off x="1467570" y="1459231"/>
+            <a:ext cx="505267" cy="369332"/>
+          </a:xfrm>
+          <a:prstGeom prst="rect">
+            <a:avLst/>
+          </a:prstGeom>
+          <a:noFill/>
+        </p:spPr>
+        <p:txBody>
+          <a:bodyPr wrap="none" rtlCol="0">
+            <a:spAutoFit/>
+          </a:bodyPr>
+          <a:lstStyle/>
+          <a:p>
+            <a:r>
+              <a:rPr lang="en-US" altLang="zh-CN" dirty="0"/>
+              <a:t>sr1</a:t>
+            </a:r>
+            <a:endParaRPr lang="zh-CN" altLang="en-US" dirty="0"/>
+          </a:p>
+        </p:txBody>
+      </p:sp>
+    </p:spTree>
+    <p:extLst>
+      <p:ext uri="{BB962C8B-B14F-4D97-AF65-F5344CB8AC3E}">
+        <p14:creationId xmlns:p14="http://schemas.microsoft.com/office/powerpoint/2010/main" val="3935793817"/>
+      </p:ext>
+    </p:extLst>
+  </p:cSld>
+  <p:clrMapOvr>
+    <a:masterClrMapping/>
+  </p:clrMapOvr>
+</p:sld>
+</file>
+
+<file path=ppt/slides/slide16.xml><?xml version="1.0" encoding="utf-8"?>
+<p:sld xmlns:a="http://schemas.openxmlformats.org/drawingml/2006/main" xmlns:r="http://schemas.openxmlformats.org/officeDocument/2006/relationships" xmlns:p="http://schemas.openxmlformats.org/presentationml/2006/main">
+  <p:cSld>
+    <p:spTree>
+      <p:nvGrpSpPr>
+        <p:cNvPr id="1" name=""/>
+        <p:cNvGrpSpPr/>
+        <p:nvPr/>
+      </p:nvGrpSpPr>
+      <p:grpSpPr>
+        <a:xfrm>
+          <a:off x="0" y="0"/>
+          <a:ext cx="0" cy="0"/>
+          <a:chOff x="0" y="0"/>
+          <a:chExt cx="0" cy="0"/>
+        </a:xfrm>
+      </p:grpSpPr>
+      <p:sp>
+        <p:nvSpPr>
+          <p:cNvPr id="4" name="标题 3"/>
+          <p:cNvSpPr>
+            <a:spLocks noGrp="1"/>
+          </p:cNvSpPr>
+          <p:nvPr>
+            <p:ph type="title"/>
+          </p:nvPr>
+        </p:nvSpPr>
+        <p:spPr>
+          <a:xfrm>
+            <a:off x="458882" y="315715"/>
+            <a:ext cx="2259119" cy="368301"/>
+          </a:xfrm>
+        </p:spPr>
+        <p:txBody>
+          <a:bodyPr>
+            <a:normAutofit fontScale="90000"/>
+          </a:bodyPr>
+          <a:lstStyle/>
+          <a:p>
+            <a:r>
+              <a:rPr lang="zh-CN" altLang="en-US" dirty="0"/>
+              <a:t>音乐</a:t>
+            </a:r>
+            <a:r>
+              <a:rPr lang="en-US" altLang="zh-CN" dirty="0"/>
+              <a:t>&amp;</a:t>
+            </a:r>
+            <a:r>
+              <a:rPr lang="zh-CN" altLang="en-US" dirty="0"/>
+              <a:t>视频</a:t>
+            </a:r>
+          </a:p>
+        </p:txBody>
+      </p:sp>
       <p:grpSp>
         <p:nvGrpSpPr>
           <p:cNvPr id="14" name="组合 13"/>
@@ -11483,746 +11723,6 @@
 </p:sld>
 </file>
 
-<file path=ppt/slides/slide16.xml><?xml version="1.0" encoding="utf-8"?>
-<p:sld xmlns:a="http://schemas.openxmlformats.org/drawingml/2006/main" xmlns:r="http://schemas.openxmlformats.org/officeDocument/2006/relationships" xmlns:p="http://schemas.openxmlformats.org/presentationml/2006/main">
-  <p:cSld>
-    <p:spTree>
-      <p:nvGrpSpPr>
-        <p:cNvPr id="1" name=""/>
-        <p:cNvGrpSpPr/>
-        <p:nvPr/>
-      </p:nvGrpSpPr>
-      <p:grpSpPr>
-        <a:xfrm>
-          <a:off x="0" y="0"/>
-          <a:ext cx="0" cy="0"/>
-          <a:chOff x="0" y="0"/>
-          <a:chExt cx="0" cy="0"/>
-        </a:xfrm>
-      </p:grpSpPr>
-      <p:sp>
-        <p:nvSpPr>
-          <p:cNvPr id="4" name="标题 3"/>
-          <p:cNvSpPr>
-            <a:spLocks noGrp="1"/>
-          </p:cNvSpPr>
-          <p:nvPr>
-            <p:ph type="title"/>
-          </p:nvPr>
-        </p:nvSpPr>
-        <p:spPr>
-          <a:xfrm>
-            <a:off x="458882" y="315715"/>
-            <a:ext cx="2259119" cy="368301"/>
-          </a:xfrm>
-        </p:spPr>
-        <p:txBody>
-          <a:bodyPr>
-            <a:normAutofit fontScale="90000"/>
-          </a:bodyPr>
-          <a:lstStyle/>
-          <a:p>
-            <a:r>
-              <a:rPr lang="zh-CN" altLang="en-US" dirty="0"/>
-              <a:t>音乐</a:t>
-            </a:r>
-            <a:r>
-              <a:rPr lang="en-US" altLang="zh-CN" dirty="0"/>
-              <a:t>&amp;</a:t>
-            </a:r>
-            <a:r>
-              <a:rPr lang="zh-CN" altLang="en-US" dirty="0"/>
-              <a:t>视频</a:t>
-            </a:r>
-          </a:p>
-        </p:txBody>
-      </p:sp>
-      <p:sp>
-        <p:nvSpPr>
-          <p:cNvPr id="6" name="文本框 5">
-            <a:hlinkClick r:id="rId3"/>
-          </p:cNvPr>
-          <p:cNvSpPr txBox="1"/>
-          <p:nvPr/>
-        </p:nvSpPr>
-        <p:spPr>
-          <a:xfrm>
-            <a:off x="1312564" y="1417123"/>
-            <a:ext cx="415498" cy="369332"/>
-          </a:xfrm>
-          <a:prstGeom prst="rect">
-            <a:avLst/>
-          </a:prstGeom>
-          <a:noFill/>
-        </p:spPr>
-        <p:txBody>
-          <a:bodyPr wrap="none" rtlCol="0">
-            <a:spAutoFit/>
-          </a:bodyPr>
-          <a:lstStyle/>
-          <a:p>
-            <a:r>
-              <a:rPr lang="zh-CN" altLang="en-US" dirty="0"/>
-              <a:t>雷</a:t>
-            </a:r>
-          </a:p>
-        </p:txBody>
-      </p:sp>
-      <p:sp>
-        <p:nvSpPr>
-          <p:cNvPr id="7" name="文本框 6">
-            <a:hlinkClick r:id="rId4"/>
-          </p:cNvPr>
-          <p:cNvSpPr txBox="1"/>
-          <p:nvPr/>
-        </p:nvSpPr>
-        <p:spPr>
-          <a:xfrm>
-            <a:off x="1312564" y="1900009"/>
-            <a:ext cx="633507" cy="369332"/>
-          </a:xfrm>
-          <a:prstGeom prst="rect">
-            <a:avLst/>
-          </a:prstGeom>
-          <a:noFill/>
-        </p:spPr>
-        <p:txBody>
-          <a:bodyPr wrap="square" rtlCol="0">
-            <a:spAutoFit/>
-          </a:bodyPr>
-          <a:lstStyle/>
-          <a:p>
-            <a:r>
-              <a:rPr lang="zh-CN" altLang="en-US" dirty="0"/>
-              <a:t>雷</a:t>
-            </a:r>
-            <a:r>
-              <a:rPr lang="en-US" altLang="zh-CN" dirty="0"/>
-              <a:t>1</a:t>
-            </a:r>
-            <a:endParaRPr lang="zh-CN" altLang="en-US" dirty="0"/>
-          </a:p>
-        </p:txBody>
-      </p:sp>
-      <p:sp>
-        <p:nvSpPr>
-          <p:cNvPr id="2" name="文本框 1">
-            <a:hlinkClick r:id="rId5"/>
-          </p:cNvPr>
-          <p:cNvSpPr txBox="1"/>
-          <p:nvPr/>
-        </p:nvSpPr>
-        <p:spPr>
-          <a:xfrm>
-            <a:off x="1312564" y="2382895"/>
-            <a:ext cx="633507" cy="369332"/>
-          </a:xfrm>
-          <a:prstGeom prst="rect">
-            <a:avLst/>
-          </a:prstGeom>
-          <a:noFill/>
-        </p:spPr>
-        <p:txBody>
-          <a:bodyPr wrap="square" rtlCol="0">
-            <a:spAutoFit/>
-          </a:bodyPr>
-          <a:lstStyle/>
-          <a:p>
-            <a:r>
-              <a:rPr lang="en-US" altLang="zh-CN" dirty="0"/>
-              <a:t>Bs5</a:t>
-            </a:r>
-          </a:p>
-        </p:txBody>
-      </p:sp>
-      <p:sp>
-        <p:nvSpPr>
-          <p:cNvPr id="3" name="文本框 2">
-            <a:hlinkClick r:id="rId6"/>
-          </p:cNvPr>
-          <p:cNvSpPr txBox="1"/>
-          <p:nvPr/>
-        </p:nvSpPr>
-        <p:spPr>
-          <a:xfrm>
-            <a:off x="1312564" y="2874018"/>
-            <a:ext cx="633507" cy="369332"/>
-          </a:xfrm>
-          <a:prstGeom prst="rect">
-            <a:avLst/>
-          </a:prstGeom>
-          <a:noFill/>
-        </p:spPr>
-        <p:txBody>
-          <a:bodyPr wrap="square" rtlCol="0">
-            <a:spAutoFit/>
-          </a:bodyPr>
-          <a:lstStyle/>
-          <a:p>
-            <a:r>
-              <a:rPr lang="en-US" altLang="zh-CN" dirty="0"/>
-              <a:t>bs6</a:t>
-            </a:r>
-          </a:p>
-        </p:txBody>
-      </p:sp>
-      <p:sp>
-        <p:nvSpPr>
-          <p:cNvPr id="5" name="文本框 4">
-            <a:hlinkClick r:id="rId7"/>
-          </p:cNvPr>
-          <p:cNvSpPr txBox="1"/>
-          <p:nvPr/>
-        </p:nvSpPr>
-        <p:spPr>
-          <a:xfrm>
-            <a:off x="1312564" y="3386603"/>
-            <a:ext cx="1182158" cy="369332"/>
-          </a:xfrm>
-          <a:prstGeom prst="rect">
-            <a:avLst/>
-          </a:prstGeom>
-          <a:noFill/>
-        </p:spPr>
-        <p:txBody>
-          <a:bodyPr wrap="square" rtlCol="0">
-            <a:spAutoFit/>
-          </a:bodyPr>
-          <a:lstStyle/>
-          <a:p>
-            <a:r>
-              <a:rPr lang="zh-CN" altLang="en-US" dirty="0"/>
-              <a:t>伊雪亦梦</a:t>
-            </a:r>
-            <a:endParaRPr lang="en-US" altLang="zh-CN" dirty="0"/>
-          </a:p>
-        </p:txBody>
-      </p:sp>
-      <p:sp>
-        <p:nvSpPr>
-          <p:cNvPr id="8" name="文本框 7">
-            <a:hlinkClick r:id="rId8"/>
-          </p:cNvPr>
-          <p:cNvSpPr txBox="1"/>
-          <p:nvPr/>
-        </p:nvSpPr>
-        <p:spPr>
-          <a:xfrm>
-            <a:off x="1312564" y="3899188"/>
-            <a:ext cx="1321994" cy="369332"/>
-          </a:xfrm>
-          <a:prstGeom prst="rect">
-            <a:avLst/>
-          </a:prstGeom>
-          <a:noFill/>
-        </p:spPr>
-        <p:txBody>
-          <a:bodyPr wrap="square" rtlCol="0">
-            <a:spAutoFit/>
-          </a:bodyPr>
-          <a:lstStyle/>
-          <a:p>
-            <a:r>
-              <a:rPr lang="zh-CN" altLang="en-US" dirty="0"/>
-              <a:t>伊雪亦梦</a:t>
-            </a:r>
-            <a:r>
-              <a:rPr lang="en-US" altLang="zh-CN" dirty="0"/>
-              <a:t>1</a:t>
-            </a:r>
-          </a:p>
-        </p:txBody>
-      </p:sp>
-      <p:sp>
-        <p:nvSpPr>
-          <p:cNvPr id="9" name="文本框 8">
-            <a:hlinkClick r:id="rId9"/>
-          </p:cNvPr>
-          <p:cNvSpPr txBox="1"/>
-          <p:nvPr/>
-        </p:nvSpPr>
-        <p:spPr>
-          <a:xfrm>
-            <a:off x="1312564" y="4451483"/>
-            <a:ext cx="1321994" cy="369332"/>
-          </a:xfrm>
-          <a:prstGeom prst="rect">
-            <a:avLst/>
-          </a:prstGeom>
-          <a:noFill/>
-        </p:spPr>
-        <p:txBody>
-          <a:bodyPr wrap="square" rtlCol="0">
-            <a:spAutoFit/>
-          </a:bodyPr>
-          <a:lstStyle/>
-          <a:p>
-            <a:r>
-              <a:rPr lang="en-US" altLang="zh-CN" dirty="0"/>
-              <a:t>og</a:t>
-            </a:r>
-          </a:p>
-        </p:txBody>
-      </p:sp>
-      <p:sp>
-        <p:nvSpPr>
-          <p:cNvPr id="10" name="文本框 9">
-            <a:hlinkClick r:id="rId10"/>
-          </p:cNvPr>
-          <p:cNvSpPr txBox="1"/>
-          <p:nvPr/>
-        </p:nvSpPr>
-        <p:spPr>
-          <a:xfrm>
-            <a:off x="1312564" y="5001627"/>
-            <a:ext cx="1321994" cy="369332"/>
-          </a:xfrm>
-          <a:prstGeom prst="rect">
-            <a:avLst/>
-          </a:prstGeom>
-          <a:noFill/>
-        </p:spPr>
-        <p:txBody>
-          <a:bodyPr wrap="square" rtlCol="0">
-            <a:spAutoFit/>
-          </a:bodyPr>
-          <a:lstStyle/>
-          <a:p>
-            <a:r>
-              <a:rPr lang="zh-CN" altLang="en-US" dirty="0"/>
-              <a:t>皮皮</a:t>
-            </a:r>
-            <a:r>
-              <a:rPr lang="en-US" altLang="zh-CN" dirty="0"/>
-              <a:t>7</a:t>
-            </a:r>
-          </a:p>
-        </p:txBody>
-      </p:sp>
-      <p:sp>
-        <p:nvSpPr>
-          <p:cNvPr id="11" name="文本框 10">
-            <a:hlinkClick r:id="rId11" action="ppaction://hlinkfile"/>
-          </p:cNvPr>
-          <p:cNvSpPr txBox="1"/>
-          <p:nvPr/>
-        </p:nvSpPr>
-        <p:spPr>
-          <a:xfrm>
-            <a:off x="3430399" y="1433525"/>
-            <a:ext cx="633507" cy="368300"/>
-          </a:xfrm>
-          <a:prstGeom prst="rect">
-            <a:avLst/>
-          </a:prstGeom>
-          <a:noFill/>
-        </p:spPr>
-        <p:txBody>
-          <a:bodyPr wrap="square" rtlCol="0">
-            <a:spAutoFit/>
-          </a:bodyPr>
-          <a:lstStyle/>
-          <a:p>
-            <a:r>
-              <a:rPr lang="en-US" altLang="zh-CN" dirty="0"/>
-              <a:t>ll1</a:t>
-            </a:r>
-          </a:p>
-        </p:txBody>
-      </p:sp>
-      <p:sp>
-        <p:nvSpPr>
-          <p:cNvPr id="12" name="文本框 11">
-            <a:hlinkClick r:id="rId12" action="ppaction://hlinkfile"/>
-          </p:cNvPr>
-          <p:cNvSpPr txBox="1"/>
-          <p:nvPr/>
-        </p:nvSpPr>
-        <p:spPr>
-          <a:xfrm>
-            <a:off x="3430399" y="1917028"/>
-            <a:ext cx="633507" cy="368300"/>
-          </a:xfrm>
-          <a:prstGeom prst="rect">
-            <a:avLst/>
-          </a:prstGeom>
-          <a:noFill/>
-        </p:spPr>
-        <p:txBody>
-          <a:bodyPr wrap="square" rtlCol="0">
-            <a:spAutoFit/>
-          </a:bodyPr>
-          <a:lstStyle/>
-          <a:p>
-            <a:r>
-              <a:rPr lang="en-US" altLang="zh-CN" dirty="0"/>
-              <a:t>ll2</a:t>
-            </a:r>
-          </a:p>
-        </p:txBody>
-      </p:sp>
-      <p:sp>
-        <p:nvSpPr>
-          <p:cNvPr id="13" name="文本框 12">
-            <a:hlinkClick r:id="rId13"/>
-          </p:cNvPr>
-          <p:cNvSpPr txBox="1"/>
-          <p:nvPr/>
-        </p:nvSpPr>
-        <p:spPr>
-          <a:xfrm>
-            <a:off x="3430399" y="2466140"/>
-            <a:ext cx="633507" cy="368300"/>
-          </a:xfrm>
-          <a:prstGeom prst="rect">
-            <a:avLst/>
-          </a:prstGeom>
-          <a:noFill/>
-        </p:spPr>
-        <p:txBody>
-          <a:bodyPr wrap="square" rtlCol="0">
-            <a:spAutoFit/>
-          </a:bodyPr>
-          <a:lstStyle/>
-          <a:p>
-            <a:r>
-              <a:rPr lang="en-US" altLang="zh-CN" dirty="0"/>
-              <a:t>xt1</a:t>
-            </a:r>
-          </a:p>
-        </p:txBody>
-      </p:sp>
-      <p:sp>
-        <p:nvSpPr>
-          <p:cNvPr id="14" name="文本框 13">
-            <a:hlinkClick r:id="rId14"/>
-          </p:cNvPr>
-          <p:cNvSpPr txBox="1"/>
-          <p:nvPr/>
-        </p:nvSpPr>
-        <p:spPr>
-          <a:xfrm>
-            <a:off x="3430399" y="2892150"/>
-            <a:ext cx="633507" cy="368300"/>
-          </a:xfrm>
-          <a:prstGeom prst="rect">
-            <a:avLst/>
-          </a:prstGeom>
-          <a:noFill/>
-        </p:spPr>
-        <p:txBody>
-          <a:bodyPr wrap="square" rtlCol="0">
-            <a:spAutoFit/>
-          </a:bodyPr>
-          <a:lstStyle/>
-          <a:p>
-            <a:r>
-              <a:rPr lang="en-US" altLang="zh-CN" dirty="0"/>
-              <a:t>yf1</a:t>
-            </a:r>
-          </a:p>
-        </p:txBody>
-      </p:sp>
-      <p:sp>
-        <p:nvSpPr>
-          <p:cNvPr id="15" name="文本框 14">
-            <a:hlinkClick r:id="rId15"/>
-          </p:cNvPr>
-          <p:cNvSpPr txBox="1"/>
-          <p:nvPr/>
-        </p:nvSpPr>
-        <p:spPr>
-          <a:xfrm>
-            <a:off x="3429688" y="3429000"/>
-            <a:ext cx="633507" cy="368300"/>
-          </a:xfrm>
-          <a:prstGeom prst="rect">
-            <a:avLst/>
-          </a:prstGeom>
-          <a:noFill/>
-        </p:spPr>
-        <p:txBody>
-          <a:bodyPr wrap="square" rtlCol="0">
-            <a:spAutoFit/>
-          </a:bodyPr>
-          <a:lstStyle/>
-          <a:p>
-            <a:r>
-              <a:rPr lang="en-US" altLang="zh-CN" dirty="0"/>
-              <a:t>yf2</a:t>
-            </a:r>
-          </a:p>
-        </p:txBody>
-      </p:sp>
-      <p:sp>
-        <p:nvSpPr>
-          <p:cNvPr id="16" name="文本框 15">
-            <a:hlinkClick r:id="rId16"/>
-          </p:cNvPr>
-          <p:cNvSpPr txBox="1"/>
-          <p:nvPr/>
-        </p:nvSpPr>
-        <p:spPr>
-          <a:xfrm>
-            <a:off x="3429688" y="3912503"/>
-            <a:ext cx="633507" cy="368300"/>
-          </a:xfrm>
-          <a:prstGeom prst="rect">
-            <a:avLst/>
-          </a:prstGeom>
-          <a:noFill/>
-        </p:spPr>
-        <p:txBody>
-          <a:bodyPr wrap="square" rtlCol="0">
-            <a:spAutoFit/>
-          </a:bodyPr>
-          <a:lstStyle/>
-          <a:p>
-            <a:r>
-              <a:rPr lang="en-US" altLang="zh-CN" dirty="0"/>
-              <a:t>wj1</a:t>
-            </a:r>
-          </a:p>
-        </p:txBody>
-      </p:sp>
-      <p:sp>
-        <p:nvSpPr>
-          <p:cNvPr id="18" name="文本框 17">
-            <a:hlinkClick r:id="rId17"/>
-          </p:cNvPr>
-          <p:cNvSpPr txBox="1"/>
-          <p:nvPr/>
-        </p:nvSpPr>
-        <p:spPr>
-          <a:xfrm>
-            <a:off x="3429688" y="4391860"/>
-            <a:ext cx="633507" cy="368300"/>
-          </a:xfrm>
-          <a:prstGeom prst="rect">
-            <a:avLst/>
-          </a:prstGeom>
-          <a:noFill/>
-        </p:spPr>
-        <p:txBody>
-          <a:bodyPr wrap="square" rtlCol="0">
-            <a:spAutoFit/>
-          </a:bodyPr>
-          <a:lstStyle/>
-          <a:p>
-            <a:r>
-              <a:rPr lang="en-US" altLang="zh-CN" dirty="0"/>
-              <a:t>wj2</a:t>
-            </a:r>
-          </a:p>
-        </p:txBody>
-      </p:sp>
-      <p:sp>
-        <p:nvSpPr>
-          <p:cNvPr id="17" name="文本框 16">
-            <a:hlinkClick r:id="rId18"/>
-          </p:cNvPr>
-          <p:cNvSpPr txBox="1"/>
-          <p:nvPr/>
-        </p:nvSpPr>
-        <p:spPr>
-          <a:xfrm>
-            <a:off x="3429688" y="4950966"/>
-            <a:ext cx="885458" cy="369332"/>
-          </a:xfrm>
-          <a:prstGeom prst="rect">
-            <a:avLst/>
-          </a:prstGeom>
-          <a:noFill/>
-        </p:spPr>
-        <p:txBody>
-          <a:bodyPr wrap="square" rtlCol="0">
-            <a:spAutoFit/>
-          </a:bodyPr>
-          <a:lstStyle/>
-          <a:p>
-            <a:r>
-              <a:rPr lang="zh-CN" altLang="en-US" dirty="0"/>
-              <a:t>皮皮</a:t>
-            </a:r>
-            <a:r>
-              <a:rPr lang="en-US" altLang="zh-CN" dirty="0"/>
-              <a:t>8</a:t>
-            </a:r>
-          </a:p>
-        </p:txBody>
-      </p:sp>
-      <p:sp>
-        <p:nvSpPr>
-          <p:cNvPr id="19" name="文本框 18">
-            <a:hlinkClick r:id="rId19"/>
-          </p:cNvPr>
-          <p:cNvSpPr txBox="1"/>
-          <p:nvPr/>
-        </p:nvSpPr>
-        <p:spPr>
-          <a:xfrm>
-            <a:off x="5210542" y="4946229"/>
-            <a:ext cx="885458" cy="369332"/>
-          </a:xfrm>
-          <a:prstGeom prst="rect">
-            <a:avLst/>
-          </a:prstGeom>
-          <a:noFill/>
-        </p:spPr>
-        <p:txBody>
-          <a:bodyPr wrap="square" rtlCol="0">
-            <a:spAutoFit/>
-          </a:bodyPr>
-          <a:lstStyle/>
-          <a:p>
-            <a:r>
-              <a:rPr lang="en-US" altLang="zh-CN" dirty="0" err="1"/>
-              <a:t>Xc</a:t>
-            </a:r>
-            <a:r>
-              <a:rPr lang="zh-CN" altLang="en-US" dirty="0"/>
-              <a:t>？</a:t>
-            </a:r>
-            <a:endParaRPr lang="en-US" altLang="zh-CN" dirty="0"/>
-          </a:p>
-        </p:txBody>
-      </p:sp>
-      <p:sp>
-        <p:nvSpPr>
-          <p:cNvPr id="20" name="文本框 19">
-            <a:hlinkClick r:id="rId20"/>
-          </p:cNvPr>
-          <p:cNvSpPr txBox="1"/>
-          <p:nvPr/>
-        </p:nvSpPr>
-        <p:spPr>
-          <a:xfrm>
-            <a:off x="5210542" y="4433356"/>
-            <a:ext cx="885458" cy="369332"/>
-          </a:xfrm>
-          <a:prstGeom prst="rect">
-            <a:avLst/>
-          </a:prstGeom>
-          <a:noFill/>
-        </p:spPr>
-        <p:txBody>
-          <a:bodyPr wrap="square" rtlCol="0">
-            <a:spAutoFit/>
-          </a:bodyPr>
-          <a:lstStyle/>
-          <a:p>
-            <a:r>
-              <a:rPr lang="en-US" altLang="zh-CN" dirty="0" err="1"/>
-              <a:t>Xc&amp;hy</a:t>
-            </a:r>
-            <a:endParaRPr lang="en-US" altLang="zh-CN" dirty="0"/>
-          </a:p>
-        </p:txBody>
-      </p:sp>
-      <p:sp>
-        <p:nvSpPr>
-          <p:cNvPr id="21" name="文本框 20">
-            <a:hlinkClick r:id="rId21"/>
-          </p:cNvPr>
-          <p:cNvSpPr txBox="1"/>
-          <p:nvPr/>
-        </p:nvSpPr>
-        <p:spPr>
-          <a:xfrm>
-            <a:off x="5231480" y="1357773"/>
-            <a:ext cx="633507" cy="369332"/>
-          </a:xfrm>
-          <a:prstGeom prst="rect">
-            <a:avLst/>
-          </a:prstGeom>
-          <a:noFill/>
-        </p:spPr>
-        <p:txBody>
-          <a:bodyPr wrap="square" rtlCol="0">
-            <a:spAutoFit/>
-          </a:bodyPr>
-          <a:lstStyle/>
-          <a:p>
-            <a:r>
-              <a:rPr lang="en-US" altLang="zh-CN" dirty="0"/>
-              <a:t>123</a:t>
-            </a:r>
-            <a:endParaRPr lang="zh-CN" altLang="en-US" dirty="0"/>
-          </a:p>
-        </p:txBody>
-      </p:sp>
-      <p:sp>
-        <p:nvSpPr>
-          <p:cNvPr id="22" name="文本框 21">
-            <a:hlinkClick r:id="rId22"/>
-          </p:cNvPr>
-          <p:cNvSpPr txBox="1"/>
-          <p:nvPr/>
-        </p:nvSpPr>
-        <p:spPr>
-          <a:xfrm>
-            <a:off x="5210542" y="1950429"/>
-            <a:ext cx="633507" cy="369332"/>
-          </a:xfrm>
-          <a:prstGeom prst="rect">
-            <a:avLst/>
-          </a:prstGeom>
-          <a:noFill/>
-        </p:spPr>
-        <p:txBody>
-          <a:bodyPr wrap="square" rtlCol="0">
-            <a:spAutoFit/>
-          </a:bodyPr>
-          <a:lstStyle/>
-          <a:p>
-            <a:r>
-              <a:rPr lang="en-US" altLang="zh-CN" dirty="0"/>
-              <a:t>123</a:t>
-            </a:r>
-            <a:endParaRPr lang="zh-CN" altLang="en-US" dirty="0"/>
-          </a:p>
-        </p:txBody>
-      </p:sp>
-      <p:sp>
-        <p:nvSpPr>
-          <p:cNvPr id="23" name="文本框 22">
-            <a:hlinkClick r:id="rId22"/>
-          </p:cNvPr>
-          <p:cNvSpPr txBox="1"/>
-          <p:nvPr/>
-        </p:nvSpPr>
-        <p:spPr>
-          <a:xfrm>
-            <a:off x="5210542" y="2452486"/>
-            <a:ext cx="633507" cy="369332"/>
-          </a:xfrm>
-          <a:prstGeom prst="rect">
-            <a:avLst/>
-          </a:prstGeom>
-          <a:noFill/>
-        </p:spPr>
-        <p:txBody>
-          <a:bodyPr wrap="square" rtlCol="0">
-            <a:spAutoFit/>
-          </a:bodyPr>
-          <a:lstStyle/>
-          <a:p>
-            <a:r>
-              <a:rPr lang="en-US" altLang="zh-CN" dirty="0"/>
-              <a:t>123</a:t>
-            </a:r>
-            <a:endParaRPr lang="zh-CN" altLang="en-US" dirty="0"/>
-          </a:p>
-        </p:txBody>
-      </p:sp>
-    </p:spTree>
-  </p:cSld>
-  <p:clrMapOvr>
-    <a:masterClrMapping/>
-  </p:clrMapOvr>
-</p:sld>
-</file>
-
 <file path=ppt/slides/slide17.xml><?xml version="1.0" encoding="utf-8"?>
 <p:sld xmlns:a="http://schemas.openxmlformats.org/drawingml/2006/main" xmlns:r="http://schemas.openxmlformats.org/officeDocument/2006/relationships" xmlns:p="http://schemas.openxmlformats.org/presentationml/2006/main">
   <p:cSld>
@@ -12279,7 +11779,7 @@
       </p:sp>
       <p:sp>
         <p:nvSpPr>
-          <p:cNvPr id="18" name="文本框 17">
+          <p:cNvPr id="6" name="文本框 5">
             <a:hlinkClick r:id="rId3"/>
           </p:cNvPr>
           <p:cNvSpPr txBox="1"/>
@@ -12287,8 +11787,8 @@
         </p:nvSpPr>
         <p:spPr>
           <a:xfrm>
-            <a:off x="853388" y="1353632"/>
-            <a:ext cx="1338828" cy="369332"/>
+            <a:off x="1312564" y="1417123"/>
+            <a:ext cx="415498" cy="369332"/>
           </a:xfrm>
           <a:prstGeom prst="rect">
             <a:avLst/>
@@ -12303,14 +11803,14 @@
           <a:p>
             <a:r>
               <a:rPr lang="zh-CN" altLang="en-US" dirty="0"/>
-              <a:t>苏州音乐会</a:t>
-            </a:r>
-          </a:p>
-        </p:txBody>
-      </p:sp>
-      <p:sp>
-        <p:nvSpPr>
-          <p:cNvPr id="27" name="文本框 26">
+              <a:t>雷</a:t>
+            </a:r>
+          </a:p>
+        </p:txBody>
+      </p:sp>
+      <p:sp>
+        <p:nvSpPr>
+          <p:cNvPr id="7" name="文本框 6">
             <a:hlinkClick r:id="rId4"/>
           </p:cNvPr>
           <p:cNvSpPr txBox="1"/>
@@ -12318,8 +11818,8 @@
         </p:nvSpPr>
         <p:spPr>
           <a:xfrm>
-            <a:off x="853388" y="2626569"/>
-            <a:ext cx="889987" cy="368935"/>
+            <a:off x="1312564" y="1900009"/>
+            <a:ext cx="633507" cy="369332"/>
           </a:xfrm>
           <a:prstGeom prst="rect">
             <a:avLst/>
@@ -12327,14 +11827,18 @@
           <a:noFill/>
         </p:spPr>
         <p:txBody>
-          <a:bodyPr wrap="none" rtlCol="0">
+          <a:bodyPr wrap="square" rtlCol="0">
             <a:spAutoFit/>
           </a:bodyPr>
           <a:lstStyle/>
           <a:p>
             <a:r>
+              <a:rPr lang="zh-CN" altLang="en-US" dirty="0"/>
+              <a:t>雷</a:t>
+            </a:r>
+            <a:r>
               <a:rPr lang="en-US" altLang="zh-CN" dirty="0"/>
-              <a:t>Bukehi</a:t>
+              <a:t>1</a:t>
             </a:r>
             <a:endParaRPr lang="zh-CN" altLang="en-US" dirty="0"/>
           </a:p>
@@ -12342,7 +11846,7 @@
       </p:sp>
       <p:sp>
         <p:nvSpPr>
-          <p:cNvPr id="28" name="文本框 27">
+          <p:cNvPr id="2" name="文本框 1">
             <a:hlinkClick r:id="rId5"/>
           </p:cNvPr>
           <p:cNvSpPr txBox="1"/>
@@ -12350,8 +11854,8 @@
         </p:nvSpPr>
         <p:spPr>
           <a:xfrm>
-            <a:off x="853388" y="1990299"/>
-            <a:ext cx="992579" cy="368935"/>
+            <a:off x="1312564" y="2382895"/>
+            <a:ext cx="633507" cy="369332"/>
           </a:xfrm>
           <a:prstGeom prst="rect">
             <a:avLst/>
@@ -12359,26 +11863,21 @@
           <a:noFill/>
         </p:spPr>
         <p:txBody>
-          <a:bodyPr wrap="none" rtlCol="0">
+          <a:bodyPr wrap="square" rtlCol="0">
             <a:spAutoFit/>
           </a:bodyPr>
           <a:lstStyle/>
           <a:p>
             <a:r>
-              <a:rPr lang="zh-CN" altLang="en-US" dirty="0"/>
-              <a:t>迟迟</a:t>
-            </a:r>
-            <a:r>
               <a:rPr lang="en-US" altLang="zh-CN" dirty="0"/>
-              <a:t>MV</a:t>
-            </a:r>
-            <a:endParaRPr lang="zh-CN" altLang="en-US" dirty="0"/>
-          </a:p>
-        </p:txBody>
-      </p:sp>
-      <p:sp>
-        <p:nvSpPr>
-          <p:cNvPr id="29" name="文本框 28">
+              <a:t>Bs5</a:t>
+            </a:r>
+          </a:p>
+        </p:txBody>
+      </p:sp>
+      <p:sp>
+        <p:nvSpPr>
+          <p:cNvPr id="3" name="文本框 2">
             <a:hlinkClick r:id="rId6"/>
           </p:cNvPr>
           <p:cNvSpPr txBox="1"/>
@@ -12386,8 +11885,8 @@
         </p:nvSpPr>
         <p:spPr>
           <a:xfrm>
-            <a:off x="853388" y="3262839"/>
-            <a:ext cx="1864613" cy="368935"/>
+            <a:off x="1312564" y="2874018"/>
+            <a:ext cx="633507" cy="369332"/>
           </a:xfrm>
           <a:prstGeom prst="rect">
             <a:avLst/>
@@ -12395,21 +11894,21 @@
           <a:noFill/>
         </p:spPr>
         <p:txBody>
-          <a:bodyPr wrap="none" rtlCol="0">
+          <a:bodyPr wrap="square" rtlCol="0">
             <a:spAutoFit/>
           </a:bodyPr>
           <a:lstStyle/>
           <a:p>
             <a:r>
-              <a:rPr lang="zh-CN" altLang="en-US" dirty="0"/>
-              <a:t>天外来物音乐会</a:t>
-            </a:r>
-          </a:p>
-        </p:txBody>
-      </p:sp>
-      <p:sp>
-        <p:nvSpPr>
-          <p:cNvPr id="30" name="文本框 29">
+              <a:rPr lang="en-US" altLang="zh-CN" dirty="0"/>
+              <a:t>bs6</a:t>
+            </a:r>
+          </a:p>
+        </p:txBody>
+      </p:sp>
+      <p:sp>
+        <p:nvSpPr>
+          <p:cNvPr id="5" name="文本框 4">
             <a:hlinkClick r:id="rId7"/>
           </p:cNvPr>
           <p:cNvSpPr txBox="1"/>
@@ -12417,8 +11916,8 @@
         </p:nvSpPr>
         <p:spPr>
           <a:xfrm>
-            <a:off x="814468" y="3899109"/>
-            <a:ext cx="1928733" cy="368935"/>
+            <a:off x="1312564" y="3386603"/>
+            <a:ext cx="1182158" cy="369332"/>
           </a:xfrm>
           <a:prstGeom prst="rect">
             <a:avLst/>
@@ -12426,26 +11925,22 @@
           <a:noFill/>
         </p:spPr>
         <p:txBody>
-          <a:bodyPr wrap="none" rtlCol="0">
+          <a:bodyPr wrap="square" rtlCol="0">
             <a:spAutoFit/>
           </a:bodyPr>
           <a:lstStyle/>
           <a:p>
             <a:r>
               <a:rPr lang="zh-CN" altLang="en-US" dirty="0"/>
-              <a:t>天外来物音乐会</a:t>
-            </a:r>
-            <a:r>
-              <a:rPr lang="en-US" altLang="zh-CN" dirty="0"/>
-              <a:t>2</a:t>
-            </a:r>
-            <a:endParaRPr lang="zh-CN" altLang="en-US" dirty="0"/>
-          </a:p>
-        </p:txBody>
-      </p:sp>
-      <p:sp>
-        <p:nvSpPr>
-          <p:cNvPr id="2" name="文本框 1">
+              <a:t>伊雪亦梦</a:t>
+            </a:r>
+            <a:endParaRPr lang="en-US" altLang="zh-CN" dirty="0"/>
+          </a:p>
+        </p:txBody>
+      </p:sp>
+      <p:sp>
+        <p:nvSpPr>
+          <p:cNvPr id="8" name="文本框 7">
             <a:hlinkClick r:id="rId8"/>
           </p:cNvPr>
           <p:cNvSpPr txBox="1"/>
@@ -12453,8 +11948,8 @@
         </p:nvSpPr>
         <p:spPr>
           <a:xfrm>
-            <a:off x="853388" y="4535379"/>
-            <a:ext cx="2262158" cy="369332"/>
+            <a:off x="1312564" y="3899188"/>
+            <a:ext cx="1321994" cy="369332"/>
           </a:xfrm>
           <a:prstGeom prst="rect">
             <a:avLst/>
@@ -12462,21 +11957,25 @@
           <a:noFill/>
         </p:spPr>
         <p:txBody>
-          <a:bodyPr wrap="none" rtlCol="0">
+          <a:bodyPr wrap="square" rtlCol="0">
             <a:spAutoFit/>
           </a:bodyPr>
           <a:lstStyle/>
           <a:p>
             <a:r>
               <a:rPr lang="zh-CN" altLang="en-US" dirty="0"/>
-              <a:t>两界为火，赤夜将熄</a:t>
-            </a:r>
-          </a:p>
-        </p:txBody>
-      </p:sp>
-      <p:sp>
-        <p:nvSpPr>
-          <p:cNvPr id="3" name="文本框 2">
+              <a:t>伊雪亦梦</a:t>
+            </a:r>
+            <a:r>
+              <a:rPr lang="en-US" altLang="zh-CN" dirty="0"/>
+              <a:t>1</a:t>
+            </a:r>
+          </a:p>
+        </p:txBody>
+      </p:sp>
+      <p:sp>
+        <p:nvSpPr>
+          <p:cNvPr id="9" name="文本框 8">
             <a:hlinkClick r:id="rId9"/>
           </p:cNvPr>
           <p:cNvSpPr txBox="1"/>
@@ -12484,8 +11983,8 @@
         </p:nvSpPr>
         <p:spPr>
           <a:xfrm>
-            <a:off x="816813" y="5171649"/>
-            <a:ext cx="1159292" cy="369332"/>
+            <a:off x="1312564" y="4451483"/>
+            <a:ext cx="1321994" cy="369332"/>
           </a:xfrm>
           <a:prstGeom prst="rect">
             <a:avLst/>
@@ -12493,22 +11992,21 @@
           <a:noFill/>
         </p:spPr>
         <p:txBody>
-          <a:bodyPr wrap="none" rtlCol="0">
+          <a:bodyPr wrap="square" rtlCol="0">
             <a:spAutoFit/>
           </a:bodyPr>
           <a:lstStyle/>
           <a:p>
             <a:r>
               <a:rPr lang="en-US" altLang="zh-CN" dirty="0"/>
-              <a:t>evermore</a:t>
-            </a:r>
-            <a:endParaRPr lang="zh-CN" altLang="en-US" dirty="0"/>
-          </a:p>
-        </p:txBody>
-      </p:sp>
-      <p:sp>
-        <p:nvSpPr>
-          <p:cNvPr id="5" name="文本框 4">
+              <a:t>og</a:t>
+            </a:r>
+          </a:p>
+        </p:txBody>
+      </p:sp>
+      <p:sp>
+        <p:nvSpPr>
+          <p:cNvPr id="10" name="文本框 9">
             <a:hlinkClick r:id="rId10"/>
           </p:cNvPr>
           <p:cNvSpPr txBox="1"/>
@@ -12516,8 +12014,8 @@
         </p:nvSpPr>
         <p:spPr>
           <a:xfrm>
-            <a:off x="816813" y="5807919"/>
-            <a:ext cx="2262158" cy="369332"/>
+            <a:off x="1312564" y="5001627"/>
+            <a:ext cx="1321994" cy="369332"/>
           </a:xfrm>
           <a:prstGeom prst="rect">
             <a:avLst/>
@@ -12525,30 +12023,34 @@
           <a:noFill/>
         </p:spPr>
         <p:txBody>
-          <a:bodyPr wrap="none" rtlCol="0">
+          <a:bodyPr wrap="square" rtlCol="0">
             <a:spAutoFit/>
           </a:bodyPr>
           <a:lstStyle/>
           <a:p>
             <a:r>
               <a:rPr lang="zh-CN" altLang="en-US" dirty="0"/>
-              <a:t>地狱客栈第一期配音</a:t>
-            </a:r>
-          </a:p>
-        </p:txBody>
-      </p:sp>
-      <p:sp>
-        <p:nvSpPr>
-          <p:cNvPr id="6" name="文本框 5">
-            <a:hlinkClick r:id="rId11"/>
+              <a:t>皮皮</a:t>
+            </a:r>
+            <a:r>
+              <a:rPr lang="en-US" altLang="zh-CN" dirty="0"/>
+              <a:t>7</a:t>
+            </a:r>
+          </a:p>
+        </p:txBody>
+      </p:sp>
+      <p:sp>
+        <p:nvSpPr>
+          <p:cNvPr id="11" name="文本框 10">
+            <a:hlinkClick r:id="rId11" action="ppaction://hlinkfile"/>
           </p:cNvPr>
           <p:cNvSpPr txBox="1"/>
           <p:nvPr/>
         </p:nvSpPr>
         <p:spPr>
           <a:xfrm>
-            <a:off x="4964921" y="1353632"/>
-            <a:ext cx="646331" cy="369332"/>
+            <a:off x="3430399" y="1433525"/>
+            <a:ext cx="633507" cy="368300"/>
           </a:xfrm>
           <a:prstGeom prst="rect">
             <a:avLst/>
@@ -12556,30 +12058,30 @@
           <a:noFill/>
         </p:spPr>
         <p:txBody>
-          <a:bodyPr wrap="none" rtlCol="0">
+          <a:bodyPr wrap="square" rtlCol="0">
             <a:spAutoFit/>
           </a:bodyPr>
           <a:lstStyle/>
           <a:p>
             <a:r>
-              <a:rPr lang="zh-CN" altLang="en-US" dirty="0"/>
-              <a:t>银行</a:t>
-            </a:r>
-          </a:p>
-        </p:txBody>
-      </p:sp>
-      <p:sp>
-        <p:nvSpPr>
-          <p:cNvPr id="7" name="文本框 6">
-            <a:hlinkClick r:id="rId12"/>
+              <a:rPr lang="en-US" altLang="zh-CN" dirty="0"/>
+              <a:t>ll1</a:t>
+            </a:r>
+          </a:p>
+        </p:txBody>
+      </p:sp>
+      <p:sp>
+        <p:nvSpPr>
+          <p:cNvPr id="12" name="文本框 11">
+            <a:hlinkClick r:id="rId12" action="ppaction://hlinkfile"/>
           </p:cNvPr>
           <p:cNvSpPr txBox="1"/>
           <p:nvPr/>
         </p:nvSpPr>
         <p:spPr>
           <a:xfrm>
-            <a:off x="4964920" y="2097210"/>
-            <a:ext cx="364202" cy="369332"/>
+            <a:off x="3430399" y="1917028"/>
+            <a:ext cx="633507" cy="368300"/>
           </a:xfrm>
           <a:prstGeom prst="rect">
             <a:avLst/>
@@ -12587,36 +12089,30 @@
           <a:noFill/>
         </p:spPr>
         <p:txBody>
-          <a:bodyPr wrap="none" rtlCol="0">
+          <a:bodyPr wrap="square" rtlCol="0">
             <a:spAutoFit/>
           </a:bodyPr>
           <a:lstStyle/>
           <a:p>
             <a:r>
               <a:rPr lang="en-US" altLang="zh-CN" dirty="0"/>
-              <a:t>yf</a:t>
-            </a:r>
-            <a:endParaRPr lang="zh-CN" altLang="en-US" dirty="0"/>
-          </a:p>
-        </p:txBody>
-      </p:sp>
-      <p:sp>
-        <p:nvSpPr>
-          <p:cNvPr id="9" name="文本框 8">
+              <a:t>ll2</a:t>
+            </a:r>
+          </a:p>
+        </p:txBody>
+      </p:sp>
+      <p:sp>
+        <p:nvSpPr>
+          <p:cNvPr id="13" name="文本框 12">
             <a:hlinkClick r:id="rId13"/>
-            <a:extLst>
-              <a:ext uri="{FF2B5EF4-FFF2-40B4-BE49-F238E27FC236}">
-                <a16:creationId xmlns:a16="http://schemas.microsoft.com/office/drawing/2014/main" id="{C56800EC-4641-2B3B-20C9-37205A21947B}"/>
-              </a:ext>
-            </a:extLst>
           </p:cNvPr>
           <p:cNvSpPr txBox="1"/>
           <p:nvPr/>
         </p:nvSpPr>
         <p:spPr>
           <a:xfrm>
-            <a:off x="4972896" y="2893507"/>
-            <a:ext cx="3477041" cy="646331"/>
+            <a:off x="3430399" y="2466140"/>
+            <a:ext cx="633507" cy="368300"/>
           </a:xfrm>
           <a:prstGeom prst="rect">
             <a:avLst/>
@@ -12631,36 +12127,299 @@
           <a:p>
             <a:r>
               <a:rPr lang="en-US" altLang="zh-CN" dirty="0"/>
-              <a:t>《</a:t>
-            </a:r>
+              <a:t>xt1</a:t>
+            </a:r>
+          </a:p>
+        </p:txBody>
+      </p:sp>
+      <p:sp>
+        <p:nvSpPr>
+          <p:cNvPr id="14" name="文本框 13">
+            <a:hlinkClick r:id="rId14"/>
+          </p:cNvPr>
+          <p:cNvSpPr txBox="1"/>
+          <p:nvPr/>
+        </p:nvSpPr>
+        <p:spPr>
+          <a:xfrm>
+            <a:off x="3430399" y="2892150"/>
+            <a:ext cx="633507" cy="368300"/>
+          </a:xfrm>
+          <a:prstGeom prst="rect">
+            <a:avLst/>
+          </a:prstGeom>
+          <a:noFill/>
+        </p:spPr>
+        <p:txBody>
+          <a:bodyPr wrap="square" rtlCol="0">
+            <a:spAutoFit/>
+          </a:bodyPr>
+          <a:lstStyle/>
+          <a:p>
+            <a:r>
+              <a:rPr lang="en-US" altLang="zh-CN" dirty="0"/>
+              <a:t>yf1</a:t>
+            </a:r>
+          </a:p>
+        </p:txBody>
+      </p:sp>
+      <p:sp>
+        <p:nvSpPr>
+          <p:cNvPr id="15" name="文本框 14">
+            <a:hlinkClick r:id="rId15"/>
+          </p:cNvPr>
+          <p:cNvSpPr txBox="1"/>
+          <p:nvPr/>
+        </p:nvSpPr>
+        <p:spPr>
+          <a:xfrm>
+            <a:off x="3429688" y="3429000"/>
+            <a:ext cx="633507" cy="368300"/>
+          </a:xfrm>
+          <a:prstGeom prst="rect">
+            <a:avLst/>
+          </a:prstGeom>
+          <a:noFill/>
+        </p:spPr>
+        <p:txBody>
+          <a:bodyPr wrap="square" rtlCol="0">
+            <a:spAutoFit/>
+          </a:bodyPr>
+          <a:lstStyle/>
+          <a:p>
+            <a:r>
+              <a:rPr lang="en-US" altLang="zh-CN" dirty="0"/>
+              <a:t>yf2</a:t>
+            </a:r>
+          </a:p>
+        </p:txBody>
+      </p:sp>
+      <p:sp>
+        <p:nvSpPr>
+          <p:cNvPr id="16" name="文本框 15">
+            <a:hlinkClick r:id="rId16"/>
+          </p:cNvPr>
+          <p:cNvSpPr txBox="1"/>
+          <p:nvPr/>
+        </p:nvSpPr>
+        <p:spPr>
+          <a:xfrm>
+            <a:off x="3429688" y="3912503"/>
+            <a:ext cx="633507" cy="368300"/>
+          </a:xfrm>
+          <a:prstGeom prst="rect">
+            <a:avLst/>
+          </a:prstGeom>
+          <a:noFill/>
+        </p:spPr>
+        <p:txBody>
+          <a:bodyPr wrap="square" rtlCol="0">
+            <a:spAutoFit/>
+          </a:bodyPr>
+          <a:lstStyle/>
+          <a:p>
+            <a:r>
+              <a:rPr lang="en-US" altLang="zh-CN" dirty="0"/>
+              <a:t>wj1</a:t>
+            </a:r>
+          </a:p>
+        </p:txBody>
+      </p:sp>
+      <p:sp>
+        <p:nvSpPr>
+          <p:cNvPr id="18" name="文本框 17">
+            <a:hlinkClick r:id="rId17"/>
+          </p:cNvPr>
+          <p:cNvSpPr txBox="1"/>
+          <p:nvPr/>
+        </p:nvSpPr>
+        <p:spPr>
+          <a:xfrm>
+            <a:off x="3429688" y="4391860"/>
+            <a:ext cx="633507" cy="368300"/>
+          </a:xfrm>
+          <a:prstGeom prst="rect">
+            <a:avLst/>
+          </a:prstGeom>
+          <a:noFill/>
+        </p:spPr>
+        <p:txBody>
+          <a:bodyPr wrap="square" rtlCol="0">
+            <a:spAutoFit/>
+          </a:bodyPr>
+          <a:lstStyle/>
+          <a:p>
+            <a:r>
+              <a:rPr lang="en-US" altLang="zh-CN" dirty="0"/>
+              <a:t>wj2</a:t>
+            </a:r>
+          </a:p>
+        </p:txBody>
+      </p:sp>
+      <p:sp>
+        <p:nvSpPr>
+          <p:cNvPr id="17" name="文本框 16">
+            <a:hlinkClick r:id="rId18"/>
+          </p:cNvPr>
+          <p:cNvSpPr txBox="1"/>
+          <p:nvPr/>
+        </p:nvSpPr>
+        <p:spPr>
+          <a:xfrm>
+            <a:off x="3429688" y="4950966"/>
+            <a:ext cx="885458" cy="369332"/>
+          </a:xfrm>
+          <a:prstGeom prst="rect">
+            <a:avLst/>
+          </a:prstGeom>
+          <a:noFill/>
+        </p:spPr>
+        <p:txBody>
+          <a:bodyPr wrap="square" rtlCol="0">
+            <a:spAutoFit/>
+          </a:bodyPr>
+          <a:lstStyle/>
+          <a:p>
             <a:r>
               <a:rPr lang="zh-CN" altLang="en-US" dirty="0"/>
-              <a:t>崩坏：星穹铁道</a:t>
+              <a:t>皮皮</a:t>
             </a:r>
             <a:r>
               <a:rPr lang="en-US" altLang="zh-CN" dirty="0"/>
-              <a:t>》</a:t>
+              <a:t>8</a:t>
+            </a:r>
+          </a:p>
+        </p:txBody>
+      </p:sp>
+      <p:sp>
+        <p:nvSpPr>
+          <p:cNvPr id="19" name="文本框 18">
+            <a:hlinkClick r:id="rId19"/>
+          </p:cNvPr>
+          <p:cNvSpPr txBox="1"/>
+          <p:nvPr/>
+        </p:nvSpPr>
+        <p:spPr>
+          <a:xfrm>
+            <a:off x="5210542" y="4946229"/>
+            <a:ext cx="885458" cy="369332"/>
+          </a:xfrm>
+          <a:prstGeom prst="rect">
+            <a:avLst/>
+          </a:prstGeom>
+          <a:noFill/>
+        </p:spPr>
+        <p:txBody>
+          <a:bodyPr wrap="square" rtlCol="0">
+            <a:spAutoFit/>
+          </a:bodyPr>
+          <a:lstStyle/>
+          <a:p>
+            <a:r>
+              <a:rPr lang="en-US" altLang="zh-CN" dirty="0" err="1"/>
+              <a:t>Xc</a:t>
             </a:r>
             <a:r>
               <a:rPr lang="zh-CN" altLang="en-US" dirty="0"/>
-              <a:t>「</a:t>
-            </a:r>
+              <a:t>？</a:t>
+            </a:r>
+            <a:endParaRPr lang="en-US" altLang="zh-CN" dirty="0"/>
+          </a:p>
+        </p:txBody>
+      </p:sp>
+      <p:sp>
+        <p:nvSpPr>
+          <p:cNvPr id="20" name="文本框 19">
+            <a:hlinkClick r:id="rId20"/>
+          </p:cNvPr>
+          <p:cNvSpPr txBox="1"/>
+          <p:nvPr/>
+        </p:nvSpPr>
+        <p:spPr>
+          <a:xfrm>
+            <a:off x="5210542" y="4433356"/>
+            <a:ext cx="885458" cy="369332"/>
+          </a:xfrm>
+          <a:prstGeom prst="rect">
+            <a:avLst/>
+          </a:prstGeom>
+          <a:noFill/>
+        </p:spPr>
+        <p:txBody>
+          <a:bodyPr wrap="square" rtlCol="0">
+            <a:spAutoFit/>
+          </a:bodyPr>
+          <a:lstStyle/>
+          <a:p>
+            <a:r>
+              <a:rPr lang="en-US" altLang="zh-CN" dirty="0" err="1"/>
+              <a:t>Xc&amp;hy</a:t>
+            </a:r>
+            <a:endParaRPr lang="en-US" altLang="zh-CN" dirty="0"/>
+          </a:p>
+        </p:txBody>
+      </p:sp>
+      <p:sp>
+        <p:nvSpPr>
+          <p:cNvPr id="21" name="文本框 20">
+            <a:hlinkClick r:id="rId21"/>
+          </p:cNvPr>
+          <p:cNvSpPr txBox="1"/>
+          <p:nvPr/>
+        </p:nvSpPr>
+        <p:spPr>
+          <a:xfrm>
+            <a:off x="5231480" y="1357773"/>
+            <a:ext cx="633507" cy="369332"/>
+          </a:xfrm>
+          <a:prstGeom prst="rect">
+            <a:avLst/>
+          </a:prstGeom>
+          <a:noFill/>
+        </p:spPr>
+        <p:txBody>
+          <a:bodyPr wrap="square" rtlCol="0">
+            <a:spAutoFit/>
+          </a:bodyPr>
+          <a:lstStyle/>
+          <a:p>
             <a:r>
               <a:rPr lang="en-US" altLang="zh-CN" dirty="0"/>
-              <a:t>2024</a:t>
-            </a:r>
-            <a:r>
-              <a:rPr lang="zh-CN" altLang="en-US" dirty="0"/>
-              <a:t>星铁</a:t>
-            </a:r>
+              <a:t>123</a:t>
+            </a:r>
+            <a:endParaRPr lang="zh-CN" altLang="en-US" dirty="0"/>
+          </a:p>
+        </p:txBody>
+      </p:sp>
+      <p:sp>
+        <p:nvSpPr>
+          <p:cNvPr id="22" name="文本框 21">
+            <a:hlinkClick r:id="rId22"/>
+          </p:cNvPr>
+          <p:cNvSpPr txBox="1"/>
+          <p:nvPr/>
+        </p:nvSpPr>
+        <p:spPr>
+          <a:xfrm>
+            <a:off x="5210542" y="1950429"/>
+            <a:ext cx="633507" cy="369332"/>
+          </a:xfrm>
+          <a:prstGeom prst="rect">
+            <a:avLst/>
+          </a:prstGeom>
+          <a:noFill/>
+        </p:spPr>
+        <p:txBody>
+          <a:bodyPr wrap="square" rtlCol="0">
+            <a:spAutoFit/>
+          </a:bodyPr>
+          <a:lstStyle/>
+          <a:p>
             <a:r>
               <a:rPr lang="en-US" altLang="zh-CN" dirty="0"/>
-              <a:t>LIVE</a:t>
-            </a:r>
-            <a:r>
-              <a:rPr lang="zh-CN" altLang="en-US" dirty="0"/>
-              <a:t>」演唱会官方录播完整版</a:t>
-            </a:r>
+              <a:t>123</a:t>
+            </a:r>
+            <a:endParaRPr lang="zh-CN" altLang="en-US" dirty="0"/>
           </a:p>
         </p:txBody>
       </p:sp>
@@ -12728,7 +12487,7 @@
       </p:sp>
       <p:sp>
         <p:nvSpPr>
-          <p:cNvPr id="8" name="文本框 7">
+          <p:cNvPr id="18" name="文本框 17">
             <a:hlinkClick r:id="rId3"/>
           </p:cNvPr>
           <p:cNvSpPr txBox="1"/>
@@ -12736,8 +12495,8 @@
         </p:nvSpPr>
         <p:spPr>
           <a:xfrm>
-            <a:off x="3929039" y="2115497"/>
-            <a:ext cx="877163" cy="369332"/>
+            <a:off x="853388" y="1353632"/>
+            <a:ext cx="1338828" cy="369332"/>
           </a:xfrm>
           <a:prstGeom prst="rect">
             <a:avLst/>
@@ -12752,14 +12511,14 @@
           <a:p>
             <a:r>
               <a:rPr lang="zh-CN" altLang="en-US" dirty="0"/>
-              <a:t>转庭悟</a:t>
-            </a:r>
-          </a:p>
-        </p:txBody>
-      </p:sp>
-      <p:sp>
-        <p:nvSpPr>
-          <p:cNvPr id="9" name="文本框 8">
+              <a:t>苏州音乐会</a:t>
+            </a:r>
+          </a:p>
+        </p:txBody>
+      </p:sp>
+      <p:sp>
+        <p:nvSpPr>
+          <p:cNvPr id="27" name="文本框 26">
             <a:hlinkClick r:id="rId4"/>
           </p:cNvPr>
           <p:cNvSpPr txBox="1"/>
@@ -12767,8 +12526,8 @@
         </p:nvSpPr>
         <p:spPr>
           <a:xfrm>
-            <a:off x="5218836" y="1399664"/>
-            <a:ext cx="1107996" cy="369332"/>
+            <a:off x="853388" y="2626569"/>
+            <a:ext cx="889987" cy="368935"/>
           </a:xfrm>
           <a:prstGeom prst="rect">
             <a:avLst/>
@@ -12782,15 +12541,16 @@
           <a:lstStyle/>
           <a:p>
             <a:r>
-              <a:rPr lang="zh-CN" altLang="en-US" dirty="0"/>
-              <a:t>白首太玄</a:t>
-            </a:r>
-          </a:p>
-        </p:txBody>
-      </p:sp>
-      <p:sp>
-        <p:nvSpPr>
-          <p:cNvPr id="10" name="文本框 9">
+              <a:rPr lang="en-US" altLang="zh-CN" dirty="0"/>
+              <a:t>Bukehi</a:t>
+            </a:r>
+            <a:endParaRPr lang="zh-CN" altLang="en-US" dirty="0"/>
+          </a:p>
+        </p:txBody>
+      </p:sp>
+      <p:sp>
+        <p:nvSpPr>
+          <p:cNvPr id="28" name="文本框 27">
             <a:hlinkClick r:id="rId5"/>
           </p:cNvPr>
           <p:cNvSpPr txBox="1"/>
@@ -12798,8 +12558,8 @@
         </p:nvSpPr>
         <p:spPr>
           <a:xfrm>
-            <a:off x="3929039" y="1399664"/>
-            <a:ext cx="1107996" cy="369332"/>
+            <a:off x="853388" y="1990299"/>
+            <a:ext cx="992579" cy="368935"/>
           </a:xfrm>
           <a:prstGeom prst="rect">
             <a:avLst/>
@@ -12814,14 +12574,19 @@
           <a:p>
             <a:r>
               <a:rPr lang="zh-CN" altLang="en-US" dirty="0"/>
-              <a:t>五岳为轻</a:t>
-            </a:r>
-          </a:p>
-        </p:txBody>
-      </p:sp>
-      <p:sp>
-        <p:nvSpPr>
-          <p:cNvPr id="11" name="文本框 10">
+              <a:t>迟迟</a:t>
+            </a:r>
+            <a:r>
+              <a:rPr lang="en-US" altLang="zh-CN" dirty="0"/>
+              <a:t>MV</a:t>
+            </a:r>
+            <a:endParaRPr lang="zh-CN" altLang="en-US" dirty="0"/>
+          </a:p>
+        </p:txBody>
+      </p:sp>
+      <p:sp>
+        <p:nvSpPr>
+          <p:cNvPr id="29" name="文本框 28">
             <a:hlinkClick r:id="rId6"/>
           </p:cNvPr>
           <p:cNvSpPr txBox="1"/>
@@ -12829,8 +12594,8 @@
         </p:nvSpPr>
         <p:spPr>
           <a:xfrm>
-            <a:off x="825065" y="1415827"/>
-            <a:ext cx="1107996" cy="369332"/>
+            <a:off x="853388" y="3262839"/>
+            <a:ext cx="1864613" cy="368935"/>
           </a:xfrm>
           <a:prstGeom prst="rect">
             <a:avLst/>
@@ -12845,14 +12610,14 @@
           <a:p>
             <a:r>
               <a:rPr lang="zh-CN" altLang="en-US" dirty="0"/>
-              <a:t>煊赫大梁</a:t>
-            </a:r>
-          </a:p>
-        </p:txBody>
-      </p:sp>
-      <p:sp>
-        <p:nvSpPr>
-          <p:cNvPr id="12" name="文本框 11">
+              <a:t>天外来物音乐会</a:t>
+            </a:r>
+          </a:p>
+        </p:txBody>
+      </p:sp>
+      <p:sp>
+        <p:nvSpPr>
+          <p:cNvPr id="30" name="文本框 29">
             <a:hlinkClick r:id="rId7"/>
           </p:cNvPr>
           <p:cNvSpPr txBox="1"/>
@@ -12860,8 +12625,8 @@
         </p:nvSpPr>
         <p:spPr>
           <a:xfrm>
-            <a:off x="2371752" y="2115497"/>
-            <a:ext cx="1107996" cy="369332"/>
+            <a:off x="814468" y="3899109"/>
+            <a:ext cx="1928733" cy="368935"/>
           </a:xfrm>
           <a:prstGeom prst="rect">
             <a:avLst/>
@@ -12876,14 +12641,19 @@
           <a:p>
             <a:r>
               <a:rPr lang="zh-CN" altLang="en-US" dirty="0"/>
-              <a:t>白云苍狗</a:t>
-            </a:r>
-          </a:p>
-        </p:txBody>
-      </p:sp>
-      <p:sp>
-        <p:nvSpPr>
-          <p:cNvPr id="13" name="文本框 12">
+              <a:t>天外来物音乐会</a:t>
+            </a:r>
+            <a:r>
+              <a:rPr lang="en-US" altLang="zh-CN" dirty="0"/>
+              <a:t>2</a:t>
+            </a:r>
+            <a:endParaRPr lang="zh-CN" altLang="en-US" dirty="0"/>
+          </a:p>
+        </p:txBody>
+      </p:sp>
+      <p:sp>
+        <p:nvSpPr>
+          <p:cNvPr id="2" name="文本框 1">
             <a:hlinkClick r:id="rId8"/>
           </p:cNvPr>
           <p:cNvSpPr txBox="1"/>
@@ -12891,8 +12661,8 @@
         </p:nvSpPr>
         <p:spPr>
           <a:xfrm>
-            <a:off x="814465" y="2094570"/>
-            <a:ext cx="1107996" cy="369332"/>
+            <a:off x="853388" y="4535379"/>
+            <a:ext cx="2262158" cy="369332"/>
           </a:xfrm>
           <a:prstGeom prst="rect">
             <a:avLst/>
@@ -12907,14 +12677,14 @@
           <a:p>
             <a:r>
               <a:rPr lang="zh-CN" altLang="en-US" dirty="0"/>
-              <a:t>流刃若火</a:t>
-            </a:r>
-          </a:p>
-        </p:txBody>
-      </p:sp>
-      <p:sp>
-        <p:nvSpPr>
-          <p:cNvPr id="14" name="文本框 13">
+              <a:t>两界为火，赤夜将熄</a:t>
+            </a:r>
+          </a:p>
+        </p:txBody>
+      </p:sp>
+      <p:sp>
+        <p:nvSpPr>
+          <p:cNvPr id="3" name="文本框 2">
             <a:hlinkClick r:id="rId9"/>
           </p:cNvPr>
           <p:cNvSpPr txBox="1"/>
@@ -12922,8 +12692,8 @@
         </p:nvSpPr>
         <p:spPr>
           <a:xfrm>
-            <a:off x="814465" y="2799847"/>
-            <a:ext cx="1107996" cy="369332"/>
+            <a:off x="816813" y="5171649"/>
+            <a:ext cx="1159292" cy="369332"/>
           </a:xfrm>
           <a:prstGeom prst="rect">
             <a:avLst/>
@@ -12937,15 +12707,16 @@
           <a:lstStyle/>
           <a:p>
             <a:r>
-              <a:rPr lang="zh-CN" altLang="en-US" dirty="0"/>
-              <a:t>晨钟萦耳</a:t>
-            </a:r>
-          </a:p>
-        </p:txBody>
-      </p:sp>
-      <p:sp>
-        <p:nvSpPr>
-          <p:cNvPr id="15" name="文本框 14">
+              <a:rPr lang="en-US" altLang="zh-CN" dirty="0"/>
+              <a:t>evermore</a:t>
+            </a:r>
+            <a:endParaRPr lang="zh-CN" altLang="en-US" dirty="0"/>
+          </a:p>
+        </p:txBody>
+      </p:sp>
+      <p:sp>
+        <p:nvSpPr>
+          <p:cNvPr id="5" name="文本框 4">
             <a:hlinkClick r:id="rId10"/>
           </p:cNvPr>
           <p:cNvSpPr txBox="1"/>
@@ -12953,8 +12724,8 @@
         </p:nvSpPr>
         <p:spPr>
           <a:xfrm>
-            <a:off x="2397965" y="1399664"/>
-            <a:ext cx="1107996" cy="369332"/>
+            <a:off x="816813" y="5807919"/>
+            <a:ext cx="2262158" cy="369332"/>
           </a:xfrm>
           <a:prstGeom prst="rect">
             <a:avLst/>
@@ -12969,14 +12740,14 @@
           <a:p>
             <a:r>
               <a:rPr lang="zh-CN" altLang="en-US" dirty="0"/>
-              <a:t>飒沓流星</a:t>
-            </a:r>
-          </a:p>
-        </p:txBody>
-      </p:sp>
-      <p:sp>
-        <p:nvSpPr>
-          <p:cNvPr id="16" name="文本框 15">
+              <a:t>地狱客栈第一期配音</a:t>
+            </a:r>
+          </a:p>
+        </p:txBody>
+      </p:sp>
+      <p:sp>
+        <p:nvSpPr>
+          <p:cNvPr id="6" name="文本框 5">
             <a:hlinkClick r:id="rId11"/>
           </p:cNvPr>
           <p:cNvSpPr txBox="1"/>
@@ -12984,7 +12755,7 @@
         </p:nvSpPr>
         <p:spPr>
           <a:xfrm>
-            <a:off x="5449669" y="2115497"/>
+            <a:off x="4964921" y="1353632"/>
             <a:ext cx="646331" cy="369332"/>
           </a:xfrm>
           <a:prstGeom prst="rect">
@@ -13000,7 +12771,103 @@
           <a:p>
             <a:r>
               <a:rPr lang="zh-CN" altLang="en-US" dirty="0"/>
-              <a:t>留仙</a:t>
+              <a:t>银行</a:t>
+            </a:r>
+          </a:p>
+        </p:txBody>
+      </p:sp>
+      <p:sp>
+        <p:nvSpPr>
+          <p:cNvPr id="7" name="文本框 6">
+            <a:hlinkClick r:id="rId12"/>
+          </p:cNvPr>
+          <p:cNvSpPr txBox="1"/>
+          <p:nvPr/>
+        </p:nvSpPr>
+        <p:spPr>
+          <a:xfrm>
+            <a:off x="4964920" y="2097210"/>
+            <a:ext cx="364202" cy="369332"/>
+          </a:xfrm>
+          <a:prstGeom prst="rect">
+            <a:avLst/>
+          </a:prstGeom>
+          <a:noFill/>
+        </p:spPr>
+        <p:txBody>
+          <a:bodyPr wrap="none" rtlCol="0">
+            <a:spAutoFit/>
+          </a:bodyPr>
+          <a:lstStyle/>
+          <a:p>
+            <a:r>
+              <a:rPr lang="en-US" altLang="zh-CN" dirty="0"/>
+              <a:t>yf</a:t>
+            </a:r>
+            <a:endParaRPr lang="zh-CN" altLang="en-US" dirty="0"/>
+          </a:p>
+        </p:txBody>
+      </p:sp>
+      <p:sp>
+        <p:nvSpPr>
+          <p:cNvPr id="9" name="文本框 8">
+            <a:hlinkClick r:id="rId13"/>
+            <a:extLst>
+              <a:ext uri="{FF2B5EF4-FFF2-40B4-BE49-F238E27FC236}">
+                <a16:creationId xmlns:a16="http://schemas.microsoft.com/office/drawing/2014/main" id="{C56800EC-4641-2B3B-20C9-37205A21947B}"/>
+              </a:ext>
+            </a:extLst>
+          </p:cNvPr>
+          <p:cNvSpPr txBox="1"/>
+          <p:nvPr/>
+        </p:nvSpPr>
+        <p:spPr>
+          <a:xfrm>
+            <a:off x="4972896" y="2893507"/>
+            <a:ext cx="3477041" cy="646331"/>
+          </a:xfrm>
+          <a:prstGeom prst="rect">
+            <a:avLst/>
+          </a:prstGeom>
+          <a:noFill/>
+        </p:spPr>
+        <p:txBody>
+          <a:bodyPr wrap="square" rtlCol="0">
+            <a:spAutoFit/>
+          </a:bodyPr>
+          <a:lstStyle/>
+          <a:p>
+            <a:r>
+              <a:rPr lang="en-US" altLang="zh-CN" dirty="0"/>
+              <a:t>《</a:t>
+            </a:r>
+            <a:r>
+              <a:rPr lang="zh-CN" altLang="en-US" dirty="0"/>
+              <a:t>崩坏：星穹铁道</a:t>
+            </a:r>
+            <a:r>
+              <a:rPr lang="en-US" altLang="zh-CN" dirty="0"/>
+              <a:t>》</a:t>
+            </a:r>
+            <a:r>
+              <a:rPr lang="zh-CN" altLang="en-US" dirty="0"/>
+              <a:t>「</a:t>
+            </a:r>
+            <a:r>
+              <a:rPr lang="en-US" altLang="zh-CN" dirty="0"/>
+              <a:t>2024</a:t>
+            </a:r>
+            <a:r>
+              <a:rPr lang="zh-CN" altLang="en-US" dirty="0"/>
+              <a:t>星铁</a:t>
+            </a:r>
+            <a:r>
+              <a:rPr lang="en-US" altLang="zh-CN" dirty="0"/>
+              <a:t>LIVE</a:t>
+            </a:r>
+            <a:r>
+              <a:rPr lang="zh-CN" altLang="en-US" dirty="0"/>
+              <a:t>」演唱会官方录播完整版</a:t>
             </a:r>
           </a:p>
         </p:txBody>
@@ -13014,6 +12881,909 @@
 </file>
 
 <file path=ppt/slides/slide19.xml><?xml version="1.0" encoding="utf-8"?>
+<p:sld xmlns:a="http://schemas.openxmlformats.org/drawingml/2006/main" xmlns:r="http://schemas.openxmlformats.org/officeDocument/2006/relationships" xmlns:p="http://schemas.openxmlformats.org/presentationml/2006/main">
+  <p:cSld>
+    <p:spTree>
+      <p:nvGrpSpPr>
+        <p:cNvPr id="1" name=""/>
+        <p:cNvGrpSpPr/>
+        <p:nvPr/>
+      </p:nvGrpSpPr>
+      <p:grpSpPr>
+        <a:xfrm>
+          <a:off x="0" y="0"/>
+          <a:ext cx="0" cy="0"/>
+          <a:chOff x="0" y="0"/>
+          <a:chExt cx="0" cy="0"/>
+        </a:xfrm>
+      </p:grpSpPr>
+      <p:sp>
+        <p:nvSpPr>
+          <p:cNvPr id="4" name="标题 3"/>
+          <p:cNvSpPr>
+            <a:spLocks noGrp="1"/>
+          </p:cNvSpPr>
+          <p:nvPr>
+            <p:ph type="title"/>
+          </p:nvPr>
+        </p:nvSpPr>
+        <p:spPr>
+          <a:xfrm>
+            <a:off x="458882" y="315715"/>
+            <a:ext cx="2259119" cy="368301"/>
+          </a:xfrm>
+        </p:spPr>
+        <p:txBody>
+          <a:bodyPr>
+            <a:normAutofit fontScale="90000"/>
+          </a:bodyPr>
+          <a:lstStyle/>
+          <a:p>
+            <a:r>
+              <a:rPr lang="zh-CN" altLang="en-US" dirty="0"/>
+              <a:t>音乐</a:t>
+            </a:r>
+            <a:r>
+              <a:rPr lang="en-US" altLang="zh-CN" dirty="0"/>
+              <a:t>&amp;</a:t>
+            </a:r>
+            <a:r>
+              <a:rPr lang="zh-CN" altLang="en-US" dirty="0"/>
+              <a:t>视频</a:t>
+            </a:r>
+          </a:p>
+        </p:txBody>
+      </p:sp>
+      <p:sp>
+        <p:nvSpPr>
+          <p:cNvPr id="8" name="文本框 7">
+            <a:hlinkClick r:id="rId3"/>
+          </p:cNvPr>
+          <p:cNvSpPr txBox="1"/>
+          <p:nvPr/>
+        </p:nvSpPr>
+        <p:spPr>
+          <a:xfrm>
+            <a:off x="3929039" y="2115497"/>
+            <a:ext cx="877163" cy="369332"/>
+          </a:xfrm>
+          <a:prstGeom prst="rect">
+            <a:avLst/>
+          </a:prstGeom>
+          <a:noFill/>
+        </p:spPr>
+        <p:txBody>
+          <a:bodyPr wrap="none" rtlCol="0">
+            <a:spAutoFit/>
+          </a:bodyPr>
+          <a:lstStyle/>
+          <a:p>
+            <a:r>
+              <a:rPr lang="zh-CN" altLang="en-US" dirty="0"/>
+              <a:t>转庭悟</a:t>
+            </a:r>
+          </a:p>
+        </p:txBody>
+      </p:sp>
+      <p:sp>
+        <p:nvSpPr>
+          <p:cNvPr id="9" name="文本框 8">
+            <a:hlinkClick r:id="rId4"/>
+          </p:cNvPr>
+          <p:cNvSpPr txBox="1"/>
+          <p:nvPr/>
+        </p:nvSpPr>
+        <p:spPr>
+          <a:xfrm>
+            <a:off x="5218836" y="1399664"/>
+            <a:ext cx="1107996" cy="369332"/>
+          </a:xfrm>
+          <a:prstGeom prst="rect">
+            <a:avLst/>
+          </a:prstGeom>
+          <a:noFill/>
+        </p:spPr>
+        <p:txBody>
+          <a:bodyPr wrap="none" rtlCol="0">
+            <a:spAutoFit/>
+          </a:bodyPr>
+          <a:lstStyle/>
+          <a:p>
+            <a:r>
+              <a:rPr lang="zh-CN" altLang="en-US" dirty="0"/>
+              <a:t>白首太玄</a:t>
+            </a:r>
+          </a:p>
+        </p:txBody>
+      </p:sp>
+      <p:sp>
+        <p:nvSpPr>
+          <p:cNvPr id="10" name="文本框 9">
+            <a:hlinkClick r:id="rId5"/>
+          </p:cNvPr>
+          <p:cNvSpPr txBox="1"/>
+          <p:nvPr/>
+        </p:nvSpPr>
+        <p:spPr>
+          <a:xfrm>
+            <a:off x="3929039" y="1399664"/>
+            <a:ext cx="1107996" cy="369332"/>
+          </a:xfrm>
+          <a:prstGeom prst="rect">
+            <a:avLst/>
+          </a:prstGeom>
+          <a:noFill/>
+        </p:spPr>
+        <p:txBody>
+          <a:bodyPr wrap="none" rtlCol="0">
+            <a:spAutoFit/>
+          </a:bodyPr>
+          <a:lstStyle/>
+          <a:p>
+            <a:r>
+              <a:rPr lang="zh-CN" altLang="en-US" dirty="0"/>
+              <a:t>五岳为轻</a:t>
+            </a:r>
+          </a:p>
+        </p:txBody>
+      </p:sp>
+      <p:sp>
+        <p:nvSpPr>
+          <p:cNvPr id="11" name="文本框 10">
+            <a:hlinkClick r:id="rId6"/>
+          </p:cNvPr>
+          <p:cNvSpPr txBox="1"/>
+          <p:nvPr/>
+        </p:nvSpPr>
+        <p:spPr>
+          <a:xfrm>
+            <a:off x="825065" y="1415827"/>
+            <a:ext cx="1107996" cy="369332"/>
+          </a:xfrm>
+          <a:prstGeom prst="rect">
+            <a:avLst/>
+          </a:prstGeom>
+          <a:noFill/>
+        </p:spPr>
+        <p:txBody>
+          <a:bodyPr wrap="none" rtlCol="0">
+            <a:spAutoFit/>
+          </a:bodyPr>
+          <a:lstStyle/>
+          <a:p>
+            <a:r>
+              <a:rPr lang="zh-CN" altLang="en-US" dirty="0"/>
+              <a:t>煊赫大梁</a:t>
+            </a:r>
+          </a:p>
+        </p:txBody>
+      </p:sp>
+      <p:sp>
+        <p:nvSpPr>
+          <p:cNvPr id="12" name="文本框 11">
+            <a:hlinkClick r:id="rId7"/>
+          </p:cNvPr>
+          <p:cNvSpPr txBox="1"/>
+          <p:nvPr/>
+        </p:nvSpPr>
+        <p:spPr>
+          <a:xfrm>
+            <a:off x="2371752" y="2115497"/>
+            <a:ext cx="1107996" cy="369332"/>
+          </a:xfrm>
+          <a:prstGeom prst="rect">
+            <a:avLst/>
+          </a:prstGeom>
+          <a:noFill/>
+        </p:spPr>
+        <p:txBody>
+          <a:bodyPr wrap="none" rtlCol="0">
+            <a:spAutoFit/>
+          </a:bodyPr>
+          <a:lstStyle/>
+          <a:p>
+            <a:r>
+              <a:rPr lang="zh-CN" altLang="en-US" dirty="0"/>
+              <a:t>白云苍狗</a:t>
+            </a:r>
+          </a:p>
+        </p:txBody>
+      </p:sp>
+      <p:sp>
+        <p:nvSpPr>
+          <p:cNvPr id="13" name="文本框 12">
+            <a:hlinkClick r:id="rId8"/>
+          </p:cNvPr>
+          <p:cNvSpPr txBox="1"/>
+          <p:nvPr/>
+        </p:nvSpPr>
+        <p:spPr>
+          <a:xfrm>
+            <a:off x="814465" y="2094570"/>
+            <a:ext cx="1107996" cy="369332"/>
+          </a:xfrm>
+          <a:prstGeom prst="rect">
+            <a:avLst/>
+          </a:prstGeom>
+          <a:noFill/>
+        </p:spPr>
+        <p:txBody>
+          <a:bodyPr wrap="none" rtlCol="0">
+            <a:spAutoFit/>
+          </a:bodyPr>
+          <a:lstStyle/>
+          <a:p>
+            <a:r>
+              <a:rPr lang="zh-CN" altLang="en-US" dirty="0"/>
+              <a:t>流刃若火</a:t>
+            </a:r>
+          </a:p>
+        </p:txBody>
+      </p:sp>
+      <p:sp>
+        <p:nvSpPr>
+          <p:cNvPr id="14" name="文本框 13">
+            <a:hlinkClick r:id="rId9"/>
+          </p:cNvPr>
+          <p:cNvSpPr txBox="1"/>
+          <p:nvPr/>
+        </p:nvSpPr>
+        <p:spPr>
+          <a:xfrm>
+            <a:off x="814465" y="2799847"/>
+            <a:ext cx="1107996" cy="369332"/>
+          </a:xfrm>
+          <a:prstGeom prst="rect">
+            <a:avLst/>
+          </a:prstGeom>
+          <a:noFill/>
+        </p:spPr>
+        <p:txBody>
+          <a:bodyPr wrap="none" rtlCol="0">
+            <a:spAutoFit/>
+          </a:bodyPr>
+          <a:lstStyle/>
+          <a:p>
+            <a:r>
+              <a:rPr lang="zh-CN" altLang="en-US" dirty="0"/>
+              <a:t>晨钟萦耳</a:t>
+            </a:r>
+          </a:p>
+        </p:txBody>
+      </p:sp>
+      <p:sp>
+        <p:nvSpPr>
+          <p:cNvPr id="15" name="文本框 14">
+            <a:hlinkClick r:id="rId10"/>
+          </p:cNvPr>
+          <p:cNvSpPr txBox="1"/>
+          <p:nvPr/>
+        </p:nvSpPr>
+        <p:spPr>
+          <a:xfrm>
+            <a:off x="2397965" y="1399664"/>
+            <a:ext cx="1107996" cy="369332"/>
+          </a:xfrm>
+          <a:prstGeom prst="rect">
+            <a:avLst/>
+          </a:prstGeom>
+          <a:noFill/>
+        </p:spPr>
+        <p:txBody>
+          <a:bodyPr wrap="none" rtlCol="0">
+            <a:spAutoFit/>
+          </a:bodyPr>
+          <a:lstStyle/>
+          <a:p>
+            <a:r>
+              <a:rPr lang="zh-CN" altLang="en-US" dirty="0"/>
+              <a:t>飒沓流星</a:t>
+            </a:r>
+          </a:p>
+        </p:txBody>
+      </p:sp>
+      <p:sp>
+        <p:nvSpPr>
+          <p:cNvPr id="16" name="文本框 15">
+            <a:hlinkClick r:id="rId11"/>
+          </p:cNvPr>
+          <p:cNvSpPr txBox="1"/>
+          <p:nvPr/>
+        </p:nvSpPr>
+        <p:spPr>
+          <a:xfrm>
+            <a:off x="5449669" y="2115497"/>
+            <a:ext cx="646331" cy="369332"/>
+          </a:xfrm>
+          <a:prstGeom prst="rect">
+            <a:avLst/>
+          </a:prstGeom>
+          <a:noFill/>
+        </p:spPr>
+        <p:txBody>
+          <a:bodyPr wrap="none" rtlCol="0">
+            <a:spAutoFit/>
+          </a:bodyPr>
+          <a:lstStyle/>
+          <a:p>
+            <a:r>
+              <a:rPr lang="zh-CN" altLang="en-US" dirty="0"/>
+              <a:t>留仙</a:t>
+            </a:r>
+          </a:p>
+        </p:txBody>
+      </p:sp>
+    </p:spTree>
+  </p:cSld>
+  <p:clrMapOvr>
+    <a:masterClrMapping/>
+  </p:clrMapOvr>
+</p:sld>
+</file>
+
+<file path=ppt/slides/slide2.xml><?xml version="1.0" encoding="utf-8"?>
+<p:sld xmlns:a="http://schemas.openxmlformats.org/drawingml/2006/main" xmlns:r="http://schemas.openxmlformats.org/officeDocument/2006/relationships" xmlns:p="http://schemas.openxmlformats.org/presentationml/2006/main">
+  <p:cSld>
+    <p:spTree>
+      <p:nvGrpSpPr>
+        <p:cNvPr id="1" name=""/>
+        <p:cNvGrpSpPr/>
+        <p:nvPr/>
+      </p:nvGrpSpPr>
+      <p:grpSpPr>
+        <a:xfrm>
+          <a:off x="0" y="0"/>
+          <a:ext cx="0" cy="0"/>
+          <a:chOff x="0" y="0"/>
+          <a:chExt cx="0" cy="0"/>
+        </a:xfrm>
+      </p:grpSpPr>
+      <p:pic>
+        <p:nvPicPr>
+          <p:cNvPr id="6" name="图片 5" descr="图标">
+            <a:hlinkClick r:id="rId2"/>
+          </p:cNvPr>
+          <p:cNvPicPr>
+            <a:picLocks noChangeAspect="1"/>
+          </p:cNvPicPr>
+          <p:nvPr/>
+        </p:nvPicPr>
+        <p:blipFill>
+          <a:blip r:embed="rId3" cstate="print">
+            <a:extLst>
+              <a:ext uri="{28A0092B-C50C-407E-A947-70E740481C1C}">
+                <a14:useLocalDpi xmlns:a14="http://schemas.microsoft.com/office/drawing/2010/main" val="0"/>
+              </a:ext>
+            </a:extLst>
+          </a:blip>
+          <a:stretch>
+            <a:fillRect/>
+          </a:stretch>
+        </p:blipFill>
+        <p:spPr>
+          <a:xfrm>
+            <a:off x="796450" y="4484445"/>
+            <a:ext cx="914400" cy="916186"/>
+          </a:xfrm>
+          <a:prstGeom prst="rect">
+            <a:avLst/>
+          </a:prstGeom>
+        </p:spPr>
+      </p:pic>
+      <p:pic>
+        <p:nvPicPr>
+          <p:cNvPr id="8" name="图形 7" descr="音符 纯色填充">
+            <a:hlinkClick r:id="rId4" action="ppaction://hlinksldjump"/>
+          </p:cNvPr>
+          <p:cNvPicPr>
+            <a:picLocks noChangeAspect="1"/>
+          </p:cNvPicPr>
+          <p:nvPr/>
+        </p:nvPicPr>
+        <p:blipFill>
+          <a:blip r:embed="rId5">
+            <a:extLst>
+              <a:ext uri="{28A0092B-C50C-407E-A947-70E740481C1C}">
+                <a14:useLocalDpi xmlns:a14="http://schemas.microsoft.com/office/drawing/2010/main" val="0"/>
+              </a:ext>
+              <a:ext uri="{96DAC541-7B7A-43D3-8B79-37D633B846F1}">
+                <asvg:svgBlip xmlns:asvg="http://schemas.microsoft.com/office/drawing/2016/SVG/main" r:embed="rId6"/>
+              </a:ext>
+            </a:extLst>
+          </a:blip>
+          <a:stretch>
+            <a:fillRect/>
+          </a:stretch>
+        </p:blipFill>
+        <p:spPr>
+          <a:xfrm>
+            <a:off x="796450" y="2855714"/>
+            <a:ext cx="914400" cy="914400"/>
+          </a:xfrm>
+          <a:prstGeom prst="rect">
+            <a:avLst/>
+          </a:prstGeom>
+        </p:spPr>
+      </p:pic>
+      <p:pic>
+        <p:nvPicPr>
+          <p:cNvPr id="11" name="图形 10" descr="报纸 纯色填充">
+            <a:hlinkClick r:id="rId7"/>
+          </p:cNvPr>
+          <p:cNvPicPr>
+            <a:picLocks noChangeAspect="1"/>
+          </p:cNvPicPr>
+          <p:nvPr/>
+        </p:nvPicPr>
+        <p:blipFill>
+          <a:blip r:embed="rId8">
+            <a:extLst>
+              <a:ext uri="{28A0092B-C50C-407E-A947-70E740481C1C}">
+                <a14:useLocalDpi xmlns:a14="http://schemas.microsoft.com/office/drawing/2010/main" val="0"/>
+              </a:ext>
+              <a:ext uri="{96DAC541-7B7A-43D3-8B79-37D633B846F1}">
+                <asvg:svgBlip xmlns:asvg="http://schemas.microsoft.com/office/drawing/2016/SVG/main" r:embed="rId9"/>
+              </a:ext>
+            </a:extLst>
+          </a:blip>
+          <a:stretch>
+            <a:fillRect/>
+          </a:stretch>
+        </p:blipFill>
+        <p:spPr>
+          <a:xfrm>
+            <a:off x="796450" y="1457369"/>
+            <a:ext cx="914400" cy="914400"/>
+          </a:xfrm>
+          <a:prstGeom prst="rect">
+            <a:avLst/>
+          </a:prstGeom>
+        </p:spPr>
+      </p:pic>
+      <p:pic>
+        <p:nvPicPr>
+          <p:cNvPr id="5" name="图形 4" descr="合同 纯色填充">
+            <a:hlinkClick r:id="rId10"/>
+          </p:cNvPr>
+          <p:cNvPicPr>
+            <a:picLocks noChangeAspect="1"/>
+          </p:cNvPicPr>
+          <p:nvPr/>
+        </p:nvPicPr>
+        <p:blipFill>
+          <a:blip r:embed="rId11">
+            <a:extLst>
+              <a:ext uri="{28A0092B-C50C-407E-A947-70E740481C1C}">
+                <a14:useLocalDpi xmlns:a14="http://schemas.microsoft.com/office/drawing/2010/main" val="0"/>
+              </a:ext>
+              <a:ext uri="{96DAC541-7B7A-43D3-8B79-37D633B846F1}">
+                <asvg:svgBlip xmlns:asvg="http://schemas.microsoft.com/office/drawing/2016/SVG/main" r:embed="rId12"/>
+              </a:ext>
+            </a:extLst>
+          </a:blip>
+          <a:stretch>
+            <a:fillRect/>
+          </a:stretch>
+        </p:blipFill>
+        <p:spPr>
+          <a:xfrm>
+            <a:off x="3838575" y="1457369"/>
+            <a:ext cx="914400" cy="914400"/>
+          </a:xfrm>
+          <a:prstGeom prst="rect">
+            <a:avLst/>
+          </a:prstGeom>
+        </p:spPr>
+      </p:pic>
+      <p:pic>
+        <p:nvPicPr>
+          <p:cNvPr id="3" name="图形 2" descr="书籍 纯色填充">
+            <a:hlinkClick r:id="rId13" action="ppaction://hlinksldjump"/>
+          </p:cNvPr>
+          <p:cNvPicPr>
+            <a:picLocks noChangeAspect="1"/>
+          </p:cNvPicPr>
+          <p:nvPr/>
+        </p:nvPicPr>
+        <p:blipFill>
+          <a:blip r:embed="rId14">
+            <a:extLst>
+              <a:ext uri="{28A0092B-C50C-407E-A947-70E740481C1C}">
+                <a14:useLocalDpi xmlns:a14="http://schemas.microsoft.com/office/drawing/2010/main" val="0"/>
+              </a:ext>
+              <a:ext uri="{96DAC541-7B7A-43D3-8B79-37D633B846F1}">
+                <asvg:svgBlip xmlns:asvg="http://schemas.microsoft.com/office/drawing/2016/SVG/main" r:embed="rId15"/>
+              </a:ext>
+            </a:extLst>
+          </a:blip>
+          <a:stretch>
+            <a:fillRect/>
+          </a:stretch>
+        </p:blipFill>
+        <p:spPr>
+          <a:xfrm>
+            <a:off x="3905250" y="2971800"/>
+            <a:ext cx="914400" cy="914400"/>
+          </a:xfrm>
+          <a:prstGeom prst="rect">
+            <a:avLst/>
+          </a:prstGeom>
+        </p:spPr>
+      </p:pic>
+      <p:sp>
+        <p:nvSpPr>
+          <p:cNvPr id="7" name="标题 6"/>
+          <p:cNvSpPr>
+            <a:spLocks noGrp="1"/>
+          </p:cNvSpPr>
+          <p:nvPr>
+            <p:ph type="title"/>
+          </p:nvPr>
+        </p:nvSpPr>
+        <p:spPr>
+          <a:xfrm>
+            <a:off x="255916" y="208605"/>
+            <a:ext cx="1454934" cy="596906"/>
+          </a:xfrm>
+        </p:spPr>
+        <p:txBody>
+          <a:bodyPr>
+            <a:normAutofit/>
+          </a:bodyPr>
+          <a:lstStyle/>
+          <a:p>
+            <a:r>
+              <a:rPr lang="zh-CN" altLang="en-US" dirty="0"/>
+              <a:t>首页</a:t>
+            </a:r>
+          </a:p>
+        </p:txBody>
+      </p:sp>
+      <p:sp>
+        <p:nvSpPr>
+          <p:cNvPr id="2" name="文本框 1"/>
+          <p:cNvSpPr txBox="1"/>
+          <p:nvPr/>
+        </p:nvSpPr>
+        <p:spPr>
+          <a:xfrm>
+            <a:off x="983383" y="2371769"/>
+            <a:ext cx="646331" cy="369332"/>
+          </a:xfrm>
+          <a:prstGeom prst="rect">
+            <a:avLst/>
+          </a:prstGeom>
+          <a:noFill/>
+        </p:spPr>
+        <p:txBody>
+          <a:bodyPr wrap="none" rtlCol="0">
+            <a:spAutoFit/>
+          </a:bodyPr>
+          <a:lstStyle/>
+          <a:p>
+            <a:r>
+              <a:rPr lang="zh-CN" altLang="en-US" dirty="0"/>
+              <a:t>热搜</a:t>
+            </a:r>
+          </a:p>
+        </p:txBody>
+      </p:sp>
+      <p:sp>
+        <p:nvSpPr>
+          <p:cNvPr id="4" name="文本框 3"/>
+          <p:cNvSpPr txBox="1"/>
+          <p:nvPr/>
+        </p:nvSpPr>
+        <p:spPr>
+          <a:xfrm>
+            <a:off x="983382" y="3770115"/>
+            <a:ext cx="646331" cy="369332"/>
+          </a:xfrm>
+          <a:prstGeom prst="rect">
+            <a:avLst/>
+          </a:prstGeom>
+          <a:noFill/>
+        </p:spPr>
+        <p:txBody>
+          <a:bodyPr wrap="none" rtlCol="0">
+            <a:spAutoFit/>
+          </a:bodyPr>
+          <a:lstStyle/>
+          <a:p>
+            <a:r>
+              <a:rPr lang="zh-CN" altLang="en-US" dirty="0"/>
+              <a:t>音乐</a:t>
+            </a:r>
+          </a:p>
+        </p:txBody>
+      </p:sp>
+      <p:sp>
+        <p:nvSpPr>
+          <p:cNvPr id="9" name="文本框 8"/>
+          <p:cNvSpPr txBox="1"/>
+          <p:nvPr/>
+        </p:nvSpPr>
+        <p:spPr>
+          <a:xfrm>
+            <a:off x="952170" y="5400631"/>
+            <a:ext cx="569387" cy="369332"/>
+          </a:xfrm>
+          <a:prstGeom prst="rect">
+            <a:avLst/>
+          </a:prstGeom>
+          <a:noFill/>
+        </p:spPr>
+        <p:txBody>
+          <a:bodyPr wrap="none" rtlCol="0">
+            <a:spAutoFit/>
+          </a:bodyPr>
+          <a:lstStyle/>
+          <a:p>
+            <a:r>
+              <a:rPr lang="en-US" altLang="zh-CN" dirty="0"/>
+              <a:t>101</a:t>
+            </a:r>
+            <a:endParaRPr lang="zh-CN" altLang="en-US" dirty="0"/>
+          </a:p>
+        </p:txBody>
+      </p:sp>
+      <p:sp>
+        <p:nvSpPr>
+          <p:cNvPr id="10" name="文本框 9"/>
+          <p:cNvSpPr txBox="1"/>
+          <p:nvPr/>
+        </p:nvSpPr>
+        <p:spPr>
+          <a:xfrm>
+            <a:off x="3972609" y="2302452"/>
+            <a:ext cx="646331" cy="369332"/>
+          </a:xfrm>
+          <a:prstGeom prst="rect">
+            <a:avLst/>
+          </a:prstGeom>
+          <a:noFill/>
+        </p:spPr>
+        <p:txBody>
+          <a:bodyPr wrap="none" rtlCol="0">
+            <a:spAutoFit/>
+          </a:bodyPr>
+          <a:lstStyle/>
+          <a:p>
+            <a:r>
+              <a:rPr lang="zh-CN" altLang="en-US" dirty="0"/>
+              <a:t>答案</a:t>
+            </a:r>
+          </a:p>
+        </p:txBody>
+      </p:sp>
+      <p:sp>
+        <p:nvSpPr>
+          <p:cNvPr id="12" name="文本框 11"/>
+          <p:cNvSpPr txBox="1"/>
+          <p:nvPr/>
+        </p:nvSpPr>
+        <p:spPr>
+          <a:xfrm>
+            <a:off x="3972609" y="3816884"/>
+            <a:ext cx="646331" cy="369332"/>
+          </a:xfrm>
+          <a:prstGeom prst="rect">
+            <a:avLst/>
+          </a:prstGeom>
+          <a:noFill/>
+        </p:spPr>
+        <p:txBody>
+          <a:bodyPr wrap="none" rtlCol="0">
+            <a:spAutoFit/>
+          </a:bodyPr>
+          <a:lstStyle/>
+          <a:p>
+            <a:r>
+              <a:rPr lang="zh-CN" altLang="en-US" dirty="0"/>
+              <a:t>小说</a:t>
+            </a:r>
+          </a:p>
+        </p:txBody>
+      </p:sp>
+      <p:pic>
+        <p:nvPicPr>
+          <p:cNvPr id="14" name="图片 13">
+            <a:hlinkClick r:id="rId16"/>
+          </p:cNvPr>
+          <p:cNvPicPr>
+            <a:picLocks noChangeAspect="1"/>
+          </p:cNvPicPr>
+          <p:nvPr/>
+        </p:nvPicPr>
+        <p:blipFill>
+          <a:blip r:embed="rId17" cstate="print">
+            <a:extLst>
+              <a:ext uri="{28A0092B-C50C-407E-A947-70E740481C1C}">
+                <a14:useLocalDpi xmlns:a14="http://schemas.microsoft.com/office/drawing/2010/main" val="0"/>
+              </a:ext>
+            </a:extLst>
+          </a:blip>
+          <a:stretch>
+            <a:fillRect/>
+          </a:stretch>
+        </p:blipFill>
+        <p:spPr>
+          <a:xfrm>
+            <a:off x="3901650" y="4484445"/>
+            <a:ext cx="918000" cy="918000"/>
+          </a:xfrm>
+          <a:prstGeom prst="rect">
+            <a:avLst/>
+          </a:prstGeom>
+        </p:spPr>
+      </p:pic>
+      <p:sp>
+        <p:nvSpPr>
+          <p:cNvPr id="16" name="文本框 15"/>
+          <p:cNvSpPr txBox="1"/>
+          <p:nvPr/>
+        </p:nvSpPr>
+        <p:spPr>
+          <a:xfrm>
+            <a:off x="3838575" y="5400631"/>
+            <a:ext cx="1144242" cy="369332"/>
+          </a:xfrm>
+          <a:prstGeom prst="rect">
+            <a:avLst/>
+          </a:prstGeom>
+          <a:noFill/>
+        </p:spPr>
+        <p:txBody>
+          <a:bodyPr wrap="square" rtlCol="0">
+            <a:spAutoFit/>
+          </a:bodyPr>
+          <a:lstStyle/>
+          <a:p>
+            <a:r>
+              <a:rPr lang="zh-CN" altLang="en-US" dirty="0"/>
+              <a:t>人民日报</a:t>
+            </a:r>
+          </a:p>
+        </p:txBody>
+      </p:sp>
+      <p:pic>
+        <p:nvPicPr>
+          <p:cNvPr id="15" name="图形 14" descr="合同 纯色填充">
+            <a:hlinkClick r:id="rId18"/>
+          </p:cNvPr>
+          <p:cNvPicPr>
+            <a:picLocks noChangeAspect="1"/>
+          </p:cNvPicPr>
+          <p:nvPr/>
+        </p:nvPicPr>
+        <p:blipFill>
+          <a:blip r:embed="rId11">
+            <a:extLst>
+              <a:ext uri="{28A0092B-C50C-407E-A947-70E740481C1C}">
+                <a14:useLocalDpi xmlns:a14="http://schemas.microsoft.com/office/drawing/2010/main" val="0"/>
+              </a:ext>
+              <a:ext uri="{96DAC541-7B7A-43D3-8B79-37D633B846F1}">
+                <asvg:svgBlip xmlns:asvg="http://schemas.microsoft.com/office/drawing/2016/SVG/main" r:embed="rId12"/>
+              </a:ext>
+            </a:extLst>
+          </a:blip>
+          <a:stretch>
+            <a:fillRect/>
+          </a:stretch>
+        </p:blipFill>
+        <p:spPr>
+          <a:xfrm>
+            <a:off x="6746665" y="1457369"/>
+            <a:ext cx="914400" cy="914400"/>
+          </a:xfrm>
+          <a:prstGeom prst="rect">
+            <a:avLst/>
+          </a:prstGeom>
+        </p:spPr>
+      </p:pic>
+      <p:sp>
+        <p:nvSpPr>
+          <p:cNvPr id="17" name="文本框 16"/>
+          <p:cNvSpPr txBox="1"/>
+          <p:nvPr/>
+        </p:nvSpPr>
+        <p:spPr>
+          <a:xfrm>
+            <a:off x="6880699" y="2302452"/>
+            <a:ext cx="646331" cy="369332"/>
+          </a:xfrm>
+          <a:prstGeom prst="rect">
+            <a:avLst/>
+          </a:prstGeom>
+          <a:noFill/>
+        </p:spPr>
+        <p:txBody>
+          <a:bodyPr wrap="none" rtlCol="0">
+            <a:spAutoFit/>
+          </a:bodyPr>
+          <a:lstStyle/>
+          <a:p>
+            <a:r>
+              <a:rPr lang="zh-CN" altLang="en-US" dirty="0"/>
+              <a:t>答案</a:t>
+            </a:r>
+          </a:p>
+        </p:txBody>
+      </p:sp>
+      <p:pic>
+        <p:nvPicPr>
+          <p:cNvPr id="18" name="图片 17" descr="男子的脸部特写黑白照&#10;&#10;中度可信度描述已自动生成"/>
+          <p:cNvPicPr>
+            <a:picLocks noChangeAspect="1"/>
+          </p:cNvPicPr>
+          <p:nvPr/>
+        </p:nvPicPr>
+        <p:blipFill>
+          <a:blip r:embed="rId19">
+            <a:extLst>
+              <a:ext uri="{28A0092B-C50C-407E-A947-70E740481C1C}">
+                <a14:useLocalDpi xmlns:a14="http://schemas.microsoft.com/office/drawing/2010/main" val="0"/>
+              </a:ext>
+            </a:extLst>
+          </a:blip>
+          <a:stretch>
+            <a:fillRect/>
+          </a:stretch>
+        </p:blipFill>
+        <p:spPr>
+          <a:xfrm>
+            <a:off x="9875305" y="0"/>
+            <a:ext cx="1580438" cy="1457369"/>
+          </a:xfrm>
+          <a:prstGeom prst="rect">
+            <a:avLst/>
+          </a:prstGeom>
+        </p:spPr>
+      </p:pic>
+      <p:pic>
+        <p:nvPicPr>
+          <p:cNvPr id="19" name="图形 18" descr="场记板 纯色填充">
+            <a:hlinkClick r:id="rId20"/>
+          </p:cNvPr>
+          <p:cNvPicPr>
+            <a:picLocks noChangeAspect="1"/>
+          </p:cNvPicPr>
+          <p:nvPr/>
+        </p:nvPicPr>
+        <p:blipFill>
+          <a:blip r:embed="rId21">
+            <a:extLst>
+              <a:ext uri="{28A0092B-C50C-407E-A947-70E740481C1C}">
+                <a14:useLocalDpi xmlns:a14="http://schemas.microsoft.com/office/drawing/2010/main" val="0"/>
+              </a:ext>
+              <a:ext uri="{96DAC541-7B7A-43D3-8B79-37D633B846F1}">
+                <asvg:svgBlip xmlns:asvg="http://schemas.microsoft.com/office/drawing/2016/SVG/main" r:embed="rId22"/>
+              </a:ext>
+            </a:extLst>
+          </a:blip>
+          <a:stretch>
+            <a:fillRect/>
+          </a:stretch>
+        </p:blipFill>
+        <p:spPr>
+          <a:xfrm>
+            <a:off x="6769862" y="2855714"/>
+            <a:ext cx="914400" cy="914400"/>
+          </a:xfrm>
+          <a:prstGeom prst="rect">
+            <a:avLst/>
+          </a:prstGeom>
+        </p:spPr>
+      </p:pic>
+    </p:spTree>
+  </p:cSld>
+  <p:clrMapOvr>
+    <a:masterClrMapping/>
+  </p:clrMapOvr>
+</p:sld>
+</file>
+
+<file path=ppt/slides/slide20.xml><?xml version="1.0" encoding="utf-8"?>
 <p:sld xmlns:a="http://schemas.openxmlformats.org/drawingml/2006/main" xmlns:r="http://schemas.openxmlformats.org/officeDocument/2006/relationships" xmlns:p="http://schemas.openxmlformats.org/presentationml/2006/main">
   <p:cSld>
     <p:spTree>
@@ -14246,569 +15016,7 @@
 </p:sld>
 </file>
 
-<file path=ppt/slides/slide2.xml><?xml version="1.0" encoding="utf-8"?>
-<p:sld xmlns:a="http://schemas.openxmlformats.org/drawingml/2006/main" xmlns:r="http://schemas.openxmlformats.org/officeDocument/2006/relationships" xmlns:p="http://schemas.openxmlformats.org/presentationml/2006/main">
-  <p:cSld>
-    <p:spTree>
-      <p:nvGrpSpPr>
-        <p:cNvPr id="1" name=""/>
-        <p:cNvGrpSpPr/>
-        <p:nvPr/>
-      </p:nvGrpSpPr>
-      <p:grpSpPr>
-        <a:xfrm>
-          <a:off x="0" y="0"/>
-          <a:ext cx="0" cy="0"/>
-          <a:chOff x="0" y="0"/>
-          <a:chExt cx="0" cy="0"/>
-        </a:xfrm>
-      </p:grpSpPr>
-      <p:pic>
-        <p:nvPicPr>
-          <p:cNvPr id="6" name="图片 5" descr="图标">
-            <a:hlinkClick r:id="rId2"/>
-          </p:cNvPr>
-          <p:cNvPicPr>
-            <a:picLocks noChangeAspect="1"/>
-          </p:cNvPicPr>
-          <p:nvPr/>
-        </p:nvPicPr>
-        <p:blipFill>
-          <a:blip r:embed="rId3" cstate="print">
-            <a:extLst>
-              <a:ext uri="{28A0092B-C50C-407E-A947-70E740481C1C}">
-                <a14:useLocalDpi xmlns:a14="http://schemas.microsoft.com/office/drawing/2010/main" val="0"/>
-              </a:ext>
-            </a:extLst>
-          </a:blip>
-          <a:stretch>
-            <a:fillRect/>
-          </a:stretch>
-        </p:blipFill>
-        <p:spPr>
-          <a:xfrm>
-            <a:off x="796450" y="4484445"/>
-            <a:ext cx="914400" cy="916186"/>
-          </a:xfrm>
-          <a:prstGeom prst="rect">
-            <a:avLst/>
-          </a:prstGeom>
-        </p:spPr>
-      </p:pic>
-      <p:pic>
-        <p:nvPicPr>
-          <p:cNvPr id="8" name="图形 7" descr="音符 纯色填充">
-            <a:hlinkClick r:id="rId4" action="ppaction://hlinksldjump"/>
-          </p:cNvPr>
-          <p:cNvPicPr>
-            <a:picLocks noChangeAspect="1"/>
-          </p:cNvPicPr>
-          <p:nvPr/>
-        </p:nvPicPr>
-        <p:blipFill>
-          <a:blip r:embed="rId5">
-            <a:extLst>
-              <a:ext uri="{28A0092B-C50C-407E-A947-70E740481C1C}">
-                <a14:useLocalDpi xmlns:a14="http://schemas.microsoft.com/office/drawing/2010/main" val="0"/>
-              </a:ext>
-              <a:ext uri="{96DAC541-7B7A-43D3-8B79-37D633B846F1}">
-                <asvg:svgBlip xmlns:asvg="http://schemas.microsoft.com/office/drawing/2016/SVG/main" r:embed="rId6"/>
-              </a:ext>
-            </a:extLst>
-          </a:blip>
-          <a:stretch>
-            <a:fillRect/>
-          </a:stretch>
-        </p:blipFill>
-        <p:spPr>
-          <a:xfrm>
-            <a:off x="796450" y="2855714"/>
-            <a:ext cx="914400" cy="914400"/>
-          </a:xfrm>
-          <a:prstGeom prst="rect">
-            <a:avLst/>
-          </a:prstGeom>
-        </p:spPr>
-      </p:pic>
-      <p:pic>
-        <p:nvPicPr>
-          <p:cNvPr id="11" name="图形 10" descr="报纸 纯色填充">
-            <a:hlinkClick r:id="rId7"/>
-          </p:cNvPr>
-          <p:cNvPicPr>
-            <a:picLocks noChangeAspect="1"/>
-          </p:cNvPicPr>
-          <p:nvPr/>
-        </p:nvPicPr>
-        <p:blipFill>
-          <a:blip r:embed="rId8">
-            <a:extLst>
-              <a:ext uri="{28A0092B-C50C-407E-A947-70E740481C1C}">
-                <a14:useLocalDpi xmlns:a14="http://schemas.microsoft.com/office/drawing/2010/main" val="0"/>
-              </a:ext>
-              <a:ext uri="{96DAC541-7B7A-43D3-8B79-37D633B846F1}">
-                <asvg:svgBlip xmlns:asvg="http://schemas.microsoft.com/office/drawing/2016/SVG/main" r:embed="rId9"/>
-              </a:ext>
-            </a:extLst>
-          </a:blip>
-          <a:stretch>
-            <a:fillRect/>
-          </a:stretch>
-        </p:blipFill>
-        <p:spPr>
-          <a:xfrm>
-            <a:off x="796450" y="1457369"/>
-            <a:ext cx="914400" cy="914400"/>
-          </a:xfrm>
-          <a:prstGeom prst="rect">
-            <a:avLst/>
-          </a:prstGeom>
-        </p:spPr>
-      </p:pic>
-      <p:pic>
-        <p:nvPicPr>
-          <p:cNvPr id="5" name="图形 4" descr="合同 纯色填充">
-            <a:hlinkClick r:id="rId10"/>
-          </p:cNvPr>
-          <p:cNvPicPr>
-            <a:picLocks noChangeAspect="1"/>
-          </p:cNvPicPr>
-          <p:nvPr/>
-        </p:nvPicPr>
-        <p:blipFill>
-          <a:blip r:embed="rId11">
-            <a:extLst>
-              <a:ext uri="{28A0092B-C50C-407E-A947-70E740481C1C}">
-                <a14:useLocalDpi xmlns:a14="http://schemas.microsoft.com/office/drawing/2010/main" val="0"/>
-              </a:ext>
-              <a:ext uri="{96DAC541-7B7A-43D3-8B79-37D633B846F1}">
-                <asvg:svgBlip xmlns:asvg="http://schemas.microsoft.com/office/drawing/2016/SVG/main" r:embed="rId12"/>
-              </a:ext>
-            </a:extLst>
-          </a:blip>
-          <a:stretch>
-            <a:fillRect/>
-          </a:stretch>
-        </p:blipFill>
-        <p:spPr>
-          <a:xfrm>
-            <a:off x="3838575" y="1457369"/>
-            <a:ext cx="914400" cy="914400"/>
-          </a:xfrm>
-          <a:prstGeom prst="rect">
-            <a:avLst/>
-          </a:prstGeom>
-        </p:spPr>
-      </p:pic>
-      <p:pic>
-        <p:nvPicPr>
-          <p:cNvPr id="3" name="图形 2" descr="书籍 纯色填充">
-            <a:hlinkClick r:id="rId13" action="ppaction://hlinksldjump"/>
-          </p:cNvPr>
-          <p:cNvPicPr>
-            <a:picLocks noChangeAspect="1"/>
-          </p:cNvPicPr>
-          <p:nvPr/>
-        </p:nvPicPr>
-        <p:blipFill>
-          <a:blip r:embed="rId14">
-            <a:extLst>
-              <a:ext uri="{28A0092B-C50C-407E-A947-70E740481C1C}">
-                <a14:useLocalDpi xmlns:a14="http://schemas.microsoft.com/office/drawing/2010/main" val="0"/>
-              </a:ext>
-              <a:ext uri="{96DAC541-7B7A-43D3-8B79-37D633B846F1}">
-                <asvg:svgBlip xmlns:asvg="http://schemas.microsoft.com/office/drawing/2016/SVG/main" r:embed="rId15"/>
-              </a:ext>
-            </a:extLst>
-          </a:blip>
-          <a:stretch>
-            <a:fillRect/>
-          </a:stretch>
-        </p:blipFill>
-        <p:spPr>
-          <a:xfrm>
-            <a:off x="3905250" y="2971800"/>
-            <a:ext cx="914400" cy="914400"/>
-          </a:xfrm>
-          <a:prstGeom prst="rect">
-            <a:avLst/>
-          </a:prstGeom>
-        </p:spPr>
-      </p:pic>
-      <p:sp>
-        <p:nvSpPr>
-          <p:cNvPr id="7" name="标题 6"/>
-          <p:cNvSpPr>
-            <a:spLocks noGrp="1"/>
-          </p:cNvSpPr>
-          <p:nvPr>
-            <p:ph type="title"/>
-          </p:nvPr>
-        </p:nvSpPr>
-        <p:spPr>
-          <a:xfrm>
-            <a:off x="255916" y="208605"/>
-            <a:ext cx="1454934" cy="596906"/>
-          </a:xfrm>
-        </p:spPr>
-        <p:txBody>
-          <a:bodyPr>
-            <a:normAutofit/>
-          </a:bodyPr>
-          <a:lstStyle/>
-          <a:p>
-            <a:r>
-              <a:rPr lang="zh-CN" altLang="en-US" dirty="0"/>
-              <a:t>首页</a:t>
-            </a:r>
-          </a:p>
-        </p:txBody>
-      </p:sp>
-      <p:sp>
-        <p:nvSpPr>
-          <p:cNvPr id="2" name="文本框 1"/>
-          <p:cNvSpPr txBox="1"/>
-          <p:nvPr/>
-        </p:nvSpPr>
-        <p:spPr>
-          <a:xfrm>
-            <a:off x="983383" y="2371769"/>
-            <a:ext cx="646331" cy="369332"/>
-          </a:xfrm>
-          <a:prstGeom prst="rect">
-            <a:avLst/>
-          </a:prstGeom>
-          <a:noFill/>
-        </p:spPr>
-        <p:txBody>
-          <a:bodyPr wrap="none" rtlCol="0">
-            <a:spAutoFit/>
-          </a:bodyPr>
-          <a:lstStyle/>
-          <a:p>
-            <a:r>
-              <a:rPr lang="zh-CN" altLang="en-US" dirty="0"/>
-              <a:t>热搜</a:t>
-            </a:r>
-          </a:p>
-        </p:txBody>
-      </p:sp>
-      <p:sp>
-        <p:nvSpPr>
-          <p:cNvPr id="4" name="文本框 3"/>
-          <p:cNvSpPr txBox="1"/>
-          <p:nvPr/>
-        </p:nvSpPr>
-        <p:spPr>
-          <a:xfrm>
-            <a:off x="983382" y="3770115"/>
-            <a:ext cx="646331" cy="369332"/>
-          </a:xfrm>
-          <a:prstGeom prst="rect">
-            <a:avLst/>
-          </a:prstGeom>
-          <a:noFill/>
-        </p:spPr>
-        <p:txBody>
-          <a:bodyPr wrap="none" rtlCol="0">
-            <a:spAutoFit/>
-          </a:bodyPr>
-          <a:lstStyle/>
-          <a:p>
-            <a:r>
-              <a:rPr lang="zh-CN" altLang="en-US" dirty="0"/>
-              <a:t>音乐</a:t>
-            </a:r>
-          </a:p>
-        </p:txBody>
-      </p:sp>
-      <p:sp>
-        <p:nvSpPr>
-          <p:cNvPr id="9" name="文本框 8"/>
-          <p:cNvSpPr txBox="1"/>
-          <p:nvPr/>
-        </p:nvSpPr>
-        <p:spPr>
-          <a:xfrm>
-            <a:off x="952170" y="5400631"/>
-            <a:ext cx="569387" cy="369332"/>
-          </a:xfrm>
-          <a:prstGeom prst="rect">
-            <a:avLst/>
-          </a:prstGeom>
-          <a:noFill/>
-        </p:spPr>
-        <p:txBody>
-          <a:bodyPr wrap="none" rtlCol="0">
-            <a:spAutoFit/>
-          </a:bodyPr>
-          <a:lstStyle/>
-          <a:p>
-            <a:r>
-              <a:rPr lang="en-US" altLang="zh-CN" dirty="0"/>
-              <a:t>101</a:t>
-            </a:r>
-            <a:endParaRPr lang="zh-CN" altLang="en-US" dirty="0"/>
-          </a:p>
-        </p:txBody>
-      </p:sp>
-      <p:sp>
-        <p:nvSpPr>
-          <p:cNvPr id="10" name="文本框 9"/>
-          <p:cNvSpPr txBox="1"/>
-          <p:nvPr/>
-        </p:nvSpPr>
-        <p:spPr>
-          <a:xfrm>
-            <a:off x="3972609" y="2302452"/>
-            <a:ext cx="646331" cy="369332"/>
-          </a:xfrm>
-          <a:prstGeom prst="rect">
-            <a:avLst/>
-          </a:prstGeom>
-          <a:noFill/>
-        </p:spPr>
-        <p:txBody>
-          <a:bodyPr wrap="none" rtlCol="0">
-            <a:spAutoFit/>
-          </a:bodyPr>
-          <a:lstStyle/>
-          <a:p>
-            <a:r>
-              <a:rPr lang="zh-CN" altLang="en-US" dirty="0"/>
-              <a:t>答案</a:t>
-            </a:r>
-          </a:p>
-        </p:txBody>
-      </p:sp>
-      <p:sp>
-        <p:nvSpPr>
-          <p:cNvPr id="12" name="文本框 11"/>
-          <p:cNvSpPr txBox="1"/>
-          <p:nvPr/>
-        </p:nvSpPr>
-        <p:spPr>
-          <a:xfrm>
-            <a:off x="3972609" y="3816884"/>
-            <a:ext cx="646331" cy="369332"/>
-          </a:xfrm>
-          <a:prstGeom prst="rect">
-            <a:avLst/>
-          </a:prstGeom>
-          <a:noFill/>
-        </p:spPr>
-        <p:txBody>
-          <a:bodyPr wrap="none" rtlCol="0">
-            <a:spAutoFit/>
-          </a:bodyPr>
-          <a:lstStyle/>
-          <a:p>
-            <a:r>
-              <a:rPr lang="zh-CN" altLang="en-US" dirty="0"/>
-              <a:t>小说</a:t>
-            </a:r>
-          </a:p>
-        </p:txBody>
-      </p:sp>
-      <p:pic>
-        <p:nvPicPr>
-          <p:cNvPr id="14" name="图片 13">
-            <a:hlinkClick r:id="rId16"/>
-          </p:cNvPr>
-          <p:cNvPicPr>
-            <a:picLocks noChangeAspect="1"/>
-          </p:cNvPicPr>
-          <p:nvPr/>
-        </p:nvPicPr>
-        <p:blipFill>
-          <a:blip r:embed="rId17" cstate="print">
-            <a:extLst>
-              <a:ext uri="{28A0092B-C50C-407E-A947-70E740481C1C}">
-                <a14:useLocalDpi xmlns:a14="http://schemas.microsoft.com/office/drawing/2010/main" val="0"/>
-              </a:ext>
-            </a:extLst>
-          </a:blip>
-          <a:stretch>
-            <a:fillRect/>
-          </a:stretch>
-        </p:blipFill>
-        <p:spPr>
-          <a:xfrm>
-            <a:off x="3901650" y="4484445"/>
-            <a:ext cx="918000" cy="918000"/>
-          </a:xfrm>
-          <a:prstGeom prst="rect">
-            <a:avLst/>
-          </a:prstGeom>
-        </p:spPr>
-      </p:pic>
-      <p:sp>
-        <p:nvSpPr>
-          <p:cNvPr id="16" name="文本框 15"/>
-          <p:cNvSpPr txBox="1"/>
-          <p:nvPr/>
-        </p:nvSpPr>
-        <p:spPr>
-          <a:xfrm>
-            <a:off x="3838575" y="5400631"/>
-            <a:ext cx="1144242" cy="369332"/>
-          </a:xfrm>
-          <a:prstGeom prst="rect">
-            <a:avLst/>
-          </a:prstGeom>
-          <a:noFill/>
-        </p:spPr>
-        <p:txBody>
-          <a:bodyPr wrap="square" rtlCol="0">
-            <a:spAutoFit/>
-          </a:bodyPr>
-          <a:lstStyle/>
-          <a:p>
-            <a:r>
-              <a:rPr lang="zh-CN" altLang="en-US" dirty="0"/>
-              <a:t>人民日报</a:t>
-            </a:r>
-          </a:p>
-        </p:txBody>
-      </p:sp>
-      <p:pic>
-        <p:nvPicPr>
-          <p:cNvPr id="15" name="图形 14" descr="合同 纯色填充">
-            <a:hlinkClick r:id="rId18"/>
-          </p:cNvPr>
-          <p:cNvPicPr>
-            <a:picLocks noChangeAspect="1"/>
-          </p:cNvPicPr>
-          <p:nvPr/>
-        </p:nvPicPr>
-        <p:blipFill>
-          <a:blip r:embed="rId11">
-            <a:extLst>
-              <a:ext uri="{28A0092B-C50C-407E-A947-70E740481C1C}">
-                <a14:useLocalDpi xmlns:a14="http://schemas.microsoft.com/office/drawing/2010/main" val="0"/>
-              </a:ext>
-              <a:ext uri="{96DAC541-7B7A-43D3-8B79-37D633B846F1}">
-                <asvg:svgBlip xmlns:asvg="http://schemas.microsoft.com/office/drawing/2016/SVG/main" r:embed="rId12"/>
-              </a:ext>
-            </a:extLst>
-          </a:blip>
-          <a:stretch>
-            <a:fillRect/>
-          </a:stretch>
-        </p:blipFill>
-        <p:spPr>
-          <a:xfrm>
-            <a:off x="6746665" y="1457369"/>
-            <a:ext cx="914400" cy="914400"/>
-          </a:xfrm>
-          <a:prstGeom prst="rect">
-            <a:avLst/>
-          </a:prstGeom>
-        </p:spPr>
-      </p:pic>
-      <p:sp>
-        <p:nvSpPr>
-          <p:cNvPr id="17" name="文本框 16"/>
-          <p:cNvSpPr txBox="1"/>
-          <p:nvPr/>
-        </p:nvSpPr>
-        <p:spPr>
-          <a:xfrm>
-            <a:off x="6880699" y="2302452"/>
-            <a:ext cx="646331" cy="369332"/>
-          </a:xfrm>
-          <a:prstGeom prst="rect">
-            <a:avLst/>
-          </a:prstGeom>
-          <a:noFill/>
-        </p:spPr>
-        <p:txBody>
-          <a:bodyPr wrap="none" rtlCol="0">
-            <a:spAutoFit/>
-          </a:bodyPr>
-          <a:lstStyle/>
-          <a:p>
-            <a:r>
-              <a:rPr lang="zh-CN" altLang="en-US" dirty="0"/>
-              <a:t>答案</a:t>
-            </a:r>
-          </a:p>
-        </p:txBody>
-      </p:sp>
-      <p:pic>
-        <p:nvPicPr>
-          <p:cNvPr id="18" name="图片 17" descr="男子的脸部特写黑白照&#10;&#10;中度可信度描述已自动生成"/>
-          <p:cNvPicPr>
-            <a:picLocks noChangeAspect="1"/>
-          </p:cNvPicPr>
-          <p:nvPr/>
-        </p:nvPicPr>
-        <p:blipFill>
-          <a:blip r:embed="rId19">
-            <a:extLst>
-              <a:ext uri="{28A0092B-C50C-407E-A947-70E740481C1C}">
-                <a14:useLocalDpi xmlns:a14="http://schemas.microsoft.com/office/drawing/2010/main" val="0"/>
-              </a:ext>
-            </a:extLst>
-          </a:blip>
-          <a:stretch>
-            <a:fillRect/>
-          </a:stretch>
-        </p:blipFill>
-        <p:spPr>
-          <a:xfrm>
-            <a:off x="9875305" y="0"/>
-            <a:ext cx="1580438" cy="1457369"/>
-          </a:xfrm>
-          <a:prstGeom prst="rect">
-            <a:avLst/>
-          </a:prstGeom>
-        </p:spPr>
-      </p:pic>
-      <p:pic>
-        <p:nvPicPr>
-          <p:cNvPr id="19" name="图形 18" descr="场记板 纯色填充">
-            <a:hlinkClick r:id="rId20"/>
-          </p:cNvPr>
-          <p:cNvPicPr>
-            <a:picLocks noChangeAspect="1"/>
-          </p:cNvPicPr>
-          <p:nvPr/>
-        </p:nvPicPr>
-        <p:blipFill>
-          <a:blip r:embed="rId21">
-            <a:extLst>
-              <a:ext uri="{28A0092B-C50C-407E-A947-70E740481C1C}">
-                <a14:useLocalDpi xmlns:a14="http://schemas.microsoft.com/office/drawing/2010/main" val="0"/>
-              </a:ext>
-              <a:ext uri="{96DAC541-7B7A-43D3-8B79-37D633B846F1}">
-                <asvg:svgBlip xmlns:asvg="http://schemas.microsoft.com/office/drawing/2016/SVG/main" r:embed="rId22"/>
-              </a:ext>
-            </a:extLst>
-          </a:blip>
-          <a:stretch>
-            <a:fillRect/>
-          </a:stretch>
-        </p:blipFill>
-        <p:spPr>
-          <a:xfrm>
-            <a:off x="6769862" y="2855714"/>
-            <a:ext cx="914400" cy="914400"/>
-          </a:xfrm>
-          <a:prstGeom prst="rect">
-            <a:avLst/>
-          </a:prstGeom>
-        </p:spPr>
-      </p:pic>
-    </p:spTree>
-  </p:cSld>
-  <p:clrMapOvr>
-    <a:masterClrMapping/>
-  </p:clrMapOvr>
-</p:sld>
-</file>
-
-<file path=ppt/slides/slide20.xml><?xml version="1.0" encoding="utf-8"?>
+<file path=ppt/slides/slide21.xml><?xml version="1.0" encoding="utf-8"?>
 <p:sld xmlns:a="http://schemas.openxmlformats.org/drawingml/2006/main" xmlns:r="http://schemas.openxmlformats.org/officeDocument/2006/relationships" xmlns:p="http://schemas.openxmlformats.org/presentationml/2006/main">
   <p:cSld>
     <p:spTree>
@@ -15419,7 +15627,7 @@
 </p:sld>
 </file>
 
-<file path=ppt/slides/slide21.xml><?xml version="1.0" encoding="utf-8"?>
+<file path=ppt/slides/slide22.xml><?xml version="1.0" encoding="utf-8"?>
 <p:sld xmlns:a="http://schemas.openxmlformats.org/drawingml/2006/main" xmlns:r="http://schemas.openxmlformats.org/officeDocument/2006/relationships" xmlns:p="http://schemas.openxmlformats.org/presentationml/2006/main">
   <p:cSld>
     <p:spTree>
@@ -17409,78 +17617,6 @@
         <p:spPr>
           <a:xfrm>
             <a:off x="1215813" y="3294062"/>
-            <a:ext cx="840486" cy="437515"/>
-          </a:xfrm>
-          <a:prstGeom prst="rect">
-            <a:avLst/>
-          </a:prstGeom>
-          <a:noFill/>
-        </p:spPr>
-        <p:txBody>
-          <a:bodyPr wrap="square" rtlCol="0">
-            <a:noAutofit/>
-          </a:bodyPr>
-          <a:lstStyle/>
-          <a:p>
-            <a:r>
-              <a:rPr lang="en-US" altLang="zh-CN" dirty="0"/>
-              <a:t>pdf4</a:t>
-            </a:r>
-          </a:p>
-        </p:txBody>
-      </p:sp>
-      <p:sp>
-        <p:nvSpPr>
-          <p:cNvPr id="6" name="文本框 5">
-            <a:hlinkClick r:id="rId7"/>
-            <a:extLst>
-              <a:ext uri="{FF2B5EF4-FFF2-40B4-BE49-F238E27FC236}">
-                <a16:creationId xmlns:a16="http://schemas.microsoft.com/office/drawing/2014/main" id="{BE22882E-E311-3F47-27F9-A838C17C946B}"/>
-              </a:ext>
-            </a:extLst>
-          </p:cNvPr>
-          <p:cNvSpPr txBox="1"/>
-          <p:nvPr/>
-        </p:nvSpPr>
-        <p:spPr>
-          <a:xfrm>
-            <a:off x="1200150" y="3769677"/>
-            <a:ext cx="840486" cy="437515"/>
-          </a:xfrm>
-          <a:prstGeom prst="rect">
-            <a:avLst/>
-          </a:prstGeom>
-          <a:noFill/>
-        </p:spPr>
-        <p:txBody>
-          <a:bodyPr wrap="square" rtlCol="0">
-            <a:noAutofit/>
-          </a:bodyPr>
-          <a:lstStyle/>
-          <a:p>
-            <a:r>
-              <a:rPr lang="en-US" altLang="zh-CN" dirty="0"/>
-              <a:t>pdf4</a:t>
-            </a:r>
-          </a:p>
-        </p:txBody>
-      </p:sp>
-      <p:sp>
-        <p:nvSpPr>
-          <p:cNvPr id="7" name="文本框 6">
-            <a:hlinkClick r:id="rId8"/>
-            <a:extLst>
-              <a:ext uri="{FF2B5EF4-FFF2-40B4-BE49-F238E27FC236}">
-                <a16:creationId xmlns:a16="http://schemas.microsoft.com/office/drawing/2014/main" id="{F18C2DCE-779F-F9E1-F8E7-1D73FBF8F71E}"/>
-              </a:ext>
-            </a:extLst>
-          </p:cNvPr>
-          <p:cNvSpPr txBox="1"/>
-          <p:nvPr/>
-        </p:nvSpPr>
-        <p:spPr>
-          <a:xfrm>
-            <a:off x="1200150" y="4207192"/>
             <a:ext cx="840486" cy="437515"/>
           </a:xfrm>
           <a:prstGeom prst="rect">
@@ -19406,6 +19542,150 @@
               <a:t>（下）</a:t>
             </a:r>
             <a:endParaRPr lang="en-US" altLang="zh-CN" dirty="0"/>
+          </a:p>
+        </p:txBody>
+      </p:sp>
+      <p:sp>
+        <p:nvSpPr>
+          <p:cNvPr id="16" name="文本框 15">
+            <a:hlinkClick r:id="rId11"/>
+            <a:extLst>
+              <a:ext uri="{FF2B5EF4-FFF2-40B4-BE49-F238E27FC236}">
+                <a16:creationId xmlns:a16="http://schemas.microsoft.com/office/drawing/2014/main" id="{A31510A5-560F-C5FE-B09F-E2FC3595AB9E}"/>
+              </a:ext>
+            </a:extLst>
+          </p:cNvPr>
+          <p:cNvSpPr txBox="1"/>
+          <p:nvPr/>
+        </p:nvSpPr>
+        <p:spPr>
+          <a:xfrm>
+            <a:off x="6444192" y="2748212"/>
+            <a:ext cx="840486" cy="437515"/>
+          </a:xfrm>
+          <a:prstGeom prst="rect">
+            <a:avLst/>
+          </a:prstGeom>
+          <a:noFill/>
+        </p:spPr>
+        <p:txBody>
+          <a:bodyPr wrap="square" rtlCol="0">
+            <a:noAutofit/>
+          </a:bodyPr>
+          <a:lstStyle/>
+          <a:p>
+            <a:r>
+              <a:rPr lang="en-US" altLang="zh-CN" dirty="0"/>
+              <a:t>pdf4</a:t>
+            </a:r>
+          </a:p>
+        </p:txBody>
+      </p:sp>
+      <p:sp>
+        <p:nvSpPr>
+          <p:cNvPr id="17" name="文本框 16">
+            <a:hlinkClick r:id="rId12"/>
+            <a:extLst>
+              <a:ext uri="{FF2B5EF4-FFF2-40B4-BE49-F238E27FC236}">
+                <a16:creationId xmlns:a16="http://schemas.microsoft.com/office/drawing/2014/main" id="{F4AA3236-F21F-F8DC-25F9-D21D66416D0C}"/>
+              </a:ext>
+            </a:extLst>
+          </p:cNvPr>
+          <p:cNvSpPr txBox="1"/>
+          <p:nvPr/>
+        </p:nvSpPr>
+        <p:spPr>
+          <a:xfrm>
+            <a:off x="6444192" y="3185727"/>
+            <a:ext cx="840486" cy="437515"/>
+          </a:xfrm>
+          <a:prstGeom prst="rect">
+            <a:avLst/>
+          </a:prstGeom>
+          <a:noFill/>
+        </p:spPr>
+        <p:txBody>
+          <a:bodyPr wrap="square" rtlCol="0">
+            <a:noAutofit/>
+          </a:bodyPr>
+          <a:lstStyle/>
+          <a:p>
+            <a:r>
+              <a:rPr lang="en-US" altLang="zh-CN" dirty="0"/>
+              <a:t>pdf4</a:t>
+            </a:r>
+          </a:p>
+        </p:txBody>
+      </p:sp>
+      <p:sp>
+        <p:nvSpPr>
+          <p:cNvPr id="18" name="文本框 17">
+            <a:hlinkClick r:id="rId13"/>
+            <a:extLst>
+              <a:ext uri="{FF2B5EF4-FFF2-40B4-BE49-F238E27FC236}">
+                <a16:creationId xmlns:a16="http://schemas.microsoft.com/office/drawing/2014/main" id="{DB54DECC-E493-EED5-DEA2-B12D820C0FDA}"/>
+              </a:ext>
+            </a:extLst>
+          </p:cNvPr>
+          <p:cNvSpPr txBox="1"/>
+          <p:nvPr/>
+        </p:nvSpPr>
+        <p:spPr>
+          <a:xfrm>
+            <a:off x="6444192" y="3623242"/>
+            <a:ext cx="840486" cy="437515"/>
+          </a:xfrm>
+          <a:prstGeom prst="rect">
+            <a:avLst/>
+          </a:prstGeom>
+          <a:noFill/>
+        </p:spPr>
+        <p:txBody>
+          <a:bodyPr wrap="square" rtlCol="0">
+            <a:noAutofit/>
+          </a:bodyPr>
+          <a:lstStyle/>
+          <a:p>
+            <a:r>
+              <a:rPr lang="en-US" altLang="zh-CN" dirty="0"/>
+              <a:t>pdf4</a:t>
+            </a:r>
+          </a:p>
+        </p:txBody>
+      </p:sp>
+      <p:sp>
+        <p:nvSpPr>
+          <p:cNvPr id="19" name="文本框 18">
+            <a:hlinkClick r:id="rId14"/>
+            <a:extLst>
+              <a:ext uri="{FF2B5EF4-FFF2-40B4-BE49-F238E27FC236}">
+                <a16:creationId xmlns:a16="http://schemas.microsoft.com/office/drawing/2014/main" id="{822843D6-9691-3FE3-13BE-3BE7C090E998}"/>
+              </a:ext>
+            </a:extLst>
+          </p:cNvPr>
+          <p:cNvSpPr txBox="1"/>
+          <p:nvPr/>
+        </p:nvSpPr>
+        <p:spPr>
+          <a:xfrm>
+            <a:off x="6459855" y="4082452"/>
+            <a:ext cx="840486" cy="437515"/>
+          </a:xfrm>
+          <a:prstGeom prst="rect">
+            <a:avLst/>
+          </a:prstGeom>
+          <a:noFill/>
+        </p:spPr>
+        <p:txBody>
+          <a:bodyPr wrap="square" rtlCol="0">
+            <a:noAutofit/>
+          </a:bodyPr>
+          <a:lstStyle/>
+          <a:p>
+            <a:r>
+              <a:rPr lang="en-US" altLang="zh-CN" dirty="0"/>
+              <a:t>pdf4</a:t>
+            </a:r>
           </a:p>
         </p:txBody>
       </p:sp>

--- a/livefile/livepowerpoint.pptx
+++ b/livefile/livepowerpoint.pptx
@@ -22,9 +22,9 @@
     <p:sldId id="274" r:id="rId13"/>
     <p:sldId id="258" r:id="rId14"/>
     <p:sldId id="271" r:id="rId15"/>
-    <p:sldId id="283" r:id="rId16"/>
-    <p:sldId id="280" r:id="rId17"/>
-    <p:sldId id="277" r:id="rId18"/>
+    <p:sldId id="280" r:id="rId16"/>
+    <p:sldId id="277" r:id="rId17"/>
+    <p:sldId id="283" r:id="rId18"/>
     <p:sldId id="275" r:id="rId19"/>
     <p:sldId id="281" r:id="rId20"/>
     <p:sldId id="262" r:id="rId21"/>
@@ -713,11 +713,6 @@
         </p:txBody>
       </p:sp>
     </p:spTree>
-    <p:extLst>
-      <p:ext uri="{BB962C8B-B14F-4D97-AF65-F5344CB8AC3E}">
-        <p14:creationId xmlns:p14="http://schemas.microsoft.com/office/powerpoint/2010/main" val="3164781629"/>
-      </p:ext>
-    </p:extLst>
   </p:cSld>
   <p:clrMapOvr>
     <a:masterClrMapping/>
@@ -876,6 +871,11 @@
         </p:txBody>
       </p:sp>
     </p:spTree>
+    <p:extLst>
+      <p:ext uri="{BB962C8B-B14F-4D97-AF65-F5344CB8AC3E}">
+        <p14:creationId xmlns:p14="http://schemas.microsoft.com/office/powerpoint/2010/main" val="3164781629"/>
+      </p:ext>
+    </p:extLst>
   </p:cSld>
   <p:clrMapOvr>
     <a:masterClrMapping/>
@@ -10418,161 +10418,6 @@
           </a:p>
         </p:txBody>
       </p:sp>
-      <p:sp>
-        <p:nvSpPr>
-          <p:cNvPr id="5" name="文本框 4">
-            <a:hlinkClick r:id="rId3"/>
-          </p:cNvPr>
-          <p:cNvSpPr txBox="1"/>
-          <p:nvPr/>
-        </p:nvSpPr>
-        <p:spPr>
-          <a:xfrm>
-            <a:off x="1312564" y="1417123"/>
-            <a:ext cx="184731" cy="369332"/>
-          </a:xfrm>
-          <a:prstGeom prst="rect">
-            <a:avLst/>
-          </a:prstGeom>
-          <a:noFill/>
-        </p:spPr>
-        <p:txBody>
-          <a:bodyPr wrap="none" rtlCol="0">
-            <a:spAutoFit/>
-          </a:bodyPr>
-          <a:lstStyle/>
-          <a:p>
-            <a:endParaRPr lang="zh-CN" altLang="en-US" dirty="0"/>
-          </a:p>
-        </p:txBody>
-      </p:sp>
-      <p:sp>
-        <p:nvSpPr>
-          <p:cNvPr id="46" name="文本框 45">
-            <a:hlinkClick r:id="rId4"/>
-          </p:cNvPr>
-          <p:cNvSpPr txBox="1"/>
-          <p:nvPr/>
-        </p:nvSpPr>
-        <p:spPr>
-          <a:xfrm>
-            <a:off x="1312564" y="2195117"/>
-            <a:ext cx="184731" cy="369332"/>
-          </a:xfrm>
-          <a:prstGeom prst="rect">
-            <a:avLst/>
-          </a:prstGeom>
-          <a:noFill/>
-        </p:spPr>
-        <p:txBody>
-          <a:bodyPr wrap="none" rtlCol="0">
-            <a:spAutoFit/>
-          </a:bodyPr>
-          <a:lstStyle/>
-          <a:p>
-            <a:endParaRPr lang="zh-CN" altLang="en-US" dirty="0"/>
-          </a:p>
-        </p:txBody>
-      </p:sp>
-      <p:sp>
-        <p:nvSpPr>
-          <p:cNvPr id="2" name="文本框 1">
-            <a:hlinkClick r:id="rId5"/>
-          </p:cNvPr>
-          <p:cNvSpPr txBox="1"/>
-          <p:nvPr/>
-        </p:nvSpPr>
-        <p:spPr>
-          <a:xfrm>
-            <a:off x="1467570" y="1459231"/>
-            <a:ext cx="505267" cy="369332"/>
-          </a:xfrm>
-          <a:prstGeom prst="rect">
-            <a:avLst/>
-          </a:prstGeom>
-          <a:noFill/>
-        </p:spPr>
-        <p:txBody>
-          <a:bodyPr wrap="none" rtlCol="0">
-            <a:spAutoFit/>
-          </a:bodyPr>
-          <a:lstStyle/>
-          <a:p>
-            <a:r>
-              <a:rPr lang="en-US" altLang="zh-CN" dirty="0"/>
-              <a:t>sr1</a:t>
-            </a:r>
-            <a:endParaRPr lang="zh-CN" altLang="en-US" dirty="0"/>
-          </a:p>
-        </p:txBody>
-      </p:sp>
-    </p:spTree>
-    <p:extLst>
-      <p:ext uri="{BB962C8B-B14F-4D97-AF65-F5344CB8AC3E}">
-        <p14:creationId xmlns:p14="http://schemas.microsoft.com/office/powerpoint/2010/main" val="3935793817"/>
-      </p:ext>
-    </p:extLst>
-  </p:cSld>
-  <p:clrMapOvr>
-    <a:masterClrMapping/>
-  </p:clrMapOvr>
-</p:sld>
-</file>
-
-<file path=ppt/slides/slide16.xml><?xml version="1.0" encoding="utf-8"?>
-<p:sld xmlns:a="http://schemas.openxmlformats.org/drawingml/2006/main" xmlns:r="http://schemas.openxmlformats.org/officeDocument/2006/relationships" xmlns:p="http://schemas.openxmlformats.org/presentationml/2006/main">
-  <p:cSld>
-    <p:spTree>
-      <p:nvGrpSpPr>
-        <p:cNvPr id="1" name=""/>
-        <p:cNvGrpSpPr/>
-        <p:nvPr/>
-      </p:nvGrpSpPr>
-      <p:grpSpPr>
-        <a:xfrm>
-          <a:off x="0" y="0"/>
-          <a:ext cx="0" cy="0"/>
-          <a:chOff x="0" y="0"/>
-          <a:chExt cx="0" cy="0"/>
-        </a:xfrm>
-      </p:grpSpPr>
-      <p:sp>
-        <p:nvSpPr>
-          <p:cNvPr id="4" name="标题 3"/>
-          <p:cNvSpPr>
-            <a:spLocks noGrp="1"/>
-          </p:cNvSpPr>
-          <p:nvPr>
-            <p:ph type="title"/>
-          </p:nvPr>
-        </p:nvSpPr>
-        <p:spPr>
-          <a:xfrm>
-            <a:off x="458882" y="315715"/>
-            <a:ext cx="2259119" cy="368301"/>
-          </a:xfrm>
-        </p:spPr>
-        <p:txBody>
-          <a:bodyPr>
-            <a:normAutofit fontScale="90000"/>
-          </a:bodyPr>
-          <a:lstStyle/>
-          <a:p>
-            <a:r>
-              <a:rPr lang="zh-CN" altLang="en-US" dirty="0"/>
-              <a:t>音乐</a:t>
-            </a:r>
-            <a:r>
-              <a:rPr lang="en-US" altLang="zh-CN" dirty="0"/>
-              <a:t>&amp;</a:t>
-            </a:r>
-            <a:r>
-              <a:rPr lang="zh-CN" altLang="en-US" dirty="0"/>
-              <a:t>视频</a:t>
-            </a:r>
-          </a:p>
-        </p:txBody>
-      </p:sp>
       <p:grpSp>
         <p:nvGrpSpPr>
           <p:cNvPr id="14" name="组合 13"/>
@@ -11723,6 +11568,714 @@
 </p:sld>
 </file>
 
+<file path=ppt/slides/slide16.xml><?xml version="1.0" encoding="utf-8"?>
+<p:sld xmlns:a="http://schemas.openxmlformats.org/drawingml/2006/main" xmlns:r="http://schemas.openxmlformats.org/officeDocument/2006/relationships" xmlns:p="http://schemas.openxmlformats.org/presentationml/2006/main">
+  <p:cSld>
+    <p:spTree>
+      <p:nvGrpSpPr>
+        <p:cNvPr id="1" name=""/>
+        <p:cNvGrpSpPr/>
+        <p:nvPr/>
+      </p:nvGrpSpPr>
+      <p:grpSpPr>
+        <a:xfrm>
+          <a:off x="0" y="0"/>
+          <a:ext cx="0" cy="0"/>
+          <a:chOff x="0" y="0"/>
+          <a:chExt cx="0" cy="0"/>
+        </a:xfrm>
+      </p:grpSpPr>
+      <p:sp>
+        <p:nvSpPr>
+          <p:cNvPr id="4" name="标题 3"/>
+          <p:cNvSpPr>
+            <a:spLocks noGrp="1"/>
+          </p:cNvSpPr>
+          <p:nvPr>
+            <p:ph type="title"/>
+          </p:nvPr>
+        </p:nvSpPr>
+        <p:spPr>
+          <a:xfrm>
+            <a:off x="458882" y="315715"/>
+            <a:ext cx="2259119" cy="368301"/>
+          </a:xfrm>
+        </p:spPr>
+        <p:txBody>
+          <a:bodyPr>
+            <a:normAutofit fontScale="90000"/>
+          </a:bodyPr>
+          <a:lstStyle/>
+          <a:p>
+            <a:r>
+              <a:rPr lang="zh-CN" altLang="en-US" dirty="0"/>
+              <a:t>音乐</a:t>
+            </a:r>
+            <a:r>
+              <a:rPr lang="en-US" altLang="zh-CN" dirty="0"/>
+              <a:t>&amp;</a:t>
+            </a:r>
+            <a:r>
+              <a:rPr lang="zh-CN" altLang="en-US" dirty="0"/>
+              <a:t>视频</a:t>
+            </a:r>
+          </a:p>
+        </p:txBody>
+      </p:sp>
+      <p:sp>
+        <p:nvSpPr>
+          <p:cNvPr id="6" name="文本框 5">
+            <a:hlinkClick r:id="rId3"/>
+          </p:cNvPr>
+          <p:cNvSpPr txBox="1"/>
+          <p:nvPr/>
+        </p:nvSpPr>
+        <p:spPr>
+          <a:xfrm>
+            <a:off x="1312564" y="1417123"/>
+            <a:ext cx="415498" cy="369332"/>
+          </a:xfrm>
+          <a:prstGeom prst="rect">
+            <a:avLst/>
+          </a:prstGeom>
+          <a:noFill/>
+        </p:spPr>
+        <p:txBody>
+          <a:bodyPr wrap="none" rtlCol="0">
+            <a:spAutoFit/>
+          </a:bodyPr>
+          <a:lstStyle/>
+          <a:p>
+            <a:r>
+              <a:rPr lang="zh-CN" altLang="en-US" dirty="0"/>
+              <a:t>雷</a:t>
+            </a:r>
+          </a:p>
+        </p:txBody>
+      </p:sp>
+      <p:sp>
+        <p:nvSpPr>
+          <p:cNvPr id="7" name="文本框 6">
+            <a:hlinkClick r:id="rId4"/>
+          </p:cNvPr>
+          <p:cNvSpPr txBox="1"/>
+          <p:nvPr/>
+        </p:nvSpPr>
+        <p:spPr>
+          <a:xfrm>
+            <a:off x="1312564" y="1900009"/>
+            <a:ext cx="633507" cy="369332"/>
+          </a:xfrm>
+          <a:prstGeom prst="rect">
+            <a:avLst/>
+          </a:prstGeom>
+          <a:noFill/>
+        </p:spPr>
+        <p:txBody>
+          <a:bodyPr wrap="square" rtlCol="0">
+            <a:spAutoFit/>
+          </a:bodyPr>
+          <a:lstStyle/>
+          <a:p>
+            <a:r>
+              <a:rPr lang="zh-CN" altLang="en-US" dirty="0"/>
+              <a:t>雷</a:t>
+            </a:r>
+            <a:r>
+              <a:rPr lang="en-US" altLang="zh-CN" dirty="0"/>
+              <a:t>1</a:t>
+            </a:r>
+            <a:endParaRPr lang="zh-CN" altLang="en-US" dirty="0"/>
+          </a:p>
+        </p:txBody>
+      </p:sp>
+      <p:sp>
+        <p:nvSpPr>
+          <p:cNvPr id="2" name="文本框 1">
+            <a:hlinkClick r:id="rId5"/>
+          </p:cNvPr>
+          <p:cNvSpPr txBox="1"/>
+          <p:nvPr/>
+        </p:nvSpPr>
+        <p:spPr>
+          <a:xfrm>
+            <a:off x="1312564" y="2382895"/>
+            <a:ext cx="633507" cy="369332"/>
+          </a:xfrm>
+          <a:prstGeom prst="rect">
+            <a:avLst/>
+          </a:prstGeom>
+          <a:noFill/>
+        </p:spPr>
+        <p:txBody>
+          <a:bodyPr wrap="square" rtlCol="0">
+            <a:spAutoFit/>
+          </a:bodyPr>
+          <a:lstStyle/>
+          <a:p>
+            <a:r>
+              <a:rPr lang="en-US" altLang="zh-CN" dirty="0"/>
+              <a:t>Bs5</a:t>
+            </a:r>
+          </a:p>
+        </p:txBody>
+      </p:sp>
+      <p:sp>
+        <p:nvSpPr>
+          <p:cNvPr id="3" name="文本框 2">
+            <a:hlinkClick r:id="rId6"/>
+          </p:cNvPr>
+          <p:cNvSpPr txBox="1"/>
+          <p:nvPr/>
+        </p:nvSpPr>
+        <p:spPr>
+          <a:xfrm>
+            <a:off x="1312564" y="2874018"/>
+            <a:ext cx="633507" cy="369332"/>
+          </a:xfrm>
+          <a:prstGeom prst="rect">
+            <a:avLst/>
+          </a:prstGeom>
+          <a:noFill/>
+        </p:spPr>
+        <p:txBody>
+          <a:bodyPr wrap="square" rtlCol="0">
+            <a:spAutoFit/>
+          </a:bodyPr>
+          <a:lstStyle/>
+          <a:p>
+            <a:r>
+              <a:rPr lang="en-US" altLang="zh-CN" dirty="0"/>
+              <a:t>bs6</a:t>
+            </a:r>
+          </a:p>
+        </p:txBody>
+      </p:sp>
+      <p:sp>
+        <p:nvSpPr>
+          <p:cNvPr id="5" name="文本框 4">
+            <a:hlinkClick r:id="rId7"/>
+          </p:cNvPr>
+          <p:cNvSpPr txBox="1"/>
+          <p:nvPr/>
+        </p:nvSpPr>
+        <p:spPr>
+          <a:xfrm>
+            <a:off x="1312564" y="3386603"/>
+            <a:ext cx="1182158" cy="369332"/>
+          </a:xfrm>
+          <a:prstGeom prst="rect">
+            <a:avLst/>
+          </a:prstGeom>
+          <a:noFill/>
+        </p:spPr>
+        <p:txBody>
+          <a:bodyPr wrap="square" rtlCol="0">
+            <a:spAutoFit/>
+          </a:bodyPr>
+          <a:lstStyle/>
+          <a:p>
+            <a:r>
+              <a:rPr lang="zh-CN" altLang="en-US" dirty="0"/>
+              <a:t>伊雪亦梦</a:t>
+            </a:r>
+            <a:endParaRPr lang="en-US" altLang="zh-CN" dirty="0"/>
+          </a:p>
+        </p:txBody>
+      </p:sp>
+      <p:sp>
+        <p:nvSpPr>
+          <p:cNvPr id="8" name="文本框 7">
+            <a:hlinkClick r:id="rId8"/>
+          </p:cNvPr>
+          <p:cNvSpPr txBox="1"/>
+          <p:nvPr/>
+        </p:nvSpPr>
+        <p:spPr>
+          <a:xfrm>
+            <a:off x="1312564" y="3899188"/>
+            <a:ext cx="1321994" cy="369332"/>
+          </a:xfrm>
+          <a:prstGeom prst="rect">
+            <a:avLst/>
+          </a:prstGeom>
+          <a:noFill/>
+        </p:spPr>
+        <p:txBody>
+          <a:bodyPr wrap="square" rtlCol="0">
+            <a:spAutoFit/>
+          </a:bodyPr>
+          <a:lstStyle/>
+          <a:p>
+            <a:r>
+              <a:rPr lang="zh-CN" altLang="en-US" dirty="0"/>
+              <a:t>伊雪亦梦</a:t>
+            </a:r>
+            <a:r>
+              <a:rPr lang="en-US" altLang="zh-CN" dirty="0"/>
+              <a:t>1</a:t>
+            </a:r>
+          </a:p>
+        </p:txBody>
+      </p:sp>
+      <p:sp>
+        <p:nvSpPr>
+          <p:cNvPr id="9" name="文本框 8">
+            <a:hlinkClick r:id="rId9"/>
+          </p:cNvPr>
+          <p:cNvSpPr txBox="1"/>
+          <p:nvPr/>
+        </p:nvSpPr>
+        <p:spPr>
+          <a:xfrm>
+            <a:off x="1312564" y="4451483"/>
+            <a:ext cx="1321994" cy="369332"/>
+          </a:xfrm>
+          <a:prstGeom prst="rect">
+            <a:avLst/>
+          </a:prstGeom>
+          <a:noFill/>
+        </p:spPr>
+        <p:txBody>
+          <a:bodyPr wrap="square" rtlCol="0">
+            <a:spAutoFit/>
+          </a:bodyPr>
+          <a:lstStyle/>
+          <a:p>
+            <a:r>
+              <a:rPr lang="en-US" altLang="zh-CN" dirty="0"/>
+              <a:t>og</a:t>
+            </a:r>
+          </a:p>
+        </p:txBody>
+      </p:sp>
+      <p:sp>
+        <p:nvSpPr>
+          <p:cNvPr id="10" name="文本框 9">
+            <a:hlinkClick r:id="rId10"/>
+          </p:cNvPr>
+          <p:cNvSpPr txBox="1"/>
+          <p:nvPr/>
+        </p:nvSpPr>
+        <p:spPr>
+          <a:xfrm>
+            <a:off x="1312564" y="5001627"/>
+            <a:ext cx="1321994" cy="369332"/>
+          </a:xfrm>
+          <a:prstGeom prst="rect">
+            <a:avLst/>
+          </a:prstGeom>
+          <a:noFill/>
+        </p:spPr>
+        <p:txBody>
+          <a:bodyPr wrap="square" rtlCol="0">
+            <a:spAutoFit/>
+          </a:bodyPr>
+          <a:lstStyle/>
+          <a:p>
+            <a:r>
+              <a:rPr lang="zh-CN" altLang="en-US" dirty="0"/>
+              <a:t>皮皮</a:t>
+            </a:r>
+            <a:r>
+              <a:rPr lang="en-US" altLang="zh-CN" dirty="0"/>
+              <a:t>7</a:t>
+            </a:r>
+          </a:p>
+        </p:txBody>
+      </p:sp>
+      <p:sp>
+        <p:nvSpPr>
+          <p:cNvPr id="11" name="文本框 10">
+            <a:hlinkClick r:id="rId11" action="ppaction://hlinkfile"/>
+          </p:cNvPr>
+          <p:cNvSpPr txBox="1"/>
+          <p:nvPr/>
+        </p:nvSpPr>
+        <p:spPr>
+          <a:xfrm>
+            <a:off x="3430399" y="1433525"/>
+            <a:ext cx="633507" cy="368300"/>
+          </a:xfrm>
+          <a:prstGeom prst="rect">
+            <a:avLst/>
+          </a:prstGeom>
+          <a:noFill/>
+        </p:spPr>
+        <p:txBody>
+          <a:bodyPr wrap="square" rtlCol="0">
+            <a:spAutoFit/>
+          </a:bodyPr>
+          <a:lstStyle/>
+          <a:p>
+            <a:r>
+              <a:rPr lang="en-US" altLang="zh-CN" dirty="0"/>
+              <a:t>ll1</a:t>
+            </a:r>
+          </a:p>
+        </p:txBody>
+      </p:sp>
+      <p:sp>
+        <p:nvSpPr>
+          <p:cNvPr id="12" name="文本框 11">
+            <a:hlinkClick r:id="rId12" action="ppaction://hlinkfile"/>
+          </p:cNvPr>
+          <p:cNvSpPr txBox="1"/>
+          <p:nvPr/>
+        </p:nvSpPr>
+        <p:spPr>
+          <a:xfrm>
+            <a:off x="3430399" y="1917028"/>
+            <a:ext cx="633507" cy="368300"/>
+          </a:xfrm>
+          <a:prstGeom prst="rect">
+            <a:avLst/>
+          </a:prstGeom>
+          <a:noFill/>
+        </p:spPr>
+        <p:txBody>
+          <a:bodyPr wrap="square" rtlCol="0">
+            <a:spAutoFit/>
+          </a:bodyPr>
+          <a:lstStyle/>
+          <a:p>
+            <a:r>
+              <a:rPr lang="en-US" altLang="zh-CN" dirty="0"/>
+              <a:t>ll2</a:t>
+            </a:r>
+          </a:p>
+        </p:txBody>
+      </p:sp>
+      <p:sp>
+        <p:nvSpPr>
+          <p:cNvPr id="13" name="文本框 12">
+            <a:hlinkClick r:id="rId13"/>
+          </p:cNvPr>
+          <p:cNvSpPr txBox="1"/>
+          <p:nvPr/>
+        </p:nvSpPr>
+        <p:spPr>
+          <a:xfrm>
+            <a:off x="3430399" y="2466140"/>
+            <a:ext cx="633507" cy="368300"/>
+          </a:xfrm>
+          <a:prstGeom prst="rect">
+            <a:avLst/>
+          </a:prstGeom>
+          <a:noFill/>
+        </p:spPr>
+        <p:txBody>
+          <a:bodyPr wrap="square" rtlCol="0">
+            <a:spAutoFit/>
+          </a:bodyPr>
+          <a:lstStyle/>
+          <a:p>
+            <a:r>
+              <a:rPr lang="en-US" altLang="zh-CN" dirty="0"/>
+              <a:t>xt1</a:t>
+            </a:r>
+          </a:p>
+        </p:txBody>
+      </p:sp>
+      <p:sp>
+        <p:nvSpPr>
+          <p:cNvPr id="14" name="文本框 13">
+            <a:hlinkClick r:id="rId14"/>
+          </p:cNvPr>
+          <p:cNvSpPr txBox="1"/>
+          <p:nvPr/>
+        </p:nvSpPr>
+        <p:spPr>
+          <a:xfrm>
+            <a:off x="3430399" y="2892150"/>
+            <a:ext cx="633507" cy="368300"/>
+          </a:xfrm>
+          <a:prstGeom prst="rect">
+            <a:avLst/>
+          </a:prstGeom>
+          <a:noFill/>
+        </p:spPr>
+        <p:txBody>
+          <a:bodyPr wrap="square" rtlCol="0">
+            <a:spAutoFit/>
+          </a:bodyPr>
+          <a:lstStyle/>
+          <a:p>
+            <a:r>
+              <a:rPr lang="en-US" altLang="zh-CN" dirty="0"/>
+              <a:t>yf1</a:t>
+            </a:r>
+          </a:p>
+        </p:txBody>
+      </p:sp>
+      <p:sp>
+        <p:nvSpPr>
+          <p:cNvPr id="15" name="文本框 14">
+            <a:hlinkClick r:id="rId15"/>
+          </p:cNvPr>
+          <p:cNvSpPr txBox="1"/>
+          <p:nvPr/>
+        </p:nvSpPr>
+        <p:spPr>
+          <a:xfrm>
+            <a:off x="3429688" y="3429000"/>
+            <a:ext cx="633507" cy="368300"/>
+          </a:xfrm>
+          <a:prstGeom prst="rect">
+            <a:avLst/>
+          </a:prstGeom>
+          <a:noFill/>
+        </p:spPr>
+        <p:txBody>
+          <a:bodyPr wrap="square" rtlCol="0">
+            <a:spAutoFit/>
+          </a:bodyPr>
+          <a:lstStyle/>
+          <a:p>
+            <a:r>
+              <a:rPr lang="en-US" altLang="zh-CN" dirty="0"/>
+              <a:t>yf2</a:t>
+            </a:r>
+          </a:p>
+        </p:txBody>
+      </p:sp>
+      <p:sp>
+        <p:nvSpPr>
+          <p:cNvPr id="16" name="文本框 15">
+            <a:hlinkClick r:id="rId16"/>
+          </p:cNvPr>
+          <p:cNvSpPr txBox="1"/>
+          <p:nvPr/>
+        </p:nvSpPr>
+        <p:spPr>
+          <a:xfrm>
+            <a:off x="3429688" y="3912503"/>
+            <a:ext cx="633507" cy="368300"/>
+          </a:xfrm>
+          <a:prstGeom prst="rect">
+            <a:avLst/>
+          </a:prstGeom>
+          <a:noFill/>
+        </p:spPr>
+        <p:txBody>
+          <a:bodyPr wrap="square" rtlCol="0">
+            <a:spAutoFit/>
+          </a:bodyPr>
+          <a:lstStyle/>
+          <a:p>
+            <a:r>
+              <a:rPr lang="en-US" altLang="zh-CN" dirty="0"/>
+              <a:t>wj1</a:t>
+            </a:r>
+          </a:p>
+        </p:txBody>
+      </p:sp>
+      <p:sp>
+        <p:nvSpPr>
+          <p:cNvPr id="18" name="文本框 17">
+            <a:hlinkClick r:id="rId17"/>
+          </p:cNvPr>
+          <p:cNvSpPr txBox="1"/>
+          <p:nvPr/>
+        </p:nvSpPr>
+        <p:spPr>
+          <a:xfrm>
+            <a:off x="3429688" y="4391860"/>
+            <a:ext cx="633507" cy="368300"/>
+          </a:xfrm>
+          <a:prstGeom prst="rect">
+            <a:avLst/>
+          </a:prstGeom>
+          <a:noFill/>
+        </p:spPr>
+        <p:txBody>
+          <a:bodyPr wrap="square" rtlCol="0">
+            <a:spAutoFit/>
+          </a:bodyPr>
+          <a:lstStyle/>
+          <a:p>
+            <a:r>
+              <a:rPr lang="en-US" altLang="zh-CN" dirty="0"/>
+              <a:t>wj2</a:t>
+            </a:r>
+          </a:p>
+        </p:txBody>
+      </p:sp>
+      <p:sp>
+        <p:nvSpPr>
+          <p:cNvPr id="17" name="文本框 16">
+            <a:hlinkClick r:id="rId18"/>
+          </p:cNvPr>
+          <p:cNvSpPr txBox="1"/>
+          <p:nvPr/>
+        </p:nvSpPr>
+        <p:spPr>
+          <a:xfrm>
+            <a:off x="3429688" y="4950966"/>
+            <a:ext cx="885458" cy="369332"/>
+          </a:xfrm>
+          <a:prstGeom prst="rect">
+            <a:avLst/>
+          </a:prstGeom>
+          <a:noFill/>
+        </p:spPr>
+        <p:txBody>
+          <a:bodyPr wrap="square" rtlCol="0">
+            <a:spAutoFit/>
+          </a:bodyPr>
+          <a:lstStyle/>
+          <a:p>
+            <a:r>
+              <a:rPr lang="zh-CN" altLang="en-US" dirty="0"/>
+              <a:t>皮皮</a:t>
+            </a:r>
+            <a:r>
+              <a:rPr lang="en-US" altLang="zh-CN" dirty="0"/>
+              <a:t>8</a:t>
+            </a:r>
+          </a:p>
+        </p:txBody>
+      </p:sp>
+      <p:sp>
+        <p:nvSpPr>
+          <p:cNvPr id="19" name="文本框 18">
+            <a:hlinkClick r:id="rId19"/>
+          </p:cNvPr>
+          <p:cNvSpPr txBox="1"/>
+          <p:nvPr/>
+        </p:nvSpPr>
+        <p:spPr>
+          <a:xfrm>
+            <a:off x="5210542" y="4946229"/>
+            <a:ext cx="885458" cy="369332"/>
+          </a:xfrm>
+          <a:prstGeom prst="rect">
+            <a:avLst/>
+          </a:prstGeom>
+          <a:noFill/>
+        </p:spPr>
+        <p:txBody>
+          <a:bodyPr wrap="square" rtlCol="0">
+            <a:spAutoFit/>
+          </a:bodyPr>
+          <a:lstStyle/>
+          <a:p>
+            <a:r>
+              <a:rPr lang="en-US" altLang="zh-CN" dirty="0" err="1"/>
+              <a:t>Xc</a:t>
+            </a:r>
+            <a:r>
+              <a:rPr lang="zh-CN" altLang="en-US" dirty="0"/>
+              <a:t>？</a:t>
+            </a:r>
+            <a:endParaRPr lang="en-US" altLang="zh-CN" dirty="0"/>
+          </a:p>
+        </p:txBody>
+      </p:sp>
+      <p:sp>
+        <p:nvSpPr>
+          <p:cNvPr id="20" name="文本框 19">
+            <a:hlinkClick r:id="rId20"/>
+          </p:cNvPr>
+          <p:cNvSpPr txBox="1"/>
+          <p:nvPr/>
+        </p:nvSpPr>
+        <p:spPr>
+          <a:xfrm>
+            <a:off x="5210542" y="4433356"/>
+            <a:ext cx="885458" cy="369332"/>
+          </a:xfrm>
+          <a:prstGeom prst="rect">
+            <a:avLst/>
+          </a:prstGeom>
+          <a:noFill/>
+        </p:spPr>
+        <p:txBody>
+          <a:bodyPr wrap="square" rtlCol="0">
+            <a:spAutoFit/>
+          </a:bodyPr>
+          <a:lstStyle/>
+          <a:p>
+            <a:r>
+              <a:rPr lang="en-US" altLang="zh-CN" dirty="0" err="1"/>
+              <a:t>Xc&amp;hy</a:t>
+            </a:r>
+            <a:endParaRPr lang="en-US" altLang="zh-CN" dirty="0"/>
+          </a:p>
+        </p:txBody>
+      </p:sp>
+      <p:sp>
+        <p:nvSpPr>
+          <p:cNvPr id="21" name="文本框 20">
+            <a:hlinkClick r:id="rId21"/>
+          </p:cNvPr>
+          <p:cNvSpPr txBox="1"/>
+          <p:nvPr/>
+        </p:nvSpPr>
+        <p:spPr>
+          <a:xfrm>
+            <a:off x="5231480" y="1357773"/>
+            <a:ext cx="633507" cy="369332"/>
+          </a:xfrm>
+          <a:prstGeom prst="rect">
+            <a:avLst/>
+          </a:prstGeom>
+          <a:noFill/>
+        </p:spPr>
+        <p:txBody>
+          <a:bodyPr wrap="square" rtlCol="0">
+            <a:spAutoFit/>
+          </a:bodyPr>
+          <a:lstStyle/>
+          <a:p>
+            <a:r>
+              <a:rPr lang="en-US" altLang="zh-CN" dirty="0"/>
+              <a:t>123</a:t>
+            </a:r>
+            <a:endParaRPr lang="zh-CN" altLang="en-US" dirty="0"/>
+          </a:p>
+        </p:txBody>
+      </p:sp>
+      <p:sp>
+        <p:nvSpPr>
+          <p:cNvPr id="22" name="文本框 21">
+            <a:hlinkClick r:id="rId22"/>
+          </p:cNvPr>
+          <p:cNvSpPr txBox="1"/>
+          <p:nvPr/>
+        </p:nvSpPr>
+        <p:spPr>
+          <a:xfrm>
+            <a:off x="5210542" y="1950429"/>
+            <a:ext cx="633507" cy="369332"/>
+          </a:xfrm>
+          <a:prstGeom prst="rect">
+            <a:avLst/>
+          </a:prstGeom>
+          <a:noFill/>
+        </p:spPr>
+        <p:txBody>
+          <a:bodyPr wrap="square" rtlCol="0">
+            <a:spAutoFit/>
+          </a:bodyPr>
+          <a:lstStyle/>
+          <a:p>
+            <a:r>
+              <a:rPr lang="en-US" altLang="zh-CN" dirty="0"/>
+              <a:t>123</a:t>
+            </a:r>
+            <a:endParaRPr lang="zh-CN" altLang="en-US" dirty="0"/>
+          </a:p>
+        </p:txBody>
+      </p:sp>
+    </p:spTree>
+  </p:cSld>
+  <p:clrMapOvr>
+    <a:masterClrMapping/>
+  </p:clrMapOvr>
+</p:sld>
+</file>
+
 <file path=ppt/slides/slide17.xml><?xml version="1.0" encoding="utf-8"?>
 <p:sld xmlns:a="http://schemas.openxmlformats.org/drawingml/2006/main" xmlns:r="http://schemas.openxmlformats.org/officeDocument/2006/relationships" xmlns:p="http://schemas.openxmlformats.org/presentationml/2006/main">
   <p:cSld>
@@ -11753,7 +12306,7 @@
         <p:spPr>
           <a:xfrm>
             <a:off x="458882" y="315715"/>
-            <a:ext cx="2259119" cy="368301"/>
+            <a:ext cx="4485077" cy="369332"/>
           </a:xfrm>
         </p:spPr>
         <p:txBody>
@@ -11772,14 +12325,26 @@
             </a:r>
             <a:r>
               <a:rPr lang="zh-CN" altLang="en-US" dirty="0"/>
-              <a:t>视频</a:t>
-            </a:r>
-          </a:p>
-        </p:txBody>
-      </p:sp>
-      <p:sp>
-        <p:nvSpPr>
-          <p:cNvPr id="6" name="文本框 5">
+              <a:t>视频（</a:t>
+            </a:r>
+            <a:r>
+              <a:rPr lang="zh-CN" altLang="en-US" dirty="0">
+                <a:solidFill>
+                  <a:srgbClr val="FF0000"/>
+                </a:solidFill>
+              </a:rPr>
+              <a:t>本地服务器</a:t>
+            </a:r>
+            <a:r>
+              <a:rPr lang="zh-CN" altLang="en-US" dirty="0"/>
+              <a:t>）</a:t>
+            </a:r>
+          </a:p>
+        </p:txBody>
+      </p:sp>
+      <p:sp>
+        <p:nvSpPr>
+          <p:cNvPr id="5" name="文本框 4">
             <a:hlinkClick r:id="rId3"/>
           </p:cNvPr>
           <p:cNvSpPr txBox="1"/>
@@ -11788,7 +12353,7 @@
         <p:spPr>
           <a:xfrm>
             <a:off x="1312564" y="1417123"/>
-            <a:ext cx="415498" cy="369332"/>
+            <a:ext cx="184731" cy="369332"/>
           </a:xfrm>
           <a:prstGeom prst="rect">
             <a:avLst/>
@@ -11801,16 +12366,13 @@
           </a:bodyPr>
           <a:lstStyle/>
           <a:p>
-            <a:r>
-              <a:rPr lang="zh-CN" altLang="en-US" dirty="0"/>
-              <a:t>雷</a:t>
-            </a:r>
-          </a:p>
-        </p:txBody>
-      </p:sp>
-      <p:sp>
-        <p:nvSpPr>
-          <p:cNvPr id="7" name="文本框 6">
+            <a:endParaRPr lang="zh-CN" altLang="en-US" dirty="0"/>
+          </a:p>
+        </p:txBody>
+      </p:sp>
+      <p:sp>
+        <p:nvSpPr>
+          <p:cNvPr id="46" name="文本框 45">
             <a:hlinkClick r:id="rId4"/>
           </p:cNvPr>
           <p:cNvSpPr txBox="1"/>
@@ -11818,8 +12380,8 @@
         </p:nvSpPr>
         <p:spPr>
           <a:xfrm>
-            <a:off x="1312564" y="1900009"/>
-            <a:ext cx="633507" cy="369332"/>
+            <a:off x="1312564" y="2195117"/>
+            <a:ext cx="184731" cy="369332"/>
           </a:xfrm>
           <a:prstGeom prst="rect">
             <a:avLst/>
@@ -11827,19 +12389,11 @@
           <a:noFill/>
         </p:spPr>
         <p:txBody>
-          <a:bodyPr wrap="square" rtlCol="0">
+          <a:bodyPr wrap="none" rtlCol="0">
             <a:spAutoFit/>
           </a:bodyPr>
           <a:lstStyle/>
           <a:p>
-            <a:r>
-              <a:rPr lang="zh-CN" altLang="en-US" dirty="0"/>
-              <a:t>雷</a:t>
-            </a:r>
-            <a:r>
-              <a:rPr lang="en-US" altLang="zh-CN" dirty="0"/>
-              <a:t>1</a:t>
-            </a:r>
             <a:endParaRPr lang="zh-CN" altLang="en-US" dirty="0"/>
           </a:p>
         </p:txBody>
@@ -11854,8 +12408,8 @@
         </p:nvSpPr>
         <p:spPr>
           <a:xfrm>
-            <a:off x="1312564" y="2382895"/>
-            <a:ext cx="633507" cy="369332"/>
+            <a:off x="1467570" y="1459231"/>
+            <a:ext cx="505267" cy="369332"/>
           </a:xfrm>
           <a:prstGeom prst="rect">
             <a:avLst/>
@@ -11863,567 +12417,25 @@
           <a:noFill/>
         </p:spPr>
         <p:txBody>
-          <a:bodyPr wrap="square" rtlCol="0">
+          <a:bodyPr wrap="none" rtlCol="0">
             <a:spAutoFit/>
           </a:bodyPr>
           <a:lstStyle/>
           <a:p>
             <a:r>
               <a:rPr lang="en-US" altLang="zh-CN" dirty="0"/>
-              <a:t>Bs5</a:t>
-            </a:r>
-          </a:p>
-        </p:txBody>
-      </p:sp>
-      <p:sp>
-        <p:nvSpPr>
-          <p:cNvPr id="3" name="文本框 2">
-            <a:hlinkClick r:id="rId6"/>
-          </p:cNvPr>
-          <p:cNvSpPr txBox="1"/>
-          <p:nvPr/>
-        </p:nvSpPr>
-        <p:spPr>
-          <a:xfrm>
-            <a:off x="1312564" y="2874018"/>
-            <a:ext cx="633507" cy="369332"/>
-          </a:xfrm>
-          <a:prstGeom prst="rect">
-            <a:avLst/>
-          </a:prstGeom>
-          <a:noFill/>
-        </p:spPr>
-        <p:txBody>
-          <a:bodyPr wrap="square" rtlCol="0">
-            <a:spAutoFit/>
-          </a:bodyPr>
-          <a:lstStyle/>
-          <a:p>
-            <a:r>
-              <a:rPr lang="en-US" altLang="zh-CN" dirty="0"/>
-              <a:t>bs6</a:t>
-            </a:r>
-          </a:p>
-        </p:txBody>
-      </p:sp>
-      <p:sp>
-        <p:nvSpPr>
-          <p:cNvPr id="5" name="文本框 4">
-            <a:hlinkClick r:id="rId7"/>
-          </p:cNvPr>
-          <p:cNvSpPr txBox="1"/>
-          <p:nvPr/>
-        </p:nvSpPr>
-        <p:spPr>
-          <a:xfrm>
-            <a:off x="1312564" y="3386603"/>
-            <a:ext cx="1182158" cy="369332"/>
-          </a:xfrm>
-          <a:prstGeom prst="rect">
-            <a:avLst/>
-          </a:prstGeom>
-          <a:noFill/>
-        </p:spPr>
-        <p:txBody>
-          <a:bodyPr wrap="square" rtlCol="0">
-            <a:spAutoFit/>
-          </a:bodyPr>
-          <a:lstStyle/>
-          <a:p>
-            <a:r>
-              <a:rPr lang="zh-CN" altLang="en-US" dirty="0"/>
-              <a:t>伊雪亦梦</a:t>
-            </a:r>
-            <a:endParaRPr lang="en-US" altLang="zh-CN" dirty="0"/>
-          </a:p>
-        </p:txBody>
-      </p:sp>
-      <p:sp>
-        <p:nvSpPr>
-          <p:cNvPr id="8" name="文本框 7">
-            <a:hlinkClick r:id="rId8"/>
-          </p:cNvPr>
-          <p:cNvSpPr txBox="1"/>
-          <p:nvPr/>
-        </p:nvSpPr>
-        <p:spPr>
-          <a:xfrm>
-            <a:off x="1312564" y="3899188"/>
-            <a:ext cx="1321994" cy="369332"/>
-          </a:xfrm>
-          <a:prstGeom prst="rect">
-            <a:avLst/>
-          </a:prstGeom>
-          <a:noFill/>
-        </p:spPr>
-        <p:txBody>
-          <a:bodyPr wrap="square" rtlCol="0">
-            <a:spAutoFit/>
-          </a:bodyPr>
-          <a:lstStyle/>
-          <a:p>
-            <a:r>
-              <a:rPr lang="zh-CN" altLang="en-US" dirty="0"/>
-              <a:t>伊雪亦梦</a:t>
-            </a:r>
-            <a:r>
-              <a:rPr lang="en-US" altLang="zh-CN" dirty="0"/>
-              <a:t>1</a:t>
-            </a:r>
-          </a:p>
-        </p:txBody>
-      </p:sp>
-      <p:sp>
-        <p:nvSpPr>
-          <p:cNvPr id="9" name="文本框 8">
-            <a:hlinkClick r:id="rId9"/>
-          </p:cNvPr>
-          <p:cNvSpPr txBox="1"/>
-          <p:nvPr/>
-        </p:nvSpPr>
-        <p:spPr>
-          <a:xfrm>
-            <a:off x="1312564" y="4451483"/>
-            <a:ext cx="1321994" cy="369332"/>
-          </a:xfrm>
-          <a:prstGeom prst="rect">
-            <a:avLst/>
-          </a:prstGeom>
-          <a:noFill/>
-        </p:spPr>
-        <p:txBody>
-          <a:bodyPr wrap="square" rtlCol="0">
-            <a:spAutoFit/>
-          </a:bodyPr>
-          <a:lstStyle/>
-          <a:p>
-            <a:r>
-              <a:rPr lang="en-US" altLang="zh-CN" dirty="0"/>
-              <a:t>og</a:t>
-            </a:r>
-          </a:p>
-        </p:txBody>
-      </p:sp>
-      <p:sp>
-        <p:nvSpPr>
-          <p:cNvPr id="10" name="文本框 9">
-            <a:hlinkClick r:id="rId10"/>
-          </p:cNvPr>
-          <p:cNvSpPr txBox="1"/>
-          <p:nvPr/>
-        </p:nvSpPr>
-        <p:spPr>
-          <a:xfrm>
-            <a:off x="1312564" y="5001627"/>
-            <a:ext cx="1321994" cy="369332"/>
-          </a:xfrm>
-          <a:prstGeom prst="rect">
-            <a:avLst/>
-          </a:prstGeom>
-          <a:noFill/>
-        </p:spPr>
-        <p:txBody>
-          <a:bodyPr wrap="square" rtlCol="0">
-            <a:spAutoFit/>
-          </a:bodyPr>
-          <a:lstStyle/>
-          <a:p>
-            <a:r>
-              <a:rPr lang="zh-CN" altLang="en-US" dirty="0"/>
-              <a:t>皮皮</a:t>
-            </a:r>
-            <a:r>
-              <a:rPr lang="en-US" altLang="zh-CN" dirty="0"/>
-              <a:t>7</a:t>
-            </a:r>
-          </a:p>
-        </p:txBody>
-      </p:sp>
-      <p:sp>
-        <p:nvSpPr>
-          <p:cNvPr id="11" name="文本框 10">
-            <a:hlinkClick r:id="rId11" action="ppaction://hlinkfile"/>
-          </p:cNvPr>
-          <p:cNvSpPr txBox="1"/>
-          <p:nvPr/>
-        </p:nvSpPr>
-        <p:spPr>
-          <a:xfrm>
-            <a:off x="3430399" y="1433525"/>
-            <a:ext cx="633507" cy="368300"/>
-          </a:xfrm>
-          <a:prstGeom prst="rect">
-            <a:avLst/>
-          </a:prstGeom>
-          <a:noFill/>
-        </p:spPr>
-        <p:txBody>
-          <a:bodyPr wrap="square" rtlCol="0">
-            <a:spAutoFit/>
-          </a:bodyPr>
-          <a:lstStyle/>
-          <a:p>
-            <a:r>
-              <a:rPr lang="en-US" altLang="zh-CN" dirty="0"/>
-              <a:t>ll1</a:t>
-            </a:r>
-          </a:p>
-        </p:txBody>
-      </p:sp>
-      <p:sp>
-        <p:nvSpPr>
-          <p:cNvPr id="12" name="文本框 11">
-            <a:hlinkClick r:id="rId12" action="ppaction://hlinkfile"/>
-          </p:cNvPr>
-          <p:cNvSpPr txBox="1"/>
-          <p:nvPr/>
-        </p:nvSpPr>
-        <p:spPr>
-          <a:xfrm>
-            <a:off x="3430399" y="1917028"/>
-            <a:ext cx="633507" cy="368300"/>
-          </a:xfrm>
-          <a:prstGeom prst="rect">
-            <a:avLst/>
-          </a:prstGeom>
-          <a:noFill/>
-        </p:spPr>
-        <p:txBody>
-          <a:bodyPr wrap="square" rtlCol="0">
-            <a:spAutoFit/>
-          </a:bodyPr>
-          <a:lstStyle/>
-          <a:p>
-            <a:r>
-              <a:rPr lang="en-US" altLang="zh-CN" dirty="0"/>
-              <a:t>ll2</a:t>
-            </a:r>
-          </a:p>
-        </p:txBody>
-      </p:sp>
-      <p:sp>
-        <p:nvSpPr>
-          <p:cNvPr id="13" name="文本框 12">
-            <a:hlinkClick r:id="rId13"/>
-          </p:cNvPr>
-          <p:cNvSpPr txBox="1"/>
-          <p:nvPr/>
-        </p:nvSpPr>
-        <p:spPr>
-          <a:xfrm>
-            <a:off x="3430399" y="2466140"/>
-            <a:ext cx="633507" cy="368300"/>
-          </a:xfrm>
-          <a:prstGeom prst="rect">
-            <a:avLst/>
-          </a:prstGeom>
-          <a:noFill/>
-        </p:spPr>
-        <p:txBody>
-          <a:bodyPr wrap="square" rtlCol="0">
-            <a:spAutoFit/>
-          </a:bodyPr>
-          <a:lstStyle/>
-          <a:p>
-            <a:r>
-              <a:rPr lang="en-US" altLang="zh-CN" dirty="0"/>
-              <a:t>xt1</a:t>
-            </a:r>
-          </a:p>
-        </p:txBody>
-      </p:sp>
-      <p:sp>
-        <p:nvSpPr>
-          <p:cNvPr id="14" name="文本框 13">
-            <a:hlinkClick r:id="rId14"/>
-          </p:cNvPr>
-          <p:cNvSpPr txBox="1"/>
-          <p:nvPr/>
-        </p:nvSpPr>
-        <p:spPr>
-          <a:xfrm>
-            <a:off x="3430399" y="2892150"/>
-            <a:ext cx="633507" cy="368300"/>
-          </a:xfrm>
-          <a:prstGeom prst="rect">
-            <a:avLst/>
-          </a:prstGeom>
-          <a:noFill/>
-        </p:spPr>
-        <p:txBody>
-          <a:bodyPr wrap="square" rtlCol="0">
-            <a:spAutoFit/>
-          </a:bodyPr>
-          <a:lstStyle/>
-          <a:p>
-            <a:r>
-              <a:rPr lang="en-US" altLang="zh-CN" dirty="0"/>
-              <a:t>yf1</a:t>
-            </a:r>
-          </a:p>
-        </p:txBody>
-      </p:sp>
-      <p:sp>
-        <p:nvSpPr>
-          <p:cNvPr id="15" name="文本框 14">
-            <a:hlinkClick r:id="rId15"/>
-          </p:cNvPr>
-          <p:cNvSpPr txBox="1"/>
-          <p:nvPr/>
-        </p:nvSpPr>
-        <p:spPr>
-          <a:xfrm>
-            <a:off x="3429688" y="3429000"/>
-            <a:ext cx="633507" cy="368300"/>
-          </a:xfrm>
-          <a:prstGeom prst="rect">
-            <a:avLst/>
-          </a:prstGeom>
-          <a:noFill/>
-        </p:spPr>
-        <p:txBody>
-          <a:bodyPr wrap="square" rtlCol="0">
-            <a:spAutoFit/>
-          </a:bodyPr>
-          <a:lstStyle/>
-          <a:p>
-            <a:r>
-              <a:rPr lang="en-US" altLang="zh-CN" dirty="0"/>
-              <a:t>yf2</a:t>
-            </a:r>
-          </a:p>
-        </p:txBody>
-      </p:sp>
-      <p:sp>
-        <p:nvSpPr>
-          <p:cNvPr id="16" name="文本框 15">
-            <a:hlinkClick r:id="rId16"/>
-          </p:cNvPr>
-          <p:cNvSpPr txBox="1"/>
-          <p:nvPr/>
-        </p:nvSpPr>
-        <p:spPr>
-          <a:xfrm>
-            <a:off x="3429688" y="3912503"/>
-            <a:ext cx="633507" cy="368300"/>
-          </a:xfrm>
-          <a:prstGeom prst="rect">
-            <a:avLst/>
-          </a:prstGeom>
-          <a:noFill/>
-        </p:spPr>
-        <p:txBody>
-          <a:bodyPr wrap="square" rtlCol="0">
-            <a:spAutoFit/>
-          </a:bodyPr>
-          <a:lstStyle/>
-          <a:p>
-            <a:r>
-              <a:rPr lang="en-US" altLang="zh-CN" dirty="0"/>
-              <a:t>wj1</a:t>
-            </a:r>
-          </a:p>
-        </p:txBody>
-      </p:sp>
-      <p:sp>
-        <p:nvSpPr>
-          <p:cNvPr id="18" name="文本框 17">
-            <a:hlinkClick r:id="rId17"/>
-          </p:cNvPr>
-          <p:cNvSpPr txBox="1"/>
-          <p:nvPr/>
-        </p:nvSpPr>
-        <p:spPr>
-          <a:xfrm>
-            <a:off x="3429688" y="4391860"/>
-            <a:ext cx="633507" cy="368300"/>
-          </a:xfrm>
-          <a:prstGeom prst="rect">
-            <a:avLst/>
-          </a:prstGeom>
-          <a:noFill/>
-        </p:spPr>
-        <p:txBody>
-          <a:bodyPr wrap="square" rtlCol="0">
-            <a:spAutoFit/>
-          </a:bodyPr>
-          <a:lstStyle/>
-          <a:p>
-            <a:r>
-              <a:rPr lang="en-US" altLang="zh-CN" dirty="0"/>
-              <a:t>wj2</a:t>
-            </a:r>
-          </a:p>
-        </p:txBody>
-      </p:sp>
-      <p:sp>
-        <p:nvSpPr>
-          <p:cNvPr id="17" name="文本框 16">
-            <a:hlinkClick r:id="rId18"/>
-          </p:cNvPr>
-          <p:cNvSpPr txBox="1"/>
-          <p:nvPr/>
-        </p:nvSpPr>
-        <p:spPr>
-          <a:xfrm>
-            <a:off x="3429688" y="4950966"/>
-            <a:ext cx="885458" cy="369332"/>
-          </a:xfrm>
-          <a:prstGeom prst="rect">
-            <a:avLst/>
-          </a:prstGeom>
-          <a:noFill/>
-        </p:spPr>
-        <p:txBody>
-          <a:bodyPr wrap="square" rtlCol="0">
-            <a:spAutoFit/>
-          </a:bodyPr>
-          <a:lstStyle/>
-          <a:p>
-            <a:r>
-              <a:rPr lang="zh-CN" altLang="en-US" dirty="0"/>
-              <a:t>皮皮</a:t>
-            </a:r>
-            <a:r>
-              <a:rPr lang="en-US" altLang="zh-CN" dirty="0"/>
-              <a:t>8</a:t>
-            </a:r>
-          </a:p>
-        </p:txBody>
-      </p:sp>
-      <p:sp>
-        <p:nvSpPr>
-          <p:cNvPr id="19" name="文本框 18">
-            <a:hlinkClick r:id="rId19"/>
-          </p:cNvPr>
-          <p:cNvSpPr txBox="1"/>
-          <p:nvPr/>
-        </p:nvSpPr>
-        <p:spPr>
-          <a:xfrm>
-            <a:off x="5210542" y="4946229"/>
-            <a:ext cx="885458" cy="369332"/>
-          </a:xfrm>
-          <a:prstGeom prst="rect">
-            <a:avLst/>
-          </a:prstGeom>
-          <a:noFill/>
-        </p:spPr>
-        <p:txBody>
-          <a:bodyPr wrap="square" rtlCol="0">
-            <a:spAutoFit/>
-          </a:bodyPr>
-          <a:lstStyle/>
-          <a:p>
-            <a:r>
-              <a:rPr lang="en-US" altLang="zh-CN" dirty="0" err="1"/>
-              <a:t>Xc</a:t>
-            </a:r>
-            <a:r>
-              <a:rPr lang="zh-CN" altLang="en-US" dirty="0"/>
-              <a:t>？</a:t>
-            </a:r>
-            <a:endParaRPr lang="en-US" altLang="zh-CN" dirty="0"/>
-          </a:p>
-        </p:txBody>
-      </p:sp>
-      <p:sp>
-        <p:nvSpPr>
-          <p:cNvPr id="20" name="文本框 19">
-            <a:hlinkClick r:id="rId20"/>
-          </p:cNvPr>
-          <p:cNvSpPr txBox="1"/>
-          <p:nvPr/>
-        </p:nvSpPr>
-        <p:spPr>
-          <a:xfrm>
-            <a:off x="5210542" y="4433356"/>
-            <a:ext cx="885458" cy="369332"/>
-          </a:xfrm>
-          <a:prstGeom prst="rect">
-            <a:avLst/>
-          </a:prstGeom>
-          <a:noFill/>
-        </p:spPr>
-        <p:txBody>
-          <a:bodyPr wrap="square" rtlCol="0">
-            <a:spAutoFit/>
-          </a:bodyPr>
-          <a:lstStyle/>
-          <a:p>
-            <a:r>
-              <a:rPr lang="en-US" altLang="zh-CN" dirty="0" err="1"/>
-              <a:t>Xc&amp;hy</a:t>
-            </a:r>
-            <a:endParaRPr lang="en-US" altLang="zh-CN" dirty="0"/>
-          </a:p>
-        </p:txBody>
-      </p:sp>
-      <p:sp>
-        <p:nvSpPr>
-          <p:cNvPr id="21" name="文本框 20">
-            <a:hlinkClick r:id="rId21"/>
-          </p:cNvPr>
-          <p:cNvSpPr txBox="1"/>
-          <p:nvPr/>
-        </p:nvSpPr>
-        <p:spPr>
-          <a:xfrm>
-            <a:off x="5231480" y="1357773"/>
-            <a:ext cx="633507" cy="369332"/>
-          </a:xfrm>
-          <a:prstGeom prst="rect">
-            <a:avLst/>
-          </a:prstGeom>
-          <a:noFill/>
-        </p:spPr>
-        <p:txBody>
-          <a:bodyPr wrap="square" rtlCol="0">
-            <a:spAutoFit/>
-          </a:bodyPr>
-          <a:lstStyle/>
-          <a:p>
-            <a:r>
-              <a:rPr lang="en-US" altLang="zh-CN" dirty="0"/>
-              <a:t>123</a:t>
+              <a:t>sr1</a:t>
             </a:r>
             <a:endParaRPr lang="zh-CN" altLang="en-US" dirty="0"/>
           </a:p>
         </p:txBody>
       </p:sp>
-      <p:sp>
-        <p:nvSpPr>
-          <p:cNvPr id="22" name="文本框 21">
-            <a:hlinkClick r:id="rId22"/>
-          </p:cNvPr>
-          <p:cNvSpPr txBox="1"/>
-          <p:nvPr/>
-        </p:nvSpPr>
-        <p:spPr>
-          <a:xfrm>
-            <a:off x="5210542" y="1950429"/>
-            <a:ext cx="633507" cy="369332"/>
-          </a:xfrm>
-          <a:prstGeom prst="rect">
-            <a:avLst/>
-          </a:prstGeom>
-          <a:noFill/>
-        </p:spPr>
-        <p:txBody>
-          <a:bodyPr wrap="square" rtlCol="0">
-            <a:spAutoFit/>
-          </a:bodyPr>
-          <a:lstStyle/>
-          <a:p>
-            <a:r>
-              <a:rPr lang="en-US" altLang="zh-CN" dirty="0"/>
-              <a:t>123</a:t>
-            </a:r>
-            <a:endParaRPr lang="zh-CN" altLang="en-US" dirty="0"/>
-          </a:p>
-        </p:txBody>
-      </p:sp>
     </p:spTree>
+    <p:extLst>
+      <p:ext uri="{BB962C8B-B14F-4D97-AF65-F5344CB8AC3E}">
+        <p14:creationId xmlns:p14="http://schemas.microsoft.com/office/powerpoint/2010/main" val="3935793817"/>
+      </p:ext>
+    </p:extLst>
   </p:cSld>
   <p:clrMapOvr>
     <a:masterClrMapping/>

--- a/livefile/livepowerpoint.pptx
+++ b/livefile/livepowerpoint.pptx
@@ -221,7 +221,7 @@
           <a:p>
             <a:fld id="{16A2333F-9A84-48D5-897E-B51363C09104}" type="datetimeFigureOut">
               <a:rPr lang="zh-CN" altLang="en-US" smtClean="0"/>
-              <a:t>2024/5/8</a:t>
+              <a:t>2024/5/9</a:t>
             </a:fld>
             <a:endParaRPr lang="zh-CN" altLang="en-US"/>
           </a:p>
@@ -1435,7 +1435,7 @@
             </a:pPr>
             <a:fld id="{8D7D9A98-2B42-4142-BB4A-011734DDEA85}" type="datetimeFigureOut">
               <a:rPr lang="zh-CN" altLang="en-US"/>
-              <a:t>2024/5/8</a:t>
+              <a:t>2024/5/9</a:t>
             </a:fld>
             <a:endParaRPr lang="zh-CN" altLang="en-US"/>
           </a:p>
@@ -1584,7 +1584,7 @@
             </a:pPr>
             <a:fld id="{12F3D532-36F8-4FDA-B03A-4B8348962AD1}" type="datetime1">
               <a:rPr lang="zh-CN" altLang="en-US"/>
-              <a:t>2024/5/8</a:t>
+              <a:t>2024/5/9</a:t>
             </a:fld>
             <a:endParaRPr lang="zh-CN" altLang="en-US"/>
           </a:p>
@@ -1693,7 +1693,7 @@
           <a:p>
             <a:fld id="{F487EE23-058C-4F57-8869-2B6561E3103C}" type="datetimeFigureOut">
               <a:rPr lang="zh-CN" altLang="en-US" smtClean="0"/>
-              <a:t>2024/5/8</a:t>
+              <a:t>2024/5/9</a:t>
             </a:fld>
             <a:endParaRPr lang="zh-CN" altLang="en-US"/>
           </a:p>
@@ -1949,7 +1949,7 @@
           <a:p>
             <a:fld id="{F487EE23-058C-4F57-8869-2B6561E3103C}" type="datetimeFigureOut">
               <a:rPr lang="zh-CN" altLang="en-US" smtClean="0"/>
-              <a:t>2024/5/8</a:t>
+              <a:t>2024/5/9</a:t>
             </a:fld>
             <a:endParaRPr lang="zh-CN" altLang="en-US"/>
           </a:p>
@@ -2171,7 +2171,7 @@
             </a:pPr>
             <a:fld id="{A293AA06-7DE4-4BE9-9894-758112E5DCC1}" type="datetime1">
               <a:rPr lang="zh-CN" altLang="en-US"/>
-              <a:t>2024/5/8</a:t>
+              <a:t>2024/5/9</a:t>
             </a:fld>
             <a:endParaRPr lang="zh-CN" altLang="en-US"/>
           </a:p>
@@ -2485,7 +2485,7 @@
           <a:p>
             <a:fld id="{F487EE23-058C-4F57-8869-2B6561E3103C}" type="datetimeFigureOut">
               <a:rPr lang="zh-CN" altLang="en-US" smtClean="0"/>
-              <a:t>2024/5/8</a:t>
+              <a:t>2024/5/9</a:t>
             </a:fld>
             <a:endParaRPr lang="zh-CN" altLang="en-US"/>
           </a:p>
@@ -2736,7 +2736,7 @@
             </a:pPr>
             <a:fld id="{BEDED714-68C8-44B6-9732-DDF7DD97772E}" type="datetime1">
               <a:rPr lang="zh-CN" altLang="en-US"/>
-              <a:t>2024/5/8</a:t>
+              <a:t>2024/5/9</a:t>
             </a:fld>
             <a:endParaRPr lang="zh-CN" altLang="en-US"/>
           </a:p>
@@ -3118,7 +3118,7 @@
             </a:pPr>
             <a:fld id="{27A77D59-FE09-433D-B821-9B2BE50A514A}" type="datetime1">
               <a:rPr lang="zh-CN" altLang="en-US"/>
-              <a:t>2024/5/8</a:t>
+              <a:t>2024/5/9</a:t>
             </a:fld>
             <a:endParaRPr lang="zh-CN" altLang="en-US"/>
           </a:p>
@@ -3427,7 +3427,7 @@
             </a:pPr>
             <a:fld id="{E11AF4AC-5AFC-4379-B912-FCE9AB7477D3}" type="datetime1">
               <a:rPr lang="zh-CN" altLang="en-US"/>
-              <a:t>2024/5/8</a:t>
+              <a:t>2024/5/9</a:t>
             </a:fld>
             <a:endParaRPr lang="zh-CN" altLang="en-US"/>
           </a:p>
@@ -4155,7 +4155,7 @@
             </a:pPr>
             <a:fld id="{D2392E56-C887-40A0-B45B-7A180C992FB2}" type="datetime1">
               <a:rPr lang="zh-CN" altLang="en-US"/>
-              <a:t>2024/5/8</a:t>
+              <a:t>2024/5/9</a:t>
             </a:fld>
             <a:endParaRPr lang="zh-CN" altLang="en-US"/>
           </a:p>
@@ -4598,7 +4598,7 @@
             </a:pPr>
             <a:fld id="{614AAE4D-FD61-4E21-A39B-A3D833986EBE}" type="datetime1">
               <a:rPr lang="zh-CN" altLang="en-US"/>
-              <a:t>2024/5/8</a:t>
+              <a:t>2024/5/9</a:t>
             </a:fld>
             <a:endParaRPr lang="zh-CN" altLang="en-US"/>
           </a:p>
@@ -4960,7 +4960,7 @@
           <a:p>
             <a:fld id="{F487EE23-058C-4F57-8869-2B6561E3103C}" type="datetimeFigureOut">
               <a:rPr lang="zh-CN" altLang="en-US" smtClean="0"/>
-              <a:t>2024/5/8</a:t>
+              <a:t>2024/5/9</a:t>
             </a:fld>
             <a:endParaRPr lang="zh-CN" altLang="en-US"/>
           </a:p>
@@ -5446,7 +5446,7 @@
           <a:p>
             <a:fld id="{F487EE23-058C-4F57-8869-2B6561E3103C}" type="datetimeFigureOut">
               <a:rPr lang="zh-CN" altLang="en-US" smtClean="0"/>
-              <a:t>2024/5/8</a:t>
+              <a:t>2024/5/9</a:t>
             </a:fld>
             <a:endParaRPr lang="zh-CN" altLang="en-US"/>
           </a:p>
@@ -5719,7 +5719,7 @@
           <a:p>
             <a:fld id="{F487EE23-058C-4F57-8869-2B6561E3103C}" type="datetimeFigureOut">
               <a:rPr lang="zh-CN" altLang="en-US" smtClean="0"/>
-              <a:t>2024/5/8</a:t>
+              <a:t>2024/5/9</a:t>
             </a:fld>
             <a:endParaRPr lang="zh-CN" altLang="en-US"/>
           </a:p>
@@ -16867,6 +16867,46 @@
               <a:t>Live PowerPoint</a:t>
             </a:r>
             <a:endParaRPr lang="zh-CN" altLang="en-US" dirty="0"/>
+          </a:p>
+        </p:txBody>
+      </p:sp>
+      <p:sp>
+        <p:nvSpPr>
+          <p:cNvPr id="24" name="文本框 23">
+            <a:hlinkClick r:id="rId21"/>
+            <a:extLst>
+              <a:ext uri="{FF2B5EF4-FFF2-40B4-BE49-F238E27FC236}">
+                <a16:creationId xmlns:a16="http://schemas.microsoft.com/office/drawing/2014/main" id="{87E5CAC5-1AEA-8A46-8E4A-494D34BAB8A9}"/>
+              </a:ext>
+            </a:extLst>
+          </p:cNvPr>
+          <p:cNvSpPr txBox="1"/>
+          <p:nvPr/>
+        </p:nvSpPr>
+        <p:spPr>
+          <a:xfrm>
+            <a:off x="9510974" y="5305983"/>
+            <a:ext cx="1111566" cy="891964"/>
+          </a:xfrm>
+          <a:prstGeom prst="rect">
+            <a:avLst/>
+          </a:prstGeom>
+          <a:noFill/>
+        </p:spPr>
+        <p:txBody>
+          <a:bodyPr wrap="square" rtlCol="0">
+            <a:noAutofit/>
+          </a:bodyPr>
+          <a:lstStyle/>
+          <a:p>
+            <a:r>
+              <a:rPr lang="zh-CN" altLang="en-US" dirty="0"/>
+              <a:t>新深渊</a:t>
+            </a:r>
+            <a:r>
+              <a:rPr lang="en-US" altLang="zh-CN" dirty="0"/>
+              <a:t>5</a:t>
+            </a:r>
           </a:p>
         </p:txBody>
       </p:sp>

--- a/livefile/livepowerpoint.pptx
+++ b/livefile/livepowerpoint.pptx
@@ -16872,11 +16872,11 @@
       </p:sp>
       <p:sp>
         <p:nvSpPr>
-          <p:cNvPr id="24" name="文本框 23">
+          <p:cNvPr id="22" name="文本框 21">
             <a:hlinkClick r:id="rId21"/>
             <a:extLst>
               <a:ext uri="{FF2B5EF4-FFF2-40B4-BE49-F238E27FC236}">
-                <a16:creationId xmlns:a16="http://schemas.microsoft.com/office/drawing/2014/main" id="{87E5CAC5-1AEA-8A46-8E4A-494D34BAB8A9}"/>
+                <a16:creationId xmlns:a16="http://schemas.microsoft.com/office/drawing/2014/main" id="{C3142755-0711-6067-F3CD-A9D91545B108}"/>
               </a:ext>
             </a:extLst>
           </p:cNvPr>
@@ -16885,8 +16885,8 @@
         </p:nvSpPr>
         <p:spPr>
           <a:xfrm>
-            <a:off x="9510974" y="5305983"/>
-            <a:ext cx="1111566" cy="891964"/>
+            <a:off x="9315055" y="5454001"/>
+            <a:ext cx="877163" cy="369332"/>
           </a:xfrm>
           <a:prstGeom prst="rect">
             <a:avLst/>
@@ -16894,18 +16894,14 @@
           <a:noFill/>
         </p:spPr>
         <p:txBody>
-          <a:bodyPr wrap="square" rtlCol="0">
-            <a:noAutofit/>
+          <a:bodyPr wrap="none" rtlCol="0">
+            <a:spAutoFit/>
           </a:bodyPr>
           <a:lstStyle/>
           <a:p>
             <a:r>
               <a:rPr lang="zh-CN" altLang="en-US" dirty="0"/>
               <a:t>新深渊</a:t>
-            </a:r>
-            <a:r>
-              <a:rPr lang="en-US" altLang="zh-CN" dirty="0"/>
-              <a:t>5</a:t>
             </a:r>
           </a:p>
         </p:txBody>

--- a/livefile/livepowerpoint.pptx
+++ b/livefile/livepowerpoint.pptx
@@ -221,7 +221,7 @@
           <a:p>
             <a:fld id="{16A2333F-9A84-48D5-897E-B51363C09104}" type="datetimeFigureOut">
               <a:rPr lang="zh-CN" altLang="en-US" smtClean="0"/>
-              <a:t>2024/5/9</a:t>
+              <a:t>2024/5/10</a:t>
             </a:fld>
             <a:endParaRPr lang="zh-CN" altLang="en-US"/>
           </a:p>
@@ -1435,7 +1435,7 @@
             </a:pPr>
             <a:fld id="{8D7D9A98-2B42-4142-BB4A-011734DDEA85}" type="datetimeFigureOut">
               <a:rPr lang="zh-CN" altLang="en-US"/>
-              <a:t>2024/5/9</a:t>
+              <a:t>2024/5/10</a:t>
             </a:fld>
             <a:endParaRPr lang="zh-CN" altLang="en-US"/>
           </a:p>
@@ -1584,7 +1584,7 @@
             </a:pPr>
             <a:fld id="{12F3D532-36F8-4FDA-B03A-4B8348962AD1}" type="datetime1">
               <a:rPr lang="zh-CN" altLang="en-US"/>
-              <a:t>2024/5/9</a:t>
+              <a:t>2024/5/10</a:t>
             </a:fld>
             <a:endParaRPr lang="zh-CN" altLang="en-US"/>
           </a:p>
@@ -1693,7 +1693,7 @@
           <a:p>
             <a:fld id="{F487EE23-058C-4F57-8869-2B6561E3103C}" type="datetimeFigureOut">
               <a:rPr lang="zh-CN" altLang="en-US" smtClean="0"/>
-              <a:t>2024/5/9</a:t>
+              <a:t>2024/5/10</a:t>
             </a:fld>
             <a:endParaRPr lang="zh-CN" altLang="en-US"/>
           </a:p>
@@ -1949,7 +1949,7 @@
           <a:p>
             <a:fld id="{F487EE23-058C-4F57-8869-2B6561E3103C}" type="datetimeFigureOut">
               <a:rPr lang="zh-CN" altLang="en-US" smtClean="0"/>
-              <a:t>2024/5/9</a:t>
+              <a:t>2024/5/10</a:t>
             </a:fld>
             <a:endParaRPr lang="zh-CN" altLang="en-US"/>
           </a:p>
@@ -2171,7 +2171,7 @@
             </a:pPr>
             <a:fld id="{A293AA06-7DE4-4BE9-9894-758112E5DCC1}" type="datetime1">
               <a:rPr lang="zh-CN" altLang="en-US"/>
-              <a:t>2024/5/9</a:t>
+              <a:t>2024/5/10</a:t>
             </a:fld>
             <a:endParaRPr lang="zh-CN" altLang="en-US"/>
           </a:p>
@@ -2485,7 +2485,7 @@
           <a:p>
             <a:fld id="{F487EE23-058C-4F57-8869-2B6561E3103C}" type="datetimeFigureOut">
               <a:rPr lang="zh-CN" altLang="en-US" smtClean="0"/>
-              <a:t>2024/5/9</a:t>
+              <a:t>2024/5/10</a:t>
             </a:fld>
             <a:endParaRPr lang="zh-CN" altLang="en-US"/>
           </a:p>
@@ -2736,7 +2736,7 @@
             </a:pPr>
             <a:fld id="{BEDED714-68C8-44B6-9732-DDF7DD97772E}" type="datetime1">
               <a:rPr lang="zh-CN" altLang="en-US"/>
-              <a:t>2024/5/9</a:t>
+              <a:t>2024/5/10</a:t>
             </a:fld>
             <a:endParaRPr lang="zh-CN" altLang="en-US"/>
           </a:p>
@@ -3118,7 +3118,7 @@
             </a:pPr>
             <a:fld id="{27A77D59-FE09-433D-B821-9B2BE50A514A}" type="datetime1">
               <a:rPr lang="zh-CN" altLang="en-US"/>
-              <a:t>2024/5/9</a:t>
+              <a:t>2024/5/10</a:t>
             </a:fld>
             <a:endParaRPr lang="zh-CN" altLang="en-US"/>
           </a:p>
@@ -3427,7 +3427,7 @@
             </a:pPr>
             <a:fld id="{E11AF4AC-5AFC-4379-B912-FCE9AB7477D3}" type="datetime1">
               <a:rPr lang="zh-CN" altLang="en-US"/>
-              <a:t>2024/5/9</a:t>
+              <a:t>2024/5/10</a:t>
             </a:fld>
             <a:endParaRPr lang="zh-CN" altLang="en-US"/>
           </a:p>
@@ -4155,7 +4155,7 @@
             </a:pPr>
             <a:fld id="{D2392E56-C887-40A0-B45B-7A180C992FB2}" type="datetime1">
               <a:rPr lang="zh-CN" altLang="en-US"/>
-              <a:t>2024/5/9</a:t>
+              <a:t>2024/5/10</a:t>
             </a:fld>
             <a:endParaRPr lang="zh-CN" altLang="en-US"/>
           </a:p>
@@ -4598,7 +4598,7 @@
             </a:pPr>
             <a:fld id="{614AAE4D-FD61-4E21-A39B-A3D833986EBE}" type="datetime1">
               <a:rPr lang="zh-CN" altLang="en-US"/>
-              <a:t>2024/5/9</a:t>
+              <a:t>2024/5/10</a:t>
             </a:fld>
             <a:endParaRPr lang="zh-CN" altLang="en-US"/>
           </a:p>
@@ -4960,7 +4960,7 @@
           <a:p>
             <a:fld id="{F487EE23-058C-4F57-8869-2B6561E3103C}" type="datetimeFigureOut">
               <a:rPr lang="zh-CN" altLang="en-US" smtClean="0"/>
-              <a:t>2024/5/9</a:t>
+              <a:t>2024/5/10</a:t>
             </a:fld>
             <a:endParaRPr lang="zh-CN" altLang="en-US"/>
           </a:p>
@@ -5446,7 +5446,7 @@
           <a:p>
             <a:fld id="{F487EE23-058C-4F57-8869-2B6561E3103C}" type="datetimeFigureOut">
               <a:rPr lang="zh-CN" altLang="en-US" smtClean="0"/>
-              <a:t>2024/5/9</a:t>
+              <a:t>2024/5/10</a:t>
             </a:fld>
             <a:endParaRPr lang="zh-CN" altLang="en-US"/>
           </a:p>
@@ -5719,7 +5719,7 @@
           <a:p>
             <a:fld id="{F487EE23-058C-4F57-8869-2B6561E3103C}" type="datetimeFigureOut">
               <a:rPr lang="zh-CN" altLang="en-US" smtClean="0"/>
-              <a:t>2024/5/9</a:t>
+              <a:t>2024/5/10</a:t>
             </a:fld>
             <a:endParaRPr lang="zh-CN" altLang="en-US"/>
           </a:p>
@@ -12430,6 +12430,43 @@
           </a:p>
         </p:txBody>
       </p:sp>
+      <p:sp>
+        <p:nvSpPr>
+          <p:cNvPr id="3" name="文本框 2">
+            <a:hlinkClick r:id="rId6"/>
+            <a:extLst>
+              <a:ext uri="{FF2B5EF4-FFF2-40B4-BE49-F238E27FC236}">
+                <a16:creationId xmlns:a16="http://schemas.microsoft.com/office/drawing/2014/main" id="{1176B304-F6EE-B6F8-78C9-6D713CB74A09}"/>
+              </a:ext>
+            </a:extLst>
+          </p:cNvPr>
+          <p:cNvSpPr txBox="1"/>
+          <p:nvPr/>
+        </p:nvSpPr>
+        <p:spPr>
+          <a:xfrm>
+            <a:off x="1464744" y="1968343"/>
+            <a:ext cx="505267" cy="369332"/>
+          </a:xfrm>
+          <a:prstGeom prst="rect">
+            <a:avLst/>
+          </a:prstGeom>
+          <a:noFill/>
+        </p:spPr>
+        <p:txBody>
+          <a:bodyPr wrap="none" rtlCol="0">
+            <a:spAutoFit/>
+          </a:bodyPr>
+          <a:lstStyle/>
+          <a:p>
+            <a:r>
+              <a:rPr lang="en-US" altLang="zh-CN" dirty="0"/>
+              <a:t>sr2</a:t>
+            </a:r>
+            <a:endParaRPr lang="zh-CN" altLang="en-US" dirty="0"/>
+          </a:p>
+        </p:txBody>
+      </p:sp>
     </p:spTree>
     <p:extLst>
       <p:ext uri="{BB962C8B-B14F-4D97-AF65-F5344CB8AC3E}">
@@ -16906,6 +16943,42 @@
           </a:p>
         </p:txBody>
       </p:sp>
+      <p:sp>
+        <p:nvSpPr>
+          <p:cNvPr id="23" name="文本框 22">
+            <a:hlinkClick r:id="rId22"/>
+            <a:extLst>
+              <a:ext uri="{FF2B5EF4-FFF2-40B4-BE49-F238E27FC236}">
+                <a16:creationId xmlns:a16="http://schemas.microsoft.com/office/drawing/2014/main" id="{D1034641-B4D0-4ED7-A062-61D4F79279E2}"/>
+              </a:ext>
+            </a:extLst>
+          </p:cNvPr>
+          <p:cNvSpPr txBox="1"/>
+          <p:nvPr/>
+        </p:nvSpPr>
+        <p:spPr>
+          <a:xfrm>
+            <a:off x="8956305" y="4792102"/>
+            <a:ext cx="1569660" cy="369332"/>
+          </a:xfrm>
+          <a:prstGeom prst="rect">
+            <a:avLst/>
+          </a:prstGeom>
+          <a:noFill/>
+        </p:spPr>
+        <p:txBody>
+          <a:bodyPr wrap="none" rtlCol="0">
+            <a:spAutoFit/>
+          </a:bodyPr>
+          <a:lstStyle/>
+          <a:p>
+            <a:r>
+              <a:rPr lang="zh-CN" altLang="en-US" dirty="0"/>
+              <a:t>王后雄押题卷</a:t>
+            </a:r>
+          </a:p>
+        </p:txBody>
+      </p:sp>
     </p:spTree>
   </p:cSld>
   <p:clrMapOvr>
@@ -17542,45 +17615,8 @@
       </p:sp>
       <p:sp>
         <p:nvSpPr>
-          <p:cNvPr id="23" name="文本框 22">
+          <p:cNvPr id="2" name="文本框 1">
             <a:hlinkClick r:id="rId3"/>
-            <a:extLst>
-              <a:ext uri="{FF2B5EF4-FFF2-40B4-BE49-F238E27FC236}">
-                <a16:creationId xmlns:a16="http://schemas.microsoft.com/office/drawing/2014/main" id="{7A5C3E6F-E7D1-EA60-609B-997669AD9D5A}"/>
-              </a:ext>
-            </a:extLst>
-          </p:cNvPr>
-          <p:cNvSpPr txBox="1"/>
-          <p:nvPr/>
-        </p:nvSpPr>
-        <p:spPr>
-          <a:xfrm>
-            <a:off x="4968922" y="1981517"/>
-            <a:ext cx="1492716" cy="369332"/>
-          </a:xfrm>
-          <a:prstGeom prst="rect">
-            <a:avLst/>
-          </a:prstGeom>
-          <a:noFill/>
-        </p:spPr>
-        <p:txBody>
-          <a:bodyPr wrap="none" rtlCol="0">
-            <a:spAutoFit/>
-          </a:bodyPr>
-          <a:lstStyle/>
-          <a:p>
-            <a:r>
-              <a:rPr lang="en-US" altLang="zh-CN" dirty="0" err="1"/>
-              <a:t>ddcgbvghjuu</a:t>
-            </a:r>
-            <a:endParaRPr lang="zh-CN" altLang="en-US" dirty="0"/>
-          </a:p>
-        </p:txBody>
-      </p:sp>
-      <p:sp>
-        <p:nvSpPr>
-          <p:cNvPr id="2" name="文本框 1">
-            <a:hlinkClick r:id="rId4"/>
             <a:extLst>
               <a:ext uri="{FF2B5EF4-FFF2-40B4-BE49-F238E27FC236}">
                 <a16:creationId xmlns:a16="http://schemas.microsoft.com/office/drawing/2014/main" id="{E11E8C72-2483-F3C1-38F0-0BD755F91FA5}"/>
@@ -17616,7 +17652,7 @@
       <p:sp>
         <p:nvSpPr>
           <p:cNvPr id="3" name="文本框 2">
-            <a:hlinkClick r:id="rId5"/>
+            <a:hlinkClick r:id="rId4"/>
             <a:extLst>
               <a:ext uri="{FF2B5EF4-FFF2-40B4-BE49-F238E27FC236}">
                 <a16:creationId xmlns:a16="http://schemas.microsoft.com/office/drawing/2014/main" id="{98B6C157-1557-4658-81AC-49791E67D091}"/>
@@ -17652,7 +17688,7 @@
       <p:sp>
         <p:nvSpPr>
           <p:cNvPr id="4" name="文本框 3">
-            <a:hlinkClick r:id="rId6"/>
+            <a:hlinkClick r:id="rId5"/>
             <a:extLst>
               <a:ext uri="{FF2B5EF4-FFF2-40B4-BE49-F238E27FC236}">
                 <a16:creationId xmlns:a16="http://schemas.microsoft.com/office/drawing/2014/main" id="{AEE4E078-93C9-BD9F-0524-6D6D1ACE7EC2}"/>
@@ -17681,6 +17717,42 @@
             <a:r>
               <a:rPr lang="en-US" altLang="zh-CN" dirty="0"/>
               <a:t>pdf4</a:t>
+            </a:r>
+          </a:p>
+        </p:txBody>
+      </p:sp>
+      <p:sp>
+        <p:nvSpPr>
+          <p:cNvPr id="7" name="文本框 6">
+            <a:hlinkClick r:id="rId6"/>
+            <a:extLst>
+              <a:ext uri="{FF2B5EF4-FFF2-40B4-BE49-F238E27FC236}">
+                <a16:creationId xmlns:a16="http://schemas.microsoft.com/office/drawing/2014/main" id="{92EC97AE-B525-FD58-BA30-74932988733A}"/>
+              </a:ext>
+            </a:extLst>
+          </p:cNvPr>
+          <p:cNvSpPr txBox="1"/>
+          <p:nvPr/>
+        </p:nvSpPr>
+        <p:spPr>
+          <a:xfrm>
+            <a:off x="7021286" y="1981516"/>
+            <a:ext cx="3970564" cy="437515"/>
+          </a:xfrm>
+          <a:prstGeom prst="rect">
+            <a:avLst/>
+          </a:prstGeom>
+          <a:noFill/>
+        </p:spPr>
+        <p:txBody>
+          <a:bodyPr wrap="square" rtlCol="0">
+            <a:noAutofit/>
+          </a:bodyPr>
+          <a:lstStyle/>
+          <a:p>
+            <a:r>
+              <a:rPr lang="en-US" altLang="zh-CN" dirty="0"/>
+              <a:t>django-readthedocs-io-en-5.0.x</a:t>
             </a:r>
           </a:p>
         </p:txBody>

--- a/livefile/livepowerpoint.pptx
+++ b/livefile/livepowerpoint.pptx
@@ -12445,7 +12445,7 @@
         </p:nvSpPr>
         <p:spPr>
           <a:xfrm>
-            <a:off x="1464744" y="1968343"/>
+            <a:off x="1497295" y="1968343"/>
             <a:ext cx="505267" cy="369332"/>
           </a:xfrm>
           <a:prstGeom prst="rect">
@@ -12462,6 +12462,84 @@
             <a:r>
               <a:rPr lang="en-US" altLang="zh-CN" dirty="0"/>
               <a:t>sr2</a:t>
+            </a:r>
+            <a:endParaRPr lang="zh-CN" altLang="en-US" dirty="0"/>
+          </a:p>
+        </p:txBody>
+      </p:sp>
+      <p:sp>
+        <p:nvSpPr>
+          <p:cNvPr id="6" name="文本框 5">
+            <a:hlinkClick r:id="rId7"/>
+            <a:extLst>
+              <a:ext uri="{FF2B5EF4-FFF2-40B4-BE49-F238E27FC236}">
+                <a16:creationId xmlns:a16="http://schemas.microsoft.com/office/drawing/2014/main" id="{9FA33462-C968-466E-E26F-34900AE939B1}"/>
+              </a:ext>
+            </a:extLst>
+          </p:cNvPr>
+          <p:cNvSpPr txBox="1"/>
+          <p:nvPr/>
+        </p:nvSpPr>
+        <p:spPr>
+          <a:xfrm>
+            <a:off x="1467570" y="2606557"/>
+            <a:ext cx="774571" cy="369332"/>
+          </a:xfrm>
+          <a:prstGeom prst="rect">
+            <a:avLst/>
+          </a:prstGeom>
+          <a:noFill/>
+        </p:spPr>
+        <p:txBody>
+          <a:bodyPr wrap="none" rtlCol="0">
+            <a:spAutoFit/>
+          </a:bodyPr>
+          <a:lstStyle/>
+          <a:p>
+            <a:r>
+              <a:rPr lang="zh-CN" altLang="en-US" dirty="0"/>
+              <a:t>皮皮</a:t>
+            </a:r>
+            <a:r>
+              <a:rPr lang="en-US" altLang="zh-CN" dirty="0"/>
+              <a:t>9</a:t>
+            </a:r>
+            <a:endParaRPr lang="zh-CN" altLang="en-US" dirty="0"/>
+          </a:p>
+        </p:txBody>
+      </p:sp>
+      <p:sp>
+        <p:nvSpPr>
+          <p:cNvPr id="7" name="文本框 6">
+            <a:hlinkClick r:id="rId8"/>
+            <a:extLst>
+              <a:ext uri="{FF2B5EF4-FFF2-40B4-BE49-F238E27FC236}">
+                <a16:creationId xmlns:a16="http://schemas.microsoft.com/office/drawing/2014/main" id="{012A6E3F-9362-34BD-7451-44F80EA3F9EB}"/>
+              </a:ext>
+            </a:extLst>
+          </p:cNvPr>
+          <p:cNvSpPr txBox="1"/>
+          <p:nvPr/>
+        </p:nvSpPr>
+        <p:spPr>
+          <a:xfrm>
+            <a:off x="1527032" y="3338633"/>
+            <a:ext cx="864339" cy="369332"/>
+          </a:xfrm>
+          <a:prstGeom prst="rect">
+            <a:avLst/>
+          </a:prstGeom>
+          <a:noFill/>
+        </p:spPr>
+        <p:txBody>
+          <a:bodyPr wrap="none" rtlCol="0">
+            <a:spAutoFit/>
+          </a:bodyPr>
+          <a:lstStyle/>
+          <a:p>
+            <a:r>
+              <a:rPr lang="en-US" altLang="zh-CN" dirty="0"/>
+              <a:t>video1</a:t>
             </a:r>
             <a:endParaRPr lang="zh-CN" altLang="en-US" dirty="0"/>
           </a:p>

--- a/livefile/livepowerpoint.pptx
+++ b/livefile/livepowerpoint.pptx
@@ -221,7 +221,7 @@
           <a:p>
             <a:fld id="{16A2333F-9A84-48D5-897E-B51363C09104}" type="datetimeFigureOut">
               <a:rPr lang="zh-CN" altLang="en-US" smtClean="0"/>
-              <a:t>2024/5/10</a:t>
+              <a:t>2024/5/11</a:t>
             </a:fld>
             <a:endParaRPr lang="zh-CN" altLang="en-US"/>
           </a:p>
@@ -1435,7 +1435,7 @@
             </a:pPr>
             <a:fld id="{8D7D9A98-2B42-4142-BB4A-011734DDEA85}" type="datetimeFigureOut">
               <a:rPr lang="zh-CN" altLang="en-US"/>
-              <a:t>2024/5/10</a:t>
+              <a:t>2024/5/11</a:t>
             </a:fld>
             <a:endParaRPr lang="zh-CN" altLang="en-US"/>
           </a:p>
@@ -1584,7 +1584,7 @@
             </a:pPr>
             <a:fld id="{12F3D532-36F8-4FDA-B03A-4B8348962AD1}" type="datetime1">
               <a:rPr lang="zh-CN" altLang="en-US"/>
-              <a:t>2024/5/10</a:t>
+              <a:t>2024/5/11</a:t>
             </a:fld>
             <a:endParaRPr lang="zh-CN" altLang="en-US"/>
           </a:p>
@@ -1693,7 +1693,7 @@
           <a:p>
             <a:fld id="{F487EE23-058C-4F57-8869-2B6561E3103C}" type="datetimeFigureOut">
               <a:rPr lang="zh-CN" altLang="en-US" smtClean="0"/>
-              <a:t>2024/5/10</a:t>
+              <a:t>2024/5/11</a:t>
             </a:fld>
             <a:endParaRPr lang="zh-CN" altLang="en-US"/>
           </a:p>
@@ -1949,7 +1949,7 @@
           <a:p>
             <a:fld id="{F487EE23-058C-4F57-8869-2B6561E3103C}" type="datetimeFigureOut">
               <a:rPr lang="zh-CN" altLang="en-US" smtClean="0"/>
-              <a:t>2024/5/10</a:t>
+              <a:t>2024/5/11</a:t>
             </a:fld>
             <a:endParaRPr lang="zh-CN" altLang="en-US"/>
           </a:p>
@@ -2171,7 +2171,7 @@
             </a:pPr>
             <a:fld id="{A293AA06-7DE4-4BE9-9894-758112E5DCC1}" type="datetime1">
               <a:rPr lang="zh-CN" altLang="en-US"/>
-              <a:t>2024/5/10</a:t>
+              <a:t>2024/5/11</a:t>
             </a:fld>
             <a:endParaRPr lang="zh-CN" altLang="en-US"/>
           </a:p>
@@ -2485,7 +2485,7 @@
           <a:p>
             <a:fld id="{F487EE23-058C-4F57-8869-2B6561E3103C}" type="datetimeFigureOut">
               <a:rPr lang="zh-CN" altLang="en-US" smtClean="0"/>
-              <a:t>2024/5/10</a:t>
+              <a:t>2024/5/11</a:t>
             </a:fld>
             <a:endParaRPr lang="zh-CN" altLang="en-US"/>
           </a:p>
@@ -2736,7 +2736,7 @@
             </a:pPr>
             <a:fld id="{BEDED714-68C8-44B6-9732-DDF7DD97772E}" type="datetime1">
               <a:rPr lang="zh-CN" altLang="en-US"/>
-              <a:t>2024/5/10</a:t>
+              <a:t>2024/5/11</a:t>
             </a:fld>
             <a:endParaRPr lang="zh-CN" altLang="en-US"/>
           </a:p>
@@ -3118,7 +3118,7 @@
             </a:pPr>
             <a:fld id="{27A77D59-FE09-433D-B821-9B2BE50A514A}" type="datetime1">
               <a:rPr lang="zh-CN" altLang="en-US"/>
-              <a:t>2024/5/10</a:t>
+              <a:t>2024/5/11</a:t>
             </a:fld>
             <a:endParaRPr lang="zh-CN" altLang="en-US"/>
           </a:p>
@@ -3427,7 +3427,7 @@
             </a:pPr>
             <a:fld id="{E11AF4AC-5AFC-4379-B912-FCE9AB7477D3}" type="datetime1">
               <a:rPr lang="zh-CN" altLang="en-US"/>
-              <a:t>2024/5/10</a:t>
+              <a:t>2024/5/11</a:t>
             </a:fld>
             <a:endParaRPr lang="zh-CN" altLang="en-US"/>
           </a:p>
@@ -4155,7 +4155,7 @@
             </a:pPr>
             <a:fld id="{D2392E56-C887-40A0-B45B-7A180C992FB2}" type="datetime1">
               <a:rPr lang="zh-CN" altLang="en-US"/>
-              <a:t>2024/5/10</a:t>
+              <a:t>2024/5/11</a:t>
             </a:fld>
             <a:endParaRPr lang="zh-CN" altLang="en-US"/>
           </a:p>
@@ -4598,7 +4598,7 @@
             </a:pPr>
             <a:fld id="{614AAE4D-FD61-4E21-A39B-A3D833986EBE}" type="datetime1">
               <a:rPr lang="zh-CN" altLang="en-US"/>
-              <a:t>2024/5/10</a:t>
+              <a:t>2024/5/11</a:t>
             </a:fld>
             <a:endParaRPr lang="zh-CN" altLang="en-US"/>
           </a:p>
@@ -4960,7 +4960,7 @@
           <a:p>
             <a:fld id="{F487EE23-058C-4F57-8869-2B6561E3103C}" type="datetimeFigureOut">
               <a:rPr lang="zh-CN" altLang="en-US" smtClean="0"/>
-              <a:t>2024/5/10</a:t>
+              <a:t>2024/5/11</a:t>
             </a:fld>
             <a:endParaRPr lang="zh-CN" altLang="en-US"/>
           </a:p>
@@ -5446,7 +5446,7 @@
           <a:p>
             <a:fld id="{F487EE23-058C-4F57-8869-2B6561E3103C}" type="datetimeFigureOut">
               <a:rPr lang="zh-CN" altLang="en-US" smtClean="0"/>
-              <a:t>2024/5/10</a:t>
+              <a:t>2024/5/11</a:t>
             </a:fld>
             <a:endParaRPr lang="zh-CN" altLang="en-US"/>
           </a:p>
@@ -5719,7 +5719,7 @@
           <a:p>
             <a:fld id="{F487EE23-058C-4F57-8869-2B6561E3103C}" type="datetimeFigureOut">
               <a:rPr lang="zh-CN" altLang="en-US" smtClean="0"/>
-              <a:t>2024/5/10</a:t>
+              <a:t>2024/5/11</a:t>
             </a:fld>
             <a:endParaRPr lang="zh-CN" altLang="en-US"/>
           </a:p>
@@ -13839,14 +13839,16 @@
       </p:sp>
       <p:pic>
         <p:nvPicPr>
-          <p:cNvPr id="18" name="图片 17" descr="男子的脸部特写黑白照&#10;&#10;中度可信度描述已自动生成"/>
+          <p:cNvPr id="18" name="图片 17" descr="男子的脸部特写黑白照&#10;&#10;中度可信度描述已自动生成">
+            <a:hlinkClick r:id="rId19"/>
+          </p:cNvPr>
           <p:cNvPicPr>
             <a:picLocks noChangeAspect="1"/>
           </p:cNvPicPr>
           <p:nvPr/>
         </p:nvPicPr>
         <p:blipFill>
-          <a:blip r:embed="rId19">
+          <a:blip r:embed="rId20">
             <a:extLst>
               <a:ext uri="{28A0092B-C50C-407E-A947-70E740481C1C}">
                 <a14:useLocalDpi xmlns:a14="http://schemas.microsoft.com/office/drawing/2010/main" val="0"/>
@@ -13870,7 +13872,7 @@
       <p:pic>
         <p:nvPicPr>
           <p:cNvPr id="19" name="图形 18" descr="场记板 纯色填充">
-            <a:hlinkClick r:id="rId20"/>
+            <a:hlinkClick r:id="rId21"/>
           </p:cNvPr>
           <p:cNvPicPr>
             <a:picLocks noChangeAspect="1"/>
@@ -13878,13 +13880,13 @@
           <p:nvPr/>
         </p:nvPicPr>
         <p:blipFill>
-          <a:blip r:embed="rId21">
+          <a:blip r:embed="rId22">
             <a:extLst>
               <a:ext uri="{28A0092B-C50C-407E-A947-70E740481C1C}">
                 <a14:useLocalDpi xmlns:a14="http://schemas.microsoft.com/office/drawing/2010/main" val="0"/>
               </a:ext>
               <a:ext uri="{96DAC541-7B7A-43D3-8B79-37D633B846F1}">
-                <asvg:svgBlip xmlns:asvg="http://schemas.microsoft.com/office/drawing/2016/SVG/main" r:embed="rId22"/>
+                <asvg:svgBlip xmlns:asvg="http://schemas.microsoft.com/office/drawing/2016/SVG/main" r:embed="rId23"/>
               </a:ext>
             </a:extLst>
           </a:blip>

--- a/livefile/livepowerpoint.pptx
+++ b/livefile/livepowerpoint.pptx
@@ -221,7 +221,7 @@
           <a:p>
             <a:fld id="{16A2333F-9A84-48D5-897E-B51363C09104}" type="datetimeFigureOut">
               <a:rPr lang="zh-CN" altLang="en-US" smtClean="0"/>
-              <a:t>2024/5/11</a:t>
+              <a:t>2024/5/12</a:t>
             </a:fld>
             <a:endParaRPr lang="zh-CN" altLang="en-US"/>
           </a:p>
@@ -1435,7 +1435,7 @@
             </a:pPr>
             <a:fld id="{8D7D9A98-2B42-4142-BB4A-011734DDEA85}" type="datetimeFigureOut">
               <a:rPr lang="zh-CN" altLang="en-US"/>
-              <a:t>2024/5/11</a:t>
+              <a:t>2024/5/12</a:t>
             </a:fld>
             <a:endParaRPr lang="zh-CN" altLang="en-US"/>
           </a:p>
@@ -1584,7 +1584,7 @@
             </a:pPr>
             <a:fld id="{12F3D532-36F8-4FDA-B03A-4B8348962AD1}" type="datetime1">
               <a:rPr lang="zh-CN" altLang="en-US"/>
-              <a:t>2024/5/11</a:t>
+              <a:t>2024/5/12</a:t>
             </a:fld>
             <a:endParaRPr lang="zh-CN" altLang="en-US"/>
           </a:p>
@@ -1693,7 +1693,7 @@
           <a:p>
             <a:fld id="{F487EE23-058C-4F57-8869-2B6561E3103C}" type="datetimeFigureOut">
               <a:rPr lang="zh-CN" altLang="en-US" smtClean="0"/>
-              <a:t>2024/5/11</a:t>
+              <a:t>2024/5/12</a:t>
             </a:fld>
             <a:endParaRPr lang="zh-CN" altLang="en-US"/>
           </a:p>
@@ -1949,7 +1949,7 @@
           <a:p>
             <a:fld id="{F487EE23-058C-4F57-8869-2B6561E3103C}" type="datetimeFigureOut">
               <a:rPr lang="zh-CN" altLang="en-US" smtClean="0"/>
-              <a:t>2024/5/11</a:t>
+              <a:t>2024/5/12</a:t>
             </a:fld>
             <a:endParaRPr lang="zh-CN" altLang="en-US"/>
           </a:p>
@@ -2171,7 +2171,7 @@
             </a:pPr>
             <a:fld id="{A293AA06-7DE4-4BE9-9894-758112E5DCC1}" type="datetime1">
               <a:rPr lang="zh-CN" altLang="en-US"/>
-              <a:t>2024/5/11</a:t>
+              <a:t>2024/5/12</a:t>
             </a:fld>
             <a:endParaRPr lang="zh-CN" altLang="en-US"/>
           </a:p>
@@ -2485,7 +2485,7 @@
           <a:p>
             <a:fld id="{F487EE23-058C-4F57-8869-2B6561E3103C}" type="datetimeFigureOut">
               <a:rPr lang="zh-CN" altLang="en-US" smtClean="0"/>
-              <a:t>2024/5/11</a:t>
+              <a:t>2024/5/12</a:t>
             </a:fld>
             <a:endParaRPr lang="zh-CN" altLang="en-US"/>
           </a:p>
@@ -2736,7 +2736,7 @@
             </a:pPr>
             <a:fld id="{BEDED714-68C8-44B6-9732-DDF7DD97772E}" type="datetime1">
               <a:rPr lang="zh-CN" altLang="en-US"/>
-              <a:t>2024/5/11</a:t>
+              <a:t>2024/5/12</a:t>
             </a:fld>
             <a:endParaRPr lang="zh-CN" altLang="en-US"/>
           </a:p>
@@ -3118,7 +3118,7 @@
             </a:pPr>
             <a:fld id="{27A77D59-FE09-433D-B821-9B2BE50A514A}" type="datetime1">
               <a:rPr lang="zh-CN" altLang="en-US"/>
-              <a:t>2024/5/11</a:t>
+              <a:t>2024/5/12</a:t>
             </a:fld>
             <a:endParaRPr lang="zh-CN" altLang="en-US"/>
           </a:p>
@@ -3427,7 +3427,7 @@
             </a:pPr>
             <a:fld id="{E11AF4AC-5AFC-4379-B912-FCE9AB7477D3}" type="datetime1">
               <a:rPr lang="zh-CN" altLang="en-US"/>
-              <a:t>2024/5/11</a:t>
+              <a:t>2024/5/12</a:t>
             </a:fld>
             <a:endParaRPr lang="zh-CN" altLang="en-US"/>
           </a:p>
@@ -4155,7 +4155,7 @@
             </a:pPr>
             <a:fld id="{D2392E56-C887-40A0-B45B-7A180C992FB2}" type="datetime1">
               <a:rPr lang="zh-CN" altLang="en-US"/>
-              <a:t>2024/5/11</a:t>
+              <a:t>2024/5/12</a:t>
             </a:fld>
             <a:endParaRPr lang="zh-CN" altLang="en-US"/>
           </a:p>
@@ -4598,7 +4598,7 @@
             </a:pPr>
             <a:fld id="{614AAE4D-FD61-4E21-A39B-A3D833986EBE}" type="datetime1">
               <a:rPr lang="zh-CN" altLang="en-US"/>
-              <a:t>2024/5/11</a:t>
+              <a:t>2024/5/12</a:t>
             </a:fld>
             <a:endParaRPr lang="zh-CN" altLang="en-US"/>
           </a:p>
@@ -4960,7 +4960,7 @@
           <a:p>
             <a:fld id="{F487EE23-058C-4F57-8869-2B6561E3103C}" type="datetimeFigureOut">
               <a:rPr lang="zh-CN" altLang="en-US" smtClean="0"/>
-              <a:t>2024/5/11</a:t>
+              <a:t>2024/5/12</a:t>
             </a:fld>
             <a:endParaRPr lang="zh-CN" altLang="en-US"/>
           </a:p>
@@ -5446,7 +5446,7 @@
           <a:p>
             <a:fld id="{F487EE23-058C-4F57-8869-2B6561E3103C}" type="datetimeFigureOut">
               <a:rPr lang="zh-CN" altLang="en-US" smtClean="0"/>
-              <a:t>2024/5/11</a:t>
+              <a:t>2024/5/12</a:t>
             </a:fld>
             <a:endParaRPr lang="zh-CN" altLang="en-US"/>
           </a:p>
@@ -5719,7 +5719,7 @@
           <a:p>
             <a:fld id="{F487EE23-058C-4F57-8869-2B6561E3103C}" type="datetimeFigureOut">
               <a:rPr lang="zh-CN" altLang="en-US" smtClean="0"/>
-              <a:t>2024/5/11</a:t>
+              <a:t>2024/5/12</a:t>
             </a:fld>
             <a:endParaRPr lang="zh-CN" altLang="en-US"/>
           </a:p>
@@ -12545,6 +12545,80 @@
           </a:p>
         </p:txBody>
       </p:sp>
+      <p:sp>
+        <p:nvSpPr>
+          <p:cNvPr id="8" name="文本框 7">
+            <a:hlinkClick r:id="rId9"/>
+            <a:extLst>
+              <a:ext uri="{FF2B5EF4-FFF2-40B4-BE49-F238E27FC236}">
+                <a16:creationId xmlns:a16="http://schemas.microsoft.com/office/drawing/2014/main" id="{41DFA5A1-53BC-1B35-0F84-196E800B49A9}"/>
+              </a:ext>
+            </a:extLst>
+          </p:cNvPr>
+          <p:cNvSpPr txBox="1"/>
+          <p:nvPr/>
+        </p:nvSpPr>
+        <p:spPr>
+          <a:xfrm>
+            <a:off x="2242140" y="1459231"/>
+            <a:ext cx="505267" cy="369332"/>
+          </a:xfrm>
+          <a:prstGeom prst="rect">
+            <a:avLst/>
+          </a:prstGeom>
+          <a:noFill/>
+        </p:spPr>
+        <p:txBody>
+          <a:bodyPr wrap="none" rtlCol="0">
+            <a:spAutoFit/>
+          </a:bodyPr>
+          <a:lstStyle/>
+          <a:p>
+            <a:r>
+              <a:rPr lang="en-US" altLang="zh-CN" dirty="0"/>
+              <a:t>sr3</a:t>
+            </a:r>
+            <a:endParaRPr lang="zh-CN" altLang="en-US" dirty="0"/>
+          </a:p>
+        </p:txBody>
+      </p:sp>
+      <p:sp>
+        <p:nvSpPr>
+          <p:cNvPr id="9" name="文本框 8">
+            <a:hlinkClick r:id="rId10"/>
+            <a:extLst>
+              <a:ext uri="{FF2B5EF4-FFF2-40B4-BE49-F238E27FC236}">
+                <a16:creationId xmlns:a16="http://schemas.microsoft.com/office/drawing/2014/main" id="{D2A3547B-9AEE-87FF-E9A9-F2CE71440D08}"/>
+              </a:ext>
+            </a:extLst>
+          </p:cNvPr>
+          <p:cNvSpPr txBox="1"/>
+          <p:nvPr/>
+        </p:nvSpPr>
+        <p:spPr>
+          <a:xfrm>
+            <a:off x="2242140" y="1983425"/>
+            <a:ext cx="505267" cy="369332"/>
+          </a:xfrm>
+          <a:prstGeom prst="rect">
+            <a:avLst/>
+          </a:prstGeom>
+          <a:noFill/>
+        </p:spPr>
+        <p:txBody>
+          <a:bodyPr wrap="none" rtlCol="0">
+            <a:spAutoFit/>
+          </a:bodyPr>
+          <a:lstStyle/>
+          <a:p>
+            <a:r>
+              <a:rPr lang="en-US" altLang="zh-CN" dirty="0"/>
+              <a:t>sr4</a:t>
+            </a:r>
+            <a:endParaRPr lang="zh-CN" altLang="en-US" dirty="0"/>
+          </a:p>
+        </p:txBody>
+      </p:sp>
     </p:spTree>
     <p:extLst>
       <p:ext uri="{BB962C8B-B14F-4D97-AF65-F5344CB8AC3E}">
@@ -17834,6 +17908,43 @@
               <a:rPr lang="en-US" altLang="zh-CN" dirty="0"/>
               <a:t>django-readthedocs-io-en-5.0.x</a:t>
             </a:r>
+          </a:p>
+        </p:txBody>
+      </p:sp>
+      <p:sp>
+        <p:nvSpPr>
+          <p:cNvPr id="9" name="文本框 8">
+            <a:hlinkClick r:id="rId7"/>
+            <a:extLst>
+              <a:ext uri="{FF2B5EF4-FFF2-40B4-BE49-F238E27FC236}">
+                <a16:creationId xmlns:a16="http://schemas.microsoft.com/office/drawing/2014/main" id="{F5BE70AD-28AC-C211-E765-C9337AFA4DF3}"/>
+              </a:ext>
+            </a:extLst>
+          </p:cNvPr>
+          <p:cNvSpPr txBox="1"/>
+          <p:nvPr/>
+        </p:nvSpPr>
+        <p:spPr>
+          <a:xfrm>
+            <a:off x="7081820" y="2856547"/>
+            <a:ext cx="840486" cy="437515"/>
+          </a:xfrm>
+          <a:prstGeom prst="rect">
+            <a:avLst/>
+          </a:prstGeom>
+          <a:noFill/>
+        </p:spPr>
+        <p:txBody>
+          <a:bodyPr wrap="square" rtlCol="0">
+            <a:noAutofit/>
+          </a:bodyPr>
+          <a:lstStyle/>
+          <a:p>
+            <a:r>
+              <a:rPr lang="en-US" altLang="zh-CN" dirty="0" err="1"/>
+              <a:t>django</a:t>
+            </a:r>
+            <a:endParaRPr lang="en-US" altLang="zh-CN" dirty="0"/>
           </a:p>
         </p:txBody>
       </p:sp>

--- a/livefile/livepowerpoint.pptx
+++ b/livefile/livepowerpoint.pptx
@@ -221,7 +221,7 @@
           <a:p>
             <a:fld id="{16A2333F-9A84-48D5-897E-B51363C09104}" type="datetimeFigureOut">
               <a:rPr lang="zh-CN" altLang="en-US" smtClean="0"/>
-              <a:t>2024/5/12</a:t>
+              <a:t>2024/5/13</a:t>
             </a:fld>
             <a:endParaRPr lang="zh-CN" altLang="en-US"/>
           </a:p>
@@ -1435,7 +1435,7 @@
             </a:pPr>
             <a:fld id="{8D7D9A98-2B42-4142-BB4A-011734DDEA85}" type="datetimeFigureOut">
               <a:rPr lang="zh-CN" altLang="en-US"/>
-              <a:t>2024/5/12</a:t>
+              <a:t>2024/5/13</a:t>
             </a:fld>
             <a:endParaRPr lang="zh-CN" altLang="en-US"/>
           </a:p>
@@ -1584,7 +1584,7 @@
             </a:pPr>
             <a:fld id="{12F3D532-36F8-4FDA-B03A-4B8348962AD1}" type="datetime1">
               <a:rPr lang="zh-CN" altLang="en-US"/>
-              <a:t>2024/5/12</a:t>
+              <a:t>2024/5/13</a:t>
             </a:fld>
             <a:endParaRPr lang="zh-CN" altLang="en-US"/>
           </a:p>
@@ -1693,7 +1693,7 @@
           <a:p>
             <a:fld id="{F487EE23-058C-4F57-8869-2B6561E3103C}" type="datetimeFigureOut">
               <a:rPr lang="zh-CN" altLang="en-US" smtClean="0"/>
-              <a:t>2024/5/12</a:t>
+              <a:t>2024/5/13</a:t>
             </a:fld>
             <a:endParaRPr lang="zh-CN" altLang="en-US"/>
           </a:p>
@@ -1949,7 +1949,7 @@
           <a:p>
             <a:fld id="{F487EE23-058C-4F57-8869-2B6561E3103C}" type="datetimeFigureOut">
               <a:rPr lang="zh-CN" altLang="en-US" smtClean="0"/>
-              <a:t>2024/5/12</a:t>
+              <a:t>2024/5/13</a:t>
             </a:fld>
             <a:endParaRPr lang="zh-CN" altLang="en-US"/>
           </a:p>
@@ -2171,7 +2171,7 @@
             </a:pPr>
             <a:fld id="{A293AA06-7DE4-4BE9-9894-758112E5DCC1}" type="datetime1">
               <a:rPr lang="zh-CN" altLang="en-US"/>
-              <a:t>2024/5/12</a:t>
+              <a:t>2024/5/13</a:t>
             </a:fld>
             <a:endParaRPr lang="zh-CN" altLang="en-US"/>
           </a:p>
@@ -2485,7 +2485,7 @@
           <a:p>
             <a:fld id="{F487EE23-058C-4F57-8869-2B6561E3103C}" type="datetimeFigureOut">
               <a:rPr lang="zh-CN" altLang="en-US" smtClean="0"/>
-              <a:t>2024/5/12</a:t>
+              <a:t>2024/5/13</a:t>
             </a:fld>
             <a:endParaRPr lang="zh-CN" altLang="en-US"/>
           </a:p>
@@ -2736,7 +2736,7 @@
             </a:pPr>
             <a:fld id="{BEDED714-68C8-44B6-9732-DDF7DD97772E}" type="datetime1">
               <a:rPr lang="zh-CN" altLang="en-US"/>
-              <a:t>2024/5/12</a:t>
+              <a:t>2024/5/13</a:t>
             </a:fld>
             <a:endParaRPr lang="zh-CN" altLang="en-US"/>
           </a:p>
@@ -3118,7 +3118,7 @@
             </a:pPr>
             <a:fld id="{27A77D59-FE09-433D-B821-9B2BE50A514A}" type="datetime1">
               <a:rPr lang="zh-CN" altLang="en-US"/>
-              <a:t>2024/5/12</a:t>
+              <a:t>2024/5/13</a:t>
             </a:fld>
             <a:endParaRPr lang="zh-CN" altLang="en-US"/>
           </a:p>
@@ -3427,7 +3427,7 @@
             </a:pPr>
             <a:fld id="{E11AF4AC-5AFC-4379-B912-FCE9AB7477D3}" type="datetime1">
               <a:rPr lang="zh-CN" altLang="en-US"/>
-              <a:t>2024/5/12</a:t>
+              <a:t>2024/5/13</a:t>
             </a:fld>
             <a:endParaRPr lang="zh-CN" altLang="en-US"/>
           </a:p>
@@ -4155,7 +4155,7 @@
             </a:pPr>
             <a:fld id="{D2392E56-C887-40A0-B45B-7A180C992FB2}" type="datetime1">
               <a:rPr lang="zh-CN" altLang="en-US"/>
-              <a:t>2024/5/12</a:t>
+              <a:t>2024/5/13</a:t>
             </a:fld>
             <a:endParaRPr lang="zh-CN" altLang="en-US"/>
           </a:p>
@@ -4598,7 +4598,7 @@
             </a:pPr>
             <a:fld id="{614AAE4D-FD61-4E21-A39B-A3D833986EBE}" type="datetime1">
               <a:rPr lang="zh-CN" altLang="en-US"/>
-              <a:t>2024/5/12</a:t>
+              <a:t>2024/5/13</a:t>
             </a:fld>
             <a:endParaRPr lang="zh-CN" altLang="en-US"/>
           </a:p>
@@ -4960,7 +4960,7 @@
           <a:p>
             <a:fld id="{F487EE23-058C-4F57-8869-2B6561E3103C}" type="datetimeFigureOut">
               <a:rPr lang="zh-CN" altLang="en-US" smtClean="0"/>
-              <a:t>2024/5/12</a:t>
+              <a:t>2024/5/13</a:t>
             </a:fld>
             <a:endParaRPr lang="zh-CN" altLang="en-US"/>
           </a:p>
@@ -5446,7 +5446,7 @@
           <a:p>
             <a:fld id="{F487EE23-058C-4F57-8869-2B6561E3103C}" type="datetimeFigureOut">
               <a:rPr lang="zh-CN" altLang="en-US" smtClean="0"/>
-              <a:t>2024/5/12</a:t>
+              <a:t>2024/5/13</a:t>
             </a:fld>
             <a:endParaRPr lang="zh-CN" altLang="en-US"/>
           </a:p>
@@ -5719,7 +5719,7 @@
           <a:p>
             <a:fld id="{F487EE23-058C-4F57-8869-2B6561E3103C}" type="datetimeFigureOut">
               <a:rPr lang="zh-CN" altLang="en-US" smtClean="0"/>
-              <a:t>2024/5/12</a:t>
+              <a:t>2024/5/13</a:t>
             </a:fld>
             <a:endParaRPr lang="zh-CN" altLang="en-US"/>
           </a:p>
@@ -17927,7 +17927,7 @@
         <p:spPr>
           <a:xfrm>
             <a:off x="7081820" y="2856547"/>
-            <a:ext cx="840486" cy="437515"/>
+            <a:ext cx="1011978" cy="437515"/>
           </a:xfrm>
           <a:prstGeom prst="rect">
             <a:avLst/>
@@ -17945,6 +17945,46 @@
               <a:t>django</a:t>
             </a:r>
             <a:endParaRPr lang="en-US" altLang="zh-CN" dirty="0"/>
+          </a:p>
+        </p:txBody>
+      </p:sp>
+      <p:sp>
+        <p:nvSpPr>
+          <p:cNvPr id="6" name="文本框 5">
+            <a:hlinkClick r:id="rId8"/>
+            <a:extLst>
+              <a:ext uri="{FF2B5EF4-FFF2-40B4-BE49-F238E27FC236}">
+                <a16:creationId xmlns:a16="http://schemas.microsoft.com/office/drawing/2014/main" id="{80C48D76-459E-F823-587B-7FBC60308725}"/>
+              </a:ext>
+            </a:extLst>
+          </p:cNvPr>
+          <p:cNvSpPr txBox="1"/>
+          <p:nvPr/>
+        </p:nvSpPr>
+        <p:spPr>
+          <a:xfrm>
+            <a:off x="7081819" y="3589700"/>
+            <a:ext cx="1645721" cy="437515"/>
+          </a:xfrm>
+          <a:prstGeom prst="rect">
+            <a:avLst/>
+          </a:prstGeom>
+          <a:noFill/>
+        </p:spPr>
+        <p:txBody>
+          <a:bodyPr wrap="square" rtlCol="0">
+            <a:noAutofit/>
+          </a:bodyPr>
+          <a:lstStyle/>
+          <a:p>
+            <a:r>
+              <a:rPr lang="zh-CN" altLang="en-US" dirty="0"/>
+              <a:t>有机化合物命名原则</a:t>
+            </a:r>
+            <a:r>
+              <a:rPr lang="en-US" altLang="zh-CN" dirty="0"/>
+              <a:t>2017</a:t>
+            </a:r>
           </a:p>
         </p:txBody>
       </p:sp>

--- a/livefile/livepowerpoint.pptx
+++ b/livefile/livepowerpoint.pptx
@@ -132,6 +132,40 @@
     </a:lvl9pPr>
   </p:defaultTextStyle>
   <p:extLst>
+    <p:ext uri="{521415D9-36F7-43E2-AB2F-B90AF26B5E84}">
+      <p14:sectionLst xmlns:p14="http://schemas.microsoft.com/office/powerpoint/2010/main">
+        <p14:section name="默认节" id="{46636EF6-7B52-4F96-A18E-18617AFE7FDA}">
+          <p14:sldIdLst>
+            <p14:sldId id="260"/>
+            <p14:sldId id="268"/>
+            <p14:sldId id="278"/>
+            <p14:sldId id="259"/>
+            <p14:sldId id="263"/>
+            <p14:sldId id="282"/>
+            <p14:sldId id="256"/>
+          </p14:sldIdLst>
+        </p14:section>
+        <p14:section name="无标题节" id="{1F833B71-EBBE-4F0B-9143-D985F67E5EF6}">
+          <p14:sldIdLst>
+            <p14:sldId id="269"/>
+            <p14:sldId id="276"/>
+            <p14:sldId id="272"/>
+            <p14:sldId id="273"/>
+            <p14:sldId id="274"/>
+            <p14:sldId id="258"/>
+            <p14:sldId id="271"/>
+            <p14:sldId id="280"/>
+            <p14:sldId id="277"/>
+            <p14:sldId id="283"/>
+            <p14:sldId id="275"/>
+            <p14:sldId id="281"/>
+            <p14:sldId id="262"/>
+            <p14:sldId id="257"/>
+            <p14:sldId id="279"/>
+          </p14:sldIdLst>
+        </p14:section>
+      </p14:sectionLst>
+    </p:ext>
     <p:ext uri="{EFAFB233-063F-42B5-8137-9DF3F51BA10A}">
       <p15:sldGuideLst xmlns:p15="http://schemas.microsoft.com/office/powerpoint/2012/main"/>
     </p:ext>
@@ -19416,6 +19450,50 @@
             <a:r>
               <a:rPr lang="en-US" altLang="zh-CN" dirty="0"/>
               <a:t>》</a:t>
+            </a:r>
+          </a:p>
+        </p:txBody>
+      </p:sp>
+      <p:sp>
+        <p:nvSpPr>
+          <p:cNvPr id="24" name="文本框 23">
+            <a:hlinkClick r:id="rId22"/>
+            <a:extLst>
+              <a:ext uri="{FF2B5EF4-FFF2-40B4-BE49-F238E27FC236}">
+                <a16:creationId xmlns:a16="http://schemas.microsoft.com/office/drawing/2014/main" id="{D50782AF-284C-1143-23DE-35331F2E7ADD}"/>
+              </a:ext>
+            </a:extLst>
+          </p:cNvPr>
+          <p:cNvSpPr txBox="1"/>
+          <p:nvPr/>
+        </p:nvSpPr>
+        <p:spPr>
+          <a:xfrm>
+            <a:off x="1278255" y="5719372"/>
+            <a:ext cx="2890332" cy="369333"/>
+          </a:xfrm>
+          <a:prstGeom prst="rect">
+            <a:avLst/>
+          </a:prstGeom>
+          <a:noFill/>
+        </p:spPr>
+        <p:txBody>
+          <a:bodyPr wrap="square" rtlCol="0">
+            <a:spAutoFit/>
+          </a:bodyPr>
+          <a:lstStyle/>
+          <a:p>
+            <a:r>
+              <a:rPr lang="en-US" altLang="zh-CN" dirty="0"/>
+              <a:t>《</a:t>
+            </a:r>
+            <a:r>
+              <a:rPr lang="zh-CN" altLang="en-US" dirty="0"/>
+              <a:t>重启</a:t>
+            </a:r>
+            <a:r>
+              <a:rPr lang="en-US" altLang="zh-CN" dirty="0"/>
+              <a:t>]》</a:t>
             </a:r>
           </a:p>
         </p:txBody>

--- a/livefile/livepowerpoint.pptx
+++ b/livefile/livepowerpoint.pptx
@@ -20114,6 +20114,102 @@
             <a:r>
               <a:rPr lang="en-US" altLang="zh-CN" dirty="0"/>
               <a:t>pdf4</a:t>
+            </a:r>
+          </a:p>
+        </p:txBody>
+      </p:sp>
+      <p:sp>
+        <p:nvSpPr>
+          <p:cNvPr id="12" name="文本框 11">
+            <a:hlinkClick r:id="rId15"/>
+            <a:extLst>
+              <a:ext uri="{FF2B5EF4-FFF2-40B4-BE49-F238E27FC236}">
+                <a16:creationId xmlns:a16="http://schemas.microsoft.com/office/drawing/2014/main" id="{81863D30-D816-714F-487F-9D1C52B1F15B}"/>
+              </a:ext>
+            </a:extLst>
+          </p:cNvPr>
+          <p:cNvSpPr txBox="1"/>
+          <p:nvPr/>
+        </p:nvSpPr>
+        <p:spPr>
+          <a:xfrm>
+            <a:off x="1278254" y="6469163"/>
+            <a:ext cx="4023211" cy="369332"/>
+          </a:xfrm>
+          <a:prstGeom prst="rect">
+            <a:avLst/>
+          </a:prstGeom>
+          <a:noFill/>
+        </p:spPr>
+        <p:txBody>
+          <a:bodyPr wrap="square" rtlCol="0">
+            <a:spAutoFit/>
+          </a:bodyPr>
+          <a:lstStyle/>
+          <a:p>
+            <a:r>
+              <a:rPr lang="en-US" altLang="zh-CN" dirty="0"/>
+              <a:t>《</a:t>
+            </a:r>
+            <a:r>
+              <a:rPr lang="zh-CN" altLang="en-US" dirty="0"/>
+              <a:t>神印王座</a:t>
+            </a:r>
+            <a:r>
+              <a:rPr lang="en-US" altLang="zh-CN" dirty="0"/>
+              <a:t>II</a:t>
+            </a:r>
+            <a:r>
+              <a:rPr lang="zh-CN" altLang="en-US" dirty="0"/>
+              <a:t>皓月当空</a:t>
+            </a:r>
+            <a:r>
+              <a:rPr lang="en-US" altLang="zh-CN" dirty="0"/>
+              <a:t>》</a:t>
+            </a:r>
+          </a:p>
+        </p:txBody>
+      </p:sp>
+      <p:sp>
+        <p:nvSpPr>
+          <p:cNvPr id="13" name="文本框 12">
+            <a:hlinkClick r:id="rId16"/>
+            <a:extLst>
+              <a:ext uri="{FF2B5EF4-FFF2-40B4-BE49-F238E27FC236}">
+                <a16:creationId xmlns:a16="http://schemas.microsoft.com/office/drawing/2014/main" id="{8EA7FFEF-929C-97F3-E6AC-26EC25B33A5F}"/>
+              </a:ext>
+            </a:extLst>
+          </p:cNvPr>
+          <p:cNvSpPr txBox="1"/>
+          <p:nvPr/>
+        </p:nvSpPr>
+        <p:spPr>
+          <a:xfrm>
+            <a:off x="4852829" y="4913237"/>
+            <a:ext cx="4023211" cy="369332"/>
+          </a:xfrm>
+          <a:prstGeom prst="rect">
+            <a:avLst/>
+          </a:prstGeom>
+          <a:noFill/>
+        </p:spPr>
+        <p:txBody>
+          <a:bodyPr wrap="square" rtlCol="0">
+            <a:spAutoFit/>
+          </a:bodyPr>
+          <a:lstStyle/>
+          <a:p>
+            <a:r>
+              <a:rPr lang="en-US" altLang="zh-CN" dirty="0"/>
+              <a:t>《</a:t>
+            </a:r>
+            <a:r>
+              <a:rPr lang="zh-CN" altLang="en-US" dirty="0"/>
+              <a:t>斗罗大陆</a:t>
+            </a:r>
+            <a:r>
+              <a:rPr lang="en-US" altLang="zh-CN" dirty="0"/>
+              <a:t>4》</a:t>
             </a:r>
           </a:p>
         </p:txBody>

--- a/livefile/livepowerpoint.pptx
+++ b/livefile/livepowerpoint.pptx
@@ -6614,6 +6614,7 @@
   <p:clrMapOvr>
     <a:masterClrMapping/>
   </p:clrMapOvr>
+  <p:transition/>
 </p:sld>
 </file>
 
@@ -6994,6 +6995,7 @@
   <p:clrMapOvr>
     <a:masterClrMapping/>
   </p:clrMapOvr>
+  <p:transition/>
 </p:sld>
 </file>
 
@@ -7421,6 +7423,7 @@
   <p:clrMapOvr>
     <a:masterClrMapping/>
   </p:clrMapOvr>
+  <p:transition/>
 </p:sld>
 </file>
 
@@ -7619,6 +7622,7 @@
   <p:clrMapOvr>
     <a:masterClrMapping/>
   </p:clrMapOvr>
+  <p:transition/>
 </p:sld>
 </file>
 
@@ -9101,6 +9105,7 @@
   <p:clrMapOvr>
     <a:masterClrMapping/>
   </p:clrMapOvr>
+  <p:transition/>
 </p:sld>
 </file>
 
@@ -10467,6 +10472,7 @@
   <p:clrMapOvr>
     <a:masterClrMapping/>
   </p:clrMapOvr>
+  <p:transition/>
 </p:sld>
 </file>
 
@@ -11683,6 +11689,7 @@
   <p:clrMapOvr>
     <a:masterClrMapping/>
   </p:clrMapOvr>
+  <p:transition/>
 </p:sld>
 </file>
 
@@ -12406,6 +12413,7 @@
   <p:clrMapOvr>
     <a:masterClrMapping/>
   </p:clrMapOvr>
+  <p:transition/>
 </p:sld>
 </file>
 
@@ -12733,6 +12741,7 @@
   <p:clrMapOvr>
     <a:masterClrMapping/>
   </p:clrMapOvr>
+  <p:transition/>
 </p:sld>
 </file>
 
@@ -13184,6 +13193,7 @@
   <p:clrMapOvr>
     <a:masterClrMapping/>
   </p:clrMapOvr>
+  <p:transition/>
 </p:sld>
 </file>
 
@@ -13535,6 +13545,7 @@
   <p:clrMapOvr>
     <a:masterClrMapping/>
   </p:clrMapOvr>
+  <p:transition/>
 </p:sld>
 </file>
 
@@ -14106,6 +14117,7 @@
   <p:clrMapOvr>
     <a:masterClrMapping/>
   </p:clrMapOvr>
+  <p:transition/>
 </p:sld>
 </file>
 
@@ -15370,6 +15382,7 @@
   <p:clrMapOvr>
     <a:masterClrMapping/>
   </p:clrMapOvr>
+  <p:transition/>
 </p:sld>
 </file>
 
@@ -15934,6 +15947,7 @@
   <p:clrMapOvr>
     <a:masterClrMapping/>
   </p:clrMapOvr>
+  <p:transition/>
 </p:sld>
 </file>
 
@@ -16369,6 +16383,7 @@
   <p:clrMapOvr>
     <a:masterClrMapping/>
   </p:clrMapOvr>
+  <p:transition/>
 </p:sld>
 </file>
 
@@ -16514,6 +16529,7 @@
   <p:clrMapOvr>
     <a:masterClrMapping/>
   </p:clrMapOvr>
+  <p:transition/>
 </p:sld>
 </file>
 
@@ -17243,6 +17259,7 @@
   <p:clrMapOvr>
     <a:masterClrMapping/>
   </p:clrMapOvr>
+  <p:transition/>
 </p:sld>
 </file>
 
@@ -17786,6 +17803,7 @@
   <p:clrMapOvr>
     <a:masterClrMapping/>
   </p:clrMapOvr>
+  <p:transition/>
 </p:sld>
 </file>
 
@@ -18089,6 +18107,7 @@
   <p:clrMapOvr>
     <a:masterClrMapping/>
   </p:clrMapOvr>
+  <p:transition/>
 </p:sld>
 </file>
 
@@ -18112,7 +18131,7 @@
       <p:sp>
         <p:nvSpPr>
           <p:cNvPr id="5" name="文本框 4">
-            <a:hlinkClick r:id="rId1"/>
+            <a:hlinkClick r:id="rId1" tooltip="" action="ppaction://hlinkfile"/>
           </p:cNvPr>
           <p:cNvSpPr txBox="1"/>
           <p:nvPr/>
@@ -18688,6 +18707,7 @@
   <p:clrMapOvr>
     <a:masterClrMapping/>
   </p:clrMapOvr>
+  <p:transition/>
 </p:sld>
 </file>
 
@@ -19583,6 +19603,7 @@
   <p:clrMapOvr>
     <a:masterClrMapping/>
   </p:clrMapOvr>
+  <p:transition/>
 </p:sld>
 </file>
 
@@ -20277,7 +20298,7 @@
       <p:sp>
         <p:nvSpPr>
           <p:cNvPr id="14" name="文本框 13">
-            <a:hlinkClick r:id="rId16" tooltip="" action="ppaction://hlinkfile"/>
+            <a:hlinkClick r:id="rId16" action="ppaction://hlinkfile"/>
           </p:cNvPr>
           <p:cNvSpPr txBox="1"/>
           <p:nvPr/>
@@ -20318,6 +20339,7 @@
   <p:clrMapOvr>
     <a:masterClrMapping/>
   </p:clrMapOvr>
+  <p:transition/>
 </p:sld>
 </file>
 

--- a/livefile/livepowerpoint.pptx
+++ b/livefile/livepowerpoint.pptx
@@ -7497,7 +7497,7 @@
       <p:pic>
         <p:nvPicPr>
           <p:cNvPr id="10" name="图片 9">
-            <a:hlinkClick r:id="rId1"/>
+            <a:hlinkClick r:id="rId1" action="ppaction://hlinkfile"/>
           </p:cNvPr>
           <p:cNvPicPr>
             <a:picLocks noChangeAspect="1"/>
@@ -7519,7 +7519,7 @@
         </p:blipFill>
         <p:spPr>
           <a:xfrm>
-            <a:off x="2114421" y="1642220"/>
+            <a:off x="1887726" y="1560940"/>
             <a:ext cx="1229968" cy="1639957"/>
           </a:xfrm>
           <a:prstGeom prst="roundRect">
@@ -7617,6 +7617,52 @@
           </a:p>
         </p:txBody>
       </p:sp>
+      <p:pic>
+        <p:nvPicPr>
+          <p:cNvPr id="3" name="图片 2">
+            <a:hlinkClick r:id="rId4" action="ppaction://hlinkfile"/>
+          </p:cNvPr>
+          <p:cNvPicPr>
+            <a:picLocks noChangeAspect="1"/>
+          </p:cNvPicPr>
+          <p:nvPr/>
+        </p:nvPicPr>
+        <p:blipFill>
+          <a:blip r:embed="rId2">
+            <a:extLst>
+              <a:ext uri="{28A0092B-C50C-407E-A947-70E740481C1C}">
+                <a14:useLocalDpi xmlns:a14="http://schemas.microsoft.com/office/drawing/2010/main" val="0"/>
+              </a:ext>
+            </a:extLst>
+          </a:blip>
+          <a:srcRect l="3125" r="3125"/>
+          <a:stretch>
+            <a:fillRect/>
+          </a:stretch>
+        </p:blipFill>
+        <p:spPr>
+          <a:xfrm>
+            <a:off x="3834636" y="1642855"/>
+            <a:ext cx="1229968" cy="1639957"/>
+          </a:xfrm>
+          <a:prstGeom prst="roundRect">
+            <a:avLst>
+              <a:gd name="adj" fmla="val 8594"/>
+            </a:avLst>
+          </a:prstGeom>
+          <a:solidFill>
+            <a:srgbClr val="FFFFFF">
+              <a:shade val="85000"/>
+            </a:srgbClr>
+          </a:solidFill>
+          <a:ln>
+            <a:noFill/>
+          </a:ln>
+          <a:effectLst>
+            <a:reflection blurRad="12700" stA="38000" endPos="28000" dist="5000" dir="5400000" sy="-100000" algn="bl" rotWithShape="0"/>
+          </a:effectLst>
+        </p:spPr>
+      </p:pic>
     </p:spTree>
   </p:cSld>
   <p:clrMapOvr>
@@ -18131,7 +18177,7 @@
       <p:sp>
         <p:nvSpPr>
           <p:cNvPr id="5" name="文本框 4">
-            <a:hlinkClick r:id="rId1" tooltip="" action="ppaction://hlinkfile"/>
+            <a:hlinkClick r:id="rId1" action="ppaction://hlinkfile"/>
           </p:cNvPr>
           <p:cNvSpPr txBox="1"/>
           <p:nvPr/>

--- a/livefile/livepowerpoint.pptx
+++ b/livefile/livepowerpoint.pptx
@@ -255,7 +255,7 @@
           <a:p>
             <a:fld id="{16A2333F-9A84-48D5-897E-B51363C09104}" type="datetimeFigureOut">
               <a:rPr lang="zh-CN" altLang="en-US" smtClean="0"/>
-              <a:t>2024/5/14</a:t>
+              <a:t>2024/5/15</a:t>
             </a:fld>
             <a:endParaRPr lang="zh-CN" altLang="en-US"/>
           </a:p>
@@ -1464,7 +1464,7 @@
             </a:pPr>
             <a:fld id="{8D7D9A98-2B42-4142-BB4A-011734DDEA85}" type="datetimeFigureOut">
               <a:rPr lang="zh-CN" altLang="en-US"/>
-              <a:t>2024/5/14</a:t>
+              <a:t>2024/5/15</a:t>
             </a:fld>
             <a:endParaRPr lang="zh-CN" altLang="en-US"/>
           </a:p>
@@ -1613,7 +1613,7 @@
             </a:pPr>
             <a:fld id="{12F3D532-36F8-4FDA-B03A-4B8348962AD1}" type="datetime1">
               <a:rPr lang="zh-CN" altLang="en-US"/>
-              <a:t>2024/5/14</a:t>
+              <a:t>2024/5/15</a:t>
             </a:fld>
             <a:endParaRPr lang="zh-CN" altLang="en-US"/>
           </a:p>
@@ -1722,7 +1722,7 @@
           <a:p>
             <a:fld id="{F487EE23-058C-4F57-8869-2B6561E3103C}" type="datetimeFigureOut">
               <a:rPr lang="zh-CN" altLang="en-US" smtClean="0"/>
-              <a:t>2024/5/14</a:t>
+              <a:t>2024/5/15</a:t>
             </a:fld>
             <a:endParaRPr lang="zh-CN" altLang="en-US"/>
           </a:p>
@@ -1978,7 +1978,7 @@
           <a:p>
             <a:fld id="{F487EE23-058C-4F57-8869-2B6561E3103C}" type="datetimeFigureOut">
               <a:rPr lang="zh-CN" altLang="en-US" smtClean="0"/>
-              <a:t>2024/5/14</a:t>
+              <a:t>2024/5/15</a:t>
             </a:fld>
             <a:endParaRPr lang="zh-CN" altLang="en-US"/>
           </a:p>
@@ -2200,7 +2200,7 @@
             </a:pPr>
             <a:fld id="{A293AA06-7DE4-4BE9-9894-758112E5DCC1}" type="datetime1">
               <a:rPr lang="zh-CN" altLang="en-US"/>
-              <a:t>2024/5/14</a:t>
+              <a:t>2024/5/15</a:t>
             </a:fld>
             <a:endParaRPr lang="zh-CN" altLang="en-US"/>
           </a:p>
@@ -2514,7 +2514,7 @@
           <a:p>
             <a:fld id="{F487EE23-058C-4F57-8869-2B6561E3103C}" type="datetimeFigureOut">
               <a:rPr lang="zh-CN" altLang="en-US" smtClean="0"/>
-              <a:t>2024/5/14</a:t>
+              <a:t>2024/5/15</a:t>
             </a:fld>
             <a:endParaRPr lang="zh-CN" altLang="en-US"/>
           </a:p>
@@ -2765,7 +2765,7 @@
             </a:pPr>
             <a:fld id="{BEDED714-68C8-44B6-9732-DDF7DD97772E}" type="datetime1">
               <a:rPr lang="zh-CN" altLang="en-US"/>
-              <a:t>2024/5/14</a:t>
+              <a:t>2024/5/15</a:t>
             </a:fld>
             <a:endParaRPr lang="zh-CN" altLang="en-US"/>
           </a:p>
@@ -3147,7 +3147,7 @@
             </a:pPr>
             <a:fld id="{27A77D59-FE09-433D-B821-9B2BE50A514A}" type="datetime1">
               <a:rPr lang="zh-CN" altLang="en-US"/>
-              <a:t>2024/5/14</a:t>
+              <a:t>2024/5/15</a:t>
             </a:fld>
             <a:endParaRPr lang="zh-CN" altLang="en-US"/>
           </a:p>
@@ -3456,7 +3456,7 @@
             </a:pPr>
             <a:fld id="{E11AF4AC-5AFC-4379-B912-FCE9AB7477D3}" type="datetime1">
               <a:rPr lang="zh-CN" altLang="en-US"/>
-              <a:t>2024/5/14</a:t>
+              <a:t>2024/5/15</a:t>
             </a:fld>
             <a:endParaRPr lang="zh-CN" altLang="en-US"/>
           </a:p>
@@ -4184,7 +4184,7 @@
             </a:pPr>
             <a:fld id="{D2392E56-C887-40A0-B45B-7A180C992FB2}" type="datetime1">
               <a:rPr lang="zh-CN" altLang="en-US"/>
-              <a:t>2024/5/14</a:t>
+              <a:t>2024/5/15</a:t>
             </a:fld>
             <a:endParaRPr lang="zh-CN" altLang="en-US"/>
           </a:p>
@@ -4627,7 +4627,7 @@
             </a:pPr>
             <a:fld id="{614AAE4D-FD61-4E21-A39B-A3D833986EBE}" type="datetime1">
               <a:rPr lang="zh-CN" altLang="en-US"/>
-              <a:t>2024/5/14</a:t>
+              <a:t>2024/5/15</a:t>
             </a:fld>
             <a:endParaRPr lang="zh-CN" altLang="en-US"/>
           </a:p>
@@ -4989,7 +4989,7 @@
           <a:p>
             <a:fld id="{F487EE23-058C-4F57-8869-2B6561E3103C}" type="datetimeFigureOut">
               <a:rPr lang="zh-CN" altLang="en-US" smtClean="0"/>
-              <a:t>2024/5/14</a:t>
+              <a:t>2024/5/15</a:t>
             </a:fld>
             <a:endParaRPr lang="zh-CN" altLang="en-US"/>
           </a:p>
@@ -5475,7 +5475,7 @@
           <a:p>
             <a:fld id="{F487EE23-058C-4F57-8869-2B6561E3103C}" type="datetimeFigureOut">
               <a:rPr lang="zh-CN" altLang="en-US" smtClean="0"/>
-              <a:t>2024/5/14</a:t>
+              <a:t>2024/5/15</a:t>
             </a:fld>
             <a:endParaRPr lang="zh-CN" altLang="en-US"/>
           </a:p>
@@ -5748,7 +5748,7 @@
           <a:p>
             <a:fld id="{F487EE23-058C-4F57-8869-2B6561E3103C}" type="datetimeFigureOut">
               <a:rPr lang="zh-CN" altLang="en-US" smtClean="0"/>
-              <a:t>2024/5/14</a:t>
+              <a:t>2024/5/15</a:t>
             </a:fld>
             <a:endParaRPr lang="zh-CN" altLang="en-US"/>
           </a:p>
@@ -12803,7 +12803,7 @@
         </p:nvSpPr>
         <p:spPr>
           <a:xfrm>
-            <a:off x="1467570" y="4423937"/>
+            <a:off x="1538685" y="4308001"/>
             <a:ext cx="441146" cy="369332"/>
           </a:xfrm>
           <a:prstGeom prst="rect">
@@ -12820,6 +12820,457 @@
             <a:r>
               <a:rPr lang="en-US" altLang="zh-CN" dirty="0"/>
               <a:t>19</a:t>
+            </a:r>
+            <a:endParaRPr lang="zh-CN" altLang="en-US" dirty="0"/>
+          </a:p>
+        </p:txBody>
+      </p:sp>
+      <p:sp>
+        <p:nvSpPr>
+          <p:cNvPr id="14" name="文本框 13">
+            <a:hlinkClick r:id="rId15"/>
+            <a:extLst>
+              <a:ext uri="{FF2B5EF4-FFF2-40B4-BE49-F238E27FC236}">
+                <a16:creationId xmlns:a16="http://schemas.microsoft.com/office/drawing/2014/main" id="{71A51B4C-C33D-DDD9-D893-A4A8CC828380}"/>
+              </a:ext>
+            </a:extLst>
+          </p:cNvPr>
+          <p:cNvSpPr txBox="1"/>
+          <p:nvPr/>
+        </p:nvSpPr>
+        <p:spPr>
+          <a:xfrm>
+            <a:off x="2448786" y="1459231"/>
+            <a:ext cx="1005403" cy="369332"/>
+          </a:xfrm>
+          <a:prstGeom prst="rect">
+            <a:avLst/>
+          </a:prstGeom>
+          <a:noFill/>
+        </p:spPr>
+        <p:txBody>
+          <a:bodyPr wrap="none" rtlCol="0">
+            <a:spAutoFit/>
+          </a:bodyPr>
+          <a:lstStyle/>
+          <a:p>
+            <a:r>
+              <a:rPr lang="zh-CN" altLang="en-US" dirty="0"/>
+              <a:t>第一章</a:t>
+            </a:r>
+            <a:r>
+              <a:rPr lang="en-US" altLang="zh-CN" dirty="0"/>
+              <a:t>1</a:t>
+            </a:r>
+            <a:endParaRPr lang="zh-CN" altLang="en-US" dirty="0"/>
+          </a:p>
+        </p:txBody>
+      </p:sp>
+      <p:sp>
+        <p:nvSpPr>
+          <p:cNvPr id="15" name="文本框 14">
+            <a:hlinkClick r:id="rId16"/>
+            <a:extLst>
+              <a:ext uri="{FF2B5EF4-FFF2-40B4-BE49-F238E27FC236}">
+                <a16:creationId xmlns:a16="http://schemas.microsoft.com/office/drawing/2014/main" id="{B8C43555-6182-22E2-FBE6-DCF4EC490E56}"/>
+              </a:ext>
+            </a:extLst>
+          </p:cNvPr>
+          <p:cNvSpPr txBox="1"/>
+          <p:nvPr/>
+        </p:nvSpPr>
+        <p:spPr>
+          <a:xfrm>
+            <a:off x="2448786" y="1968343"/>
+            <a:ext cx="1005403" cy="369332"/>
+          </a:xfrm>
+          <a:prstGeom prst="rect">
+            <a:avLst/>
+          </a:prstGeom>
+          <a:noFill/>
+        </p:spPr>
+        <p:txBody>
+          <a:bodyPr wrap="none" rtlCol="0">
+            <a:spAutoFit/>
+          </a:bodyPr>
+          <a:lstStyle/>
+          <a:p>
+            <a:r>
+              <a:rPr lang="zh-CN" altLang="en-US" dirty="0"/>
+              <a:t>第一章</a:t>
+            </a:r>
+            <a:r>
+              <a:rPr lang="en-US" altLang="zh-CN" dirty="0"/>
+              <a:t>2</a:t>
+            </a:r>
+            <a:endParaRPr lang="zh-CN" altLang="en-US" dirty="0"/>
+          </a:p>
+        </p:txBody>
+      </p:sp>
+      <p:sp>
+        <p:nvSpPr>
+          <p:cNvPr id="16" name="文本框 15">
+            <a:hlinkClick r:id="rId17"/>
+            <a:extLst>
+              <a:ext uri="{FF2B5EF4-FFF2-40B4-BE49-F238E27FC236}">
+                <a16:creationId xmlns:a16="http://schemas.microsoft.com/office/drawing/2014/main" id="{A1B071B5-151F-8C65-27AA-C12C84D025CB}"/>
+              </a:ext>
+            </a:extLst>
+          </p:cNvPr>
+          <p:cNvSpPr txBox="1"/>
+          <p:nvPr/>
+        </p:nvSpPr>
+        <p:spPr>
+          <a:xfrm>
+            <a:off x="2448786" y="2561389"/>
+            <a:ext cx="1005403" cy="369332"/>
+          </a:xfrm>
+          <a:prstGeom prst="rect">
+            <a:avLst/>
+          </a:prstGeom>
+          <a:noFill/>
+        </p:spPr>
+        <p:txBody>
+          <a:bodyPr wrap="none" rtlCol="0">
+            <a:spAutoFit/>
+          </a:bodyPr>
+          <a:lstStyle/>
+          <a:p>
+            <a:r>
+              <a:rPr lang="zh-CN" altLang="en-US" dirty="0"/>
+              <a:t>第一章</a:t>
+            </a:r>
+            <a:r>
+              <a:rPr lang="en-US" altLang="zh-CN" dirty="0"/>
+              <a:t>3</a:t>
+            </a:r>
+            <a:endParaRPr lang="zh-CN" altLang="en-US" dirty="0"/>
+          </a:p>
+        </p:txBody>
+      </p:sp>
+      <p:sp>
+        <p:nvSpPr>
+          <p:cNvPr id="17" name="文本框 16">
+            <a:hlinkClick r:id="rId18"/>
+            <a:extLst>
+              <a:ext uri="{FF2B5EF4-FFF2-40B4-BE49-F238E27FC236}">
+                <a16:creationId xmlns:a16="http://schemas.microsoft.com/office/drawing/2014/main" id="{E8172D85-CA62-E923-4947-8B4C4A7C948D}"/>
+              </a:ext>
+            </a:extLst>
+          </p:cNvPr>
+          <p:cNvSpPr txBox="1"/>
+          <p:nvPr/>
+        </p:nvSpPr>
+        <p:spPr>
+          <a:xfrm>
+            <a:off x="2448785" y="3117453"/>
+            <a:ext cx="1005403" cy="369332"/>
+          </a:xfrm>
+          <a:prstGeom prst="rect">
+            <a:avLst/>
+          </a:prstGeom>
+          <a:noFill/>
+        </p:spPr>
+        <p:txBody>
+          <a:bodyPr wrap="none" rtlCol="0">
+            <a:spAutoFit/>
+          </a:bodyPr>
+          <a:lstStyle/>
+          <a:p>
+            <a:r>
+              <a:rPr lang="zh-CN" altLang="en-US" dirty="0"/>
+              <a:t>第一章</a:t>
+            </a:r>
+            <a:r>
+              <a:rPr lang="en-US" altLang="zh-CN" dirty="0"/>
+              <a:t>4</a:t>
+            </a:r>
+            <a:endParaRPr lang="zh-CN" altLang="en-US" dirty="0"/>
+          </a:p>
+        </p:txBody>
+      </p:sp>
+      <p:sp>
+        <p:nvSpPr>
+          <p:cNvPr id="18" name="文本框 17">
+            <a:hlinkClick r:id="rId19"/>
+            <a:extLst>
+              <a:ext uri="{FF2B5EF4-FFF2-40B4-BE49-F238E27FC236}">
+                <a16:creationId xmlns:a16="http://schemas.microsoft.com/office/drawing/2014/main" id="{75517980-8CC9-6887-DAB9-F465F82A5E78}"/>
+              </a:ext>
+            </a:extLst>
+          </p:cNvPr>
+          <p:cNvSpPr txBox="1"/>
+          <p:nvPr/>
+        </p:nvSpPr>
+        <p:spPr>
+          <a:xfrm>
+            <a:off x="2448785" y="3626565"/>
+            <a:ext cx="1005403" cy="369332"/>
+          </a:xfrm>
+          <a:prstGeom prst="rect">
+            <a:avLst/>
+          </a:prstGeom>
+          <a:noFill/>
+        </p:spPr>
+        <p:txBody>
+          <a:bodyPr wrap="none" rtlCol="0">
+            <a:spAutoFit/>
+          </a:bodyPr>
+          <a:lstStyle/>
+          <a:p>
+            <a:r>
+              <a:rPr lang="zh-CN" altLang="en-US" dirty="0"/>
+              <a:t>第一章</a:t>
+            </a:r>
+            <a:r>
+              <a:rPr lang="en-US" altLang="zh-CN" dirty="0"/>
+              <a:t>5</a:t>
+            </a:r>
+            <a:endParaRPr lang="zh-CN" altLang="en-US" dirty="0"/>
+          </a:p>
+        </p:txBody>
+      </p:sp>
+      <p:sp>
+        <p:nvSpPr>
+          <p:cNvPr id="19" name="文本框 18">
+            <a:hlinkClick r:id="rId20"/>
+            <a:extLst>
+              <a:ext uri="{FF2B5EF4-FFF2-40B4-BE49-F238E27FC236}">
+                <a16:creationId xmlns:a16="http://schemas.microsoft.com/office/drawing/2014/main" id="{2E650DD8-41B2-5410-FE64-ABC4726F65AE}"/>
+              </a:ext>
+            </a:extLst>
+          </p:cNvPr>
+          <p:cNvSpPr txBox="1"/>
+          <p:nvPr/>
+        </p:nvSpPr>
+        <p:spPr>
+          <a:xfrm>
+            <a:off x="2448785" y="4267970"/>
+            <a:ext cx="1005403" cy="369332"/>
+          </a:xfrm>
+          <a:prstGeom prst="rect">
+            <a:avLst/>
+          </a:prstGeom>
+          <a:noFill/>
+        </p:spPr>
+        <p:txBody>
+          <a:bodyPr wrap="none" rtlCol="0">
+            <a:spAutoFit/>
+          </a:bodyPr>
+          <a:lstStyle/>
+          <a:p>
+            <a:r>
+              <a:rPr lang="zh-CN" altLang="en-US" dirty="0"/>
+              <a:t>第一章</a:t>
+            </a:r>
+            <a:r>
+              <a:rPr lang="en-US" altLang="zh-CN" dirty="0"/>
+              <a:t>6</a:t>
+            </a:r>
+            <a:endParaRPr lang="zh-CN" altLang="en-US" dirty="0"/>
+          </a:p>
+        </p:txBody>
+      </p:sp>
+      <p:sp>
+        <p:nvSpPr>
+          <p:cNvPr id="20" name="文本框 19">
+            <a:hlinkClick r:id="rId21"/>
+            <a:extLst>
+              <a:ext uri="{FF2B5EF4-FFF2-40B4-BE49-F238E27FC236}">
+                <a16:creationId xmlns:a16="http://schemas.microsoft.com/office/drawing/2014/main" id="{0D1D8006-954F-FCA5-1D1F-42259A7D7867}"/>
+              </a:ext>
+            </a:extLst>
+          </p:cNvPr>
+          <p:cNvSpPr txBox="1"/>
+          <p:nvPr/>
+        </p:nvSpPr>
+        <p:spPr>
+          <a:xfrm>
+            <a:off x="3647778" y="1464009"/>
+            <a:ext cx="1005403" cy="369332"/>
+          </a:xfrm>
+          <a:prstGeom prst="rect">
+            <a:avLst/>
+          </a:prstGeom>
+          <a:noFill/>
+        </p:spPr>
+        <p:txBody>
+          <a:bodyPr wrap="none" rtlCol="0">
+            <a:spAutoFit/>
+          </a:bodyPr>
+          <a:lstStyle/>
+          <a:p>
+            <a:r>
+              <a:rPr lang="zh-CN" altLang="en-US" dirty="0"/>
+              <a:t>第一章</a:t>
+            </a:r>
+            <a:r>
+              <a:rPr lang="en-US" altLang="zh-CN" dirty="0"/>
+              <a:t>7</a:t>
+            </a:r>
+            <a:endParaRPr lang="zh-CN" altLang="en-US" dirty="0"/>
+          </a:p>
+        </p:txBody>
+      </p:sp>
+      <p:sp>
+        <p:nvSpPr>
+          <p:cNvPr id="21" name="文本框 20">
+            <a:hlinkClick r:id="rId22"/>
+            <a:extLst>
+              <a:ext uri="{FF2B5EF4-FFF2-40B4-BE49-F238E27FC236}">
+                <a16:creationId xmlns:a16="http://schemas.microsoft.com/office/drawing/2014/main" id="{91AFE53D-35CA-E466-7547-D84F8823F5ED}"/>
+              </a:ext>
+            </a:extLst>
+          </p:cNvPr>
+          <p:cNvSpPr txBox="1"/>
+          <p:nvPr/>
+        </p:nvSpPr>
+        <p:spPr>
+          <a:xfrm>
+            <a:off x="3647777" y="2607525"/>
+            <a:ext cx="1005403" cy="369332"/>
+          </a:xfrm>
+          <a:prstGeom prst="rect">
+            <a:avLst/>
+          </a:prstGeom>
+          <a:noFill/>
+        </p:spPr>
+        <p:txBody>
+          <a:bodyPr wrap="none" rtlCol="0">
+            <a:spAutoFit/>
+          </a:bodyPr>
+          <a:lstStyle/>
+          <a:p>
+            <a:r>
+              <a:rPr lang="zh-CN" altLang="en-US" dirty="0"/>
+              <a:t>第二章</a:t>
+            </a:r>
+            <a:r>
+              <a:rPr lang="en-US" altLang="zh-CN" dirty="0"/>
+              <a:t>2</a:t>
+            </a:r>
+            <a:endParaRPr lang="zh-CN" altLang="en-US" dirty="0"/>
+          </a:p>
+        </p:txBody>
+      </p:sp>
+      <p:sp>
+        <p:nvSpPr>
+          <p:cNvPr id="22" name="文本框 21">
+            <a:hlinkClick r:id="rId23"/>
+            <a:extLst>
+              <a:ext uri="{FF2B5EF4-FFF2-40B4-BE49-F238E27FC236}">
+                <a16:creationId xmlns:a16="http://schemas.microsoft.com/office/drawing/2014/main" id="{4293AD19-DF12-5614-2DD8-CCB6858F8D47}"/>
+              </a:ext>
+            </a:extLst>
+          </p:cNvPr>
+          <p:cNvSpPr txBox="1"/>
+          <p:nvPr/>
+        </p:nvSpPr>
+        <p:spPr>
+          <a:xfrm>
+            <a:off x="3625542" y="1999676"/>
+            <a:ext cx="1005403" cy="369332"/>
+          </a:xfrm>
+          <a:prstGeom prst="rect">
+            <a:avLst/>
+          </a:prstGeom>
+          <a:noFill/>
+        </p:spPr>
+        <p:txBody>
+          <a:bodyPr wrap="none" rtlCol="0">
+            <a:spAutoFit/>
+          </a:bodyPr>
+          <a:lstStyle/>
+          <a:p>
+            <a:r>
+              <a:rPr lang="zh-CN" altLang="en-US" dirty="0"/>
+              <a:t>第二章</a:t>
+            </a:r>
+            <a:r>
+              <a:rPr lang="en-US" altLang="zh-CN" dirty="0"/>
+              <a:t>1</a:t>
+            </a:r>
+            <a:endParaRPr lang="zh-CN" altLang="en-US" dirty="0"/>
+          </a:p>
+        </p:txBody>
+      </p:sp>
+      <p:sp>
+        <p:nvSpPr>
+          <p:cNvPr id="23" name="文本框 22">
+            <a:hlinkClick r:id="rId24"/>
+            <a:extLst>
+              <a:ext uri="{FF2B5EF4-FFF2-40B4-BE49-F238E27FC236}">
+                <a16:creationId xmlns:a16="http://schemas.microsoft.com/office/drawing/2014/main" id="{FF248CFD-37EC-71A8-6897-F35DA6A7C49D}"/>
+              </a:ext>
+            </a:extLst>
+          </p:cNvPr>
+          <p:cNvSpPr txBox="1"/>
+          <p:nvPr/>
+        </p:nvSpPr>
+        <p:spPr>
+          <a:xfrm>
+            <a:off x="3647777" y="3678859"/>
+            <a:ext cx="1005403" cy="369332"/>
+          </a:xfrm>
+          <a:prstGeom prst="rect">
+            <a:avLst/>
+          </a:prstGeom>
+          <a:noFill/>
+        </p:spPr>
+        <p:txBody>
+          <a:bodyPr wrap="none" rtlCol="0">
+            <a:spAutoFit/>
+          </a:bodyPr>
+          <a:lstStyle/>
+          <a:p>
+            <a:r>
+              <a:rPr lang="zh-CN" altLang="en-US" dirty="0"/>
+              <a:t>第二章</a:t>
+            </a:r>
+            <a:r>
+              <a:rPr lang="en-US" altLang="zh-CN" dirty="0"/>
+              <a:t>4</a:t>
+            </a:r>
+            <a:endParaRPr lang="zh-CN" altLang="en-US" dirty="0"/>
+          </a:p>
+        </p:txBody>
+      </p:sp>
+      <p:sp>
+        <p:nvSpPr>
+          <p:cNvPr id="24" name="文本框 23">
+            <a:hlinkClick r:id="rId25"/>
+            <a:extLst>
+              <a:ext uri="{FF2B5EF4-FFF2-40B4-BE49-F238E27FC236}">
+                <a16:creationId xmlns:a16="http://schemas.microsoft.com/office/drawing/2014/main" id="{8EF6CB81-FF27-9B3F-13F3-663C8CD371FC}"/>
+              </a:ext>
+            </a:extLst>
+          </p:cNvPr>
+          <p:cNvSpPr txBox="1"/>
+          <p:nvPr/>
+        </p:nvSpPr>
+        <p:spPr>
+          <a:xfrm>
+            <a:off x="3638241" y="3094575"/>
+            <a:ext cx="1005403" cy="369332"/>
+          </a:xfrm>
+          <a:prstGeom prst="rect">
+            <a:avLst/>
+          </a:prstGeom>
+          <a:noFill/>
+        </p:spPr>
+        <p:txBody>
+          <a:bodyPr wrap="none" rtlCol="0">
+            <a:spAutoFit/>
+          </a:bodyPr>
+          <a:lstStyle/>
+          <a:p>
+            <a:r>
+              <a:rPr lang="zh-CN" altLang="en-US" dirty="0"/>
+              <a:t>第二章</a:t>
+            </a:r>
+            <a:r>
+              <a:rPr lang="en-US" altLang="zh-CN" dirty="0"/>
+              <a:t>3</a:t>
             </a:r>
             <a:endParaRPr lang="zh-CN" altLang="en-US" dirty="0"/>
           </a:p>

--- a/livefile/livepowerpoint.pptx
+++ b/livefile/livepowerpoint.pptx
@@ -5,7 +5,7 @@
     <p:sldMasterId id="2147483648" r:id="rId1"/>
   </p:sldMasterIdLst>
   <p:notesMasterIdLst>
-    <p:notesMasterId r:id="rId24"/>
+    <p:notesMasterId r:id="rId25"/>
   </p:notesMasterIdLst>
   <p:sldIdLst>
     <p:sldId id="260" r:id="rId2"/>
@@ -17,24 +17,25 @@
     <p:sldId id="256" r:id="rId8"/>
     <p:sldId id="269" r:id="rId9"/>
     <p:sldId id="276" r:id="rId10"/>
-    <p:sldId id="272" r:id="rId11"/>
-    <p:sldId id="273" r:id="rId12"/>
-    <p:sldId id="274" r:id="rId13"/>
-    <p:sldId id="258" r:id="rId14"/>
-    <p:sldId id="271" r:id="rId15"/>
-    <p:sldId id="280" r:id="rId16"/>
-    <p:sldId id="277" r:id="rId17"/>
-    <p:sldId id="283" r:id="rId18"/>
-    <p:sldId id="275" r:id="rId19"/>
-    <p:sldId id="281" r:id="rId20"/>
-    <p:sldId id="262" r:id="rId21"/>
-    <p:sldId id="257" r:id="rId22"/>
-    <p:sldId id="279" r:id="rId23"/>
+    <p:sldId id="284" r:id="rId11"/>
+    <p:sldId id="272" r:id="rId12"/>
+    <p:sldId id="273" r:id="rId13"/>
+    <p:sldId id="274" r:id="rId14"/>
+    <p:sldId id="258" r:id="rId15"/>
+    <p:sldId id="271" r:id="rId16"/>
+    <p:sldId id="280" r:id="rId17"/>
+    <p:sldId id="277" r:id="rId18"/>
+    <p:sldId id="283" r:id="rId19"/>
+    <p:sldId id="275" r:id="rId20"/>
+    <p:sldId id="281" r:id="rId21"/>
+    <p:sldId id="262" r:id="rId22"/>
+    <p:sldId id="257" r:id="rId23"/>
+    <p:sldId id="279" r:id="rId24"/>
   </p:sldIdLst>
   <p:sldSz cx="12192000" cy="6858000"/>
   <p:notesSz cx="6858000" cy="9144000"/>
   <p:custDataLst>
-    <p:tags r:id="rId25"/>
+    <p:tags r:id="rId26"/>
   </p:custDataLst>
   <p:defaultTextStyle>
     <a:defPPr>
@@ -149,6 +150,7 @@
           <p14:sldIdLst>
             <p14:sldId id="269"/>
             <p14:sldId id="276"/>
+            <p14:sldId id="284"/>
             <p14:sldId id="272"/>
             <p14:sldId id="273"/>
             <p14:sldId id="274"/>
@@ -661,7 +663,7 @@
           <a:p>
             <a:fld id="{5EF15249-D9FD-41E0-944D-0CA148925727}" type="slidenum">
               <a:rPr lang="zh-CN" altLang="en-US" smtClean="0"/>
-              <a:t>14</a:t>
+              <a:t>15</a:t>
             </a:fld>
             <a:endParaRPr lang="zh-CN" altLang="en-US"/>
           </a:p>
@@ -740,7 +742,7 @@
           <a:p>
             <a:fld id="{5EF15249-D9FD-41E0-944D-0CA148925727}" type="slidenum">
               <a:rPr lang="zh-CN" altLang="en-US" smtClean="0"/>
-              <a:t>15</a:t>
+              <a:t>16</a:t>
             </a:fld>
             <a:endParaRPr lang="zh-CN" altLang="en-US"/>
           </a:p>
@@ -819,7 +821,7 @@
           <a:p>
             <a:fld id="{5EF15249-D9FD-41E0-944D-0CA148925727}" type="slidenum">
               <a:rPr lang="zh-CN" altLang="en-US" smtClean="0"/>
-              <a:t>16</a:t>
+              <a:t>17</a:t>
             </a:fld>
             <a:endParaRPr lang="zh-CN" altLang="en-US"/>
           </a:p>
@@ -898,7 +900,7 @@
           <a:p>
             <a:fld id="{5EF15249-D9FD-41E0-944D-0CA148925727}" type="slidenum">
               <a:rPr lang="zh-CN" altLang="en-US" smtClean="0"/>
-              <a:t>17</a:t>
+              <a:t>18</a:t>
             </a:fld>
             <a:endParaRPr lang="zh-CN" altLang="en-US"/>
           </a:p>
@@ -977,7 +979,7 @@
           <a:p>
             <a:fld id="{5EF15249-D9FD-41E0-944D-0CA148925727}" type="slidenum">
               <a:rPr lang="zh-CN" altLang="en-US" smtClean="0"/>
-              <a:t>18</a:t>
+              <a:t>19</a:t>
             </a:fld>
             <a:endParaRPr lang="zh-CN" altLang="en-US"/>
           </a:p>
@@ -1056,7 +1058,7 @@
           <a:p>
             <a:fld id="{5EF15249-D9FD-41E0-944D-0CA148925727}" type="slidenum">
               <a:rPr lang="zh-CN" altLang="en-US" smtClean="0"/>
-              <a:t>19</a:t>
+              <a:t>20</a:t>
             </a:fld>
             <a:endParaRPr lang="zh-CN" altLang="en-US"/>
           </a:p>
@@ -1135,7 +1137,7 @@
           <a:p>
             <a:fld id="{5EF15249-D9FD-41E0-944D-0CA148925727}" type="slidenum">
               <a:rPr lang="zh-CN" altLang="en-US" smtClean="0"/>
-              <a:t>20</a:t>
+              <a:t>21</a:t>
             </a:fld>
             <a:endParaRPr lang="zh-CN" altLang="en-US"/>
           </a:p>
@@ -6605,7 +6607,7 @@
       </p:grpSpPr>
       <p:sp>
         <p:nvSpPr>
-          <p:cNvPr id="11" name="标题 14"/>
+          <p:cNvPr id="9" name="标题 14"/>
           <p:cNvSpPr>
             <a:spLocks noGrp="1"/>
           </p:cNvSpPr>
@@ -6632,332 +6634,51 @@
           </a:p>
         </p:txBody>
       </p:sp>
-      <p:pic>
-        <p:nvPicPr>
-          <p:cNvPr id="13" name="图片 12">
+      <p:sp>
+        <p:nvSpPr>
+          <p:cNvPr id="10" name="文本框 9">
             <a:hlinkClick r:id="rId2"/>
           </p:cNvPr>
-          <p:cNvPicPr>
-            <a:picLocks noChangeAspect="1"/>
-          </p:cNvPicPr>
-          <p:nvPr/>
-        </p:nvPicPr>
-        <p:blipFill>
-          <a:blip r:embed="rId3">
-            <a:extLst>
-              <a:ext uri="{28A0092B-C50C-407E-A947-70E740481C1C}">
-                <a14:useLocalDpi xmlns:a14="http://schemas.microsoft.com/office/drawing/2010/main" val="0"/>
-              </a:ext>
-            </a:extLst>
-          </a:blip>
-          <a:stretch>
-            <a:fillRect/>
-          </a:stretch>
-        </p:blipFill>
-        <p:spPr>
-          <a:xfrm>
-            <a:off x="2114421" y="1642220"/>
-            <a:ext cx="1229968" cy="1639957"/>
-          </a:xfrm>
-          <a:prstGeom prst="roundRect">
-            <a:avLst>
-              <a:gd name="adj" fmla="val 8594"/>
-            </a:avLst>
-          </a:prstGeom>
-          <a:solidFill>
-            <a:srgbClr val="FFFFFF">
-              <a:shade val="85000"/>
-            </a:srgbClr>
-          </a:solidFill>
-          <a:ln>
-            <a:noFill/>
-          </a:ln>
-          <a:effectLst>
-            <a:reflection blurRad="12700" stA="38000" endPos="28000" dist="5000" dir="5400000" sy="-100000" algn="bl" rotWithShape="0"/>
-          </a:effectLst>
-        </p:spPr>
-      </p:pic>
-      <p:sp>
-        <p:nvSpPr>
-          <p:cNvPr id="14" name="立方体 13"/>
-          <p:cNvSpPr/>
-          <p:nvPr/>
-        </p:nvSpPr>
-        <p:spPr>
-          <a:xfrm>
-            <a:off x="948230" y="3536068"/>
-            <a:ext cx="10263109" cy="280559"/>
-          </a:xfrm>
-          <a:prstGeom prst="cube">
-            <a:avLst/>
-          </a:prstGeom>
-          <a:solidFill>
-            <a:srgbClr val="894E29"/>
-          </a:solidFill>
-          <a:effectLst>
-            <a:outerShdw blurRad="50800" dist="38100" dir="2700000" algn="tl" rotWithShape="0">
-              <a:prstClr val="black">
-                <a:alpha val="40000"/>
-              </a:prstClr>
-            </a:outerShdw>
-          </a:effectLst>
-        </p:spPr>
-        <p:style>
-          <a:lnRef idx="2">
-            <a:schemeClr val="accent1">
-              <a:shade val="15000"/>
-            </a:schemeClr>
-          </a:lnRef>
-          <a:fillRef idx="1">
-            <a:schemeClr val="accent1"/>
-          </a:fillRef>
-          <a:effectRef idx="0">
-            <a:schemeClr val="accent1"/>
-          </a:effectRef>
-          <a:fontRef idx="minor">
-            <a:schemeClr val="lt1"/>
-          </a:fontRef>
-        </p:style>
-        <p:txBody>
-          <a:bodyPr rtlCol="0" anchor="ctr"/>
-          <a:lstStyle/>
-          <a:p>
-            <a:pPr algn="ctr"/>
-            <a:endParaRPr lang="zh-CN" altLang="en-US"/>
-          </a:p>
-        </p:txBody>
-      </p:sp>
-      <p:pic>
-        <p:nvPicPr>
-          <p:cNvPr id="2" name="图片 1">
-            <a:hlinkClick r:id="rId4"/>
-          </p:cNvPr>
-          <p:cNvPicPr>
-            <a:picLocks noChangeAspect="1"/>
-          </p:cNvPicPr>
-          <p:nvPr/>
-        </p:nvPicPr>
-        <p:blipFill>
-          <a:blip r:embed="rId5" cstate="print">
-            <a:extLst>
-              <a:ext uri="{28A0092B-C50C-407E-A947-70E740481C1C}">
-                <a14:useLocalDpi xmlns:a14="http://schemas.microsoft.com/office/drawing/2010/main" val="0"/>
-              </a:ext>
-            </a:extLst>
-          </a:blip>
-          <a:srcRect t="2417" b="2417"/>
-          <a:stretch>
-            <a:fillRect/>
-          </a:stretch>
-        </p:blipFill>
-        <p:spPr>
-          <a:xfrm>
-            <a:off x="5464800" y="1642219"/>
-            <a:ext cx="1229968" cy="1639957"/>
-          </a:xfrm>
-          <a:prstGeom prst="roundRect">
-            <a:avLst>
-              <a:gd name="adj" fmla="val 8594"/>
-            </a:avLst>
-          </a:prstGeom>
-          <a:solidFill>
-            <a:srgbClr val="FFFFFF">
-              <a:shade val="85000"/>
-            </a:srgbClr>
-          </a:solidFill>
-          <a:ln>
-            <a:noFill/>
-          </a:ln>
-          <a:effectLst>
-            <a:reflection blurRad="12700" stA="38000" endPos="28000" dist="5000" dir="5400000" sy="-100000" algn="bl" rotWithShape="0"/>
-          </a:effectLst>
-        </p:spPr>
-      </p:pic>
-      <p:pic>
-        <p:nvPicPr>
-          <p:cNvPr id="3" name="图片 2">
-            <a:hlinkClick r:id="rId6"/>
-          </p:cNvPr>
-          <p:cNvPicPr>
-            <a:picLocks noChangeAspect="1"/>
-          </p:cNvPicPr>
-          <p:nvPr/>
-        </p:nvPicPr>
-        <p:blipFill>
-          <a:blip r:embed="rId7" cstate="print">
-            <a:extLst>
-              <a:ext uri="{28A0092B-C50C-407E-A947-70E740481C1C}">
-                <a14:useLocalDpi xmlns:a14="http://schemas.microsoft.com/office/drawing/2010/main" val="0"/>
-              </a:ext>
-            </a:extLst>
-          </a:blip>
-          <a:srcRect t="4422" b="4422"/>
-          <a:stretch>
-            <a:fillRect/>
-          </a:stretch>
-        </p:blipFill>
-        <p:spPr>
-          <a:xfrm>
-            <a:off x="8815179" y="1642218"/>
-            <a:ext cx="1229968" cy="1639957"/>
-          </a:xfrm>
-          <a:prstGeom prst="roundRect">
-            <a:avLst>
-              <a:gd name="adj" fmla="val 8594"/>
-            </a:avLst>
-          </a:prstGeom>
-          <a:solidFill>
-            <a:srgbClr val="FFFFFF">
-              <a:shade val="85000"/>
-            </a:srgbClr>
-          </a:solidFill>
-          <a:ln>
-            <a:noFill/>
-          </a:ln>
-          <a:effectLst>
-            <a:reflection blurRad="12700" stA="38000" endPos="28000" dist="5000" dir="5400000" sy="-100000" algn="bl" rotWithShape="0"/>
-          </a:effectLst>
-        </p:spPr>
-      </p:pic>
-      <p:pic>
-        <p:nvPicPr>
-          <p:cNvPr id="4" name="图片 3">
-            <a:hlinkClick r:id="rId8"/>
-          </p:cNvPr>
-          <p:cNvPicPr>
-            <a:picLocks noChangeAspect="1"/>
-          </p:cNvPicPr>
-          <p:nvPr/>
-        </p:nvPicPr>
-        <p:blipFill>
-          <a:blip r:embed="rId9">
-            <a:extLst>
-              <a:ext uri="{28A0092B-C50C-407E-A947-70E740481C1C}">
-                <a14:useLocalDpi xmlns:a14="http://schemas.microsoft.com/office/drawing/2010/main" val="0"/>
-              </a:ext>
-            </a:extLst>
-          </a:blip>
-          <a:srcRect l="6612" r="6612"/>
-          <a:stretch>
-            <a:fillRect/>
-          </a:stretch>
-        </p:blipFill>
-        <p:spPr>
-          <a:xfrm>
-            <a:off x="2114421" y="4395801"/>
-            <a:ext cx="1229968" cy="1639957"/>
-          </a:xfrm>
-          <a:prstGeom prst="roundRect">
-            <a:avLst>
-              <a:gd name="adj" fmla="val 8594"/>
-            </a:avLst>
-          </a:prstGeom>
-          <a:solidFill>
-            <a:srgbClr val="FFFFFF">
-              <a:shade val="85000"/>
-            </a:srgbClr>
-          </a:solidFill>
-          <a:ln>
-            <a:noFill/>
-          </a:ln>
-          <a:effectLst>
-            <a:reflection blurRad="12700" stA="38000" endPos="28000" dist="5000" dir="5400000" sy="-100000" algn="bl" rotWithShape="0"/>
-          </a:effectLst>
-        </p:spPr>
-      </p:pic>
-      <p:pic>
-        <p:nvPicPr>
-          <p:cNvPr id="5" name="图片 4">
-            <a:hlinkClick r:id="rId10"/>
-          </p:cNvPr>
-          <p:cNvPicPr>
-            <a:picLocks noChangeAspect="1"/>
-          </p:cNvPicPr>
-          <p:nvPr/>
-        </p:nvPicPr>
-        <p:blipFill>
-          <a:blip r:embed="rId11">
-            <a:extLst>
-              <a:ext uri="{28A0092B-C50C-407E-A947-70E740481C1C}">
-                <a14:useLocalDpi xmlns:a14="http://schemas.microsoft.com/office/drawing/2010/main" val="0"/>
-              </a:ext>
-            </a:extLst>
-          </a:blip>
-          <a:srcRect/>
-          <a:stretch>
-            <a:fillRect/>
-          </a:stretch>
-        </p:blipFill>
-        <p:spPr>
-          <a:xfrm>
-            <a:off x="5481016" y="4395801"/>
-            <a:ext cx="1229968" cy="1639957"/>
-          </a:xfrm>
-          <a:prstGeom prst="roundRect">
-            <a:avLst>
-              <a:gd name="adj" fmla="val 8594"/>
-            </a:avLst>
-          </a:prstGeom>
-          <a:solidFill>
-            <a:srgbClr val="FFFFFF">
-              <a:shade val="85000"/>
-            </a:srgbClr>
-          </a:solidFill>
-          <a:ln>
-            <a:noFill/>
-          </a:ln>
-          <a:effectLst>
-            <a:reflection blurRad="12700" stA="38000" endPos="28000" dist="5000" dir="5400000" sy="-100000" algn="bl" rotWithShape="0"/>
-          </a:effectLst>
-        </p:spPr>
-      </p:pic>
-      <p:pic>
-        <p:nvPicPr>
-          <p:cNvPr id="6" name="图片 5">
-            <a:hlinkClick r:id="rId12"/>
-          </p:cNvPr>
-          <p:cNvPicPr>
-            <a:picLocks noChangeAspect="1"/>
-          </p:cNvPicPr>
-          <p:nvPr/>
-        </p:nvPicPr>
-        <p:blipFill>
-          <a:blip r:embed="rId13">
-            <a:extLst>
-              <a:ext uri="{28A0092B-C50C-407E-A947-70E740481C1C}">
-                <a14:useLocalDpi xmlns:a14="http://schemas.microsoft.com/office/drawing/2010/main" val="0"/>
-              </a:ext>
-            </a:extLst>
-          </a:blip>
-          <a:srcRect/>
-          <a:stretch>
-            <a:fillRect/>
-          </a:stretch>
-        </p:blipFill>
-        <p:spPr>
-          <a:xfrm>
-            <a:off x="8815179" y="4395801"/>
-            <a:ext cx="1229968" cy="1639957"/>
-          </a:xfrm>
-          <a:prstGeom prst="roundRect">
-            <a:avLst>
-              <a:gd name="adj" fmla="val 8594"/>
-            </a:avLst>
-          </a:prstGeom>
-          <a:solidFill>
-            <a:srgbClr val="FFFFFF">
-              <a:shade val="85000"/>
-            </a:srgbClr>
-          </a:solidFill>
-          <a:ln>
-            <a:noFill/>
-          </a:ln>
-          <a:effectLst>
-            <a:reflection blurRad="12700" stA="38000" endPos="28000" dist="5000" dir="5400000" sy="-100000" algn="bl" rotWithShape="0"/>
-          </a:effectLst>
-        </p:spPr>
-      </p:pic>
+          <p:cNvSpPr txBox="1"/>
+          <p:nvPr/>
+        </p:nvSpPr>
+        <p:spPr>
+          <a:xfrm>
+            <a:off x="1278255" y="1377315"/>
+            <a:ext cx="1464945" cy="369332"/>
+          </a:xfrm>
+          <a:prstGeom prst="rect">
+            <a:avLst/>
+          </a:prstGeom>
+          <a:noFill/>
+        </p:spPr>
+        <p:txBody>
+          <a:bodyPr wrap="square" rtlCol="0">
+            <a:spAutoFit/>
+          </a:bodyPr>
+          <a:lstStyle/>
+          <a:p>
+            <a:r>
+              <a:rPr lang="en-US" altLang="zh-CN" dirty="0"/>
+              <a:t>《</a:t>
+            </a:r>
+            <a:r>
+              <a:rPr lang="zh-CN" altLang="en-US" dirty="0"/>
+              <a:t>东京声士</a:t>
+            </a:r>
+            <a:r>
+              <a:rPr lang="en-US" altLang="zh-CN" dirty="0"/>
+              <a:t>》</a:t>
+            </a:r>
+          </a:p>
+        </p:txBody>
+      </p:sp>
     </p:spTree>
+    <p:extLst>
+      <p:ext uri="{BB962C8B-B14F-4D97-AF65-F5344CB8AC3E}">
+        <p14:creationId xmlns:p14="http://schemas.microsoft.com/office/powerpoint/2010/main" val="782294970"/>
+      </p:ext>
+    </p:extLst>
   </p:cSld>
   <p:clrMapOvr>
     <a:masterClrMapping/>
@@ -6985,7 +6706,81 @@
       </p:grpSpPr>
       <p:sp>
         <p:nvSpPr>
-          <p:cNvPr id="9" name="立方体 8"/>
+          <p:cNvPr id="11" name="标题 14"/>
+          <p:cNvSpPr>
+            <a:spLocks noGrp="1"/>
+          </p:cNvSpPr>
+          <p:nvPr>
+            <p:ph type="title"/>
+          </p:nvPr>
+        </p:nvSpPr>
+        <p:spPr>
+          <a:xfrm>
+            <a:off x="336600" y="204171"/>
+            <a:ext cx="1223260" cy="618490"/>
+          </a:xfrm>
+        </p:spPr>
+        <p:txBody>
+          <a:bodyPr>
+            <a:normAutofit/>
+          </a:bodyPr>
+          <a:lstStyle/>
+          <a:p>
+            <a:r>
+              <a:rPr lang="zh-CN" altLang="en-US" dirty="0"/>
+              <a:t>小说</a:t>
+            </a:r>
+          </a:p>
+        </p:txBody>
+      </p:sp>
+      <p:pic>
+        <p:nvPicPr>
+          <p:cNvPr id="13" name="图片 12">
+            <a:hlinkClick r:id="rId2"/>
+          </p:cNvPr>
+          <p:cNvPicPr>
+            <a:picLocks noChangeAspect="1"/>
+          </p:cNvPicPr>
+          <p:nvPr/>
+        </p:nvPicPr>
+        <p:blipFill>
+          <a:blip r:embed="rId3">
+            <a:extLst>
+              <a:ext uri="{28A0092B-C50C-407E-A947-70E740481C1C}">
+                <a14:useLocalDpi xmlns:a14="http://schemas.microsoft.com/office/drawing/2010/main" val="0"/>
+              </a:ext>
+            </a:extLst>
+          </a:blip>
+          <a:stretch>
+            <a:fillRect/>
+          </a:stretch>
+        </p:blipFill>
+        <p:spPr>
+          <a:xfrm>
+            <a:off x="2114421" y="1642220"/>
+            <a:ext cx="1229968" cy="1639957"/>
+          </a:xfrm>
+          <a:prstGeom prst="roundRect">
+            <a:avLst>
+              <a:gd name="adj" fmla="val 8594"/>
+            </a:avLst>
+          </a:prstGeom>
+          <a:solidFill>
+            <a:srgbClr val="FFFFFF">
+              <a:shade val="85000"/>
+            </a:srgbClr>
+          </a:solidFill>
+          <a:ln>
+            <a:noFill/>
+          </a:ln>
+          <a:effectLst>
+            <a:reflection blurRad="12700" stA="38000" endPos="28000" dist="5000" dir="5400000" sy="-100000" algn="bl" rotWithShape="0"/>
+          </a:effectLst>
+        </p:spPr>
+      </p:pic>
+      <p:sp>
+        <p:nvSpPr>
+          <p:cNvPr id="14" name="立方体 13"/>
           <p:cNvSpPr/>
           <p:nvPr/>
         </p:nvSpPr>
@@ -7035,8 +6830,8 @@
       </p:sp>
       <p:pic>
         <p:nvPicPr>
-          <p:cNvPr id="10" name="图片 9">
-            <a:hlinkClick r:id="rId2"/>
+          <p:cNvPr id="2" name="图片 1">
+            <a:hlinkClick r:id="rId4"/>
           </p:cNvPr>
           <p:cNvPicPr>
             <a:picLocks noChangeAspect="1"/>
@@ -7044,21 +6839,21 @@
           <p:nvPr/>
         </p:nvPicPr>
         <p:blipFill>
-          <a:blip r:embed="rId3">
+          <a:blip r:embed="rId5" cstate="print">
             <a:extLst>
               <a:ext uri="{28A0092B-C50C-407E-A947-70E740481C1C}">
                 <a14:useLocalDpi xmlns:a14="http://schemas.microsoft.com/office/drawing/2010/main" val="0"/>
               </a:ext>
             </a:extLst>
           </a:blip>
-          <a:srcRect t="2381" b="2381"/>
+          <a:srcRect t="2417" b="2417"/>
           <a:stretch>
             <a:fillRect/>
           </a:stretch>
         </p:blipFill>
         <p:spPr>
           <a:xfrm>
-            <a:off x="2114421" y="1642220"/>
+            <a:off x="5464800" y="1642219"/>
             <a:ext cx="1229968" cy="1639957"/>
           </a:xfrm>
           <a:prstGeom prst="roundRect">
@@ -7079,39 +6874,10 @@
           </a:effectLst>
         </p:spPr>
       </p:pic>
-      <p:sp>
-        <p:nvSpPr>
-          <p:cNvPr id="11" name="标题 14"/>
-          <p:cNvSpPr>
-            <a:spLocks noGrp="1"/>
-          </p:cNvSpPr>
-          <p:nvPr>
-            <p:ph type="title"/>
-          </p:nvPr>
-        </p:nvSpPr>
-        <p:spPr>
-          <a:xfrm>
-            <a:off x="336600" y="204171"/>
-            <a:ext cx="1223260" cy="618490"/>
-          </a:xfrm>
-        </p:spPr>
-        <p:txBody>
-          <a:bodyPr>
-            <a:normAutofit/>
-          </a:bodyPr>
-          <a:lstStyle/>
-          <a:p>
-            <a:r>
-              <a:rPr lang="zh-CN" altLang="en-US" dirty="0"/>
-              <a:t>小说</a:t>
-            </a:r>
-          </a:p>
-        </p:txBody>
-      </p:sp>
       <p:pic>
         <p:nvPicPr>
-          <p:cNvPr id="2" name="图片 1">
-            <a:hlinkClick r:id="rId4"/>
+          <p:cNvPr id="3" name="图片 2">
+            <a:hlinkClick r:id="rId6"/>
           </p:cNvPr>
           <p:cNvPicPr>
             <a:picLocks noChangeAspect="1"/>
@@ -7119,21 +6885,21 @@
           <p:nvPr/>
         </p:nvPicPr>
         <p:blipFill>
-          <a:blip r:embed="rId5">
+          <a:blip r:embed="rId7" cstate="print">
             <a:extLst>
               <a:ext uri="{28A0092B-C50C-407E-A947-70E740481C1C}">
                 <a14:useLocalDpi xmlns:a14="http://schemas.microsoft.com/office/drawing/2010/main" val="0"/>
               </a:ext>
             </a:extLst>
           </a:blip>
-          <a:srcRect/>
+          <a:srcRect t="4422" b="4422"/>
           <a:stretch>
             <a:fillRect/>
           </a:stretch>
         </p:blipFill>
         <p:spPr>
           <a:xfrm>
-            <a:off x="5464800" y="1642219"/>
+            <a:off x="8815179" y="1642218"/>
             <a:ext cx="1229968" cy="1639957"/>
           </a:xfrm>
           <a:prstGeom prst="roundRect">
@@ -7156,52 +6922,6 @@
       </p:pic>
       <p:pic>
         <p:nvPicPr>
-          <p:cNvPr id="3" name="图片 2">
-            <a:hlinkClick r:id="rId6"/>
-          </p:cNvPr>
-          <p:cNvPicPr>
-            <a:picLocks noChangeAspect="1"/>
-          </p:cNvPicPr>
-          <p:nvPr/>
-        </p:nvPicPr>
-        <p:blipFill>
-          <a:blip r:embed="rId7">
-            <a:extLst>
-              <a:ext uri="{28A0092B-C50C-407E-A947-70E740481C1C}">
-                <a14:useLocalDpi xmlns:a14="http://schemas.microsoft.com/office/drawing/2010/main" val="0"/>
-              </a:ext>
-            </a:extLst>
-          </a:blip>
-          <a:srcRect/>
-          <a:stretch>
-            <a:fillRect/>
-          </a:stretch>
-        </p:blipFill>
-        <p:spPr>
-          <a:xfrm>
-            <a:off x="8815179" y="1642219"/>
-            <a:ext cx="1229968" cy="1639957"/>
-          </a:xfrm>
-          <a:prstGeom prst="roundRect">
-            <a:avLst>
-              <a:gd name="adj" fmla="val 8594"/>
-            </a:avLst>
-          </a:prstGeom>
-          <a:solidFill>
-            <a:srgbClr val="FFFFFF">
-              <a:shade val="85000"/>
-            </a:srgbClr>
-          </a:solidFill>
-          <a:ln>
-            <a:noFill/>
-          </a:ln>
-          <a:effectLst>
-            <a:reflection blurRad="12700" stA="38000" endPos="28000" dist="5000" dir="5400000" sy="-100000" algn="bl" rotWithShape="0"/>
-          </a:effectLst>
-        </p:spPr>
-      </p:pic>
-      <p:pic>
-        <p:nvPicPr>
           <p:cNvPr id="4" name="图片 3">
             <a:hlinkClick r:id="rId8"/>
           </p:cNvPr>
@@ -7218,14 +6938,14 @@
               </a:ext>
             </a:extLst>
           </a:blip>
-          <a:srcRect/>
+          <a:srcRect l="6612" r="6612"/>
           <a:stretch>
             <a:fillRect/>
           </a:stretch>
         </p:blipFill>
         <p:spPr>
           <a:xfrm>
-            <a:off x="2114421" y="4201571"/>
+            <a:off x="2114421" y="4395801"/>
             <a:ext cx="1229968" cy="1639957"/>
           </a:xfrm>
           <a:prstGeom prst="roundRect">
@@ -7271,7 +6991,7 @@
         </p:blipFill>
         <p:spPr>
           <a:xfrm>
-            <a:off x="5481016" y="4201570"/>
+            <a:off x="5481016" y="4395801"/>
             <a:ext cx="1229968" cy="1639957"/>
           </a:xfrm>
           <a:prstGeom prst="roundRect">
@@ -7310,14 +7030,14 @@
               </a:ext>
             </a:extLst>
           </a:blip>
-          <a:srcRect t="3704" b="3704"/>
+          <a:srcRect/>
           <a:stretch>
             <a:fillRect/>
           </a:stretch>
         </p:blipFill>
         <p:spPr>
           <a:xfrm>
-            <a:off x="8862851" y="4201570"/>
+            <a:off x="8815179" y="4395801"/>
             <a:ext cx="1229968" cy="1639957"/>
           </a:xfrm>
           <a:prstGeom prst="roundRect">
@@ -7338,44 +7058,6 @@
           </a:effectLst>
         </p:spPr>
       </p:pic>
-      <p:sp>
-        <p:nvSpPr>
-          <p:cNvPr id="7" name="文本框 6">
-            <a:hlinkClick r:id="rId14"/>
-          </p:cNvPr>
-          <p:cNvSpPr txBox="1"/>
-          <p:nvPr/>
-        </p:nvSpPr>
-        <p:spPr>
-          <a:xfrm>
-            <a:off x="1375757" y="1187258"/>
-            <a:ext cx="738664" cy="2241742"/>
-          </a:xfrm>
-          <a:prstGeom prst="rect">
-            <a:avLst/>
-          </a:prstGeom>
-          <a:noFill/>
-        </p:spPr>
-        <p:txBody>
-          <a:bodyPr vert="eaVert" wrap="square" rtlCol="0">
-            <a:spAutoFit/>
-          </a:bodyPr>
-          <a:lstStyle/>
-          <a:p>
-            <a:r>
-              <a:rPr lang="zh-CN" altLang="en-US" sz="1800" kern="1200" dirty="0">
-                <a:solidFill>
-                  <a:schemeClr val="tx1"/>
-                </a:solidFill>
-                <a:latin typeface="+mn-lt"/>
-                <a:ea typeface="+mn-ea"/>
-                <a:cs typeface="+mn-cs"/>
-              </a:rPr>
-              <a:t>我在惊悚游戏里封神（可下载）</a:t>
-            </a:r>
-          </a:p>
-        </p:txBody>
-      </p:sp>
     </p:spTree>
   </p:cSld>
   <p:clrMapOvr>
@@ -7455,6 +7137,425 @@
       <p:pic>
         <p:nvPicPr>
           <p:cNvPr id="10" name="图片 9">
+            <a:hlinkClick r:id="rId2"/>
+          </p:cNvPr>
+          <p:cNvPicPr>
+            <a:picLocks noChangeAspect="1"/>
+          </p:cNvPicPr>
+          <p:nvPr/>
+        </p:nvPicPr>
+        <p:blipFill>
+          <a:blip r:embed="rId3">
+            <a:extLst>
+              <a:ext uri="{28A0092B-C50C-407E-A947-70E740481C1C}">
+                <a14:useLocalDpi xmlns:a14="http://schemas.microsoft.com/office/drawing/2010/main" val="0"/>
+              </a:ext>
+            </a:extLst>
+          </a:blip>
+          <a:srcRect t="2381" b="2381"/>
+          <a:stretch>
+            <a:fillRect/>
+          </a:stretch>
+        </p:blipFill>
+        <p:spPr>
+          <a:xfrm>
+            <a:off x="2114421" y="1642220"/>
+            <a:ext cx="1229968" cy="1639957"/>
+          </a:xfrm>
+          <a:prstGeom prst="roundRect">
+            <a:avLst>
+              <a:gd name="adj" fmla="val 8594"/>
+            </a:avLst>
+          </a:prstGeom>
+          <a:solidFill>
+            <a:srgbClr val="FFFFFF">
+              <a:shade val="85000"/>
+            </a:srgbClr>
+          </a:solidFill>
+          <a:ln>
+            <a:noFill/>
+          </a:ln>
+          <a:effectLst>
+            <a:reflection blurRad="12700" stA="38000" endPos="28000" dist="5000" dir="5400000" sy="-100000" algn="bl" rotWithShape="0"/>
+          </a:effectLst>
+        </p:spPr>
+      </p:pic>
+      <p:sp>
+        <p:nvSpPr>
+          <p:cNvPr id="11" name="标题 14"/>
+          <p:cNvSpPr>
+            <a:spLocks noGrp="1"/>
+          </p:cNvSpPr>
+          <p:nvPr>
+            <p:ph type="title"/>
+          </p:nvPr>
+        </p:nvSpPr>
+        <p:spPr>
+          <a:xfrm>
+            <a:off x="336600" y="204171"/>
+            <a:ext cx="1223260" cy="618490"/>
+          </a:xfrm>
+        </p:spPr>
+        <p:txBody>
+          <a:bodyPr>
+            <a:normAutofit/>
+          </a:bodyPr>
+          <a:lstStyle/>
+          <a:p>
+            <a:r>
+              <a:rPr lang="zh-CN" altLang="en-US" dirty="0"/>
+              <a:t>小说</a:t>
+            </a:r>
+          </a:p>
+        </p:txBody>
+      </p:sp>
+      <p:pic>
+        <p:nvPicPr>
+          <p:cNvPr id="2" name="图片 1">
+            <a:hlinkClick r:id="rId4"/>
+          </p:cNvPr>
+          <p:cNvPicPr>
+            <a:picLocks noChangeAspect="1"/>
+          </p:cNvPicPr>
+          <p:nvPr/>
+        </p:nvPicPr>
+        <p:blipFill>
+          <a:blip r:embed="rId5">
+            <a:extLst>
+              <a:ext uri="{28A0092B-C50C-407E-A947-70E740481C1C}">
+                <a14:useLocalDpi xmlns:a14="http://schemas.microsoft.com/office/drawing/2010/main" val="0"/>
+              </a:ext>
+            </a:extLst>
+          </a:blip>
+          <a:srcRect/>
+          <a:stretch>
+            <a:fillRect/>
+          </a:stretch>
+        </p:blipFill>
+        <p:spPr>
+          <a:xfrm>
+            <a:off x="5464800" y="1642219"/>
+            <a:ext cx="1229968" cy="1639957"/>
+          </a:xfrm>
+          <a:prstGeom prst="roundRect">
+            <a:avLst>
+              <a:gd name="adj" fmla="val 8594"/>
+            </a:avLst>
+          </a:prstGeom>
+          <a:solidFill>
+            <a:srgbClr val="FFFFFF">
+              <a:shade val="85000"/>
+            </a:srgbClr>
+          </a:solidFill>
+          <a:ln>
+            <a:noFill/>
+          </a:ln>
+          <a:effectLst>
+            <a:reflection blurRad="12700" stA="38000" endPos="28000" dist="5000" dir="5400000" sy="-100000" algn="bl" rotWithShape="0"/>
+          </a:effectLst>
+        </p:spPr>
+      </p:pic>
+      <p:pic>
+        <p:nvPicPr>
+          <p:cNvPr id="3" name="图片 2">
+            <a:hlinkClick r:id="rId6"/>
+          </p:cNvPr>
+          <p:cNvPicPr>
+            <a:picLocks noChangeAspect="1"/>
+          </p:cNvPicPr>
+          <p:nvPr/>
+        </p:nvPicPr>
+        <p:blipFill>
+          <a:blip r:embed="rId7">
+            <a:extLst>
+              <a:ext uri="{28A0092B-C50C-407E-A947-70E740481C1C}">
+                <a14:useLocalDpi xmlns:a14="http://schemas.microsoft.com/office/drawing/2010/main" val="0"/>
+              </a:ext>
+            </a:extLst>
+          </a:blip>
+          <a:srcRect/>
+          <a:stretch>
+            <a:fillRect/>
+          </a:stretch>
+        </p:blipFill>
+        <p:spPr>
+          <a:xfrm>
+            <a:off x="8815179" y="1642219"/>
+            <a:ext cx="1229968" cy="1639957"/>
+          </a:xfrm>
+          <a:prstGeom prst="roundRect">
+            <a:avLst>
+              <a:gd name="adj" fmla="val 8594"/>
+            </a:avLst>
+          </a:prstGeom>
+          <a:solidFill>
+            <a:srgbClr val="FFFFFF">
+              <a:shade val="85000"/>
+            </a:srgbClr>
+          </a:solidFill>
+          <a:ln>
+            <a:noFill/>
+          </a:ln>
+          <a:effectLst>
+            <a:reflection blurRad="12700" stA="38000" endPos="28000" dist="5000" dir="5400000" sy="-100000" algn="bl" rotWithShape="0"/>
+          </a:effectLst>
+        </p:spPr>
+      </p:pic>
+      <p:pic>
+        <p:nvPicPr>
+          <p:cNvPr id="4" name="图片 3">
+            <a:hlinkClick r:id="rId8"/>
+          </p:cNvPr>
+          <p:cNvPicPr>
+            <a:picLocks noChangeAspect="1"/>
+          </p:cNvPicPr>
+          <p:nvPr/>
+        </p:nvPicPr>
+        <p:blipFill>
+          <a:blip r:embed="rId9">
+            <a:extLst>
+              <a:ext uri="{28A0092B-C50C-407E-A947-70E740481C1C}">
+                <a14:useLocalDpi xmlns:a14="http://schemas.microsoft.com/office/drawing/2010/main" val="0"/>
+              </a:ext>
+            </a:extLst>
+          </a:blip>
+          <a:srcRect/>
+          <a:stretch>
+            <a:fillRect/>
+          </a:stretch>
+        </p:blipFill>
+        <p:spPr>
+          <a:xfrm>
+            <a:off x="2114421" y="4201571"/>
+            <a:ext cx="1229968" cy="1639957"/>
+          </a:xfrm>
+          <a:prstGeom prst="roundRect">
+            <a:avLst>
+              <a:gd name="adj" fmla="val 8594"/>
+            </a:avLst>
+          </a:prstGeom>
+          <a:solidFill>
+            <a:srgbClr val="FFFFFF">
+              <a:shade val="85000"/>
+            </a:srgbClr>
+          </a:solidFill>
+          <a:ln>
+            <a:noFill/>
+          </a:ln>
+          <a:effectLst>
+            <a:reflection blurRad="12700" stA="38000" endPos="28000" dist="5000" dir="5400000" sy="-100000" algn="bl" rotWithShape="0"/>
+          </a:effectLst>
+        </p:spPr>
+      </p:pic>
+      <p:pic>
+        <p:nvPicPr>
+          <p:cNvPr id="5" name="图片 4">
+            <a:hlinkClick r:id="rId10"/>
+          </p:cNvPr>
+          <p:cNvPicPr>
+            <a:picLocks noChangeAspect="1"/>
+          </p:cNvPicPr>
+          <p:nvPr/>
+        </p:nvPicPr>
+        <p:blipFill>
+          <a:blip r:embed="rId11">
+            <a:extLst>
+              <a:ext uri="{28A0092B-C50C-407E-A947-70E740481C1C}">
+                <a14:useLocalDpi xmlns:a14="http://schemas.microsoft.com/office/drawing/2010/main" val="0"/>
+              </a:ext>
+            </a:extLst>
+          </a:blip>
+          <a:srcRect/>
+          <a:stretch>
+            <a:fillRect/>
+          </a:stretch>
+        </p:blipFill>
+        <p:spPr>
+          <a:xfrm>
+            <a:off x="5481016" y="4201570"/>
+            <a:ext cx="1229968" cy="1639957"/>
+          </a:xfrm>
+          <a:prstGeom prst="roundRect">
+            <a:avLst>
+              <a:gd name="adj" fmla="val 8594"/>
+            </a:avLst>
+          </a:prstGeom>
+          <a:solidFill>
+            <a:srgbClr val="FFFFFF">
+              <a:shade val="85000"/>
+            </a:srgbClr>
+          </a:solidFill>
+          <a:ln>
+            <a:noFill/>
+          </a:ln>
+          <a:effectLst>
+            <a:reflection blurRad="12700" stA="38000" endPos="28000" dist="5000" dir="5400000" sy="-100000" algn="bl" rotWithShape="0"/>
+          </a:effectLst>
+        </p:spPr>
+      </p:pic>
+      <p:pic>
+        <p:nvPicPr>
+          <p:cNvPr id="6" name="图片 5">
+            <a:hlinkClick r:id="rId12"/>
+          </p:cNvPr>
+          <p:cNvPicPr>
+            <a:picLocks noChangeAspect="1"/>
+          </p:cNvPicPr>
+          <p:nvPr/>
+        </p:nvPicPr>
+        <p:blipFill>
+          <a:blip r:embed="rId13">
+            <a:extLst>
+              <a:ext uri="{28A0092B-C50C-407E-A947-70E740481C1C}">
+                <a14:useLocalDpi xmlns:a14="http://schemas.microsoft.com/office/drawing/2010/main" val="0"/>
+              </a:ext>
+            </a:extLst>
+          </a:blip>
+          <a:srcRect t="3704" b="3704"/>
+          <a:stretch>
+            <a:fillRect/>
+          </a:stretch>
+        </p:blipFill>
+        <p:spPr>
+          <a:xfrm>
+            <a:off x="8862851" y="4201570"/>
+            <a:ext cx="1229968" cy="1639957"/>
+          </a:xfrm>
+          <a:prstGeom prst="roundRect">
+            <a:avLst>
+              <a:gd name="adj" fmla="val 8594"/>
+            </a:avLst>
+          </a:prstGeom>
+          <a:solidFill>
+            <a:srgbClr val="FFFFFF">
+              <a:shade val="85000"/>
+            </a:srgbClr>
+          </a:solidFill>
+          <a:ln>
+            <a:noFill/>
+          </a:ln>
+          <a:effectLst>
+            <a:reflection blurRad="12700" stA="38000" endPos="28000" dist="5000" dir="5400000" sy="-100000" algn="bl" rotWithShape="0"/>
+          </a:effectLst>
+        </p:spPr>
+      </p:pic>
+      <p:sp>
+        <p:nvSpPr>
+          <p:cNvPr id="7" name="文本框 6">
+            <a:hlinkClick r:id="rId14"/>
+          </p:cNvPr>
+          <p:cNvSpPr txBox="1"/>
+          <p:nvPr/>
+        </p:nvSpPr>
+        <p:spPr>
+          <a:xfrm>
+            <a:off x="1375757" y="1187258"/>
+            <a:ext cx="738664" cy="2241742"/>
+          </a:xfrm>
+          <a:prstGeom prst="rect">
+            <a:avLst/>
+          </a:prstGeom>
+          <a:noFill/>
+        </p:spPr>
+        <p:txBody>
+          <a:bodyPr vert="eaVert" wrap="square" rtlCol="0">
+            <a:spAutoFit/>
+          </a:bodyPr>
+          <a:lstStyle/>
+          <a:p>
+            <a:r>
+              <a:rPr lang="zh-CN" altLang="en-US" sz="1800" kern="1200" dirty="0">
+                <a:solidFill>
+                  <a:schemeClr val="tx1"/>
+                </a:solidFill>
+                <a:latin typeface="+mn-lt"/>
+                <a:ea typeface="+mn-ea"/>
+                <a:cs typeface="+mn-cs"/>
+              </a:rPr>
+              <a:t>我在惊悚游戏里封神（可下载）</a:t>
+            </a:r>
+          </a:p>
+        </p:txBody>
+      </p:sp>
+    </p:spTree>
+  </p:cSld>
+  <p:clrMapOvr>
+    <a:masterClrMapping/>
+  </p:clrMapOvr>
+  <p:transition/>
+</p:sld>
+</file>
+
+<file path=ppt/slides/slide13.xml><?xml version="1.0" encoding="utf-8"?>
+<p:sld xmlns:a="http://schemas.openxmlformats.org/drawingml/2006/main" xmlns:r="http://schemas.openxmlformats.org/officeDocument/2006/relationships" xmlns:p="http://schemas.openxmlformats.org/presentationml/2006/main">
+  <p:cSld>
+    <p:spTree>
+      <p:nvGrpSpPr>
+        <p:cNvPr id="1" name=""/>
+        <p:cNvGrpSpPr/>
+        <p:nvPr/>
+      </p:nvGrpSpPr>
+      <p:grpSpPr>
+        <a:xfrm>
+          <a:off x="0" y="0"/>
+          <a:ext cx="0" cy="0"/>
+          <a:chOff x="0" y="0"/>
+          <a:chExt cx="0" cy="0"/>
+        </a:xfrm>
+      </p:grpSpPr>
+      <p:sp>
+        <p:nvSpPr>
+          <p:cNvPr id="9" name="立方体 8"/>
+          <p:cNvSpPr/>
+          <p:nvPr/>
+        </p:nvSpPr>
+        <p:spPr>
+          <a:xfrm>
+            <a:off x="948230" y="3536068"/>
+            <a:ext cx="10263109" cy="280559"/>
+          </a:xfrm>
+          <a:prstGeom prst="cube">
+            <a:avLst/>
+          </a:prstGeom>
+          <a:solidFill>
+            <a:srgbClr val="894E29"/>
+          </a:solidFill>
+          <a:effectLst>
+            <a:outerShdw blurRad="50800" dist="38100" dir="2700000" algn="tl" rotWithShape="0">
+              <a:prstClr val="black">
+                <a:alpha val="40000"/>
+              </a:prstClr>
+            </a:outerShdw>
+          </a:effectLst>
+        </p:spPr>
+        <p:style>
+          <a:lnRef idx="2">
+            <a:schemeClr val="accent1">
+              <a:shade val="15000"/>
+            </a:schemeClr>
+          </a:lnRef>
+          <a:fillRef idx="1">
+            <a:schemeClr val="accent1"/>
+          </a:fillRef>
+          <a:effectRef idx="0">
+            <a:schemeClr val="accent1"/>
+          </a:effectRef>
+          <a:fontRef idx="minor">
+            <a:schemeClr val="lt1"/>
+          </a:fontRef>
+        </p:style>
+        <p:txBody>
+          <a:bodyPr rtlCol="0" anchor="ctr"/>
+          <a:lstStyle/>
+          <a:p>
+            <a:pPr algn="ctr"/>
+            <a:endParaRPr lang="zh-CN" altLang="en-US"/>
+          </a:p>
+        </p:txBody>
+      </p:sp>
+      <p:pic>
+        <p:nvPicPr>
+          <p:cNvPr id="10" name="图片 9">
             <a:hlinkClick r:id="rId2" action="ppaction://hlinkfile"/>
           </p:cNvPr>
           <p:cNvPicPr>
@@ -7627,7 +7728,7 @@
 </p:sld>
 </file>
 
-<file path=ppt/slides/slide13.xml><?xml version="1.0" encoding="utf-8"?>
+<file path=ppt/slides/slide14.xml><?xml version="1.0" encoding="utf-8"?>
 <p:sld xmlns:a="http://schemas.openxmlformats.org/drawingml/2006/main" xmlns:r="http://schemas.openxmlformats.org/officeDocument/2006/relationships" xmlns:p="http://schemas.openxmlformats.org/presentationml/2006/main">
   <p:cSld>
     <p:spTree>
@@ -9079,7 +9180,7 @@
 </p:sld>
 </file>
 
-<file path=ppt/slides/slide14.xml><?xml version="1.0" encoding="utf-8"?>
+<file path=ppt/slides/slide15.xml><?xml version="1.0" encoding="utf-8"?>
 <p:sld xmlns:a="http://schemas.openxmlformats.org/drawingml/2006/main" xmlns:r="http://schemas.openxmlformats.org/officeDocument/2006/relationships" xmlns:p="http://schemas.openxmlformats.org/presentationml/2006/main">
   <p:cSld>
     <p:spTree>
@@ -10445,7 +10546,7 @@
 </p:sld>
 </file>
 
-<file path=ppt/slides/slide15.xml><?xml version="1.0" encoding="utf-8"?>
+<file path=ppt/slides/slide16.xml><?xml version="1.0" encoding="utf-8"?>
 <p:sld xmlns:a="http://schemas.openxmlformats.org/drawingml/2006/main" xmlns:r="http://schemas.openxmlformats.org/officeDocument/2006/relationships" xmlns:p="http://schemas.openxmlformats.org/presentationml/2006/main">
   <p:cSld>
     <p:spTree>
@@ -11650,715 +11751,6 @@
 </p:sld>
 </file>
 
-<file path=ppt/slides/slide16.xml><?xml version="1.0" encoding="utf-8"?>
-<p:sld xmlns:a="http://schemas.openxmlformats.org/drawingml/2006/main" xmlns:r="http://schemas.openxmlformats.org/officeDocument/2006/relationships" xmlns:p="http://schemas.openxmlformats.org/presentationml/2006/main">
-  <p:cSld>
-    <p:spTree>
-      <p:nvGrpSpPr>
-        <p:cNvPr id="1" name=""/>
-        <p:cNvGrpSpPr/>
-        <p:nvPr/>
-      </p:nvGrpSpPr>
-      <p:grpSpPr>
-        <a:xfrm>
-          <a:off x="0" y="0"/>
-          <a:ext cx="0" cy="0"/>
-          <a:chOff x="0" y="0"/>
-          <a:chExt cx="0" cy="0"/>
-        </a:xfrm>
-      </p:grpSpPr>
-      <p:sp>
-        <p:nvSpPr>
-          <p:cNvPr id="4" name="标题 3"/>
-          <p:cNvSpPr>
-            <a:spLocks noGrp="1"/>
-          </p:cNvSpPr>
-          <p:nvPr>
-            <p:ph type="title"/>
-          </p:nvPr>
-        </p:nvSpPr>
-        <p:spPr>
-          <a:xfrm>
-            <a:off x="458882" y="315715"/>
-            <a:ext cx="2259119" cy="368301"/>
-          </a:xfrm>
-        </p:spPr>
-        <p:txBody>
-          <a:bodyPr>
-            <a:normAutofit fontScale="90000"/>
-          </a:bodyPr>
-          <a:lstStyle/>
-          <a:p>
-            <a:r>
-              <a:rPr lang="zh-CN" altLang="en-US" dirty="0"/>
-              <a:t>音乐</a:t>
-            </a:r>
-            <a:r>
-              <a:rPr lang="en-US" altLang="zh-CN" dirty="0"/>
-              <a:t>&amp;</a:t>
-            </a:r>
-            <a:r>
-              <a:rPr lang="zh-CN" altLang="en-US" dirty="0"/>
-              <a:t>视频</a:t>
-            </a:r>
-          </a:p>
-        </p:txBody>
-      </p:sp>
-      <p:sp>
-        <p:nvSpPr>
-          <p:cNvPr id="6" name="文本框 5">
-            <a:hlinkClick r:id="rId3"/>
-          </p:cNvPr>
-          <p:cNvSpPr txBox="1"/>
-          <p:nvPr/>
-        </p:nvSpPr>
-        <p:spPr>
-          <a:xfrm>
-            <a:off x="1312564" y="1417123"/>
-            <a:ext cx="415498" cy="369332"/>
-          </a:xfrm>
-          <a:prstGeom prst="rect">
-            <a:avLst/>
-          </a:prstGeom>
-          <a:noFill/>
-        </p:spPr>
-        <p:txBody>
-          <a:bodyPr wrap="none" rtlCol="0">
-            <a:spAutoFit/>
-          </a:bodyPr>
-          <a:lstStyle/>
-          <a:p>
-            <a:r>
-              <a:rPr lang="zh-CN" altLang="en-US" dirty="0"/>
-              <a:t>雷</a:t>
-            </a:r>
-          </a:p>
-        </p:txBody>
-      </p:sp>
-      <p:sp>
-        <p:nvSpPr>
-          <p:cNvPr id="7" name="文本框 6">
-            <a:hlinkClick r:id="rId4"/>
-          </p:cNvPr>
-          <p:cNvSpPr txBox="1"/>
-          <p:nvPr/>
-        </p:nvSpPr>
-        <p:spPr>
-          <a:xfrm>
-            <a:off x="1312564" y="1900009"/>
-            <a:ext cx="633507" cy="369332"/>
-          </a:xfrm>
-          <a:prstGeom prst="rect">
-            <a:avLst/>
-          </a:prstGeom>
-          <a:noFill/>
-        </p:spPr>
-        <p:txBody>
-          <a:bodyPr wrap="square" rtlCol="0">
-            <a:spAutoFit/>
-          </a:bodyPr>
-          <a:lstStyle/>
-          <a:p>
-            <a:r>
-              <a:rPr lang="zh-CN" altLang="en-US" dirty="0"/>
-              <a:t>雷</a:t>
-            </a:r>
-            <a:r>
-              <a:rPr lang="en-US" altLang="zh-CN" dirty="0"/>
-              <a:t>1</a:t>
-            </a:r>
-            <a:endParaRPr lang="zh-CN" altLang="en-US" dirty="0"/>
-          </a:p>
-        </p:txBody>
-      </p:sp>
-      <p:sp>
-        <p:nvSpPr>
-          <p:cNvPr id="2" name="文本框 1">
-            <a:hlinkClick r:id="rId5"/>
-          </p:cNvPr>
-          <p:cNvSpPr txBox="1"/>
-          <p:nvPr/>
-        </p:nvSpPr>
-        <p:spPr>
-          <a:xfrm>
-            <a:off x="1312564" y="2382895"/>
-            <a:ext cx="633507" cy="369332"/>
-          </a:xfrm>
-          <a:prstGeom prst="rect">
-            <a:avLst/>
-          </a:prstGeom>
-          <a:noFill/>
-        </p:spPr>
-        <p:txBody>
-          <a:bodyPr wrap="square" rtlCol="0">
-            <a:spAutoFit/>
-          </a:bodyPr>
-          <a:lstStyle/>
-          <a:p>
-            <a:r>
-              <a:rPr lang="en-US" altLang="zh-CN" dirty="0"/>
-              <a:t>Bs5</a:t>
-            </a:r>
-          </a:p>
-        </p:txBody>
-      </p:sp>
-      <p:sp>
-        <p:nvSpPr>
-          <p:cNvPr id="3" name="文本框 2">
-            <a:hlinkClick r:id="rId6"/>
-          </p:cNvPr>
-          <p:cNvSpPr txBox="1"/>
-          <p:nvPr/>
-        </p:nvSpPr>
-        <p:spPr>
-          <a:xfrm>
-            <a:off x="1312564" y="2874018"/>
-            <a:ext cx="633507" cy="369332"/>
-          </a:xfrm>
-          <a:prstGeom prst="rect">
-            <a:avLst/>
-          </a:prstGeom>
-          <a:noFill/>
-        </p:spPr>
-        <p:txBody>
-          <a:bodyPr wrap="square" rtlCol="0">
-            <a:spAutoFit/>
-          </a:bodyPr>
-          <a:lstStyle/>
-          <a:p>
-            <a:r>
-              <a:rPr lang="en-US" altLang="zh-CN" dirty="0"/>
-              <a:t>bs6</a:t>
-            </a:r>
-          </a:p>
-        </p:txBody>
-      </p:sp>
-      <p:sp>
-        <p:nvSpPr>
-          <p:cNvPr id="5" name="文本框 4">
-            <a:hlinkClick r:id="rId7"/>
-          </p:cNvPr>
-          <p:cNvSpPr txBox="1"/>
-          <p:nvPr/>
-        </p:nvSpPr>
-        <p:spPr>
-          <a:xfrm>
-            <a:off x="1312564" y="3386603"/>
-            <a:ext cx="1182158" cy="369332"/>
-          </a:xfrm>
-          <a:prstGeom prst="rect">
-            <a:avLst/>
-          </a:prstGeom>
-          <a:noFill/>
-        </p:spPr>
-        <p:txBody>
-          <a:bodyPr wrap="square" rtlCol="0">
-            <a:spAutoFit/>
-          </a:bodyPr>
-          <a:lstStyle/>
-          <a:p>
-            <a:r>
-              <a:rPr lang="zh-CN" altLang="en-US" dirty="0"/>
-              <a:t>伊雪亦梦</a:t>
-            </a:r>
-            <a:endParaRPr lang="en-US" altLang="zh-CN" dirty="0"/>
-          </a:p>
-        </p:txBody>
-      </p:sp>
-      <p:sp>
-        <p:nvSpPr>
-          <p:cNvPr id="8" name="文本框 7">
-            <a:hlinkClick r:id="rId8"/>
-          </p:cNvPr>
-          <p:cNvSpPr txBox="1"/>
-          <p:nvPr/>
-        </p:nvSpPr>
-        <p:spPr>
-          <a:xfrm>
-            <a:off x="1312564" y="3899188"/>
-            <a:ext cx="1321994" cy="369332"/>
-          </a:xfrm>
-          <a:prstGeom prst="rect">
-            <a:avLst/>
-          </a:prstGeom>
-          <a:noFill/>
-        </p:spPr>
-        <p:txBody>
-          <a:bodyPr wrap="square" rtlCol="0">
-            <a:spAutoFit/>
-          </a:bodyPr>
-          <a:lstStyle/>
-          <a:p>
-            <a:r>
-              <a:rPr lang="zh-CN" altLang="en-US" dirty="0"/>
-              <a:t>伊雪亦梦</a:t>
-            </a:r>
-            <a:r>
-              <a:rPr lang="en-US" altLang="zh-CN" dirty="0"/>
-              <a:t>1</a:t>
-            </a:r>
-          </a:p>
-        </p:txBody>
-      </p:sp>
-      <p:sp>
-        <p:nvSpPr>
-          <p:cNvPr id="9" name="文本框 8">
-            <a:hlinkClick r:id="rId9"/>
-          </p:cNvPr>
-          <p:cNvSpPr txBox="1"/>
-          <p:nvPr/>
-        </p:nvSpPr>
-        <p:spPr>
-          <a:xfrm>
-            <a:off x="1312564" y="4451483"/>
-            <a:ext cx="1321994" cy="369332"/>
-          </a:xfrm>
-          <a:prstGeom prst="rect">
-            <a:avLst/>
-          </a:prstGeom>
-          <a:noFill/>
-        </p:spPr>
-        <p:txBody>
-          <a:bodyPr wrap="square" rtlCol="0">
-            <a:spAutoFit/>
-          </a:bodyPr>
-          <a:lstStyle/>
-          <a:p>
-            <a:r>
-              <a:rPr lang="en-US" altLang="zh-CN" dirty="0"/>
-              <a:t>og</a:t>
-            </a:r>
-          </a:p>
-        </p:txBody>
-      </p:sp>
-      <p:sp>
-        <p:nvSpPr>
-          <p:cNvPr id="10" name="文本框 9">
-            <a:hlinkClick r:id="rId10"/>
-          </p:cNvPr>
-          <p:cNvSpPr txBox="1"/>
-          <p:nvPr/>
-        </p:nvSpPr>
-        <p:spPr>
-          <a:xfrm>
-            <a:off x="1312564" y="5001627"/>
-            <a:ext cx="1321994" cy="369332"/>
-          </a:xfrm>
-          <a:prstGeom prst="rect">
-            <a:avLst/>
-          </a:prstGeom>
-          <a:noFill/>
-        </p:spPr>
-        <p:txBody>
-          <a:bodyPr wrap="square" rtlCol="0">
-            <a:spAutoFit/>
-          </a:bodyPr>
-          <a:lstStyle/>
-          <a:p>
-            <a:r>
-              <a:rPr lang="zh-CN" altLang="en-US" dirty="0"/>
-              <a:t>皮皮</a:t>
-            </a:r>
-            <a:r>
-              <a:rPr lang="en-US" altLang="zh-CN" dirty="0"/>
-              <a:t>7</a:t>
-            </a:r>
-          </a:p>
-        </p:txBody>
-      </p:sp>
-      <p:sp>
-        <p:nvSpPr>
-          <p:cNvPr id="11" name="文本框 10">
-            <a:hlinkClick r:id="rId11" action="ppaction://hlinkfile"/>
-          </p:cNvPr>
-          <p:cNvSpPr txBox="1"/>
-          <p:nvPr/>
-        </p:nvSpPr>
-        <p:spPr>
-          <a:xfrm>
-            <a:off x="3430399" y="1433525"/>
-            <a:ext cx="633507" cy="368300"/>
-          </a:xfrm>
-          <a:prstGeom prst="rect">
-            <a:avLst/>
-          </a:prstGeom>
-          <a:noFill/>
-        </p:spPr>
-        <p:txBody>
-          <a:bodyPr wrap="square" rtlCol="0">
-            <a:spAutoFit/>
-          </a:bodyPr>
-          <a:lstStyle/>
-          <a:p>
-            <a:r>
-              <a:rPr lang="en-US" altLang="zh-CN" dirty="0"/>
-              <a:t>ll1</a:t>
-            </a:r>
-          </a:p>
-        </p:txBody>
-      </p:sp>
-      <p:sp>
-        <p:nvSpPr>
-          <p:cNvPr id="12" name="文本框 11">
-            <a:hlinkClick r:id="rId12" action="ppaction://hlinkfile"/>
-          </p:cNvPr>
-          <p:cNvSpPr txBox="1"/>
-          <p:nvPr/>
-        </p:nvSpPr>
-        <p:spPr>
-          <a:xfrm>
-            <a:off x="3430399" y="1917028"/>
-            <a:ext cx="633507" cy="368300"/>
-          </a:xfrm>
-          <a:prstGeom prst="rect">
-            <a:avLst/>
-          </a:prstGeom>
-          <a:noFill/>
-        </p:spPr>
-        <p:txBody>
-          <a:bodyPr wrap="square" rtlCol="0">
-            <a:spAutoFit/>
-          </a:bodyPr>
-          <a:lstStyle/>
-          <a:p>
-            <a:r>
-              <a:rPr lang="en-US" altLang="zh-CN" dirty="0"/>
-              <a:t>ll2</a:t>
-            </a:r>
-          </a:p>
-        </p:txBody>
-      </p:sp>
-      <p:sp>
-        <p:nvSpPr>
-          <p:cNvPr id="13" name="文本框 12">
-            <a:hlinkClick r:id="rId13"/>
-          </p:cNvPr>
-          <p:cNvSpPr txBox="1"/>
-          <p:nvPr/>
-        </p:nvSpPr>
-        <p:spPr>
-          <a:xfrm>
-            <a:off x="3430399" y="2466140"/>
-            <a:ext cx="633507" cy="368300"/>
-          </a:xfrm>
-          <a:prstGeom prst="rect">
-            <a:avLst/>
-          </a:prstGeom>
-          <a:noFill/>
-        </p:spPr>
-        <p:txBody>
-          <a:bodyPr wrap="square" rtlCol="0">
-            <a:spAutoFit/>
-          </a:bodyPr>
-          <a:lstStyle/>
-          <a:p>
-            <a:r>
-              <a:rPr lang="en-US" altLang="zh-CN" dirty="0"/>
-              <a:t>xt1</a:t>
-            </a:r>
-          </a:p>
-        </p:txBody>
-      </p:sp>
-      <p:sp>
-        <p:nvSpPr>
-          <p:cNvPr id="14" name="文本框 13">
-            <a:hlinkClick r:id="rId14"/>
-          </p:cNvPr>
-          <p:cNvSpPr txBox="1"/>
-          <p:nvPr/>
-        </p:nvSpPr>
-        <p:spPr>
-          <a:xfrm>
-            <a:off x="3430399" y="2892150"/>
-            <a:ext cx="633507" cy="368300"/>
-          </a:xfrm>
-          <a:prstGeom prst="rect">
-            <a:avLst/>
-          </a:prstGeom>
-          <a:noFill/>
-        </p:spPr>
-        <p:txBody>
-          <a:bodyPr wrap="square" rtlCol="0">
-            <a:spAutoFit/>
-          </a:bodyPr>
-          <a:lstStyle/>
-          <a:p>
-            <a:r>
-              <a:rPr lang="en-US" altLang="zh-CN" dirty="0"/>
-              <a:t>yf1</a:t>
-            </a:r>
-          </a:p>
-        </p:txBody>
-      </p:sp>
-      <p:sp>
-        <p:nvSpPr>
-          <p:cNvPr id="15" name="文本框 14">
-            <a:hlinkClick r:id="rId15"/>
-          </p:cNvPr>
-          <p:cNvSpPr txBox="1"/>
-          <p:nvPr/>
-        </p:nvSpPr>
-        <p:spPr>
-          <a:xfrm>
-            <a:off x="3429688" y="3429000"/>
-            <a:ext cx="633507" cy="368300"/>
-          </a:xfrm>
-          <a:prstGeom prst="rect">
-            <a:avLst/>
-          </a:prstGeom>
-          <a:noFill/>
-        </p:spPr>
-        <p:txBody>
-          <a:bodyPr wrap="square" rtlCol="0">
-            <a:spAutoFit/>
-          </a:bodyPr>
-          <a:lstStyle/>
-          <a:p>
-            <a:r>
-              <a:rPr lang="en-US" altLang="zh-CN" dirty="0"/>
-              <a:t>yf2</a:t>
-            </a:r>
-          </a:p>
-        </p:txBody>
-      </p:sp>
-      <p:sp>
-        <p:nvSpPr>
-          <p:cNvPr id="16" name="文本框 15">
-            <a:hlinkClick r:id="rId16"/>
-          </p:cNvPr>
-          <p:cNvSpPr txBox="1"/>
-          <p:nvPr/>
-        </p:nvSpPr>
-        <p:spPr>
-          <a:xfrm>
-            <a:off x="3429688" y="3912503"/>
-            <a:ext cx="633507" cy="368300"/>
-          </a:xfrm>
-          <a:prstGeom prst="rect">
-            <a:avLst/>
-          </a:prstGeom>
-          <a:noFill/>
-        </p:spPr>
-        <p:txBody>
-          <a:bodyPr wrap="square" rtlCol="0">
-            <a:spAutoFit/>
-          </a:bodyPr>
-          <a:lstStyle/>
-          <a:p>
-            <a:r>
-              <a:rPr lang="en-US" altLang="zh-CN" dirty="0"/>
-              <a:t>wj1</a:t>
-            </a:r>
-          </a:p>
-        </p:txBody>
-      </p:sp>
-      <p:sp>
-        <p:nvSpPr>
-          <p:cNvPr id="18" name="文本框 17">
-            <a:hlinkClick r:id="rId17"/>
-          </p:cNvPr>
-          <p:cNvSpPr txBox="1"/>
-          <p:nvPr/>
-        </p:nvSpPr>
-        <p:spPr>
-          <a:xfrm>
-            <a:off x="3429688" y="4391860"/>
-            <a:ext cx="633507" cy="368300"/>
-          </a:xfrm>
-          <a:prstGeom prst="rect">
-            <a:avLst/>
-          </a:prstGeom>
-          <a:noFill/>
-        </p:spPr>
-        <p:txBody>
-          <a:bodyPr wrap="square" rtlCol="0">
-            <a:spAutoFit/>
-          </a:bodyPr>
-          <a:lstStyle/>
-          <a:p>
-            <a:r>
-              <a:rPr lang="en-US" altLang="zh-CN" dirty="0"/>
-              <a:t>wj2</a:t>
-            </a:r>
-          </a:p>
-        </p:txBody>
-      </p:sp>
-      <p:sp>
-        <p:nvSpPr>
-          <p:cNvPr id="17" name="文本框 16">
-            <a:hlinkClick r:id="rId18"/>
-          </p:cNvPr>
-          <p:cNvSpPr txBox="1"/>
-          <p:nvPr/>
-        </p:nvSpPr>
-        <p:spPr>
-          <a:xfrm>
-            <a:off x="3429688" y="4950966"/>
-            <a:ext cx="885458" cy="369332"/>
-          </a:xfrm>
-          <a:prstGeom prst="rect">
-            <a:avLst/>
-          </a:prstGeom>
-          <a:noFill/>
-        </p:spPr>
-        <p:txBody>
-          <a:bodyPr wrap="square" rtlCol="0">
-            <a:spAutoFit/>
-          </a:bodyPr>
-          <a:lstStyle/>
-          <a:p>
-            <a:r>
-              <a:rPr lang="zh-CN" altLang="en-US" dirty="0"/>
-              <a:t>皮皮</a:t>
-            </a:r>
-            <a:r>
-              <a:rPr lang="en-US" altLang="zh-CN" dirty="0"/>
-              <a:t>8</a:t>
-            </a:r>
-          </a:p>
-        </p:txBody>
-      </p:sp>
-      <p:sp>
-        <p:nvSpPr>
-          <p:cNvPr id="19" name="文本框 18">
-            <a:hlinkClick r:id="rId19"/>
-          </p:cNvPr>
-          <p:cNvSpPr txBox="1"/>
-          <p:nvPr/>
-        </p:nvSpPr>
-        <p:spPr>
-          <a:xfrm>
-            <a:off x="5210542" y="4946229"/>
-            <a:ext cx="885458" cy="369332"/>
-          </a:xfrm>
-          <a:prstGeom prst="rect">
-            <a:avLst/>
-          </a:prstGeom>
-          <a:noFill/>
-        </p:spPr>
-        <p:txBody>
-          <a:bodyPr wrap="square" rtlCol="0">
-            <a:spAutoFit/>
-          </a:bodyPr>
-          <a:lstStyle/>
-          <a:p>
-            <a:r>
-              <a:rPr lang="en-US" altLang="zh-CN" dirty="0" err="1"/>
-              <a:t>Xc</a:t>
-            </a:r>
-            <a:r>
-              <a:rPr lang="zh-CN" altLang="en-US" dirty="0"/>
-              <a:t>？</a:t>
-            </a:r>
-            <a:endParaRPr lang="en-US" altLang="zh-CN" dirty="0"/>
-          </a:p>
-        </p:txBody>
-      </p:sp>
-      <p:sp>
-        <p:nvSpPr>
-          <p:cNvPr id="20" name="文本框 19">
-            <a:hlinkClick r:id="rId20"/>
-          </p:cNvPr>
-          <p:cNvSpPr txBox="1"/>
-          <p:nvPr/>
-        </p:nvSpPr>
-        <p:spPr>
-          <a:xfrm>
-            <a:off x="5210542" y="4433356"/>
-            <a:ext cx="885458" cy="369332"/>
-          </a:xfrm>
-          <a:prstGeom prst="rect">
-            <a:avLst/>
-          </a:prstGeom>
-          <a:noFill/>
-        </p:spPr>
-        <p:txBody>
-          <a:bodyPr wrap="square" rtlCol="0">
-            <a:spAutoFit/>
-          </a:bodyPr>
-          <a:lstStyle/>
-          <a:p>
-            <a:r>
-              <a:rPr lang="en-US" altLang="zh-CN" dirty="0" err="1"/>
-              <a:t>Xc&amp;hy</a:t>
-            </a:r>
-            <a:endParaRPr lang="en-US" altLang="zh-CN" dirty="0"/>
-          </a:p>
-        </p:txBody>
-      </p:sp>
-      <p:sp>
-        <p:nvSpPr>
-          <p:cNvPr id="21" name="文本框 20">
-            <a:hlinkClick r:id="rId21"/>
-          </p:cNvPr>
-          <p:cNvSpPr txBox="1"/>
-          <p:nvPr/>
-        </p:nvSpPr>
-        <p:spPr>
-          <a:xfrm>
-            <a:off x="5231480" y="1357773"/>
-            <a:ext cx="633507" cy="369332"/>
-          </a:xfrm>
-          <a:prstGeom prst="rect">
-            <a:avLst/>
-          </a:prstGeom>
-          <a:noFill/>
-        </p:spPr>
-        <p:txBody>
-          <a:bodyPr wrap="square" rtlCol="0">
-            <a:spAutoFit/>
-          </a:bodyPr>
-          <a:lstStyle/>
-          <a:p>
-            <a:r>
-              <a:rPr lang="en-US" altLang="zh-CN" dirty="0"/>
-              <a:t>123</a:t>
-            </a:r>
-            <a:endParaRPr lang="zh-CN" altLang="en-US" dirty="0"/>
-          </a:p>
-        </p:txBody>
-      </p:sp>
-      <p:sp>
-        <p:nvSpPr>
-          <p:cNvPr id="22" name="文本框 21">
-            <a:hlinkClick r:id="rId22"/>
-          </p:cNvPr>
-          <p:cNvSpPr txBox="1"/>
-          <p:nvPr/>
-        </p:nvSpPr>
-        <p:spPr>
-          <a:xfrm>
-            <a:off x="5210542" y="1950429"/>
-            <a:ext cx="633507" cy="369332"/>
-          </a:xfrm>
-          <a:prstGeom prst="rect">
-            <a:avLst/>
-          </a:prstGeom>
-          <a:noFill/>
-        </p:spPr>
-        <p:txBody>
-          <a:bodyPr wrap="square" rtlCol="0">
-            <a:spAutoFit/>
-          </a:bodyPr>
-          <a:lstStyle/>
-          <a:p>
-            <a:r>
-              <a:rPr lang="en-US" altLang="zh-CN" dirty="0"/>
-              <a:t>123</a:t>
-            </a:r>
-            <a:endParaRPr lang="zh-CN" altLang="en-US" dirty="0"/>
-          </a:p>
-        </p:txBody>
-      </p:sp>
-    </p:spTree>
-  </p:cSld>
-  <p:clrMapOvr>
-    <a:masterClrMapping/>
-  </p:clrMapOvr>
-  <p:transition/>
-</p:sld>
-</file>
-
 <file path=ppt/slides/slide17.xml><?xml version="1.0" encoding="utf-8"?>
 <p:sld xmlns:a="http://schemas.openxmlformats.org/drawingml/2006/main" xmlns:r="http://schemas.openxmlformats.org/officeDocument/2006/relationships" xmlns:p="http://schemas.openxmlformats.org/presentationml/2006/main">
   <p:cSld>
@@ -12389,7 +11781,7 @@
         <p:spPr>
           <a:xfrm>
             <a:off x="458882" y="315715"/>
-            <a:ext cx="4485077" cy="369332"/>
+            <a:ext cx="2259119" cy="368301"/>
           </a:xfrm>
         </p:spPr>
         <p:txBody>
@@ -12408,26 +11800,14 @@
             </a:r>
             <a:r>
               <a:rPr lang="zh-CN" altLang="en-US" dirty="0"/>
-              <a:t>视频（</a:t>
-            </a:r>
-            <a:r>
-              <a:rPr lang="zh-CN" altLang="en-US" dirty="0">
-                <a:solidFill>
-                  <a:srgbClr val="FF0000"/>
-                </a:solidFill>
-              </a:rPr>
-              <a:t>本地服务器</a:t>
-            </a:r>
-            <a:r>
-              <a:rPr lang="zh-CN" altLang="en-US" dirty="0"/>
-              <a:t>）</a:t>
-            </a:r>
-          </a:p>
-        </p:txBody>
-      </p:sp>
-      <p:sp>
-        <p:nvSpPr>
-          <p:cNvPr id="5" name="文本框 4">
+              <a:t>视频</a:t>
+            </a:r>
+          </a:p>
+        </p:txBody>
+      </p:sp>
+      <p:sp>
+        <p:nvSpPr>
+          <p:cNvPr id="6" name="文本框 5">
             <a:hlinkClick r:id="rId3"/>
           </p:cNvPr>
           <p:cNvSpPr txBox="1"/>
@@ -12436,7 +11816,7 @@
         <p:spPr>
           <a:xfrm>
             <a:off x="1312564" y="1417123"/>
-            <a:ext cx="184731" cy="369332"/>
+            <a:ext cx="415498" cy="369332"/>
           </a:xfrm>
           <a:prstGeom prst="rect">
             <a:avLst/>
@@ -12449,13 +11829,16 @@
           </a:bodyPr>
           <a:lstStyle/>
           <a:p>
-            <a:endParaRPr lang="zh-CN" altLang="en-US" dirty="0"/>
-          </a:p>
-        </p:txBody>
-      </p:sp>
-      <p:sp>
-        <p:nvSpPr>
-          <p:cNvPr id="46" name="文本框 45">
+            <a:r>
+              <a:rPr lang="zh-CN" altLang="en-US" dirty="0"/>
+              <a:t>雷</a:t>
+            </a:r>
+          </a:p>
+        </p:txBody>
+      </p:sp>
+      <p:sp>
+        <p:nvSpPr>
+          <p:cNvPr id="7" name="文本框 6">
             <a:hlinkClick r:id="rId4"/>
           </p:cNvPr>
           <p:cNvSpPr txBox="1"/>
@@ -12463,8 +11846,8 @@
         </p:nvSpPr>
         <p:spPr>
           <a:xfrm>
-            <a:off x="1312564" y="2195117"/>
-            <a:ext cx="184731" cy="369332"/>
+            <a:off x="1312564" y="1900009"/>
+            <a:ext cx="633507" cy="369332"/>
           </a:xfrm>
           <a:prstGeom prst="rect">
             <a:avLst/>
@@ -12472,11 +11855,19 @@
           <a:noFill/>
         </p:spPr>
         <p:txBody>
-          <a:bodyPr wrap="none" rtlCol="0">
+          <a:bodyPr wrap="square" rtlCol="0">
             <a:spAutoFit/>
           </a:bodyPr>
           <a:lstStyle/>
           <a:p>
+            <a:r>
+              <a:rPr lang="zh-CN" altLang="en-US" dirty="0"/>
+              <a:t>雷</a:t>
+            </a:r>
+            <a:r>
+              <a:rPr lang="en-US" altLang="zh-CN" dirty="0"/>
+              <a:t>1</a:t>
+            </a:r>
             <a:endParaRPr lang="zh-CN" altLang="en-US" dirty="0"/>
           </a:p>
         </p:txBody>
@@ -12491,8 +11882,8 @@
         </p:nvSpPr>
         <p:spPr>
           <a:xfrm>
-            <a:off x="1467570" y="1459231"/>
-            <a:ext cx="505267" cy="369332"/>
+            <a:off x="1312564" y="2382895"/>
+            <a:ext cx="633507" cy="369332"/>
           </a:xfrm>
           <a:prstGeom prst="rect">
             <a:avLst/>
@@ -12500,16 +11891,15 @@
           <a:noFill/>
         </p:spPr>
         <p:txBody>
-          <a:bodyPr wrap="none" rtlCol="0">
+          <a:bodyPr wrap="square" rtlCol="0">
             <a:spAutoFit/>
           </a:bodyPr>
           <a:lstStyle/>
           <a:p>
             <a:r>
               <a:rPr lang="en-US" altLang="zh-CN" dirty="0"/>
-              <a:t>sr1</a:t>
-            </a:r>
-            <a:endParaRPr lang="zh-CN" altLang="en-US" dirty="0"/>
+              <a:t>Bs5</a:t>
+            </a:r>
           </a:p>
         </p:txBody>
       </p:sp>
@@ -12523,8 +11913,8 @@
         </p:nvSpPr>
         <p:spPr>
           <a:xfrm>
-            <a:off x="1497295" y="1968343"/>
-            <a:ext cx="505267" cy="369332"/>
+            <a:off x="1312564" y="2874018"/>
+            <a:ext cx="633507" cy="369332"/>
           </a:xfrm>
           <a:prstGeom prst="rect">
             <a:avLst/>
@@ -12532,22 +11922,21 @@
           <a:noFill/>
         </p:spPr>
         <p:txBody>
-          <a:bodyPr wrap="none" rtlCol="0">
+          <a:bodyPr wrap="square" rtlCol="0">
             <a:spAutoFit/>
           </a:bodyPr>
           <a:lstStyle/>
           <a:p>
             <a:r>
               <a:rPr lang="en-US" altLang="zh-CN" dirty="0"/>
-              <a:t>sr2</a:t>
-            </a:r>
-            <a:endParaRPr lang="zh-CN" altLang="en-US" dirty="0"/>
-          </a:p>
-        </p:txBody>
-      </p:sp>
-      <p:sp>
-        <p:nvSpPr>
-          <p:cNvPr id="6" name="文本框 5">
+              <a:t>bs6</a:t>
+            </a:r>
+          </a:p>
+        </p:txBody>
+      </p:sp>
+      <p:sp>
+        <p:nvSpPr>
+          <p:cNvPr id="5" name="文本框 4">
             <a:hlinkClick r:id="rId7"/>
           </p:cNvPr>
           <p:cNvSpPr txBox="1"/>
@@ -12555,8 +11944,8 @@
         </p:nvSpPr>
         <p:spPr>
           <a:xfrm>
-            <a:off x="1404929" y="3678859"/>
-            <a:ext cx="774571" cy="369332"/>
+            <a:off x="1312564" y="3386603"/>
+            <a:ext cx="1182158" cy="369332"/>
           </a:xfrm>
           <a:prstGeom prst="rect">
             <a:avLst/>
@@ -12564,26 +11953,22 @@
           <a:noFill/>
         </p:spPr>
         <p:txBody>
-          <a:bodyPr wrap="none" rtlCol="0">
+          <a:bodyPr wrap="square" rtlCol="0">
             <a:spAutoFit/>
           </a:bodyPr>
           <a:lstStyle/>
           <a:p>
             <a:r>
               <a:rPr lang="zh-CN" altLang="en-US" dirty="0"/>
-              <a:t>皮皮</a:t>
-            </a:r>
-            <a:r>
-              <a:rPr lang="en-US" altLang="zh-CN" dirty="0"/>
-              <a:t>9</a:t>
-            </a:r>
-            <a:endParaRPr lang="zh-CN" altLang="en-US" dirty="0"/>
-          </a:p>
-        </p:txBody>
-      </p:sp>
-      <p:sp>
-        <p:nvSpPr>
-          <p:cNvPr id="7" name="文本框 6">
+              <a:t>伊雪亦梦</a:t>
+            </a:r>
+            <a:endParaRPr lang="en-US" altLang="zh-CN" dirty="0"/>
+          </a:p>
+        </p:txBody>
+      </p:sp>
+      <p:sp>
+        <p:nvSpPr>
+          <p:cNvPr id="8" name="文本框 7">
             <a:hlinkClick r:id="rId8"/>
           </p:cNvPr>
           <p:cNvSpPr txBox="1"/>
@@ -12591,8 +11976,8 @@
         </p:nvSpPr>
         <p:spPr>
           <a:xfrm>
-            <a:off x="7033483" y="1417123"/>
-            <a:ext cx="864339" cy="369332"/>
+            <a:off x="1312564" y="3899188"/>
+            <a:ext cx="1321994" cy="369332"/>
           </a:xfrm>
           <a:prstGeom prst="rect">
             <a:avLst/>
@@ -12600,22 +11985,25 @@
           <a:noFill/>
         </p:spPr>
         <p:txBody>
-          <a:bodyPr wrap="none" rtlCol="0">
+          <a:bodyPr wrap="square" rtlCol="0">
             <a:spAutoFit/>
           </a:bodyPr>
           <a:lstStyle/>
           <a:p>
             <a:r>
+              <a:rPr lang="zh-CN" altLang="en-US" dirty="0"/>
+              <a:t>伊雪亦梦</a:t>
+            </a:r>
+            <a:r>
               <a:rPr lang="en-US" altLang="zh-CN" dirty="0"/>
-              <a:t>video1</a:t>
-            </a:r>
-            <a:endParaRPr lang="zh-CN" altLang="en-US" dirty="0"/>
-          </a:p>
-        </p:txBody>
-      </p:sp>
-      <p:sp>
-        <p:nvSpPr>
-          <p:cNvPr id="8" name="文本框 7">
+              <a:t>1</a:t>
+            </a:r>
+          </a:p>
+        </p:txBody>
+      </p:sp>
+      <p:sp>
+        <p:nvSpPr>
+          <p:cNvPr id="9" name="文本框 8">
             <a:hlinkClick r:id="rId9"/>
           </p:cNvPr>
           <p:cNvSpPr txBox="1"/>
@@ -12623,8 +12011,8 @@
         </p:nvSpPr>
         <p:spPr>
           <a:xfrm>
-            <a:off x="1497295" y="2558559"/>
-            <a:ext cx="505267" cy="369332"/>
+            <a:off x="1312564" y="4451483"/>
+            <a:ext cx="1321994" cy="369332"/>
           </a:xfrm>
           <a:prstGeom prst="rect">
             <a:avLst/>
@@ -12632,22 +12020,21 @@
           <a:noFill/>
         </p:spPr>
         <p:txBody>
-          <a:bodyPr wrap="none" rtlCol="0">
+          <a:bodyPr wrap="square" rtlCol="0">
             <a:spAutoFit/>
           </a:bodyPr>
           <a:lstStyle/>
           <a:p>
             <a:r>
               <a:rPr lang="en-US" altLang="zh-CN" dirty="0"/>
-              <a:t>sr3</a:t>
-            </a:r>
-            <a:endParaRPr lang="zh-CN" altLang="en-US" dirty="0"/>
-          </a:p>
-        </p:txBody>
-      </p:sp>
-      <p:sp>
-        <p:nvSpPr>
-          <p:cNvPr id="9" name="文本框 8">
+              <a:t>og</a:t>
+            </a:r>
+          </a:p>
+        </p:txBody>
+      </p:sp>
+      <p:sp>
+        <p:nvSpPr>
+          <p:cNvPr id="10" name="文本框 9">
             <a:hlinkClick r:id="rId10"/>
           </p:cNvPr>
           <p:cNvSpPr txBox="1"/>
@@ -12655,8 +12042,8 @@
         </p:nvSpPr>
         <p:spPr>
           <a:xfrm>
-            <a:off x="1497295" y="3082753"/>
-            <a:ext cx="505267" cy="369332"/>
+            <a:off x="1312564" y="5001627"/>
+            <a:ext cx="1321994" cy="369332"/>
           </a:xfrm>
           <a:prstGeom prst="rect">
             <a:avLst/>
@@ -12664,36 +12051,34 @@
           <a:noFill/>
         </p:spPr>
         <p:txBody>
-          <a:bodyPr wrap="none" rtlCol="0">
+          <a:bodyPr wrap="square" rtlCol="0">
             <a:spAutoFit/>
           </a:bodyPr>
           <a:lstStyle/>
           <a:p>
             <a:r>
+              <a:rPr lang="zh-CN" altLang="en-US" dirty="0"/>
+              <a:t>皮皮</a:t>
+            </a:r>
+            <a:r>
               <a:rPr lang="en-US" altLang="zh-CN" dirty="0"/>
-              <a:t>sr4</a:t>
-            </a:r>
-            <a:endParaRPr lang="zh-CN" altLang="en-US" dirty="0"/>
-          </a:p>
-        </p:txBody>
-      </p:sp>
-      <p:sp>
-        <p:nvSpPr>
-          <p:cNvPr id="10" name="文本框 9">
-            <a:hlinkClick r:id="rId11"/>
-            <a:extLst>
-              <a:ext uri="{FF2B5EF4-FFF2-40B4-BE49-F238E27FC236}">
-                <a16:creationId xmlns:a16="http://schemas.microsoft.com/office/drawing/2014/main" id="{86E2FE45-9A50-0D2E-99A9-F262E7DDD9C0}"/>
-              </a:ext>
-            </a:extLst>
+              <a:t>7</a:t>
+            </a:r>
+          </a:p>
+        </p:txBody>
+      </p:sp>
+      <p:sp>
+        <p:nvSpPr>
+          <p:cNvPr id="11" name="文本框 10">
+            <a:hlinkClick r:id="rId11" action="ppaction://hlinkfile"/>
           </p:cNvPr>
           <p:cNvSpPr txBox="1"/>
           <p:nvPr/>
         </p:nvSpPr>
         <p:spPr>
           <a:xfrm>
-            <a:off x="7033483" y="1849428"/>
-            <a:ext cx="864339" cy="369332"/>
+            <a:off x="3430399" y="1433525"/>
+            <a:ext cx="633507" cy="368300"/>
           </a:xfrm>
           <a:prstGeom prst="rect">
             <a:avLst/>
@@ -12701,36 +12086,30 @@
           <a:noFill/>
         </p:spPr>
         <p:txBody>
-          <a:bodyPr wrap="none" rtlCol="0">
+          <a:bodyPr wrap="square" rtlCol="0">
             <a:spAutoFit/>
           </a:bodyPr>
           <a:lstStyle/>
           <a:p>
             <a:r>
               <a:rPr lang="en-US" altLang="zh-CN" dirty="0"/>
-              <a:t>video2</a:t>
-            </a:r>
-            <a:endParaRPr lang="zh-CN" altLang="en-US" dirty="0"/>
-          </a:p>
-        </p:txBody>
-      </p:sp>
-      <p:sp>
-        <p:nvSpPr>
-          <p:cNvPr id="11" name="文本框 10">
-            <a:hlinkClick r:id="rId12"/>
-            <a:extLst>
-              <a:ext uri="{FF2B5EF4-FFF2-40B4-BE49-F238E27FC236}">
-                <a16:creationId xmlns:a16="http://schemas.microsoft.com/office/drawing/2014/main" id="{3833F20D-3CA5-96E8-D873-314B7BF6F634}"/>
-              </a:ext>
-            </a:extLst>
+              <a:t>ll1</a:t>
+            </a:r>
+          </a:p>
+        </p:txBody>
+      </p:sp>
+      <p:sp>
+        <p:nvSpPr>
+          <p:cNvPr id="12" name="文本框 11">
+            <a:hlinkClick r:id="rId12" action="ppaction://hlinkfile"/>
           </p:cNvPr>
           <p:cNvSpPr txBox="1"/>
           <p:nvPr/>
         </p:nvSpPr>
         <p:spPr>
           <a:xfrm>
-            <a:off x="7033483" y="2352757"/>
-            <a:ext cx="864339" cy="369332"/>
+            <a:off x="3430399" y="1917028"/>
+            <a:ext cx="633507" cy="368300"/>
           </a:xfrm>
           <a:prstGeom prst="rect">
             <a:avLst/>
@@ -12738,36 +12117,30 @@
           <a:noFill/>
         </p:spPr>
         <p:txBody>
-          <a:bodyPr wrap="none" rtlCol="0">
+          <a:bodyPr wrap="square" rtlCol="0">
             <a:spAutoFit/>
           </a:bodyPr>
           <a:lstStyle/>
           <a:p>
             <a:r>
               <a:rPr lang="en-US" altLang="zh-CN" dirty="0"/>
-              <a:t>video3</a:t>
-            </a:r>
-            <a:endParaRPr lang="zh-CN" altLang="en-US" dirty="0"/>
-          </a:p>
-        </p:txBody>
-      </p:sp>
-      <p:sp>
-        <p:nvSpPr>
-          <p:cNvPr id="12" name="文本框 11">
+              <a:t>ll2</a:t>
+            </a:r>
+          </a:p>
+        </p:txBody>
+      </p:sp>
+      <p:sp>
+        <p:nvSpPr>
+          <p:cNvPr id="13" name="文本框 12">
             <a:hlinkClick r:id="rId13"/>
-            <a:extLst>
-              <a:ext uri="{FF2B5EF4-FFF2-40B4-BE49-F238E27FC236}">
-                <a16:creationId xmlns:a16="http://schemas.microsoft.com/office/drawing/2014/main" id="{40CFC9F7-79D2-B43C-AE18-9CED0F3CAE64}"/>
-              </a:ext>
-            </a:extLst>
           </p:cNvPr>
           <p:cNvSpPr txBox="1"/>
           <p:nvPr/>
         </p:nvSpPr>
         <p:spPr>
           <a:xfrm>
-            <a:off x="7033482" y="2842009"/>
-            <a:ext cx="864339" cy="369332"/>
+            <a:off x="3430399" y="2466140"/>
+            <a:ext cx="633507" cy="368300"/>
           </a:xfrm>
           <a:prstGeom prst="rect">
             <a:avLst/>
@@ -12775,36 +12148,30 @@
           <a:noFill/>
         </p:spPr>
         <p:txBody>
-          <a:bodyPr wrap="none" rtlCol="0">
+          <a:bodyPr wrap="square" rtlCol="0">
             <a:spAutoFit/>
           </a:bodyPr>
           <a:lstStyle/>
           <a:p>
             <a:r>
               <a:rPr lang="en-US" altLang="zh-CN" dirty="0"/>
-              <a:t>video4</a:t>
-            </a:r>
-            <a:endParaRPr lang="zh-CN" altLang="en-US" dirty="0"/>
-          </a:p>
-        </p:txBody>
-      </p:sp>
-      <p:sp>
-        <p:nvSpPr>
-          <p:cNvPr id="13" name="文本框 12">
+              <a:t>xt1</a:t>
+            </a:r>
+          </a:p>
+        </p:txBody>
+      </p:sp>
+      <p:sp>
+        <p:nvSpPr>
+          <p:cNvPr id="14" name="文本框 13">
             <a:hlinkClick r:id="rId14"/>
-            <a:extLst>
-              <a:ext uri="{FF2B5EF4-FFF2-40B4-BE49-F238E27FC236}">
-                <a16:creationId xmlns:a16="http://schemas.microsoft.com/office/drawing/2014/main" id="{D1841573-CFF3-2675-FA41-10EDA01596FB}"/>
-              </a:ext>
-            </a:extLst>
           </p:cNvPr>
           <p:cNvSpPr txBox="1"/>
           <p:nvPr/>
         </p:nvSpPr>
         <p:spPr>
           <a:xfrm>
-            <a:off x="1538685" y="4308001"/>
-            <a:ext cx="441146" cy="369332"/>
+            <a:off x="3430399" y="2892150"/>
+            <a:ext cx="633507" cy="368300"/>
           </a:xfrm>
           <a:prstGeom prst="rect">
             <a:avLst/>
@@ -12812,36 +12179,30 @@
           <a:noFill/>
         </p:spPr>
         <p:txBody>
-          <a:bodyPr wrap="none" rtlCol="0">
+          <a:bodyPr wrap="square" rtlCol="0">
             <a:spAutoFit/>
           </a:bodyPr>
           <a:lstStyle/>
           <a:p>
             <a:r>
               <a:rPr lang="en-US" altLang="zh-CN" dirty="0"/>
-              <a:t>19</a:t>
-            </a:r>
-            <a:endParaRPr lang="zh-CN" altLang="en-US" dirty="0"/>
-          </a:p>
-        </p:txBody>
-      </p:sp>
-      <p:sp>
-        <p:nvSpPr>
-          <p:cNvPr id="14" name="文本框 13">
+              <a:t>yf1</a:t>
+            </a:r>
+          </a:p>
+        </p:txBody>
+      </p:sp>
+      <p:sp>
+        <p:nvSpPr>
+          <p:cNvPr id="15" name="文本框 14">
             <a:hlinkClick r:id="rId15"/>
-            <a:extLst>
-              <a:ext uri="{FF2B5EF4-FFF2-40B4-BE49-F238E27FC236}">
-                <a16:creationId xmlns:a16="http://schemas.microsoft.com/office/drawing/2014/main" id="{71A51B4C-C33D-DDD9-D893-A4A8CC828380}"/>
-              </a:ext>
-            </a:extLst>
           </p:cNvPr>
           <p:cNvSpPr txBox="1"/>
           <p:nvPr/>
         </p:nvSpPr>
         <p:spPr>
           <a:xfrm>
-            <a:off x="2448786" y="1459231"/>
-            <a:ext cx="1005403" cy="369332"/>
+            <a:off x="3429688" y="3429000"/>
+            <a:ext cx="633507" cy="368300"/>
           </a:xfrm>
           <a:prstGeom prst="rect">
             <a:avLst/>
@@ -12849,40 +12210,30 @@
           <a:noFill/>
         </p:spPr>
         <p:txBody>
-          <a:bodyPr wrap="none" rtlCol="0">
+          <a:bodyPr wrap="square" rtlCol="0">
             <a:spAutoFit/>
           </a:bodyPr>
           <a:lstStyle/>
           <a:p>
             <a:r>
-              <a:rPr lang="zh-CN" altLang="en-US" dirty="0"/>
-              <a:t>第一章</a:t>
-            </a:r>
-            <a:r>
               <a:rPr lang="en-US" altLang="zh-CN" dirty="0"/>
-              <a:t>1</a:t>
-            </a:r>
-            <a:endParaRPr lang="zh-CN" altLang="en-US" dirty="0"/>
-          </a:p>
-        </p:txBody>
-      </p:sp>
-      <p:sp>
-        <p:nvSpPr>
-          <p:cNvPr id="15" name="文本框 14">
+              <a:t>yf2</a:t>
+            </a:r>
+          </a:p>
+        </p:txBody>
+      </p:sp>
+      <p:sp>
+        <p:nvSpPr>
+          <p:cNvPr id="16" name="文本框 15">
             <a:hlinkClick r:id="rId16"/>
-            <a:extLst>
-              <a:ext uri="{FF2B5EF4-FFF2-40B4-BE49-F238E27FC236}">
-                <a16:creationId xmlns:a16="http://schemas.microsoft.com/office/drawing/2014/main" id="{B8C43555-6182-22E2-FBE6-DCF4EC490E56}"/>
-              </a:ext>
-            </a:extLst>
           </p:cNvPr>
           <p:cNvSpPr txBox="1"/>
           <p:nvPr/>
         </p:nvSpPr>
         <p:spPr>
           <a:xfrm>
-            <a:off x="2448786" y="1968343"/>
-            <a:ext cx="1005403" cy="369332"/>
+            <a:off x="3429688" y="3912503"/>
+            <a:ext cx="633507" cy="368300"/>
           </a:xfrm>
           <a:prstGeom prst="rect">
             <a:avLst/>
@@ -12890,40 +12241,30 @@
           <a:noFill/>
         </p:spPr>
         <p:txBody>
-          <a:bodyPr wrap="none" rtlCol="0">
+          <a:bodyPr wrap="square" rtlCol="0">
             <a:spAutoFit/>
           </a:bodyPr>
           <a:lstStyle/>
           <a:p>
             <a:r>
-              <a:rPr lang="zh-CN" altLang="en-US" dirty="0"/>
-              <a:t>第一章</a:t>
-            </a:r>
-            <a:r>
               <a:rPr lang="en-US" altLang="zh-CN" dirty="0"/>
-              <a:t>2</a:t>
-            </a:r>
-            <a:endParaRPr lang="zh-CN" altLang="en-US" dirty="0"/>
-          </a:p>
-        </p:txBody>
-      </p:sp>
-      <p:sp>
-        <p:nvSpPr>
-          <p:cNvPr id="16" name="文本框 15">
+              <a:t>wj1</a:t>
+            </a:r>
+          </a:p>
+        </p:txBody>
+      </p:sp>
+      <p:sp>
+        <p:nvSpPr>
+          <p:cNvPr id="18" name="文本框 17">
             <a:hlinkClick r:id="rId17"/>
-            <a:extLst>
-              <a:ext uri="{FF2B5EF4-FFF2-40B4-BE49-F238E27FC236}">
-                <a16:creationId xmlns:a16="http://schemas.microsoft.com/office/drawing/2014/main" id="{A1B071B5-151F-8C65-27AA-C12C84D025CB}"/>
-              </a:ext>
-            </a:extLst>
           </p:cNvPr>
           <p:cNvSpPr txBox="1"/>
           <p:nvPr/>
         </p:nvSpPr>
         <p:spPr>
           <a:xfrm>
-            <a:off x="2448786" y="2561389"/>
-            <a:ext cx="1005403" cy="369332"/>
+            <a:off x="3429688" y="4391860"/>
+            <a:ext cx="633507" cy="368300"/>
           </a:xfrm>
           <a:prstGeom prst="rect">
             <a:avLst/>
@@ -12931,20 +12272,15 @@
           <a:noFill/>
         </p:spPr>
         <p:txBody>
-          <a:bodyPr wrap="none" rtlCol="0">
+          <a:bodyPr wrap="square" rtlCol="0">
             <a:spAutoFit/>
           </a:bodyPr>
           <a:lstStyle/>
           <a:p>
             <a:r>
-              <a:rPr lang="zh-CN" altLang="en-US" dirty="0"/>
-              <a:t>第一章</a:t>
-            </a:r>
-            <a:r>
               <a:rPr lang="en-US" altLang="zh-CN" dirty="0"/>
-              <a:t>3</a:t>
-            </a:r>
-            <a:endParaRPr lang="zh-CN" altLang="en-US" dirty="0"/>
+              <a:t>wj2</a:t>
+            </a:r>
           </a:p>
         </p:txBody>
       </p:sp>
@@ -12952,19 +12288,14 @@
         <p:nvSpPr>
           <p:cNvPr id="17" name="文本框 16">
             <a:hlinkClick r:id="rId18"/>
-            <a:extLst>
-              <a:ext uri="{FF2B5EF4-FFF2-40B4-BE49-F238E27FC236}">
-                <a16:creationId xmlns:a16="http://schemas.microsoft.com/office/drawing/2014/main" id="{E8172D85-CA62-E923-4947-8B4C4A7C948D}"/>
-              </a:ext>
-            </a:extLst>
           </p:cNvPr>
           <p:cNvSpPr txBox="1"/>
           <p:nvPr/>
         </p:nvSpPr>
         <p:spPr>
           <a:xfrm>
-            <a:off x="2448785" y="3117453"/>
-            <a:ext cx="1005403" cy="369332"/>
+            <a:off x="3429688" y="4950966"/>
+            <a:ext cx="885458" cy="369332"/>
           </a:xfrm>
           <a:prstGeom prst="rect">
             <a:avLst/>
@@ -12972,40 +12303,34 @@
           <a:noFill/>
         </p:spPr>
         <p:txBody>
-          <a:bodyPr wrap="none" rtlCol="0">
+          <a:bodyPr wrap="square" rtlCol="0">
             <a:spAutoFit/>
           </a:bodyPr>
           <a:lstStyle/>
           <a:p>
             <a:r>
               <a:rPr lang="zh-CN" altLang="en-US" dirty="0"/>
-              <a:t>第一章</a:t>
+              <a:t>皮皮</a:t>
             </a:r>
             <a:r>
               <a:rPr lang="en-US" altLang="zh-CN" dirty="0"/>
-              <a:t>4</a:t>
-            </a:r>
-            <a:endParaRPr lang="zh-CN" altLang="en-US" dirty="0"/>
-          </a:p>
-        </p:txBody>
-      </p:sp>
-      <p:sp>
-        <p:nvSpPr>
-          <p:cNvPr id="18" name="文本框 17">
+              <a:t>8</a:t>
+            </a:r>
+          </a:p>
+        </p:txBody>
+      </p:sp>
+      <p:sp>
+        <p:nvSpPr>
+          <p:cNvPr id="19" name="文本框 18">
             <a:hlinkClick r:id="rId19"/>
-            <a:extLst>
-              <a:ext uri="{FF2B5EF4-FFF2-40B4-BE49-F238E27FC236}">
-                <a16:creationId xmlns:a16="http://schemas.microsoft.com/office/drawing/2014/main" id="{75517980-8CC9-6887-DAB9-F465F82A5E78}"/>
-              </a:ext>
-            </a:extLst>
           </p:cNvPr>
           <p:cNvSpPr txBox="1"/>
           <p:nvPr/>
         </p:nvSpPr>
         <p:spPr>
           <a:xfrm>
-            <a:off x="2448785" y="3626565"/>
-            <a:ext cx="1005403" cy="369332"/>
+            <a:off x="5210542" y="4946229"/>
+            <a:ext cx="885458" cy="369332"/>
           </a:xfrm>
           <a:prstGeom prst="rect">
             <a:avLst/>
@@ -13013,40 +12338,35 @@
           <a:noFill/>
         </p:spPr>
         <p:txBody>
-          <a:bodyPr wrap="none" rtlCol="0">
+          <a:bodyPr wrap="square" rtlCol="0">
             <a:spAutoFit/>
           </a:bodyPr>
           <a:lstStyle/>
           <a:p>
             <a:r>
+              <a:rPr lang="en-US" altLang="zh-CN" dirty="0" err="1"/>
+              <a:t>Xc</a:t>
+            </a:r>
+            <a:r>
               <a:rPr lang="zh-CN" altLang="en-US" dirty="0"/>
-              <a:t>第一章</a:t>
-            </a:r>
-            <a:r>
-              <a:rPr lang="en-US" altLang="zh-CN" dirty="0"/>
-              <a:t>5</a:t>
-            </a:r>
-            <a:endParaRPr lang="zh-CN" altLang="en-US" dirty="0"/>
-          </a:p>
-        </p:txBody>
-      </p:sp>
-      <p:sp>
-        <p:nvSpPr>
-          <p:cNvPr id="19" name="文本框 18">
+              <a:t>？</a:t>
+            </a:r>
+            <a:endParaRPr lang="en-US" altLang="zh-CN" dirty="0"/>
+          </a:p>
+        </p:txBody>
+      </p:sp>
+      <p:sp>
+        <p:nvSpPr>
+          <p:cNvPr id="20" name="文本框 19">
             <a:hlinkClick r:id="rId20"/>
-            <a:extLst>
-              <a:ext uri="{FF2B5EF4-FFF2-40B4-BE49-F238E27FC236}">
-                <a16:creationId xmlns:a16="http://schemas.microsoft.com/office/drawing/2014/main" id="{2E650DD8-41B2-5410-FE64-ABC4726F65AE}"/>
-              </a:ext>
-            </a:extLst>
           </p:cNvPr>
           <p:cNvSpPr txBox="1"/>
           <p:nvPr/>
         </p:nvSpPr>
         <p:spPr>
           <a:xfrm>
-            <a:off x="2448785" y="4267970"/>
-            <a:ext cx="1005403" cy="369332"/>
+            <a:off x="5210542" y="4433356"/>
+            <a:ext cx="885458" cy="369332"/>
           </a:xfrm>
           <a:prstGeom prst="rect">
             <a:avLst/>
@@ -13054,40 +12374,31 @@
           <a:noFill/>
         </p:spPr>
         <p:txBody>
-          <a:bodyPr wrap="none" rtlCol="0">
+          <a:bodyPr wrap="square" rtlCol="0">
             <a:spAutoFit/>
           </a:bodyPr>
           <a:lstStyle/>
           <a:p>
             <a:r>
-              <a:rPr lang="zh-CN" altLang="en-US" dirty="0"/>
-              <a:t>第一章</a:t>
-            </a:r>
-            <a:r>
-              <a:rPr lang="en-US" altLang="zh-CN" dirty="0"/>
-              <a:t>6</a:t>
-            </a:r>
-            <a:endParaRPr lang="zh-CN" altLang="en-US" dirty="0"/>
-          </a:p>
-        </p:txBody>
-      </p:sp>
-      <p:sp>
-        <p:nvSpPr>
-          <p:cNvPr id="20" name="文本框 19">
+              <a:rPr lang="en-US" altLang="zh-CN" dirty="0" err="1"/>
+              <a:t>Xc&amp;hy</a:t>
+            </a:r>
+            <a:endParaRPr lang="en-US" altLang="zh-CN" dirty="0"/>
+          </a:p>
+        </p:txBody>
+      </p:sp>
+      <p:sp>
+        <p:nvSpPr>
+          <p:cNvPr id="21" name="文本框 20">
             <a:hlinkClick r:id="rId21"/>
-            <a:extLst>
-              <a:ext uri="{FF2B5EF4-FFF2-40B4-BE49-F238E27FC236}">
-                <a16:creationId xmlns:a16="http://schemas.microsoft.com/office/drawing/2014/main" id="{0D1D8006-954F-FCA5-1D1F-42259A7D7867}"/>
-              </a:ext>
-            </a:extLst>
           </p:cNvPr>
           <p:cNvSpPr txBox="1"/>
           <p:nvPr/>
         </p:nvSpPr>
         <p:spPr>
           <a:xfrm>
-            <a:off x="3647778" y="1464009"/>
-            <a:ext cx="1005403" cy="369332"/>
+            <a:off x="5231480" y="1357773"/>
+            <a:ext cx="633507" cy="369332"/>
           </a:xfrm>
           <a:prstGeom prst="rect">
             <a:avLst/>
@@ -13095,18 +12406,14 @@
           <a:noFill/>
         </p:spPr>
         <p:txBody>
-          <a:bodyPr wrap="none" rtlCol="0">
+          <a:bodyPr wrap="square" rtlCol="0">
             <a:spAutoFit/>
           </a:bodyPr>
           <a:lstStyle/>
           <a:p>
             <a:r>
-              <a:rPr lang="zh-CN" altLang="en-US" dirty="0"/>
-              <a:t>第一章</a:t>
-            </a:r>
-            <a:r>
               <a:rPr lang="en-US" altLang="zh-CN" dirty="0"/>
-              <a:t>7</a:t>
+              <a:t>123</a:t>
             </a:r>
             <a:endParaRPr lang="zh-CN" altLang="en-US" dirty="0"/>
           </a:p>
@@ -13114,21 +12421,16 @@
       </p:sp>
       <p:sp>
         <p:nvSpPr>
-          <p:cNvPr id="21" name="文本框 20">
+          <p:cNvPr id="22" name="文本框 21">
             <a:hlinkClick r:id="rId22"/>
-            <a:extLst>
-              <a:ext uri="{FF2B5EF4-FFF2-40B4-BE49-F238E27FC236}">
-                <a16:creationId xmlns:a16="http://schemas.microsoft.com/office/drawing/2014/main" id="{91AFE53D-35CA-E466-7547-D84F8823F5ED}"/>
-              </a:ext>
-            </a:extLst>
           </p:cNvPr>
           <p:cNvSpPr txBox="1"/>
           <p:nvPr/>
         </p:nvSpPr>
         <p:spPr>
           <a:xfrm>
-            <a:off x="3647777" y="2607525"/>
-            <a:ext cx="1005403" cy="369332"/>
+            <a:off x="5210542" y="1950429"/>
+            <a:ext cx="633507" cy="369332"/>
           </a:xfrm>
           <a:prstGeom prst="rect">
             <a:avLst/>
@@ -13136,141 +12438,14 @@
           <a:noFill/>
         </p:spPr>
         <p:txBody>
-          <a:bodyPr wrap="none" rtlCol="0">
+          <a:bodyPr wrap="square" rtlCol="0">
             <a:spAutoFit/>
           </a:bodyPr>
           <a:lstStyle/>
           <a:p>
             <a:r>
-              <a:rPr lang="zh-CN" altLang="en-US" dirty="0"/>
-              <a:t>第二章</a:t>
-            </a:r>
-            <a:r>
               <a:rPr lang="en-US" altLang="zh-CN" dirty="0"/>
-              <a:t>2</a:t>
-            </a:r>
-            <a:endParaRPr lang="zh-CN" altLang="en-US" dirty="0"/>
-          </a:p>
-        </p:txBody>
-      </p:sp>
-      <p:sp>
-        <p:nvSpPr>
-          <p:cNvPr id="22" name="文本框 21">
-            <a:hlinkClick r:id="rId23"/>
-            <a:extLst>
-              <a:ext uri="{FF2B5EF4-FFF2-40B4-BE49-F238E27FC236}">
-                <a16:creationId xmlns:a16="http://schemas.microsoft.com/office/drawing/2014/main" id="{4293AD19-DF12-5614-2DD8-CCB6858F8D47}"/>
-              </a:ext>
-            </a:extLst>
-          </p:cNvPr>
-          <p:cNvSpPr txBox="1"/>
-          <p:nvPr/>
-        </p:nvSpPr>
-        <p:spPr>
-          <a:xfrm>
-            <a:off x="3625542" y="1999676"/>
-            <a:ext cx="1005403" cy="369332"/>
-          </a:xfrm>
-          <a:prstGeom prst="rect">
-            <a:avLst/>
-          </a:prstGeom>
-          <a:noFill/>
-        </p:spPr>
-        <p:txBody>
-          <a:bodyPr wrap="none" rtlCol="0">
-            <a:spAutoFit/>
-          </a:bodyPr>
-          <a:lstStyle/>
-          <a:p>
-            <a:r>
-              <a:rPr lang="zh-CN" altLang="en-US" dirty="0"/>
-              <a:t>第二章</a:t>
-            </a:r>
-            <a:r>
-              <a:rPr lang="en-US" altLang="zh-CN" dirty="0"/>
-              <a:t>1</a:t>
-            </a:r>
-            <a:endParaRPr lang="zh-CN" altLang="en-US" dirty="0"/>
-          </a:p>
-        </p:txBody>
-      </p:sp>
-      <p:sp>
-        <p:nvSpPr>
-          <p:cNvPr id="23" name="文本框 22">
-            <a:hlinkClick r:id="rId24"/>
-            <a:extLst>
-              <a:ext uri="{FF2B5EF4-FFF2-40B4-BE49-F238E27FC236}">
-                <a16:creationId xmlns:a16="http://schemas.microsoft.com/office/drawing/2014/main" id="{FF248CFD-37EC-71A8-6897-F35DA6A7C49D}"/>
-              </a:ext>
-            </a:extLst>
-          </p:cNvPr>
-          <p:cNvSpPr txBox="1"/>
-          <p:nvPr/>
-        </p:nvSpPr>
-        <p:spPr>
-          <a:xfrm>
-            <a:off x="3647777" y="3678859"/>
-            <a:ext cx="1005403" cy="369332"/>
-          </a:xfrm>
-          <a:prstGeom prst="rect">
-            <a:avLst/>
-          </a:prstGeom>
-          <a:noFill/>
-        </p:spPr>
-        <p:txBody>
-          <a:bodyPr wrap="none" rtlCol="0">
-            <a:spAutoFit/>
-          </a:bodyPr>
-          <a:lstStyle/>
-          <a:p>
-            <a:r>
-              <a:rPr lang="zh-CN" altLang="en-US" dirty="0"/>
-              <a:t>第二章</a:t>
-            </a:r>
-            <a:r>
-              <a:rPr lang="en-US" altLang="zh-CN" dirty="0"/>
-              <a:t>4</a:t>
-            </a:r>
-            <a:endParaRPr lang="zh-CN" altLang="en-US" dirty="0"/>
-          </a:p>
-        </p:txBody>
-      </p:sp>
-      <p:sp>
-        <p:nvSpPr>
-          <p:cNvPr id="24" name="文本框 23">
-            <a:hlinkClick r:id="rId25"/>
-            <a:extLst>
-              <a:ext uri="{FF2B5EF4-FFF2-40B4-BE49-F238E27FC236}">
-                <a16:creationId xmlns:a16="http://schemas.microsoft.com/office/drawing/2014/main" id="{8EF6CB81-FF27-9B3F-13F3-663C8CD371FC}"/>
-              </a:ext>
-            </a:extLst>
-          </p:cNvPr>
-          <p:cNvSpPr txBox="1"/>
-          <p:nvPr/>
-        </p:nvSpPr>
-        <p:spPr>
-          <a:xfrm>
-            <a:off x="3638241" y="3094575"/>
-            <a:ext cx="1005403" cy="369332"/>
-          </a:xfrm>
-          <a:prstGeom prst="rect">
-            <a:avLst/>
-          </a:prstGeom>
-          <a:noFill/>
-        </p:spPr>
-        <p:txBody>
-          <a:bodyPr wrap="none" rtlCol="0">
-            <a:spAutoFit/>
-          </a:bodyPr>
-          <a:lstStyle/>
-          <a:p>
-            <a:r>
-              <a:rPr lang="zh-CN" altLang="en-US" dirty="0"/>
-              <a:t>第二章</a:t>
-            </a:r>
-            <a:r>
-              <a:rPr lang="en-US" altLang="zh-CN" dirty="0"/>
-              <a:t>3</a:t>
+              <a:t>123</a:t>
             </a:r>
             <a:endParaRPr lang="zh-CN" altLang="en-US" dirty="0"/>
           </a:p>
@@ -13315,7 +12490,7 @@
         <p:spPr>
           <a:xfrm>
             <a:off x="458882" y="315715"/>
-            <a:ext cx="2259119" cy="368301"/>
+            <a:ext cx="4485077" cy="369332"/>
           </a:xfrm>
         </p:spPr>
         <p:txBody>
@@ -13334,14 +12509,26 @@
             </a:r>
             <a:r>
               <a:rPr lang="zh-CN" altLang="en-US" dirty="0"/>
-              <a:t>视频</a:t>
-            </a:r>
-          </a:p>
-        </p:txBody>
-      </p:sp>
-      <p:sp>
-        <p:nvSpPr>
-          <p:cNvPr id="18" name="文本框 17">
+              <a:t>视频（</a:t>
+            </a:r>
+            <a:r>
+              <a:rPr lang="zh-CN" altLang="en-US" dirty="0">
+                <a:solidFill>
+                  <a:srgbClr val="FF0000"/>
+                </a:solidFill>
+              </a:rPr>
+              <a:t>本地服务器</a:t>
+            </a:r>
+            <a:r>
+              <a:rPr lang="zh-CN" altLang="en-US" dirty="0"/>
+              <a:t>）</a:t>
+            </a:r>
+          </a:p>
+        </p:txBody>
+      </p:sp>
+      <p:sp>
+        <p:nvSpPr>
+          <p:cNvPr id="5" name="文本框 4">
             <a:hlinkClick r:id="rId3"/>
           </p:cNvPr>
           <p:cNvSpPr txBox="1"/>
@@ -13349,8 +12536,8 @@
         </p:nvSpPr>
         <p:spPr>
           <a:xfrm>
-            <a:off x="853388" y="1353632"/>
-            <a:ext cx="1338828" cy="369332"/>
+            <a:off x="1312564" y="1417123"/>
+            <a:ext cx="184731" cy="369332"/>
           </a:xfrm>
           <a:prstGeom prst="rect">
             <a:avLst/>
@@ -13363,16 +12550,13 @@
           </a:bodyPr>
           <a:lstStyle/>
           <a:p>
-            <a:r>
-              <a:rPr lang="zh-CN" altLang="en-US" dirty="0"/>
-              <a:t>苏州音乐会</a:t>
-            </a:r>
-          </a:p>
-        </p:txBody>
-      </p:sp>
-      <p:sp>
-        <p:nvSpPr>
-          <p:cNvPr id="27" name="文本框 26">
+            <a:endParaRPr lang="zh-CN" altLang="en-US" dirty="0"/>
+          </a:p>
+        </p:txBody>
+      </p:sp>
+      <p:sp>
+        <p:nvSpPr>
+          <p:cNvPr id="46" name="文本框 45">
             <a:hlinkClick r:id="rId4"/>
           </p:cNvPr>
           <p:cNvSpPr txBox="1"/>
@@ -13380,8 +12564,8 @@
         </p:nvSpPr>
         <p:spPr>
           <a:xfrm>
-            <a:off x="853388" y="2626569"/>
-            <a:ext cx="889987" cy="368935"/>
+            <a:off x="1312564" y="2195117"/>
+            <a:ext cx="184731" cy="369332"/>
           </a:xfrm>
           <a:prstGeom prst="rect">
             <a:avLst/>
@@ -13394,17 +12578,13 @@
           </a:bodyPr>
           <a:lstStyle/>
           <a:p>
-            <a:r>
-              <a:rPr lang="en-US" altLang="zh-CN" dirty="0"/>
-              <a:t>Bukehi</a:t>
-            </a:r>
             <a:endParaRPr lang="zh-CN" altLang="en-US" dirty="0"/>
           </a:p>
         </p:txBody>
       </p:sp>
       <p:sp>
         <p:nvSpPr>
-          <p:cNvPr id="28" name="文本框 27">
+          <p:cNvPr id="2" name="文本框 1">
             <a:hlinkClick r:id="rId5"/>
           </p:cNvPr>
           <p:cNvSpPr txBox="1"/>
@@ -13412,8 +12592,8 @@
         </p:nvSpPr>
         <p:spPr>
           <a:xfrm>
-            <a:off x="853388" y="1990299"/>
-            <a:ext cx="992579" cy="368935"/>
+            <a:off x="1467570" y="1459231"/>
+            <a:ext cx="505267" cy="369332"/>
           </a:xfrm>
           <a:prstGeom prst="rect">
             <a:avLst/>
@@ -13427,12 +12607,8 @@
           <a:lstStyle/>
           <a:p>
             <a:r>
-              <a:rPr lang="zh-CN" altLang="en-US" dirty="0"/>
-              <a:t>迟迟</a:t>
-            </a:r>
-            <a:r>
               <a:rPr lang="en-US" altLang="zh-CN" dirty="0"/>
-              <a:t>MV</a:t>
+              <a:t>sr1</a:t>
             </a:r>
             <a:endParaRPr lang="zh-CN" altLang="en-US" dirty="0"/>
           </a:p>
@@ -13440,7 +12616,7 @@
       </p:sp>
       <p:sp>
         <p:nvSpPr>
-          <p:cNvPr id="29" name="文本框 28">
+          <p:cNvPr id="3" name="文本框 2">
             <a:hlinkClick r:id="rId6"/>
           </p:cNvPr>
           <p:cNvSpPr txBox="1"/>
@@ -13448,8 +12624,8 @@
         </p:nvSpPr>
         <p:spPr>
           <a:xfrm>
-            <a:off x="853388" y="3262839"/>
-            <a:ext cx="1864613" cy="368935"/>
+            <a:off x="1497295" y="1968343"/>
+            <a:ext cx="505267" cy="369332"/>
           </a:xfrm>
           <a:prstGeom prst="rect">
             <a:avLst/>
@@ -13463,15 +12639,16 @@
           <a:lstStyle/>
           <a:p>
             <a:r>
-              <a:rPr lang="zh-CN" altLang="en-US" dirty="0"/>
-              <a:t>天外来物音乐会</a:t>
-            </a:r>
-          </a:p>
-        </p:txBody>
-      </p:sp>
-      <p:sp>
-        <p:nvSpPr>
-          <p:cNvPr id="30" name="文本框 29">
+              <a:rPr lang="en-US" altLang="zh-CN" dirty="0"/>
+              <a:t>sr2</a:t>
+            </a:r>
+            <a:endParaRPr lang="zh-CN" altLang="en-US" dirty="0"/>
+          </a:p>
+        </p:txBody>
+      </p:sp>
+      <p:sp>
+        <p:nvSpPr>
+          <p:cNvPr id="6" name="文本框 5">
             <a:hlinkClick r:id="rId7"/>
           </p:cNvPr>
           <p:cNvSpPr txBox="1"/>
@@ -13479,8 +12656,8 @@
         </p:nvSpPr>
         <p:spPr>
           <a:xfrm>
-            <a:off x="814468" y="3899109"/>
-            <a:ext cx="1928733" cy="368935"/>
+            <a:off x="1404929" y="3678859"/>
+            <a:ext cx="774571" cy="369332"/>
           </a:xfrm>
           <a:prstGeom prst="rect">
             <a:avLst/>
@@ -13495,11 +12672,11 @@
           <a:p>
             <a:r>
               <a:rPr lang="zh-CN" altLang="en-US" dirty="0"/>
-              <a:t>天外来物音乐会</a:t>
+              <a:t>皮皮</a:t>
             </a:r>
             <a:r>
               <a:rPr lang="en-US" altLang="zh-CN" dirty="0"/>
-              <a:t>2</a:t>
+              <a:t>9</a:t>
             </a:r>
             <a:endParaRPr lang="zh-CN" altLang="en-US" dirty="0"/>
           </a:p>
@@ -13507,7 +12684,7 @@
       </p:sp>
       <p:sp>
         <p:nvSpPr>
-          <p:cNvPr id="2" name="文本框 1">
+          <p:cNvPr id="7" name="文本框 6">
             <a:hlinkClick r:id="rId8"/>
           </p:cNvPr>
           <p:cNvSpPr txBox="1"/>
@@ -13515,8 +12692,8 @@
         </p:nvSpPr>
         <p:spPr>
           <a:xfrm>
-            <a:off x="853388" y="4535379"/>
-            <a:ext cx="2262158" cy="369332"/>
+            <a:off x="7033483" y="1417123"/>
+            <a:ext cx="864339" cy="369332"/>
           </a:xfrm>
           <a:prstGeom prst="rect">
             <a:avLst/>
@@ -13530,15 +12707,16 @@
           <a:lstStyle/>
           <a:p>
             <a:r>
-              <a:rPr lang="zh-CN" altLang="en-US" dirty="0"/>
-              <a:t>两界为火，赤夜将熄</a:t>
-            </a:r>
-          </a:p>
-        </p:txBody>
-      </p:sp>
-      <p:sp>
-        <p:nvSpPr>
-          <p:cNvPr id="3" name="文本框 2">
+              <a:rPr lang="en-US" altLang="zh-CN" dirty="0"/>
+              <a:t>video1</a:t>
+            </a:r>
+            <a:endParaRPr lang="zh-CN" altLang="en-US" dirty="0"/>
+          </a:p>
+        </p:txBody>
+      </p:sp>
+      <p:sp>
+        <p:nvSpPr>
+          <p:cNvPr id="8" name="文本框 7">
             <a:hlinkClick r:id="rId9"/>
           </p:cNvPr>
           <p:cNvSpPr txBox="1"/>
@@ -13546,8 +12724,8 @@
         </p:nvSpPr>
         <p:spPr>
           <a:xfrm>
-            <a:off x="816813" y="5171649"/>
-            <a:ext cx="1159292" cy="369332"/>
+            <a:off x="1497295" y="2558559"/>
+            <a:ext cx="505267" cy="369332"/>
           </a:xfrm>
           <a:prstGeom prst="rect">
             <a:avLst/>
@@ -13562,7 +12740,7 @@
           <a:p>
             <a:r>
               <a:rPr lang="en-US" altLang="zh-CN" dirty="0"/>
-              <a:t>evermore</a:t>
+              <a:t>sr3</a:t>
             </a:r>
             <a:endParaRPr lang="zh-CN" altLang="en-US" dirty="0"/>
           </a:p>
@@ -13570,7 +12748,7 @@
       </p:sp>
       <p:sp>
         <p:nvSpPr>
-          <p:cNvPr id="5" name="文本框 4">
+          <p:cNvPr id="9" name="文本框 8">
             <a:hlinkClick r:id="rId10"/>
           </p:cNvPr>
           <p:cNvSpPr txBox="1"/>
@@ -13578,8 +12756,8 @@
         </p:nvSpPr>
         <p:spPr>
           <a:xfrm>
-            <a:off x="816813" y="5807919"/>
-            <a:ext cx="2262158" cy="369332"/>
+            <a:off x="1497295" y="3082753"/>
+            <a:ext cx="505267" cy="369332"/>
           </a:xfrm>
           <a:prstGeom prst="rect">
             <a:avLst/>
@@ -13593,24 +12771,30 @@
           <a:lstStyle/>
           <a:p>
             <a:r>
-              <a:rPr lang="zh-CN" altLang="en-US" dirty="0"/>
-              <a:t>地狱客栈第一期配音</a:t>
-            </a:r>
-          </a:p>
-        </p:txBody>
-      </p:sp>
-      <p:sp>
-        <p:nvSpPr>
-          <p:cNvPr id="6" name="文本框 5">
+              <a:rPr lang="en-US" altLang="zh-CN" dirty="0"/>
+              <a:t>sr4</a:t>
+            </a:r>
+            <a:endParaRPr lang="zh-CN" altLang="en-US" dirty="0"/>
+          </a:p>
+        </p:txBody>
+      </p:sp>
+      <p:sp>
+        <p:nvSpPr>
+          <p:cNvPr id="10" name="文本框 9">
             <a:hlinkClick r:id="rId11"/>
+            <a:extLst>
+              <a:ext uri="{FF2B5EF4-FFF2-40B4-BE49-F238E27FC236}">
+                <a16:creationId xmlns:a16="http://schemas.microsoft.com/office/drawing/2014/main" id="{86E2FE45-9A50-0D2E-99A9-F262E7DDD9C0}"/>
+              </a:ext>
+            </a:extLst>
           </p:cNvPr>
           <p:cNvSpPr txBox="1"/>
           <p:nvPr/>
         </p:nvSpPr>
         <p:spPr>
           <a:xfrm>
-            <a:off x="4964921" y="1353632"/>
-            <a:ext cx="646331" cy="369332"/>
+            <a:off x="7033483" y="1849428"/>
+            <a:ext cx="864339" cy="369332"/>
           </a:xfrm>
           <a:prstGeom prst="rect">
             <a:avLst/>
@@ -13624,24 +12808,30 @@
           <a:lstStyle/>
           <a:p>
             <a:r>
-              <a:rPr lang="zh-CN" altLang="en-US" dirty="0"/>
-              <a:t>银行</a:t>
-            </a:r>
-          </a:p>
-        </p:txBody>
-      </p:sp>
-      <p:sp>
-        <p:nvSpPr>
-          <p:cNvPr id="7" name="文本框 6">
+              <a:rPr lang="en-US" altLang="zh-CN" dirty="0"/>
+              <a:t>video2</a:t>
+            </a:r>
+            <a:endParaRPr lang="zh-CN" altLang="en-US" dirty="0"/>
+          </a:p>
+        </p:txBody>
+      </p:sp>
+      <p:sp>
+        <p:nvSpPr>
+          <p:cNvPr id="11" name="文本框 10">
             <a:hlinkClick r:id="rId12"/>
+            <a:extLst>
+              <a:ext uri="{FF2B5EF4-FFF2-40B4-BE49-F238E27FC236}">
+                <a16:creationId xmlns:a16="http://schemas.microsoft.com/office/drawing/2014/main" id="{3833F20D-3CA5-96E8-D873-314B7BF6F634}"/>
+              </a:ext>
+            </a:extLst>
           </p:cNvPr>
           <p:cNvSpPr txBox="1"/>
           <p:nvPr/>
         </p:nvSpPr>
         <p:spPr>
           <a:xfrm>
-            <a:off x="4964920" y="2097210"/>
-            <a:ext cx="364202" cy="369332"/>
+            <a:off x="7033483" y="2352757"/>
+            <a:ext cx="864339" cy="369332"/>
           </a:xfrm>
           <a:prstGeom prst="rect">
             <a:avLst/>
@@ -13656,7 +12846,7 @@
           <a:p>
             <a:r>
               <a:rPr lang="en-US" altLang="zh-CN" dirty="0"/>
-              <a:t>yf</a:t>
+              <a:t>video3</a:t>
             </a:r>
             <a:endParaRPr lang="zh-CN" altLang="en-US" dirty="0"/>
           </a:p>
@@ -13664,16 +12854,21 @@
       </p:sp>
       <p:sp>
         <p:nvSpPr>
-          <p:cNvPr id="9" name="文本框 8">
+          <p:cNvPr id="12" name="文本框 11">
             <a:hlinkClick r:id="rId13"/>
+            <a:extLst>
+              <a:ext uri="{FF2B5EF4-FFF2-40B4-BE49-F238E27FC236}">
+                <a16:creationId xmlns:a16="http://schemas.microsoft.com/office/drawing/2014/main" id="{40CFC9F7-79D2-B43C-AE18-9CED0F3CAE64}"/>
+              </a:ext>
+            </a:extLst>
           </p:cNvPr>
           <p:cNvSpPr txBox="1"/>
           <p:nvPr/>
         </p:nvSpPr>
         <p:spPr>
           <a:xfrm>
-            <a:off x="4972896" y="2893507"/>
-            <a:ext cx="3477041" cy="646331"/>
+            <a:off x="7033482" y="2842009"/>
+            <a:ext cx="864339" cy="369332"/>
           </a:xfrm>
           <a:prstGeom prst="rect">
             <a:avLst/>
@@ -13681,43 +12876,504 @@
           <a:noFill/>
         </p:spPr>
         <p:txBody>
-          <a:bodyPr wrap="square" rtlCol="0">
+          <a:bodyPr wrap="none" rtlCol="0">
             <a:spAutoFit/>
           </a:bodyPr>
           <a:lstStyle/>
           <a:p>
             <a:r>
               <a:rPr lang="en-US" altLang="zh-CN" dirty="0"/>
-              <a:t>《</a:t>
-            </a:r>
+              <a:t>video4</a:t>
+            </a:r>
+            <a:endParaRPr lang="zh-CN" altLang="en-US" dirty="0"/>
+          </a:p>
+        </p:txBody>
+      </p:sp>
+      <p:sp>
+        <p:nvSpPr>
+          <p:cNvPr id="13" name="文本框 12">
+            <a:hlinkClick r:id="rId14"/>
+            <a:extLst>
+              <a:ext uri="{FF2B5EF4-FFF2-40B4-BE49-F238E27FC236}">
+                <a16:creationId xmlns:a16="http://schemas.microsoft.com/office/drawing/2014/main" id="{D1841573-CFF3-2675-FA41-10EDA01596FB}"/>
+              </a:ext>
+            </a:extLst>
+          </p:cNvPr>
+          <p:cNvSpPr txBox="1"/>
+          <p:nvPr/>
+        </p:nvSpPr>
+        <p:spPr>
+          <a:xfrm>
+            <a:off x="1538685" y="4308001"/>
+            <a:ext cx="441146" cy="369332"/>
+          </a:xfrm>
+          <a:prstGeom prst="rect">
+            <a:avLst/>
+          </a:prstGeom>
+          <a:noFill/>
+        </p:spPr>
+        <p:txBody>
+          <a:bodyPr wrap="none" rtlCol="0">
+            <a:spAutoFit/>
+          </a:bodyPr>
+          <a:lstStyle/>
+          <a:p>
+            <a:r>
+              <a:rPr lang="en-US" altLang="zh-CN" dirty="0"/>
+              <a:t>19</a:t>
+            </a:r>
+            <a:endParaRPr lang="zh-CN" altLang="en-US" dirty="0"/>
+          </a:p>
+        </p:txBody>
+      </p:sp>
+      <p:sp>
+        <p:nvSpPr>
+          <p:cNvPr id="14" name="文本框 13">
+            <a:hlinkClick r:id="rId15"/>
+            <a:extLst>
+              <a:ext uri="{FF2B5EF4-FFF2-40B4-BE49-F238E27FC236}">
+                <a16:creationId xmlns:a16="http://schemas.microsoft.com/office/drawing/2014/main" id="{71A51B4C-C33D-DDD9-D893-A4A8CC828380}"/>
+              </a:ext>
+            </a:extLst>
+          </p:cNvPr>
+          <p:cNvSpPr txBox="1"/>
+          <p:nvPr/>
+        </p:nvSpPr>
+        <p:spPr>
+          <a:xfrm>
+            <a:off x="2448786" y="1459231"/>
+            <a:ext cx="1005403" cy="369332"/>
+          </a:xfrm>
+          <a:prstGeom prst="rect">
+            <a:avLst/>
+          </a:prstGeom>
+          <a:noFill/>
+        </p:spPr>
+        <p:txBody>
+          <a:bodyPr wrap="none" rtlCol="0">
+            <a:spAutoFit/>
+          </a:bodyPr>
+          <a:lstStyle/>
+          <a:p>
             <a:r>
               <a:rPr lang="zh-CN" altLang="en-US" dirty="0"/>
-              <a:t>崩坏：星穹铁道</a:t>
+              <a:t>第一章</a:t>
             </a:r>
             <a:r>
               <a:rPr lang="en-US" altLang="zh-CN" dirty="0"/>
-              <a:t>》</a:t>
-            </a:r>
+              <a:t>1</a:t>
+            </a:r>
+            <a:endParaRPr lang="zh-CN" altLang="en-US" dirty="0"/>
+          </a:p>
+        </p:txBody>
+      </p:sp>
+      <p:sp>
+        <p:nvSpPr>
+          <p:cNvPr id="15" name="文本框 14">
+            <a:hlinkClick r:id="rId16"/>
+            <a:extLst>
+              <a:ext uri="{FF2B5EF4-FFF2-40B4-BE49-F238E27FC236}">
+                <a16:creationId xmlns:a16="http://schemas.microsoft.com/office/drawing/2014/main" id="{B8C43555-6182-22E2-FBE6-DCF4EC490E56}"/>
+              </a:ext>
+            </a:extLst>
+          </p:cNvPr>
+          <p:cNvSpPr txBox="1"/>
+          <p:nvPr/>
+        </p:nvSpPr>
+        <p:spPr>
+          <a:xfrm>
+            <a:off x="2448786" y="1968343"/>
+            <a:ext cx="1005403" cy="369332"/>
+          </a:xfrm>
+          <a:prstGeom prst="rect">
+            <a:avLst/>
+          </a:prstGeom>
+          <a:noFill/>
+        </p:spPr>
+        <p:txBody>
+          <a:bodyPr wrap="none" rtlCol="0">
+            <a:spAutoFit/>
+          </a:bodyPr>
+          <a:lstStyle/>
+          <a:p>
             <a:r>
               <a:rPr lang="zh-CN" altLang="en-US" dirty="0"/>
-              <a:t>「</a:t>
+              <a:t>第一章</a:t>
             </a:r>
             <a:r>
               <a:rPr lang="en-US" altLang="zh-CN" dirty="0"/>
-              <a:t>2024</a:t>
-            </a:r>
+              <a:t>2</a:t>
+            </a:r>
+            <a:endParaRPr lang="zh-CN" altLang="en-US" dirty="0"/>
+          </a:p>
+        </p:txBody>
+      </p:sp>
+      <p:sp>
+        <p:nvSpPr>
+          <p:cNvPr id="16" name="文本框 15">
+            <a:hlinkClick r:id="rId17"/>
+            <a:extLst>
+              <a:ext uri="{FF2B5EF4-FFF2-40B4-BE49-F238E27FC236}">
+                <a16:creationId xmlns:a16="http://schemas.microsoft.com/office/drawing/2014/main" id="{A1B071B5-151F-8C65-27AA-C12C84D025CB}"/>
+              </a:ext>
+            </a:extLst>
+          </p:cNvPr>
+          <p:cNvSpPr txBox="1"/>
+          <p:nvPr/>
+        </p:nvSpPr>
+        <p:spPr>
+          <a:xfrm>
+            <a:off x="2448786" y="2561389"/>
+            <a:ext cx="1005403" cy="369332"/>
+          </a:xfrm>
+          <a:prstGeom prst="rect">
+            <a:avLst/>
+          </a:prstGeom>
+          <a:noFill/>
+        </p:spPr>
+        <p:txBody>
+          <a:bodyPr wrap="none" rtlCol="0">
+            <a:spAutoFit/>
+          </a:bodyPr>
+          <a:lstStyle/>
+          <a:p>
             <a:r>
               <a:rPr lang="zh-CN" altLang="en-US" dirty="0"/>
-              <a:t>星铁</a:t>
+              <a:t>第一章</a:t>
             </a:r>
             <a:r>
               <a:rPr lang="en-US" altLang="zh-CN" dirty="0"/>
-              <a:t>LIVE</a:t>
-            </a:r>
+              <a:t>3</a:t>
+            </a:r>
+            <a:endParaRPr lang="zh-CN" altLang="en-US" dirty="0"/>
+          </a:p>
+        </p:txBody>
+      </p:sp>
+      <p:sp>
+        <p:nvSpPr>
+          <p:cNvPr id="17" name="文本框 16">
+            <a:hlinkClick r:id="rId18"/>
+            <a:extLst>
+              <a:ext uri="{FF2B5EF4-FFF2-40B4-BE49-F238E27FC236}">
+                <a16:creationId xmlns:a16="http://schemas.microsoft.com/office/drawing/2014/main" id="{E8172D85-CA62-E923-4947-8B4C4A7C948D}"/>
+              </a:ext>
+            </a:extLst>
+          </p:cNvPr>
+          <p:cNvSpPr txBox="1"/>
+          <p:nvPr/>
+        </p:nvSpPr>
+        <p:spPr>
+          <a:xfrm>
+            <a:off x="2448785" y="3117453"/>
+            <a:ext cx="1005403" cy="369332"/>
+          </a:xfrm>
+          <a:prstGeom prst="rect">
+            <a:avLst/>
+          </a:prstGeom>
+          <a:noFill/>
+        </p:spPr>
+        <p:txBody>
+          <a:bodyPr wrap="none" rtlCol="0">
+            <a:spAutoFit/>
+          </a:bodyPr>
+          <a:lstStyle/>
+          <a:p>
             <a:r>
               <a:rPr lang="zh-CN" altLang="en-US" dirty="0"/>
-              <a:t>」演唱会官方录播完整版</a:t>
-            </a:r>
+              <a:t>第一章</a:t>
+            </a:r>
+            <a:r>
+              <a:rPr lang="en-US" altLang="zh-CN" dirty="0"/>
+              <a:t>4</a:t>
+            </a:r>
+            <a:endParaRPr lang="zh-CN" altLang="en-US" dirty="0"/>
+          </a:p>
+        </p:txBody>
+      </p:sp>
+      <p:sp>
+        <p:nvSpPr>
+          <p:cNvPr id="18" name="文本框 17">
+            <a:hlinkClick r:id="rId19"/>
+            <a:extLst>
+              <a:ext uri="{FF2B5EF4-FFF2-40B4-BE49-F238E27FC236}">
+                <a16:creationId xmlns:a16="http://schemas.microsoft.com/office/drawing/2014/main" id="{75517980-8CC9-6887-DAB9-F465F82A5E78}"/>
+              </a:ext>
+            </a:extLst>
+          </p:cNvPr>
+          <p:cNvSpPr txBox="1"/>
+          <p:nvPr/>
+        </p:nvSpPr>
+        <p:spPr>
+          <a:xfrm>
+            <a:off x="2448785" y="3626565"/>
+            <a:ext cx="1005403" cy="369332"/>
+          </a:xfrm>
+          <a:prstGeom prst="rect">
+            <a:avLst/>
+          </a:prstGeom>
+          <a:noFill/>
+        </p:spPr>
+        <p:txBody>
+          <a:bodyPr wrap="none" rtlCol="0">
+            <a:spAutoFit/>
+          </a:bodyPr>
+          <a:lstStyle/>
+          <a:p>
+            <a:r>
+              <a:rPr lang="zh-CN" altLang="en-US" dirty="0"/>
+              <a:t>第一章</a:t>
+            </a:r>
+            <a:r>
+              <a:rPr lang="en-US" altLang="zh-CN" dirty="0"/>
+              <a:t>5</a:t>
+            </a:r>
+            <a:endParaRPr lang="zh-CN" altLang="en-US" dirty="0"/>
+          </a:p>
+        </p:txBody>
+      </p:sp>
+      <p:sp>
+        <p:nvSpPr>
+          <p:cNvPr id="19" name="文本框 18">
+            <a:hlinkClick r:id="rId20"/>
+            <a:extLst>
+              <a:ext uri="{FF2B5EF4-FFF2-40B4-BE49-F238E27FC236}">
+                <a16:creationId xmlns:a16="http://schemas.microsoft.com/office/drawing/2014/main" id="{2E650DD8-41B2-5410-FE64-ABC4726F65AE}"/>
+              </a:ext>
+            </a:extLst>
+          </p:cNvPr>
+          <p:cNvSpPr txBox="1"/>
+          <p:nvPr/>
+        </p:nvSpPr>
+        <p:spPr>
+          <a:xfrm>
+            <a:off x="2448785" y="4267970"/>
+            <a:ext cx="1005403" cy="369332"/>
+          </a:xfrm>
+          <a:prstGeom prst="rect">
+            <a:avLst/>
+          </a:prstGeom>
+          <a:noFill/>
+        </p:spPr>
+        <p:txBody>
+          <a:bodyPr wrap="none" rtlCol="0">
+            <a:spAutoFit/>
+          </a:bodyPr>
+          <a:lstStyle/>
+          <a:p>
+            <a:r>
+              <a:rPr lang="zh-CN" altLang="en-US" dirty="0"/>
+              <a:t>第一章</a:t>
+            </a:r>
+            <a:r>
+              <a:rPr lang="en-US" altLang="zh-CN" dirty="0"/>
+              <a:t>6</a:t>
+            </a:r>
+            <a:endParaRPr lang="zh-CN" altLang="en-US" dirty="0"/>
+          </a:p>
+        </p:txBody>
+      </p:sp>
+      <p:sp>
+        <p:nvSpPr>
+          <p:cNvPr id="20" name="文本框 19">
+            <a:hlinkClick r:id="rId21"/>
+            <a:extLst>
+              <a:ext uri="{FF2B5EF4-FFF2-40B4-BE49-F238E27FC236}">
+                <a16:creationId xmlns:a16="http://schemas.microsoft.com/office/drawing/2014/main" id="{0D1D8006-954F-FCA5-1D1F-42259A7D7867}"/>
+              </a:ext>
+            </a:extLst>
+          </p:cNvPr>
+          <p:cNvSpPr txBox="1"/>
+          <p:nvPr/>
+        </p:nvSpPr>
+        <p:spPr>
+          <a:xfrm>
+            <a:off x="3647778" y="1464009"/>
+            <a:ext cx="1005403" cy="369332"/>
+          </a:xfrm>
+          <a:prstGeom prst="rect">
+            <a:avLst/>
+          </a:prstGeom>
+          <a:noFill/>
+        </p:spPr>
+        <p:txBody>
+          <a:bodyPr wrap="none" rtlCol="0">
+            <a:spAutoFit/>
+          </a:bodyPr>
+          <a:lstStyle/>
+          <a:p>
+            <a:r>
+              <a:rPr lang="zh-CN" altLang="en-US" dirty="0"/>
+              <a:t>第一章</a:t>
+            </a:r>
+            <a:r>
+              <a:rPr lang="en-US" altLang="zh-CN" dirty="0"/>
+              <a:t>7</a:t>
+            </a:r>
+            <a:endParaRPr lang="zh-CN" altLang="en-US" dirty="0"/>
+          </a:p>
+        </p:txBody>
+      </p:sp>
+      <p:sp>
+        <p:nvSpPr>
+          <p:cNvPr id="21" name="文本框 20">
+            <a:hlinkClick r:id="rId22"/>
+            <a:extLst>
+              <a:ext uri="{FF2B5EF4-FFF2-40B4-BE49-F238E27FC236}">
+                <a16:creationId xmlns:a16="http://schemas.microsoft.com/office/drawing/2014/main" id="{91AFE53D-35CA-E466-7547-D84F8823F5ED}"/>
+              </a:ext>
+            </a:extLst>
+          </p:cNvPr>
+          <p:cNvSpPr txBox="1"/>
+          <p:nvPr/>
+        </p:nvSpPr>
+        <p:spPr>
+          <a:xfrm>
+            <a:off x="3647777" y="2607525"/>
+            <a:ext cx="1005403" cy="369332"/>
+          </a:xfrm>
+          <a:prstGeom prst="rect">
+            <a:avLst/>
+          </a:prstGeom>
+          <a:noFill/>
+        </p:spPr>
+        <p:txBody>
+          <a:bodyPr wrap="none" rtlCol="0">
+            <a:spAutoFit/>
+          </a:bodyPr>
+          <a:lstStyle/>
+          <a:p>
+            <a:r>
+              <a:rPr lang="zh-CN" altLang="en-US" dirty="0"/>
+              <a:t>第二章</a:t>
+            </a:r>
+            <a:r>
+              <a:rPr lang="en-US" altLang="zh-CN" dirty="0"/>
+              <a:t>2</a:t>
+            </a:r>
+            <a:endParaRPr lang="zh-CN" altLang="en-US" dirty="0"/>
+          </a:p>
+        </p:txBody>
+      </p:sp>
+      <p:sp>
+        <p:nvSpPr>
+          <p:cNvPr id="22" name="文本框 21">
+            <a:hlinkClick r:id="rId23"/>
+            <a:extLst>
+              <a:ext uri="{FF2B5EF4-FFF2-40B4-BE49-F238E27FC236}">
+                <a16:creationId xmlns:a16="http://schemas.microsoft.com/office/drawing/2014/main" id="{4293AD19-DF12-5614-2DD8-CCB6858F8D47}"/>
+              </a:ext>
+            </a:extLst>
+          </p:cNvPr>
+          <p:cNvSpPr txBox="1"/>
+          <p:nvPr/>
+        </p:nvSpPr>
+        <p:spPr>
+          <a:xfrm>
+            <a:off x="3625542" y="1999676"/>
+            <a:ext cx="1005403" cy="369332"/>
+          </a:xfrm>
+          <a:prstGeom prst="rect">
+            <a:avLst/>
+          </a:prstGeom>
+          <a:noFill/>
+        </p:spPr>
+        <p:txBody>
+          <a:bodyPr wrap="none" rtlCol="0">
+            <a:spAutoFit/>
+          </a:bodyPr>
+          <a:lstStyle/>
+          <a:p>
+            <a:r>
+              <a:rPr lang="zh-CN" altLang="en-US" dirty="0"/>
+              <a:t>第二章</a:t>
+            </a:r>
+            <a:r>
+              <a:rPr lang="en-US" altLang="zh-CN" dirty="0"/>
+              <a:t>1</a:t>
+            </a:r>
+            <a:endParaRPr lang="zh-CN" altLang="en-US" dirty="0"/>
+          </a:p>
+        </p:txBody>
+      </p:sp>
+      <p:sp>
+        <p:nvSpPr>
+          <p:cNvPr id="23" name="文本框 22">
+            <a:hlinkClick r:id="rId24"/>
+            <a:extLst>
+              <a:ext uri="{FF2B5EF4-FFF2-40B4-BE49-F238E27FC236}">
+                <a16:creationId xmlns:a16="http://schemas.microsoft.com/office/drawing/2014/main" id="{FF248CFD-37EC-71A8-6897-F35DA6A7C49D}"/>
+              </a:ext>
+            </a:extLst>
+          </p:cNvPr>
+          <p:cNvSpPr txBox="1"/>
+          <p:nvPr/>
+        </p:nvSpPr>
+        <p:spPr>
+          <a:xfrm>
+            <a:off x="3647777" y="3678859"/>
+            <a:ext cx="1005403" cy="369332"/>
+          </a:xfrm>
+          <a:prstGeom prst="rect">
+            <a:avLst/>
+          </a:prstGeom>
+          <a:noFill/>
+        </p:spPr>
+        <p:txBody>
+          <a:bodyPr wrap="none" rtlCol="0">
+            <a:spAutoFit/>
+          </a:bodyPr>
+          <a:lstStyle/>
+          <a:p>
+            <a:r>
+              <a:rPr lang="zh-CN" altLang="en-US" dirty="0"/>
+              <a:t>第二章</a:t>
+            </a:r>
+            <a:r>
+              <a:rPr lang="en-US" altLang="zh-CN" dirty="0"/>
+              <a:t>4</a:t>
+            </a:r>
+            <a:endParaRPr lang="zh-CN" altLang="en-US" dirty="0"/>
+          </a:p>
+        </p:txBody>
+      </p:sp>
+      <p:sp>
+        <p:nvSpPr>
+          <p:cNvPr id="24" name="文本框 23">
+            <a:hlinkClick r:id="rId25"/>
+            <a:extLst>
+              <a:ext uri="{FF2B5EF4-FFF2-40B4-BE49-F238E27FC236}">
+                <a16:creationId xmlns:a16="http://schemas.microsoft.com/office/drawing/2014/main" id="{8EF6CB81-FF27-9B3F-13F3-663C8CD371FC}"/>
+              </a:ext>
+            </a:extLst>
+          </p:cNvPr>
+          <p:cNvSpPr txBox="1"/>
+          <p:nvPr/>
+        </p:nvSpPr>
+        <p:spPr>
+          <a:xfrm>
+            <a:off x="3638241" y="3094575"/>
+            <a:ext cx="1005403" cy="369332"/>
+          </a:xfrm>
+          <a:prstGeom prst="rect">
+            <a:avLst/>
+          </a:prstGeom>
+          <a:noFill/>
+        </p:spPr>
+        <p:txBody>
+          <a:bodyPr wrap="none" rtlCol="0">
+            <a:spAutoFit/>
+          </a:bodyPr>
+          <a:lstStyle/>
+          <a:p>
+            <a:r>
+              <a:rPr lang="zh-CN" altLang="en-US" dirty="0"/>
+              <a:t>第二章</a:t>
+            </a:r>
+            <a:r>
+              <a:rPr lang="en-US" altLang="zh-CN" dirty="0"/>
+              <a:t>3</a:t>
+            </a:r>
+            <a:endParaRPr lang="zh-CN" altLang="en-US" dirty="0"/>
           </a:p>
         </p:txBody>
       </p:sp>
@@ -13786,7 +13442,7 @@
       </p:sp>
       <p:sp>
         <p:nvSpPr>
-          <p:cNvPr id="8" name="文本框 7">
+          <p:cNvPr id="18" name="文本框 17">
             <a:hlinkClick r:id="rId3"/>
           </p:cNvPr>
           <p:cNvSpPr txBox="1"/>
@@ -13794,8 +13450,8 @@
         </p:nvSpPr>
         <p:spPr>
           <a:xfrm>
-            <a:off x="3929039" y="2115497"/>
-            <a:ext cx="877163" cy="369332"/>
+            <a:off x="853388" y="1353632"/>
+            <a:ext cx="1338828" cy="369332"/>
           </a:xfrm>
           <a:prstGeom prst="rect">
             <a:avLst/>
@@ -13810,14 +13466,14 @@
           <a:p>
             <a:r>
               <a:rPr lang="zh-CN" altLang="en-US" dirty="0"/>
-              <a:t>转庭悟</a:t>
-            </a:r>
-          </a:p>
-        </p:txBody>
-      </p:sp>
-      <p:sp>
-        <p:nvSpPr>
-          <p:cNvPr id="9" name="文本框 8">
+              <a:t>苏州音乐会</a:t>
+            </a:r>
+          </a:p>
+        </p:txBody>
+      </p:sp>
+      <p:sp>
+        <p:nvSpPr>
+          <p:cNvPr id="27" name="文本框 26">
             <a:hlinkClick r:id="rId4"/>
           </p:cNvPr>
           <p:cNvSpPr txBox="1"/>
@@ -13825,8 +13481,8 @@
         </p:nvSpPr>
         <p:spPr>
           <a:xfrm>
-            <a:off x="5218836" y="1399664"/>
-            <a:ext cx="1107996" cy="369332"/>
+            <a:off x="853388" y="2626569"/>
+            <a:ext cx="889987" cy="368935"/>
           </a:xfrm>
           <a:prstGeom prst="rect">
             <a:avLst/>
@@ -13840,15 +13496,16 @@
           <a:lstStyle/>
           <a:p>
             <a:r>
-              <a:rPr lang="zh-CN" altLang="en-US" dirty="0"/>
-              <a:t>白首太玄</a:t>
-            </a:r>
-          </a:p>
-        </p:txBody>
-      </p:sp>
-      <p:sp>
-        <p:nvSpPr>
-          <p:cNvPr id="10" name="文本框 9">
+              <a:rPr lang="en-US" altLang="zh-CN" dirty="0"/>
+              <a:t>Bukehi</a:t>
+            </a:r>
+            <a:endParaRPr lang="zh-CN" altLang="en-US" dirty="0"/>
+          </a:p>
+        </p:txBody>
+      </p:sp>
+      <p:sp>
+        <p:nvSpPr>
+          <p:cNvPr id="28" name="文本框 27">
             <a:hlinkClick r:id="rId5"/>
           </p:cNvPr>
           <p:cNvSpPr txBox="1"/>
@@ -13856,8 +13513,8 @@
         </p:nvSpPr>
         <p:spPr>
           <a:xfrm>
-            <a:off x="3929039" y="1399664"/>
-            <a:ext cx="1107996" cy="369332"/>
+            <a:off x="853388" y="1990299"/>
+            <a:ext cx="992579" cy="368935"/>
           </a:xfrm>
           <a:prstGeom prst="rect">
             <a:avLst/>
@@ -13872,14 +13529,19 @@
           <a:p>
             <a:r>
               <a:rPr lang="zh-CN" altLang="en-US" dirty="0"/>
-              <a:t>五岳为轻</a:t>
-            </a:r>
-          </a:p>
-        </p:txBody>
-      </p:sp>
-      <p:sp>
-        <p:nvSpPr>
-          <p:cNvPr id="11" name="文本框 10">
+              <a:t>迟迟</a:t>
+            </a:r>
+            <a:r>
+              <a:rPr lang="en-US" altLang="zh-CN" dirty="0"/>
+              <a:t>MV</a:t>
+            </a:r>
+            <a:endParaRPr lang="zh-CN" altLang="en-US" dirty="0"/>
+          </a:p>
+        </p:txBody>
+      </p:sp>
+      <p:sp>
+        <p:nvSpPr>
+          <p:cNvPr id="29" name="文本框 28">
             <a:hlinkClick r:id="rId6"/>
           </p:cNvPr>
           <p:cNvSpPr txBox="1"/>
@@ -13887,8 +13549,8 @@
         </p:nvSpPr>
         <p:spPr>
           <a:xfrm>
-            <a:off x="825065" y="1415827"/>
-            <a:ext cx="1107996" cy="369332"/>
+            <a:off x="853388" y="3262839"/>
+            <a:ext cx="1864613" cy="368935"/>
           </a:xfrm>
           <a:prstGeom prst="rect">
             <a:avLst/>
@@ -13903,14 +13565,14 @@
           <a:p>
             <a:r>
               <a:rPr lang="zh-CN" altLang="en-US" dirty="0"/>
-              <a:t>煊赫大梁</a:t>
-            </a:r>
-          </a:p>
-        </p:txBody>
-      </p:sp>
-      <p:sp>
-        <p:nvSpPr>
-          <p:cNvPr id="12" name="文本框 11">
+              <a:t>天外来物音乐会</a:t>
+            </a:r>
+          </a:p>
+        </p:txBody>
+      </p:sp>
+      <p:sp>
+        <p:nvSpPr>
+          <p:cNvPr id="30" name="文本框 29">
             <a:hlinkClick r:id="rId7"/>
           </p:cNvPr>
           <p:cNvSpPr txBox="1"/>
@@ -13918,8 +13580,8 @@
         </p:nvSpPr>
         <p:spPr>
           <a:xfrm>
-            <a:off x="2371752" y="2115497"/>
-            <a:ext cx="1107996" cy="369332"/>
+            <a:off x="814468" y="3899109"/>
+            <a:ext cx="1928733" cy="368935"/>
           </a:xfrm>
           <a:prstGeom prst="rect">
             <a:avLst/>
@@ -13934,14 +13596,19 @@
           <a:p>
             <a:r>
               <a:rPr lang="zh-CN" altLang="en-US" dirty="0"/>
-              <a:t>白云苍狗</a:t>
-            </a:r>
-          </a:p>
-        </p:txBody>
-      </p:sp>
-      <p:sp>
-        <p:nvSpPr>
-          <p:cNvPr id="13" name="文本框 12">
+              <a:t>天外来物音乐会</a:t>
+            </a:r>
+            <a:r>
+              <a:rPr lang="en-US" altLang="zh-CN" dirty="0"/>
+              <a:t>2</a:t>
+            </a:r>
+            <a:endParaRPr lang="zh-CN" altLang="en-US" dirty="0"/>
+          </a:p>
+        </p:txBody>
+      </p:sp>
+      <p:sp>
+        <p:nvSpPr>
+          <p:cNvPr id="2" name="文本框 1">
             <a:hlinkClick r:id="rId8"/>
           </p:cNvPr>
           <p:cNvSpPr txBox="1"/>
@@ -13949,8 +13616,8 @@
         </p:nvSpPr>
         <p:spPr>
           <a:xfrm>
-            <a:off x="814465" y="2094570"/>
-            <a:ext cx="1107996" cy="369332"/>
+            <a:off x="853388" y="4535379"/>
+            <a:ext cx="2262158" cy="369332"/>
           </a:xfrm>
           <a:prstGeom prst="rect">
             <a:avLst/>
@@ -13965,14 +13632,14 @@
           <a:p>
             <a:r>
               <a:rPr lang="zh-CN" altLang="en-US" dirty="0"/>
-              <a:t>流刃若火</a:t>
-            </a:r>
-          </a:p>
-        </p:txBody>
-      </p:sp>
-      <p:sp>
-        <p:nvSpPr>
-          <p:cNvPr id="14" name="文本框 13">
+              <a:t>两界为火，赤夜将熄</a:t>
+            </a:r>
+          </a:p>
+        </p:txBody>
+      </p:sp>
+      <p:sp>
+        <p:nvSpPr>
+          <p:cNvPr id="3" name="文本框 2">
             <a:hlinkClick r:id="rId9"/>
           </p:cNvPr>
           <p:cNvSpPr txBox="1"/>
@@ -13980,8 +13647,8 @@
         </p:nvSpPr>
         <p:spPr>
           <a:xfrm>
-            <a:off x="814465" y="2799847"/>
-            <a:ext cx="1107996" cy="369332"/>
+            <a:off x="816813" y="5171649"/>
+            <a:ext cx="1159292" cy="369332"/>
           </a:xfrm>
           <a:prstGeom prst="rect">
             <a:avLst/>
@@ -13995,15 +13662,16 @@
           <a:lstStyle/>
           <a:p>
             <a:r>
-              <a:rPr lang="zh-CN" altLang="en-US" dirty="0"/>
-              <a:t>晨钟萦耳</a:t>
-            </a:r>
-          </a:p>
-        </p:txBody>
-      </p:sp>
-      <p:sp>
-        <p:nvSpPr>
-          <p:cNvPr id="15" name="文本框 14">
+              <a:rPr lang="en-US" altLang="zh-CN" dirty="0"/>
+              <a:t>evermore</a:t>
+            </a:r>
+            <a:endParaRPr lang="zh-CN" altLang="en-US" dirty="0"/>
+          </a:p>
+        </p:txBody>
+      </p:sp>
+      <p:sp>
+        <p:nvSpPr>
+          <p:cNvPr id="5" name="文本框 4">
             <a:hlinkClick r:id="rId10"/>
           </p:cNvPr>
           <p:cNvSpPr txBox="1"/>
@@ -14011,8 +13679,8 @@
         </p:nvSpPr>
         <p:spPr>
           <a:xfrm>
-            <a:off x="2397965" y="1399664"/>
-            <a:ext cx="1107996" cy="369332"/>
+            <a:off x="816813" y="5807919"/>
+            <a:ext cx="2262158" cy="369332"/>
           </a:xfrm>
           <a:prstGeom prst="rect">
             <a:avLst/>
@@ -14027,14 +13695,14 @@
           <a:p>
             <a:r>
               <a:rPr lang="zh-CN" altLang="en-US" dirty="0"/>
-              <a:t>飒沓流星</a:t>
-            </a:r>
-          </a:p>
-        </p:txBody>
-      </p:sp>
-      <p:sp>
-        <p:nvSpPr>
-          <p:cNvPr id="16" name="文本框 15">
+              <a:t>地狱客栈第一期配音</a:t>
+            </a:r>
+          </a:p>
+        </p:txBody>
+      </p:sp>
+      <p:sp>
+        <p:nvSpPr>
+          <p:cNvPr id="6" name="文本框 5">
             <a:hlinkClick r:id="rId11"/>
           </p:cNvPr>
           <p:cNvSpPr txBox="1"/>
@@ -14042,7 +13710,7 @@
         </p:nvSpPr>
         <p:spPr>
           <a:xfrm>
-            <a:off x="5449669" y="2115497"/>
+            <a:off x="4964921" y="1353632"/>
             <a:ext cx="646331" cy="369332"/>
           </a:xfrm>
           <a:prstGeom prst="rect">
@@ -14058,7 +13726,98 @@
           <a:p>
             <a:r>
               <a:rPr lang="zh-CN" altLang="en-US" dirty="0"/>
-              <a:t>留仙</a:t>
+              <a:t>银行</a:t>
+            </a:r>
+          </a:p>
+        </p:txBody>
+      </p:sp>
+      <p:sp>
+        <p:nvSpPr>
+          <p:cNvPr id="7" name="文本框 6">
+            <a:hlinkClick r:id="rId12"/>
+          </p:cNvPr>
+          <p:cNvSpPr txBox="1"/>
+          <p:nvPr/>
+        </p:nvSpPr>
+        <p:spPr>
+          <a:xfrm>
+            <a:off x="4964920" y="2097210"/>
+            <a:ext cx="364202" cy="369332"/>
+          </a:xfrm>
+          <a:prstGeom prst="rect">
+            <a:avLst/>
+          </a:prstGeom>
+          <a:noFill/>
+        </p:spPr>
+        <p:txBody>
+          <a:bodyPr wrap="none" rtlCol="0">
+            <a:spAutoFit/>
+          </a:bodyPr>
+          <a:lstStyle/>
+          <a:p>
+            <a:r>
+              <a:rPr lang="en-US" altLang="zh-CN" dirty="0"/>
+              <a:t>yf</a:t>
+            </a:r>
+            <a:endParaRPr lang="zh-CN" altLang="en-US" dirty="0"/>
+          </a:p>
+        </p:txBody>
+      </p:sp>
+      <p:sp>
+        <p:nvSpPr>
+          <p:cNvPr id="9" name="文本框 8">
+            <a:hlinkClick r:id="rId13"/>
+          </p:cNvPr>
+          <p:cNvSpPr txBox="1"/>
+          <p:nvPr/>
+        </p:nvSpPr>
+        <p:spPr>
+          <a:xfrm>
+            <a:off x="4972896" y="2893507"/>
+            <a:ext cx="3477041" cy="646331"/>
+          </a:xfrm>
+          <a:prstGeom prst="rect">
+            <a:avLst/>
+          </a:prstGeom>
+          <a:noFill/>
+        </p:spPr>
+        <p:txBody>
+          <a:bodyPr wrap="square" rtlCol="0">
+            <a:spAutoFit/>
+          </a:bodyPr>
+          <a:lstStyle/>
+          <a:p>
+            <a:r>
+              <a:rPr lang="en-US" altLang="zh-CN" dirty="0"/>
+              <a:t>《</a:t>
+            </a:r>
+            <a:r>
+              <a:rPr lang="zh-CN" altLang="en-US" dirty="0"/>
+              <a:t>崩坏：星穹铁道</a:t>
+            </a:r>
+            <a:r>
+              <a:rPr lang="en-US" altLang="zh-CN" dirty="0"/>
+              <a:t>》</a:t>
+            </a:r>
+            <a:r>
+              <a:rPr lang="zh-CN" altLang="en-US" dirty="0"/>
+              <a:t>「</a:t>
+            </a:r>
+            <a:r>
+              <a:rPr lang="en-US" altLang="zh-CN" dirty="0"/>
+              <a:t>2024</a:t>
+            </a:r>
+            <a:r>
+              <a:rPr lang="zh-CN" altLang="en-US" dirty="0"/>
+              <a:t>星铁</a:t>
+            </a:r>
+            <a:r>
+              <a:rPr lang="en-US" altLang="zh-CN" dirty="0"/>
+              <a:t>LIVE</a:t>
+            </a:r>
+            <a:r>
+              <a:rPr lang="zh-CN" altLang="en-US" dirty="0"/>
+              <a:t>」演唱会官方录播完整版</a:t>
             </a:r>
           </a:p>
         </p:txBody>
@@ -14638,6 +14397,348 @@
 </file>
 
 <file path=ppt/slides/slide20.xml><?xml version="1.0" encoding="utf-8"?>
+<p:sld xmlns:a="http://schemas.openxmlformats.org/drawingml/2006/main" xmlns:r="http://schemas.openxmlformats.org/officeDocument/2006/relationships" xmlns:p="http://schemas.openxmlformats.org/presentationml/2006/main">
+  <p:cSld>
+    <p:spTree>
+      <p:nvGrpSpPr>
+        <p:cNvPr id="1" name=""/>
+        <p:cNvGrpSpPr/>
+        <p:nvPr/>
+      </p:nvGrpSpPr>
+      <p:grpSpPr>
+        <a:xfrm>
+          <a:off x="0" y="0"/>
+          <a:ext cx="0" cy="0"/>
+          <a:chOff x="0" y="0"/>
+          <a:chExt cx="0" cy="0"/>
+        </a:xfrm>
+      </p:grpSpPr>
+      <p:sp>
+        <p:nvSpPr>
+          <p:cNvPr id="4" name="标题 3"/>
+          <p:cNvSpPr>
+            <a:spLocks noGrp="1"/>
+          </p:cNvSpPr>
+          <p:nvPr>
+            <p:ph type="title"/>
+          </p:nvPr>
+        </p:nvSpPr>
+        <p:spPr>
+          <a:xfrm>
+            <a:off x="458882" y="315715"/>
+            <a:ext cx="2259119" cy="368301"/>
+          </a:xfrm>
+        </p:spPr>
+        <p:txBody>
+          <a:bodyPr>
+            <a:normAutofit fontScale="90000"/>
+          </a:bodyPr>
+          <a:lstStyle/>
+          <a:p>
+            <a:r>
+              <a:rPr lang="zh-CN" altLang="en-US" dirty="0"/>
+              <a:t>音乐</a:t>
+            </a:r>
+            <a:r>
+              <a:rPr lang="en-US" altLang="zh-CN" dirty="0"/>
+              <a:t>&amp;</a:t>
+            </a:r>
+            <a:r>
+              <a:rPr lang="zh-CN" altLang="en-US" dirty="0"/>
+              <a:t>视频</a:t>
+            </a:r>
+          </a:p>
+        </p:txBody>
+      </p:sp>
+      <p:sp>
+        <p:nvSpPr>
+          <p:cNvPr id="8" name="文本框 7">
+            <a:hlinkClick r:id="rId3"/>
+          </p:cNvPr>
+          <p:cNvSpPr txBox="1"/>
+          <p:nvPr/>
+        </p:nvSpPr>
+        <p:spPr>
+          <a:xfrm>
+            <a:off x="3929039" y="2115497"/>
+            <a:ext cx="877163" cy="369332"/>
+          </a:xfrm>
+          <a:prstGeom prst="rect">
+            <a:avLst/>
+          </a:prstGeom>
+          <a:noFill/>
+        </p:spPr>
+        <p:txBody>
+          <a:bodyPr wrap="none" rtlCol="0">
+            <a:spAutoFit/>
+          </a:bodyPr>
+          <a:lstStyle/>
+          <a:p>
+            <a:r>
+              <a:rPr lang="zh-CN" altLang="en-US" dirty="0"/>
+              <a:t>转庭悟</a:t>
+            </a:r>
+          </a:p>
+        </p:txBody>
+      </p:sp>
+      <p:sp>
+        <p:nvSpPr>
+          <p:cNvPr id="9" name="文本框 8">
+            <a:hlinkClick r:id="rId4"/>
+          </p:cNvPr>
+          <p:cNvSpPr txBox="1"/>
+          <p:nvPr/>
+        </p:nvSpPr>
+        <p:spPr>
+          <a:xfrm>
+            <a:off x="5218836" y="1399664"/>
+            <a:ext cx="1107996" cy="369332"/>
+          </a:xfrm>
+          <a:prstGeom prst="rect">
+            <a:avLst/>
+          </a:prstGeom>
+          <a:noFill/>
+        </p:spPr>
+        <p:txBody>
+          <a:bodyPr wrap="none" rtlCol="0">
+            <a:spAutoFit/>
+          </a:bodyPr>
+          <a:lstStyle/>
+          <a:p>
+            <a:r>
+              <a:rPr lang="zh-CN" altLang="en-US" dirty="0"/>
+              <a:t>白首太玄</a:t>
+            </a:r>
+          </a:p>
+        </p:txBody>
+      </p:sp>
+      <p:sp>
+        <p:nvSpPr>
+          <p:cNvPr id="10" name="文本框 9">
+            <a:hlinkClick r:id="rId5"/>
+          </p:cNvPr>
+          <p:cNvSpPr txBox="1"/>
+          <p:nvPr/>
+        </p:nvSpPr>
+        <p:spPr>
+          <a:xfrm>
+            <a:off x="3929039" y="1399664"/>
+            <a:ext cx="1107996" cy="369332"/>
+          </a:xfrm>
+          <a:prstGeom prst="rect">
+            <a:avLst/>
+          </a:prstGeom>
+          <a:noFill/>
+        </p:spPr>
+        <p:txBody>
+          <a:bodyPr wrap="none" rtlCol="0">
+            <a:spAutoFit/>
+          </a:bodyPr>
+          <a:lstStyle/>
+          <a:p>
+            <a:r>
+              <a:rPr lang="zh-CN" altLang="en-US" dirty="0"/>
+              <a:t>五岳为轻</a:t>
+            </a:r>
+          </a:p>
+        </p:txBody>
+      </p:sp>
+      <p:sp>
+        <p:nvSpPr>
+          <p:cNvPr id="11" name="文本框 10">
+            <a:hlinkClick r:id="rId6"/>
+          </p:cNvPr>
+          <p:cNvSpPr txBox="1"/>
+          <p:nvPr/>
+        </p:nvSpPr>
+        <p:spPr>
+          <a:xfrm>
+            <a:off x="825065" y="1415827"/>
+            <a:ext cx="1107996" cy="369332"/>
+          </a:xfrm>
+          <a:prstGeom prst="rect">
+            <a:avLst/>
+          </a:prstGeom>
+          <a:noFill/>
+        </p:spPr>
+        <p:txBody>
+          <a:bodyPr wrap="none" rtlCol="0">
+            <a:spAutoFit/>
+          </a:bodyPr>
+          <a:lstStyle/>
+          <a:p>
+            <a:r>
+              <a:rPr lang="zh-CN" altLang="en-US" dirty="0"/>
+              <a:t>煊赫大梁</a:t>
+            </a:r>
+          </a:p>
+        </p:txBody>
+      </p:sp>
+      <p:sp>
+        <p:nvSpPr>
+          <p:cNvPr id="12" name="文本框 11">
+            <a:hlinkClick r:id="rId7"/>
+          </p:cNvPr>
+          <p:cNvSpPr txBox="1"/>
+          <p:nvPr/>
+        </p:nvSpPr>
+        <p:spPr>
+          <a:xfrm>
+            <a:off x="2371752" y="2115497"/>
+            <a:ext cx="1107996" cy="369332"/>
+          </a:xfrm>
+          <a:prstGeom prst="rect">
+            <a:avLst/>
+          </a:prstGeom>
+          <a:noFill/>
+        </p:spPr>
+        <p:txBody>
+          <a:bodyPr wrap="none" rtlCol="0">
+            <a:spAutoFit/>
+          </a:bodyPr>
+          <a:lstStyle/>
+          <a:p>
+            <a:r>
+              <a:rPr lang="zh-CN" altLang="en-US" dirty="0"/>
+              <a:t>白云苍狗</a:t>
+            </a:r>
+          </a:p>
+        </p:txBody>
+      </p:sp>
+      <p:sp>
+        <p:nvSpPr>
+          <p:cNvPr id="13" name="文本框 12">
+            <a:hlinkClick r:id="rId8"/>
+          </p:cNvPr>
+          <p:cNvSpPr txBox="1"/>
+          <p:nvPr/>
+        </p:nvSpPr>
+        <p:spPr>
+          <a:xfrm>
+            <a:off x="814465" y="2094570"/>
+            <a:ext cx="1107996" cy="369332"/>
+          </a:xfrm>
+          <a:prstGeom prst="rect">
+            <a:avLst/>
+          </a:prstGeom>
+          <a:noFill/>
+        </p:spPr>
+        <p:txBody>
+          <a:bodyPr wrap="none" rtlCol="0">
+            <a:spAutoFit/>
+          </a:bodyPr>
+          <a:lstStyle/>
+          <a:p>
+            <a:r>
+              <a:rPr lang="zh-CN" altLang="en-US" dirty="0"/>
+              <a:t>流刃若火</a:t>
+            </a:r>
+          </a:p>
+        </p:txBody>
+      </p:sp>
+      <p:sp>
+        <p:nvSpPr>
+          <p:cNvPr id="14" name="文本框 13">
+            <a:hlinkClick r:id="rId9"/>
+          </p:cNvPr>
+          <p:cNvSpPr txBox="1"/>
+          <p:nvPr/>
+        </p:nvSpPr>
+        <p:spPr>
+          <a:xfrm>
+            <a:off x="814465" y="2799847"/>
+            <a:ext cx="1107996" cy="369332"/>
+          </a:xfrm>
+          <a:prstGeom prst="rect">
+            <a:avLst/>
+          </a:prstGeom>
+          <a:noFill/>
+        </p:spPr>
+        <p:txBody>
+          <a:bodyPr wrap="none" rtlCol="0">
+            <a:spAutoFit/>
+          </a:bodyPr>
+          <a:lstStyle/>
+          <a:p>
+            <a:r>
+              <a:rPr lang="zh-CN" altLang="en-US" dirty="0"/>
+              <a:t>晨钟萦耳</a:t>
+            </a:r>
+          </a:p>
+        </p:txBody>
+      </p:sp>
+      <p:sp>
+        <p:nvSpPr>
+          <p:cNvPr id="15" name="文本框 14">
+            <a:hlinkClick r:id="rId10"/>
+          </p:cNvPr>
+          <p:cNvSpPr txBox="1"/>
+          <p:nvPr/>
+        </p:nvSpPr>
+        <p:spPr>
+          <a:xfrm>
+            <a:off x="2397965" y="1399664"/>
+            <a:ext cx="1107996" cy="369332"/>
+          </a:xfrm>
+          <a:prstGeom prst="rect">
+            <a:avLst/>
+          </a:prstGeom>
+          <a:noFill/>
+        </p:spPr>
+        <p:txBody>
+          <a:bodyPr wrap="none" rtlCol="0">
+            <a:spAutoFit/>
+          </a:bodyPr>
+          <a:lstStyle/>
+          <a:p>
+            <a:r>
+              <a:rPr lang="zh-CN" altLang="en-US" dirty="0"/>
+              <a:t>飒沓流星</a:t>
+            </a:r>
+          </a:p>
+        </p:txBody>
+      </p:sp>
+      <p:sp>
+        <p:nvSpPr>
+          <p:cNvPr id="16" name="文本框 15">
+            <a:hlinkClick r:id="rId11"/>
+          </p:cNvPr>
+          <p:cNvSpPr txBox="1"/>
+          <p:nvPr/>
+        </p:nvSpPr>
+        <p:spPr>
+          <a:xfrm>
+            <a:off x="5449669" y="2115497"/>
+            <a:ext cx="646331" cy="369332"/>
+          </a:xfrm>
+          <a:prstGeom prst="rect">
+            <a:avLst/>
+          </a:prstGeom>
+          <a:noFill/>
+        </p:spPr>
+        <p:txBody>
+          <a:bodyPr wrap="none" rtlCol="0">
+            <a:spAutoFit/>
+          </a:bodyPr>
+          <a:lstStyle/>
+          <a:p>
+            <a:r>
+              <a:rPr lang="zh-CN" altLang="en-US" dirty="0"/>
+              <a:t>留仙</a:t>
+            </a:r>
+          </a:p>
+        </p:txBody>
+      </p:sp>
+    </p:spTree>
+  </p:cSld>
+  <p:clrMapOvr>
+    <a:masterClrMapping/>
+  </p:clrMapOvr>
+  <p:transition/>
+</p:sld>
+</file>
+
+<file path=ppt/slides/slide21.xml><?xml version="1.0" encoding="utf-8"?>
 <p:sld xmlns:a="http://schemas.openxmlformats.org/drawingml/2006/main" xmlns:r="http://schemas.openxmlformats.org/officeDocument/2006/relationships" xmlns:p="http://schemas.openxmlformats.org/presentationml/2006/main">
   <p:cSld>
     <p:spTree>
@@ -15871,7 +15972,7 @@
 </p:sld>
 </file>
 
-<file path=ppt/slides/slide21.xml><?xml version="1.0" encoding="utf-8"?>
+<file path=ppt/slides/slide22.xml><?xml version="1.0" encoding="utf-8"?>
 <p:sld xmlns:a="http://schemas.openxmlformats.org/drawingml/2006/main" xmlns:r="http://schemas.openxmlformats.org/officeDocument/2006/relationships" xmlns:p="http://schemas.openxmlformats.org/presentationml/2006/main">
   <p:cSld>
     <p:spTree>
@@ -16477,7 +16578,7 @@
 </p:sld>
 </file>
 
-<file path=ppt/slides/slide22.xml><?xml version="1.0" encoding="utf-8"?>
+<file path=ppt/slides/slide23.xml><?xml version="1.0" encoding="utf-8"?>
 <p:sld xmlns:a="http://schemas.openxmlformats.org/drawingml/2006/main" xmlns:r="http://schemas.openxmlformats.org/officeDocument/2006/relationships" xmlns:p="http://schemas.openxmlformats.org/presentationml/2006/main">
   <p:cSld>
     <p:spTree>

--- a/livefile/livepowerpoint.pptx
+++ b/livefile/livepowerpoint.pptx
@@ -6665,6 +6665,94 @@
             <a:r>
               <a:rPr lang="zh-CN" altLang="en-US" dirty="0"/>
               <a:t>东京声士</a:t>
+            </a:r>
+            <a:r>
+              <a:rPr lang="en-US" altLang="zh-CN" dirty="0"/>
+              <a:t>》</a:t>
+            </a:r>
+          </a:p>
+        </p:txBody>
+      </p:sp>
+      <p:sp>
+        <p:nvSpPr>
+          <p:cNvPr id="2" name="文本框 1">
+            <a:hlinkClick r:id="rId3"/>
+            <a:extLst>
+              <a:ext uri="{FF2B5EF4-FFF2-40B4-BE49-F238E27FC236}">
+                <a16:creationId xmlns:a16="http://schemas.microsoft.com/office/drawing/2014/main" id="{4394A824-E394-8AFB-2652-006E6A2567E8}"/>
+              </a:ext>
+            </a:extLst>
+          </p:cNvPr>
+          <p:cNvSpPr txBox="1"/>
+          <p:nvPr/>
+        </p:nvSpPr>
+        <p:spPr>
+          <a:xfrm>
+            <a:off x="1278255" y="1931969"/>
+            <a:ext cx="1464945" cy="369332"/>
+          </a:xfrm>
+          <a:prstGeom prst="rect">
+            <a:avLst/>
+          </a:prstGeom>
+          <a:noFill/>
+        </p:spPr>
+        <p:txBody>
+          <a:bodyPr wrap="square" rtlCol="0">
+            <a:spAutoFit/>
+          </a:bodyPr>
+          <a:lstStyle/>
+          <a:p>
+            <a:r>
+              <a:rPr lang="en-US" altLang="zh-CN" dirty="0"/>
+              <a:t>《</a:t>
+            </a:r>
+            <a:r>
+              <a:rPr lang="en-US" altLang="zh-CN" dirty="0" err="1"/>
+              <a:t>ch</a:t>
+            </a:r>
+            <a:r>
+              <a:rPr lang="en-US" altLang="zh-CN" dirty="0"/>
+              <a:t>》</a:t>
+            </a:r>
+          </a:p>
+        </p:txBody>
+      </p:sp>
+      <p:sp>
+        <p:nvSpPr>
+          <p:cNvPr id="3" name="文本框 2">
+            <a:hlinkClick r:id="rId4"/>
+            <a:extLst>
+              <a:ext uri="{FF2B5EF4-FFF2-40B4-BE49-F238E27FC236}">
+                <a16:creationId xmlns:a16="http://schemas.microsoft.com/office/drawing/2014/main" id="{11929F3D-7868-DE74-50B5-E333CE2FEBAB}"/>
+              </a:ext>
+            </a:extLst>
+          </p:cNvPr>
+          <p:cNvSpPr txBox="1"/>
+          <p:nvPr/>
+        </p:nvSpPr>
+        <p:spPr>
+          <a:xfrm>
+            <a:off x="1278255" y="2463824"/>
+            <a:ext cx="1464945" cy="369332"/>
+          </a:xfrm>
+          <a:prstGeom prst="rect">
+            <a:avLst/>
+          </a:prstGeom>
+          <a:noFill/>
+        </p:spPr>
+        <p:txBody>
+          <a:bodyPr wrap="square" rtlCol="0">
+            <a:spAutoFit/>
+          </a:bodyPr>
+          <a:lstStyle/>
+          <a:p>
+            <a:r>
+              <a:rPr lang="en-US" altLang="zh-CN" dirty="0"/>
+              <a:t>《</a:t>
+            </a:r>
+            <a:r>
+              <a:rPr lang="en-US" altLang="zh-CN" dirty="0" err="1"/>
+              <a:t>mo</a:t>
             </a:r>
             <a:r>
               <a:rPr lang="en-US" altLang="zh-CN" dirty="0"/>

--- a/livefile/livepowerpoint.pptx
+++ b/livefile/livepowerpoint.pptx
@@ -257,7 +257,7 @@
           <a:p>
             <a:fld id="{16A2333F-9A84-48D5-897E-B51363C09104}" type="datetimeFigureOut">
               <a:rPr lang="zh-CN" altLang="en-US" smtClean="0"/>
-              <a:t>2024/5/15</a:t>
+              <a:t>2024/5/16</a:t>
             </a:fld>
             <a:endParaRPr lang="zh-CN" altLang="en-US"/>
           </a:p>
@@ -1466,7 +1466,7 @@
             </a:pPr>
             <a:fld id="{8D7D9A98-2B42-4142-BB4A-011734DDEA85}" type="datetimeFigureOut">
               <a:rPr lang="zh-CN" altLang="en-US"/>
-              <a:t>2024/5/15</a:t>
+              <a:t>2024/5/16</a:t>
             </a:fld>
             <a:endParaRPr lang="zh-CN" altLang="en-US"/>
           </a:p>
@@ -1615,7 +1615,7 @@
             </a:pPr>
             <a:fld id="{12F3D532-36F8-4FDA-B03A-4B8348962AD1}" type="datetime1">
               <a:rPr lang="zh-CN" altLang="en-US"/>
-              <a:t>2024/5/15</a:t>
+              <a:t>2024/5/16</a:t>
             </a:fld>
             <a:endParaRPr lang="zh-CN" altLang="en-US"/>
           </a:p>
@@ -1724,7 +1724,7 @@
           <a:p>
             <a:fld id="{F487EE23-058C-4F57-8869-2B6561E3103C}" type="datetimeFigureOut">
               <a:rPr lang="zh-CN" altLang="en-US" smtClean="0"/>
-              <a:t>2024/5/15</a:t>
+              <a:t>2024/5/16</a:t>
             </a:fld>
             <a:endParaRPr lang="zh-CN" altLang="en-US"/>
           </a:p>
@@ -1980,7 +1980,7 @@
           <a:p>
             <a:fld id="{F487EE23-058C-4F57-8869-2B6561E3103C}" type="datetimeFigureOut">
               <a:rPr lang="zh-CN" altLang="en-US" smtClean="0"/>
-              <a:t>2024/5/15</a:t>
+              <a:t>2024/5/16</a:t>
             </a:fld>
             <a:endParaRPr lang="zh-CN" altLang="en-US"/>
           </a:p>
@@ -2202,7 +2202,7 @@
             </a:pPr>
             <a:fld id="{A293AA06-7DE4-4BE9-9894-758112E5DCC1}" type="datetime1">
               <a:rPr lang="zh-CN" altLang="en-US"/>
-              <a:t>2024/5/15</a:t>
+              <a:t>2024/5/16</a:t>
             </a:fld>
             <a:endParaRPr lang="zh-CN" altLang="en-US"/>
           </a:p>
@@ -2516,7 +2516,7 @@
           <a:p>
             <a:fld id="{F487EE23-058C-4F57-8869-2B6561E3103C}" type="datetimeFigureOut">
               <a:rPr lang="zh-CN" altLang="en-US" smtClean="0"/>
-              <a:t>2024/5/15</a:t>
+              <a:t>2024/5/16</a:t>
             </a:fld>
             <a:endParaRPr lang="zh-CN" altLang="en-US"/>
           </a:p>
@@ -2767,7 +2767,7 @@
             </a:pPr>
             <a:fld id="{BEDED714-68C8-44B6-9732-DDF7DD97772E}" type="datetime1">
               <a:rPr lang="zh-CN" altLang="en-US"/>
-              <a:t>2024/5/15</a:t>
+              <a:t>2024/5/16</a:t>
             </a:fld>
             <a:endParaRPr lang="zh-CN" altLang="en-US"/>
           </a:p>
@@ -3149,7 +3149,7 @@
             </a:pPr>
             <a:fld id="{27A77D59-FE09-433D-B821-9B2BE50A514A}" type="datetime1">
               <a:rPr lang="zh-CN" altLang="en-US"/>
-              <a:t>2024/5/15</a:t>
+              <a:t>2024/5/16</a:t>
             </a:fld>
             <a:endParaRPr lang="zh-CN" altLang="en-US"/>
           </a:p>
@@ -3458,7 +3458,7 @@
             </a:pPr>
             <a:fld id="{E11AF4AC-5AFC-4379-B912-FCE9AB7477D3}" type="datetime1">
               <a:rPr lang="zh-CN" altLang="en-US"/>
-              <a:t>2024/5/15</a:t>
+              <a:t>2024/5/16</a:t>
             </a:fld>
             <a:endParaRPr lang="zh-CN" altLang="en-US"/>
           </a:p>
@@ -4186,7 +4186,7 @@
             </a:pPr>
             <a:fld id="{D2392E56-C887-40A0-B45B-7A180C992FB2}" type="datetime1">
               <a:rPr lang="zh-CN" altLang="en-US"/>
-              <a:t>2024/5/15</a:t>
+              <a:t>2024/5/16</a:t>
             </a:fld>
             <a:endParaRPr lang="zh-CN" altLang="en-US"/>
           </a:p>
@@ -4629,7 +4629,7 @@
             </a:pPr>
             <a:fld id="{614AAE4D-FD61-4E21-A39B-A3D833986EBE}" type="datetime1">
               <a:rPr lang="zh-CN" altLang="en-US"/>
-              <a:t>2024/5/15</a:t>
+              <a:t>2024/5/16</a:t>
             </a:fld>
             <a:endParaRPr lang="zh-CN" altLang="en-US"/>
           </a:p>
@@ -4991,7 +4991,7 @@
           <a:p>
             <a:fld id="{F487EE23-058C-4F57-8869-2B6561E3103C}" type="datetimeFigureOut">
               <a:rPr lang="zh-CN" altLang="en-US" smtClean="0"/>
-              <a:t>2024/5/15</a:t>
+              <a:t>2024/5/16</a:t>
             </a:fld>
             <a:endParaRPr lang="zh-CN" altLang="en-US"/>
           </a:p>
@@ -5477,7 +5477,7 @@
           <a:p>
             <a:fld id="{F487EE23-058C-4F57-8869-2B6561E3103C}" type="datetimeFigureOut">
               <a:rPr lang="zh-CN" altLang="en-US" smtClean="0"/>
-              <a:t>2024/5/15</a:t>
+              <a:t>2024/5/16</a:t>
             </a:fld>
             <a:endParaRPr lang="zh-CN" altLang="en-US"/>
           </a:p>
@@ -5750,7 +5750,7 @@
           <a:p>
             <a:fld id="{F487EE23-058C-4F57-8869-2B6561E3103C}" type="datetimeFigureOut">
               <a:rPr lang="zh-CN" altLang="en-US" smtClean="0"/>
-              <a:t>2024/5/15</a:t>
+              <a:t>2024/5/16</a:t>
             </a:fld>
             <a:endParaRPr lang="zh-CN" altLang="en-US"/>
           </a:p>
@@ -12744,7 +12744,7 @@
         </p:nvSpPr>
         <p:spPr>
           <a:xfrm>
-            <a:off x="1404929" y="3678859"/>
+            <a:off x="1437013" y="3646775"/>
             <a:ext cx="774571" cy="369332"/>
           </a:xfrm>
           <a:prstGeom prst="rect">
@@ -12753,7 +12753,7 @@
           <a:noFill/>
         </p:spPr>
         <p:txBody>
-          <a:bodyPr wrap="none" rtlCol="0">
+          <a:bodyPr wrap="square" rtlCol="0">
             <a:spAutoFit/>
           </a:bodyPr>
           <a:lstStyle/>
@@ -13460,6 +13460,88 @@
             <a:r>
               <a:rPr lang="en-US" altLang="zh-CN" dirty="0"/>
               <a:t>3</a:t>
+            </a:r>
+            <a:endParaRPr lang="zh-CN" altLang="en-US" dirty="0"/>
+          </a:p>
+        </p:txBody>
+      </p:sp>
+      <p:sp>
+        <p:nvSpPr>
+          <p:cNvPr id="25" name="文本框 24">
+            <a:hlinkClick r:id="rId26"/>
+            <a:extLst>
+              <a:ext uri="{FF2B5EF4-FFF2-40B4-BE49-F238E27FC236}">
+                <a16:creationId xmlns:a16="http://schemas.microsoft.com/office/drawing/2014/main" id="{09AAE697-2E17-8041-A2B4-32C1AA1ACAC5}"/>
+              </a:ext>
+            </a:extLst>
+          </p:cNvPr>
+          <p:cNvSpPr txBox="1"/>
+          <p:nvPr/>
+        </p:nvSpPr>
+        <p:spPr>
+          <a:xfrm>
+            <a:off x="3705205" y="4263143"/>
+            <a:ext cx="1238754" cy="369332"/>
+          </a:xfrm>
+          <a:prstGeom prst="rect">
+            <a:avLst/>
+          </a:prstGeom>
+          <a:noFill/>
+        </p:spPr>
+        <p:txBody>
+          <a:bodyPr wrap="square" rtlCol="0">
+            <a:spAutoFit/>
+          </a:bodyPr>
+          <a:lstStyle/>
+          <a:p>
+            <a:r>
+              <a:rPr lang="zh-CN" altLang="en-US" dirty="0"/>
+              <a:t>皮皮</a:t>
+            </a:r>
+            <a:r>
+              <a:rPr lang="en-US" altLang="zh-CN" dirty="0"/>
+              <a:t>101</a:t>
+            </a:r>
+            <a:endParaRPr lang="zh-CN" altLang="en-US" dirty="0"/>
+          </a:p>
+        </p:txBody>
+      </p:sp>
+      <p:sp>
+        <p:nvSpPr>
+          <p:cNvPr id="26" name="文本框 25">
+            <a:hlinkClick r:id="rId27"/>
+            <a:extLst>
+              <a:ext uri="{FF2B5EF4-FFF2-40B4-BE49-F238E27FC236}">
+                <a16:creationId xmlns:a16="http://schemas.microsoft.com/office/drawing/2014/main" id="{55082F1E-96D6-FC6A-6A2B-084426787E99}"/>
+              </a:ext>
+            </a:extLst>
+          </p:cNvPr>
+          <p:cNvSpPr txBox="1"/>
+          <p:nvPr/>
+        </p:nvSpPr>
+        <p:spPr>
+          <a:xfrm>
+            <a:off x="3705204" y="4899699"/>
+            <a:ext cx="1590696" cy="369332"/>
+          </a:xfrm>
+          <a:prstGeom prst="rect">
+            <a:avLst/>
+          </a:prstGeom>
+          <a:noFill/>
+        </p:spPr>
+        <p:txBody>
+          <a:bodyPr wrap="square" rtlCol="0">
+            <a:spAutoFit/>
+          </a:bodyPr>
+          <a:lstStyle/>
+          <a:p>
+            <a:r>
+              <a:rPr lang="zh-CN" altLang="en-US" dirty="0"/>
+              <a:t>皮皮</a:t>
+            </a:r>
+            <a:r>
+              <a:rPr lang="en-US" altLang="zh-CN" dirty="0"/>
+              <a:t>102</a:t>
             </a:r>
             <a:endParaRPr lang="zh-CN" altLang="en-US" dirty="0"/>
           </a:p>

--- a/livefile/livepowerpoint.pptx
+++ b/livefile/livepowerpoint.pptx
@@ -257,7 +257,7 @@
           <a:p>
             <a:fld id="{16A2333F-9A84-48D5-897E-B51363C09104}" type="datetimeFigureOut">
               <a:rPr lang="zh-CN" altLang="en-US" smtClean="0"/>
-              <a:t>2024/5/16</a:t>
+              <a:t>2024/5/17</a:t>
             </a:fld>
             <a:endParaRPr lang="zh-CN" altLang="en-US"/>
           </a:p>
@@ -1466,7 +1466,7 @@
             </a:pPr>
             <a:fld id="{8D7D9A98-2B42-4142-BB4A-011734DDEA85}" type="datetimeFigureOut">
               <a:rPr lang="zh-CN" altLang="en-US"/>
-              <a:t>2024/5/16</a:t>
+              <a:t>2024/5/17</a:t>
             </a:fld>
             <a:endParaRPr lang="zh-CN" altLang="en-US"/>
           </a:p>
@@ -1615,7 +1615,7 @@
             </a:pPr>
             <a:fld id="{12F3D532-36F8-4FDA-B03A-4B8348962AD1}" type="datetime1">
               <a:rPr lang="zh-CN" altLang="en-US"/>
-              <a:t>2024/5/16</a:t>
+              <a:t>2024/5/17</a:t>
             </a:fld>
             <a:endParaRPr lang="zh-CN" altLang="en-US"/>
           </a:p>
@@ -1724,7 +1724,7 @@
           <a:p>
             <a:fld id="{F487EE23-058C-4F57-8869-2B6561E3103C}" type="datetimeFigureOut">
               <a:rPr lang="zh-CN" altLang="en-US" smtClean="0"/>
-              <a:t>2024/5/16</a:t>
+              <a:t>2024/5/17</a:t>
             </a:fld>
             <a:endParaRPr lang="zh-CN" altLang="en-US"/>
           </a:p>
@@ -1980,7 +1980,7 @@
           <a:p>
             <a:fld id="{F487EE23-058C-4F57-8869-2B6561E3103C}" type="datetimeFigureOut">
               <a:rPr lang="zh-CN" altLang="en-US" smtClean="0"/>
-              <a:t>2024/5/16</a:t>
+              <a:t>2024/5/17</a:t>
             </a:fld>
             <a:endParaRPr lang="zh-CN" altLang="en-US"/>
           </a:p>
@@ -2202,7 +2202,7 @@
             </a:pPr>
             <a:fld id="{A293AA06-7DE4-4BE9-9894-758112E5DCC1}" type="datetime1">
               <a:rPr lang="zh-CN" altLang="en-US"/>
-              <a:t>2024/5/16</a:t>
+              <a:t>2024/5/17</a:t>
             </a:fld>
             <a:endParaRPr lang="zh-CN" altLang="en-US"/>
           </a:p>
@@ -2516,7 +2516,7 @@
           <a:p>
             <a:fld id="{F487EE23-058C-4F57-8869-2B6561E3103C}" type="datetimeFigureOut">
               <a:rPr lang="zh-CN" altLang="en-US" smtClean="0"/>
-              <a:t>2024/5/16</a:t>
+              <a:t>2024/5/17</a:t>
             </a:fld>
             <a:endParaRPr lang="zh-CN" altLang="en-US"/>
           </a:p>
@@ -2767,7 +2767,7 @@
             </a:pPr>
             <a:fld id="{BEDED714-68C8-44B6-9732-DDF7DD97772E}" type="datetime1">
               <a:rPr lang="zh-CN" altLang="en-US"/>
-              <a:t>2024/5/16</a:t>
+              <a:t>2024/5/17</a:t>
             </a:fld>
             <a:endParaRPr lang="zh-CN" altLang="en-US"/>
           </a:p>
@@ -3149,7 +3149,7 @@
             </a:pPr>
             <a:fld id="{27A77D59-FE09-433D-B821-9B2BE50A514A}" type="datetime1">
               <a:rPr lang="zh-CN" altLang="en-US"/>
-              <a:t>2024/5/16</a:t>
+              <a:t>2024/5/17</a:t>
             </a:fld>
             <a:endParaRPr lang="zh-CN" altLang="en-US"/>
           </a:p>
@@ -3458,7 +3458,7 @@
             </a:pPr>
             <a:fld id="{E11AF4AC-5AFC-4379-B912-FCE9AB7477D3}" type="datetime1">
               <a:rPr lang="zh-CN" altLang="en-US"/>
-              <a:t>2024/5/16</a:t>
+              <a:t>2024/5/17</a:t>
             </a:fld>
             <a:endParaRPr lang="zh-CN" altLang="en-US"/>
           </a:p>
@@ -4186,7 +4186,7 @@
             </a:pPr>
             <a:fld id="{D2392E56-C887-40A0-B45B-7A180C992FB2}" type="datetime1">
               <a:rPr lang="zh-CN" altLang="en-US"/>
-              <a:t>2024/5/16</a:t>
+              <a:t>2024/5/17</a:t>
             </a:fld>
             <a:endParaRPr lang="zh-CN" altLang="en-US"/>
           </a:p>
@@ -4629,7 +4629,7 @@
             </a:pPr>
             <a:fld id="{614AAE4D-FD61-4E21-A39B-A3D833986EBE}" type="datetime1">
               <a:rPr lang="zh-CN" altLang="en-US"/>
-              <a:t>2024/5/16</a:t>
+              <a:t>2024/5/17</a:t>
             </a:fld>
             <a:endParaRPr lang="zh-CN" altLang="en-US"/>
           </a:p>
@@ -4991,7 +4991,7 @@
           <a:p>
             <a:fld id="{F487EE23-058C-4F57-8869-2B6561E3103C}" type="datetimeFigureOut">
               <a:rPr lang="zh-CN" altLang="en-US" smtClean="0"/>
-              <a:t>2024/5/16</a:t>
+              <a:t>2024/5/17</a:t>
             </a:fld>
             <a:endParaRPr lang="zh-CN" altLang="en-US"/>
           </a:p>
@@ -5477,7 +5477,7 @@
           <a:p>
             <a:fld id="{F487EE23-058C-4F57-8869-2B6561E3103C}" type="datetimeFigureOut">
               <a:rPr lang="zh-CN" altLang="en-US" smtClean="0"/>
-              <a:t>2024/5/16</a:t>
+              <a:t>2024/5/17</a:t>
             </a:fld>
             <a:endParaRPr lang="zh-CN" altLang="en-US"/>
           </a:p>
@@ -5750,7 +5750,7 @@
           <a:p>
             <a:fld id="{F487EE23-058C-4F57-8869-2B6561E3103C}" type="datetimeFigureOut">
               <a:rPr lang="zh-CN" altLang="en-US" smtClean="0"/>
-              <a:t>2024/5/16</a:t>
+              <a:t>2024/5/17</a:t>
             </a:fld>
             <a:endParaRPr lang="zh-CN" altLang="en-US"/>
           </a:p>
@@ -12567,6 +12567,108 @@
       </p:grpSpPr>
       <p:sp>
         <p:nvSpPr>
+          <p:cNvPr id="27" name="矩形: 圆角 26">
+            <a:extLst>
+              <a:ext uri="{FF2B5EF4-FFF2-40B4-BE49-F238E27FC236}">
+                <a16:creationId xmlns:a16="http://schemas.microsoft.com/office/drawing/2014/main" id="{65205B9C-0DC1-C2E3-6319-06179261CD94}"/>
+              </a:ext>
+            </a:extLst>
+          </p:cNvPr>
+          <p:cNvSpPr/>
+          <p:nvPr/>
+        </p:nvSpPr>
+        <p:spPr>
+          <a:xfrm>
+            <a:off x="6554230" y="1195650"/>
+            <a:ext cx="2697739" cy="4370910"/>
+          </a:xfrm>
+          <a:prstGeom prst="roundRect">
+            <a:avLst/>
+          </a:prstGeom>
+          <a:solidFill>
+            <a:schemeClr val="accent1">
+              <a:alpha val="15000"/>
+            </a:schemeClr>
+          </a:solidFill>
+        </p:spPr>
+        <p:style>
+          <a:lnRef idx="2">
+            <a:schemeClr val="accent1">
+              <a:shade val="15000"/>
+            </a:schemeClr>
+          </a:lnRef>
+          <a:fillRef idx="1">
+            <a:schemeClr val="accent1"/>
+          </a:fillRef>
+          <a:effectRef idx="0">
+            <a:schemeClr val="accent1"/>
+          </a:effectRef>
+          <a:fontRef idx="minor">
+            <a:schemeClr val="lt1"/>
+          </a:fontRef>
+        </p:style>
+        <p:txBody>
+          <a:bodyPr rtlCol="0" anchor="ctr"/>
+          <a:lstStyle/>
+          <a:p>
+            <a:pPr algn="ctr"/>
+            <a:endParaRPr lang="zh-CN" altLang="en-US"/>
+          </a:p>
+        </p:txBody>
+      </p:sp>
+      <p:sp>
+        <p:nvSpPr>
+          <p:cNvPr id="39" name="矩形: 圆角 38">
+            <a:extLst>
+              <a:ext uri="{FF2B5EF4-FFF2-40B4-BE49-F238E27FC236}">
+                <a16:creationId xmlns:a16="http://schemas.microsoft.com/office/drawing/2014/main" id="{A64A5EC6-F223-7A58-0A14-FCFB4FC46CDC}"/>
+              </a:ext>
+            </a:extLst>
+          </p:cNvPr>
+          <p:cNvSpPr/>
+          <p:nvPr/>
+        </p:nvSpPr>
+        <p:spPr>
+          <a:xfrm>
+            <a:off x="3232733" y="1224724"/>
+            <a:ext cx="2697739" cy="4370910"/>
+          </a:xfrm>
+          <a:prstGeom prst="roundRect">
+            <a:avLst/>
+          </a:prstGeom>
+          <a:solidFill>
+            <a:schemeClr val="accent1">
+              <a:alpha val="15000"/>
+            </a:schemeClr>
+          </a:solidFill>
+        </p:spPr>
+        <p:style>
+          <a:lnRef idx="2">
+            <a:schemeClr val="accent1">
+              <a:shade val="15000"/>
+            </a:schemeClr>
+          </a:lnRef>
+          <a:fillRef idx="1">
+            <a:schemeClr val="accent1"/>
+          </a:fillRef>
+          <a:effectRef idx="0">
+            <a:schemeClr val="accent1"/>
+          </a:effectRef>
+          <a:fontRef idx="minor">
+            <a:schemeClr val="lt1"/>
+          </a:fontRef>
+        </p:style>
+        <p:txBody>
+          <a:bodyPr rtlCol="0" anchor="ctr"/>
+          <a:lstStyle/>
+          <a:p>
+            <a:pPr algn="ctr"/>
+            <a:endParaRPr lang="zh-CN" altLang="en-US"/>
+          </a:p>
+        </p:txBody>
+      </p:sp>
+      <p:sp>
+        <p:nvSpPr>
           <p:cNvPr id="4" name="标题 3"/>
           <p:cNvSpPr>
             <a:spLocks noGrp="1"/>
@@ -12780,7 +12882,7 @@
         </p:nvSpPr>
         <p:spPr>
           <a:xfrm>
-            <a:off x="7033483" y="1417123"/>
+            <a:off x="10167912" y="1545590"/>
             <a:ext cx="864339" cy="369332"/>
           </a:xfrm>
           <a:prstGeom prst="rect">
@@ -12881,7 +12983,7 @@
         </p:nvSpPr>
         <p:spPr>
           <a:xfrm>
-            <a:off x="7033483" y="1849428"/>
+            <a:off x="10167912" y="1977895"/>
             <a:ext cx="864339" cy="369332"/>
           </a:xfrm>
           <a:prstGeom prst="rect">
@@ -12918,7 +13020,7 @@
         </p:nvSpPr>
         <p:spPr>
           <a:xfrm>
-            <a:off x="7033483" y="2352757"/>
+            <a:off x="10167912" y="2481224"/>
             <a:ext cx="864339" cy="369332"/>
           </a:xfrm>
           <a:prstGeom prst="rect">
@@ -12955,7 +13057,7 @@
         </p:nvSpPr>
         <p:spPr>
           <a:xfrm>
-            <a:off x="7033482" y="2842009"/>
+            <a:off x="10167911" y="2970476"/>
             <a:ext cx="864339" cy="369332"/>
           </a:xfrm>
           <a:prstGeom prst="rect">
@@ -13029,7 +13131,7 @@
         </p:nvSpPr>
         <p:spPr>
           <a:xfrm>
-            <a:off x="2448786" y="1459231"/>
+            <a:off x="6897697" y="2031646"/>
             <a:ext cx="1005403" cy="369332"/>
           </a:xfrm>
           <a:prstGeom prst="rect">
@@ -13070,7 +13172,7 @@
         </p:nvSpPr>
         <p:spPr>
           <a:xfrm>
-            <a:off x="2448786" y="1968343"/>
+            <a:off x="6897697" y="2593394"/>
             <a:ext cx="1005403" cy="369332"/>
           </a:xfrm>
           <a:prstGeom prst="rect">
@@ -13111,7 +13213,7 @@
         </p:nvSpPr>
         <p:spPr>
           <a:xfrm>
-            <a:off x="2448786" y="2561389"/>
+            <a:off x="6897697" y="3155142"/>
             <a:ext cx="1005403" cy="369332"/>
           </a:xfrm>
           <a:prstGeom prst="rect">
@@ -13152,7 +13254,7 @@
         </p:nvSpPr>
         <p:spPr>
           <a:xfrm>
-            <a:off x="2448785" y="3117453"/>
+            <a:off x="6897697" y="3716890"/>
             <a:ext cx="1005403" cy="369332"/>
           </a:xfrm>
           <a:prstGeom prst="rect">
@@ -13193,7 +13295,7 @@
         </p:nvSpPr>
         <p:spPr>
           <a:xfrm>
-            <a:off x="2448785" y="3626565"/>
+            <a:off x="6897697" y="4278638"/>
             <a:ext cx="1005403" cy="369332"/>
           </a:xfrm>
           <a:prstGeom prst="rect">
@@ -13234,7 +13336,7 @@
         </p:nvSpPr>
         <p:spPr>
           <a:xfrm>
-            <a:off x="2448785" y="4267970"/>
+            <a:off x="6897697" y="4840385"/>
             <a:ext cx="1005403" cy="369332"/>
           </a:xfrm>
           <a:prstGeom prst="rect">
@@ -13275,7 +13377,7 @@
         </p:nvSpPr>
         <p:spPr>
           <a:xfrm>
-            <a:off x="3647778" y="1464009"/>
+            <a:off x="8074454" y="2036424"/>
             <a:ext cx="1005403" cy="369332"/>
           </a:xfrm>
           <a:prstGeom prst="rect">
@@ -13316,7 +13418,7 @@
         </p:nvSpPr>
         <p:spPr>
           <a:xfrm>
-            <a:off x="3647777" y="2607525"/>
+            <a:off x="8074454" y="3143849"/>
             <a:ext cx="1005403" cy="369332"/>
           </a:xfrm>
           <a:prstGeom prst="rect">
@@ -13357,7 +13459,7 @@
         </p:nvSpPr>
         <p:spPr>
           <a:xfrm>
-            <a:off x="3625542" y="1999676"/>
+            <a:off x="8074454" y="2590137"/>
             <a:ext cx="1005403" cy="369332"/>
           </a:xfrm>
           <a:prstGeom prst="rect">
@@ -13398,7 +13500,7 @@
         </p:nvSpPr>
         <p:spPr>
           <a:xfrm>
-            <a:off x="3647777" y="3678859"/>
+            <a:off x="8074454" y="4251274"/>
             <a:ext cx="1005403" cy="369332"/>
           </a:xfrm>
           <a:prstGeom prst="rect">
@@ -13439,7 +13541,7 @@
         </p:nvSpPr>
         <p:spPr>
           <a:xfrm>
-            <a:off x="3638241" y="3094575"/>
+            <a:off x="8074454" y="3697562"/>
             <a:ext cx="1005403" cy="369332"/>
           </a:xfrm>
           <a:prstGeom prst="rect">
@@ -13480,7 +13582,7 @@
         </p:nvSpPr>
         <p:spPr>
           <a:xfrm>
-            <a:off x="3705205" y="4263143"/>
+            <a:off x="1467571" y="4967722"/>
             <a:ext cx="1238754" cy="369332"/>
           </a:xfrm>
           <a:prstGeom prst="rect">
@@ -13521,7 +13623,7 @@
         </p:nvSpPr>
         <p:spPr>
           <a:xfrm>
-            <a:off x="3705204" y="4899699"/>
+            <a:off x="1467570" y="5604278"/>
             <a:ext cx="1590696" cy="369332"/>
           </a:xfrm>
           <a:prstGeom prst="rect">
@@ -13544,6 +13646,453 @@
               <a:t>102</a:t>
             </a:r>
             <a:endParaRPr lang="zh-CN" altLang="en-US" dirty="0"/>
+          </a:p>
+        </p:txBody>
+      </p:sp>
+      <p:sp>
+        <p:nvSpPr>
+          <p:cNvPr id="28" name="文本框 27">
+            <a:hlinkClick r:id="rId28"/>
+            <a:extLst>
+              <a:ext uri="{FF2B5EF4-FFF2-40B4-BE49-F238E27FC236}">
+                <a16:creationId xmlns:a16="http://schemas.microsoft.com/office/drawing/2014/main" id="{3FF9F82A-C786-628D-C1C6-8CE772D8D15C}"/>
+              </a:ext>
+            </a:extLst>
+          </p:cNvPr>
+          <p:cNvSpPr txBox="1"/>
+          <p:nvPr/>
+        </p:nvSpPr>
+        <p:spPr>
+          <a:xfrm>
+            <a:off x="3532790" y="2290422"/>
+            <a:ext cx="761747" cy="369332"/>
+          </a:xfrm>
+          <a:prstGeom prst="rect">
+            <a:avLst/>
+          </a:prstGeom>
+          <a:noFill/>
+        </p:spPr>
+        <p:txBody>
+          <a:bodyPr wrap="none" rtlCol="0">
+            <a:spAutoFit/>
+          </a:bodyPr>
+          <a:lstStyle/>
+          <a:p>
+            <a:r>
+              <a:rPr lang="en-US" altLang="zh-CN" dirty="0"/>
+              <a:t>2.2p1</a:t>
+            </a:r>
+            <a:endParaRPr lang="zh-CN" altLang="en-US" dirty="0"/>
+          </a:p>
+        </p:txBody>
+      </p:sp>
+      <p:sp>
+        <p:nvSpPr>
+          <p:cNvPr id="29" name="文本框 28">
+            <a:hlinkClick r:id="rId29"/>
+            <a:extLst>
+              <a:ext uri="{FF2B5EF4-FFF2-40B4-BE49-F238E27FC236}">
+                <a16:creationId xmlns:a16="http://schemas.microsoft.com/office/drawing/2014/main" id="{D42EE47C-63A6-F038-EFD7-47CFB9627E06}"/>
+              </a:ext>
+            </a:extLst>
+          </p:cNvPr>
+          <p:cNvSpPr txBox="1"/>
+          <p:nvPr/>
+        </p:nvSpPr>
+        <p:spPr>
+          <a:xfrm>
+            <a:off x="3532790" y="2832256"/>
+            <a:ext cx="761747" cy="369332"/>
+          </a:xfrm>
+          <a:prstGeom prst="rect">
+            <a:avLst/>
+          </a:prstGeom>
+          <a:noFill/>
+        </p:spPr>
+        <p:txBody>
+          <a:bodyPr wrap="none" rtlCol="0">
+            <a:spAutoFit/>
+          </a:bodyPr>
+          <a:lstStyle/>
+          <a:p>
+            <a:r>
+              <a:rPr lang="en-US" altLang="zh-CN" dirty="0"/>
+              <a:t>2.2p2</a:t>
+            </a:r>
+            <a:endParaRPr lang="zh-CN" altLang="en-US" dirty="0"/>
+          </a:p>
+        </p:txBody>
+      </p:sp>
+      <p:sp>
+        <p:nvSpPr>
+          <p:cNvPr id="30" name="文本框 29">
+            <a:hlinkClick r:id="rId30"/>
+            <a:extLst>
+              <a:ext uri="{FF2B5EF4-FFF2-40B4-BE49-F238E27FC236}">
+                <a16:creationId xmlns:a16="http://schemas.microsoft.com/office/drawing/2014/main" id="{240330CC-A2D8-35DB-93E4-620A566FC260}"/>
+              </a:ext>
+            </a:extLst>
+          </p:cNvPr>
+          <p:cNvSpPr txBox="1"/>
+          <p:nvPr/>
+        </p:nvSpPr>
+        <p:spPr>
+          <a:xfrm>
+            <a:off x="3532790" y="3374089"/>
+            <a:ext cx="761747" cy="369332"/>
+          </a:xfrm>
+          <a:prstGeom prst="rect">
+            <a:avLst/>
+          </a:prstGeom>
+          <a:noFill/>
+        </p:spPr>
+        <p:txBody>
+          <a:bodyPr wrap="none" rtlCol="0">
+            <a:spAutoFit/>
+          </a:bodyPr>
+          <a:lstStyle/>
+          <a:p>
+            <a:r>
+              <a:rPr lang="en-US" altLang="zh-CN" dirty="0"/>
+              <a:t>2.2p3</a:t>
+            </a:r>
+            <a:endParaRPr lang="zh-CN" altLang="en-US" dirty="0"/>
+          </a:p>
+        </p:txBody>
+      </p:sp>
+      <p:sp>
+        <p:nvSpPr>
+          <p:cNvPr id="31" name="文本框 30">
+            <a:hlinkClick r:id="rId31"/>
+            <a:extLst>
+              <a:ext uri="{FF2B5EF4-FFF2-40B4-BE49-F238E27FC236}">
+                <a16:creationId xmlns:a16="http://schemas.microsoft.com/office/drawing/2014/main" id="{3C04E8EA-EDEA-0625-9275-590E986B6804}"/>
+              </a:ext>
+            </a:extLst>
+          </p:cNvPr>
+          <p:cNvSpPr txBox="1"/>
+          <p:nvPr/>
+        </p:nvSpPr>
+        <p:spPr>
+          <a:xfrm>
+            <a:off x="3532790" y="3915922"/>
+            <a:ext cx="761747" cy="369332"/>
+          </a:xfrm>
+          <a:prstGeom prst="rect">
+            <a:avLst/>
+          </a:prstGeom>
+          <a:noFill/>
+        </p:spPr>
+        <p:txBody>
+          <a:bodyPr wrap="none" rtlCol="0">
+            <a:spAutoFit/>
+          </a:bodyPr>
+          <a:lstStyle/>
+          <a:p>
+            <a:r>
+              <a:rPr lang="en-US" altLang="zh-CN" dirty="0"/>
+              <a:t>2.2p4</a:t>
+            </a:r>
+            <a:endParaRPr lang="zh-CN" altLang="en-US" dirty="0"/>
+          </a:p>
+        </p:txBody>
+      </p:sp>
+      <p:sp>
+        <p:nvSpPr>
+          <p:cNvPr id="32" name="文本框 31">
+            <a:hlinkClick r:id="rId32"/>
+            <a:extLst>
+              <a:ext uri="{FF2B5EF4-FFF2-40B4-BE49-F238E27FC236}">
+                <a16:creationId xmlns:a16="http://schemas.microsoft.com/office/drawing/2014/main" id="{34E43D21-B49E-100F-A398-CEB3B4E0EDDE}"/>
+              </a:ext>
+            </a:extLst>
+          </p:cNvPr>
+          <p:cNvSpPr txBox="1"/>
+          <p:nvPr/>
+        </p:nvSpPr>
+        <p:spPr>
+          <a:xfrm>
+            <a:off x="3532790" y="4457756"/>
+            <a:ext cx="761747" cy="369332"/>
+          </a:xfrm>
+          <a:prstGeom prst="rect">
+            <a:avLst/>
+          </a:prstGeom>
+          <a:noFill/>
+        </p:spPr>
+        <p:txBody>
+          <a:bodyPr wrap="none" rtlCol="0">
+            <a:spAutoFit/>
+          </a:bodyPr>
+          <a:lstStyle/>
+          <a:p>
+            <a:r>
+              <a:rPr lang="en-US" altLang="zh-CN" dirty="0"/>
+              <a:t>2.2p5</a:t>
+            </a:r>
+            <a:endParaRPr lang="zh-CN" altLang="en-US" dirty="0"/>
+          </a:p>
+        </p:txBody>
+      </p:sp>
+      <p:sp>
+        <p:nvSpPr>
+          <p:cNvPr id="34" name="文本框 33">
+            <a:hlinkClick r:id="rId33"/>
+            <a:extLst>
+              <a:ext uri="{FF2B5EF4-FFF2-40B4-BE49-F238E27FC236}">
+                <a16:creationId xmlns:a16="http://schemas.microsoft.com/office/drawing/2014/main" id="{E3DCF577-0BCB-32EE-48B8-F41FFD5ED1AA}"/>
+              </a:ext>
+            </a:extLst>
+          </p:cNvPr>
+          <p:cNvSpPr txBox="1"/>
+          <p:nvPr/>
+        </p:nvSpPr>
+        <p:spPr>
+          <a:xfrm>
+            <a:off x="4709547" y="2295200"/>
+            <a:ext cx="761747" cy="369332"/>
+          </a:xfrm>
+          <a:prstGeom prst="rect">
+            <a:avLst/>
+          </a:prstGeom>
+          <a:noFill/>
+        </p:spPr>
+        <p:txBody>
+          <a:bodyPr wrap="none" rtlCol="0">
+            <a:spAutoFit/>
+          </a:bodyPr>
+          <a:lstStyle/>
+          <a:p>
+            <a:r>
+              <a:rPr lang="en-US" altLang="zh-CN" dirty="0"/>
+              <a:t>2.2p6</a:t>
+            </a:r>
+            <a:endParaRPr lang="zh-CN" altLang="en-US" dirty="0"/>
+          </a:p>
+        </p:txBody>
+      </p:sp>
+      <p:sp>
+        <p:nvSpPr>
+          <p:cNvPr id="35" name="文本框 34">
+            <a:hlinkClick r:id="rId34"/>
+            <a:extLst>
+              <a:ext uri="{FF2B5EF4-FFF2-40B4-BE49-F238E27FC236}">
+                <a16:creationId xmlns:a16="http://schemas.microsoft.com/office/drawing/2014/main" id="{A7F7410C-A3E9-84A2-7A73-2C4A98B076A3}"/>
+              </a:ext>
+            </a:extLst>
+          </p:cNvPr>
+          <p:cNvSpPr txBox="1"/>
+          <p:nvPr/>
+        </p:nvSpPr>
+        <p:spPr>
+          <a:xfrm>
+            <a:off x="4709547" y="3382244"/>
+            <a:ext cx="761747" cy="369332"/>
+          </a:xfrm>
+          <a:prstGeom prst="rect">
+            <a:avLst/>
+          </a:prstGeom>
+          <a:noFill/>
+        </p:spPr>
+        <p:txBody>
+          <a:bodyPr wrap="none" rtlCol="0">
+            <a:spAutoFit/>
+          </a:bodyPr>
+          <a:lstStyle/>
+          <a:p>
+            <a:r>
+              <a:rPr lang="en-US" altLang="zh-CN" dirty="0"/>
+              <a:t>2.2p8</a:t>
+            </a:r>
+            <a:endParaRPr lang="zh-CN" altLang="en-US" dirty="0"/>
+          </a:p>
+        </p:txBody>
+      </p:sp>
+      <p:sp>
+        <p:nvSpPr>
+          <p:cNvPr id="36" name="文本框 35">
+            <a:hlinkClick r:id="rId35"/>
+            <a:extLst>
+              <a:ext uri="{FF2B5EF4-FFF2-40B4-BE49-F238E27FC236}">
+                <a16:creationId xmlns:a16="http://schemas.microsoft.com/office/drawing/2014/main" id="{901D8CB2-A9C6-D6E1-CB79-565E2C698B45}"/>
+              </a:ext>
+            </a:extLst>
+          </p:cNvPr>
+          <p:cNvSpPr txBox="1"/>
+          <p:nvPr/>
+        </p:nvSpPr>
+        <p:spPr>
+          <a:xfrm>
+            <a:off x="4709547" y="2838722"/>
+            <a:ext cx="761747" cy="369332"/>
+          </a:xfrm>
+          <a:prstGeom prst="rect">
+            <a:avLst/>
+          </a:prstGeom>
+          <a:noFill/>
+        </p:spPr>
+        <p:txBody>
+          <a:bodyPr wrap="none" rtlCol="0">
+            <a:spAutoFit/>
+          </a:bodyPr>
+          <a:lstStyle/>
+          <a:p>
+            <a:r>
+              <a:rPr lang="en-US" altLang="zh-CN" dirty="0"/>
+              <a:t>2.2p7</a:t>
+            </a:r>
+            <a:endParaRPr lang="zh-CN" altLang="en-US" dirty="0"/>
+          </a:p>
+        </p:txBody>
+      </p:sp>
+      <p:sp>
+        <p:nvSpPr>
+          <p:cNvPr id="38" name="文本框 37">
+            <a:hlinkClick r:id="rId36"/>
+            <a:extLst>
+              <a:ext uri="{FF2B5EF4-FFF2-40B4-BE49-F238E27FC236}">
+                <a16:creationId xmlns:a16="http://schemas.microsoft.com/office/drawing/2014/main" id="{8286F4B1-874C-91FF-5C09-182027BD5B63}"/>
+              </a:ext>
+            </a:extLst>
+          </p:cNvPr>
+          <p:cNvSpPr txBox="1"/>
+          <p:nvPr/>
+        </p:nvSpPr>
+        <p:spPr>
+          <a:xfrm>
+            <a:off x="4709547" y="3925766"/>
+            <a:ext cx="761747" cy="369332"/>
+          </a:xfrm>
+          <a:prstGeom prst="rect">
+            <a:avLst/>
+          </a:prstGeom>
+          <a:noFill/>
+        </p:spPr>
+        <p:txBody>
+          <a:bodyPr wrap="none" rtlCol="0">
+            <a:spAutoFit/>
+          </a:bodyPr>
+          <a:lstStyle/>
+          <a:p>
+            <a:r>
+              <a:rPr lang="en-US" altLang="zh-CN" dirty="0"/>
+              <a:t>2.2p9</a:t>
+            </a:r>
+            <a:endParaRPr lang="zh-CN" altLang="en-US" dirty="0"/>
+          </a:p>
+        </p:txBody>
+      </p:sp>
+      <p:sp>
+        <p:nvSpPr>
+          <p:cNvPr id="40" name="文本框 39">
+            <a:extLst>
+              <a:ext uri="{FF2B5EF4-FFF2-40B4-BE49-F238E27FC236}">
+                <a16:creationId xmlns:a16="http://schemas.microsoft.com/office/drawing/2014/main" id="{701C102D-3815-F0B5-77B2-35E3D4C3B1CA}"/>
+              </a:ext>
+            </a:extLst>
+          </p:cNvPr>
+          <p:cNvSpPr txBox="1"/>
+          <p:nvPr/>
+        </p:nvSpPr>
+        <p:spPr>
+          <a:xfrm>
+            <a:off x="6873495" y="1506915"/>
+            <a:ext cx="2031325" cy="369332"/>
+          </a:xfrm>
+          <a:prstGeom prst="rect">
+            <a:avLst/>
+          </a:prstGeom>
+          <a:noFill/>
+        </p:spPr>
+        <p:txBody>
+          <a:bodyPr wrap="none" rtlCol="0">
+            <a:spAutoFit/>
+          </a:bodyPr>
+          <a:lstStyle/>
+          <a:p>
+            <a:r>
+              <a:rPr lang="zh-CN" altLang="en-US" dirty="0"/>
+              <a:t>崩坏三第二部剧情</a:t>
+            </a:r>
+          </a:p>
+        </p:txBody>
+      </p:sp>
+      <p:sp>
+        <p:nvSpPr>
+          <p:cNvPr id="41" name="文本框 40">
+            <a:extLst>
+              <a:ext uri="{FF2B5EF4-FFF2-40B4-BE49-F238E27FC236}">
+                <a16:creationId xmlns:a16="http://schemas.microsoft.com/office/drawing/2014/main" id="{E8C590B7-BD1D-8FE2-A313-A999AE3657E9}"/>
+              </a:ext>
+            </a:extLst>
+          </p:cNvPr>
+          <p:cNvSpPr txBox="1"/>
+          <p:nvPr/>
+        </p:nvSpPr>
+        <p:spPr>
+          <a:xfrm>
+            <a:off x="3867304" y="1506915"/>
+            <a:ext cx="1428596" cy="369332"/>
+          </a:xfrm>
+          <a:prstGeom prst="rect">
+            <a:avLst/>
+          </a:prstGeom>
+          <a:noFill/>
+        </p:spPr>
+        <p:txBody>
+          <a:bodyPr wrap="none" rtlCol="0">
+            <a:spAutoFit/>
+          </a:bodyPr>
+          <a:lstStyle/>
+          <a:p>
+            <a:r>
+              <a:rPr lang="zh-CN" altLang="en-US" dirty="0"/>
+              <a:t>崩铁</a:t>
+            </a:r>
+            <a:r>
+              <a:rPr lang="en-US" altLang="zh-CN" dirty="0"/>
+              <a:t>2.2</a:t>
+            </a:r>
+            <a:r>
+              <a:rPr lang="zh-CN" altLang="en-US" dirty="0"/>
+              <a:t>剧情</a:t>
+            </a:r>
+          </a:p>
+        </p:txBody>
+      </p:sp>
+      <p:sp>
+        <p:nvSpPr>
+          <p:cNvPr id="42" name="文本框 41">
+            <a:extLst>
+              <a:ext uri="{FF2B5EF4-FFF2-40B4-BE49-F238E27FC236}">
+                <a16:creationId xmlns:a16="http://schemas.microsoft.com/office/drawing/2014/main" id="{C3B67AC5-B6C3-8DA4-6FE5-73B5919D11E1}"/>
+              </a:ext>
+            </a:extLst>
+          </p:cNvPr>
+          <p:cNvSpPr txBox="1"/>
+          <p:nvPr/>
+        </p:nvSpPr>
+        <p:spPr>
+          <a:xfrm>
+            <a:off x="3404845" y="5834399"/>
+            <a:ext cx="5847124" cy="707886"/>
+          </a:xfrm>
+          <a:prstGeom prst="rect">
+            <a:avLst/>
+          </a:prstGeom>
+          <a:noFill/>
+        </p:spPr>
+        <p:txBody>
+          <a:bodyPr wrap="square" rtlCol="0">
+            <a:spAutoFit/>
+          </a:bodyPr>
+          <a:lstStyle/>
+          <a:p>
+            <a:r>
+              <a:rPr lang="zh-CN" altLang="en-US" sz="2000" dirty="0"/>
+              <a:t>温馨提示：为防止剧透，请想要自己打剧情的剧情党控制好自己的双手，你距离回家只剩一步之遥</a:t>
+            </a:r>
+            <a:endParaRPr lang="en-US" altLang="zh-CN" sz="2000" dirty="0"/>
           </a:p>
         </p:txBody>
       </p:sp>

--- a/livefile/livepowerpoint.pptx
+++ b/livefile/livepowerpoint.pptx
@@ -5,37 +5,37 @@
     <p:sldMasterId id="2147483648" r:id="rId1"/>
   </p:sldMasterIdLst>
   <p:notesMasterIdLst>
-    <p:notesMasterId r:id="rId10"/>
+    <p:notesMasterId r:id="rId25"/>
   </p:notesMasterIdLst>
   <p:sldIdLst>
-    <p:sldId id="260" r:id="rId3"/>
-    <p:sldId id="268" r:id="rId4"/>
-    <p:sldId id="278" r:id="rId5"/>
-    <p:sldId id="259" r:id="rId6"/>
-    <p:sldId id="263" r:id="rId7"/>
-    <p:sldId id="282" r:id="rId8"/>
-    <p:sldId id="256" r:id="rId9"/>
-    <p:sldId id="269" r:id="rId11"/>
-    <p:sldId id="276" r:id="rId12"/>
-    <p:sldId id="284" r:id="rId13"/>
-    <p:sldId id="272" r:id="rId14"/>
-    <p:sldId id="273" r:id="rId15"/>
-    <p:sldId id="274" r:id="rId16"/>
-    <p:sldId id="258" r:id="rId17"/>
-    <p:sldId id="271" r:id="rId18"/>
-    <p:sldId id="280" r:id="rId19"/>
-    <p:sldId id="277" r:id="rId20"/>
-    <p:sldId id="283" r:id="rId21"/>
-    <p:sldId id="275" r:id="rId22"/>
-    <p:sldId id="281" r:id="rId23"/>
-    <p:sldId id="262" r:id="rId24"/>
-    <p:sldId id="257" r:id="rId25"/>
-    <p:sldId id="279" r:id="rId26"/>
+    <p:sldId id="260" r:id="rId2"/>
+    <p:sldId id="268" r:id="rId3"/>
+    <p:sldId id="278" r:id="rId4"/>
+    <p:sldId id="259" r:id="rId5"/>
+    <p:sldId id="263" r:id="rId6"/>
+    <p:sldId id="282" r:id="rId7"/>
+    <p:sldId id="256" r:id="rId8"/>
+    <p:sldId id="269" r:id="rId9"/>
+    <p:sldId id="276" r:id="rId10"/>
+    <p:sldId id="284" r:id="rId11"/>
+    <p:sldId id="272" r:id="rId12"/>
+    <p:sldId id="273" r:id="rId13"/>
+    <p:sldId id="274" r:id="rId14"/>
+    <p:sldId id="258" r:id="rId15"/>
+    <p:sldId id="271" r:id="rId16"/>
+    <p:sldId id="280" r:id="rId17"/>
+    <p:sldId id="277" r:id="rId18"/>
+    <p:sldId id="283" r:id="rId19"/>
+    <p:sldId id="275" r:id="rId20"/>
+    <p:sldId id="281" r:id="rId21"/>
+    <p:sldId id="262" r:id="rId22"/>
+    <p:sldId id="257" r:id="rId23"/>
+    <p:sldId id="279" r:id="rId24"/>
   </p:sldIdLst>
   <p:sldSz cx="12192000" cy="6858000"/>
   <p:notesSz cx="6858000" cy="9144000"/>
   <p:custDataLst>
-    <p:tags r:id="rId30"/>
+    <p:tags r:id="rId26"/>
   </p:custDataLst>
   <p:defaultTextStyle>
     <a:defPPr>
@@ -168,6 +168,9 @@
         </p14:section>
       </p14:sectionLst>
     </p:ext>
+    <p:ext uri="{EFAFB233-063F-42B5-8137-9DF3F51BA10A}">
+      <p15:sldGuideLst xmlns:p15="http://schemas.microsoft.com/office/powerpoint/2012/main"/>
+    </p:ext>
   </p:extLst>
 </p:presentation>
 </file>
@@ -254,6 +257,7 @@
           <a:p>
             <a:fld id="{16A2333F-9A84-48D5-897E-B51363C09104}" type="datetimeFigureOut">
               <a:rPr lang="zh-CN" altLang="en-US" smtClean="0"/>
+              <a:t>2024/5/18</a:t>
             </a:fld>
             <a:endParaRPr lang="zh-CN" altLang="en-US"/>
           </a:p>
@@ -320,7 +324,6 @@
               <a:rPr lang="zh-CN" altLang="en-US"/>
               <a:t>单击此处编辑母版文本样式</a:t>
             </a:r>
-            <a:endParaRPr lang="zh-CN" altLang="en-US"/>
           </a:p>
           <a:p>
             <a:pPr lvl="1"/>
@@ -328,7 +331,6 @@
               <a:rPr lang="zh-CN" altLang="en-US"/>
               <a:t>二级</a:t>
             </a:r>
-            <a:endParaRPr lang="zh-CN" altLang="en-US"/>
           </a:p>
           <a:p>
             <a:pPr lvl="2"/>
@@ -336,7 +338,6 @@
               <a:rPr lang="zh-CN" altLang="en-US"/>
               <a:t>三级</a:t>
             </a:r>
-            <a:endParaRPr lang="zh-CN" altLang="en-US"/>
           </a:p>
           <a:p>
             <a:pPr lvl="3"/>
@@ -344,7 +345,6 @@
               <a:rPr lang="zh-CN" altLang="en-US"/>
               <a:t>四级</a:t>
             </a:r>
-            <a:endParaRPr lang="zh-CN" altLang="en-US"/>
           </a:p>
           <a:p>
             <a:pPr lvl="4"/>
@@ -352,7 +352,6 @@
               <a:rPr lang="zh-CN" altLang="en-US"/>
               <a:t>五级</a:t>
             </a:r>
-            <a:endParaRPr lang="zh-CN" altLang="en-US"/>
           </a:p>
         </p:txBody>
       </p:sp>
@@ -416,6 +415,7 @@
           <a:p>
             <a:fld id="{5EF15249-D9FD-41E0-944D-0CA148925727}" type="slidenum">
               <a:rPr lang="zh-CN" altLang="en-US" smtClean="0"/>
+              <a:t>‹#›</a:t>
             </a:fld>
             <a:endParaRPr lang="zh-CN" altLang="en-US"/>
           </a:p>
@@ -584,6 +584,7 @@
           <a:p>
             <a:fld id="{5EF15249-D9FD-41E0-944D-0CA148925727}" type="slidenum">
               <a:rPr lang="zh-CN" altLang="en-US" smtClean="0"/>
+              <a:t>7</a:t>
             </a:fld>
             <a:endParaRPr lang="zh-CN" altLang="en-US"/>
           </a:p>
@@ -662,6 +663,7 @@
           <a:p>
             <a:fld id="{5EF15249-D9FD-41E0-944D-0CA148925727}" type="slidenum">
               <a:rPr lang="zh-CN" altLang="en-US" smtClean="0"/>
+              <a:t>15</a:t>
             </a:fld>
             <a:endParaRPr lang="zh-CN" altLang="en-US"/>
           </a:p>
@@ -740,6 +742,7 @@
           <a:p>
             <a:fld id="{5EF15249-D9FD-41E0-944D-0CA148925727}" type="slidenum">
               <a:rPr lang="zh-CN" altLang="en-US" smtClean="0"/>
+              <a:t>16</a:t>
             </a:fld>
             <a:endParaRPr lang="zh-CN" altLang="en-US"/>
           </a:p>
@@ -818,6 +821,7 @@
           <a:p>
             <a:fld id="{5EF15249-D9FD-41E0-944D-0CA148925727}" type="slidenum">
               <a:rPr lang="zh-CN" altLang="en-US" smtClean="0"/>
+              <a:t>17</a:t>
             </a:fld>
             <a:endParaRPr lang="zh-CN" altLang="en-US"/>
           </a:p>
@@ -896,6 +900,7 @@
           <a:p>
             <a:fld id="{5EF15249-D9FD-41E0-944D-0CA148925727}" type="slidenum">
               <a:rPr lang="zh-CN" altLang="en-US" smtClean="0"/>
+              <a:t>18</a:t>
             </a:fld>
             <a:endParaRPr lang="zh-CN" altLang="en-US"/>
           </a:p>
@@ -974,6 +979,7 @@
           <a:p>
             <a:fld id="{5EF15249-D9FD-41E0-944D-0CA148925727}" type="slidenum">
               <a:rPr lang="zh-CN" altLang="en-US" smtClean="0"/>
+              <a:t>19</a:t>
             </a:fld>
             <a:endParaRPr lang="zh-CN" altLang="en-US"/>
           </a:p>
@@ -1052,6 +1058,7 @@
           <a:p>
             <a:fld id="{5EF15249-D9FD-41E0-944D-0CA148925727}" type="slidenum">
               <a:rPr lang="zh-CN" altLang="en-US" smtClean="0"/>
+              <a:t>20</a:t>
             </a:fld>
             <a:endParaRPr lang="zh-CN" altLang="en-US"/>
           </a:p>
@@ -1130,6 +1137,7 @@
           <a:p>
             <a:fld id="{5EF15249-D9FD-41E0-944D-0CA148925727}" type="slidenum">
               <a:rPr lang="zh-CN" altLang="en-US" smtClean="0"/>
+              <a:t>21</a:t>
             </a:fld>
             <a:endParaRPr lang="zh-CN" altLang="en-US"/>
           </a:p>
@@ -1144,7 +1152,7 @@
 </file>
 
 <file path=ppt/slideLayouts/slideLayout1.xml><?xml version="1.0" encoding="utf-8"?>
-<p:sldLayout xmlns:a="http://schemas.openxmlformats.org/drawingml/2006/main" xmlns:r="http://schemas.openxmlformats.org/officeDocument/2006/relationships" xmlns:p="http://schemas.openxmlformats.org/presentationml/2006/main" preserve="1" showMasterSp="0">
+<p:sldLayout xmlns:a="http://schemas.openxmlformats.org/drawingml/2006/main" xmlns:r="http://schemas.openxmlformats.org/officeDocument/2006/relationships" xmlns:p="http://schemas.openxmlformats.org/presentationml/2006/main" showMasterSp="0" preserve="1">
   <p:cSld name="标题幻灯片">
     <p:spTree>
       <p:nvGrpSpPr>
@@ -1166,7 +1174,7 @@
           <p:cNvCxnSpPr/>
           <p:nvPr>
             <p:custDataLst>
-              <p:tags r:id="rId2"/>
+              <p:tags r:id="rId1"/>
             </p:custDataLst>
           </p:nvPr>
         </p:nvCxnSpPr>
@@ -1216,12 +1224,12 @@
             </p:cNvPicPr>
             <p:nvPr>
               <p:custDataLst>
-                <p:tags r:id="rId3"/>
+                <p:tags r:id="rId2"/>
               </p:custDataLst>
             </p:nvPr>
           </p:nvPicPr>
           <p:blipFill>
-            <a:blip r:embed="rId4">
+            <a:blip r:embed="rId5">
               <a:extLst>
                 <a:ext uri="{28A0092B-C50C-407E-A947-70E740481C1C}">
                   <a14:useLocalDpi xmlns:a14="http://schemas.microsoft.com/office/drawing/2010/main" val="0"/>
@@ -1272,7 +1280,7 @@
             <p:cNvSpPr/>
             <p:nvPr>
               <p:custDataLst>
-                <p:tags r:id="rId5"/>
+                <p:tags r:id="rId3"/>
               </p:custDataLst>
             </p:nvPr>
           </p:nvSpPr>
@@ -1359,7 +1367,6 @@
               <a:rPr lang="zh-CN" altLang="en-US" noProof="1"/>
               <a:t>单击此处编辑母版标题样式</a:t>
             </a:r>
-            <a:endParaRPr lang="zh-CN" altLang="en-US" noProof="1"/>
           </a:p>
         </p:txBody>
       </p:sp>
@@ -1432,7 +1439,6 @@
               <a:rPr lang="zh-CN" altLang="en-US" noProof="1"/>
               <a:t>单击此处编辑母版副标题样式</a:t>
             </a:r>
-            <a:endParaRPr lang="zh-CN" altLang="en-US" noProof="1"/>
           </a:p>
         </p:txBody>
       </p:sp>
@@ -1460,6 +1466,7 @@
             </a:pPr>
             <a:fld id="{8D7D9A98-2B42-4142-BB4A-011734DDEA85}" type="datetimeFigureOut">
               <a:rPr lang="zh-CN" altLang="en-US"/>
+              <a:t>2024/5/18</a:t>
             </a:fld>
             <a:endParaRPr lang="zh-CN" altLang="en-US"/>
           </a:p>
@@ -1515,6 +1522,7 @@
             </a:pPr>
             <a:fld id="{A2A45CD9-59AE-47D5-A754-1A2E716032DF}" type="slidenum">
               <a:rPr lang="zh-CN" altLang="en-US"/>
+              <a:t>‹#›</a:t>
             </a:fld>
             <a:endParaRPr lang="zh-CN" altLang="en-US"/>
           </a:p>
@@ -1530,7 +1538,7 @@
 </file>
 
 <file path=ppt/slideLayouts/slideLayout10.xml><?xml version="1.0" encoding="utf-8"?>
-<p:sldLayout xmlns:a="http://schemas.openxmlformats.org/drawingml/2006/main" xmlns:r="http://schemas.openxmlformats.org/officeDocument/2006/relationships" xmlns:p="http://schemas.openxmlformats.org/presentationml/2006/main" type="titleOnly" preserve="1" showMasterSp="0">
+<p:sldLayout xmlns:a="http://schemas.openxmlformats.org/drawingml/2006/main" xmlns:r="http://schemas.openxmlformats.org/officeDocument/2006/relationships" xmlns:p="http://schemas.openxmlformats.org/presentationml/2006/main" showMasterSp="0" type="titleOnly" preserve="1">
   <p:cSld name="仅标题">
     <p:spTree>
       <p:nvGrpSpPr>
@@ -1580,7 +1588,6 @@
               <a:rPr lang="zh-CN" altLang="en-US" noProof="1"/>
               <a:t>单击此处编辑母版标题样式</a:t>
             </a:r>
-            <a:endParaRPr lang="zh-CN" altLang="en-US" noProof="1"/>
           </a:p>
         </p:txBody>
       </p:sp>
@@ -1608,6 +1615,7 @@
             </a:pPr>
             <a:fld id="{12F3D532-36F8-4FDA-B03A-4B8348962AD1}" type="datetime1">
               <a:rPr lang="zh-CN" altLang="en-US"/>
+              <a:t>2024/5/18</a:t>
             </a:fld>
             <a:endParaRPr lang="zh-CN" altLang="en-US"/>
           </a:p>
@@ -1663,6 +1671,7 @@
             </a:pPr>
             <a:fld id="{C9E36FBE-6B4B-43FF-96F5-6DA1400F83AD}" type="slidenum">
               <a:rPr lang="zh-CN" altLang="en-US"/>
+              <a:t>‹#›</a:t>
             </a:fld>
             <a:endParaRPr lang="zh-CN" altLang="en-US"/>
           </a:p>
@@ -1678,7 +1687,7 @@
 </file>
 
 <file path=ppt/slideLayouts/slideLayout11.xml><?xml version="1.0" encoding="utf-8"?>
-<p:sldLayout xmlns:a="http://schemas.openxmlformats.org/drawingml/2006/main" xmlns:r="http://schemas.openxmlformats.org/officeDocument/2006/relationships" xmlns:p="http://schemas.openxmlformats.org/presentationml/2006/main" type="blank" preserve="1" showMasterSp="0">
+<p:sldLayout xmlns:a="http://schemas.openxmlformats.org/drawingml/2006/main" xmlns:r="http://schemas.openxmlformats.org/officeDocument/2006/relationships" xmlns:p="http://schemas.openxmlformats.org/presentationml/2006/main" showMasterSp="0" type="blank" preserve="1">
   <p:cSld name="空白">
     <p:spTree>
       <p:nvGrpSpPr>
@@ -1715,6 +1724,7 @@
           <a:p>
             <a:fld id="{F487EE23-058C-4F57-8869-2B6561E3103C}" type="datetimeFigureOut">
               <a:rPr lang="zh-CN" altLang="en-US" smtClean="0"/>
+              <a:t>2024/5/18</a:t>
             </a:fld>
             <a:endParaRPr lang="zh-CN" altLang="en-US"/>
           </a:p>
@@ -1764,6 +1774,7 @@
           <a:p>
             <a:fld id="{56B3900E-04DA-4596-A4FA-99F91008FD5F}" type="slidenum">
               <a:rPr lang="zh-CN" altLang="en-US" smtClean="0"/>
+              <a:t>‹#›</a:t>
             </a:fld>
             <a:endParaRPr lang="zh-CN" altLang="en-US"/>
           </a:p>
@@ -1779,7 +1790,7 @@
 </file>
 
 <file path=ppt/slideLayouts/slideLayout12.xml><?xml version="1.0" encoding="utf-8"?>
-<p:sldLayout xmlns:a="http://schemas.openxmlformats.org/drawingml/2006/main" xmlns:r="http://schemas.openxmlformats.org/officeDocument/2006/relationships" xmlns:p="http://schemas.openxmlformats.org/presentationml/2006/main" type="vertTitleAndTx" preserve="1" showMasterSp="0">
+<p:sldLayout xmlns:a="http://schemas.openxmlformats.org/drawingml/2006/main" xmlns:r="http://schemas.openxmlformats.org/officeDocument/2006/relationships" xmlns:p="http://schemas.openxmlformats.org/presentationml/2006/main" showMasterSp="0" type="vertTitleAndTx" preserve="1">
   <p:cSld name="竖排标题与文本">
     <p:spTree>
       <p:nvGrpSpPr>
@@ -1801,7 +1812,7 @@
           <p:cNvSpPr/>
           <p:nvPr>
             <p:custDataLst>
-              <p:tags r:id="rId2"/>
+              <p:tags r:id="rId1"/>
             </p:custDataLst>
           </p:nvPr>
         </p:nvSpPr>
@@ -1889,7 +1900,6 @@
               <a:rPr lang="zh-CN" altLang="en-US" noProof="1"/>
               <a:t>单击此处编辑母版标题样式</a:t>
             </a:r>
-            <a:endParaRPr lang="zh-CN" altLang="en-US" noProof="1"/>
           </a:p>
         </p:txBody>
       </p:sp>
@@ -1918,7 +1928,6 @@
               <a:rPr lang="zh-CN" altLang="en-US" noProof="1"/>
               <a:t>单击此处编辑母版文本样式</a:t>
             </a:r>
-            <a:endParaRPr lang="zh-CN" altLang="en-US" noProof="1"/>
           </a:p>
           <a:p>
             <a:pPr lvl="1"/>
@@ -1926,7 +1935,6 @@
               <a:rPr lang="zh-CN" altLang="en-US" noProof="1"/>
               <a:t>第二级</a:t>
             </a:r>
-            <a:endParaRPr lang="zh-CN" altLang="en-US" noProof="1"/>
           </a:p>
           <a:p>
             <a:pPr lvl="2"/>
@@ -1934,7 +1942,6 @@
               <a:rPr lang="zh-CN" altLang="en-US" noProof="1"/>
               <a:t>第三级</a:t>
             </a:r>
-            <a:endParaRPr lang="zh-CN" altLang="en-US" noProof="1"/>
           </a:p>
           <a:p>
             <a:pPr lvl="3"/>
@@ -1942,7 +1949,6 @@
               <a:rPr lang="zh-CN" altLang="en-US" noProof="1"/>
               <a:t>第四级</a:t>
             </a:r>
-            <a:endParaRPr lang="zh-CN" altLang="en-US" noProof="1"/>
           </a:p>
           <a:p>
             <a:pPr lvl="4"/>
@@ -1950,7 +1956,6 @@
               <a:rPr lang="zh-CN" altLang="en-US" noProof="1"/>
               <a:t>第五级</a:t>
             </a:r>
-            <a:endParaRPr lang="zh-CN" altLang="en-US" noProof="1"/>
           </a:p>
         </p:txBody>
       </p:sp>
@@ -1975,6 +1980,7 @@
           <a:p>
             <a:fld id="{F487EE23-058C-4F57-8869-2B6561E3103C}" type="datetimeFigureOut">
               <a:rPr lang="zh-CN" altLang="en-US" smtClean="0"/>
+              <a:t>2024/5/18</a:t>
             </a:fld>
             <a:endParaRPr lang="zh-CN" altLang="en-US"/>
           </a:p>
@@ -2024,6 +2030,7 @@
           <a:p>
             <a:fld id="{56B3900E-04DA-4596-A4FA-99F91008FD5F}" type="slidenum">
               <a:rPr lang="zh-CN" altLang="en-US" smtClean="0"/>
+              <a:t>‹#›</a:t>
             </a:fld>
             <a:endParaRPr lang="zh-CN" altLang="en-US"/>
           </a:p>
@@ -2039,7 +2046,7 @@
 </file>
 
 <file path=ppt/slideLayouts/slideLayout13.xml><?xml version="1.0" encoding="utf-8"?>
-<p:sldLayout xmlns:a="http://schemas.openxmlformats.org/drawingml/2006/main" xmlns:r="http://schemas.openxmlformats.org/officeDocument/2006/relationships" xmlns:p="http://schemas.openxmlformats.org/presentationml/2006/main" preserve="1" showMasterSp="0">
+<p:sldLayout xmlns:a="http://schemas.openxmlformats.org/drawingml/2006/main" xmlns:r="http://schemas.openxmlformats.org/officeDocument/2006/relationships" xmlns:p="http://schemas.openxmlformats.org/presentationml/2006/main" showMasterSp="0" preserve="1">
   <p:cSld name="内容">
     <p:spTree>
       <p:nvGrpSpPr>
@@ -2061,7 +2068,7 @@
           <p:cNvSpPr/>
           <p:nvPr>
             <p:custDataLst>
-              <p:tags r:id="rId2"/>
+              <p:tags r:id="rId1"/>
             </p:custDataLst>
           </p:nvPr>
         </p:nvSpPr>
@@ -2140,7 +2147,6 @@
               <a:rPr lang="zh-CN" altLang="en-US" noProof="1"/>
               <a:t>单击此处编辑母版文本样式</a:t>
             </a:r>
-            <a:endParaRPr lang="zh-CN" altLang="en-US" noProof="1"/>
           </a:p>
           <a:p>
             <a:pPr lvl="1"/>
@@ -2148,7 +2154,6 @@
               <a:rPr lang="zh-CN" altLang="en-US" noProof="1"/>
               <a:t>第二级</a:t>
             </a:r>
-            <a:endParaRPr lang="zh-CN" altLang="en-US" noProof="1"/>
           </a:p>
           <a:p>
             <a:pPr lvl="2"/>
@@ -2156,7 +2161,6 @@
               <a:rPr lang="zh-CN" altLang="en-US" noProof="1"/>
               <a:t>第三级</a:t>
             </a:r>
-            <a:endParaRPr lang="zh-CN" altLang="en-US" noProof="1"/>
           </a:p>
           <a:p>
             <a:pPr lvl="3"/>
@@ -2164,7 +2168,6 @@
               <a:rPr lang="zh-CN" altLang="en-US" noProof="1"/>
               <a:t>第四级</a:t>
             </a:r>
-            <a:endParaRPr lang="zh-CN" altLang="en-US" noProof="1"/>
           </a:p>
           <a:p>
             <a:pPr lvl="4"/>
@@ -2172,7 +2175,6 @@
               <a:rPr lang="zh-CN" altLang="en-US" noProof="1"/>
               <a:t>第五级</a:t>
             </a:r>
-            <a:endParaRPr lang="zh-CN" altLang="en-US" noProof="1"/>
           </a:p>
         </p:txBody>
       </p:sp>
@@ -2200,6 +2202,7 @@
             </a:pPr>
             <a:fld id="{A293AA06-7DE4-4BE9-9894-758112E5DCC1}" type="datetime1">
               <a:rPr lang="zh-CN" altLang="en-US"/>
+              <a:t>2024/5/18</a:t>
             </a:fld>
             <a:endParaRPr lang="zh-CN" altLang="en-US"/>
           </a:p>
@@ -2255,6 +2258,7 @@
             </a:pPr>
             <a:fld id="{F96733ED-AB14-4EA8-B41E-885EA6D3A83E}" type="slidenum">
               <a:rPr lang="zh-CN" altLang="en-US"/>
+              <a:t>‹#›</a:t>
             </a:fld>
             <a:endParaRPr lang="zh-CN" altLang="en-US"/>
           </a:p>
@@ -2270,7 +2274,7 @@
 </file>
 
 <file path=ppt/slideLayouts/slideLayout2.xml><?xml version="1.0" encoding="utf-8"?>
-<p:sldLayout xmlns:a="http://schemas.openxmlformats.org/drawingml/2006/main" xmlns:r="http://schemas.openxmlformats.org/officeDocument/2006/relationships" xmlns:p="http://schemas.openxmlformats.org/presentationml/2006/main" type="obj" preserve="1" showMasterSp="0">
+<p:sldLayout xmlns:a="http://schemas.openxmlformats.org/drawingml/2006/main" xmlns:r="http://schemas.openxmlformats.org/officeDocument/2006/relationships" xmlns:p="http://schemas.openxmlformats.org/presentationml/2006/main" showMasterSp="0" type="obj" preserve="1">
   <p:cSld name="标题和内容">
     <p:spTree>
       <p:nvGrpSpPr>
@@ -2292,7 +2296,7 @@
           <p:cNvCxnSpPr/>
           <p:nvPr>
             <p:custDataLst>
-              <p:tags r:id="rId2"/>
+              <p:tags r:id="rId1"/>
             </p:custDataLst>
           </p:nvPr>
         </p:nvCxnSpPr>
@@ -2333,7 +2337,7 @@
           <p:cNvSpPr/>
           <p:nvPr>
             <p:custDataLst>
-              <p:tags r:id="rId3"/>
+              <p:tags r:id="rId2"/>
             </p:custDataLst>
           </p:nvPr>
         </p:nvSpPr>
@@ -2424,7 +2428,6 @@
               <a:rPr lang="zh-CN" altLang="en-US" noProof="1"/>
               <a:t>单击此处编辑母版标题样式</a:t>
             </a:r>
-            <a:endParaRPr lang="zh-CN" altLang="en-US" noProof="1"/>
           </a:p>
         </p:txBody>
       </p:sp>
@@ -2461,7 +2464,6 @@
               <a:rPr lang="zh-CN" altLang="en-US" noProof="1"/>
               <a:t>单击此处编辑母版文本样式</a:t>
             </a:r>
-            <a:endParaRPr lang="zh-CN" altLang="en-US" noProof="1"/>
           </a:p>
           <a:p>
             <a:pPr lvl="1"/>
@@ -2469,7 +2471,6 @@
               <a:rPr lang="zh-CN" altLang="en-US" noProof="1"/>
               <a:t>第二级</a:t>
             </a:r>
-            <a:endParaRPr lang="zh-CN" altLang="en-US" noProof="1"/>
           </a:p>
           <a:p>
             <a:pPr lvl="2"/>
@@ -2477,7 +2478,6 @@
               <a:rPr lang="zh-CN" altLang="en-US" noProof="1"/>
               <a:t>第三级</a:t>
             </a:r>
-            <a:endParaRPr lang="zh-CN" altLang="en-US" noProof="1"/>
           </a:p>
           <a:p>
             <a:pPr lvl="3"/>
@@ -2485,7 +2485,6 @@
               <a:rPr lang="zh-CN" altLang="en-US" noProof="1"/>
               <a:t>第四级</a:t>
             </a:r>
-            <a:endParaRPr lang="zh-CN" altLang="en-US" noProof="1"/>
           </a:p>
           <a:p>
             <a:pPr lvl="4"/>
@@ -2493,7 +2492,6 @@
               <a:rPr lang="zh-CN" altLang="en-US" noProof="1"/>
               <a:t>第五级</a:t>
             </a:r>
-            <a:endParaRPr lang="zh-CN" altLang="en-US" noProof="1"/>
           </a:p>
         </p:txBody>
       </p:sp>
@@ -2518,6 +2516,7 @@
           <a:p>
             <a:fld id="{F487EE23-058C-4F57-8869-2B6561E3103C}" type="datetimeFigureOut">
               <a:rPr lang="zh-CN" altLang="en-US" smtClean="0"/>
+              <a:t>2024/5/18</a:t>
             </a:fld>
             <a:endParaRPr lang="zh-CN" altLang="en-US"/>
           </a:p>
@@ -2567,6 +2566,7 @@
           <a:p>
             <a:fld id="{56B3900E-04DA-4596-A4FA-99F91008FD5F}" type="slidenum">
               <a:rPr lang="zh-CN" altLang="en-US" smtClean="0"/>
+              <a:t>‹#›</a:t>
             </a:fld>
             <a:endParaRPr lang="zh-CN" altLang="en-US"/>
           </a:p>
@@ -2582,7 +2582,7 @@
 </file>
 
 <file path=ppt/slideLayouts/slideLayout3.xml><?xml version="1.0" encoding="utf-8"?>
-<p:sldLayout xmlns:a="http://schemas.openxmlformats.org/drawingml/2006/main" xmlns:r="http://schemas.openxmlformats.org/officeDocument/2006/relationships" xmlns:p="http://schemas.openxmlformats.org/presentationml/2006/main" preserve="1" showMasterSp="0">
+<p:sldLayout xmlns:a="http://schemas.openxmlformats.org/drawingml/2006/main" xmlns:r="http://schemas.openxmlformats.org/officeDocument/2006/relationships" xmlns:p="http://schemas.openxmlformats.org/presentationml/2006/main" showMasterSp="0" preserve="1">
   <p:cSld name="无背景的标题">
     <p:spTree>
       <p:nvGrpSpPr>
@@ -2604,7 +2604,7 @@
           <p:cNvCxnSpPr/>
           <p:nvPr>
             <p:custDataLst>
-              <p:tags r:id="rId2"/>
+              <p:tags r:id="rId1"/>
             </p:custDataLst>
           </p:nvPr>
         </p:nvCxnSpPr>
@@ -2668,7 +2668,6 @@
               <a:rPr lang="zh-CN" altLang="en-US" noProof="1"/>
               <a:t>单击此处编辑母版标题样式</a:t>
             </a:r>
-            <a:endParaRPr lang="zh-CN" altLang="en-US" noProof="1"/>
           </a:p>
         </p:txBody>
       </p:sp>
@@ -2741,7 +2740,6 @@
               <a:rPr lang="zh-CN" altLang="en-US" noProof="1"/>
               <a:t>单击此处编辑母版副标题样式</a:t>
             </a:r>
-            <a:endParaRPr lang="zh-CN" altLang="en-US" noProof="1"/>
           </a:p>
         </p:txBody>
       </p:sp>
@@ -2769,6 +2767,7 @@
             </a:pPr>
             <a:fld id="{BEDED714-68C8-44B6-9732-DDF7DD97772E}" type="datetime1">
               <a:rPr lang="zh-CN" altLang="en-US"/>
+              <a:t>2024/5/18</a:t>
             </a:fld>
             <a:endParaRPr lang="zh-CN" altLang="en-US"/>
           </a:p>
@@ -2824,6 +2823,7 @@
             </a:pPr>
             <a:fld id="{8CF7581E-C9C7-4035-8AC9-880348F0A73A}" type="slidenum">
               <a:rPr lang="zh-CN" altLang="en-US"/>
+              <a:t>‹#›</a:t>
             </a:fld>
             <a:endParaRPr lang="zh-CN" altLang="en-US"/>
           </a:p>
@@ -2839,7 +2839,7 @@
 </file>
 
 <file path=ppt/slideLayouts/slideLayout4.xml><?xml version="1.0" encoding="utf-8"?>
-<p:sldLayout xmlns:a="http://schemas.openxmlformats.org/drawingml/2006/main" xmlns:r="http://schemas.openxmlformats.org/officeDocument/2006/relationships" xmlns:p="http://schemas.openxmlformats.org/presentationml/2006/main" preserve="1" showMasterSp="0">
+<p:sldLayout xmlns:a="http://schemas.openxmlformats.org/drawingml/2006/main" xmlns:r="http://schemas.openxmlformats.org/officeDocument/2006/relationships" xmlns:p="http://schemas.openxmlformats.org/presentationml/2006/main" showMasterSp="0" preserve="1">
   <p:cSld name="图片与文字">
     <p:spTree>
       <p:nvGrpSpPr>
@@ -2861,7 +2861,7 @@
           <p:cNvSpPr/>
           <p:nvPr>
             <p:custDataLst>
-              <p:tags r:id="rId2"/>
+              <p:tags r:id="rId1"/>
             </p:custDataLst>
           </p:nvPr>
         </p:nvSpPr>
@@ -2921,7 +2921,7 @@
           <p:cNvCxnSpPr/>
           <p:nvPr>
             <p:custDataLst>
-              <p:tags r:id="rId3"/>
+              <p:tags r:id="rId2"/>
             </p:custDataLst>
           </p:nvPr>
         </p:nvCxnSpPr>
@@ -3082,7 +3082,6 @@
               <a:rPr lang="zh-CN" altLang="en-US" noProof="1"/>
               <a:t>单击此处编辑母版文本样式</a:t>
             </a:r>
-            <a:endParaRPr lang="zh-CN" altLang="en-US" noProof="1"/>
           </a:p>
         </p:txBody>
       </p:sp>
@@ -3123,7 +3122,6 @@
               <a:rPr lang="zh-CN" altLang="en-US" noProof="1"/>
               <a:t>单击此处编辑母版标题样式</a:t>
             </a:r>
-            <a:endParaRPr lang="zh-CN" altLang="en-US" noProof="1"/>
           </a:p>
         </p:txBody>
       </p:sp>
@@ -3151,6 +3149,7 @@
             </a:pPr>
             <a:fld id="{27A77D59-FE09-433D-B821-9B2BE50A514A}" type="datetime1">
               <a:rPr lang="zh-CN" altLang="en-US"/>
+              <a:t>2024/5/18</a:t>
             </a:fld>
             <a:endParaRPr lang="zh-CN" altLang="en-US"/>
           </a:p>
@@ -3206,6 +3205,7 @@
             </a:pPr>
             <a:fld id="{0135D1BA-5F6C-412A-BF1F-3AA78F4051CC}" type="slidenum">
               <a:rPr lang="zh-CN" altLang="en-US"/>
+              <a:t>‹#›</a:t>
             </a:fld>
             <a:endParaRPr lang="zh-CN" altLang="en-US"/>
           </a:p>
@@ -3221,7 +3221,7 @@
 </file>
 
 <file path=ppt/slideLayouts/slideLayout5.xml><?xml version="1.0" encoding="utf-8"?>
-<p:sldLayout xmlns:a="http://schemas.openxmlformats.org/drawingml/2006/main" xmlns:r="http://schemas.openxmlformats.org/officeDocument/2006/relationships" xmlns:p="http://schemas.openxmlformats.org/presentationml/2006/main" type="secHead" preserve="1" showMasterSp="0">
+<p:sldLayout xmlns:a="http://schemas.openxmlformats.org/drawingml/2006/main" xmlns:r="http://schemas.openxmlformats.org/officeDocument/2006/relationships" xmlns:p="http://schemas.openxmlformats.org/presentationml/2006/main" showMasterSp="0" type="secHead" preserve="1">
   <p:cSld name="节标题">
     <p:spTree>
       <p:nvGrpSpPr>
@@ -3309,7 +3309,6 @@
               <a:rPr lang="zh-CN" altLang="en-US" noProof="1"/>
               <a:t>单击此处编辑母版标题样式</a:t>
             </a:r>
-            <a:endParaRPr lang="zh-CN" altLang="en-US" noProof="1"/>
           </a:p>
         </p:txBody>
       </p:sp>
@@ -3432,7 +3431,6 @@
               <a:rPr lang="zh-CN" altLang="en-US" noProof="1"/>
               <a:t>单击此处编辑母版文本样式</a:t>
             </a:r>
-            <a:endParaRPr lang="zh-CN" altLang="en-US" noProof="1"/>
           </a:p>
         </p:txBody>
       </p:sp>
@@ -3460,6 +3458,7 @@
             </a:pPr>
             <a:fld id="{E11AF4AC-5AFC-4379-B912-FCE9AB7477D3}" type="datetime1">
               <a:rPr lang="zh-CN" altLang="en-US"/>
+              <a:t>2024/5/18</a:t>
             </a:fld>
             <a:endParaRPr lang="zh-CN" altLang="en-US"/>
           </a:p>
@@ -3515,6 +3514,7 @@
             </a:pPr>
             <a:fld id="{79CB94C3-E8AB-48D9-9ACF-D6A872E379B6}" type="slidenum">
               <a:rPr lang="zh-CN" altLang="en-US"/>
+              <a:t>‹#›</a:t>
             </a:fld>
             <a:endParaRPr lang="zh-CN" altLang="en-US"/>
           </a:p>
@@ -3530,7 +3530,7 @@
 </file>
 
 <file path=ppt/slideLayouts/slideLayout6.xml><?xml version="1.0" encoding="utf-8"?>
-<p:sldLayout xmlns:a="http://schemas.openxmlformats.org/drawingml/2006/main" xmlns:r="http://schemas.openxmlformats.org/officeDocument/2006/relationships" xmlns:p="http://schemas.openxmlformats.org/presentationml/2006/main" preserve="1" showMasterSp="0">
+<p:sldLayout xmlns:a="http://schemas.openxmlformats.org/drawingml/2006/main" xmlns:r="http://schemas.openxmlformats.org/officeDocument/2006/relationships" xmlns:p="http://schemas.openxmlformats.org/presentationml/2006/main" showMasterSp="0" preserve="1">
   <p:cSld name="横排四项">
     <p:spTree>
       <p:nvGrpSpPr>
@@ -3552,7 +3552,7 @@
           <p:cNvCxnSpPr/>
           <p:nvPr>
             <p:custDataLst>
-              <p:tags r:id="rId2"/>
+              <p:tags r:id="rId1"/>
             </p:custDataLst>
           </p:nvPr>
         </p:nvCxnSpPr>
@@ -3593,7 +3593,7 @@
           <p:cNvSpPr/>
           <p:nvPr>
             <p:custDataLst>
-              <p:tags r:id="rId3"/>
+              <p:tags r:id="rId2"/>
             </p:custDataLst>
           </p:nvPr>
         </p:nvSpPr>
@@ -3684,7 +3684,6 @@
               <a:rPr lang="zh-CN" altLang="en-US" noProof="1"/>
               <a:t>单击此处编辑母版标题样式</a:t>
             </a:r>
-            <a:endParaRPr lang="zh-CN" altLang="en-US" noProof="1"/>
           </a:p>
         </p:txBody>
       </p:sp>
@@ -3791,7 +3790,6 @@
               <a:rPr lang="zh-CN" altLang="en-US" noProof="1"/>
               <a:t>单击此处编辑母版文本样式</a:t>
             </a:r>
-            <a:endParaRPr lang="zh-CN" altLang="en-US" noProof="1"/>
           </a:p>
         </p:txBody>
       </p:sp>
@@ -3834,7 +3832,6 @@
               <a:rPr lang="zh-CN" altLang="en-US" noProof="1"/>
               <a:t>单击此处编辑母版文本样式</a:t>
             </a:r>
-            <a:endParaRPr lang="zh-CN" altLang="en-US" noProof="1"/>
           </a:p>
         </p:txBody>
       </p:sp>
@@ -3902,7 +3899,6 @@
               <a:rPr lang="zh-CN" altLang="en-US" noProof="1"/>
               <a:t>单击此处编辑母版文本样式</a:t>
             </a:r>
-            <a:endParaRPr lang="zh-CN" altLang="en-US" noProof="1"/>
           </a:p>
         </p:txBody>
       </p:sp>
@@ -3945,7 +3941,6 @@
               <a:rPr lang="zh-CN" altLang="en-US" noProof="1"/>
               <a:t>单击此处编辑母版文本样式</a:t>
             </a:r>
-            <a:endParaRPr lang="zh-CN" altLang="en-US" noProof="1"/>
           </a:p>
         </p:txBody>
       </p:sp>
@@ -4013,7 +4008,6 @@
               <a:rPr lang="zh-CN" altLang="en-US" noProof="1"/>
               <a:t>单击此处编辑母版文本样式</a:t>
             </a:r>
-            <a:endParaRPr lang="zh-CN" altLang="en-US" noProof="1"/>
           </a:p>
         </p:txBody>
       </p:sp>
@@ -4056,7 +4050,6 @@
               <a:rPr lang="zh-CN" altLang="en-US" noProof="1"/>
               <a:t>单击此处编辑母版文本样式</a:t>
             </a:r>
-            <a:endParaRPr lang="zh-CN" altLang="en-US" noProof="1"/>
           </a:p>
         </p:txBody>
       </p:sp>
@@ -4124,7 +4117,6 @@
               <a:rPr lang="zh-CN" altLang="en-US" noProof="1"/>
               <a:t>单击此处编辑母版文本样式</a:t>
             </a:r>
-            <a:endParaRPr lang="zh-CN" altLang="en-US" noProof="1"/>
           </a:p>
         </p:txBody>
       </p:sp>
@@ -4167,7 +4159,6 @@
               <a:rPr lang="zh-CN" altLang="en-US" noProof="1"/>
               <a:t>单击此处编辑母版文本样式</a:t>
             </a:r>
-            <a:endParaRPr lang="zh-CN" altLang="en-US" noProof="1"/>
           </a:p>
         </p:txBody>
       </p:sp>
@@ -4195,6 +4186,7 @@
             </a:pPr>
             <a:fld id="{D2392E56-C887-40A0-B45B-7A180C992FB2}" type="datetime1">
               <a:rPr lang="zh-CN" altLang="en-US"/>
+              <a:t>2024/5/18</a:t>
             </a:fld>
             <a:endParaRPr lang="zh-CN" altLang="en-US"/>
           </a:p>
@@ -4250,6 +4242,7 @@
             </a:pPr>
             <a:fld id="{A9E29EFA-2022-416F-B6F5-A560FEBF9B29}" type="slidenum">
               <a:rPr lang="zh-CN" altLang="en-US"/>
+              <a:t>‹#›</a:t>
             </a:fld>
             <a:endParaRPr lang="zh-CN" altLang="en-US"/>
           </a:p>
@@ -4265,7 +4258,7 @@
 </file>
 
 <file path=ppt/slideLayouts/slideLayout7.xml><?xml version="1.0" encoding="utf-8"?>
-<p:sldLayout xmlns:a="http://schemas.openxmlformats.org/drawingml/2006/main" xmlns:r="http://schemas.openxmlformats.org/officeDocument/2006/relationships" xmlns:p="http://schemas.openxmlformats.org/presentationml/2006/main" preserve="1" showMasterSp="0">
+<p:sldLayout xmlns:a="http://schemas.openxmlformats.org/drawingml/2006/main" xmlns:r="http://schemas.openxmlformats.org/officeDocument/2006/relationships" xmlns:p="http://schemas.openxmlformats.org/presentationml/2006/main" showMasterSp="0" preserve="1">
   <p:cSld name="文字与多图">
     <p:spTree>
       <p:nvGrpSpPr>
@@ -4287,7 +4280,7 @@
           <p:cNvCxnSpPr/>
           <p:nvPr>
             <p:custDataLst>
-              <p:tags r:id="rId2"/>
+              <p:tags r:id="rId1"/>
             </p:custDataLst>
           </p:nvPr>
         </p:nvCxnSpPr>
@@ -4328,7 +4321,7 @@
           <p:cNvSpPr/>
           <p:nvPr>
             <p:custDataLst>
-              <p:tags r:id="rId3"/>
+              <p:tags r:id="rId2"/>
             </p:custDataLst>
           </p:nvPr>
         </p:nvSpPr>
@@ -4419,7 +4412,6 @@
               <a:rPr lang="zh-CN" altLang="en-US" noProof="1"/>
               <a:t>单击此处编辑母版标题样式</a:t>
             </a:r>
-            <a:endParaRPr lang="zh-CN" altLang="en-US" noProof="1"/>
           </a:p>
         </p:txBody>
       </p:sp>
@@ -4460,7 +4452,6 @@
               <a:rPr lang="zh-CN" altLang="en-US" noProof="1"/>
               <a:t>单击此处编辑母版文本样式</a:t>
             </a:r>
-            <a:endParaRPr lang="zh-CN" altLang="en-US" noProof="1"/>
           </a:p>
         </p:txBody>
       </p:sp>
@@ -4638,6 +4629,7 @@
             </a:pPr>
             <a:fld id="{614AAE4D-FD61-4E21-A39B-A3D833986EBE}" type="datetime1">
               <a:rPr lang="zh-CN" altLang="en-US"/>
+              <a:t>2024/5/18</a:t>
             </a:fld>
             <a:endParaRPr lang="zh-CN" altLang="en-US"/>
           </a:p>
@@ -4693,6 +4685,7 @@
             </a:pPr>
             <a:fld id="{FF36BFEE-CE8A-47C7-A821-825E6C696B77}" type="slidenum">
               <a:rPr lang="zh-CN" altLang="en-US"/>
+              <a:t>‹#›</a:t>
             </a:fld>
             <a:endParaRPr lang="zh-CN" altLang="en-US"/>
           </a:p>
@@ -4708,7 +4701,7 @@
 </file>
 
 <file path=ppt/slideLayouts/slideLayout8.xml><?xml version="1.0" encoding="utf-8"?>
-<p:sldLayout xmlns:a="http://schemas.openxmlformats.org/drawingml/2006/main" xmlns:r="http://schemas.openxmlformats.org/officeDocument/2006/relationships" xmlns:p="http://schemas.openxmlformats.org/presentationml/2006/main" preserve="1" showMasterSp="0">
+<p:sldLayout xmlns:a="http://schemas.openxmlformats.org/drawingml/2006/main" xmlns:r="http://schemas.openxmlformats.org/officeDocument/2006/relationships" xmlns:p="http://schemas.openxmlformats.org/presentationml/2006/main" showMasterSp="0" preserve="1">
   <p:cSld name="两栏内容">
     <p:spTree>
       <p:nvGrpSpPr>
@@ -4730,7 +4723,7 @@
           <p:cNvSpPr/>
           <p:nvPr>
             <p:custDataLst>
-              <p:tags r:id="rId2"/>
+              <p:tags r:id="rId1"/>
             </p:custDataLst>
           </p:nvPr>
         </p:nvSpPr>
@@ -4790,7 +4783,7 @@
           <p:cNvCxnSpPr/>
           <p:nvPr>
             <p:custDataLst>
-              <p:tags r:id="rId3"/>
+              <p:tags r:id="rId2"/>
             </p:custDataLst>
           </p:nvPr>
         </p:nvCxnSpPr>
@@ -4850,7 +4843,6 @@
               <a:rPr lang="zh-CN" altLang="en-US" noProof="1"/>
               <a:t>单击此处编辑母版文本样式</a:t>
             </a:r>
-            <a:endParaRPr lang="zh-CN" altLang="en-US" noProof="1"/>
           </a:p>
           <a:p>
             <a:pPr lvl="1"/>
@@ -4858,7 +4850,6 @@
               <a:rPr lang="zh-CN" altLang="en-US" noProof="1"/>
               <a:t>第二级</a:t>
             </a:r>
-            <a:endParaRPr lang="zh-CN" altLang="en-US" noProof="1"/>
           </a:p>
           <a:p>
             <a:pPr lvl="2"/>
@@ -4866,7 +4857,6 @@
               <a:rPr lang="zh-CN" altLang="en-US" noProof="1"/>
               <a:t>第三级</a:t>
             </a:r>
-            <a:endParaRPr lang="zh-CN" altLang="en-US" noProof="1"/>
           </a:p>
           <a:p>
             <a:pPr lvl="3"/>
@@ -4874,7 +4864,6 @@
               <a:rPr lang="zh-CN" altLang="en-US" noProof="1"/>
               <a:t>第四级</a:t>
             </a:r>
-            <a:endParaRPr lang="zh-CN" altLang="en-US" noProof="1"/>
           </a:p>
           <a:p>
             <a:pPr lvl="4"/>
@@ -4882,7 +4871,6 @@
               <a:rPr lang="zh-CN" altLang="en-US" noProof="1"/>
               <a:t>第五级</a:t>
             </a:r>
-            <a:endParaRPr lang="zh-CN" altLang="en-US" noProof="1"/>
           </a:p>
         </p:txBody>
       </p:sp>
@@ -4911,7 +4899,6 @@
               <a:rPr lang="zh-CN" altLang="en-US" noProof="1"/>
               <a:t>单击此处编辑母版文本样式</a:t>
             </a:r>
-            <a:endParaRPr lang="zh-CN" altLang="en-US" noProof="1"/>
           </a:p>
           <a:p>
             <a:pPr lvl="1"/>
@@ -4919,7 +4906,6 @@
               <a:rPr lang="zh-CN" altLang="en-US" noProof="1"/>
               <a:t>第二级</a:t>
             </a:r>
-            <a:endParaRPr lang="zh-CN" altLang="en-US" noProof="1"/>
           </a:p>
           <a:p>
             <a:pPr lvl="2"/>
@@ -4927,7 +4913,6 @@
               <a:rPr lang="zh-CN" altLang="en-US" noProof="1"/>
               <a:t>第三级</a:t>
             </a:r>
-            <a:endParaRPr lang="zh-CN" altLang="en-US" noProof="1"/>
           </a:p>
           <a:p>
             <a:pPr lvl="3"/>
@@ -4935,7 +4920,6 @@
               <a:rPr lang="zh-CN" altLang="en-US" noProof="1"/>
               <a:t>第四级</a:t>
             </a:r>
-            <a:endParaRPr lang="zh-CN" altLang="en-US" noProof="1"/>
           </a:p>
           <a:p>
             <a:pPr lvl="4"/>
@@ -4943,7 +4927,6 @@
               <a:rPr lang="zh-CN" altLang="en-US" noProof="1"/>
               <a:t>第五级</a:t>
             </a:r>
-            <a:endParaRPr lang="zh-CN" altLang="en-US" noProof="1"/>
           </a:p>
         </p:txBody>
       </p:sp>
@@ -4984,7 +4967,6 @@
               <a:rPr lang="zh-CN" altLang="en-US" noProof="1"/>
               <a:t>单击此处编辑母版标题样式</a:t>
             </a:r>
-            <a:endParaRPr lang="zh-CN" altLang="en-US" noProof="1"/>
           </a:p>
         </p:txBody>
       </p:sp>
@@ -5009,6 +4991,7 @@
           <a:p>
             <a:fld id="{F487EE23-058C-4F57-8869-2B6561E3103C}" type="datetimeFigureOut">
               <a:rPr lang="zh-CN" altLang="en-US" smtClean="0"/>
+              <a:t>2024/5/18</a:t>
             </a:fld>
             <a:endParaRPr lang="zh-CN" altLang="en-US"/>
           </a:p>
@@ -5058,6 +5041,7 @@
           <a:p>
             <a:fld id="{56B3900E-04DA-4596-A4FA-99F91008FD5F}" type="slidenum">
               <a:rPr lang="zh-CN" altLang="en-US" smtClean="0"/>
+              <a:t>‹#›</a:t>
             </a:fld>
             <a:endParaRPr lang="zh-CN" altLang="en-US"/>
           </a:p>
@@ -5073,7 +5057,7 @@
 </file>
 
 <file path=ppt/slideLayouts/slideLayout9.xml><?xml version="1.0" encoding="utf-8"?>
-<p:sldLayout xmlns:a="http://schemas.openxmlformats.org/drawingml/2006/main" xmlns:r="http://schemas.openxmlformats.org/officeDocument/2006/relationships" xmlns:p="http://schemas.openxmlformats.org/presentationml/2006/main" preserve="1" showMasterSp="0">
+<p:sldLayout xmlns:a="http://schemas.openxmlformats.org/drawingml/2006/main" xmlns:r="http://schemas.openxmlformats.org/officeDocument/2006/relationships" xmlns:p="http://schemas.openxmlformats.org/presentationml/2006/main" showMasterSp="0" preserve="1">
   <p:cSld name="比较">
     <p:spTree>
       <p:nvGrpSpPr>
@@ -5095,7 +5079,7 @@
           <p:cNvSpPr/>
           <p:nvPr>
             <p:custDataLst>
-              <p:tags r:id="rId2"/>
+              <p:tags r:id="rId1"/>
             </p:custDataLst>
           </p:nvPr>
         </p:nvSpPr>
@@ -5155,7 +5139,7 @@
           <p:cNvCxnSpPr/>
           <p:nvPr>
             <p:custDataLst>
-              <p:tags r:id="rId3"/>
+              <p:tags r:id="rId2"/>
             </p:custDataLst>
           </p:nvPr>
         </p:nvCxnSpPr>
@@ -5252,7 +5236,6 @@
               <a:rPr lang="zh-CN" altLang="en-US" noProof="1"/>
               <a:t>单击此处编辑母版文本样式</a:t>
             </a:r>
-            <a:endParaRPr lang="zh-CN" altLang="en-US" noProof="1"/>
           </a:p>
         </p:txBody>
       </p:sp>
@@ -5281,7 +5264,6 @@
               <a:rPr lang="zh-CN" altLang="en-US" noProof="1"/>
               <a:t>单击此处编辑母版文本样式</a:t>
             </a:r>
-            <a:endParaRPr lang="zh-CN" altLang="en-US" noProof="1"/>
           </a:p>
           <a:p>
             <a:pPr lvl="1"/>
@@ -5289,7 +5271,6 @@
               <a:rPr lang="zh-CN" altLang="en-US" noProof="1"/>
               <a:t>第二级</a:t>
             </a:r>
-            <a:endParaRPr lang="zh-CN" altLang="en-US" noProof="1"/>
           </a:p>
           <a:p>
             <a:pPr lvl="2"/>
@@ -5297,7 +5278,6 @@
               <a:rPr lang="zh-CN" altLang="en-US" noProof="1"/>
               <a:t>第三级</a:t>
             </a:r>
-            <a:endParaRPr lang="zh-CN" altLang="en-US" noProof="1"/>
           </a:p>
           <a:p>
             <a:pPr lvl="3"/>
@@ -5305,7 +5285,6 @@
               <a:rPr lang="zh-CN" altLang="en-US" noProof="1"/>
               <a:t>第四级</a:t>
             </a:r>
-            <a:endParaRPr lang="zh-CN" altLang="en-US" noProof="1"/>
           </a:p>
           <a:p>
             <a:pPr lvl="4"/>
@@ -5313,7 +5292,6 @@
               <a:rPr lang="zh-CN" altLang="en-US" noProof="1"/>
               <a:t>第五级</a:t>
             </a:r>
-            <a:endParaRPr lang="zh-CN" altLang="en-US" noProof="1"/>
           </a:p>
         </p:txBody>
       </p:sp>
@@ -5379,7 +5357,6 @@
               <a:rPr lang="zh-CN" altLang="en-US" noProof="1"/>
               <a:t>单击此处编辑母版文本样式</a:t>
             </a:r>
-            <a:endParaRPr lang="zh-CN" altLang="en-US" noProof="1"/>
           </a:p>
         </p:txBody>
       </p:sp>
@@ -5408,7 +5385,6 @@
               <a:rPr lang="zh-CN" altLang="en-US" noProof="1"/>
               <a:t>单击此处编辑母版文本样式</a:t>
             </a:r>
-            <a:endParaRPr lang="zh-CN" altLang="en-US" noProof="1"/>
           </a:p>
           <a:p>
             <a:pPr lvl="1"/>
@@ -5416,7 +5392,6 @@
               <a:rPr lang="zh-CN" altLang="en-US" noProof="1"/>
               <a:t>第二级</a:t>
             </a:r>
-            <a:endParaRPr lang="zh-CN" altLang="en-US" noProof="1"/>
           </a:p>
           <a:p>
             <a:pPr lvl="2"/>
@@ -5424,7 +5399,6 @@
               <a:rPr lang="zh-CN" altLang="en-US" noProof="1"/>
               <a:t>第三级</a:t>
             </a:r>
-            <a:endParaRPr lang="zh-CN" altLang="en-US" noProof="1"/>
           </a:p>
           <a:p>
             <a:pPr lvl="3"/>
@@ -5432,7 +5406,6 @@
               <a:rPr lang="zh-CN" altLang="en-US" noProof="1"/>
               <a:t>第四级</a:t>
             </a:r>
-            <a:endParaRPr lang="zh-CN" altLang="en-US" noProof="1"/>
           </a:p>
           <a:p>
             <a:pPr lvl="4"/>
@@ -5440,7 +5413,6 @@
               <a:rPr lang="zh-CN" altLang="en-US" noProof="1"/>
               <a:t>第五级</a:t>
             </a:r>
-            <a:endParaRPr lang="zh-CN" altLang="en-US" noProof="1"/>
           </a:p>
         </p:txBody>
       </p:sp>
@@ -5481,7 +5453,6 @@
               <a:rPr lang="zh-CN" altLang="en-US" noProof="1"/>
               <a:t>单击此处编辑母版标题样式</a:t>
             </a:r>
-            <a:endParaRPr lang="zh-CN" altLang="en-US" noProof="1"/>
           </a:p>
         </p:txBody>
       </p:sp>
@@ -5506,6 +5477,7 @@
           <a:p>
             <a:fld id="{F487EE23-058C-4F57-8869-2B6561E3103C}" type="datetimeFigureOut">
               <a:rPr lang="zh-CN" altLang="en-US" smtClean="0"/>
+              <a:t>2024/5/18</a:t>
             </a:fld>
             <a:endParaRPr lang="zh-CN" altLang="en-US"/>
           </a:p>
@@ -5555,6 +5527,7 @@
           <a:p>
             <a:fld id="{56B3900E-04DA-4596-A4FA-99F91008FD5F}" type="slidenum">
               <a:rPr lang="zh-CN" altLang="en-US" smtClean="0"/>
+              <a:t>‹#›</a:t>
             </a:fld>
             <a:endParaRPr lang="zh-CN" altLang="en-US"/>
           </a:p>
@@ -5603,7 +5576,7 @@
           <p:nvPr>
             <p:ph type="title" idx="4294967295"/>
             <p:custDataLst>
-              <p:tags r:id="rId14"/>
+              <p:tags r:id="rId15"/>
             </p:custDataLst>
           </p:nvPr>
         </p:nvSpPr>
@@ -5648,7 +5621,6 @@
               <a:rPr lang="zh-CN" altLang="en-US"/>
               <a:t>单击此处编辑母版标题样式</a:t>
             </a:r>
-            <a:endParaRPr lang="zh-CN" altLang="en-US"/>
           </a:p>
         </p:txBody>
       </p:sp>
@@ -5661,7 +5633,7 @@
           <p:nvPr>
             <p:ph type="body" idx="9"/>
             <p:custDataLst>
-              <p:tags r:id="rId15"/>
+              <p:tags r:id="rId16"/>
             </p:custDataLst>
           </p:nvPr>
         </p:nvSpPr>
@@ -5706,7 +5678,6 @@
               <a:rPr lang="zh-CN" altLang="en-US"/>
               <a:t>单击此处编辑母版文本样式</a:t>
             </a:r>
-            <a:endParaRPr lang="zh-CN" altLang="en-US"/>
           </a:p>
           <a:p>
             <a:pPr lvl="1"/>
@@ -5714,7 +5685,6 @@
               <a:rPr lang="zh-CN" altLang="en-US"/>
               <a:t>第二级</a:t>
             </a:r>
-            <a:endParaRPr lang="zh-CN" altLang="en-US"/>
           </a:p>
           <a:p>
             <a:pPr lvl="2"/>
@@ -5722,7 +5692,6 @@
               <a:rPr lang="zh-CN" altLang="en-US"/>
               <a:t>第三级</a:t>
             </a:r>
-            <a:endParaRPr lang="zh-CN" altLang="en-US"/>
           </a:p>
           <a:p>
             <a:pPr lvl="3"/>
@@ -5730,7 +5699,6 @@
               <a:rPr lang="zh-CN" altLang="en-US"/>
               <a:t>第四级</a:t>
             </a:r>
-            <a:endParaRPr lang="zh-CN" altLang="en-US"/>
           </a:p>
           <a:p>
             <a:pPr lvl="4"/>
@@ -5738,7 +5706,6 @@
               <a:rPr lang="zh-CN" altLang="en-US"/>
               <a:t>第五级</a:t>
             </a:r>
-            <a:endParaRPr lang="zh-CN" altLang="en-US"/>
           </a:p>
         </p:txBody>
       </p:sp>
@@ -5783,6 +5750,7 @@
           <a:p>
             <a:fld id="{F487EE23-058C-4F57-8869-2B6561E3103C}" type="datetimeFigureOut">
               <a:rPr lang="zh-CN" altLang="en-US" smtClean="0"/>
+              <a:t>2024/5/18</a:t>
             </a:fld>
             <a:endParaRPr lang="zh-CN" altLang="en-US"/>
           </a:p>
@@ -5870,6 +5838,7 @@
           <a:p>
             <a:fld id="{56B3900E-04DA-4596-A4FA-99F91008FD5F}" type="slidenum">
               <a:rPr lang="zh-CN" altLang="en-US" smtClean="0"/>
+              <a:t>‹#›</a:t>
             </a:fld>
             <a:endParaRPr lang="zh-CN" altLang="en-US"/>
           </a:p>
@@ -5881,7 +5850,7 @@
           <p:cNvSpPr/>
           <p:nvPr>
             <p:custDataLst>
-              <p:tags r:id="rId16"/>
+              <p:tags r:id="rId17"/>
             </p:custDataLst>
           </p:nvPr>
         </p:nvSpPr>
@@ -5992,12 +5961,12 @@
             </p:cNvPicPr>
             <p:nvPr>
               <p:custDataLst>
-                <p:tags r:id="rId17"/>
+                <p:tags r:id="rId18"/>
               </p:custDataLst>
             </p:nvPr>
           </p:nvPicPr>
           <p:blipFill>
-            <a:blip r:embed="rId18">
+            <a:blip r:embed="rId20">
               <a:extLst>
                 <a:ext uri="{28A0092B-C50C-407E-A947-70E740481C1C}">
                   <a14:useLocalDpi xmlns:a14="http://schemas.microsoft.com/office/drawing/2010/main" val="0"/>
@@ -6607,7 +6576,6 @@
               <a:rPr lang="zh-CN" altLang="en-US" dirty="0"/>
               <a:t>的小窝</a:t>
             </a:r>
-            <a:endParaRPr lang="zh-CN" altLang="en-US" dirty="0"/>
           </a:p>
         </p:txBody>
       </p:sp>
@@ -6663,14 +6631,13 @@
               <a:rPr lang="zh-CN" altLang="en-US" dirty="0"/>
               <a:t>小说</a:t>
             </a:r>
-            <a:endParaRPr lang="zh-CN" altLang="en-US" dirty="0"/>
           </a:p>
         </p:txBody>
       </p:sp>
       <p:sp>
         <p:nvSpPr>
           <p:cNvPr id="10" name="文本框 9">
-            <a:hlinkClick r:id="rId1"/>
+            <a:hlinkClick r:id="rId2"/>
           </p:cNvPr>
           <p:cNvSpPr txBox="1"/>
           <p:nvPr/>
@@ -6703,14 +6670,13 @@
               <a:rPr lang="en-US" altLang="zh-CN" dirty="0"/>
               <a:t>》</a:t>
             </a:r>
-            <a:endParaRPr lang="en-US" altLang="zh-CN" dirty="0"/>
           </a:p>
         </p:txBody>
       </p:sp>
       <p:sp>
         <p:nvSpPr>
           <p:cNvPr id="2" name="文本框 1">
-            <a:hlinkClick r:id="rId2"/>
+            <a:hlinkClick r:id="rId3"/>
           </p:cNvPr>
           <p:cNvSpPr txBox="1"/>
           <p:nvPr/>
@@ -6743,14 +6709,13 @@
               <a:rPr lang="en-US" altLang="zh-CN" dirty="0"/>
               <a:t>》</a:t>
             </a:r>
-            <a:endParaRPr lang="en-US" altLang="zh-CN" dirty="0"/>
           </a:p>
         </p:txBody>
       </p:sp>
       <p:sp>
         <p:nvSpPr>
           <p:cNvPr id="3" name="文本框 2">
-            <a:hlinkClick r:id="rId3" tooltip="" action="ppaction://hlinkfile"/>
+            <a:hlinkClick r:id="rId4" action="ppaction://hlinkfile"/>
           </p:cNvPr>
           <p:cNvSpPr txBox="1"/>
           <p:nvPr/>
@@ -6783,14 +6748,13 @@
               <a:rPr lang="en-US" altLang="zh-CN" dirty="0"/>
               <a:t>》</a:t>
             </a:r>
-            <a:endParaRPr lang="en-US" altLang="zh-CN" dirty="0"/>
           </a:p>
         </p:txBody>
       </p:sp>
       <p:sp>
         <p:nvSpPr>
           <p:cNvPr id="4" name="文本框 3">
-            <a:hlinkClick r:id="rId4" tooltip="" action="ppaction://hlinkfile"/>
+            <a:hlinkClick r:id="rId5" action="ppaction://hlinkfile"/>
           </p:cNvPr>
           <p:cNvSpPr txBox="1"/>
           <p:nvPr/>
@@ -6809,6 +6773,7 @@
           <a:bodyPr wrap="square" rtlCol="0">
             <a:spAutoFit/>
           </a:bodyPr>
+          <a:lstStyle/>
           <a:p>
             <a:r>
               <a:rPr lang="en-US" altLang="zh-CN" dirty="0"/>
@@ -6822,14 +6787,13 @@
               <a:rPr lang="en-US" altLang="zh-CN" dirty="0"/>
               <a:t>》</a:t>
             </a:r>
-            <a:endParaRPr lang="en-US" altLang="zh-CN" dirty="0"/>
           </a:p>
         </p:txBody>
       </p:sp>
       <p:sp>
         <p:nvSpPr>
           <p:cNvPr id="5" name="文本框 4">
-            <a:hlinkClick r:id="rId5" tooltip="" action="ppaction://hlinkfile"/>
+            <a:hlinkClick r:id="rId6" action="ppaction://hlinkfile"/>
           </p:cNvPr>
           <p:cNvSpPr txBox="1"/>
           <p:nvPr/>
@@ -6848,19 +6812,19 @@
           <a:bodyPr wrap="square" rtlCol="0">
             <a:spAutoFit/>
           </a:bodyPr>
+          <a:lstStyle/>
           <a:p>
             <a:r>
               <a:rPr lang="en-US" altLang="zh-CN"/>
               <a:t>《拥抱地心引力》</a:t>
             </a:r>
-            <a:endParaRPr lang="en-US" altLang="zh-CN"/>
           </a:p>
         </p:txBody>
       </p:sp>
       <p:sp>
         <p:nvSpPr>
           <p:cNvPr id="6" name="文本框 5">
-            <a:hlinkClick r:id="rId6" tooltip="" action="ppaction://hlinkfile"/>
+            <a:hlinkClick r:id="rId7" action="ppaction://hlinkfile"/>
           </p:cNvPr>
           <p:cNvSpPr txBox="1"/>
           <p:nvPr/>
@@ -6879,6 +6843,7 @@
           <a:bodyPr wrap="square" rtlCol="0">
             <a:spAutoFit/>
           </a:bodyPr>
+          <a:lstStyle/>
           <a:p>
             <a:r>
               <a:rPr lang="en-US" altLang="zh-CN" dirty="0"/>
@@ -6892,7 +6857,6 @@
               <a:rPr lang="en-US" altLang="zh-CN" dirty="0"/>
               <a:t>》</a:t>
             </a:r>
-            <a:endParaRPr lang="en-US" altLang="zh-CN" dirty="0"/>
           </a:p>
         </p:txBody>
       </p:sp>
@@ -6948,14 +6912,13 @@
               <a:rPr lang="zh-CN" altLang="en-US" dirty="0"/>
               <a:t>小说</a:t>
             </a:r>
-            <a:endParaRPr lang="zh-CN" altLang="en-US" dirty="0"/>
           </a:p>
         </p:txBody>
       </p:sp>
       <p:pic>
         <p:nvPicPr>
           <p:cNvPr id="13" name="图片 12">
-            <a:hlinkClick r:id="rId1"/>
+            <a:hlinkClick r:id="rId2"/>
           </p:cNvPr>
           <p:cNvPicPr>
             <a:picLocks noChangeAspect="1"/>
@@ -6963,7 +6926,7 @@
           <p:nvPr/>
         </p:nvPicPr>
         <p:blipFill>
-          <a:blip r:embed="rId2">
+          <a:blip r:embed="rId3">
             <a:extLst>
               <a:ext uri="{28A0092B-C50C-407E-A947-70E740481C1C}">
                 <a14:useLocalDpi xmlns:a14="http://schemas.microsoft.com/office/drawing/2010/main" val="0"/>
@@ -7050,7 +7013,7 @@
       <p:pic>
         <p:nvPicPr>
           <p:cNvPr id="2" name="图片 1">
-            <a:hlinkClick r:id="rId3"/>
+            <a:hlinkClick r:id="rId4"/>
           </p:cNvPr>
           <p:cNvPicPr>
             <a:picLocks noChangeAspect="1"/>
@@ -7058,7 +7021,7 @@
           <p:nvPr/>
         </p:nvPicPr>
         <p:blipFill>
-          <a:blip r:embed="rId4" cstate="print">
+          <a:blip r:embed="rId5" cstate="print">
             <a:extLst>
               <a:ext uri="{28A0092B-C50C-407E-A947-70E740481C1C}">
                 <a14:useLocalDpi xmlns:a14="http://schemas.microsoft.com/office/drawing/2010/main" val="0"/>
@@ -7096,7 +7059,7 @@
       <p:pic>
         <p:nvPicPr>
           <p:cNvPr id="3" name="图片 2">
-            <a:hlinkClick r:id="rId5"/>
+            <a:hlinkClick r:id="rId6"/>
           </p:cNvPr>
           <p:cNvPicPr>
             <a:picLocks noChangeAspect="1"/>
@@ -7104,7 +7067,7 @@
           <p:nvPr/>
         </p:nvPicPr>
         <p:blipFill>
-          <a:blip r:embed="rId6" cstate="print">
+          <a:blip r:embed="rId7" cstate="print">
             <a:extLst>
               <a:ext uri="{28A0092B-C50C-407E-A947-70E740481C1C}">
                 <a14:useLocalDpi xmlns:a14="http://schemas.microsoft.com/office/drawing/2010/main" val="0"/>
@@ -7142,7 +7105,7 @@
       <p:pic>
         <p:nvPicPr>
           <p:cNvPr id="4" name="图片 3">
-            <a:hlinkClick r:id="rId7"/>
+            <a:hlinkClick r:id="rId8"/>
           </p:cNvPr>
           <p:cNvPicPr>
             <a:picLocks noChangeAspect="1"/>
@@ -7150,7 +7113,7 @@
           <p:nvPr/>
         </p:nvPicPr>
         <p:blipFill>
-          <a:blip r:embed="rId8">
+          <a:blip r:embed="rId9">
             <a:extLst>
               <a:ext uri="{28A0092B-C50C-407E-A947-70E740481C1C}">
                 <a14:useLocalDpi xmlns:a14="http://schemas.microsoft.com/office/drawing/2010/main" val="0"/>
@@ -7188,7 +7151,7 @@
       <p:pic>
         <p:nvPicPr>
           <p:cNvPr id="5" name="图片 4">
-            <a:hlinkClick r:id="rId9"/>
+            <a:hlinkClick r:id="rId10"/>
           </p:cNvPr>
           <p:cNvPicPr>
             <a:picLocks noChangeAspect="1"/>
@@ -7196,7 +7159,7 @@
           <p:nvPr/>
         </p:nvPicPr>
         <p:blipFill>
-          <a:blip r:embed="rId10">
+          <a:blip r:embed="rId11">
             <a:extLst>
               <a:ext uri="{28A0092B-C50C-407E-A947-70E740481C1C}">
                 <a14:useLocalDpi xmlns:a14="http://schemas.microsoft.com/office/drawing/2010/main" val="0"/>
@@ -7234,7 +7197,7 @@
       <p:pic>
         <p:nvPicPr>
           <p:cNvPr id="6" name="图片 5">
-            <a:hlinkClick r:id="rId11"/>
+            <a:hlinkClick r:id="rId12"/>
           </p:cNvPr>
           <p:cNvPicPr>
             <a:picLocks noChangeAspect="1"/>
@@ -7242,7 +7205,7 @@
           <p:nvPr/>
         </p:nvPicPr>
         <p:blipFill>
-          <a:blip r:embed="rId12">
+          <a:blip r:embed="rId13">
             <a:extLst>
               <a:ext uri="{28A0092B-C50C-407E-A947-70E740481C1C}">
                 <a14:useLocalDpi xmlns:a14="http://schemas.microsoft.com/office/drawing/2010/main" val="0"/>
@@ -7356,7 +7319,7 @@
       <p:pic>
         <p:nvPicPr>
           <p:cNvPr id="10" name="图片 9">
-            <a:hlinkClick r:id="rId1"/>
+            <a:hlinkClick r:id="rId2"/>
           </p:cNvPr>
           <p:cNvPicPr>
             <a:picLocks noChangeAspect="1"/>
@@ -7364,7 +7327,7 @@
           <p:nvPr/>
         </p:nvPicPr>
         <p:blipFill>
-          <a:blip r:embed="rId2">
+          <a:blip r:embed="rId3">
             <a:extLst>
               <a:ext uri="{28A0092B-C50C-407E-A947-70E740481C1C}">
                 <a14:useLocalDpi xmlns:a14="http://schemas.microsoft.com/office/drawing/2010/main" val="0"/>
@@ -7425,14 +7388,13 @@
               <a:rPr lang="zh-CN" altLang="en-US" dirty="0"/>
               <a:t>小说</a:t>
             </a:r>
-            <a:endParaRPr lang="zh-CN" altLang="en-US" dirty="0"/>
           </a:p>
         </p:txBody>
       </p:sp>
       <p:pic>
         <p:nvPicPr>
           <p:cNvPr id="2" name="图片 1">
-            <a:hlinkClick r:id="rId3"/>
+            <a:hlinkClick r:id="rId4"/>
           </p:cNvPr>
           <p:cNvPicPr>
             <a:picLocks noChangeAspect="1"/>
@@ -7440,7 +7402,7 @@
           <p:nvPr/>
         </p:nvPicPr>
         <p:blipFill>
-          <a:blip r:embed="rId4">
+          <a:blip r:embed="rId5">
             <a:extLst>
               <a:ext uri="{28A0092B-C50C-407E-A947-70E740481C1C}">
                 <a14:useLocalDpi xmlns:a14="http://schemas.microsoft.com/office/drawing/2010/main" val="0"/>
@@ -7478,7 +7440,7 @@
       <p:pic>
         <p:nvPicPr>
           <p:cNvPr id="3" name="图片 2">
-            <a:hlinkClick r:id="rId5"/>
+            <a:hlinkClick r:id="rId6"/>
           </p:cNvPr>
           <p:cNvPicPr>
             <a:picLocks noChangeAspect="1"/>
@@ -7486,7 +7448,7 @@
           <p:nvPr/>
         </p:nvPicPr>
         <p:blipFill>
-          <a:blip r:embed="rId6">
+          <a:blip r:embed="rId7">
             <a:extLst>
               <a:ext uri="{28A0092B-C50C-407E-A947-70E740481C1C}">
                 <a14:useLocalDpi xmlns:a14="http://schemas.microsoft.com/office/drawing/2010/main" val="0"/>
@@ -7524,7 +7486,7 @@
       <p:pic>
         <p:nvPicPr>
           <p:cNvPr id="4" name="图片 3">
-            <a:hlinkClick r:id="rId7"/>
+            <a:hlinkClick r:id="rId8"/>
           </p:cNvPr>
           <p:cNvPicPr>
             <a:picLocks noChangeAspect="1"/>
@@ -7532,7 +7494,7 @@
           <p:nvPr/>
         </p:nvPicPr>
         <p:blipFill>
-          <a:blip r:embed="rId8">
+          <a:blip r:embed="rId9">
             <a:extLst>
               <a:ext uri="{28A0092B-C50C-407E-A947-70E740481C1C}">
                 <a14:useLocalDpi xmlns:a14="http://schemas.microsoft.com/office/drawing/2010/main" val="0"/>
@@ -7570,7 +7532,7 @@
       <p:pic>
         <p:nvPicPr>
           <p:cNvPr id="5" name="图片 4">
-            <a:hlinkClick r:id="rId9"/>
+            <a:hlinkClick r:id="rId10"/>
           </p:cNvPr>
           <p:cNvPicPr>
             <a:picLocks noChangeAspect="1"/>
@@ -7578,7 +7540,7 @@
           <p:nvPr/>
         </p:nvPicPr>
         <p:blipFill>
-          <a:blip r:embed="rId10">
+          <a:blip r:embed="rId11">
             <a:extLst>
               <a:ext uri="{28A0092B-C50C-407E-A947-70E740481C1C}">
                 <a14:useLocalDpi xmlns:a14="http://schemas.microsoft.com/office/drawing/2010/main" val="0"/>
@@ -7616,7 +7578,7 @@
       <p:pic>
         <p:nvPicPr>
           <p:cNvPr id="6" name="图片 5">
-            <a:hlinkClick r:id="rId11"/>
+            <a:hlinkClick r:id="rId12"/>
           </p:cNvPr>
           <p:cNvPicPr>
             <a:picLocks noChangeAspect="1"/>
@@ -7624,7 +7586,7 @@
           <p:nvPr/>
         </p:nvPicPr>
         <p:blipFill>
-          <a:blip r:embed="rId12">
+          <a:blip r:embed="rId13">
             <a:extLst>
               <a:ext uri="{28A0092B-C50C-407E-A947-70E740481C1C}">
                 <a14:useLocalDpi xmlns:a14="http://schemas.microsoft.com/office/drawing/2010/main" val="0"/>
@@ -7662,7 +7624,7 @@
       <p:sp>
         <p:nvSpPr>
           <p:cNvPr id="7" name="文本框 6">
-            <a:hlinkClick r:id="rId13"/>
+            <a:hlinkClick r:id="rId14"/>
           </p:cNvPr>
           <p:cNvSpPr txBox="1"/>
           <p:nvPr/>
@@ -7694,14 +7656,6 @@
               </a:rPr>
               <a:t>我在惊悚游戏里封神（可下载）</a:t>
             </a:r>
-            <a:endParaRPr lang="zh-CN" altLang="en-US" sz="1800" kern="1200" dirty="0">
-              <a:solidFill>
-                <a:schemeClr val="tx1"/>
-              </a:solidFill>
-              <a:latin typeface="+mn-lt"/>
-              <a:ea typeface="+mn-ea"/>
-              <a:cs typeface="+mn-cs"/>
-            </a:endParaRPr>
           </a:p>
         </p:txBody>
       </p:sp>
@@ -7784,7 +7738,7 @@
       <p:pic>
         <p:nvPicPr>
           <p:cNvPr id="10" name="图片 9">
-            <a:hlinkClick r:id="rId1" action="ppaction://hlinkfile"/>
+            <a:hlinkClick r:id="rId2" action="ppaction://hlinkfile"/>
           </p:cNvPr>
           <p:cNvPicPr>
             <a:picLocks noChangeAspect="1"/>
@@ -7792,7 +7746,7 @@
           <p:nvPr/>
         </p:nvPicPr>
         <p:blipFill>
-          <a:blip r:embed="rId2">
+          <a:blip r:embed="rId3">
             <a:extLst>
               <a:ext uri="{28A0092B-C50C-407E-A947-70E740481C1C}">
                 <a14:useLocalDpi xmlns:a14="http://schemas.microsoft.com/office/drawing/2010/main" val="0"/>
@@ -7853,14 +7807,13 @@
               <a:rPr lang="zh-CN" altLang="en-US" dirty="0"/>
               <a:t>小说</a:t>
             </a:r>
-            <a:endParaRPr lang="zh-CN" altLang="en-US" dirty="0"/>
           </a:p>
         </p:txBody>
       </p:sp>
       <p:sp>
         <p:nvSpPr>
           <p:cNvPr id="2" name="文本框 1">
-            <a:hlinkClick r:id="rId3"/>
+            <a:hlinkClick r:id="rId4"/>
           </p:cNvPr>
           <p:cNvSpPr txBox="1"/>
           <p:nvPr/>
@@ -7893,21 +7846,19 @@
               <a:rPr lang="en-US" altLang="zh-CN" dirty="0"/>
               <a:t>》</a:t>
             </a:r>
-            <a:endParaRPr lang="en-US" altLang="zh-CN" dirty="0"/>
           </a:p>
           <a:p>
             <a:r>
               <a:rPr lang="zh-CN" altLang="en-US" dirty="0"/>
               <a:t>（可下载）</a:t>
             </a:r>
-            <a:endParaRPr lang="zh-CN" altLang="en-US" dirty="0"/>
           </a:p>
         </p:txBody>
       </p:sp>
       <p:pic>
         <p:nvPicPr>
           <p:cNvPr id="3" name="图片 2">
-            <a:hlinkClick r:id="rId4" action="ppaction://hlinkfile"/>
+            <a:hlinkClick r:id="rId5" action="ppaction://hlinkfile"/>
           </p:cNvPr>
           <p:cNvPicPr>
             <a:picLocks noChangeAspect="1"/>
@@ -7915,7 +7866,7 @@
           <p:nvPr/>
         </p:nvPicPr>
         <p:blipFill>
-          <a:blip r:embed="rId2">
+          <a:blip r:embed="rId3">
             <a:extLst>
               <a:ext uri="{28A0092B-C50C-407E-A947-70E740481C1C}">
                 <a14:useLocalDpi xmlns:a14="http://schemas.microsoft.com/office/drawing/2010/main" val="0"/>
@@ -7993,7 +7944,7 @@
         <p:sp>
           <p:nvSpPr>
             <p:cNvPr id="5" name="文本框 4">
-              <a:hlinkClick r:id="rId1"/>
+              <a:hlinkClick r:id="rId2"/>
             </p:cNvPr>
             <p:cNvSpPr txBox="1"/>
             <p:nvPr/>
@@ -8025,7 +7976,7 @@
         <p:sp>
           <p:nvSpPr>
             <p:cNvPr id="6" name="文本框 5">
-              <a:hlinkClick r:id="rId2" action="ppaction://hlinkfile"/>
+              <a:hlinkClick r:id="rId3" action="ppaction://hlinkfile"/>
             </p:cNvPr>
             <p:cNvSpPr txBox="1"/>
             <p:nvPr/>
@@ -8057,7 +8008,7 @@
         <p:sp>
           <p:nvSpPr>
             <p:cNvPr id="7" name="文本框 6">
-              <a:hlinkClick r:id="rId3" action="ppaction://hlinkfile"/>
+              <a:hlinkClick r:id="rId4" action="ppaction://hlinkfile"/>
             </p:cNvPr>
             <p:cNvSpPr txBox="1"/>
             <p:nvPr/>
@@ -8089,7 +8040,7 @@
         <p:sp>
           <p:nvSpPr>
             <p:cNvPr id="8" name="文本框 7">
-              <a:hlinkClick r:id="rId4"/>
+              <a:hlinkClick r:id="rId5"/>
             </p:cNvPr>
             <p:cNvSpPr txBox="1"/>
             <p:nvPr/>
@@ -8121,7 +8072,7 @@
         <p:sp>
           <p:nvSpPr>
             <p:cNvPr id="9" name="文本框 8">
-              <a:hlinkClick r:id="rId5"/>
+              <a:hlinkClick r:id="rId6"/>
             </p:cNvPr>
             <p:cNvSpPr txBox="1"/>
             <p:nvPr/>
@@ -8153,7 +8104,7 @@
         <p:sp>
           <p:nvSpPr>
             <p:cNvPr id="10" name="文本框 9">
-              <a:hlinkClick r:id="rId6"/>
+              <a:hlinkClick r:id="rId7"/>
             </p:cNvPr>
             <p:cNvSpPr txBox="1"/>
             <p:nvPr/>
@@ -8185,7 +8136,7 @@
         <p:sp>
           <p:nvSpPr>
             <p:cNvPr id="11" name="文本框 10">
-              <a:hlinkClick r:id="rId7" action="ppaction://hlinkfile"/>
+              <a:hlinkClick r:id="rId8" action="ppaction://hlinkfile"/>
             </p:cNvPr>
             <p:cNvSpPr txBox="1"/>
             <p:nvPr/>
@@ -8217,7 +8168,7 @@
         <p:sp>
           <p:nvSpPr>
             <p:cNvPr id="12" name="文本框 11">
-              <a:hlinkClick r:id="rId8" action="ppaction://hlinkfile"/>
+              <a:hlinkClick r:id="rId9" action="ppaction://hlinkfile"/>
             </p:cNvPr>
             <p:cNvSpPr txBox="1"/>
             <p:nvPr/>
@@ -8249,7 +8200,7 @@
         <p:sp>
           <p:nvSpPr>
             <p:cNvPr id="13" name="文本框 12">
-              <a:hlinkClick r:id="rId9" action="ppaction://hlinkfile"/>
+              <a:hlinkClick r:id="rId10" action="ppaction://hlinkfile"/>
             </p:cNvPr>
             <p:cNvSpPr txBox="1"/>
             <p:nvPr/>
@@ -8313,7 +8264,6 @@
               <a:rPr lang="zh-CN" altLang="en-US" dirty="0"/>
               <a:t>视频</a:t>
             </a:r>
-            <a:endParaRPr lang="zh-CN" altLang="en-US" dirty="0"/>
           </a:p>
         </p:txBody>
       </p:sp>
@@ -8334,7 +8284,7 @@
         <p:sp>
           <p:nvSpPr>
             <p:cNvPr id="18" name="文本框 17">
-              <a:hlinkClick r:id="rId10" action="ppaction://hlinkfile"/>
+              <a:hlinkClick r:id="rId11" action="ppaction://hlinkfile"/>
             </p:cNvPr>
             <p:cNvSpPr txBox="1"/>
             <p:nvPr/>
@@ -8359,14 +8309,13 @@
                 <a:rPr lang="en-US" altLang="zh-CN" dirty="0"/>
                 <a:t>hy3</a:t>
               </a:r>
-              <a:endParaRPr lang="en-US" altLang="zh-CN" dirty="0"/>
             </a:p>
           </p:txBody>
         </p:sp>
         <p:sp>
           <p:nvSpPr>
             <p:cNvPr id="26" name="文本框 25">
-              <a:hlinkClick r:id="rId11" action="ppaction://hlinkfile"/>
+              <a:hlinkClick r:id="rId12" action="ppaction://hlinkfile"/>
             </p:cNvPr>
             <p:cNvSpPr txBox="1"/>
             <p:nvPr/>
@@ -8391,14 +8340,13 @@
                 <a:rPr lang="en-US" altLang="zh-CN"/>
                 <a:t>hy4</a:t>
               </a:r>
-              <a:endParaRPr lang="en-US" altLang="zh-CN"/>
             </a:p>
           </p:txBody>
         </p:sp>
         <p:sp>
           <p:nvSpPr>
             <p:cNvPr id="27" name="文本框 26">
-              <a:hlinkClick r:id="rId12" action="ppaction://hlinkfile"/>
+              <a:hlinkClick r:id="rId13" action="ppaction://hlinkfile"/>
             </p:cNvPr>
             <p:cNvSpPr txBox="1"/>
             <p:nvPr/>
@@ -8423,14 +8371,13 @@
                 <a:rPr lang="en-US" altLang="zh-CN"/>
                 <a:t>hy5</a:t>
               </a:r>
-              <a:endParaRPr lang="en-US" altLang="zh-CN"/>
             </a:p>
           </p:txBody>
         </p:sp>
         <p:sp>
           <p:nvSpPr>
             <p:cNvPr id="29" name="文本框 28">
-              <a:hlinkClick r:id="rId13" action="ppaction://hlinkfile"/>
+              <a:hlinkClick r:id="rId14" action="ppaction://hlinkfile"/>
             </p:cNvPr>
             <p:cNvSpPr txBox="1"/>
             <p:nvPr/>
@@ -8455,14 +8402,13 @@
                 <a:rPr lang="en-US" altLang="zh-CN" dirty="0"/>
                 <a:t>xxsh</a:t>
               </a:r>
-              <a:endParaRPr lang="en-US" altLang="zh-CN" dirty="0"/>
             </a:p>
           </p:txBody>
         </p:sp>
         <p:sp>
           <p:nvSpPr>
             <p:cNvPr id="31" name="文本框 30">
-              <a:hlinkClick r:id="rId14"/>
+              <a:hlinkClick r:id="rId15"/>
             </p:cNvPr>
             <p:cNvSpPr txBox="1"/>
             <p:nvPr/>
@@ -8487,14 +8433,13 @@
                 <a:rPr lang="en-US" altLang="zh-CN" dirty="0"/>
                 <a:t>cd</a:t>
               </a:r>
-              <a:endParaRPr lang="en-US" altLang="zh-CN" dirty="0"/>
             </a:p>
           </p:txBody>
         </p:sp>
         <p:sp>
           <p:nvSpPr>
             <p:cNvPr id="32" name="文本框 31">
-              <a:hlinkClick r:id="rId15"/>
+              <a:hlinkClick r:id="rId16"/>
             </p:cNvPr>
             <p:cNvSpPr txBox="1"/>
             <p:nvPr/>
@@ -8519,14 +8464,13 @@
                 <a:rPr lang="en-US" altLang="zh-CN" dirty="0"/>
                 <a:t>mi</a:t>
               </a:r>
-              <a:endParaRPr lang="en-US" altLang="zh-CN" dirty="0"/>
             </a:p>
           </p:txBody>
         </p:sp>
         <p:sp>
           <p:nvSpPr>
             <p:cNvPr id="25" name="文本框 24">
-              <a:hlinkClick r:id="rId16"/>
+              <a:hlinkClick r:id="rId17"/>
             </p:cNvPr>
             <p:cNvSpPr txBox="1"/>
             <p:nvPr/>
@@ -8551,14 +8495,13 @@
                 <a:rPr lang="en-US" altLang="zh-CN" dirty="0"/>
                 <a:t>mi2</a:t>
               </a:r>
-              <a:endParaRPr lang="en-US" altLang="zh-CN" dirty="0"/>
             </a:p>
           </p:txBody>
         </p:sp>
         <p:sp>
           <p:nvSpPr>
             <p:cNvPr id="30" name="文本框 29">
-              <a:hlinkClick r:id="rId17"/>
+              <a:hlinkClick r:id="rId18"/>
             </p:cNvPr>
             <p:cNvSpPr txBox="1"/>
             <p:nvPr/>
@@ -8583,7 +8526,6 @@
                 <a:rPr lang="en-US" altLang="zh-CN" dirty="0"/>
                 <a:t>cl3</a:t>
               </a:r>
-              <a:endParaRPr lang="en-US" altLang="zh-CN" dirty="0"/>
             </a:p>
           </p:txBody>
         </p:sp>
@@ -8605,7 +8547,7 @@
         <p:sp>
           <p:nvSpPr>
             <p:cNvPr id="19" name="文本框 18">
-              <a:hlinkClick r:id="rId18" action="ppaction://hlinkfile"/>
+              <a:hlinkClick r:id="rId19" action="ppaction://hlinkfile"/>
             </p:cNvPr>
             <p:cNvSpPr txBox="1"/>
             <p:nvPr/>
@@ -8630,14 +8572,13 @@
                 <a:rPr lang="en-US" altLang="zh-CN" dirty="0"/>
                 <a:t>hy2</a:t>
               </a:r>
-              <a:endParaRPr lang="en-US" altLang="zh-CN" dirty="0"/>
             </a:p>
           </p:txBody>
         </p:sp>
         <p:sp>
           <p:nvSpPr>
             <p:cNvPr id="20" name="文本框 19">
-              <a:hlinkClick r:id="rId19" action="ppaction://hlinkfile"/>
+              <a:hlinkClick r:id="rId20" action="ppaction://hlinkfile"/>
             </p:cNvPr>
             <p:cNvSpPr txBox="1"/>
             <p:nvPr/>
@@ -8662,14 +8603,13 @@
                 <a:rPr lang="en-US" altLang="zh-CN" dirty="0"/>
                 <a:t>hy1</a:t>
               </a:r>
-              <a:endParaRPr lang="en-US" altLang="zh-CN" dirty="0"/>
             </a:p>
           </p:txBody>
         </p:sp>
         <p:sp>
           <p:nvSpPr>
             <p:cNvPr id="17" name="文本框 16">
-              <a:hlinkClick r:id="rId20" action="ppaction://hlinkfile"/>
+              <a:hlinkClick r:id="rId21" action="ppaction://hlinkfile"/>
             </p:cNvPr>
             <p:cNvSpPr txBox="1"/>
             <p:nvPr/>
@@ -8694,14 +8634,13 @@
                 <a:rPr lang="en-US" altLang="zh-CN"/>
                 <a:t>sr</a:t>
               </a:r>
-              <a:endParaRPr lang="en-US" altLang="zh-CN"/>
             </a:p>
           </p:txBody>
         </p:sp>
         <p:sp>
           <p:nvSpPr>
             <p:cNvPr id="21" name="文本框 20">
-              <a:hlinkClick r:id="rId21" action="ppaction://hlinkfile"/>
+              <a:hlinkClick r:id="rId22" action="ppaction://hlinkfile"/>
             </p:cNvPr>
             <p:cNvSpPr txBox="1"/>
             <p:nvPr/>
@@ -8726,14 +8665,13 @@
                 <a:rPr lang="en-US" altLang="zh-CN"/>
                 <a:t>sr1</a:t>
               </a:r>
-              <a:endParaRPr lang="en-US" altLang="zh-CN"/>
             </a:p>
           </p:txBody>
         </p:sp>
         <p:sp>
           <p:nvSpPr>
             <p:cNvPr id="22" name="文本框 21">
-              <a:hlinkClick r:id="rId22" action="ppaction://hlinkfile"/>
+              <a:hlinkClick r:id="rId23" action="ppaction://hlinkfile"/>
             </p:cNvPr>
             <p:cNvSpPr txBox="1"/>
             <p:nvPr/>
@@ -8758,14 +8696,13 @@
                 <a:rPr lang="en-US" altLang="zh-CN"/>
                 <a:t>sr2</a:t>
               </a:r>
-              <a:endParaRPr lang="en-US" altLang="zh-CN"/>
             </a:p>
           </p:txBody>
         </p:sp>
         <p:sp>
           <p:nvSpPr>
             <p:cNvPr id="23" name="文本框 22">
-              <a:hlinkClick r:id="rId23" action="ppaction://hlinkfile"/>
+              <a:hlinkClick r:id="rId24" action="ppaction://hlinkfile"/>
             </p:cNvPr>
             <p:cNvSpPr txBox="1"/>
             <p:nvPr/>
@@ -8790,14 +8727,13 @@
                 <a:rPr lang="en-US" altLang="zh-CN" dirty="0"/>
                 <a:t>sr3</a:t>
               </a:r>
-              <a:endParaRPr lang="en-US" altLang="zh-CN" dirty="0"/>
             </a:p>
           </p:txBody>
         </p:sp>
         <p:sp>
           <p:nvSpPr>
             <p:cNvPr id="24" name="文本框 23">
-              <a:hlinkClick r:id="rId24" action="ppaction://hlinkfile"/>
+              <a:hlinkClick r:id="rId25" action="ppaction://hlinkfile"/>
             </p:cNvPr>
             <p:cNvSpPr txBox="1"/>
             <p:nvPr/>
@@ -8822,14 +8758,13 @@
                 <a:rPr lang="en-US" altLang="zh-CN"/>
                 <a:t>sr4</a:t>
               </a:r>
-              <a:endParaRPr lang="en-US" altLang="zh-CN"/>
             </a:p>
           </p:txBody>
         </p:sp>
         <p:sp>
           <p:nvSpPr>
             <p:cNvPr id="34" name="文本框 33">
-              <a:hlinkClick r:id="rId25"/>
+              <a:hlinkClick r:id="rId26"/>
             </p:cNvPr>
             <p:cNvSpPr txBox="1"/>
             <p:nvPr/>
@@ -8854,7 +8789,6 @@
                 <a:rPr lang="en-US" altLang="zh-CN" dirty="0"/>
                 <a:t>sr5</a:t>
               </a:r>
-              <a:endParaRPr lang="en-US" altLang="zh-CN" dirty="0"/>
             </a:p>
           </p:txBody>
         </p:sp>
@@ -8876,7 +8810,7 @@
         <p:sp>
           <p:nvSpPr>
             <p:cNvPr id="2" name="文本框 1">
-              <a:hlinkClick r:id="rId26" action="ppaction://hlinkfile"/>
+              <a:hlinkClick r:id="rId27" action="ppaction://hlinkfile"/>
             </p:cNvPr>
             <p:cNvSpPr txBox="1"/>
             <p:nvPr/>
@@ -8901,14 +8835,13 @@
                 <a:rPr lang="en-US" altLang="zh-CN" dirty="0"/>
                 <a:t>xc1</a:t>
               </a:r>
-              <a:endParaRPr lang="en-US" altLang="zh-CN" dirty="0"/>
             </a:p>
           </p:txBody>
         </p:sp>
         <p:sp>
           <p:nvSpPr>
             <p:cNvPr id="3" name="文本框 2">
-              <a:hlinkClick r:id="rId27" action="ppaction://hlinkfile"/>
+              <a:hlinkClick r:id="rId28" action="ppaction://hlinkfile"/>
             </p:cNvPr>
             <p:cNvSpPr txBox="1"/>
             <p:nvPr/>
@@ -8933,14 +8866,13 @@
                 <a:rPr lang="en-US" altLang="zh-CN"/>
                 <a:t>xc2</a:t>
               </a:r>
-              <a:endParaRPr lang="en-US" altLang="zh-CN"/>
             </a:p>
           </p:txBody>
         </p:sp>
         <p:sp>
           <p:nvSpPr>
             <p:cNvPr id="14" name="文本框 13">
-              <a:hlinkClick r:id="rId28" action="ppaction://hlinkfile"/>
+              <a:hlinkClick r:id="rId29" action="ppaction://hlinkfile"/>
             </p:cNvPr>
             <p:cNvSpPr txBox="1"/>
             <p:nvPr/>
@@ -8965,14 +8897,13 @@
                 <a:rPr lang="en-US" altLang="zh-CN"/>
                 <a:t>bs1</a:t>
               </a:r>
-              <a:endParaRPr lang="en-US" altLang="zh-CN"/>
             </a:p>
           </p:txBody>
         </p:sp>
         <p:sp>
           <p:nvSpPr>
             <p:cNvPr id="15" name="文本框 14">
-              <a:hlinkClick r:id="rId29" action="ppaction://hlinkfile"/>
+              <a:hlinkClick r:id="rId30" action="ppaction://hlinkfile"/>
             </p:cNvPr>
             <p:cNvSpPr txBox="1"/>
             <p:nvPr/>
@@ -8997,14 +8928,13 @@
                 <a:rPr lang="en-US" altLang="zh-CN"/>
                 <a:t>bs2</a:t>
               </a:r>
-              <a:endParaRPr lang="en-US" altLang="zh-CN"/>
             </a:p>
           </p:txBody>
         </p:sp>
         <p:sp>
           <p:nvSpPr>
             <p:cNvPr id="16" name="文本框 15">
-              <a:hlinkClick r:id="rId30" action="ppaction://hlinkfile"/>
+              <a:hlinkClick r:id="rId31" action="ppaction://hlinkfile"/>
             </p:cNvPr>
             <p:cNvSpPr txBox="1"/>
             <p:nvPr/>
@@ -9029,14 +8959,13 @@
                 <a:rPr lang="en-US" altLang="zh-CN"/>
                 <a:t>cl</a:t>
               </a:r>
-              <a:endParaRPr lang="en-US" altLang="zh-CN"/>
             </a:p>
           </p:txBody>
         </p:sp>
         <p:sp>
           <p:nvSpPr>
             <p:cNvPr id="28" name="文本框 27">
-              <a:hlinkClick r:id="rId31" action="ppaction://hlinkfile"/>
+              <a:hlinkClick r:id="rId32" action="ppaction://hlinkfile"/>
             </p:cNvPr>
             <p:cNvSpPr txBox="1"/>
             <p:nvPr/>
@@ -9061,14 +8990,13 @@
                 <a:rPr lang="en-US" altLang="zh-CN"/>
                 <a:t>cl2</a:t>
               </a:r>
-              <a:endParaRPr lang="en-US" altLang="zh-CN"/>
             </a:p>
           </p:txBody>
         </p:sp>
         <p:sp>
           <p:nvSpPr>
             <p:cNvPr id="33" name="文本框 32">
-              <a:hlinkClick r:id="rId32"/>
+              <a:hlinkClick r:id="rId33"/>
             </p:cNvPr>
             <p:cNvSpPr txBox="1"/>
             <p:nvPr/>
@@ -9093,14 +9021,13 @@
                 <a:rPr lang="en-US" altLang="zh-CN" dirty="0"/>
                 <a:t>nszx2</a:t>
               </a:r>
-              <a:endParaRPr lang="en-US" altLang="zh-CN" dirty="0"/>
             </a:p>
           </p:txBody>
         </p:sp>
         <p:sp>
           <p:nvSpPr>
             <p:cNvPr id="35" name="文本框 34">
-              <a:hlinkClick r:id="rId33"/>
+              <a:hlinkClick r:id="rId34"/>
             </p:cNvPr>
             <p:cNvSpPr txBox="1"/>
             <p:nvPr/>
@@ -9125,7 +9052,6 @@
                 <a:rPr lang="en-US" altLang="zh-CN" dirty="0"/>
                 <a:t>nszx1</a:t>
               </a:r>
-              <a:endParaRPr lang="en-US" altLang="zh-CN" dirty="0"/>
             </a:p>
           </p:txBody>
         </p:sp>
@@ -9147,7 +9073,7 @@
         <p:sp>
           <p:nvSpPr>
             <p:cNvPr id="40" name="文本框 39">
-              <a:hlinkClick r:id="rId34"/>
+              <a:hlinkClick r:id="rId35"/>
             </p:cNvPr>
             <p:cNvSpPr txBox="1"/>
             <p:nvPr/>
@@ -9172,14 +9098,13 @@
                 <a:rPr lang="en-US" altLang="zh-CN" dirty="0"/>
                 <a:t>xxsh1</a:t>
               </a:r>
-              <a:endParaRPr lang="en-US" altLang="zh-CN" dirty="0"/>
             </a:p>
           </p:txBody>
         </p:sp>
         <p:sp>
           <p:nvSpPr>
             <p:cNvPr id="39" name="文本框 38">
-              <a:hlinkClick r:id="rId35"/>
+              <a:hlinkClick r:id="rId36"/>
             </p:cNvPr>
             <p:cNvSpPr txBox="1"/>
             <p:nvPr/>
@@ -9204,14 +9129,13 @@
                 <a:rPr lang="en-US" altLang="zh-CN" dirty="0"/>
                 <a:t>cd3</a:t>
               </a:r>
-              <a:endParaRPr lang="en-US" altLang="zh-CN" dirty="0"/>
             </a:p>
           </p:txBody>
         </p:sp>
         <p:sp>
           <p:nvSpPr>
             <p:cNvPr id="42" name="文本框 41">
-              <a:hlinkClick r:id="rId36"/>
+              <a:hlinkClick r:id="rId37"/>
             </p:cNvPr>
             <p:cNvSpPr txBox="1"/>
             <p:nvPr/>
@@ -9236,14 +9160,13 @@
                 <a:rPr lang="en-US" altLang="zh-CN" dirty="0"/>
                 <a:t>cd4</a:t>
               </a:r>
-              <a:endParaRPr lang="en-US" altLang="zh-CN" dirty="0"/>
             </a:p>
           </p:txBody>
         </p:sp>
         <p:sp>
           <p:nvSpPr>
             <p:cNvPr id="43" name="文本框 42">
-              <a:hlinkClick r:id="rId37"/>
+              <a:hlinkClick r:id="rId38"/>
             </p:cNvPr>
             <p:cNvSpPr txBox="1"/>
             <p:nvPr/>
@@ -9268,14 +9191,13 @@
                 <a:rPr lang="en-US" altLang="zh-CN" dirty="0"/>
                 <a:t>hr1</a:t>
               </a:r>
-              <a:endParaRPr lang="en-US" altLang="zh-CN" dirty="0"/>
             </a:p>
           </p:txBody>
         </p:sp>
         <p:sp>
           <p:nvSpPr>
             <p:cNvPr id="44" name="文本框 43">
-              <a:hlinkClick r:id="rId38"/>
+              <a:hlinkClick r:id="rId39"/>
             </p:cNvPr>
             <p:cNvSpPr txBox="1"/>
             <p:nvPr/>
@@ -9300,14 +9222,13 @@
                 <a:rPr lang="en-US" altLang="zh-CN" dirty="0"/>
                 <a:t>hr2</a:t>
               </a:r>
-              <a:endParaRPr lang="en-US" altLang="zh-CN" dirty="0"/>
             </a:p>
           </p:txBody>
         </p:sp>
         <p:sp>
           <p:nvSpPr>
             <p:cNvPr id="45" name="文本框 44">
-              <a:hlinkClick r:id="rId39"/>
+              <a:hlinkClick r:id="rId40"/>
             </p:cNvPr>
             <p:cNvSpPr txBox="1"/>
             <p:nvPr/>
@@ -9332,14 +9253,13 @@
                 <a:rPr lang="en-US" altLang="zh-CN" dirty="0"/>
                 <a:t>hr3</a:t>
               </a:r>
-              <a:endParaRPr lang="en-US" altLang="zh-CN" dirty="0"/>
             </a:p>
           </p:txBody>
         </p:sp>
         <p:sp>
           <p:nvSpPr>
             <p:cNvPr id="46" name="文本框 45">
-              <a:hlinkClick r:id="rId40"/>
+              <a:hlinkClick r:id="rId41"/>
             </p:cNvPr>
             <p:cNvSpPr txBox="1"/>
             <p:nvPr/>
@@ -9371,7 +9291,7 @@
         <p:sp>
           <p:nvSpPr>
             <p:cNvPr id="49" name="文本框 48">
-              <a:hlinkClick r:id="rId41"/>
+              <a:hlinkClick r:id="rId42"/>
             </p:cNvPr>
             <p:cNvSpPr txBox="1"/>
             <p:nvPr/>
@@ -9403,7 +9323,7 @@
         <p:sp>
           <p:nvSpPr>
             <p:cNvPr id="50" name="文本框 49">
-              <a:hlinkClick r:id="rId42"/>
+              <a:hlinkClick r:id="rId43"/>
             </p:cNvPr>
             <p:cNvSpPr txBox="1"/>
             <p:nvPr/>
@@ -9493,7 +9413,6 @@
               <a:rPr lang="zh-CN" altLang="en-US" dirty="0"/>
               <a:t>视频</a:t>
             </a:r>
-            <a:endParaRPr lang="zh-CN" altLang="en-US" dirty="0"/>
           </a:p>
         </p:txBody>
       </p:sp>
@@ -9514,7 +9433,7 @@
         <p:sp>
           <p:nvSpPr>
             <p:cNvPr id="13" name="文本框 12">
-              <a:hlinkClick r:id="rId1"/>
+              <a:hlinkClick r:id="rId3"/>
             </p:cNvPr>
             <p:cNvSpPr txBox="1"/>
             <p:nvPr/>
@@ -9542,7 +9461,7 @@
         <p:sp>
           <p:nvSpPr>
             <p:cNvPr id="7" name="文本框 6">
-              <a:hlinkClick r:id="rId2"/>
+              <a:hlinkClick r:id="rId4"/>
             </p:cNvPr>
             <p:cNvSpPr txBox="1"/>
             <p:nvPr/>
@@ -9578,7 +9497,7 @@
         <p:sp>
           <p:nvSpPr>
             <p:cNvPr id="9" name="文本框 8">
-              <a:hlinkClick r:id="rId3"/>
+              <a:hlinkClick r:id="rId5"/>
             </p:cNvPr>
             <p:cNvSpPr txBox="1"/>
             <p:nvPr/>
@@ -9614,7 +9533,7 @@
         <p:sp>
           <p:nvSpPr>
             <p:cNvPr id="10" name="文本框 9">
-              <a:hlinkClick r:id="rId4"/>
+              <a:hlinkClick r:id="rId6"/>
             </p:cNvPr>
             <p:cNvSpPr txBox="1"/>
             <p:nvPr/>
@@ -9650,7 +9569,7 @@
         <p:sp>
           <p:nvSpPr>
             <p:cNvPr id="19" name="文本框 18">
-              <a:hlinkClick r:id="rId5"/>
+              <a:hlinkClick r:id="rId7"/>
             </p:cNvPr>
             <p:cNvSpPr txBox="1"/>
             <p:nvPr/>
@@ -9678,7 +9597,7 @@
         <p:sp>
           <p:nvSpPr>
             <p:cNvPr id="31" name="文本框 30">
-              <a:hlinkClick r:id="rId6"/>
+              <a:hlinkClick r:id="rId8"/>
             </p:cNvPr>
             <p:cNvSpPr txBox="1"/>
             <p:nvPr/>
@@ -9710,7 +9629,7 @@
         <p:sp>
           <p:nvSpPr>
             <p:cNvPr id="32" name="文本框 31">
-              <a:hlinkClick r:id="rId7"/>
+              <a:hlinkClick r:id="rId9"/>
             </p:cNvPr>
             <p:cNvSpPr txBox="1"/>
             <p:nvPr/>
@@ -9757,7 +9676,7 @@
         <p:sp>
           <p:nvSpPr>
             <p:cNvPr id="8" name="文本框 7">
-              <a:hlinkClick r:id="rId8"/>
+              <a:hlinkClick r:id="rId10"/>
             </p:cNvPr>
             <p:cNvSpPr txBox="1"/>
             <p:nvPr/>
@@ -9793,7 +9712,7 @@
         <p:sp>
           <p:nvSpPr>
             <p:cNvPr id="15" name="文本框 14">
-              <a:hlinkClick r:id="rId9"/>
+              <a:hlinkClick r:id="rId11"/>
             </p:cNvPr>
             <p:cNvSpPr txBox="1"/>
             <p:nvPr/>
@@ -9829,7 +9748,7 @@
         <p:sp>
           <p:nvSpPr>
             <p:cNvPr id="16" name="文本框 15">
-              <a:hlinkClick r:id="rId10"/>
+              <a:hlinkClick r:id="rId12"/>
             </p:cNvPr>
             <p:cNvSpPr txBox="1"/>
             <p:nvPr/>
@@ -9865,7 +9784,7 @@
         <p:sp>
           <p:nvSpPr>
             <p:cNvPr id="17" name="文本框 16">
-              <a:hlinkClick r:id="rId11"/>
+              <a:hlinkClick r:id="rId13"/>
             </p:cNvPr>
             <p:cNvSpPr txBox="1"/>
             <p:nvPr/>
@@ -9901,7 +9820,7 @@
         <p:sp>
           <p:nvSpPr>
             <p:cNvPr id="20" name="文本框 19">
-              <a:hlinkClick r:id="rId12"/>
+              <a:hlinkClick r:id="rId14"/>
             </p:cNvPr>
             <p:cNvSpPr txBox="1"/>
             <p:nvPr/>
@@ -9929,7 +9848,7 @@
         <p:sp>
           <p:nvSpPr>
             <p:cNvPr id="21" name="文本框 20">
-              <a:hlinkClick r:id="rId13"/>
+              <a:hlinkClick r:id="rId15"/>
             </p:cNvPr>
             <p:cNvSpPr txBox="1"/>
             <p:nvPr/>
@@ -9957,7 +9876,7 @@
         <p:sp>
           <p:nvSpPr>
             <p:cNvPr id="22" name="文本框 21">
-              <a:hlinkClick r:id="rId14"/>
+              <a:hlinkClick r:id="rId16"/>
             </p:cNvPr>
             <p:cNvSpPr txBox="1"/>
             <p:nvPr/>
@@ -9985,7 +9904,7 @@
         <p:sp>
           <p:nvSpPr>
             <p:cNvPr id="38" name="文本框 37">
-              <a:hlinkClick r:id="rId15"/>
+              <a:hlinkClick r:id="rId17"/>
             </p:cNvPr>
             <p:cNvSpPr txBox="1"/>
             <p:nvPr/>
@@ -10032,7 +9951,7 @@
         <p:sp>
           <p:nvSpPr>
             <p:cNvPr id="5" name="文本框 4">
-              <a:hlinkClick r:id="rId16"/>
+              <a:hlinkClick r:id="rId18"/>
             </p:cNvPr>
             <p:cNvSpPr txBox="1"/>
             <p:nvPr/>
@@ -10060,7 +9979,7 @@
         <p:sp>
           <p:nvSpPr>
             <p:cNvPr id="46" name="文本框 45">
-              <a:hlinkClick r:id="rId17"/>
+              <a:hlinkClick r:id="rId19"/>
             </p:cNvPr>
             <p:cNvSpPr txBox="1"/>
             <p:nvPr/>
@@ -10088,7 +10007,7 @@
         <p:sp>
           <p:nvSpPr>
             <p:cNvPr id="47" name="文本框 46">
-              <a:hlinkClick r:id="rId18"/>
+              <a:hlinkClick r:id="rId20"/>
             </p:cNvPr>
             <p:cNvSpPr txBox="1"/>
             <p:nvPr/>
@@ -10116,7 +10035,7 @@
         <p:sp>
           <p:nvSpPr>
             <p:cNvPr id="48" name="文本框 47">
-              <a:hlinkClick r:id="rId19"/>
+              <a:hlinkClick r:id="rId21"/>
             </p:cNvPr>
             <p:cNvSpPr txBox="1"/>
             <p:nvPr/>
@@ -10144,7 +10063,7 @@
         <p:sp>
           <p:nvSpPr>
             <p:cNvPr id="2" name="文本框 1">
-              <a:hlinkClick r:id="rId20"/>
+              <a:hlinkClick r:id="rId22"/>
             </p:cNvPr>
             <p:cNvSpPr txBox="1"/>
             <p:nvPr/>
@@ -10180,7 +10099,7 @@
         <p:sp>
           <p:nvSpPr>
             <p:cNvPr id="3" name="文本框 2">
-              <a:hlinkClick r:id="rId21"/>
+              <a:hlinkClick r:id="rId23"/>
             </p:cNvPr>
             <p:cNvSpPr txBox="1"/>
             <p:nvPr/>
@@ -10216,7 +10135,7 @@
         <p:sp>
           <p:nvSpPr>
             <p:cNvPr id="6" name="文本框 5">
-              <a:hlinkClick r:id="rId22"/>
+              <a:hlinkClick r:id="rId24"/>
             </p:cNvPr>
             <p:cNvSpPr txBox="1"/>
             <p:nvPr/>
@@ -10252,7 +10171,7 @@
         <p:sp>
           <p:nvSpPr>
             <p:cNvPr id="11" name="文本框 10">
-              <a:hlinkClick r:id="rId23"/>
+              <a:hlinkClick r:id="rId25"/>
             </p:cNvPr>
             <p:cNvSpPr txBox="1"/>
             <p:nvPr/>
@@ -10284,7 +10203,7 @@
         <p:sp>
           <p:nvSpPr>
             <p:cNvPr id="12" name="文本框 11">
-              <a:hlinkClick r:id="rId24"/>
+              <a:hlinkClick r:id="rId26"/>
             </p:cNvPr>
             <p:cNvSpPr txBox="1"/>
             <p:nvPr/>
@@ -10316,7 +10235,7 @@
         <p:sp>
           <p:nvSpPr>
             <p:cNvPr id="39" name="文本框 38">
-              <a:hlinkClick r:id="rId25"/>
+              <a:hlinkClick r:id="rId27"/>
             </p:cNvPr>
             <p:cNvSpPr txBox="1"/>
             <p:nvPr/>
@@ -10348,7 +10267,7 @@
         <p:sp>
           <p:nvSpPr>
             <p:cNvPr id="40" name="文本框 39">
-              <a:hlinkClick r:id="rId26"/>
+              <a:hlinkClick r:id="rId28"/>
             </p:cNvPr>
             <p:cNvSpPr txBox="1"/>
             <p:nvPr/>
@@ -10395,7 +10314,7 @@
         <p:sp>
           <p:nvSpPr>
             <p:cNvPr id="36" name="文本框 35">
-              <a:hlinkClick r:id="rId27"/>
+              <a:hlinkClick r:id="rId29"/>
             </p:cNvPr>
             <p:cNvSpPr txBox="1"/>
             <p:nvPr/>
@@ -10431,7 +10350,7 @@
         <p:sp>
           <p:nvSpPr>
             <p:cNvPr id="23" name="文本框 22">
-              <a:hlinkClick r:id="rId28"/>
+              <a:hlinkClick r:id="rId30"/>
             </p:cNvPr>
             <p:cNvSpPr txBox="1"/>
             <p:nvPr/>
@@ -10459,7 +10378,7 @@
         <p:sp>
           <p:nvSpPr>
             <p:cNvPr id="24" name="文本框 23">
-              <a:hlinkClick r:id="rId29"/>
+              <a:hlinkClick r:id="rId31"/>
             </p:cNvPr>
             <p:cNvSpPr txBox="1"/>
             <p:nvPr/>
@@ -10487,7 +10406,7 @@
         <p:sp>
           <p:nvSpPr>
             <p:cNvPr id="34" name="文本框 33">
-              <a:hlinkClick r:id="rId30"/>
+              <a:hlinkClick r:id="rId32"/>
             </p:cNvPr>
             <p:cNvSpPr txBox="1"/>
             <p:nvPr/>
@@ -10523,7 +10442,7 @@
         <p:sp>
           <p:nvSpPr>
             <p:cNvPr id="35" name="文本框 34">
-              <a:hlinkClick r:id="rId31"/>
+              <a:hlinkClick r:id="rId33"/>
             </p:cNvPr>
             <p:cNvSpPr txBox="1"/>
             <p:nvPr/>
@@ -10559,7 +10478,7 @@
         <p:sp>
           <p:nvSpPr>
             <p:cNvPr id="37" name="文本框 36">
-              <a:hlinkClick r:id="rId32"/>
+              <a:hlinkClick r:id="rId34"/>
             </p:cNvPr>
             <p:cNvSpPr txBox="1"/>
             <p:nvPr/>
@@ -10595,7 +10514,7 @@
         <p:sp>
           <p:nvSpPr>
             <p:cNvPr id="30" name="文本框 29">
-              <a:hlinkClick r:id="rId33"/>
+              <a:hlinkClick r:id="rId35"/>
             </p:cNvPr>
             <p:cNvSpPr txBox="1"/>
             <p:nvPr/>
@@ -10642,7 +10561,7 @@
         <p:sp>
           <p:nvSpPr>
             <p:cNvPr id="18" name="文本框 17">
-              <a:hlinkClick r:id="rId34"/>
+              <a:hlinkClick r:id="rId36"/>
             </p:cNvPr>
             <p:cNvSpPr txBox="1"/>
             <p:nvPr/>
@@ -10674,7 +10593,7 @@
         <p:sp>
           <p:nvSpPr>
             <p:cNvPr id="28" name="文本框 27">
-              <a:hlinkClick r:id="rId35"/>
+              <a:hlinkClick r:id="rId37"/>
             </p:cNvPr>
             <p:cNvSpPr txBox="1"/>
             <p:nvPr/>
@@ -10706,7 +10625,7 @@
         <p:sp>
           <p:nvSpPr>
             <p:cNvPr id="29" name="文本框 28">
-              <a:hlinkClick r:id="rId36"/>
+              <a:hlinkClick r:id="rId38"/>
             </p:cNvPr>
             <p:cNvSpPr txBox="1"/>
             <p:nvPr/>
@@ -10738,7 +10657,7 @@
         <p:sp>
           <p:nvSpPr>
             <p:cNvPr id="42" name="文本框 41">
-              <a:hlinkClick r:id="rId37"/>
+              <a:hlinkClick r:id="rId39"/>
             </p:cNvPr>
             <p:cNvSpPr txBox="1"/>
             <p:nvPr/>
@@ -10770,7 +10689,7 @@
         <p:sp>
           <p:nvSpPr>
             <p:cNvPr id="27" name="文本框 26">
-              <a:hlinkClick r:id="rId38"/>
+              <a:hlinkClick r:id="rId40"/>
             </p:cNvPr>
             <p:cNvSpPr txBox="1"/>
             <p:nvPr/>
@@ -10860,7 +10779,6 @@
               <a:rPr lang="zh-CN" altLang="en-US" dirty="0"/>
               <a:t>视频</a:t>
             </a:r>
-            <a:endParaRPr lang="zh-CN" altLang="en-US" dirty="0"/>
           </a:p>
         </p:txBody>
       </p:sp>
@@ -10881,7 +10799,7 @@
         <p:sp>
           <p:nvSpPr>
             <p:cNvPr id="5" name="文本框 4">
-              <a:hlinkClick r:id="rId1"/>
+              <a:hlinkClick r:id="rId3"/>
             </p:cNvPr>
             <p:cNvSpPr txBox="1"/>
             <p:nvPr/>
@@ -10906,14 +10824,13 @@
                 <a:rPr lang="zh-CN" altLang="en-US" dirty="0"/>
                 <a:t>独上高楼</a:t>
               </a:r>
-              <a:endParaRPr lang="zh-CN" altLang="en-US" dirty="0"/>
             </a:p>
           </p:txBody>
         </p:sp>
         <p:sp>
           <p:nvSpPr>
             <p:cNvPr id="46" name="文本框 45">
-              <a:hlinkClick r:id="rId2"/>
+              <a:hlinkClick r:id="rId4"/>
             </p:cNvPr>
             <p:cNvSpPr txBox="1"/>
             <p:nvPr/>
@@ -10938,14 +10855,13 @@
                 <a:rPr lang="zh-CN" altLang="en-US" dirty="0"/>
                 <a:t>望尽天涯</a:t>
               </a:r>
-              <a:endParaRPr lang="zh-CN" altLang="en-US" dirty="0"/>
             </a:p>
           </p:txBody>
         </p:sp>
         <p:sp>
           <p:nvSpPr>
             <p:cNvPr id="47" name="文本框 46">
-              <a:hlinkClick r:id="rId3"/>
+              <a:hlinkClick r:id="rId5"/>
             </p:cNvPr>
             <p:cNvSpPr txBox="1"/>
             <p:nvPr/>
@@ -10970,14 +10886,13 @@
                 <a:rPr lang="zh-CN" altLang="en-US" dirty="0"/>
                 <a:t>门外楼头</a:t>
               </a:r>
-              <a:endParaRPr lang="zh-CN" altLang="en-US" dirty="0"/>
             </a:p>
           </p:txBody>
         </p:sp>
         <p:sp>
           <p:nvSpPr>
             <p:cNvPr id="48" name="文本框 47">
-              <a:hlinkClick r:id="rId4"/>
+              <a:hlinkClick r:id="rId6"/>
             </p:cNvPr>
             <p:cNvSpPr txBox="1"/>
             <p:nvPr/>
@@ -11002,14 +10917,13 @@
                 <a:rPr lang="zh-CN" altLang="en-US" dirty="0"/>
                 <a:t>醉卧沙场</a:t>
               </a:r>
-              <a:endParaRPr lang="zh-CN" altLang="en-US" dirty="0"/>
             </a:p>
           </p:txBody>
         </p:sp>
         <p:sp>
           <p:nvSpPr>
             <p:cNvPr id="2" name="文本框 1">
-              <a:hlinkClick r:id="rId5"/>
+              <a:hlinkClick r:id="rId7"/>
             </p:cNvPr>
             <p:cNvSpPr txBox="1"/>
             <p:nvPr/>
@@ -11037,7 +10951,7 @@
         <p:sp>
           <p:nvSpPr>
             <p:cNvPr id="3" name="文本框 2">
-              <a:hlinkClick r:id="rId6"/>
+              <a:hlinkClick r:id="rId8"/>
             </p:cNvPr>
             <p:cNvSpPr txBox="1"/>
             <p:nvPr/>
@@ -11065,7 +10979,7 @@
         <p:sp>
           <p:nvSpPr>
             <p:cNvPr id="6" name="文本框 5">
-              <a:hlinkClick r:id="rId7"/>
+              <a:hlinkClick r:id="rId9"/>
             </p:cNvPr>
             <p:cNvSpPr txBox="1"/>
             <p:nvPr/>
@@ -11093,7 +11007,7 @@
         <p:sp>
           <p:nvSpPr>
             <p:cNvPr id="43" name="文本框 42">
-              <a:hlinkClick r:id="rId1"/>
+              <a:hlinkClick r:id="rId3"/>
             </p:cNvPr>
             <p:cNvSpPr txBox="1"/>
             <p:nvPr/>
@@ -11136,7 +11050,7 @@
         <p:sp>
           <p:nvSpPr>
             <p:cNvPr id="13" name="文本框 12">
-              <a:hlinkClick r:id="rId8"/>
+              <a:hlinkClick r:id="rId10"/>
             </p:cNvPr>
             <p:cNvSpPr txBox="1"/>
             <p:nvPr/>
@@ -11161,7 +11075,6 @@
                 <a:rPr lang="zh-CN" altLang="en-US" dirty="0"/>
                 <a:t>仙府间</a:t>
               </a:r>
-              <a:endParaRPr lang="zh-CN" altLang="en-US" dirty="0"/>
             </a:p>
           </p:txBody>
         </p:sp>
@@ -11194,7 +11107,7 @@
         <p:sp>
           <p:nvSpPr>
             <p:cNvPr id="9" name="文本框 8">
-              <a:hlinkClick r:id="rId9"/>
+              <a:hlinkClick r:id="rId11"/>
             </p:cNvPr>
             <p:cNvSpPr txBox="1"/>
             <p:nvPr/>
@@ -11222,7 +11135,7 @@
         <p:sp>
           <p:nvSpPr>
             <p:cNvPr id="11" name="文本框 10">
-              <a:hlinkClick r:id="rId10"/>
+              <a:hlinkClick r:id="rId12"/>
             </p:cNvPr>
             <p:cNvSpPr txBox="1"/>
             <p:nvPr/>
@@ -11250,7 +11163,7 @@
         <p:sp>
           <p:nvSpPr>
             <p:cNvPr id="12" name="文本框 11">
-              <a:hlinkClick r:id="rId11"/>
+              <a:hlinkClick r:id="rId13"/>
             </p:cNvPr>
             <p:cNvSpPr txBox="1"/>
             <p:nvPr/>
@@ -11278,7 +11191,7 @@
         <p:sp>
           <p:nvSpPr>
             <p:cNvPr id="10" name="文本框 9">
-              <a:hlinkClick r:id="rId12"/>
+              <a:hlinkClick r:id="rId14"/>
             </p:cNvPr>
             <p:cNvSpPr txBox="1"/>
             <p:nvPr/>
@@ -11306,7 +11219,7 @@
         <p:sp>
           <p:nvSpPr>
             <p:cNvPr id="19" name="文本框 18">
-              <a:hlinkClick r:id="rId13"/>
+              <a:hlinkClick r:id="rId15"/>
             </p:cNvPr>
             <p:cNvSpPr txBox="1"/>
             <p:nvPr/>
@@ -11331,7 +11244,6 @@
                 <a:rPr lang="zh-CN" altLang="en-US" dirty="0"/>
                 <a:t>奈何天</a:t>
               </a:r>
-              <a:endParaRPr lang="zh-CN" altLang="en-US" dirty="0"/>
             </a:p>
           </p:txBody>
         </p:sp>
@@ -11353,7 +11265,7 @@
         <p:sp>
           <p:nvSpPr>
             <p:cNvPr id="8" name="文本框 7">
-              <a:hlinkClick r:id="rId14"/>
+              <a:hlinkClick r:id="rId16"/>
             </p:cNvPr>
             <p:cNvSpPr txBox="1"/>
             <p:nvPr/>
@@ -11381,7 +11293,7 @@
         <p:sp>
           <p:nvSpPr>
             <p:cNvPr id="15" name="文本框 14">
-              <a:hlinkClick r:id="rId15"/>
+              <a:hlinkClick r:id="rId17"/>
             </p:cNvPr>
             <p:cNvSpPr txBox="1"/>
             <p:nvPr/>
@@ -11409,7 +11321,7 @@
         <p:sp>
           <p:nvSpPr>
             <p:cNvPr id="16" name="文本框 15">
-              <a:hlinkClick r:id="rId16"/>
+              <a:hlinkClick r:id="rId18"/>
             </p:cNvPr>
             <p:cNvSpPr txBox="1"/>
             <p:nvPr/>
@@ -11437,7 +11349,7 @@
         <p:sp>
           <p:nvSpPr>
             <p:cNvPr id="20" name="文本框 19">
-              <a:hlinkClick r:id="rId17"/>
+              <a:hlinkClick r:id="rId19"/>
             </p:cNvPr>
             <p:cNvSpPr txBox="1"/>
             <p:nvPr/>
@@ -11462,14 +11374,13 @@
                 <a:rPr lang="zh-CN" altLang="en-US" dirty="0"/>
                 <a:t>抽刀断水</a:t>
               </a:r>
-              <a:endParaRPr lang="zh-CN" altLang="en-US" dirty="0"/>
             </a:p>
           </p:txBody>
         </p:sp>
         <p:sp>
           <p:nvSpPr>
             <p:cNvPr id="21" name="文本框 20">
-              <a:hlinkClick r:id="rId18"/>
+              <a:hlinkClick r:id="rId20"/>
             </p:cNvPr>
             <p:cNvSpPr txBox="1"/>
             <p:nvPr/>
@@ -11494,14 +11405,13 @@
                 <a:rPr lang="zh-CN" altLang="en-US" dirty="0"/>
                 <a:t>心亦闲</a:t>
               </a:r>
-              <a:endParaRPr lang="zh-CN" altLang="en-US" dirty="0"/>
             </a:p>
           </p:txBody>
         </p:sp>
         <p:sp>
           <p:nvSpPr>
             <p:cNvPr id="22" name="文本框 21">
-              <a:hlinkClick r:id="rId19"/>
+              <a:hlinkClick r:id="rId21"/>
             </p:cNvPr>
             <p:cNvSpPr txBox="1"/>
             <p:nvPr/>
@@ -11526,7 +11436,6 @@
                 <a:rPr lang="zh-CN" altLang="en-US" dirty="0"/>
                 <a:t>尘中见月</a:t>
               </a:r>
-              <a:endParaRPr lang="zh-CN" altLang="en-US" dirty="0"/>
             </a:p>
           </p:txBody>
         </p:sp>
@@ -11548,7 +11457,7 @@
         <p:sp>
           <p:nvSpPr>
             <p:cNvPr id="23" name="文本框 22">
-              <a:hlinkClick r:id="rId20"/>
+              <a:hlinkClick r:id="rId22"/>
             </p:cNvPr>
             <p:cNvSpPr txBox="1"/>
             <p:nvPr/>
@@ -11573,14 +11482,13 @@
                 <a:rPr lang="zh-CN" altLang="en-US" dirty="0"/>
                 <a:t>君不见</a:t>
               </a:r>
-              <a:endParaRPr lang="zh-CN" altLang="en-US" dirty="0"/>
             </a:p>
           </p:txBody>
         </p:sp>
         <p:sp>
           <p:nvSpPr>
             <p:cNvPr id="24" name="文本框 23">
-              <a:hlinkClick r:id="rId21"/>
+              <a:hlinkClick r:id="rId23"/>
             </p:cNvPr>
             <p:cNvSpPr txBox="1"/>
             <p:nvPr/>
@@ -11605,14 +11513,13 @@
                 <a:rPr lang="zh-CN" altLang="en-US" dirty="0"/>
                 <a:t>况是清秋</a:t>
               </a:r>
-              <a:endParaRPr lang="zh-CN" altLang="en-US" dirty="0"/>
             </a:p>
           </p:txBody>
         </p:sp>
         <p:sp>
           <p:nvSpPr>
             <p:cNvPr id="34" name="文本框 33">
-              <a:hlinkClick r:id="rId22"/>
+              <a:hlinkClick r:id="rId24"/>
             </p:cNvPr>
             <p:cNvSpPr txBox="1"/>
             <p:nvPr/>
@@ -11640,7 +11547,7 @@
         <p:sp>
           <p:nvSpPr>
             <p:cNvPr id="35" name="文本框 34">
-              <a:hlinkClick r:id="rId23"/>
+              <a:hlinkClick r:id="rId25"/>
             </p:cNvPr>
             <p:cNvSpPr txBox="1"/>
             <p:nvPr/>
@@ -11668,7 +11575,7 @@
         <p:sp>
           <p:nvSpPr>
             <p:cNvPr id="36" name="文本框 35">
-              <a:hlinkClick r:id="rId24"/>
+              <a:hlinkClick r:id="rId26"/>
             </p:cNvPr>
             <p:cNvSpPr txBox="1"/>
             <p:nvPr/>
@@ -11696,7 +11603,7 @@
         <p:sp>
           <p:nvSpPr>
             <p:cNvPr id="37" name="文本框 36">
-              <a:hlinkClick r:id="rId25"/>
+              <a:hlinkClick r:id="rId27"/>
             </p:cNvPr>
             <p:cNvSpPr txBox="1"/>
             <p:nvPr/>
@@ -11724,7 +11631,7 @@
         <p:sp>
           <p:nvSpPr>
             <p:cNvPr id="31" name="文本框 30">
-              <a:hlinkClick r:id="rId26"/>
+              <a:hlinkClick r:id="rId28"/>
             </p:cNvPr>
             <p:cNvSpPr txBox="1"/>
             <p:nvPr/>
@@ -11752,7 +11659,7 @@
         <p:sp>
           <p:nvSpPr>
             <p:cNvPr id="32" name="文本框 31">
-              <a:hlinkClick r:id="rId27"/>
+              <a:hlinkClick r:id="rId29"/>
             </p:cNvPr>
             <p:cNvSpPr txBox="1"/>
             <p:nvPr/>
@@ -11795,7 +11702,7 @@
         <p:sp>
           <p:nvSpPr>
             <p:cNvPr id="38" name="文本框 37">
-              <a:hlinkClick r:id="rId28"/>
+              <a:hlinkClick r:id="rId30"/>
             </p:cNvPr>
             <p:cNvSpPr txBox="1"/>
             <p:nvPr/>
@@ -11823,7 +11730,7 @@
         <p:sp>
           <p:nvSpPr>
             <p:cNvPr id="18" name="文本框 17">
-              <a:hlinkClick r:id="rId29"/>
+              <a:hlinkClick r:id="rId31"/>
             </p:cNvPr>
             <p:cNvSpPr txBox="1"/>
             <p:nvPr/>
@@ -11851,7 +11758,7 @@
         <p:sp>
           <p:nvSpPr>
             <p:cNvPr id="28" name="文本框 27">
-              <a:hlinkClick r:id="rId30"/>
+              <a:hlinkClick r:id="rId32"/>
             </p:cNvPr>
             <p:cNvSpPr txBox="1"/>
             <p:nvPr/>
@@ -11879,7 +11786,7 @@
         <p:sp>
           <p:nvSpPr>
             <p:cNvPr id="29" name="文本框 28">
-              <a:hlinkClick r:id="rId31"/>
+              <a:hlinkClick r:id="rId33"/>
             </p:cNvPr>
             <p:cNvSpPr txBox="1"/>
             <p:nvPr/>
@@ -11907,7 +11814,7 @@
         <p:sp>
           <p:nvSpPr>
             <p:cNvPr id="39" name="文本框 38">
-              <a:hlinkClick r:id="rId32"/>
+              <a:hlinkClick r:id="rId34"/>
             </p:cNvPr>
             <p:cNvSpPr txBox="1"/>
             <p:nvPr/>
@@ -11935,7 +11842,7 @@
         <p:sp>
           <p:nvSpPr>
             <p:cNvPr id="40" name="文本框 39">
-              <a:hlinkClick r:id="rId33"/>
+              <a:hlinkClick r:id="rId35"/>
             </p:cNvPr>
             <p:cNvSpPr txBox="1"/>
             <p:nvPr/>
@@ -11963,7 +11870,7 @@
         <p:sp>
           <p:nvSpPr>
             <p:cNvPr id="30" name="文本框 29">
-              <a:hlinkClick r:id="rId34"/>
+              <a:hlinkClick r:id="rId36"/>
             </p:cNvPr>
             <p:cNvSpPr txBox="1"/>
             <p:nvPr/>
@@ -11991,7 +11898,7 @@
         <p:sp>
           <p:nvSpPr>
             <p:cNvPr id="42" name="文本框 41">
-              <a:hlinkClick r:id="rId35"/>
+              <a:hlinkClick r:id="rId37"/>
             </p:cNvPr>
             <p:cNvSpPr txBox="1"/>
             <p:nvPr/>
@@ -12077,14 +11984,13 @@
               <a:rPr lang="zh-CN" altLang="en-US" dirty="0"/>
               <a:t>视频</a:t>
             </a:r>
-            <a:endParaRPr lang="zh-CN" altLang="en-US" dirty="0"/>
           </a:p>
         </p:txBody>
       </p:sp>
       <p:sp>
         <p:nvSpPr>
           <p:cNvPr id="6" name="文本框 5">
-            <a:hlinkClick r:id="rId1"/>
+            <a:hlinkClick r:id="rId3"/>
           </p:cNvPr>
           <p:cNvSpPr txBox="1"/>
           <p:nvPr/>
@@ -12109,14 +12015,13 @@
               <a:rPr lang="zh-CN" altLang="en-US" dirty="0"/>
               <a:t>雷</a:t>
             </a:r>
-            <a:endParaRPr lang="zh-CN" altLang="en-US" dirty="0"/>
           </a:p>
         </p:txBody>
       </p:sp>
       <p:sp>
         <p:nvSpPr>
           <p:cNvPr id="7" name="文本框 6">
-            <a:hlinkClick r:id="rId2"/>
+            <a:hlinkClick r:id="rId4"/>
           </p:cNvPr>
           <p:cNvSpPr txBox="1"/>
           <p:nvPr/>
@@ -12152,7 +12057,7 @@
       <p:sp>
         <p:nvSpPr>
           <p:cNvPr id="2" name="文本框 1">
-            <a:hlinkClick r:id="rId3"/>
+            <a:hlinkClick r:id="rId5"/>
           </p:cNvPr>
           <p:cNvSpPr txBox="1"/>
           <p:nvPr/>
@@ -12177,14 +12082,13 @@
               <a:rPr lang="en-US" altLang="zh-CN" dirty="0"/>
               <a:t>Bs5</a:t>
             </a:r>
-            <a:endParaRPr lang="en-US" altLang="zh-CN" dirty="0"/>
           </a:p>
         </p:txBody>
       </p:sp>
       <p:sp>
         <p:nvSpPr>
           <p:cNvPr id="3" name="文本框 2">
-            <a:hlinkClick r:id="rId4"/>
+            <a:hlinkClick r:id="rId6"/>
           </p:cNvPr>
           <p:cNvSpPr txBox="1"/>
           <p:nvPr/>
@@ -12209,14 +12113,13 @@
               <a:rPr lang="en-US" altLang="zh-CN" dirty="0"/>
               <a:t>bs6</a:t>
             </a:r>
-            <a:endParaRPr lang="en-US" altLang="zh-CN" dirty="0"/>
           </a:p>
         </p:txBody>
       </p:sp>
       <p:sp>
         <p:nvSpPr>
           <p:cNvPr id="5" name="文本框 4">
-            <a:hlinkClick r:id="rId5"/>
+            <a:hlinkClick r:id="rId7"/>
           </p:cNvPr>
           <p:cNvSpPr txBox="1"/>
           <p:nvPr/>
@@ -12248,7 +12151,7 @@
       <p:sp>
         <p:nvSpPr>
           <p:cNvPr id="8" name="文本框 7">
-            <a:hlinkClick r:id="rId6"/>
+            <a:hlinkClick r:id="rId8"/>
           </p:cNvPr>
           <p:cNvSpPr txBox="1"/>
           <p:nvPr/>
@@ -12277,14 +12180,13 @@
               <a:rPr lang="en-US" altLang="zh-CN" dirty="0"/>
               <a:t>1</a:t>
             </a:r>
-            <a:endParaRPr lang="en-US" altLang="zh-CN" dirty="0"/>
           </a:p>
         </p:txBody>
       </p:sp>
       <p:sp>
         <p:nvSpPr>
           <p:cNvPr id="9" name="文本框 8">
-            <a:hlinkClick r:id="rId7"/>
+            <a:hlinkClick r:id="rId9"/>
           </p:cNvPr>
           <p:cNvSpPr txBox="1"/>
           <p:nvPr/>
@@ -12309,14 +12211,13 @@
               <a:rPr lang="en-US" altLang="zh-CN" dirty="0"/>
               <a:t>og</a:t>
             </a:r>
-            <a:endParaRPr lang="en-US" altLang="zh-CN" dirty="0"/>
           </a:p>
         </p:txBody>
       </p:sp>
       <p:sp>
         <p:nvSpPr>
           <p:cNvPr id="10" name="文本框 9">
-            <a:hlinkClick r:id="rId8"/>
+            <a:hlinkClick r:id="rId10"/>
           </p:cNvPr>
           <p:cNvSpPr txBox="1"/>
           <p:nvPr/>
@@ -12345,14 +12246,13 @@
               <a:rPr lang="en-US" altLang="zh-CN" dirty="0"/>
               <a:t>7</a:t>
             </a:r>
-            <a:endParaRPr lang="en-US" altLang="zh-CN" dirty="0"/>
           </a:p>
         </p:txBody>
       </p:sp>
       <p:sp>
         <p:nvSpPr>
           <p:cNvPr id="11" name="文本框 10">
-            <a:hlinkClick r:id="rId9" action="ppaction://hlinkfile"/>
+            <a:hlinkClick r:id="rId11" action="ppaction://hlinkfile"/>
           </p:cNvPr>
           <p:cNvSpPr txBox="1"/>
           <p:nvPr/>
@@ -12377,14 +12277,13 @@
               <a:rPr lang="en-US" altLang="zh-CN" dirty="0"/>
               <a:t>ll1</a:t>
             </a:r>
-            <a:endParaRPr lang="en-US" altLang="zh-CN" dirty="0"/>
           </a:p>
         </p:txBody>
       </p:sp>
       <p:sp>
         <p:nvSpPr>
           <p:cNvPr id="12" name="文本框 11">
-            <a:hlinkClick r:id="rId10" action="ppaction://hlinkfile"/>
+            <a:hlinkClick r:id="rId12" action="ppaction://hlinkfile"/>
           </p:cNvPr>
           <p:cNvSpPr txBox="1"/>
           <p:nvPr/>
@@ -12409,14 +12308,13 @@
               <a:rPr lang="en-US" altLang="zh-CN" dirty="0"/>
               <a:t>ll2</a:t>
             </a:r>
-            <a:endParaRPr lang="en-US" altLang="zh-CN" dirty="0"/>
           </a:p>
         </p:txBody>
       </p:sp>
       <p:sp>
         <p:nvSpPr>
           <p:cNvPr id="13" name="文本框 12">
-            <a:hlinkClick r:id="rId11"/>
+            <a:hlinkClick r:id="rId13"/>
           </p:cNvPr>
           <p:cNvSpPr txBox="1"/>
           <p:nvPr/>
@@ -12441,14 +12339,13 @@
               <a:rPr lang="en-US" altLang="zh-CN" dirty="0"/>
               <a:t>xt1</a:t>
             </a:r>
-            <a:endParaRPr lang="en-US" altLang="zh-CN" dirty="0"/>
           </a:p>
         </p:txBody>
       </p:sp>
       <p:sp>
         <p:nvSpPr>
           <p:cNvPr id="14" name="文本框 13">
-            <a:hlinkClick r:id="rId12"/>
+            <a:hlinkClick r:id="rId14"/>
           </p:cNvPr>
           <p:cNvSpPr txBox="1"/>
           <p:nvPr/>
@@ -12473,14 +12370,13 @@
               <a:rPr lang="en-US" altLang="zh-CN" dirty="0"/>
               <a:t>yf1</a:t>
             </a:r>
-            <a:endParaRPr lang="en-US" altLang="zh-CN" dirty="0"/>
           </a:p>
         </p:txBody>
       </p:sp>
       <p:sp>
         <p:nvSpPr>
           <p:cNvPr id="15" name="文本框 14">
-            <a:hlinkClick r:id="rId13"/>
+            <a:hlinkClick r:id="rId15"/>
           </p:cNvPr>
           <p:cNvSpPr txBox="1"/>
           <p:nvPr/>
@@ -12505,14 +12401,13 @@
               <a:rPr lang="en-US" altLang="zh-CN" dirty="0"/>
               <a:t>yf2</a:t>
             </a:r>
-            <a:endParaRPr lang="en-US" altLang="zh-CN" dirty="0"/>
           </a:p>
         </p:txBody>
       </p:sp>
       <p:sp>
         <p:nvSpPr>
           <p:cNvPr id="16" name="文本框 15">
-            <a:hlinkClick r:id="rId14"/>
+            <a:hlinkClick r:id="rId16"/>
           </p:cNvPr>
           <p:cNvSpPr txBox="1"/>
           <p:nvPr/>
@@ -12537,14 +12432,13 @@
               <a:rPr lang="en-US" altLang="zh-CN" dirty="0"/>
               <a:t>wj1</a:t>
             </a:r>
-            <a:endParaRPr lang="en-US" altLang="zh-CN" dirty="0"/>
           </a:p>
         </p:txBody>
       </p:sp>
       <p:sp>
         <p:nvSpPr>
           <p:cNvPr id="18" name="文本框 17">
-            <a:hlinkClick r:id="rId15"/>
+            <a:hlinkClick r:id="rId17"/>
           </p:cNvPr>
           <p:cNvSpPr txBox="1"/>
           <p:nvPr/>
@@ -12569,14 +12463,13 @@
               <a:rPr lang="en-US" altLang="zh-CN" dirty="0"/>
               <a:t>wj2</a:t>
             </a:r>
-            <a:endParaRPr lang="en-US" altLang="zh-CN" dirty="0"/>
           </a:p>
         </p:txBody>
       </p:sp>
       <p:sp>
         <p:nvSpPr>
           <p:cNvPr id="17" name="文本框 16">
-            <a:hlinkClick r:id="rId16"/>
+            <a:hlinkClick r:id="rId18"/>
           </p:cNvPr>
           <p:cNvSpPr txBox="1"/>
           <p:nvPr/>
@@ -12605,14 +12498,13 @@
               <a:rPr lang="en-US" altLang="zh-CN" dirty="0"/>
               <a:t>8</a:t>
             </a:r>
-            <a:endParaRPr lang="en-US" altLang="zh-CN" dirty="0"/>
           </a:p>
         </p:txBody>
       </p:sp>
       <p:sp>
         <p:nvSpPr>
           <p:cNvPr id="19" name="文本框 18">
-            <a:hlinkClick r:id="rId17"/>
+            <a:hlinkClick r:id="rId19"/>
           </p:cNvPr>
           <p:cNvSpPr txBox="1"/>
           <p:nvPr/>
@@ -12648,7 +12540,7 @@
       <p:sp>
         <p:nvSpPr>
           <p:cNvPr id="20" name="文本框 19">
-            <a:hlinkClick r:id="rId18"/>
+            <a:hlinkClick r:id="rId20"/>
           </p:cNvPr>
           <p:cNvSpPr txBox="1"/>
           <p:nvPr/>
@@ -12680,7 +12572,7 @@
       <p:sp>
         <p:nvSpPr>
           <p:cNvPr id="21" name="文本框 20">
-            <a:hlinkClick r:id="rId19"/>
+            <a:hlinkClick r:id="rId21"/>
           </p:cNvPr>
           <p:cNvSpPr txBox="1"/>
           <p:nvPr/>
@@ -12712,7 +12604,7 @@
       <p:sp>
         <p:nvSpPr>
           <p:cNvPr id="22" name="文本框 21">
-            <a:hlinkClick r:id="rId20"/>
+            <a:hlinkClick r:id="rId22"/>
           </p:cNvPr>
           <p:cNvSpPr txBox="1"/>
           <p:nvPr/>
@@ -12903,14 +12795,13 @@
               <a:rPr lang="zh-CN" altLang="en-US" dirty="0"/>
               <a:t>）</a:t>
             </a:r>
-            <a:endParaRPr lang="zh-CN" altLang="en-US" dirty="0"/>
           </a:p>
         </p:txBody>
       </p:sp>
       <p:sp>
         <p:nvSpPr>
           <p:cNvPr id="5" name="文本框 4">
-            <a:hlinkClick r:id="rId1"/>
+            <a:hlinkClick r:id="rId3"/>
           </p:cNvPr>
           <p:cNvSpPr txBox="1"/>
           <p:nvPr/>
@@ -12938,7 +12829,7 @@
       <p:sp>
         <p:nvSpPr>
           <p:cNvPr id="46" name="文本框 45">
-            <a:hlinkClick r:id="rId2"/>
+            <a:hlinkClick r:id="rId4"/>
           </p:cNvPr>
           <p:cNvSpPr txBox="1"/>
           <p:nvPr/>
@@ -12966,7 +12857,7 @@
       <p:sp>
         <p:nvSpPr>
           <p:cNvPr id="2" name="文本框 1">
-            <a:hlinkClick r:id="rId3"/>
+            <a:hlinkClick r:id="rId5"/>
           </p:cNvPr>
           <p:cNvSpPr txBox="1"/>
           <p:nvPr/>
@@ -12998,7 +12889,7 @@
       <p:sp>
         <p:nvSpPr>
           <p:cNvPr id="3" name="文本框 2">
-            <a:hlinkClick r:id="rId4"/>
+            <a:hlinkClick r:id="rId6"/>
           </p:cNvPr>
           <p:cNvSpPr txBox="1"/>
           <p:nvPr/>
@@ -13030,7 +12921,7 @@
       <p:sp>
         <p:nvSpPr>
           <p:cNvPr id="6" name="文本框 5">
-            <a:hlinkClick r:id="rId5"/>
+            <a:hlinkClick r:id="rId7"/>
           </p:cNvPr>
           <p:cNvSpPr txBox="1"/>
           <p:nvPr/>
@@ -13066,7 +12957,7 @@
       <p:sp>
         <p:nvSpPr>
           <p:cNvPr id="7" name="文本框 6">
-            <a:hlinkClick r:id="rId6"/>
+            <a:hlinkClick r:id="rId8"/>
           </p:cNvPr>
           <p:cNvSpPr txBox="1"/>
           <p:nvPr/>
@@ -13098,7 +12989,7 @@
       <p:sp>
         <p:nvSpPr>
           <p:cNvPr id="8" name="文本框 7">
-            <a:hlinkClick r:id="rId7"/>
+            <a:hlinkClick r:id="rId9"/>
           </p:cNvPr>
           <p:cNvSpPr txBox="1"/>
           <p:nvPr/>
@@ -13130,7 +13021,7 @@
       <p:sp>
         <p:nvSpPr>
           <p:cNvPr id="9" name="文本框 8">
-            <a:hlinkClick r:id="rId8"/>
+            <a:hlinkClick r:id="rId10"/>
           </p:cNvPr>
           <p:cNvSpPr txBox="1"/>
           <p:nvPr/>
@@ -13162,7 +13053,7 @@
       <p:sp>
         <p:nvSpPr>
           <p:cNvPr id="10" name="文本框 9">
-            <a:hlinkClick r:id="rId9"/>
+            <a:hlinkClick r:id="rId11"/>
           </p:cNvPr>
           <p:cNvSpPr txBox="1"/>
           <p:nvPr/>
@@ -13194,7 +13085,7 @@
       <p:sp>
         <p:nvSpPr>
           <p:cNvPr id="11" name="文本框 10">
-            <a:hlinkClick r:id="rId10"/>
+            <a:hlinkClick r:id="rId12"/>
           </p:cNvPr>
           <p:cNvSpPr txBox="1"/>
           <p:nvPr/>
@@ -13226,7 +13117,7 @@
       <p:sp>
         <p:nvSpPr>
           <p:cNvPr id="12" name="文本框 11">
-            <a:hlinkClick r:id="rId11"/>
+            <a:hlinkClick r:id="rId13"/>
           </p:cNvPr>
           <p:cNvSpPr txBox="1"/>
           <p:nvPr/>
@@ -13258,7 +13149,7 @@
       <p:sp>
         <p:nvSpPr>
           <p:cNvPr id="13" name="文本框 12">
-            <a:hlinkClick r:id="rId12"/>
+            <a:hlinkClick r:id="rId14"/>
           </p:cNvPr>
           <p:cNvSpPr txBox="1"/>
           <p:nvPr/>
@@ -13290,7 +13181,7 @@
       <p:sp>
         <p:nvSpPr>
           <p:cNvPr id="14" name="文本框 13">
-            <a:hlinkClick r:id="rId13"/>
+            <a:hlinkClick r:id="rId15"/>
           </p:cNvPr>
           <p:cNvSpPr txBox="1"/>
           <p:nvPr/>
@@ -13326,7 +13217,7 @@
       <p:sp>
         <p:nvSpPr>
           <p:cNvPr id="15" name="文本框 14">
-            <a:hlinkClick r:id="rId14"/>
+            <a:hlinkClick r:id="rId16"/>
           </p:cNvPr>
           <p:cNvSpPr txBox="1"/>
           <p:nvPr/>
@@ -13362,7 +13253,7 @@
       <p:sp>
         <p:nvSpPr>
           <p:cNvPr id="16" name="文本框 15">
-            <a:hlinkClick r:id="rId15"/>
+            <a:hlinkClick r:id="rId17"/>
           </p:cNvPr>
           <p:cNvSpPr txBox="1"/>
           <p:nvPr/>
@@ -13398,7 +13289,7 @@
       <p:sp>
         <p:nvSpPr>
           <p:cNvPr id="17" name="文本框 16">
-            <a:hlinkClick r:id="rId16"/>
+            <a:hlinkClick r:id="rId18"/>
           </p:cNvPr>
           <p:cNvSpPr txBox="1"/>
           <p:nvPr/>
@@ -13434,7 +13325,7 @@
       <p:sp>
         <p:nvSpPr>
           <p:cNvPr id="18" name="文本框 17">
-            <a:hlinkClick r:id="rId17"/>
+            <a:hlinkClick r:id="rId19"/>
           </p:cNvPr>
           <p:cNvSpPr txBox="1"/>
           <p:nvPr/>
@@ -13470,7 +13361,7 @@
       <p:sp>
         <p:nvSpPr>
           <p:cNvPr id="19" name="文本框 18">
-            <a:hlinkClick r:id="rId18"/>
+            <a:hlinkClick r:id="rId20"/>
           </p:cNvPr>
           <p:cNvSpPr txBox="1"/>
           <p:nvPr/>
@@ -13506,7 +13397,7 @@
       <p:sp>
         <p:nvSpPr>
           <p:cNvPr id="20" name="文本框 19">
-            <a:hlinkClick r:id="rId19"/>
+            <a:hlinkClick r:id="rId21"/>
           </p:cNvPr>
           <p:cNvSpPr txBox="1"/>
           <p:nvPr/>
@@ -13542,7 +13433,7 @@
       <p:sp>
         <p:nvSpPr>
           <p:cNvPr id="21" name="文本框 20">
-            <a:hlinkClick r:id="rId20"/>
+            <a:hlinkClick r:id="rId22"/>
           </p:cNvPr>
           <p:cNvSpPr txBox="1"/>
           <p:nvPr/>
@@ -13578,7 +13469,7 @@
       <p:sp>
         <p:nvSpPr>
           <p:cNvPr id="22" name="文本框 21">
-            <a:hlinkClick r:id="rId21"/>
+            <a:hlinkClick r:id="rId23"/>
           </p:cNvPr>
           <p:cNvSpPr txBox="1"/>
           <p:nvPr/>
@@ -13614,7 +13505,7 @@
       <p:sp>
         <p:nvSpPr>
           <p:cNvPr id="23" name="文本框 22">
-            <a:hlinkClick r:id="rId22"/>
+            <a:hlinkClick r:id="rId24"/>
           </p:cNvPr>
           <p:cNvSpPr txBox="1"/>
           <p:nvPr/>
@@ -13650,7 +13541,7 @@
       <p:sp>
         <p:nvSpPr>
           <p:cNvPr id="24" name="文本框 23">
-            <a:hlinkClick r:id="rId23"/>
+            <a:hlinkClick r:id="rId25"/>
           </p:cNvPr>
           <p:cNvSpPr txBox="1"/>
           <p:nvPr/>
@@ -13686,7 +13577,7 @@
       <p:sp>
         <p:nvSpPr>
           <p:cNvPr id="25" name="文本框 24">
-            <a:hlinkClick r:id="rId24"/>
+            <a:hlinkClick r:id="rId26"/>
           </p:cNvPr>
           <p:cNvSpPr txBox="1"/>
           <p:nvPr/>
@@ -13722,7 +13613,7 @@
       <p:sp>
         <p:nvSpPr>
           <p:cNvPr id="26" name="文本框 25">
-            <a:hlinkClick r:id="rId25"/>
+            <a:hlinkClick r:id="rId27"/>
           </p:cNvPr>
           <p:cNvSpPr txBox="1"/>
           <p:nvPr/>
@@ -13758,7 +13649,7 @@
       <p:sp>
         <p:nvSpPr>
           <p:cNvPr id="28" name="文本框 27">
-            <a:hlinkClick r:id="rId26"/>
+            <a:hlinkClick r:id="rId28"/>
           </p:cNvPr>
           <p:cNvSpPr txBox="1"/>
           <p:nvPr/>
@@ -13790,7 +13681,7 @@
       <p:sp>
         <p:nvSpPr>
           <p:cNvPr id="29" name="文本框 28">
-            <a:hlinkClick r:id="rId27"/>
+            <a:hlinkClick r:id="rId29"/>
           </p:cNvPr>
           <p:cNvSpPr txBox="1"/>
           <p:nvPr/>
@@ -13822,7 +13713,7 @@
       <p:sp>
         <p:nvSpPr>
           <p:cNvPr id="30" name="文本框 29">
-            <a:hlinkClick r:id="rId28"/>
+            <a:hlinkClick r:id="rId30"/>
           </p:cNvPr>
           <p:cNvSpPr txBox="1"/>
           <p:nvPr/>
@@ -13854,7 +13745,7 @@
       <p:sp>
         <p:nvSpPr>
           <p:cNvPr id="31" name="文本框 30">
-            <a:hlinkClick r:id="rId29"/>
+            <a:hlinkClick r:id="rId31"/>
           </p:cNvPr>
           <p:cNvSpPr txBox="1"/>
           <p:nvPr/>
@@ -13886,7 +13777,7 @@
       <p:sp>
         <p:nvSpPr>
           <p:cNvPr id="32" name="文本框 31">
-            <a:hlinkClick r:id="rId30"/>
+            <a:hlinkClick r:id="rId32"/>
           </p:cNvPr>
           <p:cNvSpPr txBox="1"/>
           <p:nvPr/>
@@ -13918,7 +13809,7 @@
       <p:sp>
         <p:nvSpPr>
           <p:cNvPr id="34" name="文本框 33">
-            <a:hlinkClick r:id="rId31"/>
+            <a:hlinkClick r:id="rId33"/>
           </p:cNvPr>
           <p:cNvSpPr txBox="1"/>
           <p:nvPr/>
@@ -13950,7 +13841,7 @@
       <p:sp>
         <p:nvSpPr>
           <p:cNvPr id="35" name="文本框 34">
-            <a:hlinkClick r:id="rId32"/>
+            <a:hlinkClick r:id="rId34"/>
           </p:cNvPr>
           <p:cNvSpPr txBox="1"/>
           <p:nvPr/>
@@ -13982,7 +13873,7 @@
       <p:sp>
         <p:nvSpPr>
           <p:cNvPr id="36" name="文本框 35">
-            <a:hlinkClick r:id="rId33"/>
+            <a:hlinkClick r:id="rId35"/>
           </p:cNvPr>
           <p:cNvSpPr txBox="1"/>
           <p:nvPr/>
@@ -14014,7 +13905,7 @@
       <p:sp>
         <p:nvSpPr>
           <p:cNvPr id="38" name="文本框 37">
-            <a:hlinkClick r:id="rId34"/>
+            <a:hlinkClick r:id="rId36"/>
           </p:cNvPr>
           <p:cNvSpPr txBox="1"/>
           <p:nvPr/>
@@ -14069,7 +13960,6 @@
               <a:rPr lang="zh-CN" altLang="en-US" dirty="0"/>
               <a:t>崩坏三第二部剧情</a:t>
             </a:r>
-            <a:endParaRPr lang="zh-CN" altLang="en-US" dirty="0"/>
           </a:p>
         </p:txBody>
       </p:sp>
@@ -14107,7 +13997,6 @@
               <a:rPr lang="zh-CN" altLang="en-US" dirty="0"/>
               <a:t>剧情</a:t>
             </a:r>
-            <a:endParaRPr lang="zh-CN" altLang="en-US" dirty="0"/>
           </a:p>
         </p:txBody>
       </p:sp>
@@ -14201,14 +14090,13 @@
               <a:rPr lang="zh-CN" altLang="en-US" dirty="0"/>
               <a:t>视频</a:t>
             </a:r>
-            <a:endParaRPr lang="zh-CN" altLang="en-US" dirty="0"/>
           </a:p>
         </p:txBody>
       </p:sp>
       <p:sp>
         <p:nvSpPr>
           <p:cNvPr id="18" name="文本框 17">
-            <a:hlinkClick r:id="rId1"/>
+            <a:hlinkClick r:id="rId3"/>
           </p:cNvPr>
           <p:cNvSpPr txBox="1"/>
           <p:nvPr/>
@@ -14233,14 +14121,13 @@
               <a:rPr lang="zh-CN" altLang="en-US" dirty="0"/>
               <a:t>苏州音乐会</a:t>
             </a:r>
-            <a:endParaRPr lang="zh-CN" altLang="en-US" dirty="0"/>
           </a:p>
         </p:txBody>
       </p:sp>
       <p:sp>
         <p:nvSpPr>
           <p:cNvPr id="27" name="文本框 26">
-            <a:hlinkClick r:id="rId2"/>
+            <a:hlinkClick r:id="rId4"/>
           </p:cNvPr>
           <p:cNvSpPr txBox="1"/>
           <p:nvPr/>
@@ -14272,7 +14159,7 @@
       <p:sp>
         <p:nvSpPr>
           <p:cNvPr id="28" name="文本框 27">
-            <a:hlinkClick r:id="rId3"/>
+            <a:hlinkClick r:id="rId5"/>
           </p:cNvPr>
           <p:cNvSpPr txBox="1"/>
           <p:nvPr/>
@@ -14308,7 +14195,7 @@
       <p:sp>
         <p:nvSpPr>
           <p:cNvPr id="29" name="文本框 28">
-            <a:hlinkClick r:id="rId4"/>
+            <a:hlinkClick r:id="rId6"/>
           </p:cNvPr>
           <p:cNvSpPr txBox="1"/>
           <p:nvPr/>
@@ -14333,14 +14220,13 @@
               <a:rPr lang="zh-CN" altLang="en-US" dirty="0"/>
               <a:t>天外来物音乐会</a:t>
             </a:r>
-            <a:endParaRPr lang="zh-CN" altLang="en-US" dirty="0"/>
           </a:p>
         </p:txBody>
       </p:sp>
       <p:sp>
         <p:nvSpPr>
           <p:cNvPr id="30" name="文本框 29">
-            <a:hlinkClick r:id="rId5"/>
+            <a:hlinkClick r:id="rId7"/>
           </p:cNvPr>
           <p:cNvSpPr txBox="1"/>
           <p:nvPr/>
@@ -14376,7 +14262,7 @@
       <p:sp>
         <p:nvSpPr>
           <p:cNvPr id="2" name="文本框 1">
-            <a:hlinkClick r:id="rId6"/>
+            <a:hlinkClick r:id="rId8"/>
           </p:cNvPr>
           <p:cNvSpPr txBox="1"/>
           <p:nvPr/>
@@ -14401,14 +14287,13 @@
               <a:rPr lang="zh-CN" altLang="en-US" dirty="0"/>
               <a:t>两界为火，赤夜将熄</a:t>
             </a:r>
-            <a:endParaRPr lang="zh-CN" altLang="en-US" dirty="0"/>
           </a:p>
         </p:txBody>
       </p:sp>
       <p:sp>
         <p:nvSpPr>
           <p:cNvPr id="3" name="文本框 2">
-            <a:hlinkClick r:id="rId7"/>
+            <a:hlinkClick r:id="rId9"/>
           </p:cNvPr>
           <p:cNvSpPr txBox="1"/>
           <p:nvPr/>
@@ -14440,7 +14325,7 @@
       <p:sp>
         <p:nvSpPr>
           <p:cNvPr id="5" name="文本框 4">
-            <a:hlinkClick r:id="rId8"/>
+            <a:hlinkClick r:id="rId10"/>
           </p:cNvPr>
           <p:cNvSpPr txBox="1"/>
           <p:nvPr/>
@@ -14465,14 +14350,13 @@
               <a:rPr lang="zh-CN" altLang="en-US" dirty="0"/>
               <a:t>地狱客栈第一期配音</a:t>
             </a:r>
-            <a:endParaRPr lang="zh-CN" altLang="en-US" dirty="0"/>
           </a:p>
         </p:txBody>
       </p:sp>
       <p:sp>
         <p:nvSpPr>
           <p:cNvPr id="6" name="文本框 5">
-            <a:hlinkClick r:id="rId9"/>
+            <a:hlinkClick r:id="rId11"/>
           </p:cNvPr>
           <p:cNvSpPr txBox="1"/>
           <p:nvPr/>
@@ -14497,14 +14381,13 @@
               <a:rPr lang="zh-CN" altLang="en-US" dirty="0"/>
               <a:t>银行</a:t>
             </a:r>
-            <a:endParaRPr lang="zh-CN" altLang="en-US" dirty="0"/>
           </a:p>
         </p:txBody>
       </p:sp>
       <p:sp>
         <p:nvSpPr>
           <p:cNvPr id="7" name="文本框 6">
-            <a:hlinkClick r:id="rId10"/>
+            <a:hlinkClick r:id="rId12"/>
           </p:cNvPr>
           <p:cNvSpPr txBox="1"/>
           <p:nvPr/>
@@ -14536,7 +14419,7 @@
       <p:sp>
         <p:nvSpPr>
           <p:cNvPr id="9" name="文本框 8">
-            <a:hlinkClick r:id="rId11"/>
+            <a:hlinkClick r:id="rId13"/>
           </p:cNvPr>
           <p:cNvSpPr txBox="1"/>
           <p:nvPr/>
@@ -14589,7 +14472,6 @@
               <a:rPr lang="zh-CN" altLang="en-US" dirty="0"/>
               <a:t>」演唱会官方录播完整版</a:t>
             </a:r>
-            <a:endParaRPr lang="zh-CN" altLang="en-US" dirty="0"/>
           </a:p>
         </p:txBody>
       </p:sp>
@@ -14622,7 +14504,7 @@
       <p:pic>
         <p:nvPicPr>
           <p:cNvPr id="6" name="图片 5" descr="图标">
-            <a:hlinkClick r:id="rId1"/>
+            <a:hlinkClick r:id="rId2"/>
           </p:cNvPr>
           <p:cNvPicPr>
             <a:picLocks noChangeAspect="1"/>
@@ -14630,7 +14512,7 @@
           <p:nvPr/>
         </p:nvPicPr>
         <p:blipFill>
-          <a:blip r:embed="rId2" cstate="print">
+          <a:blip r:embed="rId3" cstate="print">
             <a:extLst>
               <a:ext uri="{28A0092B-C50C-407E-A947-70E740481C1C}">
                 <a14:useLocalDpi xmlns:a14="http://schemas.microsoft.com/office/drawing/2010/main" val="0"/>
@@ -14654,7 +14536,7 @@
       <p:pic>
         <p:nvPicPr>
           <p:cNvPr id="8" name="图形 7" descr="音符 纯色填充">
-            <a:hlinkClick r:id="rId3" action="ppaction://hlinksldjump"/>
+            <a:hlinkClick r:id="rId4" action="ppaction://hlinksldjump"/>
           </p:cNvPr>
           <p:cNvPicPr>
             <a:picLocks noChangeAspect="1"/>
@@ -14662,13 +14544,13 @@
           <p:nvPr/>
         </p:nvPicPr>
         <p:blipFill>
-          <a:blip r:embed="rId4">
+          <a:blip r:embed="rId5">
             <a:extLst>
               <a:ext uri="{28A0092B-C50C-407E-A947-70E740481C1C}">
                 <a14:useLocalDpi xmlns:a14="http://schemas.microsoft.com/office/drawing/2010/main" val="0"/>
               </a:ext>
               <a:ext uri="{96DAC541-7B7A-43D3-8B79-37D633B846F1}">
-                <asvg:svgBlip xmlns:asvg="http://schemas.microsoft.com/office/drawing/2016/SVG/main" r:embed="rId5"/>
+                <asvg:svgBlip xmlns:asvg="http://schemas.microsoft.com/office/drawing/2016/SVG/main" r:embed="rId6"/>
               </a:ext>
             </a:extLst>
           </a:blip>
@@ -14689,7 +14571,7 @@
       <p:pic>
         <p:nvPicPr>
           <p:cNvPr id="11" name="图形 10" descr="报纸 纯色填充">
-            <a:hlinkClick r:id="rId6"/>
+            <a:hlinkClick r:id="rId7"/>
           </p:cNvPr>
           <p:cNvPicPr>
             <a:picLocks noChangeAspect="1"/>
@@ -14697,13 +14579,13 @@
           <p:nvPr/>
         </p:nvPicPr>
         <p:blipFill>
-          <a:blip r:embed="rId7">
+          <a:blip r:embed="rId8">
             <a:extLst>
               <a:ext uri="{28A0092B-C50C-407E-A947-70E740481C1C}">
                 <a14:useLocalDpi xmlns:a14="http://schemas.microsoft.com/office/drawing/2010/main" val="0"/>
               </a:ext>
               <a:ext uri="{96DAC541-7B7A-43D3-8B79-37D633B846F1}">
-                <asvg:svgBlip xmlns:asvg="http://schemas.microsoft.com/office/drawing/2016/SVG/main" r:embed="rId8"/>
+                <asvg:svgBlip xmlns:asvg="http://schemas.microsoft.com/office/drawing/2016/SVG/main" r:embed="rId9"/>
               </a:ext>
             </a:extLst>
           </a:blip>
@@ -14724,7 +14606,7 @@
       <p:pic>
         <p:nvPicPr>
           <p:cNvPr id="5" name="图形 4" descr="合同 纯色填充">
-            <a:hlinkClick r:id="rId9"/>
+            <a:hlinkClick r:id="rId10"/>
           </p:cNvPr>
           <p:cNvPicPr>
             <a:picLocks noChangeAspect="1"/>
@@ -14732,13 +14614,13 @@
           <p:nvPr/>
         </p:nvPicPr>
         <p:blipFill>
-          <a:blip r:embed="rId10">
+          <a:blip r:embed="rId11">
             <a:extLst>
               <a:ext uri="{28A0092B-C50C-407E-A947-70E740481C1C}">
                 <a14:useLocalDpi xmlns:a14="http://schemas.microsoft.com/office/drawing/2010/main" val="0"/>
               </a:ext>
               <a:ext uri="{96DAC541-7B7A-43D3-8B79-37D633B846F1}">
-                <asvg:svgBlip xmlns:asvg="http://schemas.microsoft.com/office/drawing/2016/SVG/main" r:embed="rId11"/>
+                <asvg:svgBlip xmlns:asvg="http://schemas.microsoft.com/office/drawing/2016/SVG/main" r:embed="rId12"/>
               </a:ext>
             </a:extLst>
           </a:blip>
@@ -14759,7 +14641,7 @@
       <p:pic>
         <p:nvPicPr>
           <p:cNvPr id="3" name="图形 2" descr="书籍 纯色填充">
-            <a:hlinkClick r:id="rId12" action="ppaction://hlinksldjump"/>
+            <a:hlinkClick r:id="rId13" action="ppaction://hlinksldjump"/>
           </p:cNvPr>
           <p:cNvPicPr>
             <a:picLocks noChangeAspect="1"/>
@@ -14767,13 +14649,13 @@
           <p:nvPr/>
         </p:nvPicPr>
         <p:blipFill>
-          <a:blip r:embed="rId13">
+          <a:blip r:embed="rId14">
             <a:extLst>
               <a:ext uri="{28A0092B-C50C-407E-A947-70E740481C1C}">
                 <a14:useLocalDpi xmlns:a14="http://schemas.microsoft.com/office/drawing/2010/main" val="0"/>
               </a:ext>
               <a:ext uri="{96DAC541-7B7A-43D3-8B79-37D633B846F1}">
-                <asvg:svgBlip xmlns:asvg="http://schemas.microsoft.com/office/drawing/2016/SVG/main" r:embed="rId14"/>
+                <asvg:svgBlip xmlns:asvg="http://schemas.microsoft.com/office/drawing/2016/SVG/main" r:embed="rId15"/>
               </a:ext>
             </a:extLst>
           </a:blip>
@@ -14817,7 +14699,6 @@
               <a:rPr lang="zh-CN" altLang="en-US" dirty="0"/>
               <a:t>首页</a:t>
             </a:r>
-            <a:endParaRPr lang="zh-CN" altLang="en-US" dirty="0"/>
           </a:p>
         </p:txBody>
       </p:sp>
@@ -14847,7 +14728,6 @@
               <a:rPr lang="zh-CN" altLang="en-US" dirty="0"/>
               <a:t>热搜</a:t>
             </a:r>
-            <a:endParaRPr lang="zh-CN" altLang="en-US" dirty="0"/>
           </a:p>
         </p:txBody>
       </p:sp>
@@ -14877,7 +14757,6 @@
               <a:rPr lang="zh-CN" altLang="en-US" dirty="0"/>
               <a:t>音乐</a:t>
             </a:r>
-            <a:endParaRPr lang="zh-CN" altLang="en-US" dirty="0"/>
           </a:p>
         </p:txBody>
       </p:sp>
@@ -14937,7 +14816,6 @@
               <a:rPr lang="zh-CN" altLang="en-US" dirty="0"/>
               <a:t>答案</a:t>
             </a:r>
-            <a:endParaRPr lang="zh-CN" altLang="en-US" dirty="0"/>
           </a:p>
         </p:txBody>
       </p:sp>
@@ -14967,14 +14845,13 @@
               <a:rPr lang="zh-CN" altLang="en-US" dirty="0"/>
               <a:t>小说</a:t>
             </a:r>
-            <a:endParaRPr lang="zh-CN" altLang="en-US" dirty="0"/>
           </a:p>
         </p:txBody>
       </p:sp>
       <p:pic>
         <p:nvPicPr>
           <p:cNvPr id="14" name="图片 13">
-            <a:hlinkClick r:id="rId15"/>
+            <a:hlinkClick r:id="rId16"/>
           </p:cNvPr>
           <p:cNvPicPr>
             <a:picLocks noChangeAspect="1"/>
@@ -14982,7 +14859,7 @@
           <p:nvPr/>
         </p:nvPicPr>
         <p:blipFill>
-          <a:blip r:embed="rId16" cstate="print">
+          <a:blip r:embed="rId17" cstate="print">
             <a:extLst>
               <a:ext uri="{28A0092B-C50C-407E-A947-70E740481C1C}">
                 <a14:useLocalDpi xmlns:a14="http://schemas.microsoft.com/office/drawing/2010/main" val="0"/>
@@ -15029,14 +14906,13 @@
               <a:rPr lang="zh-CN" altLang="en-US" dirty="0"/>
               <a:t>人民日报</a:t>
             </a:r>
-            <a:endParaRPr lang="zh-CN" altLang="en-US" dirty="0"/>
           </a:p>
         </p:txBody>
       </p:sp>
       <p:pic>
         <p:nvPicPr>
           <p:cNvPr id="15" name="图形 14" descr="合同 纯色填充">
-            <a:hlinkClick r:id="rId17"/>
+            <a:hlinkClick r:id="rId18"/>
           </p:cNvPr>
           <p:cNvPicPr>
             <a:picLocks noChangeAspect="1"/>
@@ -15044,13 +14920,13 @@
           <p:nvPr/>
         </p:nvPicPr>
         <p:blipFill>
-          <a:blip r:embed="rId10">
+          <a:blip r:embed="rId11">
             <a:extLst>
               <a:ext uri="{28A0092B-C50C-407E-A947-70E740481C1C}">
                 <a14:useLocalDpi xmlns:a14="http://schemas.microsoft.com/office/drawing/2010/main" val="0"/>
               </a:ext>
               <a:ext uri="{96DAC541-7B7A-43D3-8B79-37D633B846F1}">
-                <asvg:svgBlip xmlns:asvg="http://schemas.microsoft.com/office/drawing/2016/SVG/main" r:embed="rId11"/>
+                <asvg:svgBlip xmlns:asvg="http://schemas.microsoft.com/office/drawing/2016/SVG/main" r:embed="rId12"/>
               </a:ext>
             </a:extLst>
           </a:blip>
@@ -15094,14 +14970,13 @@
               <a:rPr lang="zh-CN" altLang="en-US" dirty="0"/>
               <a:t>答案</a:t>
             </a:r>
-            <a:endParaRPr lang="zh-CN" altLang="en-US" dirty="0"/>
           </a:p>
         </p:txBody>
       </p:sp>
       <p:pic>
         <p:nvPicPr>
           <p:cNvPr id="18" name="图片 17" descr="男子的脸部特写黑白照&#10;&#10;中度可信度描述已自动生成">
-            <a:hlinkClick r:id="rId18"/>
+            <a:hlinkClick r:id="rId19"/>
           </p:cNvPr>
           <p:cNvPicPr>
             <a:picLocks noChangeAspect="1"/>
@@ -15109,7 +14984,7 @@
           <p:nvPr/>
         </p:nvPicPr>
         <p:blipFill>
-          <a:blip r:embed="rId19">
+          <a:blip r:embed="rId20">
             <a:extLst>
               <a:ext uri="{28A0092B-C50C-407E-A947-70E740481C1C}">
                 <a14:useLocalDpi xmlns:a14="http://schemas.microsoft.com/office/drawing/2010/main" val="0"/>
@@ -15133,7 +15008,7 @@
       <p:pic>
         <p:nvPicPr>
           <p:cNvPr id="19" name="图形 18" descr="场记板 纯色填充">
-            <a:hlinkClick r:id="rId20"/>
+            <a:hlinkClick r:id="rId21"/>
           </p:cNvPr>
           <p:cNvPicPr>
             <a:picLocks noChangeAspect="1"/>
@@ -15141,13 +15016,13 @@
           <p:nvPr/>
         </p:nvPicPr>
         <p:blipFill>
-          <a:blip r:embed="rId21">
+          <a:blip r:embed="rId22">
             <a:extLst>
               <a:ext uri="{28A0092B-C50C-407E-A947-70E740481C1C}">
                 <a14:useLocalDpi xmlns:a14="http://schemas.microsoft.com/office/drawing/2010/main" val="0"/>
               </a:ext>
               <a:ext uri="{96DAC541-7B7A-43D3-8B79-37D633B846F1}">
-                <asvg:svgBlip xmlns:asvg="http://schemas.microsoft.com/office/drawing/2016/SVG/main" r:embed="rId22"/>
+                <asvg:svgBlip xmlns:asvg="http://schemas.microsoft.com/office/drawing/2016/SVG/main" r:embed="rId23"/>
               </a:ext>
             </a:extLst>
           </a:blip>
@@ -15225,14 +15100,13 @@
               <a:rPr lang="zh-CN" altLang="en-US" dirty="0"/>
               <a:t>视频</a:t>
             </a:r>
-            <a:endParaRPr lang="zh-CN" altLang="en-US" dirty="0"/>
           </a:p>
         </p:txBody>
       </p:sp>
       <p:sp>
         <p:nvSpPr>
           <p:cNvPr id="8" name="文本框 7">
-            <a:hlinkClick r:id="rId1"/>
+            <a:hlinkClick r:id="rId3"/>
           </p:cNvPr>
           <p:cNvSpPr txBox="1"/>
           <p:nvPr/>
@@ -15257,14 +15131,13 @@
               <a:rPr lang="zh-CN" altLang="en-US" dirty="0"/>
               <a:t>转庭悟</a:t>
             </a:r>
-            <a:endParaRPr lang="zh-CN" altLang="en-US" dirty="0"/>
           </a:p>
         </p:txBody>
       </p:sp>
       <p:sp>
         <p:nvSpPr>
           <p:cNvPr id="9" name="文本框 8">
-            <a:hlinkClick r:id="rId2"/>
+            <a:hlinkClick r:id="rId4"/>
           </p:cNvPr>
           <p:cNvSpPr txBox="1"/>
           <p:nvPr/>
@@ -15289,14 +15162,13 @@
               <a:rPr lang="zh-CN" altLang="en-US" dirty="0"/>
               <a:t>白首太玄</a:t>
             </a:r>
-            <a:endParaRPr lang="zh-CN" altLang="en-US" dirty="0"/>
           </a:p>
         </p:txBody>
       </p:sp>
       <p:sp>
         <p:nvSpPr>
           <p:cNvPr id="10" name="文本框 9">
-            <a:hlinkClick r:id="rId3"/>
+            <a:hlinkClick r:id="rId5"/>
           </p:cNvPr>
           <p:cNvSpPr txBox="1"/>
           <p:nvPr/>
@@ -15321,14 +15193,13 @@
               <a:rPr lang="zh-CN" altLang="en-US" dirty="0"/>
               <a:t>五岳为轻</a:t>
             </a:r>
-            <a:endParaRPr lang="zh-CN" altLang="en-US" dirty="0"/>
           </a:p>
         </p:txBody>
       </p:sp>
       <p:sp>
         <p:nvSpPr>
           <p:cNvPr id="11" name="文本框 10">
-            <a:hlinkClick r:id="rId4"/>
+            <a:hlinkClick r:id="rId6"/>
           </p:cNvPr>
           <p:cNvSpPr txBox="1"/>
           <p:nvPr/>
@@ -15353,14 +15224,13 @@
               <a:rPr lang="zh-CN" altLang="en-US" dirty="0"/>
               <a:t>煊赫大梁</a:t>
             </a:r>
-            <a:endParaRPr lang="zh-CN" altLang="en-US" dirty="0"/>
           </a:p>
         </p:txBody>
       </p:sp>
       <p:sp>
         <p:nvSpPr>
           <p:cNvPr id="12" name="文本框 11">
-            <a:hlinkClick r:id="rId5"/>
+            <a:hlinkClick r:id="rId7"/>
           </p:cNvPr>
           <p:cNvSpPr txBox="1"/>
           <p:nvPr/>
@@ -15385,14 +15255,13 @@
               <a:rPr lang="zh-CN" altLang="en-US" dirty="0"/>
               <a:t>白云苍狗</a:t>
             </a:r>
-            <a:endParaRPr lang="zh-CN" altLang="en-US" dirty="0"/>
           </a:p>
         </p:txBody>
       </p:sp>
       <p:sp>
         <p:nvSpPr>
           <p:cNvPr id="13" name="文本框 12">
-            <a:hlinkClick r:id="rId6"/>
+            <a:hlinkClick r:id="rId8"/>
           </p:cNvPr>
           <p:cNvSpPr txBox="1"/>
           <p:nvPr/>
@@ -15417,14 +15286,13 @@
               <a:rPr lang="zh-CN" altLang="en-US" dirty="0"/>
               <a:t>流刃若火</a:t>
             </a:r>
-            <a:endParaRPr lang="zh-CN" altLang="en-US" dirty="0"/>
           </a:p>
         </p:txBody>
       </p:sp>
       <p:sp>
         <p:nvSpPr>
           <p:cNvPr id="14" name="文本框 13">
-            <a:hlinkClick r:id="rId7"/>
+            <a:hlinkClick r:id="rId9"/>
           </p:cNvPr>
           <p:cNvSpPr txBox="1"/>
           <p:nvPr/>
@@ -15449,14 +15317,13 @@
               <a:rPr lang="zh-CN" altLang="en-US" dirty="0"/>
               <a:t>晨钟萦耳</a:t>
             </a:r>
-            <a:endParaRPr lang="zh-CN" altLang="en-US" dirty="0"/>
           </a:p>
         </p:txBody>
       </p:sp>
       <p:sp>
         <p:nvSpPr>
           <p:cNvPr id="15" name="文本框 14">
-            <a:hlinkClick r:id="rId8"/>
+            <a:hlinkClick r:id="rId10"/>
           </p:cNvPr>
           <p:cNvSpPr txBox="1"/>
           <p:nvPr/>
@@ -15481,14 +15348,13 @@
               <a:rPr lang="zh-CN" altLang="en-US" dirty="0"/>
               <a:t>飒沓流星</a:t>
             </a:r>
-            <a:endParaRPr lang="zh-CN" altLang="en-US" dirty="0"/>
           </a:p>
         </p:txBody>
       </p:sp>
       <p:sp>
         <p:nvSpPr>
           <p:cNvPr id="16" name="文本框 15">
-            <a:hlinkClick r:id="rId9"/>
+            <a:hlinkClick r:id="rId11"/>
           </p:cNvPr>
           <p:cNvSpPr txBox="1"/>
           <p:nvPr/>
@@ -15513,7 +15379,6 @@
               <a:rPr lang="zh-CN" altLang="en-US" dirty="0"/>
               <a:t>留仙</a:t>
             </a:r>
-            <a:endParaRPr lang="zh-CN" altLang="en-US" dirty="0"/>
           </a:p>
         </p:txBody>
       </p:sp>
@@ -15560,7 +15425,7 @@
         <p:sp>
           <p:nvSpPr>
             <p:cNvPr id="5" name="文本框 4">
-              <a:hlinkClick r:id="rId1"/>
+              <a:hlinkClick r:id="rId3"/>
             </p:cNvPr>
             <p:cNvSpPr txBox="1"/>
             <p:nvPr/>
@@ -15592,7 +15457,7 @@
         <p:sp>
           <p:nvSpPr>
             <p:cNvPr id="6" name="文本框 5">
-              <a:hlinkClick r:id="rId2"/>
+              <a:hlinkClick r:id="rId4"/>
             </p:cNvPr>
             <p:cNvSpPr txBox="1"/>
             <p:nvPr/>
@@ -15624,7 +15489,7 @@
         <p:sp>
           <p:nvSpPr>
             <p:cNvPr id="7" name="文本框 6">
-              <a:hlinkClick r:id="rId3"/>
+              <a:hlinkClick r:id="rId5"/>
             </p:cNvPr>
             <p:cNvSpPr txBox="1"/>
             <p:nvPr/>
@@ -15656,7 +15521,7 @@
         <p:sp>
           <p:nvSpPr>
             <p:cNvPr id="8" name="文本框 7">
-              <a:hlinkClick r:id="rId4"/>
+              <a:hlinkClick r:id="rId6"/>
             </p:cNvPr>
             <p:cNvSpPr txBox="1"/>
             <p:nvPr/>
@@ -15688,7 +15553,7 @@
         <p:sp>
           <p:nvSpPr>
             <p:cNvPr id="9" name="文本框 8">
-              <a:hlinkClick r:id="rId5"/>
+              <a:hlinkClick r:id="rId7"/>
             </p:cNvPr>
             <p:cNvSpPr txBox="1"/>
             <p:nvPr/>
@@ -15720,7 +15585,7 @@
         <p:sp>
           <p:nvSpPr>
             <p:cNvPr id="10" name="文本框 9">
-              <a:hlinkClick r:id="rId6"/>
+              <a:hlinkClick r:id="rId8"/>
             </p:cNvPr>
             <p:cNvSpPr txBox="1"/>
             <p:nvPr/>
@@ -15752,7 +15617,7 @@
         <p:sp>
           <p:nvSpPr>
             <p:cNvPr id="11" name="文本框 10">
-              <a:hlinkClick r:id="rId7"/>
+              <a:hlinkClick r:id="rId9"/>
             </p:cNvPr>
             <p:cNvSpPr txBox="1"/>
             <p:nvPr/>
@@ -15784,7 +15649,7 @@
         <p:sp>
           <p:nvSpPr>
             <p:cNvPr id="12" name="文本框 11">
-              <a:hlinkClick r:id="rId8"/>
+              <a:hlinkClick r:id="rId10"/>
             </p:cNvPr>
             <p:cNvSpPr txBox="1"/>
             <p:nvPr/>
@@ -15816,7 +15681,7 @@
         <p:sp>
           <p:nvSpPr>
             <p:cNvPr id="13" name="文本框 12">
-              <a:hlinkClick r:id="rId9"/>
+              <a:hlinkClick r:id="rId11"/>
             </p:cNvPr>
             <p:cNvSpPr txBox="1"/>
             <p:nvPr/>
@@ -15863,7 +15728,7 @@
         <p:sp>
           <p:nvSpPr>
             <p:cNvPr id="2" name="文本框 1">
-              <a:hlinkClick r:id="rId10"/>
+              <a:hlinkClick r:id="rId12"/>
             </p:cNvPr>
             <p:cNvSpPr txBox="1"/>
             <p:nvPr/>
@@ -15888,14 +15753,13 @@
                 <a:rPr lang="en-US" altLang="zh-CN" dirty="0"/>
                 <a:t>xc1</a:t>
               </a:r>
-              <a:endParaRPr lang="en-US" altLang="zh-CN" dirty="0"/>
             </a:p>
           </p:txBody>
         </p:sp>
         <p:sp>
           <p:nvSpPr>
             <p:cNvPr id="3" name="文本框 2">
-              <a:hlinkClick r:id="rId11"/>
+              <a:hlinkClick r:id="rId13"/>
             </p:cNvPr>
             <p:cNvSpPr txBox="1"/>
             <p:nvPr/>
@@ -15920,14 +15784,13 @@
                 <a:rPr lang="en-US" altLang="zh-CN" dirty="0"/>
                 <a:t>xc2</a:t>
               </a:r>
-              <a:endParaRPr lang="en-US" altLang="zh-CN" dirty="0"/>
             </a:p>
           </p:txBody>
         </p:sp>
         <p:sp>
           <p:nvSpPr>
             <p:cNvPr id="14" name="文本框 13">
-              <a:hlinkClick r:id="rId12"/>
+              <a:hlinkClick r:id="rId14"/>
             </p:cNvPr>
             <p:cNvSpPr txBox="1"/>
             <p:nvPr/>
@@ -15952,14 +15815,13 @@
                 <a:rPr lang="en-US" altLang="zh-CN" dirty="0"/>
                 <a:t>bs1</a:t>
               </a:r>
-              <a:endParaRPr lang="en-US" altLang="zh-CN" dirty="0"/>
             </a:p>
           </p:txBody>
         </p:sp>
         <p:sp>
           <p:nvSpPr>
             <p:cNvPr id="15" name="文本框 14">
-              <a:hlinkClick r:id="rId13"/>
+              <a:hlinkClick r:id="rId15"/>
             </p:cNvPr>
             <p:cNvSpPr txBox="1"/>
             <p:nvPr/>
@@ -15984,14 +15846,13 @@
                 <a:rPr lang="en-US" altLang="zh-CN" dirty="0"/>
                 <a:t>bs2</a:t>
               </a:r>
-              <a:endParaRPr lang="en-US" altLang="zh-CN" dirty="0"/>
             </a:p>
           </p:txBody>
         </p:sp>
         <p:sp>
           <p:nvSpPr>
             <p:cNvPr id="16" name="文本框 15">
-              <a:hlinkClick r:id="rId14"/>
+              <a:hlinkClick r:id="rId16"/>
             </p:cNvPr>
             <p:cNvSpPr txBox="1"/>
             <p:nvPr/>
@@ -16016,14 +15877,13 @@
                 <a:rPr lang="en-US" altLang="zh-CN" dirty="0"/>
                 <a:t>cl</a:t>
               </a:r>
-              <a:endParaRPr lang="en-US" altLang="zh-CN" dirty="0"/>
             </a:p>
           </p:txBody>
         </p:sp>
         <p:sp>
           <p:nvSpPr>
             <p:cNvPr id="28" name="文本框 27">
-              <a:hlinkClick r:id="rId15"/>
+              <a:hlinkClick r:id="rId17"/>
             </p:cNvPr>
             <p:cNvSpPr txBox="1"/>
             <p:nvPr/>
@@ -16048,7 +15908,6 @@
                 <a:rPr lang="en-US" altLang="zh-CN"/>
                 <a:t>cl2</a:t>
               </a:r>
-              <a:endParaRPr lang="en-US" altLang="zh-CN"/>
             </a:p>
           </p:txBody>
         </p:sp>
@@ -16056,7 +15915,7 @@
       <p:sp>
         <p:nvSpPr>
           <p:cNvPr id="31" name="文本框 30">
-            <a:hlinkClick r:id="rId16"/>
+            <a:hlinkClick r:id="rId18"/>
           </p:cNvPr>
           <p:cNvSpPr txBox="1"/>
           <p:nvPr/>
@@ -16081,7 +15940,6 @@
               <a:rPr lang="en-US" altLang="zh-CN" dirty="0"/>
               <a:t>cd</a:t>
             </a:r>
-            <a:endParaRPr lang="en-US" altLang="zh-CN" dirty="0"/>
           </a:p>
         </p:txBody>
       </p:sp>
@@ -16102,7 +15960,7 @@
         <p:sp>
           <p:nvSpPr>
             <p:cNvPr id="18" name="文本框 17">
-              <a:hlinkClick r:id="rId17"/>
+              <a:hlinkClick r:id="rId19"/>
             </p:cNvPr>
             <p:cNvSpPr txBox="1"/>
             <p:nvPr/>
@@ -16127,14 +15985,13 @@
                 <a:rPr lang="en-US" altLang="zh-CN" dirty="0"/>
                 <a:t>hy3</a:t>
               </a:r>
-              <a:endParaRPr lang="en-US" altLang="zh-CN" dirty="0"/>
             </a:p>
           </p:txBody>
         </p:sp>
         <p:sp>
           <p:nvSpPr>
             <p:cNvPr id="26" name="文本框 25">
-              <a:hlinkClick r:id="rId18"/>
+              <a:hlinkClick r:id="rId20"/>
             </p:cNvPr>
             <p:cNvSpPr txBox="1"/>
             <p:nvPr/>
@@ -16159,14 +16016,13 @@
                 <a:rPr lang="en-US" altLang="zh-CN" dirty="0"/>
                 <a:t>hy4</a:t>
               </a:r>
-              <a:endParaRPr lang="en-US" altLang="zh-CN" dirty="0"/>
             </a:p>
           </p:txBody>
         </p:sp>
         <p:sp>
           <p:nvSpPr>
             <p:cNvPr id="27" name="文本框 26">
-              <a:hlinkClick r:id="rId19"/>
+              <a:hlinkClick r:id="rId21"/>
             </p:cNvPr>
             <p:cNvSpPr txBox="1"/>
             <p:nvPr/>
@@ -16191,14 +16047,13 @@
                 <a:rPr lang="en-US" altLang="zh-CN"/>
                 <a:t>hy5</a:t>
               </a:r>
-              <a:endParaRPr lang="en-US" altLang="zh-CN"/>
             </a:p>
           </p:txBody>
         </p:sp>
         <p:sp>
           <p:nvSpPr>
             <p:cNvPr id="29" name="文本框 28">
-              <a:hlinkClick r:id="rId20"/>
+              <a:hlinkClick r:id="rId22"/>
             </p:cNvPr>
             <p:cNvSpPr txBox="1"/>
             <p:nvPr/>
@@ -16223,14 +16078,13 @@
                 <a:rPr lang="en-US" altLang="zh-CN" dirty="0"/>
                 <a:t>xxsh</a:t>
               </a:r>
-              <a:endParaRPr lang="en-US" altLang="zh-CN" dirty="0"/>
             </a:p>
           </p:txBody>
         </p:sp>
         <p:sp>
           <p:nvSpPr>
             <p:cNvPr id="32" name="文本框 31">
-              <a:hlinkClick r:id="rId21"/>
+              <a:hlinkClick r:id="rId23"/>
             </p:cNvPr>
             <p:cNvSpPr txBox="1"/>
             <p:nvPr/>
@@ -16255,14 +16109,13 @@
                 <a:rPr lang="en-US" altLang="zh-CN" dirty="0"/>
                 <a:t>mi</a:t>
               </a:r>
-              <a:endParaRPr lang="en-US" altLang="zh-CN" dirty="0"/>
             </a:p>
           </p:txBody>
         </p:sp>
         <p:sp>
           <p:nvSpPr>
             <p:cNvPr id="25" name="文本框 24">
-              <a:hlinkClick r:id="rId22"/>
+              <a:hlinkClick r:id="rId24"/>
             </p:cNvPr>
             <p:cNvSpPr txBox="1"/>
             <p:nvPr/>
@@ -16287,7 +16140,6 @@
                 <a:rPr lang="en-US" altLang="zh-CN" dirty="0"/>
                 <a:t>mi2</a:t>
               </a:r>
-              <a:endParaRPr lang="en-US" altLang="zh-CN" dirty="0"/>
             </a:p>
           </p:txBody>
         </p:sp>
@@ -16295,7 +16147,7 @@
       <p:sp>
         <p:nvSpPr>
           <p:cNvPr id="36" name="文本框 35">
-            <a:hlinkClick r:id="rId23"/>
+            <a:hlinkClick r:id="rId25"/>
           </p:cNvPr>
           <p:cNvSpPr txBox="1"/>
           <p:nvPr/>
@@ -16320,14 +16172,13 @@
               <a:rPr lang="en-US" altLang="zh-CN" dirty="0"/>
               <a:t>cd3</a:t>
             </a:r>
-            <a:endParaRPr lang="en-US" altLang="zh-CN" dirty="0"/>
           </a:p>
         </p:txBody>
       </p:sp>
       <p:sp>
         <p:nvSpPr>
           <p:cNvPr id="37" name="文本框 36">
-            <a:hlinkClick r:id="rId24"/>
+            <a:hlinkClick r:id="rId26"/>
           </p:cNvPr>
           <p:cNvSpPr txBox="1"/>
           <p:nvPr/>
@@ -16352,7 +16203,6 @@
               <a:rPr lang="en-US" altLang="zh-CN" dirty="0"/>
               <a:t>cd2</a:t>
             </a:r>
-            <a:endParaRPr lang="en-US" altLang="zh-CN" dirty="0"/>
           </a:p>
         </p:txBody>
       </p:sp>
@@ -16373,7 +16223,7 @@
         <p:sp>
           <p:nvSpPr>
             <p:cNvPr id="19" name="文本框 18">
-              <a:hlinkClick r:id="rId25"/>
+              <a:hlinkClick r:id="rId27"/>
             </p:cNvPr>
             <p:cNvSpPr txBox="1"/>
             <p:nvPr/>
@@ -16398,14 +16248,13 @@
                 <a:rPr lang="en-US" altLang="zh-CN" dirty="0"/>
                 <a:t>hy2</a:t>
               </a:r>
-              <a:endParaRPr lang="en-US" altLang="zh-CN" dirty="0"/>
             </a:p>
           </p:txBody>
         </p:sp>
         <p:sp>
           <p:nvSpPr>
             <p:cNvPr id="20" name="文本框 19">
-              <a:hlinkClick r:id="rId26"/>
+              <a:hlinkClick r:id="rId28"/>
             </p:cNvPr>
             <p:cNvSpPr txBox="1"/>
             <p:nvPr/>
@@ -16430,14 +16279,13 @@
                 <a:rPr lang="en-US" altLang="zh-CN" dirty="0"/>
                 <a:t>hy1</a:t>
               </a:r>
-              <a:endParaRPr lang="en-US" altLang="zh-CN" dirty="0"/>
             </a:p>
           </p:txBody>
         </p:sp>
         <p:sp>
           <p:nvSpPr>
             <p:cNvPr id="17" name="文本框 16">
-              <a:hlinkClick r:id="rId27"/>
+              <a:hlinkClick r:id="rId29"/>
             </p:cNvPr>
             <p:cNvSpPr txBox="1"/>
             <p:nvPr/>
@@ -16469,7 +16317,7 @@
         <p:sp>
           <p:nvSpPr>
             <p:cNvPr id="21" name="文本框 20">
-              <a:hlinkClick r:id="rId28"/>
+              <a:hlinkClick r:id="rId30"/>
             </p:cNvPr>
             <p:cNvSpPr txBox="1"/>
             <p:nvPr/>
@@ -16494,14 +16342,13 @@
                 <a:rPr lang="en-US" altLang="zh-CN" dirty="0"/>
                 <a:t>sr1</a:t>
               </a:r>
-              <a:endParaRPr lang="en-US" altLang="zh-CN" dirty="0"/>
             </a:p>
           </p:txBody>
         </p:sp>
         <p:sp>
           <p:nvSpPr>
             <p:cNvPr id="22" name="文本框 21">
-              <a:hlinkClick r:id="rId29"/>
+              <a:hlinkClick r:id="rId31"/>
             </p:cNvPr>
             <p:cNvSpPr txBox="1"/>
             <p:nvPr/>
@@ -16526,14 +16373,13 @@
                 <a:rPr lang="en-US" altLang="zh-CN"/>
                 <a:t>sr2</a:t>
               </a:r>
-              <a:endParaRPr lang="en-US" altLang="zh-CN"/>
             </a:p>
           </p:txBody>
         </p:sp>
         <p:sp>
           <p:nvSpPr>
             <p:cNvPr id="23" name="文本框 22">
-              <a:hlinkClick r:id="rId30"/>
+              <a:hlinkClick r:id="rId32"/>
             </p:cNvPr>
             <p:cNvSpPr txBox="1"/>
             <p:nvPr/>
@@ -16558,14 +16404,13 @@
                 <a:rPr lang="en-US" altLang="zh-CN" dirty="0"/>
                 <a:t>sr3</a:t>
               </a:r>
-              <a:endParaRPr lang="en-US" altLang="zh-CN" dirty="0"/>
             </a:p>
           </p:txBody>
         </p:sp>
         <p:sp>
           <p:nvSpPr>
             <p:cNvPr id="24" name="文本框 23">
-              <a:hlinkClick r:id="rId31"/>
+              <a:hlinkClick r:id="rId33"/>
             </p:cNvPr>
             <p:cNvSpPr txBox="1"/>
             <p:nvPr/>
@@ -16590,14 +16435,13 @@
                 <a:rPr lang="en-US" altLang="zh-CN" dirty="0"/>
                 <a:t>sr4</a:t>
               </a:r>
-              <a:endParaRPr lang="en-US" altLang="zh-CN" dirty="0"/>
             </a:p>
           </p:txBody>
         </p:sp>
         <p:sp>
           <p:nvSpPr>
             <p:cNvPr id="30" name="文本框 29">
-              <a:hlinkClick r:id="rId32"/>
+              <a:hlinkClick r:id="rId34"/>
             </p:cNvPr>
             <p:cNvSpPr txBox="1"/>
             <p:nvPr/>
@@ -16622,7 +16466,6 @@
                 <a:rPr lang="en-US" altLang="zh-CN" dirty="0"/>
                 <a:t>sr5</a:t>
               </a:r>
-              <a:endParaRPr lang="en-US" altLang="zh-CN" dirty="0"/>
             </a:p>
           </p:txBody>
         </p:sp>
@@ -16630,7 +16473,7 @@
       <p:sp>
         <p:nvSpPr>
           <p:cNvPr id="42" name="文本框 41">
-            <a:hlinkClick r:id="rId33"/>
+            <a:hlinkClick r:id="rId35"/>
           </p:cNvPr>
           <p:cNvSpPr txBox="1"/>
           <p:nvPr/>
@@ -16655,7 +16498,6 @@
               <a:rPr lang="en-US" altLang="zh-CN" dirty="0"/>
               <a:t>cd4</a:t>
             </a:r>
-            <a:endParaRPr lang="en-US" altLang="zh-CN" dirty="0"/>
           </a:p>
         </p:txBody>
       </p:sp>
@@ -16725,21 +16567,13 @@
               </a:rPr>
               <a:t>（备用链接）</a:t>
             </a:r>
-            <a:endParaRPr lang="zh-CN" altLang="en-US" sz="1800" dirty="0">
-              <a:solidFill>
-                <a:srgbClr val="FF0000"/>
-              </a:solidFill>
-              <a:latin typeface="+mn-lt"/>
-              <a:ea typeface="+mn-ea"/>
-              <a:cs typeface="+mn-cs"/>
-            </a:endParaRPr>
           </a:p>
         </p:txBody>
       </p:sp>
       <p:sp>
         <p:nvSpPr>
           <p:cNvPr id="4" name="矩形 3">
-            <a:hlinkClick r:id="rId34"/>
+            <a:hlinkClick r:id="rId36"/>
           </p:cNvPr>
           <p:cNvSpPr/>
           <p:nvPr/>
@@ -16811,7 +16645,7 @@
       <p:sp>
         <p:nvSpPr>
           <p:cNvPr id="9" name="文本框 8">
-            <a:hlinkClick r:id="rId1"/>
+            <a:hlinkClick r:id="rId2"/>
           </p:cNvPr>
           <p:cNvSpPr txBox="1"/>
           <p:nvPr/>
@@ -16843,7 +16677,7 @@
       <p:sp>
         <p:nvSpPr>
           <p:cNvPr id="18" name="文本框 17">
-            <a:hlinkClick r:id="rId2"/>
+            <a:hlinkClick r:id="rId3"/>
           </p:cNvPr>
           <p:cNvSpPr txBox="1"/>
           <p:nvPr/>
@@ -16875,7 +16709,7 @@
       <p:sp>
         <p:nvSpPr>
           <p:cNvPr id="19" name="文本框 18">
-            <a:hlinkClick r:id="rId3"/>
+            <a:hlinkClick r:id="rId4"/>
           </p:cNvPr>
           <p:cNvSpPr txBox="1"/>
           <p:nvPr/>
@@ -16907,7 +16741,7 @@
       <p:sp>
         <p:nvSpPr>
           <p:cNvPr id="23" name="文本框 22">
-            <a:hlinkClick r:id="rId4" action="ppaction://hlinkfile"/>
+            <a:hlinkClick r:id="rId5" action="ppaction://hlinkfile"/>
           </p:cNvPr>
           <p:cNvSpPr txBox="1"/>
           <p:nvPr/>
@@ -16939,7 +16773,7 @@
       <p:sp>
         <p:nvSpPr>
           <p:cNvPr id="24" name="文本框 23">
-            <a:hlinkClick r:id="rId5" action="ppaction://hlinkfile"/>
+            <a:hlinkClick r:id="rId6" action="ppaction://hlinkfile"/>
           </p:cNvPr>
           <p:cNvSpPr txBox="1"/>
           <p:nvPr/>
@@ -16971,7 +16805,7 @@
       <p:sp>
         <p:nvSpPr>
           <p:cNvPr id="25" name="文本框 24">
-            <a:hlinkClick r:id="rId6" action="ppaction://hlinkfile"/>
+            <a:hlinkClick r:id="rId7" action="ppaction://hlinkfile"/>
           </p:cNvPr>
           <p:cNvSpPr txBox="1"/>
           <p:nvPr/>
@@ -17003,7 +16837,7 @@
       <p:sp>
         <p:nvSpPr>
           <p:cNvPr id="30" name="文本框 29">
-            <a:hlinkClick r:id="rId7" action="ppaction://hlinkfile"/>
+            <a:hlinkClick r:id="rId8" action="ppaction://hlinkfile"/>
           </p:cNvPr>
           <p:cNvSpPr txBox="1"/>
           <p:nvPr/>
@@ -17035,7 +16869,7 @@
       <p:sp>
         <p:nvSpPr>
           <p:cNvPr id="31" name="文本框 30">
-            <a:hlinkClick r:id="rId8" action="ppaction://hlinkfile"/>
+            <a:hlinkClick r:id="rId9" action="ppaction://hlinkfile"/>
           </p:cNvPr>
           <p:cNvSpPr txBox="1"/>
           <p:nvPr/>
@@ -17067,7 +16901,7 @@
       <p:sp>
         <p:nvSpPr>
           <p:cNvPr id="32" name="文本框 31">
-            <a:hlinkClick r:id="rId9" action="ppaction://hlinkfile"/>
+            <a:hlinkClick r:id="rId10" action="ppaction://hlinkfile"/>
           </p:cNvPr>
           <p:cNvSpPr txBox="1"/>
           <p:nvPr/>
@@ -17159,7 +16993,13 @@
                 <a:tableStyleId>{5C22544A-7EE6-4342-B048-85BDC9FD1C3A}</a:tableStyleId>
               </a:tblPr>
               <a:tblGrid>
-                <a:gridCol w="2874075"/>
+                <a:gridCol w="2874075">
+                  <a:extLst>
+                    <a:ext uri="{9D8B030D-6E8A-4147-A177-3AD203B41FA5}">
+                      <a16:colId xmlns:a16="http://schemas.microsoft.com/office/drawing/2014/main" val="20000"/>
+                    </a:ext>
+                  </a:extLst>
+                </a:gridCol>
               </a:tblGrid>
               <a:tr h="579774">
                 <a:tc>
@@ -17171,7 +17011,7 @@
                       <a:r>
                         <a:rPr lang="zh-CN" altLang="en-US" sz="4000" u="sng" strike="noStrike">
                           <a:effectLst/>
-                          <a:hlinkClick r:id="rId10"/>
+                          <a:hlinkClick r:id="rId11"/>
                         </a:rPr>
                         <a:t>第二局</a:t>
                       </a:r>
@@ -17186,6 +17026,11 @@
                   </a:txBody>
                   <a:tcPr marL="9525" marR="9525" marT="9525" marB="0" anchor="b"/>
                 </a:tc>
+                <a:extLst>
+                  <a:ext uri="{0D108BD9-81ED-4DB2-BD59-A6C34878D82A}">
+                    <a16:rowId xmlns:a16="http://schemas.microsoft.com/office/drawing/2014/main" val="10000"/>
+                  </a:ext>
+                </a:extLst>
               </a:tr>
               <a:tr h="579774">
                 <a:tc>
@@ -17197,7 +17042,7 @@
                       <a:r>
                         <a:rPr lang="zh-CN" altLang="en-US" sz="4000" u="sng" strike="noStrike">
                           <a:effectLst/>
-                          <a:hlinkClick r:id="rId11"/>
+                          <a:hlinkClick r:id="rId12"/>
                         </a:rPr>
                         <a:t>第三局</a:t>
                       </a:r>
@@ -17212,6 +17057,11 @@
                   </a:txBody>
                   <a:tcPr marL="9525" marR="9525" marT="9525" marB="0" anchor="b"/>
                 </a:tc>
+                <a:extLst>
+                  <a:ext uri="{0D108BD9-81ED-4DB2-BD59-A6C34878D82A}">
+                    <a16:rowId xmlns:a16="http://schemas.microsoft.com/office/drawing/2014/main" val="10001"/>
+                  </a:ext>
+                </a:extLst>
               </a:tr>
               <a:tr h="579774">
                 <a:tc>
@@ -17223,7 +17073,7 @@
                       <a:r>
                         <a:rPr lang="zh-CN" altLang="en-US" sz="4000" u="sng" strike="noStrike">
                           <a:effectLst/>
-                          <a:hlinkClick r:id="rId12"/>
+                          <a:hlinkClick r:id="rId13"/>
                         </a:rPr>
                         <a:t>第四局</a:t>
                       </a:r>
@@ -17238,6 +17088,11 @@
                   </a:txBody>
                   <a:tcPr marL="9525" marR="9525" marT="9525" marB="0" anchor="b"/>
                 </a:tc>
+                <a:extLst>
+                  <a:ext uri="{0D108BD9-81ED-4DB2-BD59-A6C34878D82A}">
+                    <a16:rowId xmlns:a16="http://schemas.microsoft.com/office/drawing/2014/main" val="10002"/>
+                  </a:ext>
+                </a:extLst>
               </a:tr>
               <a:tr h="579774">
                 <a:tc>
@@ -17249,7 +17104,7 @@
                       <a:r>
                         <a:rPr lang="zh-CN" altLang="en-US" sz="4000" u="sng" strike="noStrike" dirty="0">
                           <a:effectLst/>
-                          <a:hlinkClick r:id="rId13"/>
+                          <a:hlinkClick r:id="rId14"/>
                         </a:rPr>
                         <a:t>第一局</a:t>
                       </a:r>
@@ -17264,6 +17119,11 @@
                   </a:txBody>
                   <a:tcPr marL="9525" marR="9525" marT="9525" marB="0" anchor="b"/>
                 </a:tc>
+                <a:extLst>
+                  <a:ext uri="{0D108BD9-81ED-4DB2-BD59-A6C34878D82A}">
+                    <a16:rowId xmlns:a16="http://schemas.microsoft.com/office/drawing/2014/main" val="10003"/>
+                  </a:ext>
+                </a:extLst>
               </a:tr>
               <a:tr h="579774">
                 <a:tc>
@@ -17275,7 +17135,7 @@
                       <a:r>
                         <a:rPr lang="en-US" sz="4000" u="sng" strike="noStrike">
                           <a:effectLst/>
-                          <a:hlinkClick r:id="rId14"/>
+                          <a:hlinkClick r:id="rId15"/>
                         </a:rPr>
                         <a:t>hh1</a:t>
                       </a:r>
@@ -17290,6 +17150,11 @@
                   </a:txBody>
                   <a:tcPr marL="9525" marR="9525" marT="9525" marB="0" anchor="b"/>
                 </a:tc>
+                <a:extLst>
+                  <a:ext uri="{0D108BD9-81ED-4DB2-BD59-A6C34878D82A}">
+                    <a16:rowId xmlns:a16="http://schemas.microsoft.com/office/drawing/2014/main" val="10004"/>
+                  </a:ext>
+                </a:extLst>
               </a:tr>
               <a:tr h="579774">
                 <a:tc>
@@ -17301,7 +17166,7 @@
                       <a:r>
                         <a:rPr lang="en-US" sz="4000" u="sng" strike="noStrike">
                           <a:effectLst/>
-                          <a:hlinkClick r:id="rId15"/>
+                          <a:hlinkClick r:id="rId16"/>
                         </a:rPr>
                         <a:t>hh2</a:t>
                       </a:r>
@@ -17316,6 +17181,11 @@
                   </a:txBody>
                   <a:tcPr marL="9525" marR="9525" marT="9525" marB="0" anchor="b"/>
                 </a:tc>
+                <a:extLst>
+                  <a:ext uri="{0D108BD9-81ED-4DB2-BD59-A6C34878D82A}">
+                    <a16:rowId xmlns:a16="http://schemas.microsoft.com/office/drawing/2014/main" val="10005"/>
+                  </a:ext>
+                </a:extLst>
               </a:tr>
               <a:tr h="579774">
                 <a:tc>
@@ -17327,7 +17197,7 @@
                       <a:r>
                         <a:rPr lang="en-US" sz="4000" u="sng" strike="noStrike" dirty="0">
                           <a:effectLst/>
-                          <a:hlinkClick r:id="rId16"/>
+                          <a:hlinkClick r:id="rId17"/>
                         </a:rPr>
                         <a:t>hh3</a:t>
                       </a:r>
@@ -17342,6 +17212,11 @@
                   </a:txBody>
                   <a:tcPr marL="9525" marR="9525" marT="9525" marB="0" anchor="b"/>
                 </a:tc>
+                <a:extLst>
+                  <a:ext uri="{0D108BD9-81ED-4DB2-BD59-A6C34878D82A}">
+                    <a16:rowId xmlns:a16="http://schemas.microsoft.com/office/drawing/2014/main" val="10006"/>
+                  </a:ext>
+                </a:extLst>
               </a:tr>
             </a:tbl>
           </a:graphicData>
@@ -17420,7 +17295,7 @@
       <p:sp>
         <p:nvSpPr>
           <p:cNvPr id="3" name="文本框 2">
-            <a:hlinkClick r:id="rId1"/>
+            <a:hlinkClick r:id="rId2"/>
           </p:cNvPr>
           <p:cNvSpPr txBox="1"/>
           <p:nvPr/>
@@ -17452,7 +17327,7 @@
       <p:sp>
         <p:nvSpPr>
           <p:cNvPr id="7" name="文本框 6">
-            <a:hlinkClick r:id="rId2"/>
+            <a:hlinkClick r:id="rId3"/>
           </p:cNvPr>
           <p:cNvSpPr txBox="1"/>
           <p:nvPr/>
@@ -17484,7 +17359,7 @@
       <p:sp>
         <p:nvSpPr>
           <p:cNvPr id="8" name="文本框 7">
-            <a:hlinkClick r:id="rId3"/>
+            <a:hlinkClick r:id="rId4"/>
           </p:cNvPr>
           <p:cNvSpPr txBox="1"/>
           <p:nvPr/>
@@ -17516,7 +17391,7 @@
       <p:sp>
         <p:nvSpPr>
           <p:cNvPr id="10" name="文本框 9">
-            <a:hlinkClick r:id="rId4"/>
+            <a:hlinkClick r:id="rId5"/>
           </p:cNvPr>
           <p:cNvSpPr txBox="1"/>
           <p:nvPr/>
@@ -17548,7 +17423,7 @@
       <p:sp>
         <p:nvSpPr>
           <p:cNvPr id="11" name="文本框 10">
-            <a:hlinkClick r:id="rId5"/>
+            <a:hlinkClick r:id="rId6"/>
           </p:cNvPr>
           <p:cNvSpPr txBox="1"/>
           <p:nvPr/>
@@ -17580,7 +17455,7 @@
       <p:sp>
         <p:nvSpPr>
           <p:cNvPr id="12" name="文本框 11">
-            <a:hlinkClick r:id="rId6"/>
+            <a:hlinkClick r:id="rId7"/>
           </p:cNvPr>
           <p:cNvSpPr txBox="1"/>
           <p:nvPr/>
@@ -17612,7 +17487,7 @@
       <p:sp>
         <p:nvSpPr>
           <p:cNvPr id="4" name="矩形 3">
-            <a:hlinkClick r:id="rId7"/>
+            <a:hlinkClick r:id="rId8"/>
           </p:cNvPr>
           <p:cNvSpPr/>
           <p:nvPr/>
@@ -17658,7 +17533,7 @@
       <p:sp>
         <p:nvSpPr>
           <p:cNvPr id="5" name="文本框 4">
-            <a:hlinkClick r:id="rId8"/>
+            <a:hlinkClick r:id="rId9"/>
           </p:cNvPr>
           <p:cNvSpPr txBox="1"/>
           <p:nvPr/>
@@ -17690,7 +17565,7 @@
       <p:sp>
         <p:nvSpPr>
           <p:cNvPr id="6" name="文本框 5">
-            <a:hlinkClick r:id="rId9"/>
+            <a:hlinkClick r:id="rId10"/>
           </p:cNvPr>
           <p:cNvSpPr txBox="1"/>
           <p:nvPr/>
@@ -17722,7 +17597,7 @@
       <p:sp>
         <p:nvSpPr>
           <p:cNvPr id="9" name="文本框 8">
-            <a:hlinkClick r:id="rId10"/>
+            <a:hlinkClick r:id="rId11"/>
           </p:cNvPr>
           <p:cNvSpPr txBox="1"/>
           <p:nvPr/>
@@ -17754,7 +17629,7 @@
       <p:sp>
         <p:nvSpPr>
           <p:cNvPr id="13" name="文本框 12">
-            <a:hlinkClick r:id="rId11"/>
+            <a:hlinkClick r:id="rId12"/>
           </p:cNvPr>
           <p:cNvSpPr txBox="1"/>
           <p:nvPr/>
@@ -17835,7 +17710,6 @@
               <a:rPr lang="zh-CN" altLang="en-US" dirty="0"/>
               <a:t>公告</a:t>
             </a:r>
-            <a:endParaRPr lang="zh-CN" altLang="en-US" dirty="0"/>
           </a:p>
         </p:txBody>
       </p:sp>
@@ -17921,7 +17795,7 @@
             </a:r>
             <a:r>
               <a:rPr lang="zh-CN" altLang="en-US" sz="2800" dirty="0">
-                <a:hlinkClick r:id="rId1"/>
+                <a:hlinkClick r:id="rId2"/>
               </a:rPr>
               <a:t>点击这里</a:t>
             </a:r>
@@ -17958,7 +17832,7 @@
       <p:sp>
         <p:nvSpPr>
           <p:cNvPr id="5" name="文本框 4">
-            <a:hlinkClick r:id="rId1"/>
+            <a:hlinkClick r:id="rId2"/>
           </p:cNvPr>
           <p:cNvSpPr txBox="1"/>
           <p:nvPr/>
@@ -17990,7 +17864,7 @@
       <p:sp>
         <p:nvSpPr>
           <p:cNvPr id="6" name="文本框 5">
-            <a:hlinkClick r:id="rId2"/>
+            <a:hlinkClick r:id="rId3"/>
           </p:cNvPr>
           <p:cNvSpPr txBox="1"/>
           <p:nvPr/>
@@ -18022,7 +17896,7 @@
       <p:sp>
         <p:nvSpPr>
           <p:cNvPr id="7" name="文本框 6">
-            <a:hlinkClick r:id="rId3"/>
+            <a:hlinkClick r:id="rId4"/>
           </p:cNvPr>
           <p:cNvSpPr txBox="1"/>
           <p:nvPr/>
@@ -18054,7 +17928,7 @@
       <p:sp>
         <p:nvSpPr>
           <p:cNvPr id="8" name="文本框 7">
-            <a:hlinkClick r:id="rId4"/>
+            <a:hlinkClick r:id="rId5"/>
           </p:cNvPr>
           <p:cNvSpPr txBox="1"/>
           <p:nvPr/>
@@ -18086,7 +17960,7 @@
       <p:sp>
         <p:nvSpPr>
           <p:cNvPr id="9" name="文本框 8">
-            <a:hlinkClick r:id="rId5"/>
+            <a:hlinkClick r:id="rId6"/>
           </p:cNvPr>
           <p:cNvSpPr txBox="1"/>
           <p:nvPr/>
@@ -18111,14 +17985,13 @@
               <a:rPr lang="zh-CN" altLang="en-US" dirty="0"/>
               <a:t>热搜</a:t>
             </a:r>
-            <a:endParaRPr lang="zh-CN" altLang="en-US" dirty="0"/>
           </a:p>
         </p:txBody>
       </p:sp>
       <p:sp>
         <p:nvSpPr>
           <p:cNvPr id="2" name="文本框 1">
-            <a:hlinkClick r:id="rId6" action="ppaction://hlinkfile"/>
+            <a:hlinkClick r:id="rId7" action="ppaction://hlinkfile"/>
           </p:cNvPr>
           <p:cNvSpPr txBox="1"/>
           <p:nvPr/>
@@ -18150,7 +18023,7 @@
       <p:sp>
         <p:nvSpPr>
           <p:cNvPr id="3" name="文本框 2">
-            <a:hlinkClick r:id="rId7" action="ppaction://hlinkfile"/>
+            <a:hlinkClick r:id="rId8" action="ppaction://hlinkfile"/>
           </p:cNvPr>
           <p:cNvSpPr txBox="1"/>
           <p:nvPr/>
@@ -18175,14 +18048,13 @@
               <a:rPr lang="en-US" altLang="zh-CN"/>
               <a:t>101</a:t>
             </a:r>
-            <a:endParaRPr lang="en-US" altLang="zh-CN"/>
           </a:p>
         </p:txBody>
       </p:sp>
       <p:sp>
         <p:nvSpPr>
           <p:cNvPr id="10" name="文本框 9">
-            <a:hlinkClick r:id="rId8"/>
+            <a:hlinkClick r:id="rId9"/>
           </p:cNvPr>
           <p:cNvSpPr txBox="1"/>
           <p:nvPr/>
@@ -18214,7 +18086,7 @@
       <p:sp>
         <p:nvSpPr>
           <p:cNvPr id="13" name="文本框 12">
-            <a:hlinkClick r:id="rId9"/>
+            <a:hlinkClick r:id="rId10"/>
           </p:cNvPr>
           <p:cNvSpPr txBox="1"/>
           <p:nvPr/>
@@ -18246,7 +18118,7 @@
       <p:sp>
         <p:nvSpPr>
           <p:cNvPr id="15" name="文本框 14">
-            <a:hlinkClick r:id="rId10"/>
+            <a:hlinkClick r:id="rId11"/>
           </p:cNvPr>
           <p:cNvSpPr txBox="1"/>
           <p:nvPr/>
@@ -18278,7 +18150,7 @@
       <p:sp>
         <p:nvSpPr>
           <p:cNvPr id="14" name="文本框 13">
-            <a:hlinkClick r:id="rId11"/>
+            <a:hlinkClick r:id="rId12"/>
           </p:cNvPr>
           <p:cNvSpPr txBox="1"/>
           <p:nvPr/>
@@ -18331,14 +18203,13 @@
               <a:rPr lang="zh-CN" altLang="en-US" dirty="0"/>
               <a:t>活动文件</a:t>
             </a:r>
-            <a:endParaRPr lang="zh-CN" altLang="en-US" dirty="0"/>
           </a:p>
         </p:txBody>
       </p:sp>
       <p:sp>
         <p:nvSpPr>
           <p:cNvPr id="4" name="文本框 3">
-            <a:hlinkClick r:id="rId12"/>
+            <a:hlinkClick r:id="rId13"/>
           </p:cNvPr>
           <p:cNvSpPr txBox="1"/>
           <p:nvPr/>
@@ -18367,14 +18238,13 @@
               <a:rPr lang="en-US" altLang="zh-CN" dirty="0"/>
               <a:t>1</a:t>
             </a:r>
-            <a:endParaRPr lang="en-US" altLang="zh-CN" dirty="0"/>
           </a:p>
         </p:txBody>
       </p:sp>
       <p:sp>
         <p:nvSpPr>
           <p:cNvPr id="12" name="文本框 11">
-            <a:hlinkClick r:id="rId13"/>
+            <a:hlinkClick r:id="rId14"/>
           </p:cNvPr>
           <p:cNvSpPr txBox="1"/>
           <p:nvPr/>
@@ -18399,14 +18269,13 @@
               <a:rPr lang="zh-CN" altLang="en-US" dirty="0"/>
               <a:t>人民日报</a:t>
             </a:r>
-            <a:endParaRPr lang="zh-CN" altLang="en-US" dirty="0"/>
           </a:p>
         </p:txBody>
       </p:sp>
       <p:sp>
         <p:nvSpPr>
           <p:cNvPr id="17" name="文本框 16">
-            <a:hlinkClick r:id="rId14"/>
+            <a:hlinkClick r:id="rId15"/>
           </p:cNvPr>
           <p:cNvSpPr txBox="1"/>
           <p:nvPr/>
@@ -18431,14 +18300,13 @@
               <a:rPr lang="zh-CN" altLang="en-US" dirty="0"/>
               <a:t>歌词</a:t>
             </a:r>
-            <a:endParaRPr lang="zh-CN" altLang="en-US" dirty="0"/>
           </a:p>
         </p:txBody>
       </p:sp>
       <p:sp>
         <p:nvSpPr>
           <p:cNvPr id="16" name="文本框 15">
-            <a:hlinkClick r:id="rId15"/>
+            <a:hlinkClick r:id="rId16"/>
           </p:cNvPr>
           <p:cNvSpPr txBox="1"/>
           <p:nvPr/>
@@ -18463,14 +18331,13 @@
               <a:rPr lang="zh-CN" altLang="en-US" dirty="0"/>
               <a:t>衡水先享题 答案</a:t>
             </a:r>
-            <a:endParaRPr lang="zh-CN" altLang="en-US" dirty="0"/>
           </a:p>
         </p:txBody>
       </p:sp>
       <p:sp>
         <p:nvSpPr>
           <p:cNvPr id="18" name="文本框 17">
-            <a:hlinkClick r:id="rId16"/>
+            <a:hlinkClick r:id="rId17"/>
           </p:cNvPr>
           <p:cNvSpPr txBox="1"/>
           <p:nvPr/>
@@ -18495,14 +18362,13 @@
               <a:rPr lang="zh-CN" altLang="en-US" dirty="0"/>
               <a:t>图片</a:t>
             </a:r>
-            <a:endParaRPr lang="zh-CN" altLang="en-US" dirty="0"/>
           </a:p>
         </p:txBody>
       </p:sp>
       <p:sp>
         <p:nvSpPr>
           <p:cNvPr id="19" name="文本框 18">
-            <a:hlinkClick r:id="rId17"/>
+            <a:hlinkClick r:id="rId18"/>
           </p:cNvPr>
           <p:cNvSpPr txBox="1"/>
           <p:nvPr/>
@@ -18527,14 +18393,13 @@
               <a:rPr lang="en-US" altLang="zh-CN" dirty="0"/>
               <a:t>New in 4.7</a:t>
             </a:r>
-            <a:endParaRPr lang="en-US" altLang="zh-CN" dirty="0"/>
           </a:p>
         </p:txBody>
       </p:sp>
       <p:sp>
         <p:nvSpPr>
           <p:cNvPr id="20" name="文本框 19">
-            <a:hlinkClick r:id="rId18"/>
+            <a:hlinkClick r:id="rId19"/>
           </p:cNvPr>
           <p:cNvSpPr txBox="1"/>
           <p:nvPr/>
@@ -18559,14 +18424,13 @@
               <a:rPr lang="zh-CN" altLang="en-US" dirty="0"/>
               <a:t>图片</a:t>
             </a:r>
-            <a:endParaRPr lang="zh-CN" altLang="en-US" dirty="0"/>
           </a:p>
         </p:txBody>
       </p:sp>
       <p:sp>
         <p:nvSpPr>
           <p:cNvPr id="21" name="文本框 20">
-            <a:hlinkClick r:id="rId19"/>
+            <a:hlinkClick r:id="rId20"/>
           </p:cNvPr>
           <p:cNvSpPr txBox="1"/>
           <p:nvPr/>
@@ -18598,7 +18462,7 @@
       <p:sp>
         <p:nvSpPr>
           <p:cNvPr id="22" name="文本框 21">
-            <a:hlinkClick r:id="rId20"/>
+            <a:hlinkClick r:id="rId21"/>
           </p:cNvPr>
           <p:cNvSpPr txBox="1"/>
           <p:nvPr/>
@@ -18623,14 +18487,13 @@
               <a:rPr lang="zh-CN" altLang="en-US" dirty="0"/>
               <a:t>新深渊</a:t>
             </a:r>
-            <a:endParaRPr lang="zh-CN" altLang="en-US" dirty="0"/>
           </a:p>
         </p:txBody>
       </p:sp>
       <p:sp>
         <p:nvSpPr>
           <p:cNvPr id="23" name="文本框 22">
-            <a:hlinkClick r:id="rId21"/>
+            <a:hlinkClick r:id="rId22"/>
           </p:cNvPr>
           <p:cNvSpPr txBox="1"/>
           <p:nvPr/>
@@ -18655,7 +18518,6 @@
               <a:rPr lang="zh-CN" altLang="en-US" dirty="0"/>
               <a:t>王后雄押题卷</a:t>
             </a:r>
-            <a:endParaRPr lang="zh-CN" altLang="en-US" dirty="0"/>
           </a:p>
         </p:txBody>
       </p:sp>
@@ -18688,7 +18550,7 @@
       <p:sp>
         <p:nvSpPr>
           <p:cNvPr id="5" name="文本框 4">
-            <a:hlinkClick r:id="rId1"/>
+            <a:hlinkClick r:id="rId2"/>
           </p:cNvPr>
           <p:cNvSpPr txBox="1"/>
           <p:nvPr/>
@@ -18713,14 +18575,13 @@
               <a:rPr lang="en-US" altLang="zh-CN" dirty="0"/>
               <a:t>pdf1</a:t>
             </a:r>
-            <a:endParaRPr lang="en-US" altLang="zh-CN" dirty="0"/>
           </a:p>
         </p:txBody>
       </p:sp>
       <p:sp>
         <p:nvSpPr>
           <p:cNvPr id="6" name="文本框 5">
-            <a:hlinkClick r:id="rId2"/>
+            <a:hlinkClick r:id="rId3"/>
           </p:cNvPr>
           <p:cNvSpPr txBox="1"/>
           <p:nvPr/>
@@ -18745,14 +18606,13 @@
               <a:rPr lang="en-US" altLang="zh-CN" dirty="0"/>
               <a:t>pdf2</a:t>
             </a:r>
-            <a:endParaRPr lang="en-US" altLang="zh-CN" dirty="0"/>
           </a:p>
         </p:txBody>
       </p:sp>
       <p:sp>
         <p:nvSpPr>
           <p:cNvPr id="2" name="文本框 1">
-            <a:hlinkClick r:id="rId3"/>
+            <a:hlinkClick r:id="rId4"/>
           </p:cNvPr>
           <p:cNvSpPr txBox="1"/>
           <p:nvPr/>
@@ -18777,14 +18637,13 @@
               <a:rPr lang="en-US" altLang="zh-CN" dirty="0"/>
               <a:t>pdf3</a:t>
             </a:r>
-            <a:endParaRPr lang="en-US" altLang="zh-CN" dirty="0"/>
           </a:p>
         </p:txBody>
       </p:sp>
       <p:sp>
         <p:nvSpPr>
           <p:cNvPr id="3" name="文本框 2">
-            <a:hlinkClick r:id="rId4"/>
+            <a:hlinkClick r:id="rId5"/>
           </p:cNvPr>
           <p:cNvSpPr txBox="1"/>
           <p:nvPr/>
@@ -18809,14 +18668,13 @@
               <a:rPr lang="en-US" altLang="zh-CN" dirty="0"/>
               <a:t>pdf4</a:t>
             </a:r>
-            <a:endParaRPr lang="en-US" altLang="zh-CN" dirty="0"/>
           </a:p>
         </p:txBody>
       </p:sp>
       <p:sp>
         <p:nvSpPr>
           <p:cNvPr id="7" name="文本框 6">
-            <a:hlinkClick r:id="rId5" action="ppaction://hlinkfile"/>
+            <a:hlinkClick r:id="rId6" action="ppaction://hlinkfile"/>
           </p:cNvPr>
           <p:cNvSpPr txBox="1"/>
           <p:nvPr/>
@@ -18841,14 +18699,13 @@
               <a:rPr lang="en-US" altLang="zh-CN" dirty="0"/>
               <a:t>python</a:t>
             </a:r>
-            <a:endParaRPr lang="en-US" altLang="zh-CN" dirty="0"/>
           </a:p>
         </p:txBody>
       </p:sp>
       <p:sp>
         <p:nvSpPr>
           <p:cNvPr id="8" name="文本框 7">
-            <a:hlinkClick r:id="rId6"/>
+            <a:hlinkClick r:id="rId7"/>
           </p:cNvPr>
           <p:cNvSpPr txBox="1"/>
           <p:nvPr/>
@@ -18873,14 +18730,13 @@
               <a:rPr lang="en-US" altLang="zh-CN" dirty="0"/>
               <a:t>pdf5</a:t>
             </a:r>
-            <a:endParaRPr lang="en-US" altLang="zh-CN" dirty="0"/>
           </a:p>
         </p:txBody>
       </p:sp>
       <p:sp>
         <p:nvSpPr>
           <p:cNvPr id="9" name="文本框 8">
-            <a:hlinkClick r:id="rId7"/>
+            <a:hlinkClick r:id="rId8"/>
           </p:cNvPr>
           <p:cNvSpPr txBox="1"/>
           <p:nvPr/>
@@ -18905,14 +18761,13 @@
               <a:rPr lang="en-US" altLang="zh-CN" dirty="0"/>
               <a:t>pdf6</a:t>
             </a:r>
-            <a:endParaRPr lang="en-US" altLang="zh-CN" dirty="0"/>
           </a:p>
         </p:txBody>
       </p:sp>
       <p:sp>
         <p:nvSpPr>
           <p:cNvPr id="10" name="文本框 9">
-            <a:hlinkClick r:id="rId8"/>
+            <a:hlinkClick r:id="rId9"/>
           </p:cNvPr>
           <p:cNvSpPr txBox="1"/>
           <p:nvPr/>
@@ -18937,14 +18792,13 @@
               <a:rPr lang="en-US" altLang="zh-CN" dirty="0"/>
               <a:t>pdf7</a:t>
             </a:r>
-            <a:endParaRPr lang="en-US" altLang="zh-CN" dirty="0"/>
           </a:p>
         </p:txBody>
       </p:sp>
       <p:sp>
         <p:nvSpPr>
           <p:cNvPr id="11" name="文本框 10">
-            <a:hlinkClick r:id="rId9"/>
+            <a:hlinkClick r:id="rId10"/>
           </p:cNvPr>
           <p:cNvSpPr txBox="1"/>
           <p:nvPr/>
@@ -18969,7 +18823,6 @@
               <a:rPr lang="en-US" altLang="zh-CN" dirty="0"/>
               <a:t>pdf8</a:t>
             </a:r>
-            <a:endParaRPr lang="en-US" altLang="zh-CN" dirty="0"/>
           </a:p>
         </p:txBody>
       </p:sp>
@@ -19010,7 +18863,7 @@
       <p:sp>
         <p:nvSpPr>
           <p:cNvPr id="4" name="文本框 3">
-            <a:hlinkClick r:id="rId10"/>
+            <a:hlinkClick r:id="rId11"/>
           </p:cNvPr>
           <p:cNvSpPr txBox="1"/>
           <p:nvPr/>
@@ -19046,7 +18899,7 @@
       <p:sp>
         <p:nvSpPr>
           <p:cNvPr id="13" name="文本框 12">
-            <a:hlinkClick r:id="rId11"/>
+            <a:hlinkClick r:id="rId12"/>
           </p:cNvPr>
           <p:cNvSpPr txBox="1"/>
           <p:nvPr/>
@@ -19071,14 +18924,13 @@
               <a:rPr lang="en-US" altLang="zh-CN" dirty="0"/>
               <a:t>library</a:t>
             </a:r>
-            <a:endParaRPr lang="en-US" altLang="zh-CN" dirty="0"/>
           </a:p>
         </p:txBody>
       </p:sp>
       <p:sp>
         <p:nvSpPr>
           <p:cNvPr id="14" name="文本框 13">
-            <a:hlinkClick r:id="rId12"/>
+            <a:hlinkClick r:id="rId13"/>
           </p:cNvPr>
           <p:cNvSpPr txBox="1"/>
           <p:nvPr/>
@@ -19103,14 +18955,13 @@
               <a:rPr lang="en-US" altLang="zh-CN" dirty="0"/>
               <a:t>howto-urllib2</a:t>
             </a:r>
-            <a:endParaRPr lang="en-US" altLang="zh-CN" dirty="0"/>
           </a:p>
         </p:txBody>
       </p:sp>
       <p:sp>
         <p:nvSpPr>
           <p:cNvPr id="15" name="文本框 14">
-            <a:hlinkClick r:id="rId13"/>
+            <a:hlinkClick r:id="rId14"/>
           </p:cNvPr>
           <p:cNvSpPr txBox="1"/>
           <p:nvPr/>
@@ -19135,14 +18986,13 @@
               <a:rPr lang="en-US" altLang="zh-CN" dirty="0"/>
               <a:t>science</a:t>
             </a:r>
-            <a:endParaRPr lang="en-US" altLang="zh-CN" dirty="0"/>
           </a:p>
         </p:txBody>
       </p:sp>
       <p:sp>
         <p:nvSpPr>
           <p:cNvPr id="17" name="文本框 16">
-            <a:hlinkClick r:id="rId14"/>
+            <a:hlinkClick r:id="rId15"/>
           </p:cNvPr>
           <p:cNvSpPr txBox="1"/>
           <p:nvPr/>
@@ -19167,14 +19017,13 @@
               <a:rPr lang="en-US" altLang="zh-CN" dirty="0"/>
               <a:t>JavaScript</a:t>
             </a:r>
-            <a:endParaRPr lang="en-US" altLang="zh-CN" dirty="0"/>
           </a:p>
         </p:txBody>
       </p:sp>
       <p:sp>
         <p:nvSpPr>
           <p:cNvPr id="18" name="文本框 17">
-            <a:hlinkClick r:id="rId15"/>
+            <a:hlinkClick r:id="rId16"/>
           </p:cNvPr>
           <p:cNvSpPr txBox="1"/>
           <p:nvPr/>
@@ -19199,7 +19048,6 @@
               <a:rPr lang="en-US" altLang="zh-CN" dirty="0"/>
               <a:t>JavaScript</a:t>
             </a:r>
-            <a:endParaRPr lang="en-US" altLang="zh-CN" dirty="0"/>
           </a:p>
         </p:txBody>
       </p:sp>
@@ -19232,7 +19080,7 @@
       <p:sp>
         <p:nvSpPr>
           <p:cNvPr id="5" name="文本框 4">
-            <a:hlinkClick r:id="rId1"/>
+            <a:hlinkClick r:id="rId2"/>
           </p:cNvPr>
           <p:cNvSpPr txBox="1"/>
           <p:nvPr/>
@@ -19257,7 +19105,6 @@
               <a:rPr lang="en-US" altLang="zh-CN" dirty="0"/>
               <a:t>pdf1</a:t>
             </a:r>
-            <a:endParaRPr lang="en-US" altLang="zh-CN" dirty="0"/>
           </a:p>
         </p:txBody>
       </p:sp>
@@ -19307,14 +19154,13 @@
               <a:rPr lang="zh-CN" altLang="en-US" dirty="0"/>
               <a:t>）</a:t>
             </a:r>
-            <a:endParaRPr lang="zh-CN" altLang="en-US" dirty="0"/>
           </a:p>
         </p:txBody>
       </p:sp>
       <p:sp>
         <p:nvSpPr>
           <p:cNvPr id="2" name="文本框 1">
-            <a:hlinkClick r:id="rId2"/>
+            <a:hlinkClick r:id="rId3"/>
           </p:cNvPr>
           <p:cNvSpPr txBox="1"/>
           <p:nvPr/>
@@ -19339,14 +19185,13 @@
               <a:rPr lang="en-US" altLang="zh-CN" dirty="0"/>
               <a:t>pdf2</a:t>
             </a:r>
-            <a:endParaRPr lang="en-US" altLang="zh-CN" dirty="0"/>
           </a:p>
         </p:txBody>
       </p:sp>
       <p:sp>
         <p:nvSpPr>
           <p:cNvPr id="3" name="文本框 2">
-            <a:hlinkClick r:id="rId3"/>
+            <a:hlinkClick r:id="rId4"/>
           </p:cNvPr>
           <p:cNvSpPr txBox="1"/>
           <p:nvPr/>
@@ -19371,14 +19216,13 @@
               <a:rPr lang="en-US" altLang="zh-CN" dirty="0"/>
               <a:t>pdf3</a:t>
             </a:r>
-            <a:endParaRPr lang="en-US" altLang="zh-CN" dirty="0"/>
           </a:p>
         </p:txBody>
       </p:sp>
       <p:sp>
         <p:nvSpPr>
           <p:cNvPr id="4" name="文本框 3">
-            <a:hlinkClick r:id="rId4"/>
+            <a:hlinkClick r:id="rId5"/>
           </p:cNvPr>
           <p:cNvSpPr txBox="1"/>
           <p:nvPr/>
@@ -19403,14 +19247,13 @@
               <a:rPr lang="en-US" altLang="zh-CN" dirty="0"/>
               <a:t>pdf4</a:t>
             </a:r>
-            <a:endParaRPr lang="en-US" altLang="zh-CN" dirty="0"/>
           </a:p>
         </p:txBody>
       </p:sp>
       <p:sp>
         <p:nvSpPr>
           <p:cNvPr id="7" name="文本框 6">
-            <a:hlinkClick r:id="rId5"/>
+            <a:hlinkClick r:id="rId6"/>
           </p:cNvPr>
           <p:cNvSpPr txBox="1"/>
           <p:nvPr/>
@@ -19435,14 +19278,13 @@
               <a:rPr lang="en-US" altLang="zh-CN" dirty="0"/>
               <a:t>django-readthedocs-io-en-5.0.x</a:t>
             </a:r>
-            <a:endParaRPr lang="en-US" altLang="zh-CN" dirty="0"/>
           </a:p>
         </p:txBody>
       </p:sp>
       <p:sp>
         <p:nvSpPr>
           <p:cNvPr id="9" name="文本框 8">
-            <a:hlinkClick r:id="rId6"/>
+            <a:hlinkClick r:id="rId7"/>
           </p:cNvPr>
           <p:cNvSpPr txBox="1"/>
           <p:nvPr/>
@@ -19474,7 +19316,7 @@
       <p:sp>
         <p:nvSpPr>
           <p:cNvPr id="6" name="文本框 5">
-            <a:hlinkClick r:id="rId7"/>
+            <a:hlinkClick r:id="rId8"/>
           </p:cNvPr>
           <p:cNvSpPr txBox="1"/>
           <p:nvPr/>
@@ -19503,14 +19345,13 @@
               <a:rPr lang="en-US" altLang="zh-CN" dirty="0"/>
               <a:t>2017</a:t>
             </a:r>
-            <a:endParaRPr lang="en-US" altLang="zh-CN" dirty="0"/>
           </a:p>
         </p:txBody>
       </p:sp>
       <p:sp>
         <p:nvSpPr>
           <p:cNvPr id="8" name="文本框 7">
-            <a:hlinkClick r:id="rId8"/>
+            <a:hlinkClick r:id="rId9"/>
           </p:cNvPr>
           <p:cNvSpPr txBox="1"/>
           <p:nvPr/>
@@ -19535,14 +19376,13 @@
               <a:rPr lang="en-US" altLang="zh-CN" dirty="0"/>
               <a:t>pdf5</a:t>
             </a:r>
-            <a:endParaRPr lang="en-US" altLang="zh-CN" dirty="0"/>
           </a:p>
         </p:txBody>
       </p:sp>
       <p:sp>
         <p:nvSpPr>
           <p:cNvPr id="10" name="文本框 9">
-            <a:hlinkClick r:id="rId9"/>
+            <a:hlinkClick r:id="rId10"/>
           </p:cNvPr>
           <p:cNvSpPr txBox="1"/>
           <p:nvPr/>
@@ -19567,14 +19407,13 @@
               <a:rPr lang="en-US" altLang="zh-CN" dirty="0"/>
               <a:t>pdf6</a:t>
             </a:r>
-            <a:endParaRPr lang="en-US" altLang="zh-CN" dirty="0"/>
           </a:p>
         </p:txBody>
       </p:sp>
       <p:sp>
         <p:nvSpPr>
           <p:cNvPr id="11" name="文本框 10">
-            <a:hlinkClick r:id="rId10"/>
+            <a:hlinkClick r:id="rId11"/>
           </p:cNvPr>
           <p:cNvSpPr txBox="1"/>
           <p:nvPr/>
@@ -19599,7 +19438,42 @@
               <a:rPr lang="en-US" altLang="zh-CN" dirty="0"/>
               <a:t>pdf7</a:t>
             </a:r>
-            <a:endParaRPr lang="en-US" altLang="zh-CN" dirty="0"/>
+          </a:p>
+        </p:txBody>
+      </p:sp>
+      <p:sp>
+        <p:nvSpPr>
+          <p:cNvPr id="13" name="文本框 12">
+            <a:hlinkClick r:id="rId12"/>
+            <a:extLst>
+              <a:ext uri="{FF2B5EF4-FFF2-40B4-BE49-F238E27FC236}">
+                <a16:creationId xmlns:a16="http://schemas.microsoft.com/office/drawing/2014/main" id="{F872BD0C-8344-D283-D834-518A36119891}"/>
+              </a:ext>
+            </a:extLst>
+          </p:cNvPr>
+          <p:cNvSpPr txBox="1"/>
+          <p:nvPr/>
+        </p:nvSpPr>
+        <p:spPr>
+          <a:xfrm>
+            <a:off x="7081819" y="4729354"/>
+            <a:ext cx="1311903" cy="437515"/>
+          </a:xfrm>
+          <a:prstGeom prst="rect">
+            <a:avLst/>
+          </a:prstGeom>
+          <a:noFill/>
+        </p:spPr>
+        <p:txBody>
+          <a:bodyPr wrap="square" rtlCol="0">
+            <a:noAutofit/>
+          </a:bodyPr>
+          <a:lstStyle/>
+          <a:p>
+            <a:r>
+              <a:rPr lang="en-US" altLang="zh-CN" dirty="0"/>
+              <a:t>JavaScript</a:t>
+            </a:r>
           </a:p>
         </p:txBody>
       </p:sp>
@@ -19632,7 +19506,7 @@
       <p:sp>
         <p:nvSpPr>
           <p:cNvPr id="5" name="文本框 4">
-            <a:hlinkClick r:id="rId1" action="ppaction://hlinkfile"/>
+            <a:hlinkClick r:id="rId3" action="ppaction://hlinkfile"/>
           </p:cNvPr>
           <p:cNvSpPr txBox="1"/>
           <p:nvPr/>
@@ -19665,14 +19539,13 @@
               <a:rPr lang="en-US" altLang="zh-CN" dirty="0"/>
               <a:t>》</a:t>
             </a:r>
-            <a:endParaRPr lang="en-US" altLang="zh-CN" dirty="0"/>
           </a:p>
         </p:txBody>
       </p:sp>
       <p:sp>
         <p:nvSpPr>
           <p:cNvPr id="12" name="文本框 11">
-            <a:hlinkClick r:id="rId2"/>
+            <a:hlinkClick r:id="rId4"/>
           </p:cNvPr>
           <p:cNvSpPr txBox="1"/>
           <p:nvPr/>
@@ -19705,14 +19578,13 @@
               <a:rPr lang="en-US" altLang="zh-CN" dirty="0"/>
               <a:t>》</a:t>
             </a:r>
-            <a:endParaRPr lang="en-US" altLang="zh-CN" dirty="0"/>
           </a:p>
         </p:txBody>
       </p:sp>
       <p:sp>
         <p:nvSpPr>
           <p:cNvPr id="14" name="文本框 13">
-            <a:hlinkClick r:id="rId3"/>
+            <a:hlinkClick r:id="rId5"/>
           </p:cNvPr>
           <p:cNvSpPr txBox="1"/>
           <p:nvPr/>
@@ -19745,14 +19617,13 @@
               <a:rPr lang="en-US" altLang="zh-CN" dirty="0"/>
               <a:t>》</a:t>
             </a:r>
-            <a:endParaRPr lang="en-US" altLang="zh-CN" dirty="0"/>
           </a:p>
         </p:txBody>
       </p:sp>
       <p:sp>
         <p:nvSpPr>
           <p:cNvPr id="18" name="文本框 17">
-            <a:hlinkClick r:id="rId4"/>
+            <a:hlinkClick r:id="rId6"/>
           </p:cNvPr>
           <p:cNvSpPr txBox="1"/>
           <p:nvPr/>
@@ -19792,7 +19663,7 @@
       <p:sp>
         <p:nvSpPr>
           <p:cNvPr id="20" name="文本框 19">
-            <a:hlinkClick r:id="rId5"/>
+            <a:hlinkClick r:id="rId7"/>
           </p:cNvPr>
           <p:cNvSpPr txBox="1"/>
           <p:nvPr/>
@@ -19832,7 +19703,7 @@
       <p:sp>
         <p:nvSpPr>
           <p:cNvPr id="2" name="文本框 1">
-            <a:hlinkClick r:id="rId6" action="ppaction://hlinkfile"/>
+            <a:hlinkClick r:id="rId8" action="ppaction://hlinkfile"/>
           </p:cNvPr>
           <p:cNvSpPr txBox="1"/>
           <p:nvPr/>
@@ -19857,14 +19728,13 @@
               <a:rPr lang="zh-CN" altLang="en-US" dirty="0"/>
               <a:t>《蛊真人》</a:t>
             </a:r>
-            <a:endParaRPr lang="zh-CN" altLang="en-US" dirty="0"/>
           </a:p>
         </p:txBody>
       </p:sp>
       <p:sp>
         <p:nvSpPr>
           <p:cNvPr id="3" name="文本框 2">
-            <a:hlinkClick r:id="rId7" action="ppaction://hlinkfile"/>
+            <a:hlinkClick r:id="rId9" action="ppaction://hlinkfile"/>
           </p:cNvPr>
           <p:cNvSpPr txBox="1"/>
           <p:nvPr/>
@@ -19889,14 +19759,13 @@
               <a:rPr lang="zh-CN" altLang="en-US" dirty="0"/>
               <a:t>《斗罗大陆II绝世唐门》</a:t>
             </a:r>
-            <a:endParaRPr lang="zh-CN" altLang="en-US" dirty="0"/>
           </a:p>
         </p:txBody>
       </p:sp>
       <p:sp>
         <p:nvSpPr>
           <p:cNvPr id="6" name="文本框 5">
-            <a:hlinkClick r:id="rId8"/>
+            <a:hlinkClick r:id="rId10"/>
           </p:cNvPr>
           <p:cNvSpPr txBox="1"/>
           <p:nvPr/>
@@ -19929,14 +19798,13 @@
               <a:rPr lang="en-US" altLang="zh-CN" dirty="0"/>
               <a:t>》</a:t>
             </a:r>
-            <a:endParaRPr lang="en-US" altLang="zh-CN" dirty="0"/>
           </a:p>
         </p:txBody>
       </p:sp>
       <p:sp>
         <p:nvSpPr>
           <p:cNvPr id="9" name="文本框 8">
-            <a:hlinkClick r:id="rId9"/>
+            <a:hlinkClick r:id="rId11"/>
           </p:cNvPr>
           <p:cNvSpPr txBox="1"/>
           <p:nvPr/>
@@ -19976,7 +19844,7 @@
       <p:sp>
         <p:nvSpPr>
           <p:cNvPr id="7" name="文本框 6">
-            <a:hlinkClick r:id="rId10"/>
+            <a:hlinkClick r:id="rId12"/>
           </p:cNvPr>
           <p:cNvSpPr txBox="1"/>
           <p:nvPr/>
@@ -20016,7 +19884,7 @@
       <p:sp>
         <p:nvSpPr>
           <p:cNvPr id="8" name="文本框 7">
-            <a:hlinkClick r:id="rId11"/>
+            <a:hlinkClick r:id="rId13"/>
           </p:cNvPr>
           <p:cNvSpPr txBox="1"/>
           <p:nvPr/>
@@ -20056,7 +19924,7 @@
       <p:sp>
         <p:nvSpPr>
           <p:cNvPr id="10" name="文本框 9">
-            <a:hlinkClick r:id="rId12"/>
+            <a:hlinkClick r:id="rId14"/>
           </p:cNvPr>
           <p:cNvSpPr txBox="1"/>
           <p:nvPr/>
@@ -20096,7 +19964,7 @@
       <p:sp>
         <p:nvSpPr>
           <p:cNvPr id="11" name="文本框 10">
-            <a:hlinkClick r:id="rId13"/>
+            <a:hlinkClick r:id="rId15"/>
           </p:cNvPr>
           <p:cNvSpPr txBox="1"/>
           <p:nvPr/>
@@ -20136,7 +20004,7 @@
       <p:sp>
         <p:nvSpPr>
           <p:cNvPr id="13" name="文本框 12">
-            <a:hlinkClick r:id="rId14"/>
+            <a:hlinkClick r:id="rId16"/>
           </p:cNvPr>
           <p:cNvSpPr txBox="1"/>
           <p:nvPr/>
@@ -20199,7 +20067,6 @@
               <a:rPr lang="zh-CN" altLang="en-US" dirty="0"/>
               <a:t>小说</a:t>
             </a:r>
-            <a:endParaRPr lang="zh-CN" altLang="en-US" dirty="0"/>
           </a:p>
         </p:txBody>
       </p:sp>
@@ -20255,14 +20122,13 @@
               <a:rPr lang="zh-CN" altLang="en-US" dirty="0"/>
               <a:t>小说</a:t>
             </a:r>
-            <a:endParaRPr lang="zh-CN" altLang="en-US" dirty="0"/>
           </a:p>
         </p:txBody>
       </p:sp>
       <p:sp>
         <p:nvSpPr>
           <p:cNvPr id="10" name="文本框 9">
-            <a:hlinkClick r:id="rId1"/>
+            <a:hlinkClick r:id="rId2"/>
           </p:cNvPr>
           <p:cNvSpPr txBox="1"/>
           <p:nvPr/>
@@ -20295,14 +20161,13 @@
               <a:rPr lang="en-US" altLang="zh-CN" dirty="0"/>
               <a:t>》</a:t>
             </a:r>
-            <a:endParaRPr lang="en-US" altLang="zh-CN" dirty="0"/>
           </a:p>
         </p:txBody>
       </p:sp>
       <p:sp>
         <p:nvSpPr>
           <p:cNvPr id="2" name="文本框 1">
-            <a:hlinkClick r:id="rId2"/>
+            <a:hlinkClick r:id="rId3"/>
           </p:cNvPr>
           <p:cNvSpPr txBox="1"/>
           <p:nvPr/>
@@ -20335,14 +20200,13 @@
               <a:rPr lang="en-US" altLang="zh-CN" dirty="0"/>
               <a:t>》</a:t>
             </a:r>
-            <a:endParaRPr lang="en-US" altLang="zh-CN" dirty="0"/>
           </a:p>
         </p:txBody>
       </p:sp>
       <p:sp>
         <p:nvSpPr>
           <p:cNvPr id="3" name="文本框 2">
-            <a:hlinkClick r:id="rId3"/>
+            <a:hlinkClick r:id="rId4"/>
           </p:cNvPr>
           <p:cNvSpPr txBox="1"/>
           <p:nvPr/>
@@ -20375,14 +20239,13 @@
               <a:rPr lang="en-US" altLang="zh-CN" dirty="0"/>
               <a:t>》</a:t>
             </a:r>
-            <a:endParaRPr lang="en-US" altLang="zh-CN" dirty="0"/>
           </a:p>
         </p:txBody>
       </p:sp>
       <p:sp>
         <p:nvSpPr>
           <p:cNvPr id="4" name="文本框 3">
-            <a:hlinkClick r:id="rId4"/>
+            <a:hlinkClick r:id="rId5"/>
           </p:cNvPr>
           <p:cNvSpPr txBox="1"/>
           <p:nvPr/>
@@ -20415,14 +20278,13 @@
               <a:rPr lang="en-US" altLang="zh-CN" dirty="0"/>
               <a:t>》</a:t>
             </a:r>
-            <a:endParaRPr lang="en-US" altLang="zh-CN" dirty="0"/>
           </a:p>
         </p:txBody>
       </p:sp>
       <p:sp>
         <p:nvSpPr>
           <p:cNvPr id="5" name="文本框 4">
-            <a:hlinkClick r:id="rId5"/>
+            <a:hlinkClick r:id="rId6"/>
           </p:cNvPr>
           <p:cNvSpPr txBox="1"/>
           <p:nvPr/>
@@ -20455,14 +20317,13 @@
               <a:rPr lang="en-US" altLang="zh-CN" dirty="0"/>
               <a:t>》</a:t>
             </a:r>
-            <a:endParaRPr lang="en-US" altLang="zh-CN" dirty="0"/>
           </a:p>
         </p:txBody>
       </p:sp>
       <p:sp>
         <p:nvSpPr>
           <p:cNvPr id="6" name="文本框 5">
-            <a:hlinkClick r:id="rId6"/>
+            <a:hlinkClick r:id="rId7"/>
           </p:cNvPr>
           <p:cNvSpPr txBox="1"/>
           <p:nvPr/>
@@ -20503,14 +20364,13 @@
               <a:rPr lang="en-US" altLang="zh-CN" dirty="0"/>
               <a:t>]》</a:t>
             </a:r>
-            <a:endParaRPr lang="en-US" altLang="zh-CN" dirty="0"/>
           </a:p>
         </p:txBody>
       </p:sp>
       <p:sp>
         <p:nvSpPr>
           <p:cNvPr id="7" name="文本框 6">
-            <a:hlinkClick r:id="rId7"/>
+            <a:hlinkClick r:id="rId8"/>
           </p:cNvPr>
           <p:cNvSpPr txBox="1"/>
           <p:nvPr/>
@@ -20542,7 +20402,7 @@
       <p:sp>
         <p:nvSpPr>
           <p:cNvPr id="8" name="文本框 7">
-            <a:hlinkClick r:id="rId8"/>
+            <a:hlinkClick r:id="rId9"/>
           </p:cNvPr>
           <p:cNvSpPr txBox="1"/>
           <p:nvPr/>
@@ -20575,14 +20435,13 @@
               <a:rPr lang="en-US" altLang="zh-CN" dirty="0"/>
               <a:t>》</a:t>
             </a:r>
-            <a:endParaRPr lang="en-US" altLang="zh-CN" dirty="0"/>
           </a:p>
         </p:txBody>
       </p:sp>
       <p:sp>
         <p:nvSpPr>
           <p:cNvPr id="11" name="文本框 10">
-            <a:hlinkClick r:id="rId9"/>
+            <a:hlinkClick r:id="rId10"/>
           </p:cNvPr>
           <p:cNvSpPr txBox="1"/>
           <p:nvPr/>
@@ -20615,14 +20474,13 @@
               <a:rPr lang="en-US" altLang="zh-CN" dirty="0"/>
               <a:t>》</a:t>
             </a:r>
-            <a:endParaRPr lang="en-US" altLang="zh-CN" dirty="0"/>
           </a:p>
         </p:txBody>
       </p:sp>
       <p:sp>
         <p:nvSpPr>
           <p:cNvPr id="12" name="文本框 11">
-            <a:hlinkClick r:id="rId10"/>
+            <a:hlinkClick r:id="rId11"/>
           </p:cNvPr>
           <p:cNvSpPr txBox="1"/>
           <p:nvPr/>
@@ -20655,14 +20513,13 @@
               <a:rPr lang="en-US" altLang="zh-CN" dirty="0"/>
               <a:t>》</a:t>
             </a:r>
-            <a:endParaRPr lang="en-US" altLang="zh-CN" dirty="0"/>
           </a:p>
         </p:txBody>
       </p:sp>
       <p:sp>
         <p:nvSpPr>
           <p:cNvPr id="13" name="文本框 12">
-            <a:hlinkClick r:id="rId11"/>
+            <a:hlinkClick r:id="rId12"/>
           </p:cNvPr>
           <p:cNvSpPr txBox="1"/>
           <p:nvPr/>
@@ -20695,14 +20552,13 @@
               <a:rPr lang="en-US" altLang="zh-CN" dirty="0"/>
               <a:t>》</a:t>
             </a:r>
-            <a:endParaRPr lang="en-US" altLang="zh-CN" dirty="0"/>
           </a:p>
         </p:txBody>
       </p:sp>
       <p:sp>
         <p:nvSpPr>
           <p:cNvPr id="14" name="文本框 13">
-            <a:hlinkClick r:id="rId12"/>
+            <a:hlinkClick r:id="rId13"/>
           </p:cNvPr>
           <p:cNvSpPr txBox="1"/>
           <p:nvPr/>
@@ -20735,14 +20591,13 @@
               <a:rPr lang="en-US" altLang="zh-CN" dirty="0"/>
               <a:t>》</a:t>
             </a:r>
-            <a:endParaRPr lang="en-US" altLang="zh-CN" dirty="0"/>
           </a:p>
         </p:txBody>
       </p:sp>
       <p:sp>
         <p:nvSpPr>
           <p:cNvPr id="15" name="文本框 14">
-            <a:hlinkClick r:id="rId13"/>
+            <a:hlinkClick r:id="rId14"/>
           </p:cNvPr>
           <p:cNvSpPr txBox="1"/>
           <p:nvPr/>
@@ -20775,14 +20630,13 @@
               <a:rPr lang="en-US" altLang="zh-CN" dirty="0"/>
               <a:t>》</a:t>
             </a:r>
-            <a:endParaRPr lang="en-US" altLang="zh-CN" dirty="0"/>
           </a:p>
         </p:txBody>
       </p:sp>
       <p:sp>
         <p:nvSpPr>
           <p:cNvPr id="16" name="文本框 15">
-            <a:hlinkClick r:id="rId14"/>
+            <a:hlinkClick r:id="rId15"/>
           </p:cNvPr>
           <p:cNvSpPr txBox="1"/>
           <p:nvPr/>
@@ -20815,14 +20669,13 @@
               <a:rPr lang="en-US" altLang="zh-CN" dirty="0"/>
               <a:t>》</a:t>
             </a:r>
-            <a:endParaRPr lang="en-US" altLang="zh-CN" dirty="0"/>
           </a:p>
         </p:txBody>
       </p:sp>
       <p:sp>
         <p:nvSpPr>
           <p:cNvPr id="17" name="文本框 16">
-            <a:hlinkClick r:id="rId15"/>
+            <a:hlinkClick r:id="rId16"/>
           </p:cNvPr>
           <p:cNvSpPr txBox="1"/>
           <p:nvPr/>
@@ -20855,14 +20708,13 @@
               <a:rPr lang="en-US" altLang="zh-CN" dirty="0"/>
               <a:t>》</a:t>
             </a:r>
-            <a:endParaRPr lang="en-US" altLang="zh-CN" dirty="0"/>
           </a:p>
         </p:txBody>
       </p:sp>
       <p:sp>
         <p:nvSpPr>
           <p:cNvPr id="18" name="文本框 17">
-            <a:hlinkClick r:id="rId16"/>
+            <a:hlinkClick r:id="rId17"/>
           </p:cNvPr>
           <p:cNvSpPr txBox="1"/>
           <p:nvPr/>
@@ -20895,14 +20747,13 @@
               <a:rPr lang="en-US" altLang="zh-CN" dirty="0"/>
               <a:t>》</a:t>
             </a:r>
-            <a:endParaRPr lang="en-US" altLang="zh-CN" dirty="0"/>
           </a:p>
         </p:txBody>
       </p:sp>
       <p:sp>
         <p:nvSpPr>
           <p:cNvPr id="19" name="文本框 18">
-            <a:hlinkClick r:id="rId17"/>
+            <a:hlinkClick r:id="rId18"/>
           </p:cNvPr>
           <p:cNvSpPr txBox="1"/>
           <p:nvPr/>
@@ -20935,14 +20786,13 @@
               <a:rPr lang="en-US" altLang="zh-CN" dirty="0"/>
               <a:t>》</a:t>
             </a:r>
-            <a:endParaRPr lang="en-US" altLang="zh-CN" dirty="0"/>
           </a:p>
         </p:txBody>
       </p:sp>
       <p:sp>
         <p:nvSpPr>
           <p:cNvPr id="20" name="文本框 19">
-            <a:hlinkClick r:id="rId18"/>
+            <a:hlinkClick r:id="rId19"/>
           </p:cNvPr>
           <p:cNvSpPr txBox="1"/>
           <p:nvPr/>
@@ -20975,14 +20825,13 @@
               <a:rPr lang="en-US" altLang="zh-CN" dirty="0"/>
               <a:t>》</a:t>
             </a:r>
-            <a:endParaRPr lang="en-US" altLang="zh-CN" dirty="0"/>
           </a:p>
         </p:txBody>
       </p:sp>
       <p:sp>
         <p:nvSpPr>
           <p:cNvPr id="21" name="文本框 20">
-            <a:hlinkClick r:id="rId19"/>
+            <a:hlinkClick r:id="rId20"/>
           </p:cNvPr>
           <p:cNvSpPr txBox="1"/>
           <p:nvPr/>
@@ -21015,14 +20864,13 @@
               <a:rPr lang="en-US" altLang="zh-CN" dirty="0"/>
               <a:t>》</a:t>
             </a:r>
-            <a:endParaRPr lang="en-US" altLang="zh-CN" dirty="0"/>
           </a:p>
         </p:txBody>
       </p:sp>
       <p:sp>
         <p:nvSpPr>
           <p:cNvPr id="23" name="文本框 22">
-            <a:hlinkClick r:id="rId20"/>
+            <a:hlinkClick r:id="rId21"/>
           </p:cNvPr>
           <p:cNvSpPr txBox="1"/>
           <p:nvPr/>
@@ -21055,14 +20903,13 @@
               <a:rPr lang="en-US" altLang="zh-CN" dirty="0"/>
               <a:t>》</a:t>
             </a:r>
-            <a:endParaRPr lang="en-US" altLang="zh-CN" dirty="0"/>
           </a:p>
         </p:txBody>
       </p:sp>
       <p:sp>
         <p:nvSpPr>
           <p:cNvPr id="24" name="文本框 23">
-            <a:hlinkClick r:id="rId21"/>
+            <a:hlinkClick r:id="rId22"/>
           </p:cNvPr>
           <p:cNvSpPr txBox="1"/>
           <p:nvPr/>
@@ -21095,7 +20942,6 @@
               <a:rPr lang="en-US" altLang="zh-CN" dirty="0"/>
               <a:t>]》</a:t>
             </a:r>
-            <a:endParaRPr lang="en-US" altLang="zh-CN" dirty="0"/>
           </a:p>
         </p:txBody>
       </p:sp>
@@ -21151,14 +20997,13 @@
               <a:rPr lang="zh-CN" altLang="en-US" dirty="0"/>
               <a:t>小说</a:t>
             </a:r>
-            <a:endParaRPr lang="zh-CN" altLang="en-US" dirty="0"/>
           </a:p>
         </p:txBody>
       </p:sp>
       <p:sp>
         <p:nvSpPr>
           <p:cNvPr id="10" name="文本框 9">
-            <a:hlinkClick r:id="rId1"/>
+            <a:hlinkClick r:id="rId2"/>
           </p:cNvPr>
           <p:cNvSpPr txBox="1"/>
           <p:nvPr/>
@@ -21191,14 +21036,13 @@
               <a:rPr lang="en-US" altLang="zh-CN" dirty="0"/>
               <a:t>》</a:t>
             </a:r>
-            <a:endParaRPr lang="en-US" altLang="zh-CN" dirty="0"/>
           </a:p>
         </p:txBody>
       </p:sp>
       <p:sp>
         <p:nvSpPr>
           <p:cNvPr id="2" name="文本框 1">
-            <a:hlinkClick r:id="rId2"/>
+            <a:hlinkClick r:id="rId3"/>
           </p:cNvPr>
           <p:cNvSpPr txBox="1"/>
           <p:nvPr/>
@@ -21250,7 +21094,7 @@
       <p:sp>
         <p:nvSpPr>
           <p:cNvPr id="3" name="文本框 2">
-            <a:hlinkClick r:id="rId3"/>
+            <a:hlinkClick r:id="rId4"/>
           </p:cNvPr>
           <p:cNvSpPr txBox="1"/>
           <p:nvPr/>
@@ -21283,14 +21127,13 @@
               <a:rPr lang="en-US" altLang="zh-CN" dirty="0"/>
               <a:t>》</a:t>
             </a:r>
-            <a:endParaRPr lang="en-US" altLang="zh-CN" dirty="0"/>
           </a:p>
         </p:txBody>
       </p:sp>
       <p:sp>
         <p:nvSpPr>
           <p:cNvPr id="4" name="文本框 3">
-            <a:hlinkClick r:id="rId4"/>
+            <a:hlinkClick r:id="rId5"/>
           </p:cNvPr>
           <p:cNvSpPr txBox="1"/>
           <p:nvPr/>
@@ -21334,7 +21177,7 @@
       <p:sp>
         <p:nvSpPr>
           <p:cNvPr id="5" name="文本框 4">
-            <a:hlinkClick r:id="rId5"/>
+            <a:hlinkClick r:id="rId6"/>
           </p:cNvPr>
           <p:cNvSpPr txBox="1"/>
           <p:nvPr/>
@@ -21386,7 +21229,7 @@
       <p:sp>
         <p:nvSpPr>
           <p:cNvPr id="6" name="文本框 5">
-            <a:hlinkClick r:id="rId6"/>
+            <a:hlinkClick r:id="rId7"/>
           </p:cNvPr>
           <p:cNvSpPr txBox="1"/>
           <p:nvPr/>
@@ -21430,7 +21273,7 @@
       <p:sp>
         <p:nvSpPr>
           <p:cNvPr id="7" name="文本框 6">
-            <a:hlinkClick r:id="rId7"/>
+            <a:hlinkClick r:id="rId8"/>
           </p:cNvPr>
           <p:cNvSpPr txBox="1"/>
           <p:nvPr/>
@@ -21492,14 +21335,13 @@
               <a:rPr lang="en-US" altLang="zh-CN" dirty="0"/>
               <a:t>》</a:t>
             </a:r>
-            <a:endParaRPr lang="en-US" altLang="zh-CN" dirty="0"/>
           </a:p>
         </p:txBody>
       </p:sp>
       <p:sp>
         <p:nvSpPr>
           <p:cNvPr id="8" name="文本框 7">
-            <a:hlinkClick r:id="rId8"/>
+            <a:hlinkClick r:id="rId9"/>
           </p:cNvPr>
           <p:cNvSpPr txBox="1"/>
           <p:nvPr/>
@@ -21531,7 +21373,7 @@
       <p:sp>
         <p:nvSpPr>
           <p:cNvPr id="11" name="文本框 10">
-            <a:hlinkClick r:id="rId9"/>
+            <a:hlinkClick r:id="rId10"/>
           </p:cNvPr>
           <p:cNvSpPr txBox="1"/>
           <p:nvPr/>
@@ -21583,7 +21425,7 @@
       <p:sp>
         <p:nvSpPr>
           <p:cNvPr id="16" name="文本框 15">
-            <a:hlinkClick r:id="rId10"/>
+            <a:hlinkClick r:id="rId11"/>
           </p:cNvPr>
           <p:cNvSpPr txBox="1"/>
           <p:nvPr/>
@@ -21608,14 +21450,13 @@
               <a:rPr lang="en-US" altLang="zh-CN" dirty="0"/>
               <a:t>pdf4</a:t>
             </a:r>
-            <a:endParaRPr lang="en-US" altLang="zh-CN" dirty="0"/>
           </a:p>
         </p:txBody>
       </p:sp>
       <p:sp>
         <p:nvSpPr>
           <p:cNvPr id="17" name="文本框 16">
-            <a:hlinkClick r:id="rId11"/>
+            <a:hlinkClick r:id="rId12"/>
           </p:cNvPr>
           <p:cNvSpPr txBox="1"/>
           <p:nvPr/>
@@ -21640,14 +21481,13 @@
               <a:rPr lang="en-US" altLang="zh-CN" dirty="0"/>
               <a:t>pdf4</a:t>
             </a:r>
-            <a:endParaRPr lang="en-US" altLang="zh-CN" dirty="0"/>
           </a:p>
         </p:txBody>
       </p:sp>
       <p:sp>
         <p:nvSpPr>
           <p:cNvPr id="18" name="文本框 17">
-            <a:hlinkClick r:id="rId12"/>
+            <a:hlinkClick r:id="rId13"/>
           </p:cNvPr>
           <p:cNvSpPr txBox="1"/>
           <p:nvPr/>
@@ -21672,14 +21512,13 @@
               <a:rPr lang="en-US" altLang="zh-CN" dirty="0"/>
               <a:t>pdf4</a:t>
             </a:r>
-            <a:endParaRPr lang="en-US" altLang="zh-CN" dirty="0"/>
           </a:p>
         </p:txBody>
       </p:sp>
       <p:sp>
         <p:nvSpPr>
           <p:cNvPr id="19" name="文本框 18">
-            <a:hlinkClick r:id="rId13"/>
+            <a:hlinkClick r:id="rId14"/>
           </p:cNvPr>
           <p:cNvSpPr txBox="1"/>
           <p:nvPr/>
@@ -21704,14 +21543,13 @@
               <a:rPr lang="en-US" altLang="zh-CN" dirty="0"/>
               <a:t>pdf4</a:t>
             </a:r>
-            <a:endParaRPr lang="en-US" altLang="zh-CN" dirty="0"/>
           </a:p>
         </p:txBody>
       </p:sp>
       <p:sp>
         <p:nvSpPr>
           <p:cNvPr id="12" name="文本框 11">
-            <a:hlinkClick r:id="rId14"/>
+            <a:hlinkClick r:id="rId15"/>
           </p:cNvPr>
           <p:cNvSpPr txBox="1"/>
           <p:nvPr/>
@@ -21752,14 +21590,13 @@
               <a:rPr lang="en-US" altLang="zh-CN" dirty="0"/>
               <a:t>》</a:t>
             </a:r>
-            <a:endParaRPr lang="en-US" altLang="zh-CN" dirty="0"/>
           </a:p>
         </p:txBody>
       </p:sp>
       <p:sp>
         <p:nvSpPr>
           <p:cNvPr id="13" name="文本框 12">
-            <a:hlinkClick r:id="rId15"/>
+            <a:hlinkClick r:id="rId16"/>
           </p:cNvPr>
           <p:cNvSpPr txBox="1"/>
           <p:nvPr/>
@@ -21792,14 +21629,13 @@
               <a:rPr lang="en-US" altLang="zh-CN" dirty="0"/>
               <a:t>4》</a:t>
             </a:r>
-            <a:endParaRPr lang="en-US" altLang="zh-CN" dirty="0"/>
           </a:p>
         </p:txBody>
       </p:sp>
       <p:sp>
         <p:nvSpPr>
           <p:cNvPr id="14" name="文本框 13">
-            <a:hlinkClick r:id="rId16" action="ppaction://hlinkfile"/>
+            <a:hlinkClick r:id="rId17" action="ppaction://hlinkfile"/>
           </p:cNvPr>
           <p:cNvSpPr txBox="1"/>
           <p:nvPr/>
@@ -21832,7 +21668,6 @@
               <a:rPr lang="en-US" altLang="zh-CN" dirty="0"/>
               <a:t>4()2》</a:t>
             </a:r>
-            <a:endParaRPr lang="en-US" altLang="zh-CN" dirty="0"/>
           </a:p>
         </p:txBody>
       </p:sp>
@@ -21846,22 +21681,29 @@
 </file>
 
 <file path=ppt/tags/tag1.xml><?xml version="1.0" encoding="utf-8"?>
-<p:tagLst xmlns:p="http://schemas.openxmlformats.org/presentationml/2006/main">
-  <p:tag name="KSO_WM_UNIT_HIGHLIGHT" val="0"/>
-  <p:tag name="KSO_WM_UNIT_COMPATIBLE" val="0"/>
-  <p:tag name="KSO_WM_UNIT_ID" val="custom222_1*i*1"/>
-  <p:tag name="KSO_WM_TEMPLATE_CATEGORY" val="custom"/>
-  <p:tag name="KSO_WM_TEMPLATE_INDEX" val="222"/>
-  <p:tag name="KSO_WM_UNIT_LAYERLEVEL" val="1"/>
-  <p:tag name="KSO_WM_TAG_VERSION" val="1.0"/>
-  <p:tag name="KSO_WM_BEAUTIFY_FLAG" val="#wm#"/>
-  <p:tag name="KSO_WM_UNIT_TYPE" val="i"/>
-  <p:tag name="KSO_WM_UNIT_INDEX" val="1"/>
+<p:tagLst xmlns:a="http://schemas.openxmlformats.org/drawingml/2006/main" xmlns:r="http://schemas.openxmlformats.org/officeDocument/2006/relationships" xmlns:p="http://schemas.openxmlformats.org/presentationml/2006/main">
+  <p:tag name="COMMONDATA" val="eyJoZGlkIjoiMGMxYmIzZGI0NmVkYTY2YjM2NGFiM2E2NjUxMTIzNjIifQ=="/>
 </p:tagLst>
 </file>
 
 <file path=ppt/tags/tag10.xml><?xml version="1.0" encoding="utf-8"?>
-<p:tagLst xmlns:p="http://schemas.openxmlformats.org/presentationml/2006/main">
+<p:tagLst xmlns:a="http://schemas.openxmlformats.org/drawingml/2006/main" xmlns:r="http://schemas.openxmlformats.org/officeDocument/2006/relationships" xmlns:p="http://schemas.openxmlformats.org/presentationml/2006/main">
+  <p:tag name="KSO_WM_TAG_VERSION" val="1.0"/>
+  <p:tag name="KSO_WM_BEAUTIFY_FLAG" val="#wm#"/>
+  <p:tag name="KSO_WM_UNIT_ID" val="custom222_11*i*7"/>
+  <p:tag name="KSO_WM_TEMPLATE_CATEGORY" val="custom"/>
+  <p:tag name="KSO_WM_TEMPLATE_INDEX" val="222"/>
+  <p:tag name="KSO_WM_UNIT_HIGHLIGHT" val="0"/>
+  <p:tag name="KSO_WM_UNIT_COMPATIBLE" val="0"/>
+  <p:tag name="KSO_WM_UNIT_LAYERLEVEL" val="1"/>
+  <p:tag name="KSO_WM_DIAGRAM_GROUP_CODE" val="m1-3"/>
+  <p:tag name="KSO_WM_UNIT_TYPE" val="i"/>
+  <p:tag name="KSO_WM_UNIT_INDEX" val="7"/>
+</p:tagLst>
+</file>
+
+<file path=ppt/tags/tag11.xml><?xml version="1.0" encoding="utf-8"?>
+<p:tagLst xmlns:a="http://schemas.openxmlformats.org/drawingml/2006/main" xmlns:r="http://schemas.openxmlformats.org/officeDocument/2006/relationships" xmlns:p="http://schemas.openxmlformats.org/presentationml/2006/main">
   <p:tag name="KSO_WM_TAG_VERSION" val="1.0"/>
   <p:tag name="KSO_WM_BEAUTIFY_FLAG" val="#wm#"/>
   <p:tag name="KSO_WM_UNIT_ID" val="custom222_7*i*4"/>
@@ -21876,40 +21718,23 @@
 </p:tagLst>
 </file>
 
-<file path=ppt/tags/tag11.xml><?xml version="1.0" encoding="utf-8"?>
-<p:tagLst xmlns:p="http://schemas.openxmlformats.org/presentationml/2006/main">
+<file path=ppt/tags/tag12.xml><?xml version="1.0" encoding="utf-8"?>
+<p:tagLst xmlns:a="http://schemas.openxmlformats.org/drawingml/2006/main" xmlns:r="http://schemas.openxmlformats.org/officeDocument/2006/relationships" xmlns:p="http://schemas.openxmlformats.org/presentationml/2006/main">
+  <p:tag name="KSO_WM_UNIT_HIGHLIGHT" val="0"/>
+  <p:tag name="KSO_WM_UNIT_COMPATIBLE" val="0"/>
+  <p:tag name="KSO_WM_UNIT_ID" val="custom222_1*i*1"/>
+  <p:tag name="KSO_WM_TEMPLATE_CATEGORY" val="custom"/>
+  <p:tag name="KSO_WM_TEMPLATE_INDEX" val="222"/>
+  <p:tag name="KSO_WM_UNIT_LAYERLEVEL" val="1"/>
   <p:tag name="KSO_WM_TAG_VERSION" val="1.0"/>
   <p:tag name="KSO_WM_BEAUTIFY_FLAG" val="#wm#"/>
-  <p:tag name="KSO_WM_UNIT_ID" val="custom222_11*i*7"/>
-  <p:tag name="KSO_WM_TEMPLATE_CATEGORY" val="custom"/>
-  <p:tag name="KSO_WM_TEMPLATE_INDEX" val="222"/>
-  <p:tag name="KSO_WM_UNIT_HIGHLIGHT" val="0"/>
-  <p:tag name="KSO_WM_UNIT_COMPATIBLE" val="0"/>
-  <p:tag name="KSO_WM_UNIT_LAYERLEVEL" val="1"/>
-  <p:tag name="KSO_WM_DIAGRAM_GROUP_CODE" val="m1-3"/>
   <p:tag name="KSO_WM_UNIT_TYPE" val="i"/>
-  <p:tag name="KSO_WM_UNIT_INDEX" val="7"/>
-</p:tagLst>
-</file>
-
-<file path=ppt/tags/tag12.xml><?xml version="1.0" encoding="utf-8"?>
-<p:tagLst xmlns:p="http://schemas.openxmlformats.org/presentationml/2006/main">
-  <p:tag name="KSO_WM_TAG_VERSION" val="1.0"/>
-  <p:tag name="KSO_WM_BEAUTIFY_FLAG" val="#wm#"/>
-  <p:tag name="KSO_WM_UNIT_ID" val="custom222_7*i*4"/>
-  <p:tag name="KSO_WM_TEMPLATE_CATEGORY" val="custom"/>
-  <p:tag name="KSO_WM_TEMPLATE_INDEX" val="222"/>
-  <p:tag name="KSO_WM_UNIT_HIGHLIGHT" val="0"/>
-  <p:tag name="KSO_WM_UNIT_COMPATIBLE" val="0"/>
-  <p:tag name="KSO_WM_UNIT_LAYERLEVEL" val="1"/>
-  <p:tag name="KSO_WM_DIAGRAM_GROUP_CODE" val="n1n2-1"/>
-  <p:tag name="KSO_WM_UNIT_TYPE" val="i"/>
-  <p:tag name="KSO_WM_UNIT_INDEX" val="4"/>
+  <p:tag name="KSO_WM_UNIT_INDEX" val="1"/>
 </p:tagLst>
 </file>
 
 <file path=ppt/tags/tag13.xml><?xml version="1.0" encoding="utf-8"?>
-<p:tagLst xmlns:p="http://schemas.openxmlformats.org/presentationml/2006/main">
+<p:tagLst xmlns:a="http://schemas.openxmlformats.org/drawingml/2006/main" xmlns:r="http://schemas.openxmlformats.org/officeDocument/2006/relationships" xmlns:p="http://schemas.openxmlformats.org/presentationml/2006/main">
   <p:tag name="KSO_WM_TAG_VERSION" val="1.0"/>
   <p:tag name="KSO_WM_BEAUTIFY_FLAG" val="#wm#"/>
   <p:tag name="KSO_WM_UNIT_ID" val="custom222_7*i*4"/>
@@ -21925,7 +21750,7 @@
 </file>
 
 <file path=ppt/tags/tag14.xml><?xml version="1.0" encoding="utf-8"?>
-<p:tagLst xmlns:p="http://schemas.openxmlformats.org/presentationml/2006/main">
+<p:tagLst xmlns:a="http://schemas.openxmlformats.org/drawingml/2006/main" xmlns:r="http://schemas.openxmlformats.org/officeDocument/2006/relationships" xmlns:p="http://schemas.openxmlformats.org/presentationml/2006/main">
   <p:tag name="KSO_WM_TAG_VERSION" val="1.0"/>
   <p:tag name="KSO_WM_BEAUTIFY_FLAG" val="#wm#"/>
   <p:tag name="KSO_WM_UNIT_ID" val="custom222_11*i*7"/>
@@ -21941,7 +21766,23 @@
 </file>
 
 <file path=ppt/tags/tag15.xml><?xml version="1.0" encoding="utf-8"?>
-<p:tagLst xmlns:p="http://schemas.openxmlformats.org/presentationml/2006/main">
+<p:tagLst xmlns:a="http://schemas.openxmlformats.org/drawingml/2006/main" xmlns:r="http://schemas.openxmlformats.org/officeDocument/2006/relationships" xmlns:p="http://schemas.openxmlformats.org/presentationml/2006/main">
+  <p:tag name="KSO_WM_TAG_VERSION" val="1.0"/>
+  <p:tag name="KSO_WM_BEAUTIFY_FLAG" val="#wm#"/>
+  <p:tag name="KSO_WM_UNIT_ID" val="custom222_11*i*7"/>
+  <p:tag name="KSO_WM_TEMPLATE_CATEGORY" val="custom"/>
+  <p:tag name="KSO_WM_TEMPLATE_INDEX" val="222"/>
+  <p:tag name="KSO_WM_UNIT_HIGHLIGHT" val="0"/>
+  <p:tag name="KSO_WM_UNIT_COMPATIBLE" val="0"/>
+  <p:tag name="KSO_WM_UNIT_LAYERLEVEL" val="1"/>
+  <p:tag name="KSO_WM_DIAGRAM_GROUP_CODE" val="m1-3"/>
+  <p:tag name="KSO_WM_UNIT_TYPE" val="i"/>
+  <p:tag name="KSO_WM_UNIT_INDEX" val="7"/>
+</p:tagLst>
+</file>
+
+<file path=ppt/tags/tag16.xml><?xml version="1.0" encoding="utf-8"?>
+<p:tagLst xmlns:a="http://schemas.openxmlformats.org/drawingml/2006/main" xmlns:r="http://schemas.openxmlformats.org/officeDocument/2006/relationships" xmlns:p="http://schemas.openxmlformats.org/presentationml/2006/main">
   <p:tag name="KSO_WM_TAG_VERSION" val="1.0"/>
   <p:tag name="KSO_WM_BEAUTIFY_FLAG" val="#wm#"/>
   <p:tag name="KSO_WM_UNIT_ID" val="custom222_7*i*4"/>
@@ -21956,8 +21797,8 @@
 </p:tagLst>
 </file>
 
-<file path=ppt/tags/tag16.xml><?xml version="1.0" encoding="utf-8"?>
-<p:tagLst xmlns:p="http://schemas.openxmlformats.org/presentationml/2006/main">
+<file path=ppt/tags/tag17.xml><?xml version="1.0" encoding="utf-8"?>
+<p:tagLst xmlns:a="http://schemas.openxmlformats.org/drawingml/2006/main" xmlns:r="http://schemas.openxmlformats.org/officeDocument/2006/relationships" xmlns:p="http://schemas.openxmlformats.org/presentationml/2006/main">
   <p:tag name="KSO_WM_TAG_VERSION" val="1.0"/>
   <p:tag name="KSO_WM_BEAUTIFY_FLAG" val="#wm#"/>
   <p:tag name="KSO_WM_UNIT_ID" val="custom222_11*i*7"/>
@@ -21972,24 +21813,8 @@
 </p:tagLst>
 </file>
 
-<file path=ppt/tags/tag17.xml><?xml version="1.0" encoding="utf-8"?>
-<p:tagLst xmlns:p="http://schemas.openxmlformats.org/presentationml/2006/main">
-  <p:tag name="KSO_WM_TAG_VERSION" val="1.0"/>
-  <p:tag name="KSO_WM_BEAUTIFY_FLAG" val="#wm#"/>
-  <p:tag name="KSO_WM_UNIT_ID" val="custom222_7*i*4"/>
-  <p:tag name="KSO_WM_TEMPLATE_CATEGORY" val="custom"/>
-  <p:tag name="KSO_WM_TEMPLATE_INDEX" val="222"/>
-  <p:tag name="KSO_WM_UNIT_HIGHLIGHT" val="0"/>
-  <p:tag name="KSO_WM_UNIT_COMPATIBLE" val="0"/>
-  <p:tag name="KSO_WM_UNIT_LAYERLEVEL" val="1"/>
-  <p:tag name="KSO_WM_DIAGRAM_GROUP_CODE" val="n1n2-1"/>
-  <p:tag name="KSO_WM_UNIT_TYPE" val="i"/>
-  <p:tag name="KSO_WM_UNIT_INDEX" val="4"/>
-</p:tagLst>
-</file>
-
 <file path=ppt/tags/tag18.xml><?xml version="1.0" encoding="utf-8"?>
-<p:tagLst xmlns:p="http://schemas.openxmlformats.org/presentationml/2006/main">
+<p:tagLst xmlns:a="http://schemas.openxmlformats.org/drawingml/2006/main" xmlns:r="http://schemas.openxmlformats.org/officeDocument/2006/relationships" xmlns:p="http://schemas.openxmlformats.org/presentationml/2006/main">
   <p:tag name="KSO_WM_TAG_VERSION" val="1.0"/>
   <p:tag name="KSO_WM_BEAUTIFY_FLAG" val="#wm#"/>
   <p:tag name="KSO_WM_UNIT_ID" val="custom222_7*i*4"/>
@@ -22005,101 +21830,31 @@
 </file>
 
 <file path=ppt/tags/tag19.xml><?xml version="1.0" encoding="utf-8"?>
-<p:tagLst xmlns:p="http://schemas.openxmlformats.org/presentationml/2006/main">
+<p:tagLst xmlns:a="http://schemas.openxmlformats.org/drawingml/2006/main" xmlns:r="http://schemas.openxmlformats.org/officeDocument/2006/relationships" xmlns:p="http://schemas.openxmlformats.org/presentationml/2006/main">
+  <p:tag name="KSO_WM_TAG_VERSION" val="1.0"/>
+  <p:tag name="KSO_WM_BEAUTIFY_FLAG" val="#wm#"/>
+  <p:tag name="KSO_WM_UNIT_ID" val="custom222_7*i*4"/>
+  <p:tag name="KSO_WM_TEMPLATE_CATEGORY" val="custom"/>
+  <p:tag name="KSO_WM_TEMPLATE_INDEX" val="222"/>
+  <p:tag name="KSO_WM_UNIT_HIGHLIGHT" val="0"/>
+  <p:tag name="KSO_WM_UNIT_COMPATIBLE" val="0"/>
+  <p:tag name="KSO_WM_UNIT_LAYERLEVEL" val="1"/>
+  <p:tag name="KSO_WM_DIAGRAM_GROUP_CODE" val="n1n2-1"/>
+  <p:tag name="KSO_WM_UNIT_TYPE" val="i"/>
+  <p:tag name="KSO_WM_UNIT_INDEX" val="4"/>
+</p:tagLst>
+</file>
+
+<file path=ppt/tags/tag2.xml><?xml version="1.0" encoding="utf-8"?>
+<p:tagLst xmlns:a="http://schemas.openxmlformats.org/drawingml/2006/main" xmlns:r="http://schemas.openxmlformats.org/officeDocument/2006/relationships" xmlns:p="http://schemas.openxmlformats.org/presentationml/2006/main">
   <p:tag name="KSO_WM_TAG_VERSION" val="1.0"/>
   <p:tag name="KSO_WM_TEMPLATE_CATEGORY" val="custom"/>
   <p:tag name="KSO_WM_TEMPLATE_INDEX" val="222"/>
 </p:tagLst>
 </file>
 
-<file path=ppt/tags/tag2.xml><?xml version="1.0" encoding="utf-8"?>
-<p:tagLst xmlns:p="http://schemas.openxmlformats.org/presentationml/2006/main">
-  <p:tag name="KSO_WM_UNIT_HIGHLIGHT" val="0"/>
-  <p:tag name="KSO_WM_UNIT_COMPATIBLE" val="0"/>
-  <p:tag name="KSO_WM_UNIT_ID" val="custom222_1*i*3"/>
-  <p:tag name="KSO_WM_TEMPLATE_CATEGORY" val="custom"/>
-  <p:tag name="KSO_WM_TEMPLATE_INDEX" val="222"/>
-  <p:tag name="KSO_WM_UNIT_LAYERLEVEL" val="1"/>
-  <p:tag name="KSO_WM_TAG_VERSION" val="1.0"/>
-  <p:tag name="KSO_WM_BEAUTIFY_FLAG" val="#wm#"/>
-  <p:tag name="KSO_WM_UNIT_TYPE" val="i"/>
-  <p:tag name="KSO_WM_UNIT_INDEX" val="3"/>
-</p:tagLst>
-</file>
-
 <file path=ppt/tags/tag20.xml><?xml version="1.0" encoding="utf-8"?>
-<p:tagLst xmlns:p="http://schemas.openxmlformats.org/presentationml/2006/main">
-  <p:tag name="KSO_WM_TAG_VERSION" val="1.0"/>
-  <p:tag name="KSO_WM_TEMPLATE_CATEGORY" val="custom"/>
-  <p:tag name="KSO_WM_TEMPLATE_INDEX" val="222"/>
-</p:tagLst>
-</file>
-
-<file path=ppt/tags/tag21.xml><?xml version="1.0" encoding="utf-8"?>
-<p:tagLst xmlns:p="http://schemas.openxmlformats.org/presentationml/2006/main">
-  <p:tag name="KSO_WM_TAG_VERSION" val="1.0"/>
-  <p:tag name="KSO_WM_BEAUTIFY_FLAG" val="#wm#"/>
-  <p:tag name="KSO_WM_COMBINE_RELATE_SLIDE_ID" val="background20185109_1"/>
-  <p:tag name="KSO_WM_TEMPLATE_CATEGORY" val="custom"/>
-  <p:tag name="KSO_WM_TEMPLATE_INDEX" val="222"/>
-  <p:tag name="KSO_WM_TEMPLATE_SUBCATEGORY" val="combine"/>
-  <p:tag name="KSO_WM_TEMPLATE_THUMBS_INDEX" val="1、2、3、4、6、8、9、10、"/>
-</p:tagLst>
-</file>
-
-<file path=ppt/tags/tag22.xml><?xml version="1.0" encoding="utf-8"?>
-<p:tagLst xmlns:p="http://schemas.openxmlformats.org/presentationml/2006/main">
-  <p:tag name="KSO_WM_UNIT_HIGHLIGHT" val="0"/>
-  <p:tag name="KSO_WM_UNIT_COMPATIBLE" val="0"/>
-  <p:tag name="KSO_WM_UNIT_ID" val="custom222_1*i*3"/>
-  <p:tag name="KSO_WM_TEMPLATE_CATEGORY" val="custom"/>
-  <p:tag name="KSO_WM_TEMPLATE_INDEX" val="222"/>
-  <p:tag name="KSO_WM_UNIT_LAYERLEVEL" val="1"/>
-  <p:tag name="KSO_WM_TAG_VERSION" val="1.0"/>
-  <p:tag name="KSO_WM_BEAUTIFY_FLAG" val="#wm#"/>
-  <p:tag name="KSO_WM_UNIT_TYPE" val="i"/>
-  <p:tag name="KSO_WM_UNIT_INDEX" val="3"/>
-</p:tagLst>
-</file>
-
-<file path=ppt/tags/tag23.xml><?xml version="1.0" encoding="utf-8"?>
-<p:tagLst xmlns:p="http://schemas.openxmlformats.org/presentationml/2006/main">
-  <p:tag name="KSO_WM_UNIT_HIGHLIGHT" val="0"/>
-  <p:tag name="KSO_WM_UNIT_COMPATIBLE" val="0"/>
-  <p:tag name="KSO_WM_UNIT_ID" val="custom222_1*i*4"/>
-  <p:tag name="KSO_WM_TEMPLATE_CATEGORY" val="custom"/>
-  <p:tag name="KSO_WM_TEMPLATE_INDEX" val="222"/>
-  <p:tag name="KSO_WM_UNIT_LAYERLEVEL" val="1"/>
-  <p:tag name="KSO_WM_TAG_VERSION" val="1.0"/>
-  <p:tag name="KSO_WM_BEAUTIFY_FLAG" val="#wm#"/>
-  <p:tag name="KSO_WM_UNIT_TYPE" val="i"/>
-  <p:tag name="KSO_WM_UNIT_INDEX" val="4"/>
-</p:tagLst>
-</file>
-
-<file path=ppt/tags/tag24.xml><?xml version="1.0" encoding="utf-8"?>
-<p:tagLst xmlns:p="http://schemas.openxmlformats.org/presentationml/2006/main">
-  <p:tag name="COMMONDATA" val="eyJoZGlkIjoiMGMxYmIzZGI0NmVkYTY2YjM2NGFiM2E2NjUxMTIzNjIifQ=="/>
-</p:tagLst>
-</file>
-
-<file path=ppt/tags/tag3.xml><?xml version="1.0" encoding="utf-8"?>
-<p:tagLst xmlns:p="http://schemas.openxmlformats.org/presentationml/2006/main">
-  <p:tag name="KSO_WM_UNIT_HIGHLIGHT" val="0"/>
-  <p:tag name="KSO_WM_UNIT_COMPATIBLE" val="0"/>
-  <p:tag name="KSO_WM_UNIT_ID" val="custom222_1*i*4"/>
-  <p:tag name="KSO_WM_TEMPLATE_CATEGORY" val="custom"/>
-  <p:tag name="KSO_WM_TEMPLATE_INDEX" val="222"/>
-  <p:tag name="KSO_WM_UNIT_LAYERLEVEL" val="1"/>
-  <p:tag name="KSO_WM_TAG_VERSION" val="1.0"/>
-  <p:tag name="KSO_WM_BEAUTIFY_FLAG" val="#wm#"/>
-  <p:tag name="KSO_WM_UNIT_TYPE" val="i"/>
-  <p:tag name="KSO_WM_UNIT_INDEX" val="4"/>
-</p:tagLst>
-</file>
-
-<file path=ppt/tags/tag4.xml><?xml version="1.0" encoding="utf-8"?>
-<p:tagLst xmlns:p="http://schemas.openxmlformats.org/presentationml/2006/main">
+<p:tagLst xmlns:a="http://schemas.openxmlformats.org/drawingml/2006/main" xmlns:r="http://schemas.openxmlformats.org/officeDocument/2006/relationships" xmlns:p="http://schemas.openxmlformats.org/presentationml/2006/main">
   <p:tag name="KSO_WM_TAG_VERSION" val="1.0"/>
   <p:tag name="KSO_WM_BEAUTIFY_FLAG" val="#wm#"/>
   <p:tag name="KSO_WM_UNIT_ID" val="custom222_11*i*7"/>
@@ -22114,8 +21869,8 @@
 </p:tagLst>
 </file>
 
-<file path=ppt/tags/tag5.xml><?xml version="1.0" encoding="utf-8"?>
-<p:tagLst xmlns:p="http://schemas.openxmlformats.org/presentationml/2006/main">
+<file path=ppt/tags/tag21.xml><?xml version="1.0" encoding="utf-8"?>
+<p:tagLst xmlns:a="http://schemas.openxmlformats.org/drawingml/2006/main" xmlns:r="http://schemas.openxmlformats.org/officeDocument/2006/relationships" xmlns:p="http://schemas.openxmlformats.org/presentationml/2006/main">
   <p:tag name="KSO_WM_TAG_VERSION" val="1.0"/>
   <p:tag name="KSO_WM_BEAUTIFY_FLAG" val="#wm#"/>
   <p:tag name="KSO_WM_UNIT_ID" val="custom222_7*i*4"/>
@@ -22130,23 +21885,24 @@
 </p:tagLst>
 </file>
 
-<file path=ppt/tags/tag6.xml><?xml version="1.0" encoding="utf-8"?>
-<p:tagLst xmlns:p="http://schemas.openxmlformats.org/presentationml/2006/main">
+<file path=ppt/tags/tag22.xml><?xml version="1.0" encoding="utf-8"?>
+<p:tagLst xmlns:a="http://schemas.openxmlformats.org/drawingml/2006/main" xmlns:r="http://schemas.openxmlformats.org/officeDocument/2006/relationships" xmlns:p="http://schemas.openxmlformats.org/presentationml/2006/main">
+  <p:tag name="KSO_WM_TAG_VERSION" val="1.0"/>
+  <p:tag name="KSO_WM_BEAUTIFY_FLAG" val="#wm#"/>
+  <p:tag name="KSO_WM_UNIT_ID" val="custom222_11*i*7"/>
+  <p:tag name="KSO_WM_TEMPLATE_CATEGORY" val="custom"/>
+  <p:tag name="KSO_WM_TEMPLATE_INDEX" val="222"/>
   <p:tag name="KSO_WM_UNIT_HIGHLIGHT" val="0"/>
   <p:tag name="KSO_WM_UNIT_COMPATIBLE" val="0"/>
-  <p:tag name="KSO_WM_UNIT_ID" val="custom222_1*i*1"/>
-  <p:tag name="KSO_WM_TEMPLATE_CATEGORY" val="custom"/>
-  <p:tag name="KSO_WM_TEMPLATE_INDEX" val="222"/>
   <p:tag name="KSO_WM_UNIT_LAYERLEVEL" val="1"/>
-  <p:tag name="KSO_WM_TAG_VERSION" val="1.0"/>
-  <p:tag name="KSO_WM_BEAUTIFY_FLAG" val="#wm#"/>
+  <p:tag name="KSO_WM_DIAGRAM_GROUP_CODE" val="m1-3"/>
   <p:tag name="KSO_WM_UNIT_TYPE" val="i"/>
-  <p:tag name="KSO_WM_UNIT_INDEX" val="1"/>
+  <p:tag name="KSO_WM_UNIT_INDEX" val="7"/>
 </p:tagLst>
 </file>
 
-<file path=ppt/tags/tag7.xml><?xml version="1.0" encoding="utf-8"?>
-<p:tagLst xmlns:p="http://schemas.openxmlformats.org/presentationml/2006/main">
+<file path=ppt/tags/tag23.xml><?xml version="1.0" encoding="utf-8"?>
+<p:tagLst xmlns:a="http://schemas.openxmlformats.org/drawingml/2006/main" xmlns:r="http://schemas.openxmlformats.org/officeDocument/2006/relationships" xmlns:p="http://schemas.openxmlformats.org/presentationml/2006/main">
   <p:tag name="KSO_WM_TAG_VERSION" val="1.0"/>
   <p:tag name="KSO_WM_BEAUTIFY_FLAG" val="#wm#"/>
   <p:tag name="KSO_WM_UNIT_ID" val="custom222_7*i*4"/>
@@ -22161,35 +21917,114 @@
 </p:tagLst>
 </file>
 
-<file path=ppt/tags/tag8.xml><?xml version="1.0" encoding="utf-8"?>
-<p:tagLst xmlns:p="http://schemas.openxmlformats.org/presentationml/2006/main">
+<file path=ppt/tags/tag24.xml><?xml version="1.0" encoding="utf-8"?>
+<p:tagLst xmlns:a="http://schemas.openxmlformats.org/drawingml/2006/main" xmlns:r="http://schemas.openxmlformats.org/officeDocument/2006/relationships" xmlns:p="http://schemas.openxmlformats.org/presentationml/2006/main">
   <p:tag name="KSO_WM_TAG_VERSION" val="1.0"/>
   <p:tag name="KSO_WM_BEAUTIFY_FLAG" val="#wm#"/>
-  <p:tag name="KSO_WM_UNIT_ID" val="custom222_11*i*7"/>
+  <p:tag name="KSO_WM_UNIT_ID" val="custom222_7*i*4"/>
   <p:tag name="KSO_WM_TEMPLATE_CATEGORY" val="custom"/>
   <p:tag name="KSO_WM_TEMPLATE_INDEX" val="222"/>
   <p:tag name="KSO_WM_UNIT_HIGHLIGHT" val="0"/>
   <p:tag name="KSO_WM_UNIT_COMPATIBLE" val="0"/>
   <p:tag name="KSO_WM_UNIT_LAYERLEVEL" val="1"/>
-  <p:tag name="KSO_WM_DIAGRAM_GROUP_CODE" val="m1-3"/>
+  <p:tag name="KSO_WM_DIAGRAM_GROUP_CODE" val="n1n2-1"/>
   <p:tag name="KSO_WM_UNIT_TYPE" val="i"/>
-  <p:tag name="KSO_WM_UNIT_INDEX" val="7"/>
+  <p:tag name="KSO_WM_UNIT_INDEX" val="4"/>
+</p:tagLst>
+</file>
+
+<file path=ppt/tags/tag3.xml><?xml version="1.0" encoding="utf-8"?>
+<p:tagLst xmlns:a="http://schemas.openxmlformats.org/drawingml/2006/main" xmlns:r="http://schemas.openxmlformats.org/officeDocument/2006/relationships" xmlns:p="http://schemas.openxmlformats.org/presentationml/2006/main">
+  <p:tag name="KSO_WM_TAG_VERSION" val="1.0"/>
+  <p:tag name="KSO_WM_TEMPLATE_CATEGORY" val="custom"/>
+  <p:tag name="KSO_WM_TEMPLATE_INDEX" val="222"/>
+</p:tagLst>
+</file>
+
+<file path=ppt/tags/tag4.xml><?xml version="1.0" encoding="utf-8"?>
+<p:tagLst xmlns:a="http://schemas.openxmlformats.org/drawingml/2006/main" xmlns:r="http://schemas.openxmlformats.org/officeDocument/2006/relationships" xmlns:p="http://schemas.openxmlformats.org/presentationml/2006/main">
+  <p:tag name="KSO_WM_TAG_VERSION" val="1.0"/>
+  <p:tag name="KSO_WM_BEAUTIFY_FLAG" val="#wm#"/>
+  <p:tag name="KSO_WM_COMBINE_RELATE_SLIDE_ID" val="background20185109_1"/>
+  <p:tag name="KSO_WM_TEMPLATE_CATEGORY" val="custom"/>
+  <p:tag name="KSO_WM_TEMPLATE_INDEX" val="222"/>
+  <p:tag name="KSO_WM_TEMPLATE_SUBCATEGORY" val="combine"/>
+  <p:tag name="KSO_WM_TEMPLATE_THUMBS_INDEX" val="1、2、3、4、6、8、9、10、"/>
+</p:tagLst>
+</file>
+
+<file path=ppt/tags/tag5.xml><?xml version="1.0" encoding="utf-8"?>
+<p:tagLst xmlns:a="http://schemas.openxmlformats.org/drawingml/2006/main" xmlns:r="http://schemas.openxmlformats.org/officeDocument/2006/relationships" xmlns:p="http://schemas.openxmlformats.org/presentationml/2006/main">
+  <p:tag name="KSO_WM_UNIT_HIGHLIGHT" val="0"/>
+  <p:tag name="KSO_WM_UNIT_COMPATIBLE" val="0"/>
+  <p:tag name="KSO_WM_UNIT_ID" val="custom222_1*i*3"/>
+  <p:tag name="KSO_WM_TEMPLATE_CATEGORY" val="custom"/>
+  <p:tag name="KSO_WM_TEMPLATE_INDEX" val="222"/>
+  <p:tag name="KSO_WM_UNIT_LAYERLEVEL" val="1"/>
+  <p:tag name="KSO_WM_TAG_VERSION" val="1.0"/>
+  <p:tag name="KSO_WM_BEAUTIFY_FLAG" val="#wm#"/>
+  <p:tag name="KSO_WM_UNIT_TYPE" val="i"/>
+  <p:tag name="KSO_WM_UNIT_INDEX" val="3"/>
+</p:tagLst>
+</file>
+
+<file path=ppt/tags/tag6.xml><?xml version="1.0" encoding="utf-8"?>
+<p:tagLst xmlns:a="http://schemas.openxmlformats.org/drawingml/2006/main" xmlns:r="http://schemas.openxmlformats.org/officeDocument/2006/relationships" xmlns:p="http://schemas.openxmlformats.org/presentationml/2006/main">
+  <p:tag name="KSO_WM_UNIT_HIGHLIGHT" val="0"/>
+  <p:tag name="KSO_WM_UNIT_COMPATIBLE" val="0"/>
+  <p:tag name="KSO_WM_UNIT_ID" val="custom222_1*i*4"/>
+  <p:tag name="KSO_WM_TEMPLATE_CATEGORY" val="custom"/>
+  <p:tag name="KSO_WM_TEMPLATE_INDEX" val="222"/>
+  <p:tag name="KSO_WM_UNIT_LAYERLEVEL" val="1"/>
+  <p:tag name="KSO_WM_TAG_VERSION" val="1.0"/>
+  <p:tag name="KSO_WM_BEAUTIFY_FLAG" val="#wm#"/>
+  <p:tag name="KSO_WM_UNIT_TYPE" val="i"/>
+  <p:tag name="KSO_WM_UNIT_INDEX" val="4"/>
+</p:tagLst>
+</file>
+
+<file path=ppt/tags/tag7.xml><?xml version="1.0" encoding="utf-8"?>
+<p:tagLst xmlns:a="http://schemas.openxmlformats.org/drawingml/2006/main" xmlns:r="http://schemas.openxmlformats.org/officeDocument/2006/relationships" xmlns:p="http://schemas.openxmlformats.org/presentationml/2006/main">
+  <p:tag name="KSO_WM_UNIT_HIGHLIGHT" val="0"/>
+  <p:tag name="KSO_WM_UNIT_COMPATIBLE" val="0"/>
+  <p:tag name="KSO_WM_UNIT_ID" val="custom222_1*i*1"/>
+  <p:tag name="KSO_WM_TEMPLATE_CATEGORY" val="custom"/>
+  <p:tag name="KSO_WM_TEMPLATE_INDEX" val="222"/>
+  <p:tag name="KSO_WM_UNIT_LAYERLEVEL" val="1"/>
+  <p:tag name="KSO_WM_TAG_VERSION" val="1.0"/>
+  <p:tag name="KSO_WM_BEAUTIFY_FLAG" val="#wm#"/>
+  <p:tag name="KSO_WM_UNIT_TYPE" val="i"/>
+  <p:tag name="KSO_WM_UNIT_INDEX" val="1"/>
+</p:tagLst>
+</file>
+
+<file path=ppt/tags/tag8.xml><?xml version="1.0" encoding="utf-8"?>
+<p:tagLst xmlns:a="http://schemas.openxmlformats.org/drawingml/2006/main" xmlns:r="http://schemas.openxmlformats.org/officeDocument/2006/relationships" xmlns:p="http://schemas.openxmlformats.org/presentationml/2006/main">
+  <p:tag name="KSO_WM_UNIT_HIGHLIGHT" val="0"/>
+  <p:tag name="KSO_WM_UNIT_COMPATIBLE" val="0"/>
+  <p:tag name="KSO_WM_UNIT_ID" val="custom222_1*i*3"/>
+  <p:tag name="KSO_WM_TEMPLATE_CATEGORY" val="custom"/>
+  <p:tag name="KSO_WM_TEMPLATE_INDEX" val="222"/>
+  <p:tag name="KSO_WM_UNIT_LAYERLEVEL" val="1"/>
+  <p:tag name="KSO_WM_TAG_VERSION" val="1.0"/>
+  <p:tag name="KSO_WM_BEAUTIFY_FLAG" val="#wm#"/>
+  <p:tag name="KSO_WM_UNIT_TYPE" val="i"/>
+  <p:tag name="KSO_WM_UNIT_INDEX" val="3"/>
 </p:tagLst>
 </file>
 
 <file path=ppt/tags/tag9.xml><?xml version="1.0" encoding="utf-8"?>
-<p:tagLst xmlns:p="http://schemas.openxmlformats.org/presentationml/2006/main">
+<p:tagLst xmlns:a="http://schemas.openxmlformats.org/drawingml/2006/main" xmlns:r="http://schemas.openxmlformats.org/officeDocument/2006/relationships" xmlns:p="http://schemas.openxmlformats.org/presentationml/2006/main">
+  <p:tag name="KSO_WM_UNIT_HIGHLIGHT" val="0"/>
+  <p:tag name="KSO_WM_UNIT_COMPATIBLE" val="0"/>
+  <p:tag name="KSO_WM_UNIT_ID" val="custom222_1*i*4"/>
+  <p:tag name="KSO_WM_TEMPLATE_CATEGORY" val="custom"/>
+  <p:tag name="KSO_WM_TEMPLATE_INDEX" val="222"/>
+  <p:tag name="KSO_WM_UNIT_LAYERLEVEL" val="1"/>
   <p:tag name="KSO_WM_TAG_VERSION" val="1.0"/>
   <p:tag name="KSO_WM_BEAUTIFY_FLAG" val="#wm#"/>
-  <p:tag name="KSO_WM_UNIT_ID" val="custom222_11*i*7"/>
-  <p:tag name="KSO_WM_TEMPLATE_CATEGORY" val="custom"/>
-  <p:tag name="KSO_WM_TEMPLATE_INDEX" val="222"/>
-  <p:tag name="KSO_WM_UNIT_HIGHLIGHT" val="0"/>
-  <p:tag name="KSO_WM_UNIT_COMPATIBLE" val="0"/>
-  <p:tag name="KSO_WM_UNIT_LAYERLEVEL" val="1"/>
-  <p:tag name="KSO_WM_DIAGRAM_GROUP_CODE" val="m1-3"/>
   <p:tag name="KSO_WM_UNIT_TYPE" val="i"/>
-  <p:tag name="KSO_WM_UNIT_INDEX" val="7"/>
+  <p:tag name="KSO_WM_UNIT_INDEX" val="4"/>
 </p:tagLst>
 </file>
 
@@ -22384,6 +22219,8 @@
       </a:bgFillStyleLst>
     </a:fmtScheme>
   </a:themeElements>
+  <a:objectDefaults/>
+  <a:extraClrSchemeLst/>
   <a:extLst>
     <a:ext uri="{05A4C25C-085E-4340-85A3-A5531E510DB2}">
       <thm15:themeFamily xmlns:thm15="http://schemas.microsoft.com/office/thememl/2012/main" name="Office Theme" id="{62F939B6-93AF-4DB8-9C6B-D6C7DFDC589F}" vid="{4A3C46E8-61CC-4603-A589-7422A47A8E4A}"/>
@@ -22664,6 +22501,7 @@
       </a:style>
     </a:lnDef>
   </a:objectDefaults>
+  <a:extraClrSchemeLst/>
   <a:extLst>
     <a:ext uri="{05A4C25C-085E-4340-85A3-A5531E510DB2}">
       <thm15:themeFamily xmlns:thm15="http://schemas.microsoft.com/office/thememl/2012/main" name="Office Theme" id="{62F939B6-93AF-4DB8-9C6B-D6C7DFDC589F}" vid="{4A3C46E8-61CC-4603-A589-7422A47A8E4A}"/>

--- a/livefile/livepowerpoint.pptx
+++ b/livefile/livepowerpoint.pptx
@@ -19474,6 +19474,47 @@
               <a:rPr lang="en-US" altLang="zh-CN" dirty="0"/>
               <a:t>JavaScript</a:t>
             </a:r>
+          </a:p>
+        </p:txBody>
+      </p:sp>
+      <p:sp>
+        <p:nvSpPr>
+          <p:cNvPr id="14" name="文本框 13">
+            <a:hlinkClick r:id="rId13"/>
+            <a:extLst>
+              <a:ext uri="{FF2B5EF4-FFF2-40B4-BE49-F238E27FC236}">
+                <a16:creationId xmlns:a16="http://schemas.microsoft.com/office/drawing/2014/main" id="{438AA175-326D-7CC7-097E-1758C53EEAEB}"/>
+              </a:ext>
+            </a:extLst>
+          </p:cNvPr>
+          <p:cNvSpPr txBox="1"/>
+          <p:nvPr/>
+        </p:nvSpPr>
+        <p:spPr>
+          <a:xfrm>
+            <a:off x="7021286" y="5322674"/>
+            <a:ext cx="2351314" cy="437515"/>
+          </a:xfrm>
+          <a:prstGeom prst="rect">
+            <a:avLst/>
+          </a:prstGeom>
+          <a:noFill/>
+        </p:spPr>
+        <p:txBody>
+          <a:bodyPr wrap="square" rtlCol="0">
+            <a:noAutofit/>
+          </a:bodyPr>
+          <a:lstStyle/>
+          <a:p>
+            <a:r>
+              <a:rPr lang="en-US" altLang="zh-CN" dirty="0"/>
+              <a:t>JavaScript</a:t>
+            </a:r>
+            <a:r>
+              <a:rPr lang="zh-CN" altLang="en-US" dirty="0"/>
+              <a:t>基础教程</a:t>
+            </a:r>
+            <a:endParaRPr lang="en-US" altLang="zh-CN" dirty="0"/>
           </a:p>
         </p:txBody>
       </p:sp>

--- a/livefile/livepowerpoint.pptx
+++ b/livefile/livepowerpoint.pptx
@@ -257,7 +257,7 @@
           <a:p>
             <a:fld id="{16A2333F-9A84-48D5-897E-B51363C09104}" type="datetimeFigureOut">
               <a:rPr lang="zh-CN" altLang="en-US" smtClean="0"/>
-              <a:t>2024/5/18</a:t>
+              <a:t>2024/5/19</a:t>
             </a:fld>
             <a:endParaRPr lang="zh-CN" altLang="en-US"/>
           </a:p>
@@ -1466,7 +1466,7 @@
             </a:pPr>
             <a:fld id="{8D7D9A98-2B42-4142-BB4A-011734DDEA85}" type="datetimeFigureOut">
               <a:rPr lang="zh-CN" altLang="en-US"/>
-              <a:t>2024/5/18</a:t>
+              <a:t>2024/5/19</a:t>
             </a:fld>
             <a:endParaRPr lang="zh-CN" altLang="en-US"/>
           </a:p>
@@ -1615,7 +1615,7 @@
             </a:pPr>
             <a:fld id="{12F3D532-36F8-4FDA-B03A-4B8348962AD1}" type="datetime1">
               <a:rPr lang="zh-CN" altLang="en-US"/>
-              <a:t>2024/5/18</a:t>
+              <a:t>2024/5/19</a:t>
             </a:fld>
             <a:endParaRPr lang="zh-CN" altLang="en-US"/>
           </a:p>
@@ -1724,7 +1724,7 @@
           <a:p>
             <a:fld id="{F487EE23-058C-4F57-8869-2B6561E3103C}" type="datetimeFigureOut">
               <a:rPr lang="zh-CN" altLang="en-US" smtClean="0"/>
-              <a:t>2024/5/18</a:t>
+              <a:t>2024/5/19</a:t>
             </a:fld>
             <a:endParaRPr lang="zh-CN" altLang="en-US"/>
           </a:p>
@@ -1980,7 +1980,7 @@
           <a:p>
             <a:fld id="{F487EE23-058C-4F57-8869-2B6561E3103C}" type="datetimeFigureOut">
               <a:rPr lang="zh-CN" altLang="en-US" smtClean="0"/>
-              <a:t>2024/5/18</a:t>
+              <a:t>2024/5/19</a:t>
             </a:fld>
             <a:endParaRPr lang="zh-CN" altLang="en-US"/>
           </a:p>
@@ -2202,7 +2202,7 @@
             </a:pPr>
             <a:fld id="{A293AA06-7DE4-4BE9-9894-758112E5DCC1}" type="datetime1">
               <a:rPr lang="zh-CN" altLang="en-US"/>
-              <a:t>2024/5/18</a:t>
+              <a:t>2024/5/19</a:t>
             </a:fld>
             <a:endParaRPr lang="zh-CN" altLang="en-US"/>
           </a:p>
@@ -2516,7 +2516,7 @@
           <a:p>
             <a:fld id="{F487EE23-058C-4F57-8869-2B6561E3103C}" type="datetimeFigureOut">
               <a:rPr lang="zh-CN" altLang="en-US" smtClean="0"/>
-              <a:t>2024/5/18</a:t>
+              <a:t>2024/5/19</a:t>
             </a:fld>
             <a:endParaRPr lang="zh-CN" altLang="en-US"/>
           </a:p>
@@ -2767,7 +2767,7 @@
             </a:pPr>
             <a:fld id="{BEDED714-68C8-44B6-9732-DDF7DD97772E}" type="datetime1">
               <a:rPr lang="zh-CN" altLang="en-US"/>
-              <a:t>2024/5/18</a:t>
+              <a:t>2024/5/19</a:t>
             </a:fld>
             <a:endParaRPr lang="zh-CN" altLang="en-US"/>
           </a:p>
@@ -3149,7 +3149,7 @@
             </a:pPr>
             <a:fld id="{27A77D59-FE09-433D-B821-9B2BE50A514A}" type="datetime1">
               <a:rPr lang="zh-CN" altLang="en-US"/>
-              <a:t>2024/5/18</a:t>
+              <a:t>2024/5/19</a:t>
             </a:fld>
             <a:endParaRPr lang="zh-CN" altLang="en-US"/>
           </a:p>
@@ -3458,7 +3458,7 @@
             </a:pPr>
             <a:fld id="{E11AF4AC-5AFC-4379-B912-FCE9AB7477D3}" type="datetime1">
               <a:rPr lang="zh-CN" altLang="en-US"/>
-              <a:t>2024/5/18</a:t>
+              <a:t>2024/5/19</a:t>
             </a:fld>
             <a:endParaRPr lang="zh-CN" altLang="en-US"/>
           </a:p>
@@ -4186,7 +4186,7 @@
             </a:pPr>
             <a:fld id="{D2392E56-C887-40A0-B45B-7A180C992FB2}" type="datetime1">
               <a:rPr lang="zh-CN" altLang="en-US"/>
-              <a:t>2024/5/18</a:t>
+              <a:t>2024/5/19</a:t>
             </a:fld>
             <a:endParaRPr lang="zh-CN" altLang="en-US"/>
           </a:p>
@@ -4629,7 +4629,7 @@
             </a:pPr>
             <a:fld id="{614AAE4D-FD61-4E21-A39B-A3D833986EBE}" type="datetime1">
               <a:rPr lang="zh-CN" altLang="en-US"/>
-              <a:t>2024/5/18</a:t>
+              <a:t>2024/5/19</a:t>
             </a:fld>
             <a:endParaRPr lang="zh-CN" altLang="en-US"/>
           </a:p>
@@ -4991,7 +4991,7 @@
           <a:p>
             <a:fld id="{F487EE23-058C-4F57-8869-2B6561E3103C}" type="datetimeFigureOut">
               <a:rPr lang="zh-CN" altLang="en-US" smtClean="0"/>
-              <a:t>2024/5/18</a:t>
+              <a:t>2024/5/19</a:t>
             </a:fld>
             <a:endParaRPr lang="zh-CN" altLang="en-US"/>
           </a:p>
@@ -5477,7 +5477,7 @@
           <a:p>
             <a:fld id="{F487EE23-058C-4F57-8869-2B6561E3103C}" type="datetimeFigureOut">
               <a:rPr lang="zh-CN" altLang="en-US" smtClean="0"/>
-              <a:t>2024/5/18</a:t>
+              <a:t>2024/5/19</a:t>
             </a:fld>
             <a:endParaRPr lang="zh-CN" altLang="en-US"/>
           </a:p>
@@ -5750,7 +5750,7 @@
           <a:p>
             <a:fld id="{F487EE23-058C-4F57-8869-2B6561E3103C}" type="datetimeFigureOut">
               <a:rPr lang="zh-CN" altLang="en-US" smtClean="0"/>
-              <a:t>2024/5/18</a:t>
+              <a:t>2024/5/19</a:t>
             </a:fld>
             <a:endParaRPr lang="zh-CN" altLang="en-US"/>
           </a:p>
@@ -18149,38 +18149,6 @@
       </p:sp>
       <p:sp>
         <p:nvSpPr>
-          <p:cNvPr id="14" name="文本框 13">
-            <a:hlinkClick r:id="rId12"/>
-          </p:cNvPr>
-          <p:cNvSpPr txBox="1"/>
-          <p:nvPr/>
-        </p:nvSpPr>
-        <p:spPr>
-          <a:xfrm>
-            <a:off x="6597489" y="1790595"/>
-            <a:ext cx="1410335" cy="368300"/>
-          </a:xfrm>
-          <a:prstGeom prst="rect">
-            <a:avLst/>
-          </a:prstGeom>
-          <a:noFill/>
-        </p:spPr>
-        <p:txBody>
-          <a:bodyPr wrap="square" rtlCol="0">
-            <a:spAutoFit/>
-          </a:bodyPr>
-          <a:lstStyle/>
-          <a:p>
-            <a:r>
-              <a:rPr lang="zh-CN" altLang="en-US" dirty="0"/>
-              <a:t>词形转换</a:t>
-            </a:r>
-            <a:endParaRPr lang="en-US" altLang="zh-CN" dirty="0"/>
-          </a:p>
-        </p:txBody>
-      </p:sp>
-      <p:sp>
-        <p:nvSpPr>
           <p:cNvPr id="11" name="标题 10"/>
           <p:cNvSpPr>
             <a:spLocks noGrp="1"/>
@@ -18209,7 +18177,7 @@
       <p:sp>
         <p:nvSpPr>
           <p:cNvPr id="4" name="文本框 3">
-            <a:hlinkClick r:id="rId13"/>
+            <a:hlinkClick r:id="rId12"/>
           </p:cNvPr>
           <p:cNvSpPr txBox="1"/>
           <p:nvPr/>
@@ -18244,7 +18212,7 @@
       <p:sp>
         <p:nvSpPr>
           <p:cNvPr id="12" name="文本框 11">
-            <a:hlinkClick r:id="rId14"/>
+            <a:hlinkClick r:id="rId13"/>
           </p:cNvPr>
           <p:cNvSpPr txBox="1"/>
           <p:nvPr/>
@@ -18275,7 +18243,7 @@
       <p:sp>
         <p:nvSpPr>
           <p:cNvPr id="17" name="文本框 16">
-            <a:hlinkClick r:id="rId15"/>
+            <a:hlinkClick r:id="rId14"/>
           </p:cNvPr>
           <p:cNvSpPr txBox="1"/>
           <p:nvPr/>
@@ -18306,7 +18274,7 @@
       <p:sp>
         <p:nvSpPr>
           <p:cNvPr id="16" name="文本框 15">
-            <a:hlinkClick r:id="rId16"/>
+            <a:hlinkClick r:id="rId15"/>
           </p:cNvPr>
           <p:cNvSpPr txBox="1"/>
           <p:nvPr/>
@@ -18337,7 +18305,7 @@
       <p:sp>
         <p:nvSpPr>
           <p:cNvPr id="18" name="文本框 17">
-            <a:hlinkClick r:id="rId17"/>
+            <a:hlinkClick r:id="rId16"/>
           </p:cNvPr>
           <p:cNvSpPr txBox="1"/>
           <p:nvPr/>
@@ -18368,7 +18336,7 @@
       <p:sp>
         <p:nvSpPr>
           <p:cNvPr id="19" name="文本框 18">
-            <a:hlinkClick r:id="rId18"/>
+            <a:hlinkClick r:id="rId17"/>
           </p:cNvPr>
           <p:cNvSpPr txBox="1"/>
           <p:nvPr/>
@@ -18399,7 +18367,7 @@
       <p:sp>
         <p:nvSpPr>
           <p:cNvPr id="20" name="文本框 19">
-            <a:hlinkClick r:id="rId19"/>
+            <a:hlinkClick r:id="rId18"/>
           </p:cNvPr>
           <p:cNvSpPr txBox="1"/>
           <p:nvPr/>
@@ -18430,7 +18398,7 @@
       <p:sp>
         <p:nvSpPr>
           <p:cNvPr id="21" name="文本框 20">
-            <a:hlinkClick r:id="rId20"/>
+            <a:hlinkClick r:id="rId19"/>
           </p:cNvPr>
           <p:cNvSpPr txBox="1"/>
           <p:nvPr/>
@@ -18462,14 +18430,14 @@
       <p:sp>
         <p:nvSpPr>
           <p:cNvPr id="22" name="文本框 21">
-            <a:hlinkClick r:id="rId21"/>
+            <a:hlinkClick r:id="rId20"/>
           </p:cNvPr>
           <p:cNvSpPr txBox="1"/>
           <p:nvPr/>
         </p:nvSpPr>
         <p:spPr>
           <a:xfrm>
-            <a:off x="9315055" y="5454001"/>
+            <a:off x="9196785" y="5088092"/>
             <a:ext cx="877163" cy="369332"/>
           </a:xfrm>
           <a:prstGeom prst="rect">
@@ -18493,14 +18461,14 @@
       <p:sp>
         <p:nvSpPr>
           <p:cNvPr id="23" name="文本框 22">
-            <a:hlinkClick r:id="rId22"/>
+            <a:hlinkClick r:id="rId21"/>
           </p:cNvPr>
           <p:cNvSpPr txBox="1"/>
           <p:nvPr/>
         </p:nvSpPr>
         <p:spPr>
           <a:xfrm>
-            <a:off x="8956305" y="4792102"/>
+            <a:off x="6440040" y="1868324"/>
             <a:ext cx="1569660" cy="369332"/>
           </a:xfrm>
           <a:prstGeom prst="rect">
